--- a/ey.pptx
+++ b/ey.pptx
@@ -9,6 +9,7 @@
     <p:sldId id="257" r:id="rId3"/>
     <p:sldId id="258" r:id="rId4"/>
     <p:sldId id="259" r:id="rId5"/>
+    <p:sldId id="260" r:id="rId6"/>
   </p:sldIdLst>
   <p:sldSz cx="12192000" cy="6858000"/>
   <p:notesSz cx="6858000" cy="9144000"/>
@@ -107,6 +108,11 @@
       </a:defRPr>
     </a:lvl9pPr>
   </p:defaultTextStyle>
+  <p:extLst>
+    <p:ext uri="{EFAFB233-063F-42B5-8137-9DF3F51BA10A}">
+      <p15:sldGuideLst xmlns:p15="http://schemas.microsoft.com/office/powerpoint/2012/main"/>
+    </p:ext>
+  </p:extLst>
 </p:presentation>
 </file>
 
@@ -4427,6 +4433,90 @@
 </p:sld>
 </file>
 
+<file path=ppt/slides/slide5.xml><?xml version="1.0" encoding="utf-8"?>
+<p:sld xmlns:a="http://schemas.openxmlformats.org/drawingml/2006/main" xmlns:r="http://schemas.openxmlformats.org/officeDocument/2006/relationships" xmlns:p="http://schemas.openxmlformats.org/presentationml/2006/main">
+  <p:cSld>
+    <p:spTree>
+      <p:nvGrpSpPr>
+        <p:cNvPr id="1" name=""/>
+        <p:cNvGrpSpPr/>
+        <p:nvPr/>
+      </p:nvGrpSpPr>
+      <p:grpSpPr>
+        <a:xfrm>
+          <a:off x="0" y="0"/>
+          <a:ext cx="0" cy="0"/>
+          <a:chOff x="0" y="0"/>
+          <a:chExt cx="0" cy="0"/>
+        </a:xfrm>
+      </p:grpSpPr>
+      <p:sp>
+        <p:nvSpPr>
+          <p:cNvPr id="2" name="Τίτλος 1">
+            <a:extLst>
+              <a:ext uri="{FF2B5EF4-FFF2-40B4-BE49-F238E27FC236}">
+                <a16:creationId xmlns:a16="http://schemas.microsoft.com/office/drawing/2014/main" id="{CA204F78-2184-1CC4-EF21-D70233A1343B}"/>
+              </a:ext>
+            </a:extLst>
+          </p:cNvPr>
+          <p:cNvSpPr>
+            <a:spLocks noGrp="1"/>
+          </p:cNvSpPr>
+          <p:nvPr>
+            <p:ph type="title"/>
+          </p:nvPr>
+        </p:nvSpPr>
+        <p:spPr/>
+        <p:txBody>
+          <a:bodyPr/>
+          <a:lstStyle/>
+          <a:p>
+            <a:r>
+              <a:rPr lang="en-US" dirty="0"/>
+              <a:t>WHAT TO EXPECT NEXT?</a:t>
+            </a:r>
+            <a:endParaRPr lang="el-GR" dirty="0"/>
+          </a:p>
+        </p:txBody>
+      </p:sp>
+      <p:sp>
+        <p:nvSpPr>
+          <p:cNvPr id="3" name="Θέση περιεχομένου 2">
+            <a:extLst>
+              <a:ext uri="{FF2B5EF4-FFF2-40B4-BE49-F238E27FC236}">
+                <a16:creationId xmlns:a16="http://schemas.microsoft.com/office/drawing/2014/main" id="{78063056-3CC3-CB34-221E-1580E161E049}"/>
+              </a:ext>
+            </a:extLst>
+          </p:cNvPr>
+          <p:cNvSpPr>
+            <a:spLocks noGrp="1"/>
+          </p:cNvSpPr>
+          <p:nvPr>
+            <p:ph idx="1"/>
+          </p:nvPr>
+        </p:nvSpPr>
+        <p:spPr/>
+        <p:txBody>
+          <a:bodyPr/>
+          <a:lstStyle/>
+          <a:p>
+            <a:endParaRPr lang="el-GR" dirty="0"/>
+          </a:p>
+        </p:txBody>
+      </p:sp>
+    </p:spTree>
+    <p:extLst>
+      <p:ext uri="{BB962C8B-B14F-4D97-AF65-F5344CB8AC3E}">
+        <p14:creationId xmlns:p14="http://schemas.microsoft.com/office/powerpoint/2010/main" val="3582452232"/>
+      </p:ext>
+    </p:extLst>
+  </p:cSld>
+  <p:clrMapOvr>
+    <a:masterClrMapping/>
+  </p:clrMapOvr>
+</p:sld>
+</file>
+
 <file path=ppt/theme/theme1.xml><?xml version="1.0" encoding="utf-8"?>
 <a:theme xmlns:a="http://schemas.openxmlformats.org/drawingml/2006/main" name="Θέμα του Office">
   <a:themeElements>

--- a/ey.pptx
+++ b/ey.pptx
@@ -7,9 +7,9 @@
   <p:sldIdLst>
     <p:sldId id="256" r:id="rId2"/>
     <p:sldId id="257" r:id="rId3"/>
-    <p:sldId id="258" r:id="rId4"/>
-    <p:sldId id="259" r:id="rId5"/>
-    <p:sldId id="260" r:id="rId6"/>
+    <p:sldId id="261" r:id="rId4"/>
+    <p:sldId id="260" r:id="rId5"/>
+    <p:sldId id="259" r:id="rId6"/>
   </p:sldIdLst>
   <p:sldSz cx="12192000" cy="6858000"/>
   <p:notesSz cx="6858000" cy="9144000"/>
@@ -109,11 +109,3871 @@
     </a:lvl9pPr>
   </p:defaultTextStyle>
   <p:extLst>
+    <p:ext uri="{521415D9-36F7-43E2-AB2F-B90AF26B5E84}">
+      <p14:sectionLst xmlns:p14="http://schemas.microsoft.com/office/powerpoint/2010/main">
+        <p14:section name="Προεπιλεγμένη ενότητα" id="{95D5F47C-7C51-45DC-90F0-37CF11F18137}">
+          <p14:sldIdLst>
+            <p14:sldId id="256"/>
+            <p14:sldId id="257"/>
+            <p14:sldId id="261"/>
+            <p14:sldId id="260"/>
+            <p14:sldId id="259"/>
+          </p14:sldIdLst>
+        </p14:section>
+      </p14:sectionLst>
+    </p:ext>
     <p:ext uri="{EFAFB233-063F-42B5-8137-9DF3F51BA10A}">
       <p15:sldGuideLst xmlns:p15="http://schemas.microsoft.com/office/powerpoint/2012/main"/>
     </p:ext>
   </p:extLst>
 </p:presentation>
+</file>
+
+<file path=ppt/revisionInfo.xml><?xml version="1.0" encoding="utf-8"?>
+<p1510:revInfo xmlns:a="http://schemas.openxmlformats.org/drawingml/2006/main" xmlns:r="http://schemas.openxmlformats.org/officeDocument/2006/relationships" xmlns:p1510="http://schemas.microsoft.com/office/powerpoint/2015/10/main">
+  <p1510:revLst>
+    <p1510:client id="{4DE1247C-D552-4901-9F84-2C1136679DD0}" v="918" dt="2025-05-24T15:39:26.246"/>
+  </p1510:revLst>
+</p1510:revInfo>
+</file>
+
+<file path=ppt/changesInfos/changesInfo1.xml><?xml version="1.0" encoding="utf-8"?>
+<pc:chgInfo xmlns:a="http://schemas.openxmlformats.org/drawingml/2006/main" xmlns:r="http://schemas.openxmlformats.org/officeDocument/2006/relationships" xmlns:ac="http://schemas.microsoft.com/office/drawing/2013/main/command" xmlns:pc="http://schemas.microsoft.com/office/powerpoint/2013/main/command">
+  <pc:docChgLst>
+    <pc:chgData name="Στέφανος Γκαραβέλας" userId="1dfd7f32ed7c415a" providerId="LiveId" clId="{4DE1247C-D552-4901-9F84-2C1136679DD0}"/>
+    <pc:docChg chg="undo redo custSel addSld delSld modSld sldOrd modMainMaster addSection delSection modSection">
+      <pc:chgData name="Στέφανος Γκαραβέλας" userId="1dfd7f32ed7c415a" providerId="LiveId" clId="{4DE1247C-D552-4901-9F84-2C1136679DD0}" dt="2025-05-24T15:39:26.245" v="4823"/>
+      <pc:docMkLst>
+        <pc:docMk/>
+      </pc:docMkLst>
+      <pc:sldChg chg="addSp delSp modSp mod ord setBg delDesignElem">
+        <pc:chgData name="Στέφανος Γκαραβέλας" userId="1dfd7f32ed7c415a" providerId="LiveId" clId="{4DE1247C-D552-4901-9F84-2C1136679DD0}" dt="2025-05-24T13:41:07.428" v="1566"/>
+        <pc:sldMkLst>
+          <pc:docMk/>
+          <pc:sldMk cId="1083910964" sldId="256"/>
+        </pc:sldMkLst>
+        <pc:spChg chg="mod">
+          <ac:chgData name="Στέφανος Γκαραβέλας" userId="1dfd7f32ed7c415a" providerId="LiveId" clId="{4DE1247C-D552-4901-9F84-2C1136679DD0}" dt="2025-05-24T13:41:07.428" v="1566"/>
+          <ac:spMkLst>
+            <pc:docMk/>
+            <pc:sldMk cId="1083910964" sldId="256"/>
+            <ac:spMk id="10" creationId="{3AB9498E-8F26-3E0C-637B-FE3D66A12AD5}"/>
+          </ac:spMkLst>
+        </pc:spChg>
+        <pc:spChg chg="add del">
+          <ac:chgData name="Στέφανος Γκαραβέλας" userId="1dfd7f32ed7c415a" providerId="LiveId" clId="{4DE1247C-D552-4901-9F84-2C1136679DD0}" dt="2025-05-24T13:31:47.433" v="243"/>
+          <ac:spMkLst>
+            <pc:docMk/>
+            <pc:sldMk cId="1083910964" sldId="256"/>
+            <ac:spMk id="14" creationId="{C96C8BAF-68F3-4B78-B238-35DF5D86560D}"/>
+          </ac:spMkLst>
+        </pc:spChg>
+        <pc:grpChg chg="add del">
+          <ac:chgData name="Στέφανος Γκαραβέλας" userId="1dfd7f32ed7c415a" providerId="LiveId" clId="{4DE1247C-D552-4901-9F84-2C1136679DD0}" dt="2025-05-24T13:31:47.433" v="243"/>
+          <ac:grpSpMkLst>
+            <pc:docMk/>
+            <pc:sldMk cId="1083910964" sldId="256"/>
+            <ac:grpSpMk id="16" creationId="{4F4CD6D0-5A87-4BA2-A13A-0E40511C3CFA}"/>
+          </ac:grpSpMkLst>
+        </pc:grpChg>
+        <pc:grpChg chg="add del">
+          <ac:chgData name="Στέφανος Γκαραβέλας" userId="1dfd7f32ed7c415a" providerId="LiveId" clId="{4DE1247C-D552-4901-9F84-2C1136679DD0}" dt="2025-05-24T13:31:47.433" v="243"/>
+          <ac:grpSpMkLst>
+            <pc:docMk/>
+            <pc:sldMk cId="1083910964" sldId="256"/>
+            <ac:grpSpMk id="20" creationId="{E9537076-EF48-4F72-9164-FD8260D550AC}"/>
+          </ac:grpSpMkLst>
+        </pc:grpChg>
+        <pc:grpChg chg="add del">
+          <ac:chgData name="Στέφανος Γκαραβέλας" userId="1dfd7f32ed7c415a" providerId="LiveId" clId="{4DE1247C-D552-4901-9F84-2C1136679DD0}" dt="2025-05-24T13:31:47.433" v="243"/>
+          <ac:grpSpMkLst>
+            <pc:docMk/>
+            <pc:sldMk cId="1083910964" sldId="256"/>
+            <ac:grpSpMk id="24" creationId="{6EFC3492-86BD-4D75-B5B4-C2DBFE0BD106}"/>
+          </ac:grpSpMkLst>
+        </pc:grpChg>
+      </pc:sldChg>
+      <pc:sldChg chg="addSp delSp modSp mod setBg">
+        <pc:chgData name="Στέφανος Γκαραβέλας" userId="1dfd7f32ed7c415a" providerId="LiveId" clId="{4DE1247C-D552-4901-9F84-2C1136679DD0}" dt="2025-05-24T13:43:11.107" v="2473" actId="404"/>
+        <pc:sldMkLst>
+          <pc:docMk/>
+          <pc:sldMk cId="777704071" sldId="257"/>
+        </pc:sldMkLst>
+        <pc:spChg chg="mod">
+          <ac:chgData name="Στέφανος Γκαραβέλας" userId="1dfd7f32ed7c415a" providerId="LiveId" clId="{4DE1247C-D552-4901-9F84-2C1136679DD0}" dt="2025-05-24T13:42:44.310" v="2445" actId="3064"/>
+          <ac:spMkLst>
+            <pc:docMk/>
+            <pc:sldMk cId="777704071" sldId="257"/>
+            <ac:spMk id="2" creationId="{6C1EECB6-D2B3-8182-3B6F-243F57B1AE99}"/>
+          </ac:spMkLst>
+        </pc:spChg>
+        <pc:spChg chg="add del mod">
+          <ac:chgData name="Στέφανος Γκαραβέλας" userId="1dfd7f32ed7c415a" providerId="LiveId" clId="{4DE1247C-D552-4901-9F84-2C1136679DD0}" dt="2025-05-24T13:43:11.107" v="2473" actId="404"/>
+          <ac:spMkLst>
+            <pc:docMk/>
+            <pc:sldMk cId="777704071" sldId="257"/>
+            <ac:spMk id="3" creationId="{2FDBFF84-7EA7-3365-49EE-96F11E23D879}"/>
+          </ac:spMkLst>
+        </pc:spChg>
+        <pc:spChg chg="add del">
+          <ac:chgData name="Στέφανος Γκαραβέλας" userId="1dfd7f32ed7c415a" providerId="LiveId" clId="{4DE1247C-D552-4901-9F84-2C1136679DD0}" dt="2025-05-24T13:35:45.707" v="261" actId="26606"/>
+          <ac:spMkLst>
+            <pc:docMk/>
+            <pc:sldMk cId="777704071" sldId="257"/>
+            <ac:spMk id="5" creationId="{787F4F1C-8D3D-4EC1-B72D-A0470A5A08B8}"/>
+          </ac:spMkLst>
+        </pc:spChg>
+        <pc:spChg chg="add del">
+          <ac:chgData name="Στέφανος Γκαραβέλας" userId="1dfd7f32ed7c415a" providerId="LiveId" clId="{4DE1247C-D552-4901-9F84-2C1136679DD0}" dt="2025-05-24T13:36:15.918" v="269" actId="26606"/>
+          <ac:spMkLst>
+            <pc:docMk/>
+            <pc:sldMk cId="777704071" sldId="257"/>
+            <ac:spMk id="7" creationId="{5C8908E2-EE49-44D2-9428-A28D2312A8D5}"/>
+          </ac:spMkLst>
+        </pc:spChg>
+        <pc:spChg chg="add del">
+          <ac:chgData name="Στέφανος Γκαραβέλας" userId="1dfd7f32ed7c415a" providerId="LiveId" clId="{4DE1247C-D552-4901-9F84-2C1136679DD0}" dt="2025-05-24T13:35:31.165" v="259" actId="26606"/>
+          <ac:spMkLst>
+            <pc:docMk/>
+            <pc:sldMk cId="777704071" sldId="257"/>
+            <ac:spMk id="8" creationId="{1A3C89F8-0D2F-47FF-B903-151248265F47}"/>
+          </ac:spMkLst>
+        </pc:spChg>
+        <pc:spChg chg="add del">
+          <ac:chgData name="Στέφανος Γκαραβέλας" userId="1dfd7f32ed7c415a" providerId="LiveId" clId="{4DE1247C-D552-4901-9F84-2C1136679DD0}" dt="2025-05-24T13:35:59.564" v="265" actId="26606"/>
+          <ac:spMkLst>
+            <pc:docMk/>
+            <pc:sldMk cId="777704071" sldId="257"/>
+            <ac:spMk id="9" creationId="{1B15ED52-F352-441B-82BF-E0EA34836D08}"/>
+          </ac:spMkLst>
+        </pc:spChg>
+        <pc:spChg chg="add del">
+          <ac:chgData name="Στέφανος Γκαραβέλας" userId="1dfd7f32ed7c415a" providerId="LiveId" clId="{4DE1247C-D552-4901-9F84-2C1136679DD0}" dt="2025-05-24T13:35:31.165" v="259" actId="26606"/>
+          <ac:spMkLst>
+            <pc:docMk/>
+            <pc:sldMk cId="777704071" sldId="257"/>
+            <ac:spMk id="10" creationId="{C5CB530E-515E-412C-9DF1-5F8FFBD6F383}"/>
+          </ac:spMkLst>
+        </pc:spChg>
+        <pc:spChg chg="add del">
+          <ac:chgData name="Στέφανος Γκαραβέλας" userId="1dfd7f32ed7c415a" providerId="LiveId" clId="{4DE1247C-D552-4901-9F84-2C1136679DD0}" dt="2025-05-24T13:35:59.564" v="265" actId="26606"/>
+          <ac:spMkLst>
+            <pc:docMk/>
+            <pc:sldMk cId="777704071" sldId="257"/>
+            <ac:spMk id="11" creationId="{3B2E3793-BFE6-45A2-9B7B-E18844431C99}"/>
+          </ac:spMkLst>
+        </pc:spChg>
+        <pc:spChg chg="add del">
+          <ac:chgData name="Στέφανος Γκαραβέλας" userId="1dfd7f32ed7c415a" providerId="LiveId" clId="{4DE1247C-D552-4901-9F84-2C1136679DD0}" dt="2025-05-24T13:35:31.165" v="259" actId="26606"/>
+          <ac:spMkLst>
+            <pc:docMk/>
+            <pc:sldMk cId="777704071" sldId="257"/>
+            <ac:spMk id="12" creationId="{712D4376-A578-4FF1-94FC-245E7A6A489F}"/>
+          </ac:spMkLst>
+        </pc:spChg>
+        <pc:spChg chg="add del">
+          <ac:chgData name="Στέφανος Γκαραβέλας" userId="1dfd7f32ed7c415a" providerId="LiveId" clId="{4DE1247C-D552-4901-9F84-2C1136679DD0}" dt="2025-05-24T13:35:31.165" v="259" actId="26606"/>
+          <ac:spMkLst>
+            <pc:docMk/>
+            <pc:sldMk cId="777704071" sldId="257"/>
+            <ac:spMk id="14" creationId="{AEA7509D-F04F-40CB-A0B3-EEF16499CC9F}"/>
+          </ac:spMkLst>
+        </pc:spChg>
+        <pc:spChg chg="add">
+          <ac:chgData name="Στέφανος Γκαραβέλας" userId="1dfd7f32ed7c415a" providerId="LiveId" clId="{4DE1247C-D552-4901-9F84-2C1136679DD0}" dt="2025-05-24T13:36:26.541" v="272" actId="26606"/>
+          <ac:spMkLst>
+            <pc:docMk/>
+            <pc:sldMk cId="777704071" sldId="257"/>
+            <ac:spMk id="15" creationId="{081EA652-8C6A-4E69-BEB9-170809474553}"/>
+          </ac:spMkLst>
+        </pc:spChg>
+        <pc:spChg chg="add">
+          <ac:chgData name="Στέφανος Γκαραβέλας" userId="1dfd7f32ed7c415a" providerId="LiveId" clId="{4DE1247C-D552-4901-9F84-2C1136679DD0}" dt="2025-05-24T13:36:26.541" v="272" actId="26606"/>
+          <ac:spMkLst>
+            <pc:docMk/>
+            <pc:sldMk cId="777704071" sldId="257"/>
+            <ac:spMk id="17" creationId="{5298780A-33B9-4EA2-8F67-DE68AD62841B}"/>
+          </ac:spMkLst>
+        </pc:spChg>
+        <pc:spChg chg="add del">
+          <ac:chgData name="Στέφανος Γκαραβέλας" userId="1dfd7f32ed7c415a" providerId="LiveId" clId="{4DE1247C-D552-4901-9F84-2C1136679DD0}" dt="2025-05-24T13:35:31.165" v="259" actId="26606"/>
+          <ac:spMkLst>
+            <pc:docMk/>
+            <pc:sldMk cId="777704071" sldId="257"/>
+            <ac:spMk id="18" creationId="{508BEF50-7B1E-49A4-BC19-5F4F1D755E64}"/>
+          </ac:spMkLst>
+        </pc:spChg>
+        <pc:spChg chg="add del">
+          <ac:chgData name="Στέφανος Γκαραβέλας" userId="1dfd7f32ed7c415a" providerId="LiveId" clId="{4DE1247C-D552-4901-9F84-2C1136679DD0}" dt="2025-05-24T13:35:59.564" v="265" actId="26606"/>
+          <ac:spMkLst>
+            <pc:docMk/>
+            <pc:sldMk cId="777704071" sldId="257"/>
+            <ac:spMk id="19" creationId="{BC4C4868-CB8F-4AF9-9CDB-8108F2C19B67}"/>
+          </ac:spMkLst>
+        </pc:spChg>
+        <pc:spChg chg="add del">
+          <ac:chgData name="Στέφανος Γκαραβέλας" userId="1dfd7f32ed7c415a" providerId="LiveId" clId="{4DE1247C-D552-4901-9F84-2C1136679DD0}" dt="2025-05-24T13:35:31.165" v="259" actId="26606"/>
+          <ac:spMkLst>
+            <pc:docMk/>
+            <pc:sldMk cId="777704071" sldId="257"/>
+            <ac:spMk id="20" creationId="{3FBAD350-5664-4811-A208-657FB882D350}"/>
+          </ac:spMkLst>
+        </pc:spChg>
+        <pc:spChg chg="add del">
+          <ac:chgData name="Στέφανος Γκαραβέλας" userId="1dfd7f32ed7c415a" providerId="LiveId" clId="{4DE1247C-D552-4901-9F84-2C1136679DD0}" dt="2025-05-24T13:35:59.564" v="265" actId="26606"/>
+          <ac:spMkLst>
+            <pc:docMk/>
+            <pc:sldMk cId="777704071" sldId="257"/>
+            <ac:spMk id="21" creationId="{375E0459-6403-40CD-989D-56A4407CA12E}"/>
+          </ac:spMkLst>
+        </pc:spChg>
+        <pc:spChg chg="add del">
+          <ac:chgData name="Στέφανος Γκαραβέλας" userId="1dfd7f32ed7c415a" providerId="LiveId" clId="{4DE1247C-D552-4901-9F84-2C1136679DD0}" dt="2025-05-24T13:35:31.165" v="259" actId="26606"/>
+          <ac:spMkLst>
+            <pc:docMk/>
+            <pc:sldMk cId="777704071" sldId="257"/>
+            <ac:spMk id="22" creationId="{C39ADB8F-D187-49D7-BDCF-C1B6DC727068}"/>
+          </ac:spMkLst>
+        </pc:spChg>
+        <pc:spChg chg="add del">
+          <ac:chgData name="Στέφανος Γκαραβέλας" userId="1dfd7f32ed7c415a" providerId="LiveId" clId="{4DE1247C-D552-4901-9F84-2C1136679DD0}" dt="2025-05-24T13:35:59.564" v="265" actId="26606"/>
+          <ac:spMkLst>
+            <pc:docMk/>
+            <pc:sldMk cId="777704071" sldId="257"/>
+            <ac:spMk id="23" creationId="{53E5B1A8-3AC9-4BD1-9BBC-78CA94F2D1BA}"/>
+          </ac:spMkLst>
+        </pc:spChg>
+        <pc:spChg chg="add del">
+          <ac:chgData name="Στέφανος Γκαραβέλας" userId="1dfd7f32ed7c415a" providerId="LiveId" clId="{4DE1247C-D552-4901-9F84-2C1136679DD0}" dt="2025-05-24T13:36:15.918" v="269" actId="26606"/>
+          <ac:spMkLst>
+            <pc:docMk/>
+            <pc:sldMk cId="777704071" sldId="257"/>
+            <ac:spMk id="24" creationId="{BD92035A-AA2F-4CD8-A556-1CE8BDEC75BD}"/>
+          </ac:spMkLst>
+        </pc:spChg>
+        <pc:spChg chg="add del">
+          <ac:chgData name="Στέφανος Γκαραβέλας" userId="1dfd7f32ed7c415a" providerId="LiveId" clId="{4DE1247C-D552-4901-9F84-2C1136679DD0}" dt="2025-05-24T13:36:15.918" v="269" actId="26606"/>
+          <ac:spMkLst>
+            <pc:docMk/>
+            <pc:sldMk cId="777704071" sldId="257"/>
+            <ac:spMk id="25" creationId="{ED888B23-07FA-482A-96DF-47E31AF1A603}"/>
+          </ac:spMkLst>
+        </pc:spChg>
+        <pc:spChg chg="add">
+          <ac:chgData name="Στέφανος Γκαραβέλας" userId="1dfd7f32ed7c415a" providerId="LiveId" clId="{4DE1247C-D552-4901-9F84-2C1136679DD0}" dt="2025-05-24T13:36:26.541" v="272" actId="26606"/>
+          <ac:spMkLst>
+            <pc:docMk/>
+            <pc:sldMk cId="777704071" sldId="257"/>
+            <ac:spMk id="26" creationId="{7F488E8B-4E1E-4402-8935-D4E6C02615C7}"/>
+          </ac:spMkLst>
+        </pc:spChg>
+        <pc:grpChg chg="add del">
+          <ac:chgData name="Στέφανος Γκαραβέλας" userId="1dfd7f32ed7c415a" providerId="LiveId" clId="{4DE1247C-D552-4901-9F84-2C1136679DD0}" dt="2025-05-24T13:35:45.707" v="261" actId="26606"/>
+          <ac:grpSpMkLst>
+            <pc:docMk/>
+            <pc:sldMk cId="777704071" sldId="257"/>
+            <ac:grpSpMk id="6" creationId="{D1E3DD61-64DB-46AD-B249-E273CD86B051}"/>
+          </ac:grpSpMkLst>
+        </pc:grpChg>
+        <pc:grpChg chg="add del">
+          <ac:chgData name="Στέφανος Γκαραβέλας" userId="1dfd7f32ed7c415a" providerId="LiveId" clId="{4DE1247C-D552-4901-9F84-2C1136679DD0}" dt="2025-05-24T13:36:15.918" v="269" actId="26606"/>
+          <ac:grpSpMkLst>
+            <pc:docMk/>
+            <pc:sldMk cId="777704071" sldId="257"/>
+            <ac:grpSpMk id="13" creationId="{5D1A9D8B-3117-4D9D-BDA4-DD81895098B0}"/>
+          </ac:grpSpMkLst>
+        </pc:grpChg>
+        <pc:cxnChg chg="add del">
+          <ac:chgData name="Στέφανος Γκαραβέλας" userId="1dfd7f32ed7c415a" providerId="LiveId" clId="{4DE1247C-D552-4901-9F84-2C1136679DD0}" dt="2025-05-24T13:35:31.165" v="259" actId="26606"/>
+          <ac:cxnSpMkLst>
+            <pc:docMk/>
+            <pc:sldMk cId="777704071" sldId="257"/>
+            <ac:cxnSpMk id="16" creationId="{56020367-4FD5-4596-8E10-C5F095CD8DBF}"/>
+          </ac:cxnSpMkLst>
+        </pc:cxnChg>
+        <pc:cxnChg chg="add">
+          <ac:chgData name="Στέφανος Γκαραβέλας" userId="1dfd7f32ed7c415a" providerId="LiveId" clId="{4DE1247C-D552-4901-9F84-2C1136679DD0}" dt="2025-05-24T13:36:26.541" v="272" actId="26606"/>
+          <ac:cxnSpMkLst>
+            <pc:docMk/>
+            <pc:sldMk cId="777704071" sldId="257"/>
+            <ac:cxnSpMk id="27" creationId="{23AAC9B5-8015-485C-ACF9-A750390E9A56}"/>
+          </ac:cxnSpMkLst>
+        </pc:cxnChg>
+      </pc:sldChg>
+      <pc:sldChg chg="addSp delSp modSp del mod setBg">
+        <pc:chgData name="Στέφανος Γκαραβέλας" userId="1dfd7f32ed7c415a" providerId="LiveId" clId="{4DE1247C-D552-4901-9F84-2C1136679DD0}" dt="2025-05-24T14:01:11.383" v="2855" actId="47"/>
+        <pc:sldMkLst>
+          <pc:docMk/>
+          <pc:sldMk cId="867469060" sldId="258"/>
+        </pc:sldMkLst>
+        <pc:spChg chg="mod">
+          <ac:chgData name="Στέφανος Γκαραβέλας" userId="1dfd7f32ed7c415a" providerId="LiveId" clId="{4DE1247C-D552-4901-9F84-2C1136679DD0}" dt="2025-05-24T13:53:28.910" v="2843" actId="21"/>
+          <ac:spMkLst>
+            <pc:docMk/>
+            <pc:sldMk cId="867469060" sldId="258"/>
+            <ac:spMk id="2" creationId="{83E9F910-74CD-AB33-2E1B-4AD8F817FC78}"/>
+          </ac:spMkLst>
+        </pc:spChg>
+        <pc:spChg chg="del mod">
+          <ac:chgData name="Στέφανος Γκαραβέλας" userId="1dfd7f32ed7c415a" providerId="LiveId" clId="{4DE1247C-D552-4901-9F84-2C1136679DD0}" dt="2025-05-24T13:45:23.372" v="2474" actId="26606"/>
+          <ac:spMkLst>
+            <pc:docMk/>
+            <pc:sldMk cId="867469060" sldId="258"/>
+            <ac:spMk id="3" creationId="{B9E22BED-4507-919E-F3D0-E116D114B074}"/>
+          </ac:spMkLst>
+        </pc:spChg>
+        <pc:spChg chg="add">
+          <ac:chgData name="Στέφανος Γκαραβέλας" userId="1dfd7f32ed7c415a" providerId="LiveId" clId="{4DE1247C-D552-4901-9F84-2C1136679DD0}" dt="2025-05-24T13:45:23.372" v="2474" actId="26606"/>
+          <ac:spMkLst>
+            <pc:docMk/>
+            <pc:sldMk cId="867469060" sldId="258"/>
+            <ac:spMk id="8" creationId="{577D6B2E-37A3-429E-A37C-F30ED6487282}"/>
+          </ac:spMkLst>
+        </pc:spChg>
+        <pc:spChg chg="add">
+          <ac:chgData name="Στέφανος Γκαραβέλας" userId="1dfd7f32ed7c415a" providerId="LiveId" clId="{4DE1247C-D552-4901-9F84-2C1136679DD0}" dt="2025-05-24T13:45:23.372" v="2474" actId="26606"/>
+          <ac:spMkLst>
+            <pc:docMk/>
+            <pc:sldMk cId="867469060" sldId="258"/>
+            <ac:spMk id="10" creationId="{5CEAD642-85CF-4750-8432-7C80C901F001}"/>
+          </ac:spMkLst>
+        </pc:spChg>
+        <pc:spChg chg="add">
+          <ac:chgData name="Στέφανος Γκαραβέλας" userId="1dfd7f32ed7c415a" providerId="LiveId" clId="{4DE1247C-D552-4901-9F84-2C1136679DD0}" dt="2025-05-24T13:45:23.372" v="2474" actId="26606"/>
+          <ac:spMkLst>
+            <pc:docMk/>
+            <pc:sldMk cId="867469060" sldId="258"/>
+            <ac:spMk id="12" creationId="{FA33EEAE-15D5-4119-8C1E-89D943F911EF}"/>
+          </ac:spMkLst>
+        </pc:spChg>
+        <pc:spChg chg="add">
+          <ac:chgData name="Στέφανος Γκαραβέλας" userId="1dfd7f32ed7c415a" providerId="LiveId" clId="{4DE1247C-D552-4901-9F84-2C1136679DD0}" dt="2025-05-24T13:45:23.372" v="2474" actId="26606"/>
+          <ac:spMkLst>
+            <pc:docMk/>
+            <pc:sldMk cId="867469060" sldId="258"/>
+            <ac:spMk id="14" creationId="{730D8B3B-9B80-4025-B934-26DC7D7CD231}"/>
+          </ac:spMkLst>
+        </pc:spChg>
+        <pc:spChg chg="add">
+          <ac:chgData name="Στέφανος Γκαραβέλας" userId="1dfd7f32ed7c415a" providerId="LiveId" clId="{4DE1247C-D552-4901-9F84-2C1136679DD0}" dt="2025-05-24T13:45:23.372" v="2474" actId="26606"/>
+          <ac:spMkLst>
+            <pc:docMk/>
+            <pc:sldMk cId="867469060" sldId="258"/>
+            <ac:spMk id="16" creationId="{1064D5D5-227B-4F66-9AEA-46F570E793BD}"/>
+          </ac:spMkLst>
+        </pc:spChg>
+        <pc:spChg chg="add">
+          <ac:chgData name="Στέφανος Γκαραβέλας" userId="1dfd7f32ed7c415a" providerId="LiveId" clId="{4DE1247C-D552-4901-9F84-2C1136679DD0}" dt="2025-05-24T13:45:23.372" v="2474" actId="26606"/>
+          <ac:spMkLst>
+            <pc:docMk/>
+            <pc:sldMk cId="867469060" sldId="258"/>
+            <ac:spMk id="18" creationId="{646B67A4-D328-4747-A82B-65E84FA46368}"/>
+          </ac:spMkLst>
+        </pc:spChg>
+        <pc:spChg chg="add">
+          <ac:chgData name="Στέφανος Γκαραβέλας" userId="1dfd7f32ed7c415a" providerId="LiveId" clId="{4DE1247C-D552-4901-9F84-2C1136679DD0}" dt="2025-05-24T13:45:23.372" v="2474" actId="26606"/>
+          <ac:spMkLst>
+            <pc:docMk/>
+            <pc:sldMk cId="867469060" sldId="258"/>
+            <ac:spMk id="20" creationId="{B5A1B09C-1565-46F8-B70F-621C5EB48A09}"/>
+          </ac:spMkLst>
+        </pc:spChg>
+        <pc:spChg chg="add">
+          <ac:chgData name="Στέφανος Γκαραβέλας" userId="1dfd7f32ed7c415a" providerId="LiveId" clId="{4DE1247C-D552-4901-9F84-2C1136679DD0}" dt="2025-05-24T13:45:23.372" v="2474" actId="26606"/>
+          <ac:spMkLst>
+            <pc:docMk/>
+            <pc:sldMk cId="867469060" sldId="258"/>
+            <ac:spMk id="22" creationId="{8C516CC8-80AC-446C-A56E-9F54B7210402}"/>
+          </ac:spMkLst>
+        </pc:spChg>
+      </pc:sldChg>
+      <pc:sldChg chg="addSp delSp modSp mod setBg">
+        <pc:chgData name="Στέφανος Γκαραβέλας" userId="1dfd7f32ed7c415a" providerId="LiveId" clId="{4DE1247C-D552-4901-9F84-2C1136679DD0}" dt="2025-05-24T15:16:17.157" v="4609" actId="21"/>
+        <pc:sldMkLst>
+          <pc:docMk/>
+          <pc:sldMk cId="2188704089" sldId="259"/>
+        </pc:sldMkLst>
+        <pc:spChg chg="mod">
+          <ac:chgData name="Στέφανος Γκαραβέλας" userId="1dfd7f32ed7c415a" providerId="LiveId" clId="{4DE1247C-D552-4901-9F84-2C1136679DD0}" dt="2025-05-24T14:50:17.121" v="4440"/>
+          <ac:spMkLst>
+            <pc:docMk/>
+            <pc:sldMk cId="2188704089" sldId="259"/>
+            <ac:spMk id="2" creationId="{53D0D8DC-2B3B-1086-2EC1-692D2FB00393}"/>
+          </ac:spMkLst>
+        </pc:spChg>
+        <pc:spChg chg="add del mod">
+          <ac:chgData name="Στέφανος Γκαραβέλας" userId="1dfd7f32ed7c415a" providerId="LiveId" clId="{4DE1247C-D552-4901-9F84-2C1136679DD0}" dt="2025-05-24T15:16:17.157" v="4609" actId="21"/>
+          <ac:spMkLst>
+            <pc:docMk/>
+            <pc:sldMk cId="2188704089" sldId="259"/>
+            <ac:spMk id="3" creationId="{0E5A61B3-8BBE-F48A-FF5D-9C86E18FD326}"/>
+          </ac:spMkLst>
+        </pc:spChg>
+        <pc:spChg chg="add del mod">
+          <ac:chgData name="Στέφανος Γκαραβέλας" userId="1dfd7f32ed7c415a" providerId="LiveId" clId="{4DE1247C-D552-4901-9F84-2C1136679DD0}" dt="2025-05-24T14:35:34.824" v="4278"/>
+          <ac:spMkLst>
+            <pc:docMk/>
+            <pc:sldMk cId="2188704089" sldId="259"/>
+            <ac:spMk id="4" creationId="{E780FA27-21F3-6073-148D-41D1A7EFB629}"/>
+          </ac:spMkLst>
+        </pc:spChg>
+        <pc:spChg chg="add">
+          <ac:chgData name="Στέφανος Γκαραβέλας" userId="1dfd7f32ed7c415a" providerId="LiveId" clId="{4DE1247C-D552-4901-9F84-2C1136679DD0}" dt="2025-05-24T14:18:24.629" v="3591" actId="26606"/>
+          <ac:spMkLst>
+            <pc:docMk/>
+            <pc:sldMk cId="2188704089" sldId="259"/>
+            <ac:spMk id="8" creationId="{3AD318CC-E2A8-4E27-9548-A047A78999B1}"/>
+          </ac:spMkLst>
+        </pc:spChg>
+        <pc:spChg chg="add">
+          <ac:chgData name="Στέφανος Γκαραβέλας" userId="1dfd7f32ed7c415a" providerId="LiveId" clId="{4DE1247C-D552-4901-9F84-2C1136679DD0}" dt="2025-05-24T14:18:24.629" v="3591" actId="26606"/>
+          <ac:spMkLst>
+            <pc:docMk/>
+            <pc:sldMk cId="2188704089" sldId="259"/>
+            <ac:spMk id="14" creationId="{2C1BBA94-3F40-40AA-8BB9-E69E25E537C1}"/>
+          </ac:spMkLst>
+        </pc:spChg>
+        <pc:grpChg chg="add">
+          <ac:chgData name="Στέφανος Γκαραβέλας" userId="1dfd7f32ed7c415a" providerId="LiveId" clId="{4DE1247C-D552-4901-9F84-2C1136679DD0}" dt="2025-05-24T14:18:24.629" v="3591" actId="26606"/>
+          <ac:grpSpMkLst>
+            <pc:docMk/>
+            <pc:sldMk cId="2188704089" sldId="259"/>
+            <ac:grpSpMk id="10" creationId="{B14B560F-9DD7-4302-A60B-EBD3EF59B073}"/>
+          </ac:grpSpMkLst>
+        </pc:grpChg>
+        <pc:graphicFrameChg chg="add del">
+          <ac:chgData name="Στέφανος Γκαραβέλας" userId="1dfd7f32ed7c415a" providerId="LiveId" clId="{4DE1247C-D552-4901-9F84-2C1136679DD0}" dt="2025-05-24T14:49:26.370" v="4436" actId="478"/>
+          <ac:graphicFrameMkLst>
+            <pc:docMk/>
+            <pc:sldMk cId="2188704089" sldId="259"/>
+            <ac:graphicFrameMk id="7" creationId="{72345377-C4CA-2CD6-375D-3E99725F81BF}"/>
+          </ac:graphicFrameMkLst>
+        </pc:graphicFrameChg>
+        <pc:picChg chg="add mod">
+          <ac:chgData name="Στέφανος Γκαραβέλας" userId="1dfd7f32ed7c415a" providerId="LiveId" clId="{4DE1247C-D552-4901-9F84-2C1136679DD0}" dt="2025-05-24T14:33:14.477" v="4204" actId="931"/>
+          <ac:picMkLst>
+            <pc:docMk/>
+            <pc:sldMk cId="2188704089" sldId="259"/>
+            <ac:picMk id="6" creationId="{D91A7AB2-1EE3-82FF-927B-85331C275B2B}"/>
+          </ac:picMkLst>
+        </pc:picChg>
+      </pc:sldChg>
+      <pc:sldChg chg="addSp delSp modSp mod ord modTransition setBg">
+        <pc:chgData name="Στέφανος Γκαραβέλας" userId="1dfd7f32ed7c415a" providerId="LiveId" clId="{4DE1247C-D552-4901-9F84-2C1136679DD0}" dt="2025-05-24T15:39:26.245" v="4823"/>
+        <pc:sldMkLst>
+          <pc:docMk/>
+          <pc:sldMk cId="3582452232" sldId="260"/>
+        </pc:sldMkLst>
+        <pc:spChg chg="mod ord">
+          <ac:chgData name="Στέφανος Γκαραβέλας" userId="1dfd7f32ed7c415a" providerId="LiveId" clId="{4DE1247C-D552-4901-9F84-2C1136679DD0}" dt="2025-05-24T14:55:09.576" v="4608" actId="207"/>
+          <ac:spMkLst>
+            <pc:docMk/>
+            <pc:sldMk cId="3582452232" sldId="260"/>
+            <ac:spMk id="2" creationId="{CA204F78-2184-1CC4-EF21-D70233A1343B}"/>
+          </ac:spMkLst>
+        </pc:spChg>
+        <pc:spChg chg="add del mod">
+          <ac:chgData name="Στέφανος Γκαραβέλας" userId="1dfd7f32ed7c415a" providerId="LiveId" clId="{4DE1247C-D552-4901-9F84-2C1136679DD0}" dt="2025-05-24T15:31:49.609" v="4759" actId="5793"/>
+          <ac:spMkLst>
+            <pc:docMk/>
+            <pc:sldMk cId="3582452232" sldId="260"/>
+            <ac:spMk id="3" creationId="{78063056-3CC3-CB34-221E-1580E161E049}"/>
+          </ac:spMkLst>
+        </pc:spChg>
+        <pc:spChg chg="add del mod">
+          <ac:chgData name="Στέφανος Γκαραβέλας" userId="1dfd7f32ed7c415a" providerId="LiveId" clId="{4DE1247C-D552-4901-9F84-2C1136679DD0}" dt="2025-05-24T15:20:16.797" v="4623" actId="12084"/>
+          <ac:spMkLst>
+            <pc:docMk/>
+            <pc:sldMk cId="3582452232" sldId="260"/>
+            <ac:spMk id="5" creationId="{952D702B-4219-E79F-F8A4-FB90DD7BF40E}"/>
+          </ac:spMkLst>
+        </pc:spChg>
+        <pc:spChg chg="add del mod">
+          <ac:chgData name="Στέφανος Γκαραβέλας" userId="1dfd7f32ed7c415a" providerId="LiveId" clId="{4DE1247C-D552-4901-9F84-2C1136679DD0}" dt="2025-05-24T15:21:14.758" v="4630"/>
+          <ac:spMkLst>
+            <pc:docMk/>
+            <pc:sldMk cId="3582452232" sldId="260"/>
+            <ac:spMk id="7" creationId="{4BD07568-F8E3-1A37-0ECE-4CC0F506C286}"/>
+          </ac:spMkLst>
+        </pc:spChg>
+        <pc:spChg chg="add">
+          <ac:chgData name="Στέφανος Γκαραβέλας" userId="1dfd7f32ed7c415a" providerId="LiveId" clId="{4DE1247C-D552-4901-9F84-2C1136679DD0}" dt="2025-05-24T14:51:08.681" v="4443" actId="26606"/>
+          <ac:spMkLst>
+            <pc:docMk/>
+            <pc:sldMk cId="3582452232" sldId="260"/>
+            <ac:spMk id="8" creationId="{8B9AA7C6-5E5A-498E-A6DF-A943376E09BC}"/>
+          </ac:spMkLst>
+        </pc:spChg>
+        <pc:spChg chg="add del mod">
+          <ac:chgData name="Στέφανος Γκαραβέλας" userId="1dfd7f32ed7c415a" providerId="LiveId" clId="{4DE1247C-D552-4901-9F84-2C1136679DD0}" dt="2025-05-24T15:21:45.764" v="4634" actId="12084"/>
+          <ac:spMkLst>
+            <pc:docMk/>
+            <pc:sldMk cId="3582452232" sldId="260"/>
+            <ac:spMk id="9" creationId="{1BD774BA-4E07-5517-5371-7A47024BC898}"/>
+          </ac:spMkLst>
+        </pc:spChg>
+        <pc:spChg chg="add">
+          <ac:chgData name="Στέφανος Γκαραβέλας" userId="1dfd7f32ed7c415a" providerId="LiveId" clId="{4DE1247C-D552-4901-9F84-2C1136679DD0}" dt="2025-05-24T14:51:08.681" v="4443" actId="26606"/>
+          <ac:spMkLst>
+            <pc:docMk/>
+            <pc:sldMk cId="3582452232" sldId="260"/>
+            <ac:spMk id="14" creationId="{81E140AE-0ABF-47C8-BF32-7D2F0CF2BA44}"/>
+          </ac:spMkLst>
+        </pc:spChg>
+        <pc:spChg chg="add">
+          <ac:chgData name="Στέφανος Γκαραβέλας" userId="1dfd7f32ed7c415a" providerId="LiveId" clId="{4DE1247C-D552-4901-9F84-2C1136679DD0}" dt="2025-05-24T14:51:08.681" v="4443" actId="26606"/>
+          <ac:spMkLst>
+            <pc:docMk/>
+            <pc:sldMk cId="3582452232" sldId="260"/>
+            <ac:spMk id="16" creationId="{CBC4F608-B4B8-48C3-9572-C0F061B1CD99}"/>
+          </ac:spMkLst>
+        </pc:spChg>
+        <pc:grpChg chg="add">
+          <ac:chgData name="Στέφανος Γκαραβέλας" userId="1dfd7f32ed7c415a" providerId="LiveId" clId="{4DE1247C-D552-4901-9F84-2C1136679DD0}" dt="2025-05-24T14:51:08.681" v="4443" actId="26606"/>
+          <ac:grpSpMkLst>
+            <pc:docMk/>
+            <pc:sldMk cId="3582452232" sldId="260"/>
+            <ac:grpSpMk id="10" creationId="{83EAB11A-76F7-48F4-9B4F-5BFDF4BF9670}"/>
+          </ac:grpSpMkLst>
+        </pc:grpChg>
+        <pc:graphicFrameChg chg="add mod">
+          <ac:chgData name="Στέφανος Γκαραβέλας" userId="1dfd7f32ed7c415a" providerId="LiveId" clId="{4DE1247C-D552-4901-9F84-2C1136679DD0}" dt="2025-05-24T15:19:26.762" v="4618" actId="12084"/>
+          <ac:graphicFrameMkLst>
+            <pc:docMk/>
+            <pc:sldMk cId="3582452232" sldId="260"/>
+            <ac:graphicFrameMk id="4" creationId="{D9788663-53CC-1E15-7760-1C54052E433B}"/>
+          </ac:graphicFrameMkLst>
+        </pc:graphicFrameChg>
+        <pc:graphicFrameChg chg="add del mod">
+          <ac:chgData name="Στέφανος Γκαραβέλας" userId="1dfd7f32ed7c415a" providerId="LiveId" clId="{4DE1247C-D552-4901-9F84-2C1136679DD0}" dt="2025-05-24T15:20:45.827" v="4627" actId="478"/>
+          <ac:graphicFrameMkLst>
+            <pc:docMk/>
+            <pc:sldMk cId="3582452232" sldId="260"/>
+            <ac:graphicFrameMk id="6" creationId="{7341997A-CE71-5C6C-9215-8D521931D752}"/>
+          </ac:graphicFrameMkLst>
+        </pc:graphicFrameChg>
+        <pc:graphicFrameChg chg="add mod modGraphic">
+          <ac:chgData name="Στέφανος Γκαραβέλας" userId="1dfd7f32ed7c415a" providerId="LiveId" clId="{4DE1247C-D552-4901-9F84-2C1136679DD0}" dt="2025-05-24T15:36:43.220" v="4817" actId="20577"/>
+          <ac:graphicFrameMkLst>
+            <pc:docMk/>
+            <pc:sldMk cId="3582452232" sldId="260"/>
+            <ac:graphicFrameMk id="13" creationId="{D1179051-DA69-025E-ACDF-0B379576FA0D}"/>
+          </ac:graphicFrameMkLst>
+        </pc:graphicFrameChg>
+      </pc:sldChg>
+      <pc:sldChg chg="delSp add del setBg delDesignElem">
+        <pc:chgData name="Στέφανος Γκαραβέλας" userId="1dfd7f32ed7c415a" providerId="LiveId" clId="{4DE1247C-D552-4901-9F84-2C1136679DD0}" dt="2025-05-24T13:36:18.476" v="271" actId="47"/>
+        <pc:sldMkLst>
+          <pc:docMk/>
+          <pc:sldMk cId="1659928434" sldId="261"/>
+        </pc:sldMkLst>
+        <pc:spChg chg="del">
+          <ac:chgData name="Στέφανος Γκαραβέλας" userId="1dfd7f32ed7c415a" providerId="LiveId" clId="{4DE1247C-D552-4901-9F84-2C1136679DD0}" dt="2025-05-24T13:30:09.522" v="21"/>
+          <ac:spMkLst>
+            <pc:docMk/>
+            <pc:sldMk cId="1659928434" sldId="261"/>
+            <ac:spMk id="14" creationId="{F6CB85B8-CA7C-EB73-2F87-FBC0CF326F1E}"/>
+          </ac:spMkLst>
+        </pc:spChg>
+        <pc:grpChg chg="del">
+          <ac:chgData name="Στέφανος Γκαραβέλας" userId="1dfd7f32ed7c415a" providerId="LiveId" clId="{4DE1247C-D552-4901-9F84-2C1136679DD0}" dt="2025-05-24T13:30:09.522" v="21"/>
+          <ac:grpSpMkLst>
+            <pc:docMk/>
+            <pc:sldMk cId="1659928434" sldId="261"/>
+            <ac:grpSpMk id="16" creationId="{4B1419D2-E577-C403-B386-59BC74701549}"/>
+          </ac:grpSpMkLst>
+        </pc:grpChg>
+        <pc:grpChg chg="del">
+          <ac:chgData name="Στέφανος Γκαραβέλας" userId="1dfd7f32ed7c415a" providerId="LiveId" clId="{4DE1247C-D552-4901-9F84-2C1136679DD0}" dt="2025-05-24T13:30:09.522" v="21"/>
+          <ac:grpSpMkLst>
+            <pc:docMk/>
+            <pc:sldMk cId="1659928434" sldId="261"/>
+            <ac:grpSpMk id="20" creationId="{24C6558C-1794-27C6-8E69-7EF0BD46DFE8}"/>
+          </ac:grpSpMkLst>
+        </pc:grpChg>
+        <pc:grpChg chg="del">
+          <ac:chgData name="Στέφανος Γκαραβέλας" userId="1dfd7f32ed7c415a" providerId="LiveId" clId="{4DE1247C-D552-4901-9F84-2C1136679DD0}" dt="2025-05-24T13:30:09.522" v="21"/>
+          <ac:grpSpMkLst>
+            <pc:docMk/>
+            <pc:sldMk cId="1659928434" sldId="261"/>
+            <ac:grpSpMk id="24" creationId="{3A2A2402-F4ED-5CE0-243D-D7EA62178DD1}"/>
+          </ac:grpSpMkLst>
+        </pc:grpChg>
+      </pc:sldChg>
+      <pc:sldChg chg="addSp delSp modSp new mod setBg">
+        <pc:chgData name="Στέφανος Γκαραβέλας" userId="1dfd7f32ed7c415a" providerId="LiveId" clId="{4DE1247C-D552-4901-9F84-2C1136679DD0}" dt="2025-05-24T14:17:40.962" v="3590" actId="5793"/>
+        <pc:sldMkLst>
+          <pc:docMk/>
+          <pc:sldMk cId="4047474215" sldId="261"/>
+        </pc:sldMkLst>
+        <pc:spChg chg="mod">
+          <ac:chgData name="Στέφανος Γκαραβέλας" userId="1dfd7f32ed7c415a" providerId="LiveId" clId="{4DE1247C-D552-4901-9F84-2C1136679DD0}" dt="2025-05-24T13:55:17.299" v="2854" actId="207"/>
+          <ac:spMkLst>
+            <pc:docMk/>
+            <pc:sldMk cId="4047474215" sldId="261"/>
+            <ac:spMk id="2" creationId="{88EE41FA-F130-B163-7938-0CB363D0C25D}"/>
+          </ac:spMkLst>
+        </pc:spChg>
+        <pc:spChg chg="del mod">
+          <ac:chgData name="Στέφανος Γκαραβέλας" userId="1dfd7f32ed7c415a" providerId="LiveId" clId="{4DE1247C-D552-4901-9F84-2C1136679DD0}" dt="2025-05-24T13:49:21.777" v="2817" actId="26606"/>
+          <ac:spMkLst>
+            <pc:docMk/>
+            <pc:sldMk cId="4047474215" sldId="261"/>
+            <ac:spMk id="3" creationId="{4373BA45-399E-E3FB-B75D-732322F56C30}"/>
+          </ac:spMkLst>
+        </pc:spChg>
+        <pc:spChg chg="add del mod">
+          <ac:chgData name="Στέφανος Γκαραβέλας" userId="1dfd7f32ed7c415a" providerId="LiveId" clId="{4DE1247C-D552-4901-9F84-2C1136679DD0}" dt="2025-05-24T13:50:08.503" v="2825"/>
+          <ac:spMkLst>
+            <pc:docMk/>
+            <pc:sldMk cId="4047474215" sldId="261"/>
+            <ac:spMk id="4" creationId="{1510AC2E-A5E4-29DF-B545-32C1BDBC2ED7}"/>
+          </ac:spMkLst>
+        </pc:spChg>
+        <pc:spChg chg="add">
+          <ac:chgData name="Στέφανος Γκαραβέλας" userId="1dfd7f32ed7c415a" providerId="LiveId" clId="{4DE1247C-D552-4901-9F84-2C1136679DD0}" dt="2025-05-24T13:49:21.777" v="2817" actId="26606"/>
+          <ac:spMkLst>
+            <pc:docMk/>
+            <pc:sldMk cId="4047474215" sldId="261"/>
+            <ac:spMk id="5" creationId="{8E2CC403-21CD-41DF-BAC4-329D7FF03C5C}"/>
+          </ac:spMkLst>
+        </pc:spChg>
+        <pc:spChg chg="add del">
+          <ac:chgData name="Στέφανος Γκαραβέλας" userId="1dfd7f32ed7c415a" providerId="LiveId" clId="{4DE1247C-D552-4901-9F84-2C1136679DD0}" dt="2025-05-24T13:48:56.506" v="2816" actId="26606"/>
+          <ac:spMkLst>
+            <pc:docMk/>
+            <pc:sldMk cId="4047474215" sldId="261"/>
+            <ac:spMk id="8" creationId="{C2554CA6-288E-4202-BC52-2E5A8F0C0AED}"/>
+          </ac:spMkLst>
+        </pc:spChg>
+        <pc:spChg chg="add del mod">
+          <ac:chgData name="Στέφανος Γκαραβέλας" userId="1dfd7f32ed7c415a" providerId="LiveId" clId="{4DE1247C-D552-4901-9F84-2C1136679DD0}" dt="2025-05-24T13:50:52.386" v="2832"/>
+          <ac:spMkLst>
+            <pc:docMk/>
+            <pc:sldMk cId="4047474215" sldId="261"/>
+            <ac:spMk id="9" creationId="{63C57A7F-F83F-9473-FF92-78A7AC79510C}"/>
+          </ac:spMkLst>
+        </pc:spChg>
+        <pc:spChg chg="add del">
+          <ac:chgData name="Στέφανος Γκαραβέλας" userId="1dfd7f32ed7c415a" providerId="LiveId" clId="{4DE1247C-D552-4901-9F84-2C1136679DD0}" dt="2025-05-24T13:48:56.506" v="2816" actId="26606"/>
+          <ac:spMkLst>
+            <pc:docMk/>
+            <pc:sldMk cId="4047474215" sldId="261"/>
+            <ac:spMk id="10" creationId="{B10BB131-AC8E-4A8E-A5D1-36260F720C3B}"/>
+          </ac:spMkLst>
+        </pc:spChg>
+        <pc:spChg chg="add del">
+          <ac:chgData name="Στέφανος Γκαραβέλας" userId="1dfd7f32ed7c415a" providerId="LiveId" clId="{4DE1247C-D552-4901-9F84-2C1136679DD0}" dt="2025-05-24T13:48:56.506" v="2816" actId="26606"/>
+          <ac:spMkLst>
+            <pc:docMk/>
+            <pc:sldMk cId="4047474215" sldId="261"/>
+            <ac:spMk id="12" creationId="{5B7778FC-632E-4DCA-A7CB-0D7731CCF970}"/>
+          </ac:spMkLst>
+        </pc:spChg>
+        <pc:spChg chg="add del">
+          <ac:chgData name="Στέφανος Γκαραβέλας" userId="1dfd7f32ed7c415a" providerId="LiveId" clId="{4DE1247C-D552-4901-9F84-2C1136679DD0}" dt="2025-05-24T13:48:56.506" v="2816" actId="26606"/>
+          <ac:spMkLst>
+            <pc:docMk/>
+            <pc:sldMk cId="4047474215" sldId="261"/>
+            <ac:spMk id="14" creationId="{FA23A907-97FB-4A8F-880A-DD77401C4296}"/>
+          </ac:spMkLst>
+        </pc:spChg>
+        <pc:spChg chg="add">
+          <ac:chgData name="Στέφανος Γκαραβέλας" userId="1dfd7f32ed7c415a" providerId="LiveId" clId="{4DE1247C-D552-4901-9F84-2C1136679DD0}" dt="2025-05-24T13:49:21.777" v="2817" actId="26606"/>
+          <ac:spMkLst>
+            <pc:docMk/>
+            <pc:sldMk cId="4047474215" sldId="261"/>
+            <ac:spMk id="15" creationId="{7653717E-6F8C-43E0-9893-C03AE87D18D6}"/>
+          </ac:spMkLst>
+        </pc:spChg>
+        <pc:spChg chg="add">
+          <ac:chgData name="Στέφανος Γκαραβέλας" userId="1dfd7f32ed7c415a" providerId="LiveId" clId="{4DE1247C-D552-4901-9F84-2C1136679DD0}" dt="2025-05-24T13:49:21.777" v="2817" actId="26606"/>
+          <ac:spMkLst>
+            <pc:docMk/>
+            <pc:sldMk cId="4047474215" sldId="261"/>
+            <ac:spMk id="17" creationId="{35BB14B4-EC3F-47C7-9AF3-B0E017B75C42}"/>
+          </ac:spMkLst>
+        </pc:spChg>
+        <pc:spChg chg="add del mod">
+          <ac:chgData name="Στέφανος Γκαραβέλας" userId="1dfd7f32ed7c415a" providerId="LiveId" clId="{4DE1247C-D552-4901-9F84-2C1136679DD0}" dt="2025-05-24T13:50:52.384" v="2830" actId="478"/>
+          <ac:spMkLst>
+            <pc:docMk/>
+            <pc:sldMk cId="4047474215" sldId="261"/>
+            <ac:spMk id="18" creationId="{750FA96C-5236-31CF-E935-7417AF7C4B8C}"/>
+          </ac:spMkLst>
+        </pc:spChg>
+        <pc:spChg chg="add del">
+          <ac:chgData name="Στέφανος Γκαραβέλας" userId="1dfd7f32ed7c415a" providerId="LiveId" clId="{4DE1247C-D552-4901-9F84-2C1136679DD0}" dt="2025-05-24T13:48:53.464" v="2814" actId="26606"/>
+          <ac:spMkLst>
+            <pc:docMk/>
+            <pc:sldMk cId="4047474215" sldId="261"/>
+            <ac:spMk id="19" creationId="{87BF42CA-AD55-48B4-8949-C4DCA60A6AEE}"/>
+          </ac:spMkLst>
+        </pc:spChg>
+        <pc:spChg chg="add del mod">
+          <ac:chgData name="Στέφανος Γκαραβέλας" userId="1dfd7f32ed7c415a" providerId="LiveId" clId="{4DE1247C-D552-4901-9F84-2C1136679DD0}" dt="2025-05-24T13:51:26.423" v="2839" actId="478"/>
+          <ac:spMkLst>
+            <pc:docMk/>
+            <pc:sldMk cId="4047474215" sldId="261"/>
+            <ac:spMk id="20" creationId="{05F905EF-708E-3C80-7D5C-F1DBE2899256}"/>
+          </ac:spMkLst>
+        </pc:spChg>
+        <pc:spChg chg="add del">
+          <ac:chgData name="Στέφανος Γκαραβέλας" userId="1dfd7f32ed7c415a" providerId="LiveId" clId="{4DE1247C-D552-4901-9F84-2C1136679DD0}" dt="2025-05-24T13:48:53.464" v="2814" actId="26606"/>
+          <ac:spMkLst>
+            <pc:docMk/>
+            <pc:sldMk cId="4047474215" sldId="261"/>
+            <ac:spMk id="21" creationId="{66AE1D3D-3106-4CB2-AA7C-0C1642AC0F2E}"/>
+          </ac:spMkLst>
+        </pc:spChg>
+        <pc:spChg chg="add del mod">
+          <ac:chgData name="Στέφανος Γκαραβέλας" userId="1dfd7f32ed7c415a" providerId="LiveId" clId="{4DE1247C-D552-4901-9F84-2C1136679DD0}" dt="2025-05-24T13:52:55.899" v="2842"/>
+          <ac:spMkLst>
+            <pc:docMk/>
+            <pc:sldMk cId="4047474215" sldId="261"/>
+            <ac:spMk id="22" creationId="{886FAB0C-E17C-18A4-A5CE-0B64B747081E}"/>
+          </ac:spMkLst>
+        </pc:spChg>
+        <pc:spChg chg="add mod">
+          <ac:chgData name="Στέφανος Γκαραβέλας" userId="1dfd7f32ed7c415a" providerId="LiveId" clId="{4DE1247C-D552-4901-9F84-2C1136679DD0}" dt="2025-05-24T14:17:40.962" v="3590" actId="5793"/>
+          <ac:spMkLst>
+            <pc:docMk/>
+            <pc:sldMk cId="4047474215" sldId="261"/>
+            <ac:spMk id="29" creationId="{55E5EA2A-57BE-0D5F-8FF9-4FA1BAEB10C7}"/>
+          </ac:spMkLst>
+        </pc:spChg>
+        <pc:spChg chg="add del">
+          <ac:chgData name="Στέφανος Γκαραβέλας" userId="1dfd7f32ed7c415a" providerId="LiveId" clId="{4DE1247C-D552-4901-9F84-2C1136679DD0}" dt="2025-05-24T13:48:51.960" v="2812" actId="26606"/>
+          <ac:spMkLst>
+            <pc:docMk/>
+            <pc:sldMk cId="4047474215" sldId="261"/>
+            <ac:spMk id="33" creationId="{18873D23-2DCF-4B31-A009-95721C06E8E1}"/>
+          </ac:spMkLst>
+        </pc:spChg>
+        <pc:spChg chg="add del">
+          <ac:chgData name="Στέφανος Γκαραβέλας" userId="1dfd7f32ed7c415a" providerId="LiveId" clId="{4DE1247C-D552-4901-9F84-2C1136679DD0}" dt="2025-05-24T13:48:51.960" v="2812" actId="26606"/>
+          <ac:spMkLst>
+            <pc:docMk/>
+            <pc:sldMk cId="4047474215" sldId="261"/>
+            <ac:spMk id="35" creationId="{C13EF075-D4EF-4929-ADBC-91B27DA19955}"/>
+          </ac:spMkLst>
+        </pc:spChg>
+        <pc:grpChg chg="add">
+          <ac:chgData name="Στέφανος Γκαραβέλας" userId="1dfd7f32ed7c415a" providerId="LiveId" clId="{4DE1247C-D552-4901-9F84-2C1136679DD0}" dt="2025-05-24T13:49:21.777" v="2817" actId="26606"/>
+          <ac:grpSpMkLst>
+            <pc:docMk/>
+            <pc:sldMk cId="4047474215" sldId="261"/>
+            <ac:grpSpMk id="6" creationId="{B13AA5FE-3FFC-4725-9ADD-E428544EC61B}"/>
+          </ac:grpSpMkLst>
+        </pc:grpChg>
+        <pc:grpChg chg="add del">
+          <ac:chgData name="Στέφανος Γκαραβέλας" userId="1dfd7f32ed7c415a" providerId="LiveId" clId="{4DE1247C-D552-4901-9F84-2C1136679DD0}" dt="2025-05-24T13:48:53.464" v="2814" actId="26606"/>
+          <ac:grpSpMkLst>
+            <pc:docMk/>
+            <pc:sldMk cId="4047474215" sldId="261"/>
+            <ac:grpSpMk id="23" creationId="{0A31B6AF-B711-4CDB-8C2B-16E963DDC4C5}"/>
+          </ac:grpSpMkLst>
+        </pc:grpChg>
+        <pc:grpChg chg="add del">
+          <ac:chgData name="Στέφανος Γκαραβέλας" userId="1dfd7f32ed7c415a" providerId="LiveId" clId="{4DE1247C-D552-4901-9F84-2C1136679DD0}" dt="2025-05-24T13:48:51.960" v="2812" actId="26606"/>
+          <ac:grpSpMkLst>
+            <pc:docMk/>
+            <pc:sldMk cId="4047474215" sldId="261"/>
+            <ac:grpSpMk id="37" creationId="{DAA26DFA-AAB2-4973-9C17-16D587C7B198}"/>
+          </ac:grpSpMkLst>
+        </pc:grpChg>
+      </pc:sldChg>
+      <pc:sldMasterChg chg="setBg modSldLayout">
+        <pc:chgData name="Στέφανος Γκαραβέλας" userId="1dfd7f32ed7c415a" providerId="LiveId" clId="{4DE1247C-D552-4901-9F84-2C1136679DD0}" dt="2025-05-24T13:31:59.597" v="256"/>
+        <pc:sldMasterMkLst>
+          <pc:docMk/>
+          <pc:sldMasterMk cId="3427051872" sldId="2147483648"/>
+        </pc:sldMasterMkLst>
+        <pc:sldLayoutChg chg="setBg">
+          <pc:chgData name="Στέφανος Γκαραβέλας" userId="1dfd7f32ed7c415a" providerId="LiveId" clId="{4DE1247C-D552-4901-9F84-2C1136679DD0}" dt="2025-05-24T13:31:59.597" v="256"/>
+          <pc:sldLayoutMkLst>
+            <pc:docMk/>
+            <pc:sldMasterMk cId="3427051872" sldId="2147483648"/>
+            <pc:sldLayoutMk cId="885203641" sldId="2147483649"/>
+          </pc:sldLayoutMkLst>
+        </pc:sldLayoutChg>
+        <pc:sldLayoutChg chg="setBg">
+          <pc:chgData name="Στέφανος Γκαραβέλας" userId="1dfd7f32ed7c415a" providerId="LiveId" clId="{4DE1247C-D552-4901-9F84-2C1136679DD0}" dt="2025-05-24T13:31:59.597" v="256"/>
+          <pc:sldLayoutMkLst>
+            <pc:docMk/>
+            <pc:sldMasterMk cId="3427051872" sldId="2147483648"/>
+            <pc:sldLayoutMk cId="1156787163" sldId="2147483650"/>
+          </pc:sldLayoutMkLst>
+        </pc:sldLayoutChg>
+        <pc:sldLayoutChg chg="setBg">
+          <pc:chgData name="Στέφανος Γκαραβέλας" userId="1dfd7f32ed7c415a" providerId="LiveId" clId="{4DE1247C-D552-4901-9F84-2C1136679DD0}" dt="2025-05-24T13:31:59.597" v="256"/>
+          <pc:sldLayoutMkLst>
+            <pc:docMk/>
+            <pc:sldMasterMk cId="3427051872" sldId="2147483648"/>
+            <pc:sldLayoutMk cId="546553193" sldId="2147483651"/>
+          </pc:sldLayoutMkLst>
+        </pc:sldLayoutChg>
+        <pc:sldLayoutChg chg="setBg">
+          <pc:chgData name="Στέφανος Γκαραβέλας" userId="1dfd7f32ed7c415a" providerId="LiveId" clId="{4DE1247C-D552-4901-9F84-2C1136679DD0}" dt="2025-05-24T13:31:59.597" v="256"/>
+          <pc:sldLayoutMkLst>
+            <pc:docMk/>
+            <pc:sldMasterMk cId="3427051872" sldId="2147483648"/>
+            <pc:sldLayoutMk cId="2607636588" sldId="2147483652"/>
+          </pc:sldLayoutMkLst>
+        </pc:sldLayoutChg>
+        <pc:sldLayoutChg chg="setBg">
+          <pc:chgData name="Στέφανος Γκαραβέλας" userId="1dfd7f32ed7c415a" providerId="LiveId" clId="{4DE1247C-D552-4901-9F84-2C1136679DD0}" dt="2025-05-24T13:31:59.597" v="256"/>
+          <pc:sldLayoutMkLst>
+            <pc:docMk/>
+            <pc:sldMasterMk cId="3427051872" sldId="2147483648"/>
+            <pc:sldLayoutMk cId="3602114738" sldId="2147483653"/>
+          </pc:sldLayoutMkLst>
+        </pc:sldLayoutChg>
+        <pc:sldLayoutChg chg="setBg">
+          <pc:chgData name="Στέφανος Γκαραβέλας" userId="1dfd7f32ed7c415a" providerId="LiveId" clId="{4DE1247C-D552-4901-9F84-2C1136679DD0}" dt="2025-05-24T13:31:59.597" v="256"/>
+          <pc:sldLayoutMkLst>
+            <pc:docMk/>
+            <pc:sldMasterMk cId="3427051872" sldId="2147483648"/>
+            <pc:sldLayoutMk cId="2186520303" sldId="2147483654"/>
+          </pc:sldLayoutMkLst>
+        </pc:sldLayoutChg>
+        <pc:sldLayoutChg chg="setBg">
+          <pc:chgData name="Στέφανος Γκαραβέλας" userId="1dfd7f32ed7c415a" providerId="LiveId" clId="{4DE1247C-D552-4901-9F84-2C1136679DD0}" dt="2025-05-24T13:31:59.597" v="256"/>
+          <pc:sldLayoutMkLst>
+            <pc:docMk/>
+            <pc:sldMasterMk cId="3427051872" sldId="2147483648"/>
+            <pc:sldLayoutMk cId="1309818959" sldId="2147483655"/>
+          </pc:sldLayoutMkLst>
+        </pc:sldLayoutChg>
+        <pc:sldLayoutChg chg="setBg">
+          <pc:chgData name="Στέφανος Γκαραβέλας" userId="1dfd7f32ed7c415a" providerId="LiveId" clId="{4DE1247C-D552-4901-9F84-2C1136679DD0}" dt="2025-05-24T13:31:59.597" v="256"/>
+          <pc:sldLayoutMkLst>
+            <pc:docMk/>
+            <pc:sldMasterMk cId="3427051872" sldId="2147483648"/>
+            <pc:sldLayoutMk cId="4004535728" sldId="2147483656"/>
+          </pc:sldLayoutMkLst>
+        </pc:sldLayoutChg>
+        <pc:sldLayoutChg chg="setBg">
+          <pc:chgData name="Στέφανος Γκαραβέλας" userId="1dfd7f32ed7c415a" providerId="LiveId" clId="{4DE1247C-D552-4901-9F84-2C1136679DD0}" dt="2025-05-24T13:31:59.597" v="256"/>
+          <pc:sldLayoutMkLst>
+            <pc:docMk/>
+            <pc:sldMasterMk cId="3427051872" sldId="2147483648"/>
+            <pc:sldLayoutMk cId="1206103106" sldId="2147483657"/>
+          </pc:sldLayoutMkLst>
+        </pc:sldLayoutChg>
+        <pc:sldLayoutChg chg="setBg">
+          <pc:chgData name="Στέφανος Γκαραβέλας" userId="1dfd7f32ed7c415a" providerId="LiveId" clId="{4DE1247C-D552-4901-9F84-2C1136679DD0}" dt="2025-05-24T13:31:59.597" v="256"/>
+          <pc:sldLayoutMkLst>
+            <pc:docMk/>
+            <pc:sldMasterMk cId="3427051872" sldId="2147483648"/>
+            <pc:sldLayoutMk cId="3081833181" sldId="2147483658"/>
+          </pc:sldLayoutMkLst>
+        </pc:sldLayoutChg>
+        <pc:sldLayoutChg chg="setBg">
+          <pc:chgData name="Στέφανος Γκαραβέλας" userId="1dfd7f32ed7c415a" providerId="LiveId" clId="{4DE1247C-D552-4901-9F84-2C1136679DD0}" dt="2025-05-24T13:31:59.597" v="256"/>
+          <pc:sldLayoutMkLst>
+            <pc:docMk/>
+            <pc:sldMasterMk cId="3427051872" sldId="2147483648"/>
+            <pc:sldLayoutMk cId="1194299638" sldId="2147483659"/>
+          </pc:sldLayoutMkLst>
+        </pc:sldLayoutChg>
+      </pc:sldMasterChg>
+    </pc:docChg>
+  </pc:docChgLst>
+</pc:chgInfo>
+</file>
+
+<file path=ppt/diagrams/colors1.xml><?xml version="1.0" encoding="utf-8"?>
+<dgm:colorsDef xmlns:dgm="http://schemas.openxmlformats.org/drawingml/2006/diagram" xmlns:a="http://schemas.openxmlformats.org/drawingml/2006/main" uniqueId="urn:microsoft.com/office/officeart/2005/8/colors/accent1_2">
+  <dgm:title val=""/>
+  <dgm:desc val=""/>
+  <dgm:catLst>
+    <dgm:cat type="accent1" pri="11200"/>
+  </dgm:catLst>
+  <dgm:styleLbl name="node0">
+    <dgm:fillClrLst meth="repeat">
+      <a:schemeClr val="accent1"/>
+    </dgm:fillClrLst>
+    <dgm:linClrLst meth="repeat">
+      <a:schemeClr val="lt1"/>
+    </dgm:linClrLst>
+    <dgm:effectClrLst/>
+    <dgm:txLinClrLst/>
+    <dgm:txFillClrLst/>
+    <dgm:txEffectClrLst/>
+  </dgm:styleLbl>
+  <dgm:styleLbl name="alignNode1">
+    <dgm:fillClrLst meth="repeat">
+      <a:schemeClr val="accent1"/>
+    </dgm:fillClrLst>
+    <dgm:linClrLst meth="repeat">
+      <a:schemeClr val="accent1"/>
+    </dgm:linClrLst>
+    <dgm:effectClrLst/>
+    <dgm:txLinClrLst/>
+    <dgm:txFillClrLst/>
+    <dgm:txEffectClrLst/>
+  </dgm:styleLbl>
+  <dgm:styleLbl name="node1">
+    <dgm:fillClrLst meth="repeat">
+      <a:schemeClr val="accent1"/>
+    </dgm:fillClrLst>
+    <dgm:linClrLst meth="repeat">
+      <a:schemeClr val="lt1"/>
+    </dgm:linClrLst>
+    <dgm:effectClrLst/>
+    <dgm:txLinClrLst/>
+    <dgm:txFillClrLst/>
+    <dgm:txEffectClrLst/>
+  </dgm:styleLbl>
+  <dgm:styleLbl name="lnNode1">
+    <dgm:fillClrLst meth="repeat">
+      <a:schemeClr val="accent1"/>
+    </dgm:fillClrLst>
+    <dgm:linClrLst meth="repeat">
+      <a:schemeClr val="lt1"/>
+    </dgm:linClrLst>
+    <dgm:effectClrLst/>
+    <dgm:txLinClrLst/>
+    <dgm:txFillClrLst/>
+    <dgm:txEffectClrLst/>
+  </dgm:styleLbl>
+  <dgm:styleLbl name="vennNode1">
+    <dgm:fillClrLst meth="repeat">
+      <a:schemeClr val="accent1">
+        <a:alpha val="50000"/>
+      </a:schemeClr>
+    </dgm:fillClrLst>
+    <dgm:linClrLst meth="repeat">
+      <a:schemeClr val="lt1"/>
+    </dgm:linClrLst>
+    <dgm:effectClrLst/>
+    <dgm:txLinClrLst/>
+    <dgm:txFillClrLst/>
+    <dgm:txEffectClrLst/>
+  </dgm:styleLbl>
+  <dgm:styleLbl name="node2">
+    <dgm:fillClrLst meth="repeat">
+      <a:schemeClr val="accent1"/>
+    </dgm:fillClrLst>
+    <dgm:linClrLst meth="repeat">
+      <a:schemeClr val="lt1"/>
+    </dgm:linClrLst>
+    <dgm:effectClrLst/>
+    <dgm:txLinClrLst/>
+    <dgm:txFillClrLst/>
+    <dgm:txEffectClrLst/>
+  </dgm:styleLbl>
+  <dgm:styleLbl name="node3">
+    <dgm:fillClrLst meth="repeat">
+      <a:schemeClr val="accent1"/>
+    </dgm:fillClrLst>
+    <dgm:linClrLst meth="repeat">
+      <a:schemeClr val="lt1"/>
+    </dgm:linClrLst>
+    <dgm:effectClrLst/>
+    <dgm:txLinClrLst/>
+    <dgm:txFillClrLst/>
+    <dgm:txEffectClrLst/>
+  </dgm:styleLbl>
+  <dgm:styleLbl name="node4">
+    <dgm:fillClrLst meth="repeat">
+      <a:schemeClr val="accent1"/>
+    </dgm:fillClrLst>
+    <dgm:linClrLst meth="repeat">
+      <a:schemeClr val="lt1"/>
+    </dgm:linClrLst>
+    <dgm:effectClrLst/>
+    <dgm:txLinClrLst/>
+    <dgm:txFillClrLst/>
+    <dgm:txEffectClrLst/>
+  </dgm:styleLbl>
+  <dgm:styleLbl name="fgImgPlace1">
+    <dgm:fillClrLst meth="repeat">
+      <a:schemeClr val="accent1">
+        <a:tint val="50000"/>
+      </a:schemeClr>
+    </dgm:fillClrLst>
+    <dgm:linClrLst meth="repeat">
+      <a:schemeClr val="lt1"/>
+    </dgm:linClrLst>
+    <dgm:effectClrLst/>
+    <dgm:txLinClrLst/>
+    <dgm:txFillClrLst meth="repeat">
+      <a:schemeClr val="lt1"/>
+    </dgm:txFillClrLst>
+    <dgm:txEffectClrLst/>
+  </dgm:styleLbl>
+  <dgm:styleLbl name="alignImgPlace1">
+    <dgm:fillClrLst meth="repeat">
+      <a:schemeClr val="accent1">
+        <a:tint val="50000"/>
+      </a:schemeClr>
+    </dgm:fillClrLst>
+    <dgm:linClrLst meth="repeat">
+      <a:schemeClr val="lt1"/>
+    </dgm:linClrLst>
+    <dgm:effectClrLst/>
+    <dgm:txLinClrLst/>
+    <dgm:txFillClrLst meth="repeat">
+      <a:schemeClr val="lt1"/>
+    </dgm:txFillClrLst>
+    <dgm:txEffectClrLst/>
+  </dgm:styleLbl>
+  <dgm:styleLbl name="bgImgPlace1">
+    <dgm:fillClrLst meth="repeat">
+      <a:schemeClr val="accent1">
+        <a:tint val="50000"/>
+      </a:schemeClr>
+    </dgm:fillClrLst>
+    <dgm:linClrLst meth="repeat">
+      <a:schemeClr val="lt1"/>
+    </dgm:linClrLst>
+    <dgm:effectClrLst/>
+    <dgm:txLinClrLst/>
+    <dgm:txFillClrLst meth="repeat">
+      <a:schemeClr val="lt1"/>
+    </dgm:txFillClrLst>
+    <dgm:txEffectClrLst/>
+  </dgm:styleLbl>
+  <dgm:styleLbl name="sibTrans2D1">
+    <dgm:fillClrLst meth="repeat">
+      <a:schemeClr val="accent1">
+        <a:tint val="60000"/>
+      </a:schemeClr>
+    </dgm:fillClrLst>
+    <dgm:linClrLst meth="repeat">
+      <a:schemeClr val="accent1">
+        <a:tint val="60000"/>
+      </a:schemeClr>
+    </dgm:linClrLst>
+    <dgm:effectClrLst/>
+    <dgm:txLinClrLst/>
+    <dgm:txFillClrLst/>
+    <dgm:txEffectClrLst/>
+  </dgm:styleLbl>
+  <dgm:styleLbl name="fgSibTrans2D1">
+    <dgm:fillClrLst meth="repeat">
+      <a:schemeClr val="accent1">
+        <a:tint val="60000"/>
+      </a:schemeClr>
+    </dgm:fillClrLst>
+    <dgm:linClrLst meth="repeat">
+      <a:schemeClr val="accent1">
+        <a:tint val="60000"/>
+      </a:schemeClr>
+    </dgm:linClrLst>
+    <dgm:effectClrLst/>
+    <dgm:txLinClrLst/>
+    <dgm:txFillClrLst/>
+    <dgm:txEffectClrLst/>
+  </dgm:styleLbl>
+  <dgm:styleLbl name="bgSibTrans2D1">
+    <dgm:fillClrLst meth="repeat">
+      <a:schemeClr val="accent1">
+        <a:tint val="60000"/>
+      </a:schemeClr>
+    </dgm:fillClrLst>
+    <dgm:linClrLst meth="repeat">
+      <a:schemeClr val="accent1">
+        <a:tint val="60000"/>
+      </a:schemeClr>
+    </dgm:linClrLst>
+    <dgm:effectClrLst/>
+    <dgm:txLinClrLst/>
+    <dgm:txFillClrLst/>
+    <dgm:txEffectClrLst/>
+  </dgm:styleLbl>
+  <dgm:styleLbl name="sibTrans1D1">
+    <dgm:fillClrLst meth="repeat">
+      <a:schemeClr val="accent1"/>
+    </dgm:fillClrLst>
+    <dgm:linClrLst meth="repeat">
+      <a:schemeClr val="accent1"/>
+    </dgm:linClrLst>
+    <dgm:effectClrLst/>
+    <dgm:txLinClrLst/>
+    <dgm:txFillClrLst meth="repeat">
+      <a:schemeClr val="tx1"/>
+    </dgm:txFillClrLst>
+    <dgm:txEffectClrLst/>
+  </dgm:styleLbl>
+  <dgm:styleLbl name="callout">
+    <dgm:fillClrLst meth="repeat">
+      <a:schemeClr val="accent1"/>
+    </dgm:fillClrLst>
+    <dgm:linClrLst meth="repeat">
+      <a:schemeClr val="accent1">
+        <a:tint val="50000"/>
+      </a:schemeClr>
+    </dgm:linClrLst>
+    <dgm:effectClrLst/>
+    <dgm:txLinClrLst/>
+    <dgm:txFillClrLst meth="repeat">
+      <a:schemeClr val="tx1"/>
+    </dgm:txFillClrLst>
+    <dgm:txEffectClrLst/>
+  </dgm:styleLbl>
+  <dgm:styleLbl name="asst0">
+    <dgm:fillClrLst meth="repeat">
+      <a:schemeClr val="accent1"/>
+    </dgm:fillClrLst>
+    <dgm:linClrLst meth="repeat">
+      <a:schemeClr val="lt1"/>
+    </dgm:linClrLst>
+    <dgm:effectClrLst/>
+    <dgm:txLinClrLst/>
+    <dgm:txFillClrLst/>
+    <dgm:txEffectClrLst/>
+  </dgm:styleLbl>
+  <dgm:styleLbl name="asst1">
+    <dgm:fillClrLst meth="repeat">
+      <a:schemeClr val="accent1"/>
+    </dgm:fillClrLst>
+    <dgm:linClrLst meth="repeat">
+      <a:schemeClr val="lt1"/>
+    </dgm:linClrLst>
+    <dgm:effectClrLst/>
+    <dgm:txLinClrLst/>
+    <dgm:txFillClrLst/>
+    <dgm:txEffectClrLst/>
+  </dgm:styleLbl>
+  <dgm:styleLbl name="asst2">
+    <dgm:fillClrLst meth="repeat">
+      <a:schemeClr val="accent1"/>
+    </dgm:fillClrLst>
+    <dgm:linClrLst meth="repeat">
+      <a:schemeClr val="lt1"/>
+    </dgm:linClrLst>
+    <dgm:effectClrLst/>
+    <dgm:txLinClrLst/>
+    <dgm:txFillClrLst/>
+    <dgm:txEffectClrLst/>
+  </dgm:styleLbl>
+  <dgm:styleLbl name="asst3">
+    <dgm:fillClrLst meth="repeat">
+      <a:schemeClr val="accent1"/>
+    </dgm:fillClrLst>
+    <dgm:linClrLst meth="repeat">
+      <a:schemeClr val="lt1"/>
+    </dgm:linClrLst>
+    <dgm:effectClrLst/>
+    <dgm:txLinClrLst/>
+    <dgm:txFillClrLst/>
+    <dgm:txEffectClrLst/>
+  </dgm:styleLbl>
+  <dgm:styleLbl name="asst4">
+    <dgm:fillClrLst meth="repeat">
+      <a:schemeClr val="accent1"/>
+    </dgm:fillClrLst>
+    <dgm:linClrLst meth="repeat">
+      <a:schemeClr val="lt1"/>
+    </dgm:linClrLst>
+    <dgm:effectClrLst/>
+    <dgm:txLinClrLst/>
+    <dgm:txFillClrLst/>
+    <dgm:txEffectClrLst/>
+  </dgm:styleLbl>
+  <dgm:styleLbl name="parChTrans2D1">
+    <dgm:fillClrLst meth="repeat">
+      <a:schemeClr val="accent1">
+        <a:tint val="60000"/>
+      </a:schemeClr>
+    </dgm:fillClrLst>
+    <dgm:linClrLst meth="repeat">
+      <a:schemeClr val="accent1">
+        <a:tint val="60000"/>
+      </a:schemeClr>
+    </dgm:linClrLst>
+    <dgm:effectClrLst/>
+    <dgm:txLinClrLst/>
+    <dgm:txFillClrLst meth="repeat">
+      <a:schemeClr val="lt1"/>
+    </dgm:txFillClrLst>
+    <dgm:txEffectClrLst/>
+  </dgm:styleLbl>
+  <dgm:styleLbl name="parChTrans2D2">
+    <dgm:fillClrLst meth="repeat">
+      <a:schemeClr val="accent1"/>
+    </dgm:fillClrLst>
+    <dgm:linClrLst meth="repeat">
+      <a:schemeClr val="accent1"/>
+    </dgm:linClrLst>
+    <dgm:effectClrLst/>
+    <dgm:txLinClrLst/>
+    <dgm:txFillClrLst meth="repeat">
+      <a:schemeClr val="lt1"/>
+    </dgm:txFillClrLst>
+    <dgm:txEffectClrLst/>
+  </dgm:styleLbl>
+  <dgm:styleLbl name="parChTrans2D3">
+    <dgm:fillClrLst meth="repeat">
+      <a:schemeClr val="accent1"/>
+    </dgm:fillClrLst>
+    <dgm:linClrLst meth="repeat">
+      <a:schemeClr val="accent1"/>
+    </dgm:linClrLst>
+    <dgm:effectClrLst/>
+    <dgm:txLinClrLst/>
+    <dgm:txFillClrLst meth="repeat">
+      <a:schemeClr val="lt1"/>
+    </dgm:txFillClrLst>
+    <dgm:txEffectClrLst/>
+  </dgm:styleLbl>
+  <dgm:styleLbl name="parChTrans2D4">
+    <dgm:fillClrLst meth="repeat">
+      <a:schemeClr val="accent1"/>
+    </dgm:fillClrLst>
+    <dgm:linClrLst meth="repeat">
+      <a:schemeClr val="accent1"/>
+    </dgm:linClrLst>
+    <dgm:effectClrLst/>
+    <dgm:txLinClrLst/>
+    <dgm:txFillClrLst meth="repeat">
+      <a:schemeClr val="lt1"/>
+    </dgm:txFillClrLst>
+    <dgm:txEffectClrLst/>
+  </dgm:styleLbl>
+  <dgm:styleLbl name="parChTrans1D1">
+    <dgm:fillClrLst meth="repeat">
+      <a:schemeClr val="accent1"/>
+    </dgm:fillClrLst>
+    <dgm:linClrLst meth="repeat">
+      <a:schemeClr val="accent1">
+        <a:shade val="60000"/>
+      </a:schemeClr>
+    </dgm:linClrLst>
+    <dgm:effectClrLst/>
+    <dgm:txLinClrLst/>
+    <dgm:txFillClrLst meth="repeat">
+      <a:schemeClr val="tx1"/>
+    </dgm:txFillClrLst>
+    <dgm:txEffectClrLst/>
+  </dgm:styleLbl>
+  <dgm:styleLbl name="parChTrans1D2">
+    <dgm:fillClrLst meth="repeat">
+      <a:schemeClr val="accent1"/>
+    </dgm:fillClrLst>
+    <dgm:linClrLst meth="repeat">
+      <a:schemeClr val="accent1">
+        <a:shade val="60000"/>
+      </a:schemeClr>
+    </dgm:linClrLst>
+    <dgm:effectClrLst/>
+    <dgm:txLinClrLst/>
+    <dgm:txFillClrLst meth="repeat">
+      <a:schemeClr val="tx1"/>
+    </dgm:txFillClrLst>
+    <dgm:txEffectClrLst/>
+  </dgm:styleLbl>
+  <dgm:styleLbl name="parChTrans1D3">
+    <dgm:fillClrLst meth="repeat">
+      <a:schemeClr val="accent1"/>
+    </dgm:fillClrLst>
+    <dgm:linClrLst meth="repeat">
+      <a:schemeClr val="accent1">
+        <a:shade val="80000"/>
+      </a:schemeClr>
+    </dgm:linClrLst>
+    <dgm:effectClrLst/>
+    <dgm:txLinClrLst/>
+    <dgm:txFillClrLst meth="repeat">
+      <a:schemeClr val="tx1"/>
+    </dgm:txFillClrLst>
+    <dgm:txEffectClrLst/>
+  </dgm:styleLbl>
+  <dgm:styleLbl name="parChTrans1D4">
+    <dgm:fillClrLst meth="repeat">
+      <a:schemeClr val="accent1"/>
+    </dgm:fillClrLst>
+    <dgm:linClrLst meth="repeat">
+      <a:schemeClr val="accent1">
+        <a:shade val="80000"/>
+      </a:schemeClr>
+    </dgm:linClrLst>
+    <dgm:effectClrLst/>
+    <dgm:txLinClrLst/>
+    <dgm:txFillClrLst meth="repeat">
+      <a:schemeClr val="tx1"/>
+    </dgm:txFillClrLst>
+    <dgm:txEffectClrLst/>
+  </dgm:styleLbl>
+  <dgm:styleLbl name="fgAcc1">
+    <dgm:fillClrLst meth="repeat">
+      <a:schemeClr val="lt1">
+        <a:alpha val="90000"/>
+      </a:schemeClr>
+    </dgm:fillClrLst>
+    <dgm:linClrLst meth="repeat">
+      <a:schemeClr val="accent1"/>
+    </dgm:linClrLst>
+    <dgm:effectClrLst/>
+    <dgm:txLinClrLst/>
+    <dgm:txFillClrLst meth="repeat">
+      <a:schemeClr val="dk1"/>
+    </dgm:txFillClrLst>
+    <dgm:txEffectClrLst/>
+  </dgm:styleLbl>
+  <dgm:styleLbl name="conFgAcc1">
+    <dgm:fillClrLst meth="repeat">
+      <a:schemeClr val="lt1">
+        <a:alpha val="90000"/>
+      </a:schemeClr>
+    </dgm:fillClrLst>
+    <dgm:linClrLst meth="repeat">
+      <a:schemeClr val="accent1"/>
+    </dgm:linClrLst>
+    <dgm:effectClrLst/>
+    <dgm:txLinClrLst/>
+    <dgm:txFillClrLst meth="repeat">
+      <a:schemeClr val="dk1"/>
+    </dgm:txFillClrLst>
+    <dgm:txEffectClrLst/>
+  </dgm:styleLbl>
+  <dgm:styleLbl name="alignAcc1">
+    <dgm:fillClrLst meth="repeat">
+      <a:schemeClr val="lt1">
+        <a:alpha val="90000"/>
+      </a:schemeClr>
+    </dgm:fillClrLst>
+    <dgm:linClrLst meth="repeat">
+      <a:schemeClr val="accent1"/>
+    </dgm:linClrLst>
+    <dgm:effectClrLst/>
+    <dgm:txLinClrLst/>
+    <dgm:txFillClrLst meth="repeat">
+      <a:schemeClr val="dk1"/>
+    </dgm:txFillClrLst>
+    <dgm:txEffectClrLst/>
+  </dgm:styleLbl>
+  <dgm:styleLbl name="trAlignAcc1">
+    <dgm:fillClrLst meth="repeat">
+      <a:schemeClr val="lt1">
+        <a:alpha val="40000"/>
+      </a:schemeClr>
+    </dgm:fillClrLst>
+    <dgm:linClrLst meth="repeat">
+      <a:schemeClr val="accent1"/>
+    </dgm:linClrLst>
+    <dgm:effectClrLst/>
+    <dgm:txLinClrLst/>
+    <dgm:txFillClrLst meth="repeat">
+      <a:schemeClr val="dk1"/>
+    </dgm:txFillClrLst>
+    <dgm:txEffectClrLst/>
+  </dgm:styleLbl>
+  <dgm:styleLbl name="bgAcc1">
+    <dgm:fillClrLst meth="repeat">
+      <a:schemeClr val="lt1">
+        <a:alpha val="90000"/>
+      </a:schemeClr>
+    </dgm:fillClrLst>
+    <dgm:linClrLst meth="repeat">
+      <a:schemeClr val="accent1"/>
+    </dgm:linClrLst>
+    <dgm:effectClrLst/>
+    <dgm:txLinClrLst/>
+    <dgm:txFillClrLst meth="repeat">
+      <a:schemeClr val="dk1"/>
+    </dgm:txFillClrLst>
+    <dgm:txEffectClrLst/>
+  </dgm:styleLbl>
+  <dgm:styleLbl name="solidFgAcc1">
+    <dgm:fillClrLst meth="repeat">
+      <a:schemeClr val="lt1"/>
+    </dgm:fillClrLst>
+    <dgm:linClrLst meth="repeat">
+      <a:schemeClr val="accent1"/>
+    </dgm:linClrLst>
+    <dgm:effectClrLst/>
+    <dgm:txLinClrLst/>
+    <dgm:txFillClrLst meth="repeat">
+      <a:schemeClr val="dk1"/>
+    </dgm:txFillClrLst>
+    <dgm:txEffectClrLst/>
+  </dgm:styleLbl>
+  <dgm:styleLbl name="solidAlignAcc1">
+    <dgm:fillClrLst meth="repeat">
+      <a:schemeClr val="lt1"/>
+    </dgm:fillClrLst>
+    <dgm:linClrLst meth="repeat">
+      <a:schemeClr val="accent1"/>
+    </dgm:linClrLst>
+    <dgm:effectClrLst/>
+    <dgm:txLinClrLst/>
+    <dgm:txFillClrLst meth="repeat">
+      <a:schemeClr val="dk1"/>
+    </dgm:txFillClrLst>
+    <dgm:txEffectClrLst/>
+  </dgm:styleLbl>
+  <dgm:styleLbl name="solidBgAcc1">
+    <dgm:fillClrLst meth="repeat">
+      <a:schemeClr val="lt1"/>
+    </dgm:fillClrLst>
+    <dgm:linClrLst meth="repeat">
+      <a:schemeClr val="accent1"/>
+    </dgm:linClrLst>
+    <dgm:effectClrLst/>
+    <dgm:txLinClrLst/>
+    <dgm:txFillClrLst meth="repeat">
+      <a:schemeClr val="dk1"/>
+    </dgm:txFillClrLst>
+    <dgm:txEffectClrLst/>
+  </dgm:styleLbl>
+  <dgm:styleLbl name="fgAccFollowNode1">
+    <dgm:fillClrLst meth="repeat">
+      <a:schemeClr val="accent1">
+        <a:alpha val="90000"/>
+        <a:tint val="40000"/>
+      </a:schemeClr>
+    </dgm:fillClrLst>
+    <dgm:linClrLst meth="repeat">
+      <a:schemeClr val="accent1">
+        <a:alpha val="90000"/>
+        <a:tint val="40000"/>
+      </a:schemeClr>
+    </dgm:linClrLst>
+    <dgm:effectClrLst/>
+    <dgm:txLinClrLst/>
+    <dgm:txFillClrLst meth="repeat">
+      <a:schemeClr val="dk1"/>
+    </dgm:txFillClrLst>
+    <dgm:txEffectClrLst/>
+  </dgm:styleLbl>
+  <dgm:styleLbl name="alignAccFollowNode1">
+    <dgm:fillClrLst meth="repeat">
+      <a:schemeClr val="accent1">
+        <a:alpha val="90000"/>
+        <a:tint val="40000"/>
+      </a:schemeClr>
+    </dgm:fillClrLst>
+    <dgm:linClrLst meth="repeat">
+      <a:schemeClr val="accent1">
+        <a:alpha val="90000"/>
+        <a:tint val="40000"/>
+      </a:schemeClr>
+    </dgm:linClrLst>
+    <dgm:effectClrLst/>
+    <dgm:txLinClrLst/>
+    <dgm:txFillClrLst meth="repeat">
+      <a:schemeClr val="dk1"/>
+    </dgm:txFillClrLst>
+    <dgm:txEffectClrLst/>
+  </dgm:styleLbl>
+  <dgm:styleLbl name="bgAccFollowNode1">
+    <dgm:fillClrLst meth="repeat">
+      <a:schemeClr val="accent1">
+        <a:alpha val="90000"/>
+        <a:tint val="40000"/>
+      </a:schemeClr>
+    </dgm:fillClrLst>
+    <dgm:linClrLst meth="repeat">
+      <a:schemeClr val="accent1">
+        <a:alpha val="90000"/>
+        <a:tint val="40000"/>
+      </a:schemeClr>
+    </dgm:linClrLst>
+    <dgm:effectClrLst/>
+    <dgm:txLinClrLst/>
+    <dgm:txFillClrLst meth="repeat">
+      <a:schemeClr val="dk1"/>
+    </dgm:txFillClrLst>
+    <dgm:txEffectClrLst/>
+  </dgm:styleLbl>
+  <dgm:styleLbl name="fgAcc0">
+    <dgm:fillClrLst meth="repeat">
+      <a:schemeClr val="lt1">
+        <a:alpha val="90000"/>
+      </a:schemeClr>
+    </dgm:fillClrLst>
+    <dgm:linClrLst meth="repeat">
+      <a:schemeClr val="accent1"/>
+    </dgm:linClrLst>
+    <dgm:effectClrLst/>
+    <dgm:txLinClrLst/>
+    <dgm:txFillClrLst meth="repeat">
+      <a:schemeClr val="dk1"/>
+    </dgm:txFillClrLst>
+    <dgm:txEffectClrLst/>
+  </dgm:styleLbl>
+  <dgm:styleLbl name="fgAcc2">
+    <dgm:fillClrLst meth="repeat">
+      <a:schemeClr val="lt1">
+        <a:alpha val="90000"/>
+      </a:schemeClr>
+    </dgm:fillClrLst>
+    <dgm:linClrLst meth="repeat">
+      <a:schemeClr val="accent1"/>
+    </dgm:linClrLst>
+    <dgm:effectClrLst/>
+    <dgm:txLinClrLst/>
+    <dgm:txFillClrLst meth="repeat">
+      <a:schemeClr val="dk1"/>
+    </dgm:txFillClrLst>
+    <dgm:txEffectClrLst/>
+  </dgm:styleLbl>
+  <dgm:styleLbl name="fgAcc3">
+    <dgm:fillClrLst meth="repeat">
+      <a:schemeClr val="lt1">
+        <a:alpha val="90000"/>
+      </a:schemeClr>
+    </dgm:fillClrLst>
+    <dgm:linClrLst meth="repeat">
+      <a:schemeClr val="accent1"/>
+    </dgm:linClrLst>
+    <dgm:effectClrLst/>
+    <dgm:txLinClrLst/>
+    <dgm:txFillClrLst meth="repeat">
+      <a:schemeClr val="dk1"/>
+    </dgm:txFillClrLst>
+    <dgm:txEffectClrLst/>
+  </dgm:styleLbl>
+  <dgm:styleLbl name="fgAcc4">
+    <dgm:fillClrLst meth="repeat">
+      <a:schemeClr val="lt1">
+        <a:alpha val="90000"/>
+      </a:schemeClr>
+    </dgm:fillClrLst>
+    <dgm:linClrLst meth="repeat">
+      <a:schemeClr val="accent1"/>
+    </dgm:linClrLst>
+    <dgm:effectClrLst/>
+    <dgm:txLinClrLst/>
+    <dgm:txFillClrLst meth="repeat">
+      <a:schemeClr val="dk1"/>
+    </dgm:txFillClrLst>
+    <dgm:txEffectClrLst/>
+  </dgm:styleLbl>
+  <dgm:styleLbl name="bgShp">
+    <dgm:fillClrLst meth="repeat">
+      <a:schemeClr val="accent1">
+        <a:tint val="40000"/>
+      </a:schemeClr>
+    </dgm:fillClrLst>
+    <dgm:linClrLst meth="repeat">
+      <a:schemeClr val="accent1"/>
+    </dgm:linClrLst>
+    <dgm:effectClrLst/>
+    <dgm:txLinClrLst/>
+    <dgm:txFillClrLst meth="repeat">
+      <a:schemeClr val="dk1"/>
+    </dgm:txFillClrLst>
+    <dgm:txEffectClrLst/>
+  </dgm:styleLbl>
+  <dgm:styleLbl name="dkBgShp">
+    <dgm:fillClrLst meth="repeat">
+      <a:schemeClr val="accent1">
+        <a:shade val="80000"/>
+      </a:schemeClr>
+    </dgm:fillClrLst>
+    <dgm:linClrLst meth="repeat">
+      <a:schemeClr val="accent1"/>
+    </dgm:linClrLst>
+    <dgm:effectClrLst/>
+    <dgm:txLinClrLst/>
+    <dgm:txFillClrLst meth="repeat">
+      <a:schemeClr val="lt1"/>
+    </dgm:txFillClrLst>
+    <dgm:txEffectClrLst/>
+  </dgm:styleLbl>
+  <dgm:styleLbl name="trBgShp">
+    <dgm:fillClrLst meth="repeat">
+      <a:schemeClr val="accent1">
+        <a:tint val="50000"/>
+        <a:alpha val="40000"/>
+      </a:schemeClr>
+    </dgm:fillClrLst>
+    <dgm:linClrLst meth="repeat">
+      <a:schemeClr val="accent1"/>
+    </dgm:linClrLst>
+    <dgm:effectClrLst/>
+    <dgm:txLinClrLst/>
+    <dgm:txFillClrLst meth="repeat">
+      <a:schemeClr val="lt1"/>
+    </dgm:txFillClrLst>
+    <dgm:txEffectClrLst/>
+  </dgm:styleLbl>
+  <dgm:styleLbl name="fgShp">
+    <dgm:fillClrLst meth="repeat">
+      <a:schemeClr val="accent1">
+        <a:tint val="60000"/>
+      </a:schemeClr>
+    </dgm:fillClrLst>
+    <dgm:linClrLst meth="repeat">
+      <a:schemeClr val="lt1"/>
+    </dgm:linClrLst>
+    <dgm:effectClrLst/>
+    <dgm:txLinClrLst/>
+    <dgm:txFillClrLst meth="repeat">
+      <a:schemeClr val="dk1"/>
+    </dgm:txFillClrLst>
+    <dgm:txEffectClrLst/>
+  </dgm:styleLbl>
+  <dgm:styleLbl name="revTx">
+    <dgm:fillClrLst meth="repeat">
+      <a:schemeClr val="lt1">
+        <a:alpha val="0"/>
+      </a:schemeClr>
+    </dgm:fillClrLst>
+    <dgm:linClrLst meth="repeat">
+      <a:schemeClr val="dk1">
+        <a:alpha val="0"/>
+      </a:schemeClr>
+    </dgm:linClrLst>
+    <dgm:effectClrLst/>
+    <dgm:txLinClrLst/>
+    <dgm:txFillClrLst meth="repeat">
+      <a:schemeClr val="tx1"/>
+    </dgm:txFillClrLst>
+    <dgm:txEffectClrLst/>
+  </dgm:styleLbl>
+</dgm:colorsDef>
+</file>
+
+<file path=ppt/diagrams/data1.xml><?xml version="1.0" encoding="utf-8"?>
+<dgm:dataModel xmlns:dgm="http://schemas.openxmlformats.org/drawingml/2006/diagram" xmlns:a="http://schemas.openxmlformats.org/drawingml/2006/main">
+  <dgm:ptLst>
+    <dgm:pt modelId="{4829A72E-F96F-42D1-8262-8064A21907DA}" type="doc">
+      <dgm:prSet loTypeId="urn:microsoft.com/office/officeart/2005/8/layout/StepDownProcess" loCatId="process" qsTypeId="urn:microsoft.com/office/officeart/2005/8/quickstyle/simple1" qsCatId="simple" csTypeId="urn:microsoft.com/office/officeart/2005/8/colors/accent1_2" csCatId="accent1" phldr="1"/>
+      <dgm:spPr/>
+      <dgm:t>
+        <a:bodyPr/>
+        <a:lstStyle/>
+        <a:p>
+          <a:endParaRPr lang="el-GR"/>
+        </a:p>
+      </dgm:t>
+    </dgm:pt>
+    <dgm:pt modelId="{8B53312A-51E2-4FE7-8680-A5FE9793997C}">
+      <dgm:prSet phldrT="[Κείμενο]" custT="1"/>
+      <dgm:spPr/>
+      <dgm:t>
+        <a:bodyPr/>
+        <a:lstStyle/>
+        <a:p>
+          <a:r>
+            <a:rPr lang="en-US" sz="1200" dirty="0"/>
+            <a:t>Import specified file(s)</a:t>
+          </a:r>
+          <a:endParaRPr lang="el-GR" sz="1200" dirty="0"/>
+        </a:p>
+      </dgm:t>
+    </dgm:pt>
+    <dgm:pt modelId="{468EB905-F13D-4D94-9B4B-75A75872124B}" type="parTrans" cxnId="{15F855A9-0763-41DB-B9E4-A3F74D26484D}">
+      <dgm:prSet/>
+      <dgm:spPr/>
+      <dgm:t>
+        <a:bodyPr/>
+        <a:lstStyle/>
+        <a:p>
+          <a:endParaRPr lang="el-GR"/>
+        </a:p>
+      </dgm:t>
+    </dgm:pt>
+    <dgm:pt modelId="{80AB45F9-79F9-4BEB-9BD8-0E8304A732A9}" type="sibTrans" cxnId="{15F855A9-0763-41DB-B9E4-A3F74D26484D}">
+      <dgm:prSet/>
+      <dgm:spPr/>
+      <dgm:t>
+        <a:bodyPr/>
+        <a:lstStyle/>
+        <a:p>
+          <a:endParaRPr lang="el-GR"/>
+        </a:p>
+      </dgm:t>
+    </dgm:pt>
+    <dgm:pt modelId="{AFA85333-EE05-48B2-A5C3-9F3A1C1FEFFA}">
+      <dgm:prSet phldrT="[Κείμενο]" phldr="1"/>
+      <dgm:spPr/>
+      <dgm:t>
+        <a:bodyPr/>
+        <a:lstStyle/>
+        <a:p>
+          <a:endParaRPr lang="el-GR"/>
+        </a:p>
+      </dgm:t>
+    </dgm:pt>
+    <dgm:pt modelId="{AE57068E-6ACD-4B02-A5BB-EAFE77DBAA92}" type="parTrans" cxnId="{8D72ACF1-993C-4E0E-82EF-68D16716EBCD}">
+      <dgm:prSet/>
+      <dgm:spPr/>
+      <dgm:t>
+        <a:bodyPr/>
+        <a:lstStyle/>
+        <a:p>
+          <a:endParaRPr lang="el-GR"/>
+        </a:p>
+      </dgm:t>
+    </dgm:pt>
+    <dgm:pt modelId="{00D6F3A7-184D-4885-A83E-D30E018B513F}" type="sibTrans" cxnId="{8D72ACF1-993C-4E0E-82EF-68D16716EBCD}">
+      <dgm:prSet/>
+      <dgm:spPr/>
+      <dgm:t>
+        <a:bodyPr/>
+        <a:lstStyle/>
+        <a:p>
+          <a:endParaRPr lang="el-GR"/>
+        </a:p>
+      </dgm:t>
+    </dgm:pt>
+    <dgm:pt modelId="{F93D3219-2052-4F3B-97F2-39649128A791}">
+      <dgm:prSet phldrT="[Κείμενο]" custT="1"/>
+      <dgm:spPr/>
+      <dgm:t>
+        <a:bodyPr/>
+        <a:lstStyle/>
+        <a:p>
+          <a:r>
+            <a:rPr lang="en-US" sz="1200" dirty="0"/>
+            <a:t>Conversion to AI compatible</a:t>
+          </a:r>
+          <a:endParaRPr lang="el-GR" sz="1200" dirty="0"/>
+        </a:p>
+      </dgm:t>
+    </dgm:pt>
+    <dgm:pt modelId="{6E29A046-77A9-4F92-9570-C241F2D13DEE}" type="parTrans" cxnId="{F60B3658-8C9E-4305-8A09-B7908EAE9C22}">
+      <dgm:prSet/>
+      <dgm:spPr/>
+      <dgm:t>
+        <a:bodyPr/>
+        <a:lstStyle/>
+        <a:p>
+          <a:endParaRPr lang="el-GR"/>
+        </a:p>
+      </dgm:t>
+    </dgm:pt>
+    <dgm:pt modelId="{E04A702D-6419-4BA7-A8AA-21431C3E63EF}" type="sibTrans" cxnId="{F60B3658-8C9E-4305-8A09-B7908EAE9C22}">
+      <dgm:prSet/>
+      <dgm:spPr/>
+      <dgm:t>
+        <a:bodyPr/>
+        <a:lstStyle/>
+        <a:p>
+          <a:endParaRPr lang="el-GR"/>
+        </a:p>
+      </dgm:t>
+    </dgm:pt>
+    <dgm:pt modelId="{1AAB341C-1E06-4914-B3AD-2410BD84232C}">
+      <dgm:prSet phldrT="[Κείμενο]" phldr="1"/>
+      <dgm:spPr/>
+      <dgm:t>
+        <a:bodyPr/>
+        <a:lstStyle/>
+        <a:p>
+          <a:endParaRPr lang="el-GR" dirty="0"/>
+        </a:p>
+      </dgm:t>
+    </dgm:pt>
+    <dgm:pt modelId="{251D19BB-9DD4-4D37-A932-AE9C8F675A8B}" type="parTrans" cxnId="{D6A7B708-D8E8-47A7-B1E1-86335D034558}">
+      <dgm:prSet/>
+      <dgm:spPr/>
+      <dgm:t>
+        <a:bodyPr/>
+        <a:lstStyle/>
+        <a:p>
+          <a:endParaRPr lang="el-GR"/>
+        </a:p>
+      </dgm:t>
+    </dgm:pt>
+    <dgm:pt modelId="{28228773-290A-4D0E-B54B-75025962E911}" type="sibTrans" cxnId="{D6A7B708-D8E8-47A7-B1E1-86335D034558}">
+      <dgm:prSet/>
+      <dgm:spPr/>
+      <dgm:t>
+        <a:bodyPr/>
+        <a:lstStyle/>
+        <a:p>
+          <a:endParaRPr lang="el-GR"/>
+        </a:p>
+      </dgm:t>
+    </dgm:pt>
+    <dgm:pt modelId="{0F12A495-8E63-4360-A596-7C825470802A}">
+      <dgm:prSet phldrT="[Κείμενο]" custT="1"/>
+      <dgm:spPr/>
+      <dgm:t>
+        <a:bodyPr/>
+        <a:lstStyle/>
+        <a:p>
+          <a:r>
+            <a:rPr lang="en-US" sz="1200" dirty="0"/>
+            <a:t>Creation of desired task </a:t>
+          </a:r>
+          <a:endParaRPr lang="el-GR" sz="1200" dirty="0"/>
+        </a:p>
+      </dgm:t>
+    </dgm:pt>
+    <dgm:pt modelId="{F1825AB7-0C25-40A9-9A55-C6A270C5774D}" type="parTrans" cxnId="{0B280921-4416-4D75-BC95-473479EC39F1}">
+      <dgm:prSet/>
+      <dgm:spPr/>
+      <dgm:t>
+        <a:bodyPr/>
+        <a:lstStyle/>
+        <a:p>
+          <a:endParaRPr lang="el-GR"/>
+        </a:p>
+      </dgm:t>
+    </dgm:pt>
+    <dgm:pt modelId="{2232102C-0169-4DBF-BF41-240BC6922244}" type="sibTrans" cxnId="{0B280921-4416-4D75-BC95-473479EC39F1}">
+      <dgm:prSet/>
+      <dgm:spPr/>
+      <dgm:t>
+        <a:bodyPr/>
+        <a:lstStyle/>
+        <a:p>
+          <a:endParaRPr lang="el-GR"/>
+        </a:p>
+      </dgm:t>
+    </dgm:pt>
+    <dgm:pt modelId="{F4377B9F-31B8-44AF-B3F0-C7F33F6E5A87}">
+      <dgm:prSet phldrT="[Κείμενο]" phldr="1"/>
+      <dgm:spPr/>
+      <dgm:t>
+        <a:bodyPr/>
+        <a:lstStyle/>
+        <a:p>
+          <a:endParaRPr lang="el-GR" dirty="0"/>
+        </a:p>
+      </dgm:t>
+    </dgm:pt>
+    <dgm:pt modelId="{C1EB82DD-CF6C-4A04-9E3C-5E34CFEF6FA7}" type="parTrans" cxnId="{1C7B4F2E-1E92-438F-93A1-5599781E5FDD}">
+      <dgm:prSet/>
+      <dgm:spPr/>
+      <dgm:t>
+        <a:bodyPr/>
+        <a:lstStyle/>
+        <a:p>
+          <a:endParaRPr lang="el-GR"/>
+        </a:p>
+      </dgm:t>
+    </dgm:pt>
+    <dgm:pt modelId="{9827DF2B-F95E-4656-A6F8-82B9B06F40A0}" type="sibTrans" cxnId="{1C7B4F2E-1E92-438F-93A1-5599781E5FDD}">
+      <dgm:prSet/>
+      <dgm:spPr/>
+      <dgm:t>
+        <a:bodyPr/>
+        <a:lstStyle/>
+        <a:p>
+          <a:endParaRPr lang="el-GR"/>
+        </a:p>
+      </dgm:t>
+    </dgm:pt>
+    <dgm:pt modelId="{4C1E5FE9-81B9-4A15-855E-CF6898D7CD80}" type="pres">
+      <dgm:prSet presAssocID="{4829A72E-F96F-42D1-8262-8064A21907DA}" presName="rootnode" presStyleCnt="0">
+        <dgm:presLayoutVars>
+          <dgm:chMax/>
+          <dgm:chPref/>
+          <dgm:dir/>
+          <dgm:animLvl val="lvl"/>
+        </dgm:presLayoutVars>
+      </dgm:prSet>
+      <dgm:spPr/>
+    </dgm:pt>
+    <dgm:pt modelId="{AA88B815-FEB5-44B8-85C1-D85BC3CA5D1E}" type="pres">
+      <dgm:prSet presAssocID="{8B53312A-51E2-4FE7-8680-A5FE9793997C}" presName="composite" presStyleCnt="0"/>
+      <dgm:spPr/>
+    </dgm:pt>
+    <dgm:pt modelId="{B13FDCC7-B499-4325-AA3C-28CB6A5A2140}" type="pres">
+      <dgm:prSet presAssocID="{8B53312A-51E2-4FE7-8680-A5FE9793997C}" presName="bentUpArrow1" presStyleLbl="alignImgPlace1" presStyleIdx="0" presStyleCnt="2"/>
+      <dgm:spPr/>
+    </dgm:pt>
+    <dgm:pt modelId="{63B9EF16-79E1-41FC-868B-0B7F7662EC23}" type="pres">
+      <dgm:prSet presAssocID="{8B53312A-51E2-4FE7-8680-A5FE9793997C}" presName="ParentText" presStyleLbl="node1" presStyleIdx="0" presStyleCnt="3" custLinFactNeighborX="929" custLinFactNeighborY="-3052">
+        <dgm:presLayoutVars>
+          <dgm:chMax val="1"/>
+          <dgm:chPref val="1"/>
+          <dgm:bulletEnabled val="1"/>
+        </dgm:presLayoutVars>
+      </dgm:prSet>
+      <dgm:spPr/>
+    </dgm:pt>
+    <dgm:pt modelId="{A8BC661C-504B-4528-8E11-03CA5BE80A79}" type="pres">
+      <dgm:prSet presAssocID="{8B53312A-51E2-4FE7-8680-A5FE9793997C}" presName="ChildText" presStyleLbl="revTx" presStyleIdx="0" presStyleCnt="3">
+        <dgm:presLayoutVars>
+          <dgm:chMax val="0"/>
+          <dgm:chPref val="0"/>
+          <dgm:bulletEnabled val="1"/>
+        </dgm:presLayoutVars>
+      </dgm:prSet>
+      <dgm:spPr/>
+    </dgm:pt>
+    <dgm:pt modelId="{AEF244DF-949E-4757-875B-6D0CBC67C2A8}" type="pres">
+      <dgm:prSet presAssocID="{80AB45F9-79F9-4BEB-9BD8-0E8304A732A9}" presName="sibTrans" presStyleCnt="0"/>
+      <dgm:spPr/>
+    </dgm:pt>
+    <dgm:pt modelId="{7B6DFA53-4E86-4111-9930-6C3206A35CD2}" type="pres">
+      <dgm:prSet presAssocID="{F93D3219-2052-4F3B-97F2-39649128A791}" presName="composite" presStyleCnt="0"/>
+      <dgm:spPr/>
+    </dgm:pt>
+    <dgm:pt modelId="{AD4D04AB-619F-4E23-A551-E2C40A0945A2}" type="pres">
+      <dgm:prSet presAssocID="{F93D3219-2052-4F3B-97F2-39649128A791}" presName="bentUpArrow1" presStyleLbl="alignImgPlace1" presStyleIdx="1" presStyleCnt="2"/>
+      <dgm:spPr/>
+    </dgm:pt>
+    <dgm:pt modelId="{0589FEA3-CCB8-45B8-826B-5998E0A4DD4C}" type="pres">
+      <dgm:prSet presAssocID="{F93D3219-2052-4F3B-97F2-39649128A791}" presName="ParentText" presStyleLbl="node1" presStyleIdx="1" presStyleCnt="3" custAng="0">
+        <dgm:presLayoutVars>
+          <dgm:chMax val="1"/>
+          <dgm:chPref val="1"/>
+          <dgm:bulletEnabled val="1"/>
+        </dgm:presLayoutVars>
+      </dgm:prSet>
+      <dgm:spPr/>
+    </dgm:pt>
+    <dgm:pt modelId="{AFAAE860-0DB1-4770-B47F-E35588F7CDC1}" type="pres">
+      <dgm:prSet presAssocID="{F93D3219-2052-4F3B-97F2-39649128A791}" presName="ChildText" presStyleLbl="revTx" presStyleIdx="1" presStyleCnt="3">
+        <dgm:presLayoutVars>
+          <dgm:chMax val="0"/>
+          <dgm:chPref val="0"/>
+          <dgm:bulletEnabled val="1"/>
+        </dgm:presLayoutVars>
+      </dgm:prSet>
+      <dgm:spPr/>
+    </dgm:pt>
+    <dgm:pt modelId="{CA74017F-4A21-424D-80ED-71C43519D240}" type="pres">
+      <dgm:prSet presAssocID="{E04A702D-6419-4BA7-A8AA-21431C3E63EF}" presName="sibTrans" presStyleCnt="0"/>
+      <dgm:spPr/>
+    </dgm:pt>
+    <dgm:pt modelId="{7D59665C-1559-41DE-9FD1-5E0C8FF5D6D5}" type="pres">
+      <dgm:prSet presAssocID="{0F12A495-8E63-4360-A596-7C825470802A}" presName="composite" presStyleCnt="0"/>
+      <dgm:spPr/>
+    </dgm:pt>
+    <dgm:pt modelId="{F21E8E84-8742-4B73-BE15-7E85AE43D72F}" type="pres">
+      <dgm:prSet presAssocID="{0F12A495-8E63-4360-A596-7C825470802A}" presName="ParentText" presStyleLbl="node1" presStyleIdx="2" presStyleCnt="3">
+        <dgm:presLayoutVars>
+          <dgm:chMax val="1"/>
+          <dgm:chPref val="1"/>
+          <dgm:bulletEnabled val="1"/>
+        </dgm:presLayoutVars>
+      </dgm:prSet>
+      <dgm:spPr/>
+    </dgm:pt>
+    <dgm:pt modelId="{5B03200A-4A29-4E30-8963-45A88F7F8CE8}" type="pres">
+      <dgm:prSet presAssocID="{0F12A495-8E63-4360-A596-7C825470802A}" presName="FinalChildText" presStyleLbl="revTx" presStyleIdx="2" presStyleCnt="3">
+        <dgm:presLayoutVars>
+          <dgm:chMax val="0"/>
+          <dgm:chPref val="0"/>
+          <dgm:bulletEnabled val="1"/>
+        </dgm:presLayoutVars>
+      </dgm:prSet>
+      <dgm:spPr/>
+    </dgm:pt>
+  </dgm:ptLst>
+  <dgm:cxnLst>
+    <dgm:cxn modelId="{D6A7B708-D8E8-47A7-B1E1-86335D034558}" srcId="{F93D3219-2052-4F3B-97F2-39649128A791}" destId="{1AAB341C-1E06-4914-B3AD-2410BD84232C}" srcOrd="0" destOrd="0" parTransId="{251D19BB-9DD4-4D37-A932-AE9C8F675A8B}" sibTransId="{28228773-290A-4D0E-B54B-75025962E911}"/>
+    <dgm:cxn modelId="{DB9B5409-90F1-47B5-A4F1-EA512D47B534}" type="presOf" srcId="{F93D3219-2052-4F3B-97F2-39649128A791}" destId="{0589FEA3-CCB8-45B8-826B-5998E0A4DD4C}" srcOrd="0" destOrd="0" presId="urn:microsoft.com/office/officeart/2005/8/layout/StepDownProcess"/>
+    <dgm:cxn modelId="{0B280921-4416-4D75-BC95-473479EC39F1}" srcId="{4829A72E-F96F-42D1-8262-8064A21907DA}" destId="{0F12A495-8E63-4360-A596-7C825470802A}" srcOrd="2" destOrd="0" parTransId="{F1825AB7-0C25-40A9-9A55-C6A270C5774D}" sibTransId="{2232102C-0169-4DBF-BF41-240BC6922244}"/>
+    <dgm:cxn modelId="{1C7B4F2E-1E92-438F-93A1-5599781E5FDD}" srcId="{0F12A495-8E63-4360-A596-7C825470802A}" destId="{F4377B9F-31B8-44AF-B3F0-C7F33F6E5A87}" srcOrd="0" destOrd="0" parTransId="{C1EB82DD-CF6C-4A04-9E3C-5E34CFEF6FA7}" sibTransId="{9827DF2B-F95E-4656-A6F8-82B9B06F40A0}"/>
+    <dgm:cxn modelId="{2178F575-FDA2-40E7-9270-F8CAECEB17A7}" type="presOf" srcId="{0F12A495-8E63-4360-A596-7C825470802A}" destId="{F21E8E84-8742-4B73-BE15-7E85AE43D72F}" srcOrd="0" destOrd="0" presId="urn:microsoft.com/office/officeart/2005/8/layout/StepDownProcess"/>
+    <dgm:cxn modelId="{091B3676-CAE5-4449-8BBC-80AF59D4042C}" type="presOf" srcId="{AFA85333-EE05-48B2-A5C3-9F3A1C1FEFFA}" destId="{A8BC661C-504B-4528-8E11-03CA5BE80A79}" srcOrd="0" destOrd="0" presId="urn:microsoft.com/office/officeart/2005/8/layout/StepDownProcess"/>
+    <dgm:cxn modelId="{F60B3658-8C9E-4305-8A09-B7908EAE9C22}" srcId="{4829A72E-F96F-42D1-8262-8064A21907DA}" destId="{F93D3219-2052-4F3B-97F2-39649128A791}" srcOrd="1" destOrd="0" parTransId="{6E29A046-77A9-4F92-9570-C241F2D13DEE}" sibTransId="{E04A702D-6419-4BA7-A8AA-21431C3E63EF}"/>
+    <dgm:cxn modelId="{B8753086-518F-4768-B7D8-101F20F82A7B}" type="presOf" srcId="{F4377B9F-31B8-44AF-B3F0-C7F33F6E5A87}" destId="{5B03200A-4A29-4E30-8963-45A88F7F8CE8}" srcOrd="0" destOrd="0" presId="urn:microsoft.com/office/officeart/2005/8/layout/StepDownProcess"/>
+    <dgm:cxn modelId="{15F855A9-0763-41DB-B9E4-A3F74D26484D}" srcId="{4829A72E-F96F-42D1-8262-8064A21907DA}" destId="{8B53312A-51E2-4FE7-8680-A5FE9793997C}" srcOrd="0" destOrd="0" parTransId="{468EB905-F13D-4D94-9B4B-75A75872124B}" sibTransId="{80AB45F9-79F9-4BEB-9BD8-0E8304A732A9}"/>
+    <dgm:cxn modelId="{1A79B4B2-468C-4940-8D7D-2EAF41A41352}" type="presOf" srcId="{1AAB341C-1E06-4914-B3AD-2410BD84232C}" destId="{AFAAE860-0DB1-4770-B47F-E35588F7CDC1}" srcOrd="0" destOrd="0" presId="urn:microsoft.com/office/officeart/2005/8/layout/StepDownProcess"/>
+    <dgm:cxn modelId="{EE9037BF-152B-4E56-9380-335185FF38B8}" type="presOf" srcId="{4829A72E-F96F-42D1-8262-8064A21907DA}" destId="{4C1E5FE9-81B9-4A15-855E-CF6898D7CD80}" srcOrd="0" destOrd="0" presId="urn:microsoft.com/office/officeart/2005/8/layout/StepDownProcess"/>
+    <dgm:cxn modelId="{371E35C4-4A8D-4112-95E1-5A0596910D0D}" type="presOf" srcId="{8B53312A-51E2-4FE7-8680-A5FE9793997C}" destId="{63B9EF16-79E1-41FC-868B-0B7F7662EC23}" srcOrd="0" destOrd="0" presId="urn:microsoft.com/office/officeart/2005/8/layout/StepDownProcess"/>
+    <dgm:cxn modelId="{8D72ACF1-993C-4E0E-82EF-68D16716EBCD}" srcId="{8B53312A-51E2-4FE7-8680-A5FE9793997C}" destId="{AFA85333-EE05-48B2-A5C3-9F3A1C1FEFFA}" srcOrd="0" destOrd="0" parTransId="{AE57068E-6ACD-4B02-A5BB-EAFE77DBAA92}" sibTransId="{00D6F3A7-184D-4885-A83E-D30E018B513F}"/>
+    <dgm:cxn modelId="{A75C6007-DE55-429F-AE4C-2D1B0F743370}" type="presParOf" srcId="{4C1E5FE9-81B9-4A15-855E-CF6898D7CD80}" destId="{AA88B815-FEB5-44B8-85C1-D85BC3CA5D1E}" srcOrd="0" destOrd="0" presId="urn:microsoft.com/office/officeart/2005/8/layout/StepDownProcess"/>
+    <dgm:cxn modelId="{7A592327-1DC5-472F-BD82-F0731F617C01}" type="presParOf" srcId="{AA88B815-FEB5-44B8-85C1-D85BC3CA5D1E}" destId="{B13FDCC7-B499-4325-AA3C-28CB6A5A2140}" srcOrd="0" destOrd="0" presId="urn:microsoft.com/office/officeart/2005/8/layout/StepDownProcess"/>
+    <dgm:cxn modelId="{B361E1F0-8A5F-4179-AA07-65CA7479751E}" type="presParOf" srcId="{AA88B815-FEB5-44B8-85C1-D85BC3CA5D1E}" destId="{63B9EF16-79E1-41FC-868B-0B7F7662EC23}" srcOrd="1" destOrd="0" presId="urn:microsoft.com/office/officeart/2005/8/layout/StepDownProcess"/>
+    <dgm:cxn modelId="{4989BCAE-230E-4957-A13E-60978CD648F0}" type="presParOf" srcId="{AA88B815-FEB5-44B8-85C1-D85BC3CA5D1E}" destId="{A8BC661C-504B-4528-8E11-03CA5BE80A79}" srcOrd="2" destOrd="0" presId="urn:microsoft.com/office/officeart/2005/8/layout/StepDownProcess"/>
+    <dgm:cxn modelId="{57A4D8B0-AE02-4C16-8A4B-DA35DE9F58C2}" type="presParOf" srcId="{4C1E5FE9-81B9-4A15-855E-CF6898D7CD80}" destId="{AEF244DF-949E-4757-875B-6D0CBC67C2A8}" srcOrd="1" destOrd="0" presId="urn:microsoft.com/office/officeart/2005/8/layout/StepDownProcess"/>
+    <dgm:cxn modelId="{2F847109-E509-4036-88C7-BAE080E1E16D}" type="presParOf" srcId="{4C1E5FE9-81B9-4A15-855E-CF6898D7CD80}" destId="{7B6DFA53-4E86-4111-9930-6C3206A35CD2}" srcOrd="2" destOrd="0" presId="urn:microsoft.com/office/officeart/2005/8/layout/StepDownProcess"/>
+    <dgm:cxn modelId="{F2896709-2749-4B5C-BF51-425ED6008D33}" type="presParOf" srcId="{7B6DFA53-4E86-4111-9930-6C3206A35CD2}" destId="{AD4D04AB-619F-4E23-A551-E2C40A0945A2}" srcOrd="0" destOrd="0" presId="urn:microsoft.com/office/officeart/2005/8/layout/StepDownProcess"/>
+    <dgm:cxn modelId="{C2A31A09-1D16-4A46-912D-AD28EFB908D5}" type="presParOf" srcId="{7B6DFA53-4E86-4111-9930-6C3206A35CD2}" destId="{0589FEA3-CCB8-45B8-826B-5998E0A4DD4C}" srcOrd="1" destOrd="0" presId="urn:microsoft.com/office/officeart/2005/8/layout/StepDownProcess"/>
+    <dgm:cxn modelId="{C7A83BDD-29EB-4487-A235-D2AA9FCB2F60}" type="presParOf" srcId="{7B6DFA53-4E86-4111-9930-6C3206A35CD2}" destId="{AFAAE860-0DB1-4770-B47F-E35588F7CDC1}" srcOrd="2" destOrd="0" presId="urn:microsoft.com/office/officeart/2005/8/layout/StepDownProcess"/>
+    <dgm:cxn modelId="{AEB69508-C963-4ABD-A981-2AAE76B3E235}" type="presParOf" srcId="{4C1E5FE9-81B9-4A15-855E-CF6898D7CD80}" destId="{CA74017F-4A21-424D-80ED-71C43519D240}" srcOrd="3" destOrd="0" presId="urn:microsoft.com/office/officeart/2005/8/layout/StepDownProcess"/>
+    <dgm:cxn modelId="{58C215E9-DBF0-4CDF-9CBA-03D331F26D89}" type="presParOf" srcId="{4C1E5FE9-81B9-4A15-855E-CF6898D7CD80}" destId="{7D59665C-1559-41DE-9FD1-5E0C8FF5D6D5}" srcOrd="4" destOrd="0" presId="urn:microsoft.com/office/officeart/2005/8/layout/StepDownProcess"/>
+    <dgm:cxn modelId="{3381ACCD-533D-471F-8AFD-78A2FFDB9DB4}" type="presParOf" srcId="{7D59665C-1559-41DE-9FD1-5E0C8FF5D6D5}" destId="{F21E8E84-8742-4B73-BE15-7E85AE43D72F}" srcOrd="0" destOrd="0" presId="urn:microsoft.com/office/officeart/2005/8/layout/StepDownProcess"/>
+    <dgm:cxn modelId="{064C1D46-5E45-49EA-9D9E-AFAD5598DB0E}" type="presParOf" srcId="{7D59665C-1559-41DE-9FD1-5E0C8FF5D6D5}" destId="{5B03200A-4A29-4E30-8963-45A88F7F8CE8}" srcOrd="1" destOrd="0" presId="urn:microsoft.com/office/officeart/2005/8/layout/StepDownProcess"/>
+  </dgm:cxnLst>
+  <dgm:bg/>
+  <dgm:whole/>
+  <dgm:extLst>
+    <a:ext uri="http://schemas.microsoft.com/office/drawing/2008/diagram">
+      <dsp:dataModelExt xmlns:dsp="http://schemas.microsoft.com/office/drawing/2008/diagram" relId="rId6" minVer="http://schemas.openxmlformats.org/drawingml/2006/diagram"/>
+    </a:ext>
+  </dgm:extLst>
+</dgm:dataModel>
+</file>
+
+<file path=ppt/diagrams/drawing1.xml><?xml version="1.0" encoding="utf-8"?>
+<dsp:drawing xmlns:dgm="http://schemas.openxmlformats.org/drawingml/2006/diagram" xmlns:dsp="http://schemas.microsoft.com/office/drawing/2008/diagram" xmlns:a="http://schemas.openxmlformats.org/drawingml/2006/main">
+  <dsp:spTree>
+    <dsp:nvGrpSpPr>
+      <dsp:cNvPr id="0" name=""/>
+      <dsp:cNvGrpSpPr/>
+    </dsp:nvGrpSpPr>
+    <dsp:grpSpPr/>
+    <dsp:sp modelId="{B13FDCC7-B499-4325-AA3C-28CB6A5A2140}">
+      <dsp:nvSpPr>
+        <dsp:cNvPr id="0" name=""/>
+        <dsp:cNvSpPr/>
+      </dsp:nvSpPr>
+      <dsp:spPr>
+        <a:xfrm rot="5400000">
+          <a:off x="2396056" y="884725"/>
+          <a:ext cx="782463" cy="890807"/>
+        </a:xfrm>
+        <a:prstGeom prst="bentUpArrow">
+          <a:avLst>
+            <a:gd name="adj1" fmla="val 32840"/>
+            <a:gd name="adj2" fmla="val 25000"/>
+            <a:gd name="adj3" fmla="val 35780"/>
+          </a:avLst>
+        </a:prstGeom>
+        <a:solidFill>
+          <a:schemeClr val="accent1">
+            <a:tint val="50000"/>
+            <a:hueOff val="0"/>
+            <a:satOff val="0"/>
+            <a:lumOff val="0"/>
+            <a:alphaOff val="0"/>
+          </a:schemeClr>
+        </a:solidFill>
+        <a:ln w="19050" cap="flat" cmpd="sng" algn="ctr">
+          <a:solidFill>
+            <a:schemeClr val="lt1">
+              <a:hueOff val="0"/>
+              <a:satOff val="0"/>
+              <a:lumOff val="0"/>
+              <a:alphaOff val="0"/>
+            </a:schemeClr>
+          </a:solidFill>
+          <a:prstDash val="solid"/>
+          <a:miter lim="800000"/>
+        </a:ln>
+        <a:effectLst/>
+      </dsp:spPr>
+      <dsp:style>
+        <a:lnRef idx="2">
+          <a:scrgbClr r="0" g="0" b="0"/>
+        </a:lnRef>
+        <a:fillRef idx="1">
+          <a:scrgbClr r="0" g="0" b="0"/>
+        </a:fillRef>
+        <a:effectRef idx="0">
+          <a:scrgbClr r="0" g="0" b="0"/>
+        </a:effectRef>
+        <a:fontRef idx="minor"/>
+      </dsp:style>
+    </dsp:sp>
+    <dsp:sp modelId="{63B9EF16-79E1-41FC-868B-0B7F7662EC23}">
+      <dsp:nvSpPr>
+        <dsp:cNvPr id="0" name=""/>
+        <dsp:cNvSpPr/>
+      </dsp:nvSpPr>
+      <dsp:spPr>
+        <a:xfrm>
+          <a:off x="2200987" y="0"/>
+          <a:ext cx="1317207" cy="922002"/>
+        </a:xfrm>
+        <a:prstGeom prst="roundRect">
+          <a:avLst>
+            <a:gd name="adj" fmla="val 16670"/>
+          </a:avLst>
+        </a:prstGeom>
+        <a:solidFill>
+          <a:schemeClr val="accent1">
+            <a:hueOff val="0"/>
+            <a:satOff val="0"/>
+            <a:lumOff val="0"/>
+            <a:alphaOff val="0"/>
+          </a:schemeClr>
+        </a:solidFill>
+        <a:ln w="19050" cap="flat" cmpd="sng" algn="ctr">
+          <a:solidFill>
+            <a:schemeClr val="lt1">
+              <a:hueOff val="0"/>
+              <a:satOff val="0"/>
+              <a:lumOff val="0"/>
+              <a:alphaOff val="0"/>
+            </a:schemeClr>
+          </a:solidFill>
+          <a:prstDash val="solid"/>
+          <a:miter lim="800000"/>
+        </a:ln>
+        <a:effectLst/>
+      </dsp:spPr>
+      <dsp:style>
+        <a:lnRef idx="2">
+          <a:scrgbClr r="0" g="0" b="0"/>
+        </a:lnRef>
+        <a:fillRef idx="1">
+          <a:scrgbClr r="0" g="0" b="0"/>
+        </a:fillRef>
+        <a:effectRef idx="0">
+          <a:scrgbClr r="0" g="0" b="0"/>
+        </a:effectRef>
+        <a:fontRef idx="minor">
+          <a:schemeClr val="lt1"/>
+        </a:fontRef>
+      </dsp:style>
+      <dsp:txBody>
+        <a:bodyPr spcFirstLastPara="0" vert="horz" wrap="square" lIns="45720" tIns="45720" rIns="45720" bIns="45720" numCol="1" spcCol="1270" anchor="ctr" anchorCtr="0">
+          <a:noAutofit/>
+        </a:bodyPr>
+        <a:lstStyle/>
+        <a:p>
+          <a:pPr marL="0" lvl="0" indent="0" algn="ctr" defTabSz="533400">
+            <a:lnSpc>
+              <a:spcPct val="90000"/>
+            </a:lnSpc>
+            <a:spcBef>
+              <a:spcPct val="0"/>
+            </a:spcBef>
+            <a:spcAft>
+              <a:spcPct val="35000"/>
+            </a:spcAft>
+            <a:buNone/>
+          </a:pPr>
+          <a:r>
+            <a:rPr lang="en-US" sz="1200" kern="1200" dirty="0"/>
+            <a:t>Import specified file(s)</a:t>
+          </a:r>
+          <a:endParaRPr lang="el-GR" sz="1200" kern="1200" dirty="0"/>
+        </a:p>
+      </dsp:txBody>
+      <dsp:txXfrm>
+        <a:off x="2246004" y="45017"/>
+        <a:ext cx="1227173" cy="831968"/>
+      </dsp:txXfrm>
+    </dsp:sp>
+    <dsp:sp modelId="{A8BC661C-504B-4528-8E11-03CA5BE80A79}">
+      <dsp:nvSpPr>
+        <dsp:cNvPr id="0" name=""/>
+        <dsp:cNvSpPr/>
+      </dsp:nvSpPr>
+      <dsp:spPr>
+        <a:xfrm>
+          <a:off x="3505958" y="105283"/>
+          <a:ext cx="958011" cy="745203"/>
+        </a:xfrm>
+        <a:prstGeom prst="rect">
+          <a:avLst/>
+        </a:prstGeom>
+        <a:noFill/>
+        <a:ln>
+          <a:noFill/>
+        </a:ln>
+        <a:effectLst/>
+      </dsp:spPr>
+      <dsp:style>
+        <a:lnRef idx="0">
+          <a:scrgbClr r="0" g="0" b="0"/>
+        </a:lnRef>
+        <a:fillRef idx="0">
+          <a:scrgbClr r="0" g="0" b="0"/>
+        </a:fillRef>
+        <a:effectRef idx="0">
+          <a:scrgbClr r="0" g="0" b="0"/>
+        </a:effectRef>
+        <a:fontRef idx="minor"/>
+      </dsp:style>
+      <dsp:txBody>
+        <a:bodyPr spcFirstLastPara="0" vert="horz" wrap="square" lIns="64770" tIns="64770" rIns="64770" bIns="64770" numCol="1" spcCol="1270" anchor="ctr" anchorCtr="0">
+          <a:noAutofit/>
+        </a:bodyPr>
+        <a:lstStyle/>
+        <a:p>
+          <a:pPr marL="114300" lvl="1" indent="-114300" algn="l" defTabSz="577850">
+            <a:lnSpc>
+              <a:spcPct val="90000"/>
+            </a:lnSpc>
+            <a:spcBef>
+              <a:spcPct val="0"/>
+            </a:spcBef>
+            <a:spcAft>
+              <a:spcPct val="15000"/>
+            </a:spcAft>
+            <a:buChar char="•"/>
+          </a:pPr>
+          <a:endParaRPr lang="el-GR" sz="1300" kern="1200"/>
+        </a:p>
+      </dsp:txBody>
+      <dsp:txXfrm>
+        <a:off x="3505958" y="105283"/>
+        <a:ext cx="958011" cy="745203"/>
+      </dsp:txXfrm>
+    </dsp:sp>
+    <dsp:sp modelId="{AD4D04AB-619F-4E23-A551-E2C40A0945A2}">
+      <dsp:nvSpPr>
+        <dsp:cNvPr id="0" name=""/>
+        <dsp:cNvSpPr/>
+      </dsp:nvSpPr>
+      <dsp:spPr>
+        <a:xfrm rot="5400000">
+          <a:off x="3488161" y="1920439"/>
+          <a:ext cx="782463" cy="890807"/>
+        </a:xfrm>
+        <a:prstGeom prst="bentUpArrow">
+          <a:avLst>
+            <a:gd name="adj1" fmla="val 32840"/>
+            <a:gd name="adj2" fmla="val 25000"/>
+            <a:gd name="adj3" fmla="val 35780"/>
+          </a:avLst>
+        </a:prstGeom>
+        <a:solidFill>
+          <a:schemeClr val="accent1">
+            <a:tint val="50000"/>
+            <a:hueOff val="0"/>
+            <a:satOff val="0"/>
+            <a:lumOff val="0"/>
+            <a:alphaOff val="0"/>
+          </a:schemeClr>
+        </a:solidFill>
+        <a:ln w="19050" cap="flat" cmpd="sng" algn="ctr">
+          <a:solidFill>
+            <a:schemeClr val="lt1">
+              <a:hueOff val="0"/>
+              <a:satOff val="0"/>
+              <a:lumOff val="0"/>
+              <a:alphaOff val="0"/>
+            </a:schemeClr>
+          </a:solidFill>
+          <a:prstDash val="solid"/>
+          <a:miter lim="800000"/>
+        </a:ln>
+        <a:effectLst/>
+      </dsp:spPr>
+      <dsp:style>
+        <a:lnRef idx="2">
+          <a:scrgbClr r="0" g="0" b="0"/>
+        </a:lnRef>
+        <a:fillRef idx="1">
+          <a:scrgbClr r="0" g="0" b="0"/>
+        </a:fillRef>
+        <a:effectRef idx="0">
+          <a:scrgbClr r="0" g="0" b="0"/>
+        </a:effectRef>
+        <a:fontRef idx="minor"/>
+      </dsp:style>
+    </dsp:sp>
+    <dsp:sp modelId="{0589FEA3-CCB8-45B8-826B-5998E0A4DD4C}">
+      <dsp:nvSpPr>
+        <dsp:cNvPr id="0" name=""/>
+        <dsp:cNvSpPr/>
+      </dsp:nvSpPr>
+      <dsp:spPr>
+        <a:xfrm>
+          <a:off x="3280856" y="1053062"/>
+          <a:ext cx="1317207" cy="922002"/>
+        </a:xfrm>
+        <a:prstGeom prst="roundRect">
+          <a:avLst>
+            <a:gd name="adj" fmla="val 16670"/>
+          </a:avLst>
+        </a:prstGeom>
+        <a:solidFill>
+          <a:schemeClr val="accent1">
+            <a:hueOff val="0"/>
+            <a:satOff val="0"/>
+            <a:lumOff val="0"/>
+            <a:alphaOff val="0"/>
+          </a:schemeClr>
+        </a:solidFill>
+        <a:ln w="19050" cap="flat" cmpd="sng" algn="ctr">
+          <a:solidFill>
+            <a:schemeClr val="lt1">
+              <a:hueOff val="0"/>
+              <a:satOff val="0"/>
+              <a:lumOff val="0"/>
+              <a:alphaOff val="0"/>
+            </a:schemeClr>
+          </a:solidFill>
+          <a:prstDash val="solid"/>
+          <a:miter lim="800000"/>
+        </a:ln>
+        <a:effectLst/>
+      </dsp:spPr>
+      <dsp:style>
+        <a:lnRef idx="2">
+          <a:scrgbClr r="0" g="0" b="0"/>
+        </a:lnRef>
+        <a:fillRef idx="1">
+          <a:scrgbClr r="0" g="0" b="0"/>
+        </a:fillRef>
+        <a:effectRef idx="0">
+          <a:scrgbClr r="0" g="0" b="0"/>
+        </a:effectRef>
+        <a:fontRef idx="minor">
+          <a:schemeClr val="lt1"/>
+        </a:fontRef>
+      </dsp:style>
+      <dsp:txBody>
+        <a:bodyPr spcFirstLastPara="0" vert="horz" wrap="square" lIns="45720" tIns="45720" rIns="45720" bIns="45720" numCol="1" spcCol="1270" anchor="ctr" anchorCtr="0">
+          <a:noAutofit/>
+        </a:bodyPr>
+        <a:lstStyle/>
+        <a:p>
+          <a:pPr marL="0" lvl="0" indent="0" algn="ctr" defTabSz="533400">
+            <a:lnSpc>
+              <a:spcPct val="90000"/>
+            </a:lnSpc>
+            <a:spcBef>
+              <a:spcPct val="0"/>
+            </a:spcBef>
+            <a:spcAft>
+              <a:spcPct val="35000"/>
+            </a:spcAft>
+            <a:buNone/>
+          </a:pPr>
+          <a:r>
+            <a:rPr lang="en-US" sz="1200" kern="1200" dirty="0"/>
+            <a:t>Conversion to AI compatible</a:t>
+          </a:r>
+          <a:endParaRPr lang="el-GR" sz="1200" kern="1200" dirty="0"/>
+        </a:p>
+      </dsp:txBody>
+      <dsp:txXfrm>
+        <a:off x="3325873" y="1098079"/>
+        <a:ext cx="1227173" cy="831968"/>
+      </dsp:txXfrm>
+    </dsp:sp>
+    <dsp:sp modelId="{AFAAE860-0DB1-4770-B47F-E35588F7CDC1}">
+      <dsp:nvSpPr>
+        <dsp:cNvPr id="0" name=""/>
+        <dsp:cNvSpPr/>
+      </dsp:nvSpPr>
+      <dsp:spPr>
+        <a:xfrm>
+          <a:off x="4598064" y="1140996"/>
+          <a:ext cx="958011" cy="745203"/>
+        </a:xfrm>
+        <a:prstGeom prst="rect">
+          <a:avLst/>
+        </a:prstGeom>
+        <a:noFill/>
+        <a:ln>
+          <a:noFill/>
+        </a:ln>
+        <a:effectLst/>
+      </dsp:spPr>
+      <dsp:style>
+        <a:lnRef idx="0">
+          <a:scrgbClr r="0" g="0" b="0"/>
+        </a:lnRef>
+        <a:fillRef idx="0">
+          <a:scrgbClr r="0" g="0" b="0"/>
+        </a:fillRef>
+        <a:effectRef idx="0">
+          <a:scrgbClr r="0" g="0" b="0"/>
+        </a:effectRef>
+        <a:fontRef idx="minor"/>
+      </dsp:style>
+      <dsp:txBody>
+        <a:bodyPr spcFirstLastPara="0" vert="horz" wrap="square" lIns="64770" tIns="64770" rIns="64770" bIns="64770" numCol="1" spcCol="1270" anchor="ctr" anchorCtr="0">
+          <a:noAutofit/>
+        </a:bodyPr>
+        <a:lstStyle/>
+        <a:p>
+          <a:pPr marL="114300" lvl="1" indent="-114300" algn="l" defTabSz="577850">
+            <a:lnSpc>
+              <a:spcPct val="90000"/>
+            </a:lnSpc>
+            <a:spcBef>
+              <a:spcPct val="0"/>
+            </a:spcBef>
+            <a:spcAft>
+              <a:spcPct val="15000"/>
+            </a:spcAft>
+            <a:buChar char="•"/>
+          </a:pPr>
+          <a:endParaRPr lang="el-GR" sz="1300" kern="1200" dirty="0"/>
+        </a:p>
+      </dsp:txBody>
+      <dsp:txXfrm>
+        <a:off x="4598064" y="1140996"/>
+        <a:ext cx="958011" cy="745203"/>
+      </dsp:txXfrm>
+    </dsp:sp>
+    <dsp:sp modelId="{F21E8E84-8742-4B73-BE15-7E85AE43D72F}">
+      <dsp:nvSpPr>
+        <dsp:cNvPr id="0" name=""/>
+        <dsp:cNvSpPr/>
+      </dsp:nvSpPr>
+      <dsp:spPr>
+        <a:xfrm>
+          <a:off x="4372961" y="2088776"/>
+          <a:ext cx="1317207" cy="922002"/>
+        </a:xfrm>
+        <a:prstGeom prst="roundRect">
+          <a:avLst>
+            <a:gd name="adj" fmla="val 16670"/>
+          </a:avLst>
+        </a:prstGeom>
+        <a:solidFill>
+          <a:schemeClr val="accent1">
+            <a:hueOff val="0"/>
+            <a:satOff val="0"/>
+            <a:lumOff val="0"/>
+            <a:alphaOff val="0"/>
+          </a:schemeClr>
+        </a:solidFill>
+        <a:ln w="19050" cap="flat" cmpd="sng" algn="ctr">
+          <a:solidFill>
+            <a:schemeClr val="lt1">
+              <a:hueOff val="0"/>
+              <a:satOff val="0"/>
+              <a:lumOff val="0"/>
+              <a:alphaOff val="0"/>
+            </a:schemeClr>
+          </a:solidFill>
+          <a:prstDash val="solid"/>
+          <a:miter lim="800000"/>
+        </a:ln>
+        <a:effectLst/>
+      </dsp:spPr>
+      <dsp:style>
+        <a:lnRef idx="2">
+          <a:scrgbClr r="0" g="0" b="0"/>
+        </a:lnRef>
+        <a:fillRef idx="1">
+          <a:scrgbClr r="0" g="0" b="0"/>
+        </a:fillRef>
+        <a:effectRef idx="0">
+          <a:scrgbClr r="0" g="0" b="0"/>
+        </a:effectRef>
+        <a:fontRef idx="minor">
+          <a:schemeClr val="lt1"/>
+        </a:fontRef>
+      </dsp:style>
+      <dsp:txBody>
+        <a:bodyPr spcFirstLastPara="0" vert="horz" wrap="square" lIns="45720" tIns="45720" rIns="45720" bIns="45720" numCol="1" spcCol="1270" anchor="ctr" anchorCtr="0">
+          <a:noAutofit/>
+        </a:bodyPr>
+        <a:lstStyle/>
+        <a:p>
+          <a:pPr marL="0" lvl="0" indent="0" algn="ctr" defTabSz="533400">
+            <a:lnSpc>
+              <a:spcPct val="90000"/>
+            </a:lnSpc>
+            <a:spcBef>
+              <a:spcPct val="0"/>
+            </a:spcBef>
+            <a:spcAft>
+              <a:spcPct val="35000"/>
+            </a:spcAft>
+            <a:buNone/>
+          </a:pPr>
+          <a:r>
+            <a:rPr lang="en-US" sz="1200" kern="1200" dirty="0"/>
+            <a:t>Creation of desired task </a:t>
+          </a:r>
+          <a:endParaRPr lang="el-GR" sz="1200" kern="1200" dirty="0"/>
+        </a:p>
+      </dsp:txBody>
+      <dsp:txXfrm>
+        <a:off x="4417978" y="2133793"/>
+        <a:ext cx="1227173" cy="831968"/>
+      </dsp:txXfrm>
+    </dsp:sp>
+    <dsp:sp modelId="{5B03200A-4A29-4E30-8963-45A88F7F8CE8}">
+      <dsp:nvSpPr>
+        <dsp:cNvPr id="0" name=""/>
+        <dsp:cNvSpPr/>
+      </dsp:nvSpPr>
+      <dsp:spPr>
+        <a:xfrm>
+          <a:off x="5690169" y="2176710"/>
+          <a:ext cx="958011" cy="745203"/>
+        </a:xfrm>
+        <a:prstGeom prst="rect">
+          <a:avLst/>
+        </a:prstGeom>
+        <a:noFill/>
+        <a:ln>
+          <a:noFill/>
+        </a:ln>
+        <a:effectLst/>
+      </dsp:spPr>
+      <dsp:style>
+        <a:lnRef idx="0">
+          <a:scrgbClr r="0" g="0" b="0"/>
+        </a:lnRef>
+        <a:fillRef idx="0">
+          <a:scrgbClr r="0" g="0" b="0"/>
+        </a:fillRef>
+        <a:effectRef idx="0">
+          <a:scrgbClr r="0" g="0" b="0"/>
+        </a:effectRef>
+        <a:fontRef idx="minor"/>
+      </dsp:style>
+      <dsp:txBody>
+        <a:bodyPr spcFirstLastPara="0" vert="horz" wrap="square" lIns="64770" tIns="64770" rIns="64770" bIns="64770" numCol="1" spcCol="1270" anchor="ctr" anchorCtr="0">
+          <a:noAutofit/>
+        </a:bodyPr>
+        <a:lstStyle/>
+        <a:p>
+          <a:pPr marL="114300" lvl="1" indent="-114300" algn="l" defTabSz="577850">
+            <a:lnSpc>
+              <a:spcPct val="90000"/>
+            </a:lnSpc>
+            <a:spcBef>
+              <a:spcPct val="0"/>
+            </a:spcBef>
+            <a:spcAft>
+              <a:spcPct val="15000"/>
+            </a:spcAft>
+            <a:buChar char="•"/>
+          </a:pPr>
+          <a:endParaRPr lang="el-GR" sz="1300" kern="1200" dirty="0"/>
+        </a:p>
+      </dsp:txBody>
+      <dsp:txXfrm>
+        <a:off x="5690169" y="2176710"/>
+        <a:ext cx="958011" cy="745203"/>
+      </dsp:txXfrm>
+    </dsp:sp>
+  </dsp:spTree>
+</dsp:drawing>
+</file>
+
+<file path=ppt/diagrams/layout1.xml><?xml version="1.0" encoding="utf-8"?>
+<dgm:layoutDef xmlns:dgm="http://schemas.openxmlformats.org/drawingml/2006/diagram" xmlns:a="http://schemas.openxmlformats.org/drawingml/2006/main" uniqueId="urn:microsoft.com/office/officeart/2005/8/layout/StepDownProcess">
+  <dgm:title val=""/>
+  <dgm:desc val=""/>
+  <dgm:catLst>
+    <dgm:cat type="process" pri="1600"/>
+  </dgm:catLst>
+  <dgm:sampData>
+    <dgm:dataModel>
+      <dgm:ptLst>
+        <dgm:pt modelId="0" type="doc"/>
+        <dgm:pt modelId="10">
+          <dgm:prSet phldr="1"/>
+        </dgm:pt>
+        <dgm:pt modelId="11">
+          <dgm:prSet phldr="1"/>
+        </dgm:pt>
+        <dgm:pt modelId="20">
+          <dgm:prSet phldr="1"/>
+        </dgm:pt>
+        <dgm:pt modelId="21">
+          <dgm:prSet phldr="1"/>
+        </dgm:pt>
+        <dgm:pt modelId="30">
+          <dgm:prSet phldr="1"/>
+        </dgm:pt>
+        <dgm:pt modelId="31">
+          <dgm:prSet phldr="1"/>
+        </dgm:pt>
+      </dgm:ptLst>
+      <dgm:cxnLst>
+        <dgm:cxn modelId="60" srcId="0" destId="10" srcOrd="0" destOrd="0"/>
+        <dgm:cxn modelId="12" srcId="10" destId="11" srcOrd="0" destOrd="0"/>
+        <dgm:cxn modelId="70" srcId="0" destId="20" srcOrd="1" destOrd="0"/>
+        <dgm:cxn modelId="22" srcId="20" destId="21" srcOrd="0" destOrd="0"/>
+        <dgm:cxn modelId="80" srcId="0" destId="30" srcOrd="2" destOrd="0"/>
+        <dgm:cxn modelId="32" srcId="30" destId="31" srcOrd="0" destOrd="0"/>
+      </dgm:cxnLst>
+      <dgm:bg/>
+      <dgm:whole/>
+    </dgm:dataModel>
+  </dgm:sampData>
+  <dgm:styleData>
+    <dgm:dataModel>
+      <dgm:ptLst>
+        <dgm:pt modelId="0" type="doc"/>
+        <dgm:pt modelId="10">
+          <dgm:prSet phldr="1"/>
+        </dgm:pt>
+        <dgm:pt modelId="20">
+          <dgm:prSet phldr="1"/>
+        </dgm:pt>
+      </dgm:ptLst>
+      <dgm:cxnLst>
+        <dgm:cxn modelId="60" srcId="0" destId="10" srcOrd="0" destOrd="0"/>
+        <dgm:cxn modelId="70" srcId="0" destId="20" srcOrd="1" destOrd="0"/>
+      </dgm:cxnLst>
+      <dgm:bg/>
+      <dgm:whole/>
+    </dgm:dataModel>
+  </dgm:styleData>
+  <dgm:clrData>
+    <dgm:dataModel>
+      <dgm:ptLst>
+        <dgm:pt modelId="0" type="doc"/>
+        <dgm:pt modelId="10">
+          <dgm:prSet phldr="1"/>
+        </dgm:pt>
+        <dgm:pt modelId="20">
+          <dgm:prSet phldr="1"/>
+        </dgm:pt>
+        <dgm:pt modelId="30">
+          <dgm:prSet phldr="1"/>
+        </dgm:pt>
+        <dgm:pt modelId="40">
+          <dgm:prSet phldr="1"/>
+        </dgm:pt>
+      </dgm:ptLst>
+      <dgm:cxnLst>
+        <dgm:cxn modelId="60" srcId="0" destId="10" srcOrd="0" destOrd="0"/>
+        <dgm:cxn modelId="70" srcId="0" destId="20" srcOrd="1" destOrd="0"/>
+        <dgm:cxn modelId="80" srcId="0" destId="30" srcOrd="2" destOrd="0"/>
+        <dgm:cxn modelId="90" srcId="0" destId="40" srcOrd="3" destOrd="0"/>
+      </dgm:cxnLst>
+      <dgm:bg/>
+      <dgm:whole/>
+    </dgm:dataModel>
+  </dgm:clrData>
+  <dgm:layoutNode name="rootnode">
+    <dgm:varLst>
+      <dgm:chMax/>
+      <dgm:chPref/>
+      <dgm:dir/>
+      <dgm:animLvl val="lvl"/>
+    </dgm:varLst>
+    <dgm:choose name="Name0">
+      <dgm:if name="Name1" func="var" arg="dir" op="equ" val="norm">
+        <dgm:alg type="snake">
+          <dgm:param type="grDir" val="tL"/>
+          <dgm:param type="flowDir" val="row"/>
+          <dgm:param type="off" val="off"/>
+          <dgm:param type="bkpt" val="fixed"/>
+          <dgm:param type="bkPtFixedVal" val="1"/>
+        </dgm:alg>
+      </dgm:if>
+      <dgm:else name="Name2">
+        <dgm:alg type="snake">
+          <dgm:param type="grDir" val="tR"/>
+          <dgm:param type="flowDir" val="row"/>
+          <dgm:param type="off" val="off"/>
+          <dgm:param type="bkpt" val="fixed"/>
+          <dgm:param type="bkPtFixedVal" val="1"/>
+        </dgm:alg>
+      </dgm:else>
+    </dgm:choose>
+    <dgm:shape xmlns:r="http://schemas.openxmlformats.org/officeDocument/2006/relationships" r:blip="">
+      <dgm:adjLst/>
+    </dgm:shape>
+    <dgm:choose name="Name3">
+      <dgm:if name="Name4" func="var" arg="dir" op="equ" val="norm">
+        <dgm:constrLst>
+          <dgm:constr type="alignOff" forName="rootnode" val="0.48"/>
+          <dgm:constr type="primFontSz" for="des" forName="ParentText" val="65"/>
+          <dgm:constr type="primFontSz" for="des" forName="ChildText" refType="primFontSz" refFor="des" refForName="ParentText" op="lte"/>
+          <dgm:constr type="w" for="ch" forName="composite" refType="w"/>
+          <dgm:constr type="h" for="ch" forName="composite" refType="h"/>
+          <dgm:constr type="sp" refType="h" refFor="ch" refForName="composite" op="equ" fact="-0.38"/>
+        </dgm:constrLst>
+      </dgm:if>
+      <dgm:else name="Name5">
+        <dgm:constrLst>
+          <dgm:constr type="alignOff" forName="rootnode" val="0.48"/>
+          <dgm:constr type="primFontSz" for="des" forName="ParentText" val="65"/>
+          <dgm:constr type="primFontSz" for="des" forName="ChildText" refType="primFontSz" refFor="des" refForName="ParentText" op="lte"/>
+          <dgm:constr type="w" for="ch" forName="composite" refType="w"/>
+          <dgm:constr type="h" for="ch" forName="composite" refType="h"/>
+          <dgm:constr type="sp" refType="h" refFor="ch" refForName="composite" op="equ" fact="-0.38"/>
+        </dgm:constrLst>
+      </dgm:else>
+    </dgm:choose>
+    <dgm:forEach name="nodesForEach" axis="ch" ptType="node">
+      <dgm:layoutNode name="composite">
+        <dgm:alg type="composite">
+          <dgm:param type="ar" val="1.2439"/>
+        </dgm:alg>
+        <dgm:shape xmlns:r="http://schemas.openxmlformats.org/officeDocument/2006/relationships" r:blip="">
+          <dgm:adjLst/>
+        </dgm:shape>
+        <dgm:choose name="Name6">
+          <dgm:if name="Name7" func="var" arg="dir" op="equ" val="norm">
+            <dgm:constrLst>
+              <dgm:constr type="l" for="ch" forName="bentUpArrow1" refType="w" fact="0.07"/>
+              <dgm:constr type="t" for="ch" forName="bentUpArrow1" refType="h" fact="0.524"/>
+              <dgm:constr type="w" for="ch" forName="bentUpArrow1" refType="w" fact="0.3844"/>
+              <dgm:constr type="h" for="ch" forName="bentUpArrow1" refType="h" fact="0.42"/>
+              <dgm:constr type="l" for="ch" forName="ParentText" refType="w" fact="0"/>
+              <dgm:constr type="t" for="ch" forName="ParentText" refType="h" fact="0"/>
+              <dgm:constr type="w" for="ch" forName="ParentText" refType="w" fact="0.5684"/>
+              <dgm:constr type="h" for="ch" forName="ParentText" refType="h" fact="0.4949"/>
+              <dgm:constr type="l" for="ch" forName="ChildText" refType="w" refFor="ch" refForName="ParentText"/>
+              <dgm:constr type="t" for="ch" forName="ChildText" refType="h" fact="0.05"/>
+              <dgm:constr type="w" for="ch" forName="ChildText" refType="w" fact="0.4134"/>
+              <dgm:constr type="h" for="ch" forName="ChildText" refType="h" fact="0.4"/>
+              <dgm:constr type="l" for="ch" forName="FinalChildText" refType="w" refFor="ch" refForName="ParentText"/>
+              <dgm:constr type="t" for="ch" forName="FinalChildText" refType="h" fact="0.05"/>
+              <dgm:constr type="w" for="ch" forName="FinalChildText" refType="w" fact="0.4134"/>
+              <dgm:constr type="h" for="ch" forName="FinalChildText" refType="h" fact="0.4"/>
+            </dgm:constrLst>
+          </dgm:if>
+          <dgm:else name="Name8">
+            <dgm:constrLst>
+              <dgm:constr type="r" for="ch" forName="bentUpArrow1" refType="w" fact="0.97"/>
+              <dgm:constr type="t" for="ch" forName="bentUpArrow1" refType="h" fact="0.524"/>
+              <dgm:constr type="w" for="ch" forName="bentUpArrow1" refType="w" fact="0.3844"/>
+              <dgm:constr type="h" for="ch" forName="bentUpArrow1" refType="h" fact="0.42"/>
+              <dgm:constr type="l" for="ch" forName="ParentText" refType="w" fact="0.4316"/>
+              <dgm:constr type="t" for="ch" forName="ParentText" refType="h" fact="0"/>
+              <dgm:constr type="w" for="ch" forName="ParentText" refType="w" fact="0.5684"/>
+              <dgm:constr type="h" for="ch" forName="ParentText" refType="h" fact="0.4949"/>
+              <dgm:constr type="l" for="ch" forName="ChildText" refType="w" fact="0"/>
+              <dgm:constr type="t" for="ch" forName="ChildText" refType="h" fact="0.05"/>
+              <dgm:constr type="w" for="ch" forName="ChildText" refType="w" fact="0.4134"/>
+              <dgm:constr type="h" for="ch" forName="ChildText" refType="h" fact="0.4"/>
+              <dgm:constr type="l" for="ch" forName="FinalChildText" refType="w" fact="0"/>
+              <dgm:constr type="t" for="ch" forName="FinalChildText" refType="h" fact="0.05"/>
+              <dgm:constr type="w" for="ch" forName="FinalChildText" refType="w" fact="0.4134"/>
+              <dgm:constr type="h" for="ch" forName="FinalChildText" refType="h" fact="0.4"/>
+            </dgm:constrLst>
+          </dgm:else>
+        </dgm:choose>
+        <dgm:choose name="Name9">
+          <dgm:if name="Name10" axis="followSib" ptType="node" func="cnt" op="gte" val="1">
+            <dgm:layoutNode name="bentUpArrow1" styleLbl="alignImgPlace1">
+              <dgm:alg type="sp"/>
+              <dgm:choose name="Name11">
+                <dgm:if name="Name12" func="var" arg="dir" op="equ" val="norm">
+                  <dgm:shape xmlns:r="http://schemas.openxmlformats.org/officeDocument/2006/relationships" rot="90" type="bentUpArrow" r:blip="">
+                    <dgm:adjLst>
+                      <dgm:adj idx="1" val="0.3284"/>
+                      <dgm:adj idx="2" val="0.25"/>
+                      <dgm:adj idx="3" val="0.3578"/>
+                    </dgm:adjLst>
+                  </dgm:shape>
+                </dgm:if>
+                <dgm:else name="Name13">
+                  <dgm:shape xmlns:r="http://schemas.openxmlformats.org/officeDocument/2006/relationships" rot="180" type="bentArrow" r:blip="">
+                    <dgm:adjLst>
+                      <dgm:adj idx="1" val="0.3284"/>
+                      <dgm:adj idx="2" val="0.25"/>
+                      <dgm:adj idx="3" val="0.3578"/>
+                      <dgm:adj idx="4" val="0"/>
+                    </dgm:adjLst>
+                  </dgm:shape>
+                </dgm:else>
+              </dgm:choose>
+              <dgm:presOf/>
+            </dgm:layoutNode>
+          </dgm:if>
+          <dgm:else name="Name14"/>
+        </dgm:choose>
+        <dgm:layoutNode name="ParentText" styleLbl="node1">
+          <dgm:varLst>
+            <dgm:chMax val="1"/>
+            <dgm:chPref val="1"/>
+            <dgm:bulletEnabled val="1"/>
+          </dgm:varLst>
+          <dgm:alg type="tx"/>
+          <dgm:shape xmlns:r="http://schemas.openxmlformats.org/officeDocument/2006/relationships" type="roundRect" r:blip="">
+            <dgm:adjLst>
+              <dgm:adj idx="1" val="0.1667"/>
+            </dgm:adjLst>
+          </dgm:shape>
+          <dgm:presOf axis="self" ptType="node"/>
+          <dgm:constrLst>
+            <dgm:constr type="lMarg" refType="primFontSz" fact="0.3"/>
+            <dgm:constr type="rMarg" refType="primFontSz" fact="0.3"/>
+            <dgm:constr type="tMarg" refType="primFontSz" fact="0.3"/>
+            <dgm:constr type="bMarg" refType="primFontSz" fact="0.3"/>
+          </dgm:constrLst>
+          <dgm:ruleLst>
+            <dgm:rule type="primFontSz" val="5" fact="NaN" max="NaN"/>
+          </dgm:ruleLst>
+        </dgm:layoutNode>
+        <dgm:choose name="Name15">
+          <dgm:if name="Name16" axis="followSib" ptType="node" func="cnt" op="equ" val="0">
+            <dgm:choose name="Name17">
+              <dgm:if name="Name18" axis="ch" ptType="node" func="cnt" op="gte" val="1">
+                <dgm:layoutNode name="FinalChildText" styleLbl="revTx">
+                  <dgm:varLst>
+                    <dgm:chMax val="0"/>
+                    <dgm:chPref val="0"/>
+                    <dgm:bulletEnabled val="1"/>
+                  </dgm:varLst>
+                  <dgm:alg type="tx">
+                    <dgm:param type="stBulletLvl" val="1"/>
+                    <dgm:param type="txAnchorVertCh" val="mid"/>
+                    <dgm:param type="parTxLTRAlign" val="l"/>
+                  </dgm:alg>
+                  <dgm:shape xmlns:r="http://schemas.openxmlformats.org/officeDocument/2006/relationships" type="rect" r:blip="">
+                    <dgm:adjLst/>
+                  </dgm:shape>
+                  <dgm:presOf axis="des" ptType="node"/>
+                  <dgm:constrLst>
+                    <dgm:constr type="lMarg" refType="primFontSz" fact="0.3"/>
+                    <dgm:constr type="rMarg" refType="primFontSz" fact="0.3"/>
+                    <dgm:constr type="tMarg" refType="primFontSz" fact="0.3"/>
+                    <dgm:constr type="bMarg" refType="primFontSz" fact="0.3"/>
+                  </dgm:constrLst>
+                  <dgm:ruleLst>
+                    <dgm:rule type="primFontSz" val="5" fact="NaN" max="NaN"/>
+                  </dgm:ruleLst>
+                </dgm:layoutNode>
+              </dgm:if>
+              <dgm:else name="Name19"/>
+            </dgm:choose>
+          </dgm:if>
+          <dgm:else name="Name20">
+            <dgm:layoutNode name="ChildText" styleLbl="revTx">
+              <dgm:varLst>
+                <dgm:chMax val="0"/>
+                <dgm:chPref val="0"/>
+                <dgm:bulletEnabled val="1"/>
+              </dgm:varLst>
+              <dgm:alg type="tx">
+                <dgm:param type="stBulletLvl" val="1"/>
+                <dgm:param type="txAnchorVertCh" val="mid"/>
+                <dgm:param type="parTxLTRAlign" val="l"/>
+              </dgm:alg>
+              <dgm:shape xmlns:r="http://schemas.openxmlformats.org/officeDocument/2006/relationships" type="rect" r:blip="">
+                <dgm:adjLst/>
+              </dgm:shape>
+              <dgm:presOf axis="des" ptType="node"/>
+              <dgm:constrLst>
+                <dgm:constr type="lMarg" refType="primFontSz" fact="0.3"/>
+                <dgm:constr type="rMarg" refType="primFontSz" fact="0.3"/>
+                <dgm:constr type="tMarg" refType="primFontSz" fact="0.3"/>
+                <dgm:constr type="bMarg" refType="primFontSz" fact="0.3"/>
+              </dgm:constrLst>
+              <dgm:ruleLst>
+                <dgm:rule type="primFontSz" val="5" fact="NaN" max="NaN"/>
+              </dgm:ruleLst>
+            </dgm:layoutNode>
+          </dgm:else>
+        </dgm:choose>
+      </dgm:layoutNode>
+      <dgm:forEach name="sibTransForEach" axis="followSib" ptType="sibTrans" cnt="1">
+        <dgm:layoutNode name="sibTrans">
+          <dgm:alg type="sp"/>
+          <dgm:shape xmlns:r="http://schemas.openxmlformats.org/officeDocument/2006/relationships" r:blip="">
+            <dgm:adjLst/>
+          </dgm:shape>
+        </dgm:layoutNode>
+      </dgm:forEach>
+    </dgm:forEach>
+  </dgm:layoutNode>
+</dgm:layoutDef>
+</file>
+
+<file path=ppt/diagrams/quickStyle1.xml><?xml version="1.0" encoding="utf-8"?>
+<dgm:styleDef xmlns:dgm="http://schemas.openxmlformats.org/drawingml/2006/diagram" xmlns:a="http://schemas.openxmlformats.org/drawingml/2006/main" uniqueId="urn:microsoft.com/office/officeart/2005/8/quickstyle/simple1">
+  <dgm:title val=""/>
+  <dgm:desc val=""/>
+  <dgm:catLst>
+    <dgm:cat type="simple" pri="10100"/>
+  </dgm:catLst>
+  <dgm:scene3d>
+    <a:camera prst="orthographicFront"/>
+    <a:lightRig rig="threePt" dir="t"/>
+  </dgm:scene3d>
+  <dgm:styleLbl name="node0">
+    <dgm:scene3d>
+      <a:camera prst="orthographicFront"/>
+      <a:lightRig rig="threePt" dir="t"/>
+    </dgm:scene3d>
+    <dgm:sp3d/>
+    <dgm:txPr/>
+    <dgm:style>
+      <a:lnRef idx="2">
+        <a:scrgbClr r="0" g="0" b="0"/>
+      </a:lnRef>
+      <a:fillRef idx="1">
+        <a:scrgbClr r="0" g="0" b="0"/>
+      </a:fillRef>
+      <a:effectRef idx="0">
+        <a:scrgbClr r="0" g="0" b="0"/>
+      </a:effectRef>
+      <a:fontRef idx="minor">
+        <a:schemeClr val="lt1"/>
+      </a:fontRef>
+    </dgm:style>
+  </dgm:styleLbl>
+  <dgm:styleLbl name="lnNode1">
+    <dgm:scene3d>
+      <a:camera prst="orthographicFront"/>
+      <a:lightRig rig="threePt" dir="t"/>
+    </dgm:scene3d>
+    <dgm:sp3d/>
+    <dgm:txPr/>
+    <dgm:style>
+      <a:lnRef idx="2">
+        <a:scrgbClr r="0" g="0" b="0"/>
+      </a:lnRef>
+      <a:fillRef idx="1">
+        <a:scrgbClr r="0" g="0" b="0"/>
+      </a:fillRef>
+      <a:effectRef idx="0">
+        <a:scrgbClr r="0" g="0" b="0"/>
+      </a:effectRef>
+      <a:fontRef idx="minor">
+        <a:schemeClr val="lt1"/>
+      </a:fontRef>
+    </dgm:style>
+  </dgm:styleLbl>
+  <dgm:styleLbl name="vennNode1">
+    <dgm:scene3d>
+      <a:camera prst="orthographicFront"/>
+      <a:lightRig rig="threePt" dir="t"/>
+    </dgm:scene3d>
+    <dgm:sp3d/>
+    <dgm:txPr/>
+    <dgm:style>
+      <a:lnRef idx="2">
+        <a:scrgbClr r="0" g="0" b="0"/>
+      </a:lnRef>
+      <a:fillRef idx="1">
+        <a:scrgbClr r="0" g="0" b="0"/>
+      </a:fillRef>
+      <a:effectRef idx="0">
+        <a:scrgbClr r="0" g="0" b="0"/>
+      </a:effectRef>
+      <a:fontRef idx="minor">
+        <a:schemeClr val="tx1"/>
+      </a:fontRef>
+    </dgm:style>
+  </dgm:styleLbl>
+  <dgm:styleLbl name="alignNode1">
+    <dgm:scene3d>
+      <a:camera prst="orthographicFront"/>
+      <a:lightRig rig="threePt" dir="t"/>
+    </dgm:scene3d>
+    <dgm:sp3d/>
+    <dgm:txPr/>
+    <dgm:style>
+      <a:lnRef idx="2">
+        <a:scrgbClr r="0" g="0" b="0"/>
+      </a:lnRef>
+      <a:fillRef idx="1">
+        <a:scrgbClr r="0" g="0" b="0"/>
+      </a:fillRef>
+      <a:effectRef idx="0">
+        <a:scrgbClr r="0" g="0" b="0"/>
+      </a:effectRef>
+      <a:fontRef idx="minor">
+        <a:schemeClr val="lt1"/>
+      </a:fontRef>
+    </dgm:style>
+  </dgm:styleLbl>
+  <dgm:styleLbl name="node1">
+    <dgm:scene3d>
+      <a:camera prst="orthographicFront"/>
+      <a:lightRig rig="threePt" dir="t"/>
+    </dgm:scene3d>
+    <dgm:sp3d/>
+    <dgm:txPr/>
+    <dgm:style>
+      <a:lnRef idx="2">
+        <a:scrgbClr r="0" g="0" b="0"/>
+      </a:lnRef>
+      <a:fillRef idx="1">
+        <a:scrgbClr r="0" g="0" b="0"/>
+      </a:fillRef>
+      <a:effectRef idx="0">
+        <a:scrgbClr r="0" g="0" b="0"/>
+      </a:effectRef>
+      <a:fontRef idx="minor">
+        <a:schemeClr val="lt1"/>
+      </a:fontRef>
+    </dgm:style>
+  </dgm:styleLbl>
+  <dgm:styleLbl name="node2">
+    <dgm:scene3d>
+      <a:camera prst="orthographicFront"/>
+      <a:lightRig rig="threePt" dir="t"/>
+    </dgm:scene3d>
+    <dgm:sp3d/>
+    <dgm:txPr/>
+    <dgm:style>
+      <a:lnRef idx="2">
+        <a:scrgbClr r="0" g="0" b="0"/>
+      </a:lnRef>
+      <a:fillRef idx="1">
+        <a:scrgbClr r="0" g="0" b="0"/>
+      </a:fillRef>
+      <a:effectRef idx="0">
+        <a:scrgbClr r="0" g="0" b="0"/>
+      </a:effectRef>
+      <a:fontRef idx="minor">
+        <a:schemeClr val="lt1"/>
+      </a:fontRef>
+    </dgm:style>
+  </dgm:styleLbl>
+  <dgm:styleLbl name="node3">
+    <dgm:scene3d>
+      <a:camera prst="orthographicFront"/>
+      <a:lightRig rig="threePt" dir="t"/>
+    </dgm:scene3d>
+    <dgm:sp3d/>
+    <dgm:txPr/>
+    <dgm:style>
+      <a:lnRef idx="2">
+        <a:scrgbClr r="0" g="0" b="0"/>
+      </a:lnRef>
+      <a:fillRef idx="1">
+        <a:scrgbClr r="0" g="0" b="0"/>
+      </a:fillRef>
+      <a:effectRef idx="0">
+        <a:scrgbClr r="0" g="0" b="0"/>
+      </a:effectRef>
+      <a:fontRef idx="minor">
+        <a:schemeClr val="lt1"/>
+      </a:fontRef>
+    </dgm:style>
+  </dgm:styleLbl>
+  <dgm:styleLbl name="node4">
+    <dgm:scene3d>
+      <a:camera prst="orthographicFront"/>
+      <a:lightRig rig="threePt" dir="t"/>
+    </dgm:scene3d>
+    <dgm:sp3d/>
+    <dgm:txPr/>
+    <dgm:style>
+      <a:lnRef idx="2">
+        <a:scrgbClr r="0" g="0" b="0"/>
+      </a:lnRef>
+      <a:fillRef idx="1">
+        <a:scrgbClr r="0" g="0" b="0"/>
+      </a:fillRef>
+      <a:effectRef idx="0">
+        <a:scrgbClr r="0" g="0" b="0"/>
+      </a:effectRef>
+      <a:fontRef idx="minor">
+        <a:schemeClr val="lt1"/>
+      </a:fontRef>
+    </dgm:style>
+  </dgm:styleLbl>
+  <dgm:styleLbl name="fgImgPlace1">
+    <dgm:scene3d>
+      <a:camera prst="orthographicFront"/>
+      <a:lightRig rig="threePt" dir="t"/>
+    </dgm:scene3d>
+    <dgm:sp3d/>
+    <dgm:txPr/>
+    <dgm:style>
+      <a:lnRef idx="2">
+        <a:scrgbClr r="0" g="0" b="0"/>
+      </a:lnRef>
+      <a:fillRef idx="1">
+        <a:scrgbClr r="0" g="0" b="0"/>
+      </a:fillRef>
+      <a:effectRef idx="0">
+        <a:scrgbClr r="0" g="0" b="0"/>
+      </a:effectRef>
+      <a:fontRef idx="minor"/>
+    </dgm:style>
+  </dgm:styleLbl>
+  <dgm:styleLbl name="alignImgPlace1">
+    <dgm:scene3d>
+      <a:camera prst="orthographicFront"/>
+      <a:lightRig rig="threePt" dir="t"/>
+    </dgm:scene3d>
+    <dgm:sp3d/>
+    <dgm:txPr/>
+    <dgm:style>
+      <a:lnRef idx="2">
+        <a:scrgbClr r="0" g="0" b="0"/>
+      </a:lnRef>
+      <a:fillRef idx="1">
+        <a:scrgbClr r="0" g="0" b="0"/>
+      </a:fillRef>
+      <a:effectRef idx="0">
+        <a:scrgbClr r="0" g="0" b="0"/>
+      </a:effectRef>
+      <a:fontRef idx="minor"/>
+    </dgm:style>
+  </dgm:styleLbl>
+  <dgm:styleLbl name="bgImgPlace1">
+    <dgm:scene3d>
+      <a:camera prst="orthographicFront"/>
+      <a:lightRig rig="threePt" dir="t"/>
+    </dgm:scene3d>
+    <dgm:sp3d/>
+    <dgm:txPr/>
+    <dgm:style>
+      <a:lnRef idx="2">
+        <a:scrgbClr r="0" g="0" b="0"/>
+      </a:lnRef>
+      <a:fillRef idx="1">
+        <a:scrgbClr r="0" g="0" b="0"/>
+      </a:fillRef>
+      <a:effectRef idx="0">
+        <a:scrgbClr r="0" g="0" b="0"/>
+      </a:effectRef>
+      <a:fontRef idx="minor"/>
+    </dgm:style>
+  </dgm:styleLbl>
+  <dgm:styleLbl name="sibTrans2D1">
+    <dgm:scene3d>
+      <a:camera prst="orthographicFront"/>
+      <a:lightRig rig="threePt" dir="t"/>
+    </dgm:scene3d>
+    <dgm:sp3d/>
+    <dgm:txPr/>
+    <dgm:style>
+      <a:lnRef idx="0">
+        <a:scrgbClr r="0" g="0" b="0"/>
+      </a:lnRef>
+      <a:fillRef idx="1">
+        <a:scrgbClr r="0" g="0" b="0"/>
+      </a:fillRef>
+      <a:effectRef idx="0">
+        <a:scrgbClr r="0" g="0" b="0"/>
+      </a:effectRef>
+      <a:fontRef idx="minor">
+        <a:schemeClr val="lt1"/>
+      </a:fontRef>
+    </dgm:style>
+  </dgm:styleLbl>
+  <dgm:styleLbl name="fgSibTrans2D1">
+    <dgm:scene3d>
+      <a:camera prst="orthographicFront"/>
+      <a:lightRig rig="threePt" dir="t"/>
+    </dgm:scene3d>
+    <dgm:sp3d/>
+    <dgm:txPr/>
+    <dgm:style>
+      <a:lnRef idx="0">
+        <a:scrgbClr r="0" g="0" b="0"/>
+      </a:lnRef>
+      <a:fillRef idx="1">
+        <a:scrgbClr r="0" g="0" b="0"/>
+      </a:fillRef>
+      <a:effectRef idx="0">
+        <a:scrgbClr r="0" g="0" b="0"/>
+      </a:effectRef>
+      <a:fontRef idx="minor">
+        <a:schemeClr val="lt1"/>
+      </a:fontRef>
+    </dgm:style>
+  </dgm:styleLbl>
+  <dgm:styleLbl name="bgSibTrans2D1">
+    <dgm:scene3d>
+      <a:camera prst="orthographicFront"/>
+      <a:lightRig rig="threePt" dir="t"/>
+    </dgm:scene3d>
+    <dgm:sp3d/>
+    <dgm:txPr/>
+    <dgm:style>
+      <a:lnRef idx="0">
+        <a:scrgbClr r="0" g="0" b="0"/>
+      </a:lnRef>
+      <a:fillRef idx="1">
+        <a:scrgbClr r="0" g="0" b="0"/>
+      </a:fillRef>
+      <a:effectRef idx="0">
+        <a:scrgbClr r="0" g="0" b="0"/>
+      </a:effectRef>
+      <a:fontRef idx="minor">
+        <a:schemeClr val="lt1"/>
+      </a:fontRef>
+    </dgm:style>
+  </dgm:styleLbl>
+  <dgm:styleLbl name="sibTrans1D1">
+    <dgm:scene3d>
+      <a:camera prst="orthographicFront"/>
+      <a:lightRig rig="threePt" dir="t"/>
+    </dgm:scene3d>
+    <dgm:sp3d/>
+    <dgm:txPr/>
+    <dgm:style>
+      <a:lnRef idx="1">
+        <a:scrgbClr r="0" g="0" b="0"/>
+      </a:lnRef>
+      <a:fillRef idx="0">
+        <a:scrgbClr r="0" g="0" b="0"/>
+      </a:fillRef>
+      <a:effectRef idx="0">
+        <a:scrgbClr r="0" g="0" b="0"/>
+      </a:effectRef>
+      <a:fontRef idx="minor"/>
+    </dgm:style>
+  </dgm:styleLbl>
+  <dgm:styleLbl name="callout">
+    <dgm:scene3d>
+      <a:camera prst="orthographicFront"/>
+      <a:lightRig rig="threePt" dir="t"/>
+    </dgm:scene3d>
+    <dgm:sp3d/>
+    <dgm:txPr/>
+    <dgm:style>
+      <a:lnRef idx="2">
+        <a:scrgbClr r="0" g="0" b="0"/>
+      </a:lnRef>
+      <a:fillRef idx="1">
+        <a:scrgbClr r="0" g="0" b="0"/>
+      </a:fillRef>
+      <a:effectRef idx="0">
+        <a:scrgbClr r="0" g="0" b="0"/>
+      </a:effectRef>
+      <a:fontRef idx="minor"/>
+    </dgm:style>
+  </dgm:styleLbl>
+  <dgm:styleLbl name="asst0">
+    <dgm:scene3d>
+      <a:camera prst="orthographicFront"/>
+      <a:lightRig rig="threePt" dir="t"/>
+    </dgm:scene3d>
+    <dgm:sp3d/>
+    <dgm:txPr/>
+    <dgm:style>
+      <a:lnRef idx="2">
+        <a:scrgbClr r="0" g="0" b="0"/>
+      </a:lnRef>
+      <a:fillRef idx="1">
+        <a:scrgbClr r="0" g="0" b="0"/>
+      </a:fillRef>
+      <a:effectRef idx="0">
+        <a:scrgbClr r="0" g="0" b="0"/>
+      </a:effectRef>
+      <a:fontRef idx="minor">
+        <a:schemeClr val="lt1"/>
+      </a:fontRef>
+    </dgm:style>
+  </dgm:styleLbl>
+  <dgm:styleLbl name="asst1">
+    <dgm:scene3d>
+      <a:camera prst="orthographicFront"/>
+      <a:lightRig rig="threePt" dir="t"/>
+    </dgm:scene3d>
+    <dgm:sp3d/>
+    <dgm:txPr/>
+    <dgm:style>
+      <a:lnRef idx="2">
+        <a:scrgbClr r="0" g="0" b="0"/>
+      </a:lnRef>
+      <a:fillRef idx="1">
+        <a:scrgbClr r="0" g="0" b="0"/>
+      </a:fillRef>
+      <a:effectRef idx="0">
+        <a:scrgbClr r="0" g="0" b="0"/>
+      </a:effectRef>
+      <a:fontRef idx="minor">
+        <a:schemeClr val="lt1"/>
+      </a:fontRef>
+    </dgm:style>
+  </dgm:styleLbl>
+  <dgm:styleLbl name="asst2">
+    <dgm:scene3d>
+      <a:camera prst="orthographicFront"/>
+      <a:lightRig rig="threePt" dir="t"/>
+    </dgm:scene3d>
+    <dgm:sp3d/>
+    <dgm:txPr/>
+    <dgm:style>
+      <a:lnRef idx="2">
+        <a:scrgbClr r="0" g="0" b="0"/>
+      </a:lnRef>
+      <a:fillRef idx="1">
+        <a:scrgbClr r="0" g="0" b="0"/>
+      </a:fillRef>
+      <a:effectRef idx="0">
+        <a:scrgbClr r="0" g="0" b="0"/>
+      </a:effectRef>
+      <a:fontRef idx="minor">
+        <a:schemeClr val="lt1"/>
+      </a:fontRef>
+    </dgm:style>
+  </dgm:styleLbl>
+  <dgm:styleLbl name="asst3">
+    <dgm:scene3d>
+      <a:camera prst="orthographicFront"/>
+      <a:lightRig rig="threePt" dir="t"/>
+    </dgm:scene3d>
+    <dgm:sp3d/>
+    <dgm:txPr/>
+    <dgm:style>
+      <a:lnRef idx="2">
+        <a:scrgbClr r="0" g="0" b="0"/>
+      </a:lnRef>
+      <a:fillRef idx="1">
+        <a:scrgbClr r="0" g="0" b="0"/>
+      </a:fillRef>
+      <a:effectRef idx="0">
+        <a:scrgbClr r="0" g="0" b="0"/>
+      </a:effectRef>
+      <a:fontRef idx="minor">
+        <a:schemeClr val="lt1"/>
+      </a:fontRef>
+    </dgm:style>
+  </dgm:styleLbl>
+  <dgm:styleLbl name="asst4">
+    <dgm:scene3d>
+      <a:camera prst="orthographicFront"/>
+      <a:lightRig rig="threePt" dir="t"/>
+    </dgm:scene3d>
+    <dgm:sp3d/>
+    <dgm:txPr/>
+    <dgm:style>
+      <a:lnRef idx="2">
+        <a:scrgbClr r="0" g="0" b="0"/>
+      </a:lnRef>
+      <a:fillRef idx="1">
+        <a:scrgbClr r="0" g="0" b="0"/>
+      </a:fillRef>
+      <a:effectRef idx="0">
+        <a:scrgbClr r="0" g="0" b="0"/>
+      </a:effectRef>
+      <a:fontRef idx="minor">
+        <a:schemeClr val="lt1"/>
+      </a:fontRef>
+    </dgm:style>
+  </dgm:styleLbl>
+  <dgm:styleLbl name="parChTrans2D1">
+    <dgm:scene3d>
+      <a:camera prst="orthographicFront"/>
+      <a:lightRig rig="threePt" dir="t"/>
+    </dgm:scene3d>
+    <dgm:sp3d/>
+    <dgm:txPr/>
+    <dgm:style>
+      <a:lnRef idx="2">
+        <a:scrgbClr r="0" g="0" b="0"/>
+      </a:lnRef>
+      <a:fillRef idx="1">
+        <a:scrgbClr r="0" g="0" b="0"/>
+      </a:fillRef>
+      <a:effectRef idx="0">
+        <a:scrgbClr r="0" g="0" b="0"/>
+      </a:effectRef>
+      <a:fontRef idx="minor">
+        <a:schemeClr val="lt1"/>
+      </a:fontRef>
+    </dgm:style>
+  </dgm:styleLbl>
+  <dgm:styleLbl name="parChTrans2D2">
+    <dgm:scene3d>
+      <a:camera prst="orthographicFront"/>
+      <a:lightRig rig="threePt" dir="t"/>
+    </dgm:scene3d>
+    <dgm:sp3d/>
+    <dgm:txPr/>
+    <dgm:style>
+      <a:lnRef idx="2">
+        <a:scrgbClr r="0" g="0" b="0"/>
+      </a:lnRef>
+      <a:fillRef idx="1">
+        <a:scrgbClr r="0" g="0" b="0"/>
+      </a:fillRef>
+      <a:effectRef idx="0">
+        <a:scrgbClr r="0" g="0" b="0"/>
+      </a:effectRef>
+      <a:fontRef idx="minor">
+        <a:schemeClr val="lt1"/>
+      </a:fontRef>
+    </dgm:style>
+  </dgm:styleLbl>
+  <dgm:styleLbl name="parChTrans2D3">
+    <dgm:scene3d>
+      <a:camera prst="orthographicFront"/>
+      <a:lightRig rig="threePt" dir="t"/>
+    </dgm:scene3d>
+    <dgm:sp3d/>
+    <dgm:txPr/>
+    <dgm:style>
+      <a:lnRef idx="2">
+        <a:scrgbClr r="0" g="0" b="0"/>
+      </a:lnRef>
+      <a:fillRef idx="1">
+        <a:scrgbClr r="0" g="0" b="0"/>
+      </a:fillRef>
+      <a:effectRef idx="0">
+        <a:scrgbClr r="0" g="0" b="0"/>
+      </a:effectRef>
+      <a:fontRef idx="minor">
+        <a:schemeClr val="lt1"/>
+      </a:fontRef>
+    </dgm:style>
+  </dgm:styleLbl>
+  <dgm:styleLbl name="parChTrans2D4">
+    <dgm:scene3d>
+      <a:camera prst="orthographicFront"/>
+      <a:lightRig rig="threePt" dir="t"/>
+    </dgm:scene3d>
+    <dgm:sp3d/>
+    <dgm:txPr/>
+    <dgm:style>
+      <a:lnRef idx="2">
+        <a:scrgbClr r="0" g="0" b="0"/>
+      </a:lnRef>
+      <a:fillRef idx="1">
+        <a:scrgbClr r="0" g="0" b="0"/>
+      </a:fillRef>
+      <a:effectRef idx="0">
+        <a:scrgbClr r="0" g="0" b="0"/>
+      </a:effectRef>
+      <a:fontRef idx="minor">
+        <a:schemeClr val="lt1"/>
+      </a:fontRef>
+    </dgm:style>
+  </dgm:styleLbl>
+  <dgm:styleLbl name="parChTrans1D1">
+    <dgm:scene3d>
+      <a:camera prst="orthographicFront"/>
+      <a:lightRig rig="threePt" dir="t"/>
+    </dgm:scene3d>
+    <dgm:sp3d/>
+    <dgm:txPr/>
+    <dgm:style>
+      <a:lnRef idx="2">
+        <a:scrgbClr r="0" g="0" b="0"/>
+      </a:lnRef>
+      <a:fillRef idx="0">
+        <a:scrgbClr r="0" g="0" b="0"/>
+      </a:fillRef>
+      <a:effectRef idx="0">
+        <a:scrgbClr r="0" g="0" b="0"/>
+      </a:effectRef>
+      <a:fontRef idx="minor"/>
+    </dgm:style>
+  </dgm:styleLbl>
+  <dgm:styleLbl name="parChTrans1D2">
+    <dgm:scene3d>
+      <a:camera prst="orthographicFront"/>
+      <a:lightRig rig="threePt" dir="t"/>
+    </dgm:scene3d>
+    <dgm:sp3d/>
+    <dgm:txPr/>
+    <dgm:style>
+      <a:lnRef idx="2">
+        <a:scrgbClr r="0" g="0" b="0"/>
+      </a:lnRef>
+      <a:fillRef idx="0">
+        <a:scrgbClr r="0" g="0" b="0"/>
+      </a:fillRef>
+      <a:effectRef idx="0">
+        <a:scrgbClr r="0" g="0" b="0"/>
+      </a:effectRef>
+      <a:fontRef idx="minor"/>
+    </dgm:style>
+  </dgm:styleLbl>
+  <dgm:styleLbl name="parChTrans1D3">
+    <dgm:scene3d>
+      <a:camera prst="orthographicFront"/>
+      <a:lightRig rig="threePt" dir="t"/>
+    </dgm:scene3d>
+    <dgm:sp3d/>
+    <dgm:txPr/>
+    <dgm:style>
+      <a:lnRef idx="2">
+        <a:scrgbClr r="0" g="0" b="0"/>
+      </a:lnRef>
+      <a:fillRef idx="0">
+        <a:scrgbClr r="0" g="0" b="0"/>
+      </a:fillRef>
+      <a:effectRef idx="0">
+        <a:scrgbClr r="0" g="0" b="0"/>
+      </a:effectRef>
+      <a:fontRef idx="minor"/>
+    </dgm:style>
+  </dgm:styleLbl>
+  <dgm:styleLbl name="parChTrans1D4">
+    <dgm:scene3d>
+      <a:camera prst="orthographicFront"/>
+      <a:lightRig rig="threePt" dir="t"/>
+    </dgm:scene3d>
+    <dgm:sp3d/>
+    <dgm:txPr/>
+    <dgm:style>
+      <a:lnRef idx="2">
+        <a:scrgbClr r="0" g="0" b="0"/>
+      </a:lnRef>
+      <a:fillRef idx="0">
+        <a:scrgbClr r="0" g="0" b="0"/>
+      </a:fillRef>
+      <a:effectRef idx="0">
+        <a:scrgbClr r="0" g="0" b="0"/>
+      </a:effectRef>
+      <a:fontRef idx="minor"/>
+    </dgm:style>
+  </dgm:styleLbl>
+  <dgm:styleLbl name="fgAcc1">
+    <dgm:scene3d>
+      <a:camera prst="orthographicFront"/>
+      <a:lightRig rig="threePt" dir="t"/>
+    </dgm:scene3d>
+    <dgm:sp3d/>
+    <dgm:txPr/>
+    <dgm:style>
+      <a:lnRef idx="2">
+        <a:scrgbClr r="0" g="0" b="0"/>
+      </a:lnRef>
+      <a:fillRef idx="1">
+        <a:scrgbClr r="0" g="0" b="0"/>
+      </a:fillRef>
+      <a:effectRef idx="0">
+        <a:scrgbClr r="0" g="0" b="0"/>
+      </a:effectRef>
+      <a:fontRef idx="minor"/>
+    </dgm:style>
+  </dgm:styleLbl>
+  <dgm:styleLbl name="conFgAcc1">
+    <dgm:scene3d>
+      <a:camera prst="orthographicFront"/>
+      <a:lightRig rig="threePt" dir="t"/>
+    </dgm:scene3d>
+    <dgm:sp3d/>
+    <dgm:txPr/>
+    <dgm:style>
+      <a:lnRef idx="2">
+        <a:scrgbClr r="0" g="0" b="0"/>
+      </a:lnRef>
+      <a:fillRef idx="1">
+        <a:scrgbClr r="0" g="0" b="0"/>
+      </a:fillRef>
+      <a:effectRef idx="0">
+        <a:scrgbClr r="0" g="0" b="0"/>
+      </a:effectRef>
+      <a:fontRef idx="minor"/>
+    </dgm:style>
+  </dgm:styleLbl>
+  <dgm:styleLbl name="alignAcc1">
+    <dgm:scene3d>
+      <a:camera prst="orthographicFront"/>
+      <a:lightRig rig="threePt" dir="t"/>
+    </dgm:scene3d>
+    <dgm:sp3d/>
+    <dgm:txPr/>
+    <dgm:style>
+      <a:lnRef idx="2">
+        <a:scrgbClr r="0" g="0" b="0"/>
+      </a:lnRef>
+      <a:fillRef idx="1">
+        <a:scrgbClr r="0" g="0" b="0"/>
+      </a:fillRef>
+      <a:effectRef idx="0">
+        <a:scrgbClr r="0" g="0" b="0"/>
+      </a:effectRef>
+      <a:fontRef idx="minor"/>
+    </dgm:style>
+  </dgm:styleLbl>
+  <dgm:styleLbl name="trAlignAcc1">
+    <dgm:scene3d>
+      <a:camera prst="orthographicFront"/>
+      <a:lightRig rig="threePt" dir="t"/>
+    </dgm:scene3d>
+    <dgm:sp3d/>
+    <dgm:txPr/>
+    <dgm:style>
+      <a:lnRef idx="1">
+        <a:scrgbClr r="0" g="0" b="0"/>
+      </a:lnRef>
+      <a:fillRef idx="1">
+        <a:scrgbClr r="0" g="0" b="0"/>
+      </a:fillRef>
+      <a:effectRef idx="0">
+        <a:scrgbClr r="0" g="0" b="0"/>
+      </a:effectRef>
+      <a:fontRef idx="minor"/>
+    </dgm:style>
+  </dgm:styleLbl>
+  <dgm:styleLbl name="bgAcc1">
+    <dgm:scene3d>
+      <a:camera prst="orthographicFront"/>
+      <a:lightRig rig="threePt" dir="t"/>
+    </dgm:scene3d>
+    <dgm:sp3d/>
+    <dgm:txPr/>
+    <dgm:style>
+      <a:lnRef idx="2">
+        <a:scrgbClr r="0" g="0" b="0"/>
+      </a:lnRef>
+      <a:fillRef idx="1">
+        <a:scrgbClr r="0" g="0" b="0"/>
+      </a:fillRef>
+      <a:effectRef idx="0">
+        <a:scrgbClr r="0" g="0" b="0"/>
+      </a:effectRef>
+      <a:fontRef idx="minor"/>
+    </dgm:style>
+  </dgm:styleLbl>
+  <dgm:styleLbl name="solidFgAcc1">
+    <dgm:scene3d>
+      <a:camera prst="orthographicFront"/>
+      <a:lightRig rig="threePt" dir="t"/>
+    </dgm:scene3d>
+    <dgm:sp3d/>
+    <dgm:txPr/>
+    <dgm:style>
+      <a:lnRef idx="2">
+        <a:scrgbClr r="0" g="0" b="0"/>
+      </a:lnRef>
+      <a:fillRef idx="1">
+        <a:scrgbClr r="0" g="0" b="0"/>
+      </a:fillRef>
+      <a:effectRef idx="0">
+        <a:scrgbClr r="0" g="0" b="0"/>
+      </a:effectRef>
+      <a:fontRef idx="minor"/>
+    </dgm:style>
+  </dgm:styleLbl>
+  <dgm:styleLbl name="solidAlignAcc1">
+    <dgm:scene3d>
+      <a:camera prst="orthographicFront"/>
+      <a:lightRig rig="threePt" dir="t"/>
+    </dgm:scene3d>
+    <dgm:sp3d/>
+    <dgm:txPr/>
+    <dgm:style>
+      <a:lnRef idx="2">
+        <a:scrgbClr r="0" g="0" b="0"/>
+      </a:lnRef>
+      <a:fillRef idx="1">
+        <a:scrgbClr r="0" g="0" b="0"/>
+      </a:fillRef>
+      <a:effectRef idx="0">
+        <a:scrgbClr r="0" g="0" b="0"/>
+      </a:effectRef>
+      <a:fontRef idx="minor"/>
+    </dgm:style>
+  </dgm:styleLbl>
+  <dgm:styleLbl name="solidBgAcc1">
+    <dgm:scene3d>
+      <a:camera prst="orthographicFront"/>
+      <a:lightRig rig="threePt" dir="t"/>
+    </dgm:scene3d>
+    <dgm:sp3d/>
+    <dgm:txPr/>
+    <dgm:style>
+      <a:lnRef idx="2">
+        <a:scrgbClr r="0" g="0" b="0"/>
+      </a:lnRef>
+      <a:fillRef idx="1">
+        <a:scrgbClr r="0" g="0" b="0"/>
+      </a:fillRef>
+      <a:effectRef idx="0">
+        <a:scrgbClr r="0" g="0" b="0"/>
+      </a:effectRef>
+      <a:fontRef idx="minor"/>
+    </dgm:style>
+  </dgm:styleLbl>
+  <dgm:styleLbl name="fgAccFollowNode1">
+    <dgm:scene3d>
+      <a:camera prst="orthographicFront"/>
+      <a:lightRig rig="threePt" dir="t"/>
+    </dgm:scene3d>
+    <dgm:sp3d/>
+    <dgm:txPr/>
+    <dgm:style>
+      <a:lnRef idx="2">
+        <a:scrgbClr r="0" g="0" b="0"/>
+      </a:lnRef>
+      <a:fillRef idx="1">
+        <a:scrgbClr r="0" g="0" b="0"/>
+      </a:fillRef>
+      <a:effectRef idx="0">
+        <a:scrgbClr r="0" g="0" b="0"/>
+      </a:effectRef>
+      <a:fontRef idx="minor"/>
+    </dgm:style>
+  </dgm:styleLbl>
+  <dgm:styleLbl name="alignAccFollowNode1">
+    <dgm:scene3d>
+      <a:camera prst="orthographicFront"/>
+      <a:lightRig rig="threePt" dir="t"/>
+    </dgm:scene3d>
+    <dgm:sp3d/>
+    <dgm:txPr/>
+    <dgm:style>
+      <a:lnRef idx="2">
+        <a:scrgbClr r="0" g="0" b="0"/>
+      </a:lnRef>
+      <a:fillRef idx="1">
+        <a:scrgbClr r="0" g="0" b="0"/>
+      </a:fillRef>
+      <a:effectRef idx="0">
+        <a:scrgbClr r="0" g="0" b="0"/>
+      </a:effectRef>
+      <a:fontRef idx="minor"/>
+    </dgm:style>
+  </dgm:styleLbl>
+  <dgm:styleLbl name="bgAccFollowNode1">
+    <dgm:scene3d>
+      <a:camera prst="orthographicFront"/>
+      <a:lightRig rig="threePt" dir="t"/>
+    </dgm:scene3d>
+    <dgm:sp3d/>
+    <dgm:txPr/>
+    <dgm:style>
+      <a:lnRef idx="2">
+        <a:scrgbClr r="0" g="0" b="0"/>
+      </a:lnRef>
+      <a:fillRef idx="1">
+        <a:scrgbClr r="0" g="0" b="0"/>
+      </a:fillRef>
+      <a:effectRef idx="0">
+        <a:scrgbClr r="0" g="0" b="0"/>
+      </a:effectRef>
+      <a:fontRef idx="minor"/>
+    </dgm:style>
+  </dgm:styleLbl>
+  <dgm:styleLbl name="fgAcc0">
+    <dgm:scene3d>
+      <a:camera prst="orthographicFront"/>
+      <a:lightRig rig="threePt" dir="t"/>
+    </dgm:scene3d>
+    <dgm:sp3d/>
+    <dgm:txPr/>
+    <dgm:style>
+      <a:lnRef idx="2">
+        <a:scrgbClr r="0" g="0" b="0"/>
+      </a:lnRef>
+      <a:fillRef idx="1">
+        <a:scrgbClr r="0" g="0" b="0"/>
+      </a:fillRef>
+      <a:effectRef idx="0">
+        <a:scrgbClr r="0" g="0" b="0"/>
+      </a:effectRef>
+      <a:fontRef idx="minor"/>
+    </dgm:style>
+  </dgm:styleLbl>
+  <dgm:styleLbl name="fgAcc2">
+    <dgm:scene3d>
+      <a:camera prst="orthographicFront"/>
+      <a:lightRig rig="threePt" dir="t"/>
+    </dgm:scene3d>
+    <dgm:sp3d/>
+    <dgm:txPr/>
+    <dgm:style>
+      <a:lnRef idx="2">
+        <a:scrgbClr r="0" g="0" b="0"/>
+      </a:lnRef>
+      <a:fillRef idx="1">
+        <a:scrgbClr r="0" g="0" b="0"/>
+      </a:fillRef>
+      <a:effectRef idx="0">
+        <a:scrgbClr r="0" g="0" b="0"/>
+      </a:effectRef>
+      <a:fontRef idx="minor"/>
+    </dgm:style>
+  </dgm:styleLbl>
+  <dgm:styleLbl name="fgAcc3">
+    <dgm:scene3d>
+      <a:camera prst="orthographicFront"/>
+      <a:lightRig rig="threePt" dir="t"/>
+    </dgm:scene3d>
+    <dgm:sp3d/>
+    <dgm:txPr/>
+    <dgm:style>
+      <a:lnRef idx="2">
+        <a:scrgbClr r="0" g="0" b="0"/>
+      </a:lnRef>
+      <a:fillRef idx="1">
+        <a:scrgbClr r="0" g="0" b="0"/>
+      </a:fillRef>
+      <a:effectRef idx="0">
+        <a:scrgbClr r="0" g="0" b="0"/>
+      </a:effectRef>
+      <a:fontRef idx="minor"/>
+    </dgm:style>
+  </dgm:styleLbl>
+  <dgm:styleLbl name="fgAcc4">
+    <dgm:scene3d>
+      <a:camera prst="orthographicFront"/>
+      <a:lightRig rig="threePt" dir="t"/>
+    </dgm:scene3d>
+    <dgm:sp3d/>
+    <dgm:txPr/>
+    <dgm:style>
+      <a:lnRef idx="2">
+        <a:scrgbClr r="0" g="0" b="0"/>
+      </a:lnRef>
+      <a:fillRef idx="1">
+        <a:scrgbClr r="0" g="0" b="0"/>
+      </a:fillRef>
+      <a:effectRef idx="0">
+        <a:scrgbClr r="0" g="0" b="0"/>
+      </a:effectRef>
+      <a:fontRef idx="minor"/>
+    </dgm:style>
+  </dgm:styleLbl>
+  <dgm:styleLbl name="bgShp">
+    <dgm:scene3d>
+      <a:camera prst="orthographicFront"/>
+      <a:lightRig rig="threePt" dir="t"/>
+    </dgm:scene3d>
+    <dgm:sp3d/>
+    <dgm:txPr/>
+    <dgm:style>
+      <a:lnRef idx="0">
+        <a:scrgbClr r="0" g="0" b="0"/>
+      </a:lnRef>
+      <a:fillRef idx="1">
+        <a:scrgbClr r="0" g="0" b="0"/>
+      </a:fillRef>
+      <a:effectRef idx="0">
+        <a:scrgbClr r="0" g="0" b="0"/>
+      </a:effectRef>
+      <a:fontRef idx="minor"/>
+    </dgm:style>
+  </dgm:styleLbl>
+  <dgm:styleLbl name="dkBgShp">
+    <dgm:scene3d>
+      <a:camera prst="orthographicFront"/>
+      <a:lightRig rig="threePt" dir="t"/>
+    </dgm:scene3d>
+    <dgm:sp3d/>
+    <dgm:txPr/>
+    <dgm:style>
+      <a:lnRef idx="0">
+        <a:scrgbClr r="0" g="0" b="0"/>
+      </a:lnRef>
+      <a:fillRef idx="1">
+        <a:scrgbClr r="0" g="0" b="0"/>
+      </a:fillRef>
+      <a:effectRef idx="0">
+        <a:scrgbClr r="0" g="0" b="0"/>
+      </a:effectRef>
+      <a:fontRef idx="minor"/>
+    </dgm:style>
+  </dgm:styleLbl>
+  <dgm:styleLbl name="trBgShp">
+    <dgm:scene3d>
+      <a:camera prst="orthographicFront"/>
+      <a:lightRig rig="threePt" dir="t"/>
+    </dgm:scene3d>
+    <dgm:sp3d/>
+    <dgm:txPr/>
+    <dgm:style>
+      <a:lnRef idx="0">
+        <a:scrgbClr r="0" g="0" b="0"/>
+      </a:lnRef>
+      <a:fillRef idx="1">
+        <a:scrgbClr r="0" g="0" b="0"/>
+      </a:fillRef>
+      <a:effectRef idx="0">
+        <a:scrgbClr r="0" g="0" b="0"/>
+      </a:effectRef>
+      <a:fontRef idx="minor"/>
+    </dgm:style>
+  </dgm:styleLbl>
+  <dgm:styleLbl name="fgShp">
+    <dgm:scene3d>
+      <a:camera prst="orthographicFront"/>
+      <a:lightRig rig="threePt" dir="t"/>
+    </dgm:scene3d>
+    <dgm:sp3d/>
+    <dgm:txPr/>
+    <dgm:style>
+      <a:lnRef idx="2">
+        <a:scrgbClr r="0" g="0" b="0"/>
+      </a:lnRef>
+      <a:fillRef idx="1">
+        <a:scrgbClr r="0" g="0" b="0"/>
+      </a:fillRef>
+      <a:effectRef idx="0">
+        <a:scrgbClr r="0" g="0" b="0"/>
+      </a:effectRef>
+      <a:fontRef idx="minor"/>
+    </dgm:style>
+  </dgm:styleLbl>
+  <dgm:styleLbl name="revTx">
+    <dgm:scene3d>
+      <a:camera prst="orthographicFront"/>
+      <a:lightRig rig="threePt" dir="t"/>
+    </dgm:scene3d>
+    <dgm:sp3d/>
+    <dgm:txPr/>
+    <dgm:style>
+      <a:lnRef idx="0">
+        <a:scrgbClr r="0" g="0" b="0"/>
+      </a:lnRef>
+      <a:fillRef idx="0">
+        <a:scrgbClr r="0" g="0" b="0"/>
+      </a:fillRef>
+      <a:effectRef idx="0">
+        <a:scrgbClr r="0" g="0" b="0"/>
+      </a:effectRef>
+      <a:fontRef idx="minor"/>
+    </dgm:style>
+  </dgm:styleLbl>
+</dgm:styleDef>
 </file>
 
 <file path=ppt/slideLayouts/slideLayout1.xml><?xml version="1.0" encoding="utf-8"?>
@@ -2749,9 +6609,39 @@
 <p:sldMaster xmlns:a="http://schemas.openxmlformats.org/drawingml/2006/main" xmlns:r="http://schemas.openxmlformats.org/officeDocument/2006/relationships" xmlns:p="http://schemas.openxmlformats.org/presentationml/2006/main">
   <p:cSld>
     <p:bg>
-      <p:bgRef idx="1001">
-        <a:schemeClr val="bg1"/>
-      </p:bgRef>
+      <p:bgPr>
+        <a:gradFill flip="none" rotWithShape="1">
+          <a:gsLst>
+            <a:gs pos="0">
+              <a:schemeClr val="accent1">
+                <a:lumMod val="5000"/>
+                <a:lumOff val="95000"/>
+              </a:schemeClr>
+            </a:gs>
+            <a:gs pos="63000">
+              <a:schemeClr val="accent1">
+                <a:lumMod val="45000"/>
+                <a:lumOff val="55000"/>
+              </a:schemeClr>
+            </a:gs>
+            <a:gs pos="83000">
+              <a:schemeClr val="accent1">
+                <a:lumMod val="45000"/>
+                <a:lumOff val="55000"/>
+              </a:schemeClr>
+            </a:gs>
+            <a:gs pos="100000">
+              <a:schemeClr val="accent1">
+                <a:lumMod val="30000"/>
+                <a:lumOff val="70000"/>
+              </a:schemeClr>
+            </a:gs>
+          </a:gsLst>
+          <a:lin ang="5400000" scaled="1"/>
+          <a:tileRect/>
+        </a:gradFill>
+        <a:effectLst/>
+      </p:bgPr>
     </p:bg>
     <p:spTree>
       <p:nvGrpSpPr>
@@ -3316,40 +7206,6 @@
 <file path=ppt/slides/slide1.xml><?xml version="1.0" encoding="utf-8"?>
 <p:sld xmlns:a="http://schemas.openxmlformats.org/drawingml/2006/main" xmlns:r="http://schemas.openxmlformats.org/officeDocument/2006/relationships" xmlns:p="http://schemas.openxmlformats.org/presentationml/2006/main">
   <p:cSld>
-    <p:bg>
-      <p:bgPr>
-        <a:gradFill>
-          <a:gsLst>
-            <a:gs pos="0">
-              <a:schemeClr val="accent1">
-                <a:lumMod val="5000"/>
-                <a:lumOff val="95000"/>
-              </a:schemeClr>
-            </a:gs>
-            <a:gs pos="74000">
-              <a:schemeClr val="accent1">
-                <a:lumMod val="45000"/>
-                <a:lumOff val="55000"/>
-              </a:schemeClr>
-            </a:gs>
-            <a:gs pos="83000">
-              <a:schemeClr val="accent1">
-                <a:lumMod val="45000"/>
-                <a:lumOff val="55000"/>
-              </a:schemeClr>
-            </a:gs>
-            <a:gs pos="100000">
-              <a:schemeClr val="accent1">
-                <a:lumMod val="30000"/>
-                <a:lumOff val="70000"/>
-              </a:schemeClr>
-            </a:gs>
-          </a:gsLst>
-          <a:lin ang="5400000" scaled="1"/>
-        </a:gradFill>
-        <a:effectLst/>
-      </p:bgPr>
-    </p:bg>
     <p:spTree>
       <p:nvGrpSpPr>
         <p:cNvPr id="1" name=""/>
@@ -4135,13 +7991,20 @@
         </p:nvSpPr>
         <p:spPr>
           <a:xfrm>
-            <a:off x="0" y="6030070"/>
+            <a:off x="-3895" y="6032110"/>
             <a:ext cx="12192000" cy="523220"/>
           </a:xfrm>
           <a:prstGeom prst="rect">
             <a:avLst/>
           </a:prstGeom>
           <a:noFill/>
+          <a:effectLst>
+            <a:outerShdw blurRad="38100" dist="50800" dir="5400000" sx="1000" sy="1000" algn="ctr" rotWithShape="0">
+              <a:srgbClr val="000000">
+                <a:alpha val="43137"/>
+              </a:srgbClr>
+            </a:outerShdw>
+          </a:effectLst>
         </p:spPr>
         <p:txBody>
           <a:bodyPr wrap="square" rtlCol="0">
@@ -4152,19 +8015,50 @@
             <a:pPr algn="ctr"/>
             <a:r>
               <a:rPr lang="en-US" sz="2800" dirty="0">
+                <a:effectLst>
+                  <a:glow>
+                    <a:schemeClr val="accent1">
+                      <a:alpha val="50000"/>
+                    </a:schemeClr>
+                  </a:glow>
+                </a:effectLst>
                 <a:latin typeface="Californian FB" panose="0207040306080B030204" pitchFamily="18" charset="0"/>
                 <a:cs typeface="David" panose="020F0502020204030204" pitchFamily="34" charset="-79"/>
               </a:rPr>
               <a:t>OUR PRODUCT : </a:t>
             </a:r>
             <a:r>
-              <a:rPr lang="en-US" sz="2800" dirty="0" err="1">
+              <a:rPr lang="en-US" sz="2800" b="1" u="sng" dirty="0" err="1">
+                <a:effectLst>
+                  <a:glow>
+                    <a:schemeClr val="accent1">
+                      <a:alpha val="50000"/>
+                    </a:schemeClr>
+                  </a:glow>
+                  <a:outerShdw blurRad="38100" dist="38100" dir="2700000" algn="tl">
+                    <a:srgbClr val="000000">
+                      <a:alpha val="43137"/>
+                    </a:srgbClr>
+                  </a:outerShdw>
+                </a:effectLst>
                 <a:latin typeface="Californian FB" panose="0207040306080B030204" pitchFamily="18" charset="0"/>
                 <a:cs typeface="David" panose="020F0502020204030204" pitchFamily="34" charset="-79"/>
               </a:rPr>
               <a:t>SummarEase</a:t>
             </a:r>
-            <a:endParaRPr lang="en-US" sz="2800" dirty="0">
+            <a:endParaRPr lang="en-US" sz="2800" b="1" u="sng" dirty="0">
+              <a:effectLst>
+                <a:glow>
+                  <a:schemeClr val="accent1">
+                    <a:alpha val="50000"/>
+                  </a:schemeClr>
+                </a:glow>
+                <a:outerShdw blurRad="38100" dist="38100" dir="2700000" algn="tl">
+                  <a:srgbClr val="000000">
+                    <a:alpha val="43137"/>
+                  </a:srgbClr>
+                </a:outerShdw>
+              </a:effectLst>
               <a:latin typeface="Californian FB" panose="0207040306080B030204" pitchFamily="18" charset="0"/>
               <a:cs typeface="David" panose="020F0502020204030204" pitchFamily="34" charset="-79"/>
             </a:endParaRPr>
@@ -4187,6 +8081,40 @@
 <file path=ppt/slides/slide2.xml><?xml version="1.0" encoding="utf-8"?>
 <p:sld xmlns:a="http://schemas.openxmlformats.org/drawingml/2006/main" xmlns:r="http://schemas.openxmlformats.org/officeDocument/2006/relationships" xmlns:p="http://schemas.openxmlformats.org/presentationml/2006/main">
   <p:cSld>
+    <p:bg>
+      <p:bgPr>
+        <a:gradFill>
+          <a:gsLst>
+            <a:gs pos="0">
+              <a:schemeClr val="accent1">
+                <a:lumMod val="5000"/>
+                <a:lumOff val="95000"/>
+              </a:schemeClr>
+            </a:gs>
+            <a:gs pos="63000">
+              <a:schemeClr val="accent1">
+                <a:lumMod val="45000"/>
+                <a:lumOff val="55000"/>
+              </a:schemeClr>
+            </a:gs>
+            <a:gs pos="83000">
+              <a:schemeClr val="accent1">
+                <a:lumMod val="45000"/>
+                <a:lumOff val="55000"/>
+              </a:schemeClr>
+            </a:gs>
+            <a:gs pos="100000">
+              <a:schemeClr val="accent1">
+                <a:lumMod val="30000"/>
+                <a:lumOff val="70000"/>
+              </a:schemeClr>
+            </a:gs>
+          </a:gsLst>
+          <a:lin ang="5400000" scaled="1"/>
+        </a:gradFill>
+        <a:effectLst/>
+      </p:bgPr>
+    </p:bg>
     <p:spTree>
       <p:nvGrpSpPr>
         <p:cNvPr id="1" name=""/>
@@ -4201,6 +8129,195 @@
           <a:chExt cx="0" cy="0"/>
         </a:xfrm>
       </p:grpSpPr>
+      <p:sp useBgFill="1">
+        <p:nvSpPr>
+          <p:cNvPr id="15" name="Rectangle 7">
+            <a:extLst>
+              <a:ext uri="{FF2B5EF4-FFF2-40B4-BE49-F238E27FC236}">
+                <a16:creationId xmlns:a16="http://schemas.microsoft.com/office/drawing/2014/main" id="{081EA652-8C6A-4E69-BEB9-170809474553}"/>
+              </a:ext>
+              <a:ext uri="{C183D7F6-B498-43B3-948B-1728B52AA6E4}">
+                <adec:decorative xmlns:adec="http://schemas.microsoft.com/office/drawing/2017/decorative" val="1"/>
+              </a:ext>
+            </a:extLst>
+          </p:cNvPr>
+          <p:cNvSpPr>
+            <a:spLocks noGrp="1" noRot="1" noChangeAspect="1" noMove="1" noResize="1" noEditPoints="1" noAdjustHandles="1" noChangeArrowheads="1" noChangeShapeType="1" noTextEdit="1"/>
+          </p:cNvSpPr>
+          <p:nvPr>
+            <p:extLst>
+              <p:ext uri="{386F3935-93C4-4BCD-93E2-E3B085C9AB24}">
+                <p16:designElem xmlns:p16="http://schemas.microsoft.com/office/powerpoint/2015/main" val="1"/>
+              </p:ext>
+            </p:extLst>
+          </p:nvPr>
+        </p:nvSpPr>
+        <p:spPr>
+          <a:xfrm>
+            <a:off x="0" y="0"/>
+            <a:ext cx="12192000" cy="6858000"/>
+          </a:xfrm>
+          <a:prstGeom prst="rect">
+            <a:avLst/>
+          </a:prstGeom>
+          <a:ln>
+            <a:noFill/>
+          </a:ln>
+        </p:spPr>
+        <p:style>
+          <a:lnRef idx="2">
+            <a:schemeClr val="accent1">
+              <a:shade val="50000"/>
+            </a:schemeClr>
+          </a:lnRef>
+          <a:fillRef idx="1">
+            <a:schemeClr val="accent1"/>
+          </a:fillRef>
+          <a:effectRef idx="0">
+            <a:schemeClr val="accent1"/>
+          </a:effectRef>
+          <a:fontRef idx="minor">
+            <a:schemeClr val="lt1"/>
+          </a:fontRef>
+        </p:style>
+        <p:txBody>
+          <a:bodyPr rtlCol="0" anchor="ctr"/>
+          <a:lstStyle/>
+          <a:p>
+            <a:pPr algn="ctr"/>
+            <a:endParaRPr lang="en-US"/>
+          </a:p>
+        </p:txBody>
+      </p:sp>
+      <p:sp>
+        <p:nvSpPr>
+          <p:cNvPr id="17" name="Right Triangle 9">
+            <a:extLst>
+              <a:ext uri="{FF2B5EF4-FFF2-40B4-BE49-F238E27FC236}">
+                <a16:creationId xmlns:a16="http://schemas.microsoft.com/office/drawing/2014/main" id="{5298780A-33B9-4EA2-8F67-DE68AD62841B}"/>
+              </a:ext>
+              <a:ext uri="{C183D7F6-B498-43B3-948B-1728B52AA6E4}">
+                <adec:decorative xmlns:adec="http://schemas.microsoft.com/office/drawing/2017/decorative" val="1"/>
+              </a:ext>
+            </a:extLst>
+          </p:cNvPr>
+          <p:cNvSpPr>
+            <a:spLocks noGrp="1" noRot="1" noChangeAspect="1" noMove="1" noResize="1" noEditPoints="1" noAdjustHandles="1" noChangeArrowheads="1" noChangeShapeType="1" noTextEdit="1"/>
+          </p:cNvSpPr>
+          <p:nvPr>
+            <p:extLst>
+              <p:ext uri="{386F3935-93C4-4BCD-93E2-E3B085C9AB24}">
+                <p16:designElem xmlns:p16="http://schemas.microsoft.com/office/powerpoint/2015/main" val="1"/>
+              </p:ext>
+            </p:extLst>
+          </p:nvPr>
+        </p:nvSpPr>
+        <p:spPr>
+          <a:xfrm flipH="1">
+            <a:off x="8576720" y="3335867"/>
+            <a:ext cx="3291840" cy="3200400"/>
+          </a:xfrm>
+          <a:prstGeom prst="rtTriangle">
+            <a:avLst/>
+          </a:prstGeom>
+          <a:solidFill>
+            <a:schemeClr val="accent4"/>
+          </a:solidFill>
+          <a:ln>
+            <a:noFill/>
+          </a:ln>
+        </p:spPr>
+        <p:style>
+          <a:lnRef idx="2">
+            <a:schemeClr val="accent1">
+              <a:shade val="50000"/>
+            </a:schemeClr>
+          </a:lnRef>
+          <a:fillRef idx="1">
+            <a:schemeClr val="accent1"/>
+          </a:fillRef>
+          <a:effectRef idx="0">
+            <a:schemeClr val="accent1"/>
+          </a:effectRef>
+          <a:fontRef idx="minor">
+            <a:schemeClr val="lt1"/>
+          </a:fontRef>
+        </p:style>
+        <p:txBody>
+          <a:bodyPr rtlCol="0" anchor="ctr"/>
+          <a:lstStyle/>
+          <a:p>
+            <a:pPr algn="ctr"/>
+            <a:endParaRPr lang="en-US" dirty="0"/>
+          </a:p>
+        </p:txBody>
+      </p:sp>
+      <p:sp>
+        <p:nvSpPr>
+          <p:cNvPr id="26" name="Rectangle 11">
+            <a:extLst>
+              <a:ext uri="{FF2B5EF4-FFF2-40B4-BE49-F238E27FC236}">
+                <a16:creationId xmlns:a16="http://schemas.microsoft.com/office/drawing/2014/main" id="{7F488E8B-4E1E-4402-8935-D4E6C02615C7}"/>
+              </a:ext>
+              <a:ext uri="{C183D7F6-B498-43B3-948B-1728B52AA6E4}">
+                <adec:decorative xmlns:adec="http://schemas.microsoft.com/office/drawing/2017/decorative" val="1"/>
+              </a:ext>
+            </a:extLst>
+          </p:cNvPr>
+          <p:cNvSpPr>
+            <a:spLocks noGrp="1" noRot="1" noChangeAspect="1" noMove="1" noResize="1" noEditPoints="1" noAdjustHandles="1" noChangeArrowheads="1" noChangeShapeType="1" noTextEdit="1"/>
+          </p:cNvSpPr>
+          <p:nvPr>
+            <p:extLst>
+              <p:ext uri="{386F3935-93C4-4BCD-93E2-E3B085C9AB24}">
+                <p16:designElem xmlns:p16="http://schemas.microsoft.com/office/powerpoint/2015/main" val="1"/>
+              </p:ext>
+            </p:extLst>
+          </p:nvPr>
+        </p:nvSpPr>
+        <p:spPr>
+          <a:xfrm>
+            <a:off x="641774" y="623275"/>
+            <a:ext cx="10905053" cy="5607882"/>
+          </a:xfrm>
+          <a:prstGeom prst="rect">
+            <a:avLst/>
+          </a:prstGeom>
+          <a:noFill/>
+          <a:ln w="19050">
+            <a:solidFill>
+              <a:schemeClr val="tx1">
+                <a:lumMod val="75000"/>
+                <a:lumOff val="25000"/>
+              </a:schemeClr>
+            </a:solidFill>
+          </a:ln>
+        </p:spPr>
+        <p:style>
+          <a:lnRef idx="2">
+            <a:schemeClr val="accent1">
+              <a:shade val="50000"/>
+            </a:schemeClr>
+          </a:lnRef>
+          <a:fillRef idx="1">
+            <a:schemeClr val="accent1"/>
+          </a:fillRef>
+          <a:effectRef idx="0">
+            <a:schemeClr val="accent1"/>
+          </a:effectRef>
+          <a:fontRef idx="minor">
+            <a:schemeClr val="lt1"/>
+          </a:fontRef>
+        </p:style>
+        <p:txBody>
+          <a:bodyPr rtlCol="0" anchor="ctr"/>
+          <a:lstStyle/>
+          <a:p>
+            <a:pPr algn="ctr"/>
+            <a:endParaRPr lang="en-US"/>
+          </a:p>
+        </p:txBody>
+      </p:sp>
       <p:sp>
         <p:nvSpPr>
           <p:cNvPr id="2" name="Τίτλος 1">
@@ -4217,18 +8334,89 @@
             <p:ph type="title"/>
           </p:nvPr>
         </p:nvSpPr>
-        <p:spPr/>
+        <p:spPr>
+          <a:xfrm>
+            <a:off x="1075767" y="1188637"/>
+            <a:ext cx="2988234" cy="4480726"/>
+          </a:xfrm>
+        </p:spPr>
         <p:txBody>
-          <a:bodyPr/>
+          <a:bodyPr wrap="square">
+            <a:normAutofit/>
+          </a:bodyPr>
           <a:lstStyle/>
           <a:p>
+            <a:pPr algn="r"/>
             <a:r>
-              <a:rPr lang="el-GR" dirty="0"/>
+              <a:rPr lang="el-GR" sz="5600" dirty="0">
+                <a:effectLst>
+                  <a:glow>
+                    <a:schemeClr val="accent1">
+                      <a:alpha val="40000"/>
+                    </a:schemeClr>
+                  </a:glow>
+                </a:effectLst>
+              </a:rPr>
               <a:t>ΜΕΛΗ ΤΗΣ ΟΜΑΔΑΣ</a:t>
             </a:r>
           </a:p>
         </p:txBody>
       </p:sp>
+      <p:cxnSp>
+        <p:nvCxnSpPr>
+          <p:cNvPr id="27" name="Straight Connector 13">
+            <a:extLst>
+              <a:ext uri="{FF2B5EF4-FFF2-40B4-BE49-F238E27FC236}">
+                <a16:creationId xmlns:a16="http://schemas.microsoft.com/office/drawing/2014/main" id="{23AAC9B5-8015-485C-ACF9-A750390E9A56}"/>
+              </a:ext>
+              <a:ext uri="{C183D7F6-B498-43B3-948B-1728B52AA6E4}">
+                <adec:decorative xmlns:adec="http://schemas.microsoft.com/office/drawing/2017/decorative" val="1"/>
+              </a:ext>
+            </a:extLst>
+          </p:cNvPr>
+          <p:cNvCxnSpPr>
+            <a:cxnSpLocks noGrp="1" noRot="1" noChangeAspect="1" noMove="1" noResize="1" noEditPoints="1" noAdjustHandles="1" noChangeArrowheads="1" noChangeShapeType="1"/>
+          </p:cNvCxnSpPr>
+          <p:nvPr>
+            <p:extLst>
+              <p:ext uri="{386F3935-93C4-4BCD-93E2-E3B085C9AB24}">
+                <p16:designElem xmlns:p16="http://schemas.microsoft.com/office/powerpoint/2015/main" val="1"/>
+              </p:ext>
+            </p:extLst>
+          </p:nvPr>
+        </p:nvCxnSpPr>
+        <p:spPr>
+          <a:xfrm>
+            <a:off x="4654296" y="1852863"/>
+            <a:ext cx="0" cy="3236495"/>
+          </a:xfrm>
+          <a:prstGeom prst="line">
+            <a:avLst/>
+          </a:prstGeom>
+          <a:ln w="19050" cap="sq">
+            <a:solidFill>
+              <a:schemeClr val="tx1">
+                <a:lumMod val="75000"/>
+                <a:lumOff val="25000"/>
+              </a:schemeClr>
+            </a:solidFill>
+          </a:ln>
+        </p:spPr>
+        <p:style>
+          <a:lnRef idx="1">
+            <a:schemeClr val="accent1"/>
+          </a:lnRef>
+          <a:fillRef idx="0">
+            <a:schemeClr val="accent1"/>
+          </a:fillRef>
+          <a:effectRef idx="0">
+            <a:schemeClr val="accent1"/>
+          </a:effectRef>
+          <a:fontRef idx="minor">
+            <a:schemeClr val="tx1"/>
+          </a:fontRef>
+        </p:style>
+      </p:cxnSp>
       <p:sp>
         <p:nvSpPr>
           <p:cNvPr id="3" name="Θέση περιεχομένου 2">
@@ -4245,12 +8433,38 @@
             <p:ph idx="1"/>
           </p:nvPr>
         </p:nvSpPr>
-        <p:spPr/>
+        <p:spPr>
+          <a:xfrm>
+            <a:off x="5255260" y="1648870"/>
+            <a:ext cx="4702848" cy="3560260"/>
+          </a:xfrm>
+        </p:spPr>
         <p:txBody>
-          <a:bodyPr/>
+          <a:bodyPr anchor="ctr">
+            <a:normAutofit/>
+          </a:bodyPr>
           <a:lstStyle/>
           <a:p>
-            <a:endParaRPr lang="el-GR"/>
+            <a:r>
+              <a:rPr lang="el-GR" dirty="0" err="1"/>
+              <a:t>Μανδαλάκης</a:t>
+            </a:r>
+            <a:r>
+              <a:rPr lang="el-GR" dirty="0"/>
+              <a:t> Χρήστος</a:t>
+            </a:r>
+          </a:p>
+          <a:p>
+            <a:r>
+              <a:rPr lang="el-GR" dirty="0"/>
+              <a:t>Δενδρινός Άγγελος Γιώργος</a:t>
+            </a:r>
+          </a:p>
+          <a:p>
+            <a:r>
+              <a:rPr lang="el-GR" dirty="0"/>
+              <a:t>Γκαραβέλας Στέφανος</a:t>
+            </a:r>
           </a:p>
         </p:txBody>
       </p:sp>
@@ -4270,6 +8484,40 @@
 <file path=ppt/slides/slide3.xml><?xml version="1.0" encoding="utf-8"?>
 <p:sld xmlns:a="http://schemas.openxmlformats.org/drawingml/2006/main" xmlns:r="http://schemas.openxmlformats.org/officeDocument/2006/relationships" xmlns:p="http://schemas.openxmlformats.org/presentationml/2006/main">
   <p:cSld>
+    <p:bg>
+      <p:bgPr>
+        <a:gradFill>
+          <a:gsLst>
+            <a:gs pos="0">
+              <a:schemeClr val="accent1">
+                <a:lumMod val="5000"/>
+                <a:lumOff val="95000"/>
+              </a:schemeClr>
+            </a:gs>
+            <a:gs pos="63000">
+              <a:schemeClr val="accent1">
+                <a:lumMod val="45000"/>
+                <a:lumOff val="55000"/>
+              </a:schemeClr>
+            </a:gs>
+            <a:gs pos="83000">
+              <a:schemeClr val="accent1">
+                <a:lumMod val="45000"/>
+                <a:lumOff val="55000"/>
+              </a:schemeClr>
+            </a:gs>
+            <a:gs pos="100000">
+              <a:schemeClr val="accent1">
+                <a:lumMod val="30000"/>
+                <a:lumOff val="70000"/>
+              </a:schemeClr>
+            </a:gs>
+          </a:gsLst>
+          <a:lin ang="5400000" scaled="1"/>
+        </a:gradFill>
+        <a:effectLst/>
+      </p:bgPr>
+    </p:bg>
     <p:spTree>
       <p:nvGrpSpPr>
         <p:cNvPr id="1" name=""/>
@@ -4284,12 +8532,72 @@
           <a:chExt cx="0" cy="0"/>
         </a:xfrm>
       </p:grpSpPr>
+      <p:sp useBgFill="1">
+        <p:nvSpPr>
+          <p:cNvPr id="5" name="Rectangle 7">
+            <a:extLst>
+              <a:ext uri="{FF2B5EF4-FFF2-40B4-BE49-F238E27FC236}">
+                <a16:creationId xmlns:a16="http://schemas.microsoft.com/office/drawing/2014/main" id="{8E2CC403-21CD-41DF-BAC4-329D7FF03C5C}"/>
+              </a:ext>
+              <a:ext uri="{C183D7F6-B498-43B3-948B-1728B52AA6E4}">
+                <adec:decorative xmlns:adec="http://schemas.microsoft.com/office/drawing/2017/decorative" val="1"/>
+              </a:ext>
+            </a:extLst>
+          </p:cNvPr>
+          <p:cNvSpPr>
+            <a:spLocks noGrp="1" noRot="1" noChangeAspect="1" noMove="1" noResize="1" noEditPoints="1" noAdjustHandles="1" noChangeArrowheads="1" noChangeShapeType="1" noTextEdit="1"/>
+          </p:cNvSpPr>
+          <p:nvPr>
+            <p:extLst>
+              <p:ext uri="{386F3935-93C4-4BCD-93E2-E3B085C9AB24}">
+                <p16:designElem xmlns:p16="http://schemas.microsoft.com/office/powerpoint/2015/main" val="1"/>
+              </p:ext>
+            </p:extLst>
+          </p:nvPr>
+        </p:nvSpPr>
+        <p:spPr>
+          <a:xfrm>
+            <a:off x="0" y="0"/>
+            <a:ext cx="12191999" cy="6857365"/>
+          </a:xfrm>
+          <a:prstGeom prst="rect">
+            <a:avLst/>
+          </a:prstGeom>
+          <a:ln>
+            <a:noFill/>
+          </a:ln>
+        </p:spPr>
+        <p:style>
+          <a:lnRef idx="2">
+            <a:schemeClr val="accent1">
+              <a:shade val="50000"/>
+            </a:schemeClr>
+          </a:lnRef>
+          <a:fillRef idx="1">
+            <a:schemeClr val="accent1"/>
+          </a:fillRef>
+          <a:effectRef idx="0">
+            <a:schemeClr val="accent1"/>
+          </a:effectRef>
+          <a:fontRef idx="minor">
+            <a:schemeClr val="lt1"/>
+          </a:fontRef>
+        </p:style>
+        <p:txBody>
+          <a:bodyPr rtlCol="0" anchor="ctr"/>
+          <a:lstStyle/>
+          <a:p>
+            <a:pPr algn="ctr"/>
+            <a:endParaRPr lang="en-US"/>
+          </a:p>
+        </p:txBody>
+      </p:sp>
       <p:sp>
         <p:nvSpPr>
           <p:cNvPr id="2" name="Τίτλος 1">
             <a:extLst>
               <a:ext uri="{FF2B5EF4-FFF2-40B4-BE49-F238E27FC236}">
-                <a16:creationId xmlns:a16="http://schemas.microsoft.com/office/drawing/2014/main" id="{83E9F910-74CD-AB33-2E1B-4AD8F817FC78}"/>
+                <a16:creationId xmlns:a16="http://schemas.microsoft.com/office/drawing/2014/main" id="{88EE41FA-F130-B163-7938-0CB363D0C25D}"/>
               </a:ext>
             </a:extLst>
           </p:cNvPr>
@@ -4300,47 +8608,613 @@
             <p:ph type="title"/>
           </p:nvPr>
         </p:nvSpPr>
-        <p:spPr/>
+        <p:spPr>
+          <a:xfrm>
+            <a:off x="1078828" y="1147158"/>
+            <a:ext cx="6038470" cy="4713316"/>
+          </a:xfrm>
+        </p:spPr>
         <p:txBody>
-          <a:bodyPr/>
+          <a:bodyPr vert="horz" lIns="91440" tIns="45720" rIns="91440" bIns="45720" rtlCol="0" anchor="ctr">
+            <a:normAutofit/>
+          </a:bodyPr>
           <a:lstStyle/>
           <a:p>
             <a:r>
-              <a:rPr lang="el-GR" dirty="0"/>
+              <a:rPr lang="en-US" sz="6000" kern="1200" dirty="0">
+                <a:solidFill>
+                  <a:schemeClr val="accent1">
+                    <a:lumMod val="75000"/>
+                  </a:schemeClr>
+                </a:solidFill>
+                <a:latin typeface="+mj-lt"/>
+                <a:ea typeface="+mj-ea"/>
+                <a:cs typeface="+mj-cs"/>
+              </a:rPr>
               <a:t>ΠΟΙΟ ΠΡΟΒΛΗΜΑ ΛΥΝΕΙ Η ΕΦΑΡΜΟΓΗ ΜΑΣ</a:t>
             </a:r>
+          </a:p>
+        </p:txBody>
+      </p:sp>
+      <p:grpSp>
+        <p:nvGrpSpPr>
+          <p:cNvPr id="6" name="Group 9">
+            <a:extLst>
+              <a:ext uri="{FF2B5EF4-FFF2-40B4-BE49-F238E27FC236}">
+                <a16:creationId xmlns:a16="http://schemas.microsoft.com/office/drawing/2014/main" id="{B13AA5FE-3FFC-4725-9ADD-E428544EC61B}"/>
+              </a:ext>
+              <a:ext uri="{C183D7F6-B498-43B3-948B-1728B52AA6E4}">
+                <adec:decorative xmlns:adec="http://schemas.microsoft.com/office/drawing/2017/decorative" val="1"/>
+              </a:ext>
+            </a:extLst>
+          </p:cNvPr>
+          <p:cNvGrpSpPr>
+            <a:grpSpLocks noGrp="1" noUngrp="1" noRot="1" noChangeAspect="1" noMove="1" noResize="1"/>
+          </p:cNvGrpSpPr>
+          <p:nvPr>
+            <p:extLst>
+              <p:ext uri="{386F3935-93C4-4BCD-93E2-E3B085C9AB24}">
+                <p16:designElem xmlns:p16="http://schemas.microsoft.com/office/powerpoint/2015/main" val="1"/>
+              </p:ext>
+            </p:extLst>
+          </p:nvPr>
+        </p:nvGrpSpPr>
+        <p:grpSpPr>
+          <a:xfrm>
+            <a:off x="0" y="3154317"/>
+            <a:ext cx="731521" cy="673460"/>
+            <a:chOff x="3940602" y="308034"/>
+            <a:chExt cx="2116791" cy="3428999"/>
+          </a:xfrm>
+          <a:solidFill>
+            <a:schemeClr val="accent4"/>
+          </a:solidFill>
+        </p:grpSpPr>
+        <p:sp>
+          <p:nvSpPr>
+            <p:cNvPr id="11" name="Rectangle 10">
+              <a:extLst>
+                <a:ext uri="{FF2B5EF4-FFF2-40B4-BE49-F238E27FC236}">
+                  <a16:creationId xmlns:a16="http://schemas.microsoft.com/office/drawing/2014/main" id="{4FA70700-3F72-44D4-8175-FEB2B9B2332B}"/>
+                </a:ext>
+                <a:ext uri="{C183D7F6-B498-43B3-948B-1728B52AA6E4}">
+                  <adec:decorative xmlns:adec="http://schemas.microsoft.com/office/drawing/2017/decorative" val="1"/>
+                </a:ext>
+              </a:extLst>
+            </p:cNvPr>
+            <p:cNvSpPr/>
+            <p:nvPr>
+              <p:extLst>
+                <p:ext uri="{386F3935-93C4-4BCD-93E2-E3B085C9AB24}">
+                  <p16:designElem xmlns:p16="http://schemas.microsoft.com/office/powerpoint/2015/main" val="1"/>
+                </p:ext>
+              </p:extLst>
+            </p:nvPr>
+          </p:nvSpPr>
+          <p:spPr>
+            <a:xfrm>
+              <a:off x="3940602" y="308034"/>
+              <a:ext cx="566743" cy="3428999"/>
+            </a:xfrm>
+            <a:prstGeom prst="rect">
+              <a:avLst/>
+            </a:prstGeom>
+            <a:grpFill/>
+            <a:ln>
+              <a:noFill/>
+            </a:ln>
+          </p:spPr>
+          <p:style>
+            <a:lnRef idx="2">
+              <a:schemeClr val="accent1">
+                <a:shade val="50000"/>
+              </a:schemeClr>
+            </a:lnRef>
+            <a:fillRef idx="1">
+              <a:schemeClr val="accent1"/>
+            </a:fillRef>
+            <a:effectRef idx="0">
+              <a:schemeClr val="accent1"/>
+            </a:effectRef>
+            <a:fontRef idx="minor">
+              <a:schemeClr val="lt1"/>
+            </a:fontRef>
+          </p:style>
+          <p:txBody>
+            <a:bodyPr rtlCol="0" anchor="ctr"/>
+            <a:lstStyle/>
+            <a:p>
+              <a:pPr algn="ctr"/>
+              <a:endParaRPr lang="en-US"/>
+            </a:p>
+          </p:txBody>
+        </p:sp>
+        <p:sp>
+          <p:nvSpPr>
+            <p:cNvPr id="7" name="Rectangle 11">
+              <a:extLst>
+                <a:ext uri="{FF2B5EF4-FFF2-40B4-BE49-F238E27FC236}">
+                  <a16:creationId xmlns:a16="http://schemas.microsoft.com/office/drawing/2014/main" id="{7093C0F6-5741-4C9D-90FF-A25824BFC579}"/>
+                </a:ext>
+                <a:ext uri="{C183D7F6-B498-43B3-948B-1728B52AA6E4}">
+                  <adec:decorative xmlns:adec="http://schemas.microsoft.com/office/drawing/2017/decorative" val="1"/>
+                </a:ext>
+              </a:extLst>
+            </p:cNvPr>
+            <p:cNvSpPr/>
+            <p:nvPr>
+              <p:extLst>
+                <p:ext uri="{386F3935-93C4-4BCD-93E2-E3B085C9AB24}">
+                  <p16:designElem xmlns:p16="http://schemas.microsoft.com/office/powerpoint/2015/main" val="1"/>
+                </p:ext>
+              </p:extLst>
+            </p:nvPr>
+          </p:nvSpPr>
+          <p:spPr>
+            <a:xfrm>
+              <a:off x="4715626" y="308034"/>
+              <a:ext cx="566743" cy="3428999"/>
+            </a:xfrm>
+            <a:prstGeom prst="rect">
+              <a:avLst/>
+            </a:prstGeom>
+            <a:grpFill/>
+            <a:ln>
+              <a:noFill/>
+            </a:ln>
+          </p:spPr>
+          <p:style>
+            <a:lnRef idx="2">
+              <a:schemeClr val="accent1">
+                <a:shade val="50000"/>
+              </a:schemeClr>
+            </a:lnRef>
+            <a:fillRef idx="1">
+              <a:schemeClr val="accent1"/>
+            </a:fillRef>
+            <a:effectRef idx="0">
+              <a:schemeClr val="accent1"/>
+            </a:effectRef>
+            <a:fontRef idx="minor">
+              <a:schemeClr val="lt1"/>
+            </a:fontRef>
+          </p:style>
+          <p:txBody>
+            <a:bodyPr rtlCol="0" anchor="ctr"/>
+            <a:lstStyle/>
+            <a:p>
+              <a:pPr algn="ctr"/>
+              <a:endParaRPr lang="en-US"/>
+            </a:p>
+          </p:txBody>
+        </p:sp>
+        <p:sp>
+          <p:nvSpPr>
+            <p:cNvPr id="13" name="Rectangle 12">
+              <a:extLst>
+                <a:ext uri="{FF2B5EF4-FFF2-40B4-BE49-F238E27FC236}">
+                  <a16:creationId xmlns:a16="http://schemas.microsoft.com/office/drawing/2014/main" id="{921B2E1B-E962-432C-ADA1-2934CE3C5498}"/>
+                </a:ext>
+                <a:ext uri="{C183D7F6-B498-43B3-948B-1728B52AA6E4}">
+                  <adec:decorative xmlns:adec="http://schemas.microsoft.com/office/drawing/2017/decorative" val="1"/>
+                </a:ext>
+              </a:extLst>
+            </p:cNvPr>
+            <p:cNvSpPr/>
+            <p:nvPr>
+              <p:extLst>
+                <p:ext uri="{386F3935-93C4-4BCD-93E2-E3B085C9AB24}">
+                  <p16:designElem xmlns:p16="http://schemas.microsoft.com/office/powerpoint/2015/main" val="1"/>
+                </p:ext>
+              </p:extLst>
+            </p:nvPr>
+          </p:nvSpPr>
+          <p:spPr>
+            <a:xfrm>
+              <a:off x="5490650" y="308034"/>
+              <a:ext cx="566743" cy="3428999"/>
+            </a:xfrm>
+            <a:prstGeom prst="rect">
+              <a:avLst/>
+            </a:prstGeom>
+            <a:grpFill/>
+            <a:ln>
+              <a:noFill/>
+            </a:ln>
+          </p:spPr>
+          <p:style>
+            <a:lnRef idx="2">
+              <a:schemeClr val="accent1">
+                <a:shade val="50000"/>
+              </a:schemeClr>
+            </a:lnRef>
+            <a:fillRef idx="1">
+              <a:schemeClr val="accent1"/>
+            </a:fillRef>
+            <a:effectRef idx="0">
+              <a:schemeClr val="accent1"/>
+            </a:effectRef>
+            <a:fontRef idx="minor">
+              <a:schemeClr val="lt1"/>
+            </a:fontRef>
+          </p:style>
+          <p:txBody>
+            <a:bodyPr rtlCol="0" anchor="ctr"/>
+            <a:lstStyle/>
+            <a:p>
+              <a:pPr algn="ctr"/>
+              <a:endParaRPr lang="en-US"/>
+            </a:p>
+          </p:txBody>
+        </p:sp>
+      </p:grpSp>
+      <p:sp>
+        <p:nvSpPr>
+          <p:cNvPr id="15" name="Rectangle 14">
+            <a:extLst>
+              <a:ext uri="{FF2B5EF4-FFF2-40B4-BE49-F238E27FC236}">
+                <a16:creationId xmlns:a16="http://schemas.microsoft.com/office/drawing/2014/main" id="{7653717E-6F8C-43E0-9893-C03AE87D18D6}"/>
+              </a:ext>
+              <a:ext uri="{C183D7F6-B498-43B3-948B-1728B52AA6E4}">
+                <adec:decorative xmlns:adec="http://schemas.microsoft.com/office/drawing/2017/decorative" val="1"/>
+              </a:ext>
+            </a:extLst>
+          </p:cNvPr>
+          <p:cNvSpPr>
+            <a:spLocks noGrp="1" noRot="1" noChangeAspect="1" noMove="1" noResize="1" noEditPoints="1" noAdjustHandles="1" noChangeArrowheads="1" noChangeShapeType="1" noTextEdit="1"/>
+          </p:cNvSpPr>
+          <p:nvPr>
+            <p:extLst>
+              <p:ext uri="{386F3935-93C4-4BCD-93E2-E3B085C9AB24}">
+                <p16:designElem xmlns:p16="http://schemas.microsoft.com/office/powerpoint/2015/main" val="1"/>
+              </p:ext>
+            </p:extLst>
+          </p:nvPr>
+        </p:nvSpPr>
+        <p:spPr>
+          <a:xfrm flipH="1">
+            <a:off x="10697670" y="0"/>
+            <a:ext cx="1494330" cy="6858000"/>
+          </a:xfrm>
+          <a:prstGeom prst="rect">
+            <a:avLst/>
+          </a:prstGeom>
+          <a:solidFill>
+            <a:schemeClr val="accent4"/>
+          </a:solidFill>
+          <a:ln>
+            <a:noFill/>
+          </a:ln>
+        </p:spPr>
+        <p:style>
+          <a:lnRef idx="2">
+            <a:schemeClr val="accent1">
+              <a:shade val="50000"/>
+            </a:schemeClr>
+          </a:lnRef>
+          <a:fillRef idx="1">
+            <a:schemeClr val="accent1"/>
+          </a:fillRef>
+          <a:effectRef idx="0">
+            <a:schemeClr val="accent1"/>
+          </a:effectRef>
+          <a:fontRef idx="minor">
+            <a:schemeClr val="lt1"/>
+          </a:fontRef>
+        </p:style>
+        <p:txBody>
+          <a:bodyPr rtlCol="0" anchor="ctr"/>
+          <a:lstStyle/>
+          <a:p>
+            <a:pPr algn="ctr"/>
+            <a:endParaRPr lang="en-US"/>
           </a:p>
         </p:txBody>
       </p:sp>
       <p:sp>
         <p:nvSpPr>
-          <p:cNvPr id="3" name="Θέση περιεχομένου 2">
+          <p:cNvPr id="17" name="Rectangle 16">
             <a:extLst>
               <a:ext uri="{FF2B5EF4-FFF2-40B4-BE49-F238E27FC236}">
-                <a16:creationId xmlns:a16="http://schemas.microsoft.com/office/drawing/2014/main" id="{B9E22BED-4507-919E-F3D0-E116D114B074}"/>
+                <a16:creationId xmlns:a16="http://schemas.microsoft.com/office/drawing/2014/main" id="{35BB14B4-EC3F-47C7-9AF3-B0E017B75C42}"/>
+              </a:ext>
+              <a:ext uri="{C183D7F6-B498-43B3-948B-1728B52AA6E4}">
+                <adec:decorative xmlns:adec="http://schemas.microsoft.com/office/drawing/2017/decorative" val="1"/>
               </a:ext>
             </a:extLst>
           </p:cNvPr>
           <p:cNvSpPr>
-            <a:spLocks noGrp="1"/>
+            <a:spLocks noGrp="1" noRot="1" noChangeAspect="1" noMove="1" noResize="1" noEditPoints="1" noAdjustHandles="1" noChangeArrowheads="1" noChangeShapeType="1" noTextEdit="1"/>
           </p:cNvSpPr>
           <p:nvPr>
-            <p:ph idx="1"/>
+            <p:extLst>
+              <p:ext uri="{386F3935-93C4-4BCD-93E2-E3B085C9AB24}">
+                <p16:designElem xmlns:p16="http://schemas.microsoft.com/office/powerpoint/2015/main" val="1"/>
+              </p:ext>
+            </p:extLst>
           </p:nvPr>
         </p:nvSpPr>
-        <p:spPr/>
+        <p:spPr>
+          <a:xfrm>
+            <a:off x="7666160" y="391886"/>
+            <a:ext cx="4029016" cy="6017078"/>
+          </a:xfrm>
+          <a:prstGeom prst="rect">
+            <a:avLst/>
+          </a:prstGeom>
+          <a:solidFill>
+            <a:schemeClr val="bg1"/>
+          </a:solidFill>
+          <a:ln>
+            <a:noFill/>
+          </a:ln>
+          <a:effectLst>
+            <a:outerShdw blurRad="139700" dist="127000" dir="5400000" algn="t" rotWithShape="0">
+              <a:prstClr val="black">
+                <a:alpha val="15000"/>
+              </a:prstClr>
+            </a:outerShdw>
+          </a:effectLst>
+        </p:spPr>
+        <p:style>
+          <a:lnRef idx="2">
+            <a:schemeClr val="accent1">
+              <a:shade val="50000"/>
+            </a:schemeClr>
+          </a:lnRef>
+          <a:fillRef idx="1">
+            <a:schemeClr val="accent1"/>
+          </a:fillRef>
+          <a:effectRef idx="0">
+            <a:schemeClr val="accent1"/>
+          </a:effectRef>
+          <a:fontRef idx="minor">
+            <a:schemeClr val="lt1"/>
+          </a:fontRef>
+        </p:style>
         <p:txBody>
-          <a:bodyPr/>
+          <a:bodyPr rtlCol="0" anchor="ctr"/>
           <a:lstStyle/>
           <a:p>
-            <a:endParaRPr lang="el-GR"/>
+            <a:pPr algn="ctr"/>
+            <a:endParaRPr lang="en-US"/>
+          </a:p>
+        </p:txBody>
+      </p:sp>
+      <p:sp>
+        <p:nvSpPr>
+          <p:cNvPr id="29" name="TextBox 28">
+            <a:extLst>
+              <a:ext uri="{FF2B5EF4-FFF2-40B4-BE49-F238E27FC236}">
+                <a16:creationId xmlns:a16="http://schemas.microsoft.com/office/drawing/2014/main" id="{55E5EA2A-57BE-0D5F-8FF9-4FA1BAEB10C7}"/>
+              </a:ext>
+            </a:extLst>
+          </p:cNvPr>
+          <p:cNvSpPr txBox="1"/>
+          <p:nvPr/>
+        </p:nvSpPr>
+        <p:spPr>
+          <a:xfrm>
+            <a:off x="7666160" y="120084"/>
+            <a:ext cx="4029016" cy="6617196"/>
+          </a:xfrm>
+          <a:prstGeom prst="rect">
+            <a:avLst/>
+          </a:prstGeom>
+          <a:gradFill flip="none" rotWithShape="1">
+            <a:gsLst>
+              <a:gs pos="26000">
+                <a:srgbClr val="15A6DE"/>
+              </a:gs>
+              <a:gs pos="0">
+                <a:srgbClr val="19B2EF">
+                  <a:lumMod val="100000"/>
+                </a:srgbClr>
+              </a:gs>
+              <a:gs pos="46000">
+                <a:schemeClr val="accent4">
+                  <a:lumMod val="89000"/>
+                </a:schemeClr>
+              </a:gs>
+              <a:gs pos="69000">
+                <a:schemeClr val="accent4">
+                  <a:lumMod val="75000"/>
+                </a:schemeClr>
+              </a:gs>
+              <a:gs pos="97000">
+                <a:schemeClr val="accent4">
+                  <a:lumMod val="70000"/>
+                </a:schemeClr>
+              </a:gs>
+            </a:gsLst>
+            <a:path path="circle">
+              <a:fillToRect l="50000" t="50000" r="50000" b="50000"/>
+            </a:path>
+            <a:tileRect/>
+          </a:gradFill>
+        </p:spPr>
+        <p:txBody>
+          <a:bodyPr wrap="square" rtlCol="0">
+            <a:spAutoFit/>
+          </a:bodyPr>
+          <a:lstStyle/>
+          <a:p>
+            <a:endParaRPr lang="el-GR" sz="2400" dirty="0">
+              <a:solidFill>
+                <a:srgbClr val="E6F4FB"/>
+              </a:solidFill>
+            </a:endParaRPr>
+          </a:p>
+          <a:p>
+            <a:r>
+              <a:rPr lang="el-GR" sz="3200" dirty="0">
+                <a:solidFill>
+                  <a:srgbClr val="E6F4FB"/>
+                </a:solidFill>
+              </a:rPr>
+              <a:t>Δημιουργεί:</a:t>
+            </a:r>
+          </a:p>
+          <a:p>
+            <a:pPr marL="971550" lvl="1" indent="-514350">
+              <a:buFont typeface="+mj-lt"/>
+              <a:buAutoNum type="romanLcPeriod"/>
+            </a:pPr>
+            <a:r>
+              <a:rPr lang="el-GR" sz="2400" dirty="0">
+                <a:solidFill>
+                  <a:srgbClr val="E6F4FB"/>
+                </a:solidFill>
+              </a:rPr>
+              <a:t>Περιλήψεις</a:t>
+            </a:r>
+          </a:p>
+          <a:p>
+            <a:pPr marL="971550" lvl="1" indent="-514350">
+              <a:buFont typeface="+mj-lt"/>
+              <a:buAutoNum type="romanLcPeriod"/>
+            </a:pPr>
+            <a:r>
+              <a:rPr lang="en-US" sz="2400" dirty="0">
+                <a:solidFill>
+                  <a:srgbClr val="E6F4FB"/>
+                </a:solidFill>
+              </a:rPr>
+              <a:t>Quiz</a:t>
+            </a:r>
+          </a:p>
+          <a:p>
+            <a:pPr marL="971550" lvl="1" indent="-514350">
+              <a:buFont typeface="+mj-lt"/>
+              <a:buAutoNum type="romanLcPeriod"/>
+            </a:pPr>
+            <a:r>
+              <a:rPr lang="en-US" sz="2400" dirty="0">
+                <a:solidFill>
+                  <a:srgbClr val="E6F4FB"/>
+                </a:solidFill>
+              </a:rPr>
+              <a:t>Q&amp;A</a:t>
+            </a:r>
+            <a:endParaRPr lang="el-GR" sz="2400" dirty="0">
+              <a:solidFill>
+                <a:srgbClr val="E6F4FB"/>
+              </a:solidFill>
+            </a:endParaRPr>
+          </a:p>
+          <a:p>
+            <a:pPr lvl="1"/>
+            <a:endParaRPr lang="el-GR" sz="2400" dirty="0">
+              <a:solidFill>
+                <a:srgbClr val="E6F4FB"/>
+              </a:solidFill>
+            </a:endParaRPr>
+          </a:p>
+          <a:p>
+            <a:endParaRPr lang="el-GR" sz="2400" dirty="0">
+              <a:solidFill>
+                <a:srgbClr val="E6F4FB"/>
+              </a:solidFill>
+            </a:endParaRPr>
+          </a:p>
+          <a:p>
+            <a:endParaRPr lang="en-US" sz="2400" dirty="0">
+              <a:solidFill>
+                <a:srgbClr val="E6F4FB"/>
+              </a:solidFill>
+            </a:endParaRPr>
+          </a:p>
+          <a:p>
+            <a:r>
+              <a:rPr lang="el-GR" sz="3200" dirty="0">
+                <a:solidFill>
+                  <a:srgbClr val="E6F4FB"/>
+                </a:solidFill>
+              </a:rPr>
+              <a:t>Από:</a:t>
+            </a:r>
+          </a:p>
+          <a:p>
+            <a:pPr marL="914400" lvl="1" indent="-457200">
+              <a:buSzPct val="100000"/>
+              <a:buFont typeface="Wingdings" panose="05000000000000000000" pitchFamily="2" charset="2"/>
+              <a:buChar char="Ø"/>
+            </a:pPr>
+            <a:r>
+              <a:rPr lang="en-US" sz="2400" dirty="0">
+                <a:solidFill>
+                  <a:srgbClr val="E6F4FB"/>
+                </a:solidFill>
+              </a:rPr>
+              <a:t>PDF</a:t>
+            </a:r>
+          </a:p>
+          <a:p>
+            <a:pPr marL="914400" lvl="1" indent="-457200">
+              <a:buSzPct val="100000"/>
+              <a:buFont typeface="Wingdings" panose="05000000000000000000" pitchFamily="2" charset="2"/>
+              <a:buChar char="Ø"/>
+            </a:pPr>
+            <a:r>
+              <a:rPr lang="el-GR" sz="2400" dirty="0">
+                <a:solidFill>
+                  <a:srgbClr val="E6F4FB"/>
+                </a:solidFill>
+              </a:rPr>
+              <a:t>Βίντεο και</a:t>
+            </a:r>
+          </a:p>
+          <a:p>
+            <a:pPr marL="914400" lvl="1" indent="-457200">
+              <a:buSzPct val="100000"/>
+              <a:buFont typeface="Wingdings" panose="05000000000000000000" pitchFamily="2" charset="2"/>
+              <a:buChar char="Ø"/>
+            </a:pPr>
+            <a:r>
+              <a:rPr lang="el-GR" sz="2400" dirty="0">
+                <a:solidFill>
+                  <a:srgbClr val="E6F4FB"/>
+                </a:solidFill>
+              </a:rPr>
+              <a:t>Διαφάνειες μαθήματος</a:t>
+            </a:r>
+          </a:p>
+          <a:p>
+            <a:pPr lvl="1">
+              <a:buSzPct val="100000"/>
+            </a:pPr>
+            <a:endParaRPr lang="el-GR" sz="2400" dirty="0"/>
+          </a:p>
+          <a:p>
+            <a:pPr marL="914400" lvl="1" indent="-457200">
+              <a:buSzPct val="100000"/>
+              <a:buFont typeface="Wingdings" panose="05000000000000000000" pitchFamily="2" charset="2"/>
+              <a:buChar char="Ø"/>
+            </a:pPr>
+            <a:endParaRPr lang="el-GR" sz="2400" dirty="0"/>
+          </a:p>
+          <a:p>
+            <a:pPr marL="914400" lvl="1" indent="-457200">
+              <a:buSzPct val="100000"/>
+              <a:buFont typeface="Wingdings" panose="05000000000000000000" pitchFamily="2" charset="2"/>
+              <a:buChar char="Ø"/>
+            </a:pPr>
+            <a:endParaRPr lang="el-GR" sz="2400" dirty="0"/>
+          </a:p>
+          <a:p>
+            <a:pPr marL="914400" lvl="1" indent="-457200">
+              <a:buSzPct val="100000"/>
+              <a:buFont typeface="Wingdings" panose="05000000000000000000" pitchFamily="2" charset="2"/>
+              <a:buChar char="Ø"/>
+            </a:pPr>
+            <a:endParaRPr lang="el-GR" sz="2400" dirty="0"/>
           </a:p>
         </p:txBody>
       </p:sp>
     </p:spTree>
     <p:extLst>
       <p:ext uri="{BB962C8B-B14F-4D97-AF65-F5344CB8AC3E}">
-        <p14:creationId xmlns:p14="http://schemas.microsoft.com/office/powerpoint/2010/main" val="867469060"/>
+        <p14:creationId xmlns:p14="http://schemas.microsoft.com/office/powerpoint/2010/main" val="4047474215"/>
       </p:ext>
     </p:extLst>
   </p:cSld>
@@ -4353,6 +9227,40 @@
 <file path=ppt/slides/slide4.xml><?xml version="1.0" encoding="utf-8"?>
 <p:sld xmlns:a="http://schemas.openxmlformats.org/drawingml/2006/main" xmlns:r="http://schemas.openxmlformats.org/officeDocument/2006/relationships" xmlns:p="http://schemas.openxmlformats.org/presentationml/2006/main">
   <p:cSld>
+    <p:bg>
+      <p:bgPr>
+        <a:gradFill flip="none" rotWithShape="1">
+          <a:gsLst>
+            <a:gs pos="0">
+              <a:schemeClr val="accent1">
+                <a:lumMod val="89000"/>
+              </a:schemeClr>
+            </a:gs>
+            <a:gs pos="74000">
+              <a:schemeClr val="accent1">
+                <a:lumMod val="45000"/>
+                <a:lumOff val="55000"/>
+              </a:schemeClr>
+            </a:gs>
+            <a:gs pos="83000">
+              <a:schemeClr val="accent1">
+                <a:lumMod val="45000"/>
+                <a:lumOff val="55000"/>
+              </a:schemeClr>
+            </a:gs>
+            <a:gs pos="100000">
+              <a:schemeClr val="accent1">
+                <a:lumMod val="30000"/>
+                <a:lumOff val="70000"/>
+              </a:schemeClr>
+            </a:gs>
+          </a:gsLst>
+          <a:lin ang="5400000" scaled="1"/>
+          <a:tileRect/>
+        </a:gradFill>
+        <a:effectLst/>
+      </p:bgPr>
+    </p:bg>
     <p:spTree>
       <p:nvGrpSpPr>
         <p:cNvPr id="1" name=""/>
@@ -4367,12 +9275,513 @@
           <a:chExt cx="0" cy="0"/>
         </a:xfrm>
       </p:grpSpPr>
+      <p:sp useBgFill="1">
+        <p:nvSpPr>
+          <p:cNvPr id="8" name="Rectangle 7">
+            <a:extLst>
+              <a:ext uri="{FF2B5EF4-FFF2-40B4-BE49-F238E27FC236}">
+                <a16:creationId xmlns:a16="http://schemas.microsoft.com/office/drawing/2014/main" id="{8B9AA7C6-5E5A-498E-A6DF-A943376E09BC}"/>
+              </a:ext>
+              <a:ext uri="{C183D7F6-B498-43B3-948B-1728B52AA6E4}">
+                <adec:decorative xmlns:adec="http://schemas.microsoft.com/office/drawing/2017/decorative" val="1"/>
+              </a:ext>
+            </a:extLst>
+          </p:cNvPr>
+          <p:cNvSpPr>
+            <a:spLocks noGrp="1" noRot="1" noChangeAspect="1" noMove="1" noResize="1" noEditPoints="1" noAdjustHandles="1" noChangeArrowheads="1" noChangeShapeType="1" noTextEdit="1"/>
+          </p:cNvSpPr>
+          <p:nvPr>
+            <p:extLst>
+              <p:ext uri="{386F3935-93C4-4BCD-93E2-E3B085C9AB24}">
+                <p16:designElem xmlns:p16="http://schemas.microsoft.com/office/powerpoint/2015/main" val="1"/>
+              </p:ext>
+            </p:extLst>
+          </p:nvPr>
+        </p:nvSpPr>
+        <p:spPr>
+          <a:xfrm>
+            <a:off x="0" y="0"/>
+            <a:ext cx="12191999" cy="6857365"/>
+          </a:xfrm>
+          <a:prstGeom prst="rect">
+            <a:avLst/>
+          </a:prstGeom>
+          <a:ln>
+            <a:noFill/>
+          </a:ln>
+        </p:spPr>
+        <p:style>
+          <a:lnRef idx="2">
+            <a:schemeClr val="accent1">
+              <a:shade val="50000"/>
+            </a:schemeClr>
+          </a:lnRef>
+          <a:fillRef idx="1">
+            <a:schemeClr val="accent1"/>
+          </a:fillRef>
+          <a:effectRef idx="0">
+            <a:schemeClr val="accent1"/>
+          </a:effectRef>
+          <a:fontRef idx="minor">
+            <a:schemeClr val="lt1"/>
+          </a:fontRef>
+        </p:style>
+        <p:txBody>
+          <a:bodyPr rtlCol="0" anchor="ctr"/>
+          <a:lstStyle/>
+          <a:p>
+            <a:pPr algn="ctr"/>
+            <a:endParaRPr lang="en-US"/>
+          </a:p>
+        </p:txBody>
+      </p:sp>
+      <p:grpSp>
+        <p:nvGrpSpPr>
+          <p:cNvPr id="10" name="Group 9">
+            <a:extLst>
+              <a:ext uri="{FF2B5EF4-FFF2-40B4-BE49-F238E27FC236}">
+                <a16:creationId xmlns:a16="http://schemas.microsoft.com/office/drawing/2014/main" id="{83EAB11A-76F7-48F4-9B4F-5BFDF4BF9670}"/>
+              </a:ext>
+              <a:ext uri="{C183D7F6-B498-43B3-948B-1728B52AA6E4}">
+                <adec:decorative xmlns:adec="http://schemas.microsoft.com/office/drawing/2017/decorative" val="1"/>
+              </a:ext>
+            </a:extLst>
+          </p:cNvPr>
+          <p:cNvGrpSpPr>
+            <a:grpSpLocks noGrp="1" noUngrp="1" noRot="1" noChangeAspect="1" noMove="1" noResize="1"/>
+          </p:cNvGrpSpPr>
+          <p:nvPr>
+            <p:extLst>
+              <p:ext uri="{386F3935-93C4-4BCD-93E2-E3B085C9AB24}">
+                <p16:designElem xmlns:p16="http://schemas.microsoft.com/office/powerpoint/2015/main" val="1"/>
+              </p:ext>
+            </p:extLst>
+          </p:nvPr>
+        </p:nvGrpSpPr>
+        <p:grpSpPr>
+          <a:xfrm>
+            <a:off x="74300" y="2385102"/>
+            <a:ext cx="574091" cy="2087796"/>
+            <a:chOff x="209668" y="2857422"/>
+            <a:chExt cx="463662" cy="2087796"/>
+          </a:xfrm>
+        </p:grpSpPr>
+        <p:sp>
+          <p:nvSpPr>
+            <p:cNvPr id="11" name="Rectangle 10">
+              <a:extLst>
+                <a:ext uri="{FF2B5EF4-FFF2-40B4-BE49-F238E27FC236}">
+                  <a16:creationId xmlns:a16="http://schemas.microsoft.com/office/drawing/2014/main" id="{74D4C416-D5F4-4F6F-A6F1-87A21CD4FCAF}"/>
+                </a:ext>
+                <a:ext uri="{C183D7F6-B498-43B3-948B-1728B52AA6E4}">
+                  <adec:decorative xmlns:adec="http://schemas.microsoft.com/office/drawing/2017/decorative" val="1"/>
+                </a:ext>
+              </a:extLst>
+            </p:cNvPr>
+            <p:cNvSpPr/>
+            <p:nvPr>
+              <p:extLst>
+                <p:ext uri="{386F3935-93C4-4BCD-93E2-E3B085C9AB24}">
+                  <p16:designElem xmlns:p16="http://schemas.microsoft.com/office/powerpoint/2015/main" val="1"/>
+                </p:ext>
+              </p:extLst>
+            </p:nvPr>
+          </p:nvSpPr>
+          <p:spPr>
+            <a:xfrm flipH="1" flipV="1">
+              <a:off x="423947" y="2857422"/>
+              <a:ext cx="249383" cy="2087795"/>
+            </a:xfrm>
+            <a:prstGeom prst="rect">
+              <a:avLst/>
+            </a:prstGeom>
+            <a:solidFill>
+              <a:schemeClr val="accent4"/>
+            </a:solidFill>
+            <a:ln>
+              <a:noFill/>
+            </a:ln>
+          </p:spPr>
+          <p:style>
+            <a:lnRef idx="2">
+              <a:schemeClr val="accent1">
+                <a:shade val="50000"/>
+              </a:schemeClr>
+            </a:lnRef>
+            <a:fillRef idx="1">
+              <a:schemeClr val="accent1"/>
+            </a:fillRef>
+            <a:effectRef idx="0">
+              <a:schemeClr val="accent1"/>
+            </a:effectRef>
+            <a:fontRef idx="minor">
+              <a:schemeClr val="lt1"/>
+            </a:fontRef>
+          </p:style>
+          <p:txBody>
+            <a:bodyPr rtlCol="0" anchor="ctr"/>
+            <a:lstStyle/>
+            <a:p>
+              <a:pPr algn="ctr"/>
+              <a:endParaRPr lang="en-US"/>
+            </a:p>
+          </p:txBody>
+        </p:sp>
+        <p:cxnSp>
+          <p:nvCxnSpPr>
+            <p:cNvPr id="12" name="Straight Connector 11">
+              <a:extLst>
+                <a:ext uri="{FF2B5EF4-FFF2-40B4-BE49-F238E27FC236}">
+                  <a16:creationId xmlns:a16="http://schemas.microsoft.com/office/drawing/2014/main" id="{C6AC1C30-21C6-4BF6-93EE-B211D7A85011}"/>
+                </a:ext>
+                <a:ext uri="{C183D7F6-B498-43B3-948B-1728B52AA6E4}">
+                  <adec:decorative xmlns:adec="http://schemas.microsoft.com/office/drawing/2017/decorative" val="1"/>
+                </a:ext>
+              </a:extLst>
+            </p:cNvPr>
+            <p:cNvCxnSpPr>
+              <a:cxnSpLocks/>
+            </p:cNvCxnSpPr>
+            <p:nvPr>
+              <p:extLst>
+                <p:ext uri="{386F3935-93C4-4BCD-93E2-E3B085C9AB24}">
+                  <p16:designElem xmlns:p16="http://schemas.microsoft.com/office/powerpoint/2015/main" val="1"/>
+                </p:ext>
+              </p:extLst>
+            </p:nvPr>
+          </p:nvCxnSpPr>
+          <p:spPr>
+            <a:xfrm flipH="1">
+              <a:off x="209668" y="2857423"/>
+              <a:ext cx="1" cy="2087795"/>
+            </a:xfrm>
+            <a:prstGeom prst="line">
+              <a:avLst/>
+            </a:prstGeom>
+            <a:ln w="177800">
+              <a:solidFill>
+                <a:schemeClr val="accent4"/>
+              </a:solidFill>
+            </a:ln>
+          </p:spPr>
+          <p:style>
+            <a:lnRef idx="1">
+              <a:schemeClr val="accent1"/>
+            </a:lnRef>
+            <a:fillRef idx="0">
+              <a:schemeClr val="accent1"/>
+            </a:fillRef>
+            <a:effectRef idx="0">
+              <a:schemeClr val="accent1"/>
+            </a:effectRef>
+            <a:fontRef idx="minor">
+              <a:schemeClr val="tx1"/>
+            </a:fontRef>
+          </p:style>
+        </p:cxnSp>
+      </p:grpSp>
+      <p:sp>
+        <p:nvSpPr>
+          <p:cNvPr id="14" name="Rectangle 13">
+            <a:extLst>
+              <a:ext uri="{FF2B5EF4-FFF2-40B4-BE49-F238E27FC236}">
+                <a16:creationId xmlns:a16="http://schemas.microsoft.com/office/drawing/2014/main" id="{81E140AE-0ABF-47C8-BF32-7D2F0CF2BA44}"/>
+              </a:ext>
+              <a:ext uri="{C183D7F6-B498-43B3-948B-1728B52AA6E4}">
+                <adec:decorative xmlns:adec="http://schemas.microsoft.com/office/drawing/2017/decorative" val="1"/>
+              </a:ext>
+            </a:extLst>
+          </p:cNvPr>
+          <p:cNvSpPr>
+            <a:spLocks noGrp="1" noRot="1" noChangeAspect="1" noMove="1" noResize="1" noEditPoints="1" noAdjustHandles="1" noChangeArrowheads="1" noChangeShapeType="1" noTextEdit="1"/>
+          </p:cNvSpPr>
+          <p:nvPr>
+            <p:extLst>
+              <p:ext uri="{386F3935-93C4-4BCD-93E2-E3B085C9AB24}">
+                <p16:designElem xmlns:p16="http://schemas.microsoft.com/office/powerpoint/2015/main" val="1"/>
+              </p:ext>
+            </p:extLst>
+          </p:nvPr>
+        </p:nvSpPr>
+        <p:spPr>
+          <a:xfrm flipH="1">
+            <a:off x="10697670" y="0"/>
+            <a:ext cx="1494330" cy="6858000"/>
+          </a:xfrm>
+          <a:prstGeom prst="rect">
+            <a:avLst/>
+          </a:prstGeom>
+          <a:solidFill>
+            <a:schemeClr val="accent4"/>
+          </a:solidFill>
+          <a:ln>
+            <a:noFill/>
+          </a:ln>
+        </p:spPr>
+        <p:style>
+          <a:lnRef idx="2">
+            <a:schemeClr val="accent1">
+              <a:shade val="50000"/>
+            </a:schemeClr>
+          </a:lnRef>
+          <a:fillRef idx="1">
+            <a:schemeClr val="accent1"/>
+          </a:fillRef>
+          <a:effectRef idx="0">
+            <a:schemeClr val="accent1"/>
+          </a:effectRef>
+          <a:fontRef idx="minor">
+            <a:schemeClr val="lt1"/>
+          </a:fontRef>
+        </p:style>
+        <p:txBody>
+          <a:bodyPr rtlCol="0" anchor="ctr"/>
+          <a:lstStyle/>
+          <a:p>
+            <a:pPr algn="ctr"/>
+            <a:endParaRPr lang="en-US"/>
+          </a:p>
+        </p:txBody>
+      </p:sp>
+      <p:sp>
+        <p:nvSpPr>
+          <p:cNvPr id="16" name="Rectangle 15">
+            <a:extLst>
+              <a:ext uri="{FF2B5EF4-FFF2-40B4-BE49-F238E27FC236}">
+                <a16:creationId xmlns:a16="http://schemas.microsoft.com/office/drawing/2014/main" id="{CBC4F608-B4B8-48C3-9572-C0F061B1CD99}"/>
+              </a:ext>
+              <a:ext uri="{C183D7F6-B498-43B3-948B-1728B52AA6E4}">
+                <adec:decorative xmlns:adec="http://schemas.microsoft.com/office/drawing/2017/decorative" val="1"/>
+              </a:ext>
+            </a:extLst>
+          </p:cNvPr>
+          <p:cNvSpPr>
+            <a:spLocks noGrp="1" noRot="1" noChangeAspect="1" noMove="1" noResize="1" noEditPoints="1" noAdjustHandles="1" noChangeArrowheads="1" noChangeShapeType="1" noTextEdit="1"/>
+          </p:cNvSpPr>
+          <p:nvPr>
+            <p:extLst>
+              <p:ext uri="{386F3935-93C4-4BCD-93E2-E3B085C9AB24}">
+                <p16:designElem xmlns:p16="http://schemas.microsoft.com/office/powerpoint/2015/main" val="1"/>
+              </p:ext>
+            </p:extLst>
+          </p:nvPr>
+        </p:nvSpPr>
+        <p:spPr>
+          <a:xfrm>
+            <a:off x="579528" y="631767"/>
+            <a:ext cx="11111729" cy="5752404"/>
+          </a:xfrm>
+          <a:prstGeom prst="rect">
+            <a:avLst/>
+          </a:prstGeom>
+          <a:solidFill>
+            <a:schemeClr val="bg1"/>
+          </a:solidFill>
+          <a:ln>
+            <a:noFill/>
+          </a:ln>
+          <a:effectLst>
+            <a:outerShdw blurRad="139700" dist="127000" dir="5400000" algn="t" rotWithShape="0">
+              <a:prstClr val="black">
+                <a:alpha val="15000"/>
+              </a:prstClr>
+            </a:outerShdw>
+          </a:effectLst>
+        </p:spPr>
+        <p:style>
+          <a:lnRef idx="2">
+            <a:schemeClr val="accent1">
+              <a:shade val="50000"/>
+            </a:schemeClr>
+          </a:lnRef>
+          <a:fillRef idx="1">
+            <a:schemeClr val="accent1"/>
+          </a:fillRef>
+          <a:effectRef idx="0">
+            <a:schemeClr val="accent1"/>
+          </a:effectRef>
+          <a:fontRef idx="minor">
+            <a:schemeClr val="lt1"/>
+          </a:fontRef>
+        </p:style>
+        <p:txBody>
+          <a:bodyPr rtlCol="0" anchor="ctr"/>
+          <a:lstStyle/>
+          <a:p>
+            <a:pPr algn="ctr"/>
+            <a:endParaRPr lang="en-US"/>
+          </a:p>
+        </p:txBody>
+      </p:sp>
+      <p:sp>
+        <p:nvSpPr>
+          <p:cNvPr id="3" name="Θέση περιεχομένου 2">
+            <a:extLst>
+              <a:ext uri="{FF2B5EF4-FFF2-40B4-BE49-F238E27FC236}">
+                <a16:creationId xmlns:a16="http://schemas.microsoft.com/office/drawing/2014/main" id="{78063056-3CC3-CB34-221E-1580E161E049}"/>
+              </a:ext>
+            </a:extLst>
+          </p:cNvPr>
+          <p:cNvSpPr>
+            <a:spLocks noGrp="1"/>
+          </p:cNvSpPr>
+          <p:nvPr>
+            <p:ph idx="1"/>
+          </p:nvPr>
+        </p:nvSpPr>
+        <p:spPr>
+          <a:xfrm>
+            <a:off x="579529" y="631768"/>
+            <a:ext cx="11111728" cy="5752403"/>
+          </a:xfrm>
+          <a:gradFill>
+            <a:gsLst>
+              <a:gs pos="0">
+                <a:schemeClr val="accent1">
+                  <a:lumMod val="5000"/>
+                  <a:lumOff val="95000"/>
+                </a:schemeClr>
+              </a:gs>
+              <a:gs pos="74000">
+                <a:schemeClr val="accent1">
+                  <a:lumMod val="45000"/>
+                  <a:lumOff val="55000"/>
+                </a:schemeClr>
+              </a:gs>
+              <a:gs pos="83000">
+                <a:schemeClr val="accent1">
+                  <a:lumMod val="45000"/>
+                  <a:lumOff val="55000"/>
+                </a:schemeClr>
+              </a:gs>
+              <a:gs pos="100000">
+                <a:schemeClr val="accent1">
+                  <a:lumMod val="30000"/>
+                  <a:lumOff val="70000"/>
+                </a:schemeClr>
+              </a:gs>
+            </a:gsLst>
+            <a:lin ang="5400000" scaled="1"/>
+          </a:gradFill>
+        </p:spPr>
+        <p:txBody>
+          <a:bodyPr anchor="ctr">
+            <a:normAutofit/>
+          </a:bodyPr>
+          <a:lstStyle/>
+          <a:p>
+            <a:pPr>
+              <a:buClr>
+                <a:srgbClr val="15A6DE"/>
+              </a:buClr>
+              <a:buFont typeface="Courier New" panose="02070309020205020404" pitchFamily="49" charset="0"/>
+              <a:buChar char="o"/>
+            </a:pPr>
+            <a:r>
+              <a:rPr lang="el-GR" sz="2000" dirty="0">
+                <a:solidFill>
+                  <a:srgbClr val="084158"/>
+                </a:solidFill>
+              </a:rPr>
+              <a:t>Χρήση της γλώσσας </a:t>
+            </a:r>
+            <a:r>
+              <a:rPr lang="en-US" sz="2000" dirty="0">
+                <a:solidFill>
+                  <a:srgbClr val="084158"/>
+                </a:solidFill>
+              </a:rPr>
+              <a:t>Python</a:t>
+            </a:r>
+            <a:endParaRPr lang="el-GR" sz="2000" dirty="0">
+              <a:solidFill>
+                <a:srgbClr val="084158"/>
+              </a:solidFill>
+            </a:endParaRPr>
+          </a:p>
+          <a:p>
+            <a:pPr>
+              <a:buClr>
+                <a:srgbClr val="15A6DE"/>
+              </a:buClr>
+              <a:buFont typeface="Courier New" panose="02070309020205020404" pitchFamily="49" charset="0"/>
+              <a:buChar char="o"/>
+            </a:pPr>
+            <a:r>
+              <a:rPr lang="el-GR" sz="2000" dirty="0">
+                <a:solidFill>
+                  <a:srgbClr val="084158"/>
+                </a:solidFill>
+              </a:rPr>
+              <a:t>Αξιοποίηση των </a:t>
+            </a:r>
+            <a:r>
+              <a:rPr lang="en-US" sz="2000" dirty="0">
+                <a:solidFill>
+                  <a:srgbClr val="084158"/>
+                </a:solidFill>
+              </a:rPr>
+              <a:t>LLMs</a:t>
+            </a:r>
+            <a:r>
+              <a:rPr lang="el-GR" sz="2000" dirty="0">
+                <a:solidFill>
+                  <a:srgbClr val="084158"/>
+                </a:solidFill>
+              </a:rPr>
+              <a:t>: </a:t>
+            </a:r>
+            <a:r>
+              <a:rPr lang="en-US" sz="2000" dirty="0">
+                <a:solidFill>
+                  <a:srgbClr val="084158"/>
+                </a:solidFill>
+              </a:rPr>
+              <a:t>IBM-WATSON, Google-Gemini</a:t>
+            </a:r>
+          </a:p>
+          <a:p>
+            <a:pPr>
+              <a:buClr>
+                <a:srgbClr val="15A6DE"/>
+              </a:buClr>
+              <a:buFont typeface="Courier New" panose="02070309020205020404" pitchFamily="49" charset="0"/>
+              <a:buChar char="o"/>
+            </a:pPr>
+            <a:endParaRPr lang="en-US" sz="2000" dirty="0">
+              <a:solidFill>
+                <a:srgbClr val="084158"/>
+              </a:solidFill>
+            </a:endParaRPr>
+          </a:p>
+          <a:p>
+            <a:pPr>
+              <a:buClr>
+                <a:srgbClr val="15A6DE"/>
+              </a:buClr>
+              <a:buFont typeface="Courier New" panose="02070309020205020404" pitchFamily="49" charset="0"/>
+              <a:buChar char="o"/>
+            </a:pPr>
+            <a:endParaRPr lang="en-US" sz="2000" dirty="0">
+              <a:solidFill>
+                <a:srgbClr val="084158"/>
+              </a:solidFill>
+            </a:endParaRPr>
+          </a:p>
+          <a:p>
+            <a:pPr marL="0" indent="0">
+              <a:buNone/>
+            </a:pPr>
+            <a:endParaRPr lang="el-GR" sz="2000" dirty="0"/>
+          </a:p>
+        </p:txBody>
+      </p:sp>
       <p:sp>
         <p:nvSpPr>
           <p:cNvPr id="2" name="Τίτλος 1">
             <a:extLst>
               <a:ext uri="{FF2B5EF4-FFF2-40B4-BE49-F238E27FC236}">
-                <a16:creationId xmlns:a16="http://schemas.microsoft.com/office/drawing/2014/main" id="{53D0D8DC-2B3B-1086-2EC1-692D2FB00393}"/>
+                <a16:creationId xmlns:a16="http://schemas.microsoft.com/office/drawing/2014/main" id="{CA204F78-2184-1CC4-EF21-D70233A1343B}"/>
               </a:ext>
             </a:extLst>
           </p:cNvPr>
@@ -4383,59 +9792,121 @@
             <p:ph type="title"/>
           </p:nvPr>
         </p:nvSpPr>
-        <p:spPr/>
+        <p:spPr>
+          <a:xfrm>
+            <a:off x="3959951" y="631132"/>
+            <a:ext cx="4350882" cy="746837"/>
+          </a:xfrm>
+          <a:ln>
+            <a:noFill/>
+          </a:ln>
+        </p:spPr>
         <p:txBody>
-          <a:bodyPr/>
+          <a:bodyPr anchor="ctr">
+            <a:normAutofit fontScale="90000"/>
+          </a:bodyPr>
           <a:lstStyle/>
           <a:p>
             <a:r>
-              <a:rPr lang="el-GR" dirty="0"/>
+              <a:rPr lang="el-GR" sz="5200" dirty="0">
+                <a:solidFill>
+                  <a:schemeClr val="tx2">
+                    <a:lumMod val="75000"/>
+                    <a:lumOff val="25000"/>
+                  </a:schemeClr>
+                </a:solidFill>
+              </a:rPr>
               <a:t>ΠΩΣ ΛΕΙΤΟΥΡΓΕΙ </a:t>
             </a:r>
           </a:p>
         </p:txBody>
       </p:sp>
-      <p:sp>
-        <p:nvSpPr>
-          <p:cNvPr id="3" name="Θέση περιεχομένου 2">
+      <p:graphicFrame>
+        <p:nvGraphicFramePr>
+          <p:cNvPr id="13" name="Διάγραμμα 12">
             <a:extLst>
               <a:ext uri="{FF2B5EF4-FFF2-40B4-BE49-F238E27FC236}">
-                <a16:creationId xmlns:a16="http://schemas.microsoft.com/office/drawing/2014/main" id="{0E5A61B3-8BBE-F48A-FF5D-9C86E18FD326}"/>
+                <a16:creationId xmlns:a16="http://schemas.microsoft.com/office/drawing/2014/main" id="{D1179051-DA69-025E-ACDF-0B379576FA0D}"/>
               </a:ext>
             </a:extLst>
           </p:cNvPr>
-          <p:cNvSpPr>
-            <a:spLocks noGrp="1"/>
-          </p:cNvSpPr>
+          <p:cNvGraphicFramePr/>
           <p:nvPr>
-            <p:ph idx="1"/>
+            <p:extLst>
+              <p:ext uri="{D42A27DB-BD31-4B8C-83A1-F6EECF244321}">
+                <p14:modId xmlns:p14="http://schemas.microsoft.com/office/powerpoint/2010/main" val="2113343040"/>
+              </p:ext>
+            </p:extLst>
           </p:nvPr>
-        </p:nvSpPr>
-        <p:spPr/>
-        <p:txBody>
-          <a:bodyPr/>
-          <a:lstStyle/>
-          <a:p>
-            <a:endParaRPr lang="el-GR"/>
-          </a:p>
-        </p:txBody>
-      </p:sp>
+        </p:nvGraphicFramePr>
+        <p:xfrm>
+          <a:off x="1677533" y="3356043"/>
+          <a:ext cx="8836932" cy="3028128"/>
+        </p:xfrm>
+        <a:graphic>
+          <a:graphicData uri="http://schemas.openxmlformats.org/drawingml/2006/diagram">
+            <dgm:relIds xmlns:dgm="http://schemas.openxmlformats.org/drawingml/2006/diagram" xmlns:r="http://schemas.openxmlformats.org/officeDocument/2006/relationships" r:dm="rId2" r:lo="rId3" r:qs="rId4" r:cs="rId5"/>
+          </a:graphicData>
+        </a:graphic>
+      </p:graphicFrame>
     </p:spTree>
     <p:extLst>
       <p:ext uri="{BB962C8B-B14F-4D97-AF65-F5344CB8AC3E}">
-        <p14:creationId xmlns:p14="http://schemas.microsoft.com/office/powerpoint/2010/main" val="2188704089"/>
+        <p14:creationId xmlns:p14="http://schemas.microsoft.com/office/powerpoint/2010/main" val="3582452232"/>
       </p:ext>
     </p:extLst>
   </p:cSld>
   <p:clrMapOvr>
     <a:masterClrMapping/>
   </p:clrMapOvr>
+  <mc:AlternateContent xmlns:mc="http://schemas.openxmlformats.org/markup-compatibility/2006">
+    <mc:Choice xmlns:p14="http://schemas.microsoft.com/office/powerpoint/2010/main" Requires="p14">
+      <p:transition spd="slow" p14:dur="2000" advTm="2000"/>
+    </mc:Choice>
+    <mc:Fallback>
+      <p:transition spd="slow" advTm="2000"/>
+    </mc:Fallback>
+  </mc:AlternateContent>
 </p:sld>
 </file>
 
 <file path=ppt/slides/slide5.xml><?xml version="1.0" encoding="utf-8"?>
 <p:sld xmlns:a="http://schemas.openxmlformats.org/drawingml/2006/main" xmlns:r="http://schemas.openxmlformats.org/officeDocument/2006/relationships" xmlns:p="http://schemas.openxmlformats.org/presentationml/2006/main">
   <p:cSld>
+    <p:bg>
+      <p:bgPr>
+        <a:gradFill>
+          <a:gsLst>
+            <a:gs pos="0">
+              <a:schemeClr val="accent1">
+                <a:lumMod val="5000"/>
+                <a:lumOff val="95000"/>
+              </a:schemeClr>
+            </a:gs>
+            <a:gs pos="63000">
+              <a:schemeClr val="accent1">
+                <a:lumMod val="45000"/>
+                <a:lumOff val="55000"/>
+              </a:schemeClr>
+            </a:gs>
+            <a:gs pos="83000">
+              <a:schemeClr val="accent1">
+                <a:lumMod val="45000"/>
+                <a:lumOff val="55000"/>
+              </a:schemeClr>
+            </a:gs>
+            <a:gs pos="100000">
+              <a:schemeClr val="accent1">
+                <a:lumMod val="30000"/>
+                <a:lumOff val="70000"/>
+              </a:schemeClr>
+            </a:gs>
+          </a:gsLst>
+          <a:lin ang="5400000" scaled="1"/>
+        </a:gradFill>
+        <a:effectLst/>
+      </p:bgPr>
+    </p:bg>
     <p:spTree>
       <p:nvGrpSpPr>
         <p:cNvPr id="1" name=""/>
@@ -4450,12 +9921,72 @@
           <a:chExt cx="0" cy="0"/>
         </a:xfrm>
       </p:grpSpPr>
+      <p:sp useBgFill="1">
+        <p:nvSpPr>
+          <p:cNvPr id="8" name="Rectangle 7">
+            <a:extLst>
+              <a:ext uri="{FF2B5EF4-FFF2-40B4-BE49-F238E27FC236}">
+                <a16:creationId xmlns:a16="http://schemas.microsoft.com/office/drawing/2014/main" id="{3AD318CC-E2A8-4E27-9548-A047A78999B1}"/>
+              </a:ext>
+              <a:ext uri="{C183D7F6-B498-43B3-948B-1728B52AA6E4}">
+                <adec:decorative xmlns:adec="http://schemas.microsoft.com/office/drawing/2017/decorative" val="1"/>
+              </a:ext>
+            </a:extLst>
+          </p:cNvPr>
+          <p:cNvSpPr>
+            <a:spLocks noGrp="1" noRot="1" noChangeAspect="1" noMove="1" noResize="1" noEditPoints="1" noAdjustHandles="1" noChangeArrowheads="1" noChangeShapeType="1" noTextEdit="1"/>
+          </p:cNvSpPr>
+          <p:nvPr>
+            <p:extLst>
+              <p:ext uri="{386F3935-93C4-4BCD-93E2-E3B085C9AB24}">
+                <p16:designElem xmlns:p16="http://schemas.microsoft.com/office/powerpoint/2015/main" val="1"/>
+              </p:ext>
+            </p:extLst>
+          </p:nvPr>
+        </p:nvSpPr>
+        <p:spPr>
+          <a:xfrm>
+            <a:off x="0" y="0"/>
+            <a:ext cx="12191999" cy="6857365"/>
+          </a:xfrm>
+          <a:prstGeom prst="rect">
+            <a:avLst/>
+          </a:prstGeom>
+          <a:ln>
+            <a:noFill/>
+          </a:ln>
+        </p:spPr>
+        <p:style>
+          <a:lnRef idx="2">
+            <a:schemeClr val="accent1">
+              <a:shade val="50000"/>
+            </a:schemeClr>
+          </a:lnRef>
+          <a:fillRef idx="1">
+            <a:schemeClr val="accent1"/>
+          </a:fillRef>
+          <a:effectRef idx="0">
+            <a:schemeClr val="accent1"/>
+          </a:effectRef>
+          <a:fontRef idx="minor">
+            <a:schemeClr val="lt1"/>
+          </a:fontRef>
+        </p:style>
+        <p:txBody>
+          <a:bodyPr rtlCol="0" anchor="ctr"/>
+          <a:lstStyle/>
+          <a:p>
+            <a:pPr algn="ctr"/>
+            <a:endParaRPr lang="en-US"/>
+          </a:p>
+        </p:txBody>
+      </p:sp>
       <p:sp>
         <p:nvSpPr>
           <p:cNvPr id="2" name="Τίτλος 1">
             <a:extLst>
               <a:ext uri="{FF2B5EF4-FFF2-40B4-BE49-F238E27FC236}">
-                <a16:creationId xmlns:a16="http://schemas.microsoft.com/office/drawing/2014/main" id="{CA204F78-2184-1CC4-EF21-D70233A1343B}"/>
+                <a16:creationId xmlns:a16="http://schemas.microsoft.com/office/drawing/2014/main" id="{53D0D8DC-2B3B-1086-2EC1-692D2FB00393}"/>
               </a:ext>
             </a:extLst>
           </p:cNvPr>
@@ -4466,16 +9997,238 @@
             <p:ph type="title"/>
           </p:nvPr>
         </p:nvSpPr>
-        <p:spPr/>
+        <p:spPr>
+          <a:xfrm>
+            <a:off x="645065" y="1463040"/>
+            <a:ext cx="3796306" cy="2690949"/>
+          </a:xfrm>
+        </p:spPr>
         <p:txBody>
-          <a:bodyPr/>
+          <a:bodyPr anchor="t">
+            <a:normAutofit/>
+          </a:bodyPr>
           <a:lstStyle/>
           <a:p>
             <a:r>
-              <a:rPr lang="en-US" dirty="0"/>
+              <a:rPr lang="en-US" sz="4800" dirty="0"/>
               <a:t>WHAT TO EXPECT NEXT?</a:t>
             </a:r>
-            <a:endParaRPr lang="el-GR" dirty="0"/>
+            <a:endParaRPr lang="el-GR" sz="4800" dirty="0"/>
+          </a:p>
+        </p:txBody>
+      </p:sp>
+      <p:grpSp>
+        <p:nvGrpSpPr>
+          <p:cNvPr id="10" name="Group 9">
+            <a:extLst>
+              <a:ext uri="{FF2B5EF4-FFF2-40B4-BE49-F238E27FC236}">
+                <a16:creationId xmlns:a16="http://schemas.microsoft.com/office/drawing/2014/main" id="{B14B560F-9DD7-4302-A60B-EBD3EF59B073}"/>
+              </a:ext>
+              <a:ext uri="{C183D7F6-B498-43B3-948B-1728B52AA6E4}">
+                <adec:decorative xmlns:adec="http://schemas.microsoft.com/office/drawing/2017/decorative" val="1"/>
+              </a:ext>
+            </a:extLst>
+          </p:cNvPr>
+          <p:cNvGrpSpPr>
+            <a:grpSpLocks noGrp="1" noUngrp="1" noRot="1" noChangeAspect="1" noMove="1" noResize="1"/>
+          </p:cNvGrpSpPr>
+          <p:nvPr>
+            <p:extLst>
+              <p:ext uri="{386F3935-93C4-4BCD-93E2-E3B085C9AB24}">
+                <p16:designElem xmlns:p16="http://schemas.microsoft.com/office/powerpoint/2015/main" val="1"/>
+              </p:ext>
+            </p:extLst>
+          </p:nvPr>
+        </p:nvGrpSpPr>
+        <p:grpSpPr>
+          <a:xfrm>
+            <a:off x="209667" y="4415246"/>
+            <a:ext cx="11982332" cy="2087795"/>
+            <a:chOff x="143163" y="5763486"/>
+            <a:chExt cx="11982332" cy="739555"/>
+          </a:xfrm>
+        </p:grpSpPr>
+        <p:sp>
+          <p:nvSpPr>
+            <p:cNvPr id="11" name="Rectangle 10">
+              <a:extLst>
+                <a:ext uri="{FF2B5EF4-FFF2-40B4-BE49-F238E27FC236}">
+                  <a16:creationId xmlns:a16="http://schemas.microsoft.com/office/drawing/2014/main" id="{3A9A4357-BD1D-4622-A4FE-766E6AB8DE84}"/>
+                </a:ext>
+                <a:ext uri="{C183D7F6-B498-43B3-948B-1728B52AA6E4}">
+                  <adec:decorative xmlns:adec="http://schemas.microsoft.com/office/drawing/2017/decorative" val="1"/>
+                </a:ext>
+              </a:extLst>
+            </p:cNvPr>
+            <p:cNvSpPr/>
+            <p:nvPr>
+              <p:extLst>
+                <p:ext uri="{386F3935-93C4-4BCD-93E2-E3B085C9AB24}">
+                  <p16:designElem xmlns:p16="http://schemas.microsoft.com/office/powerpoint/2015/main" val="1"/>
+                </p:ext>
+              </p:extLst>
+            </p:nvPr>
+          </p:nvSpPr>
+          <p:spPr>
+            <a:xfrm flipH="1" flipV="1">
+              <a:off x="357444" y="5763486"/>
+              <a:ext cx="11768051" cy="739555"/>
+            </a:xfrm>
+            <a:prstGeom prst="rect">
+              <a:avLst/>
+            </a:prstGeom>
+            <a:solidFill>
+              <a:schemeClr val="accent4"/>
+            </a:solidFill>
+            <a:ln>
+              <a:noFill/>
+            </a:ln>
+          </p:spPr>
+          <p:style>
+            <a:lnRef idx="2">
+              <a:schemeClr val="accent1">
+                <a:shade val="50000"/>
+              </a:schemeClr>
+            </a:lnRef>
+            <a:fillRef idx="1">
+              <a:schemeClr val="accent1"/>
+            </a:fillRef>
+            <a:effectRef idx="0">
+              <a:schemeClr val="accent1"/>
+            </a:effectRef>
+            <a:fontRef idx="minor">
+              <a:schemeClr val="lt1"/>
+            </a:fontRef>
+          </p:style>
+          <p:txBody>
+            <a:bodyPr rtlCol="0" anchor="ctr"/>
+            <a:lstStyle/>
+            <a:p>
+              <a:pPr algn="ctr"/>
+              <a:endParaRPr lang="en-US"/>
+            </a:p>
+          </p:txBody>
+        </p:sp>
+        <p:cxnSp>
+          <p:nvCxnSpPr>
+            <p:cNvPr id="12" name="Straight Connector 11">
+              <a:extLst>
+                <a:ext uri="{FF2B5EF4-FFF2-40B4-BE49-F238E27FC236}">
+                  <a16:creationId xmlns:a16="http://schemas.microsoft.com/office/drawing/2014/main" id="{C21D6966-343E-49AC-A026-D2497E0C3CA1}"/>
+                </a:ext>
+                <a:ext uri="{C183D7F6-B498-43B3-948B-1728B52AA6E4}">
+                  <adec:decorative xmlns:adec="http://schemas.microsoft.com/office/drawing/2017/decorative" val="1"/>
+                </a:ext>
+              </a:extLst>
+            </p:cNvPr>
+            <p:cNvCxnSpPr>
+              <a:cxnSpLocks/>
+            </p:cNvCxnSpPr>
+            <p:nvPr>
+              <p:extLst>
+                <p:ext uri="{386F3935-93C4-4BCD-93E2-E3B085C9AB24}">
+                  <p16:designElem xmlns:p16="http://schemas.microsoft.com/office/powerpoint/2015/main" val="1"/>
+                </p:ext>
+              </p:extLst>
+            </p:nvPr>
+          </p:nvCxnSpPr>
+          <p:spPr>
+            <a:xfrm flipH="1">
+              <a:off x="143163" y="5763486"/>
+              <a:ext cx="1" cy="739555"/>
+            </a:xfrm>
+            <a:prstGeom prst="line">
+              <a:avLst/>
+            </a:prstGeom>
+            <a:ln w="177800">
+              <a:solidFill>
+                <a:schemeClr val="accent4"/>
+              </a:solidFill>
+            </a:ln>
+          </p:spPr>
+          <p:style>
+            <a:lnRef idx="1">
+              <a:schemeClr val="accent1"/>
+            </a:lnRef>
+            <a:fillRef idx="0">
+              <a:schemeClr val="accent1"/>
+            </a:fillRef>
+            <a:effectRef idx="0">
+              <a:schemeClr val="accent1"/>
+            </a:effectRef>
+            <a:fontRef idx="minor">
+              <a:schemeClr val="tx1"/>
+            </a:fontRef>
+          </p:style>
+        </p:cxnSp>
+      </p:grpSp>
+      <p:sp>
+        <p:nvSpPr>
+          <p:cNvPr id="14" name="Rectangle 13">
+            <a:extLst>
+              <a:ext uri="{FF2B5EF4-FFF2-40B4-BE49-F238E27FC236}">
+                <a16:creationId xmlns:a16="http://schemas.microsoft.com/office/drawing/2014/main" id="{2C1BBA94-3F40-40AA-8BB9-E69E25E537C1}"/>
+              </a:ext>
+              <a:ext uri="{C183D7F6-B498-43B3-948B-1728B52AA6E4}">
+                <adec:decorative xmlns:adec="http://schemas.microsoft.com/office/drawing/2017/decorative" val="1"/>
+              </a:ext>
+            </a:extLst>
+          </p:cNvPr>
+          <p:cNvSpPr>
+            <a:spLocks noGrp="1" noRot="1" noChangeAspect="1" noMove="1" noResize="1" noEditPoints="1" noAdjustHandles="1" noChangeArrowheads="1" noChangeShapeType="1" noTextEdit="1"/>
+          </p:cNvSpPr>
+          <p:nvPr>
+            <p:extLst>
+              <p:ext uri="{386F3935-93C4-4BCD-93E2-E3B085C9AB24}">
+                <p16:designElem xmlns:p16="http://schemas.microsoft.com/office/powerpoint/2015/main" val="1"/>
+              </p:ext>
+            </p:extLst>
+          </p:nvPr>
+        </p:nvSpPr>
+        <p:spPr>
+          <a:xfrm>
+            <a:off x="5133706" y="587829"/>
+            <a:ext cx="6505300" cy="5682342"/>
+          </a:xfrm>
+          <a:prstGeom prst="rect">
+            <a:avLst/>
+          </a:prstGeom>
+          <a:solidFill>
+            <a:schemeClr val="bg1"/>
+          </a:solidFill>
+          <a:ln>
+            <a:noFill/>
+          </a:ln>
+          <a:effectLst>
+            <a:outerShdw blurRad="139700" dist="127000" dir="5400000" algn="t" rotWithShape="0">
+              <a:prstClr val="black">
+                <a:alpha val="15000"/>
+              </a:prstClr>
+            </a:outerShdw>
+          </a:effectLst>
+        </p:spPr>
+        <p:style>
+          <a:lnRef idx="2">
+            <a:schemeClr val="accent1">
+              <a:shade val="50000"/>
+            </a:schemeClr>
+          </a:lnRef>
+          <a:fillRef idx="1">
+            <a:schemeClr val="accent1"/>
+          </a:fillRef>
+          <a:effectRef idx="0">
+            <a:schemeClr val="accent1"/>
+          </a:effectRef>
+          <a:fontRef idx="minor">
+            <a:schemeClr val="lt1"/>
+          </a:fontRef>
+        </p:style>
+        <p:txBody>
+          <a:bodyPr rtlCol="0" anchor="ctr"/>
+          <a:lstStyle/>
+          <a:p>
+            <a:pPr algn="ctr"/>
+            <a:endParaRPr lang="en-US"/>
           </a:p>
         </p:txBody>
       </p:sp>
@@ -4484,7 +10237,7 @@
           <p:cNvPr id="3" name="Θέση περιεχομένου 2">
             <a:extLst>
               <a:ext uri="{FF2B5EF4-FFF2-40B4-BE49-F238E27FC236}">
-                <a16:creationId xmlns:a16="http://schemas.microsoft.com/office/drawing/2014/main" id="{78063056-3CC3-CB34-221E-1580E161E049}"/>
+                <a16:creationId xmlns:a16="http://schemas.microsoft.com/office/drawing/2014/main" id="{0E5A61B3-8BBE-F48A-FF5D-9C86E18FD326}"/>
               </a:ext>
             </a:extLst>
           </p:cNvPr>
@@ -4495,19 +10248,65 @@
             <p:ph idx="1"/>
           </p:nvPr>
         </p:nvSpPr>
-        <p:spPr/>
+        <p:spPr>
+          <a:xfrm>
+            <a:off x="5133706" y="587829"/>
+            <a:ext cx="6505298" cy="5682342"/>
+          </a:xfrm>
+          <a:gradFill flip="none" rotWithShape="1">
+            <a:gsLst>
+              <a:gs pos="46000">
+                <a:schemeClr val="accent1">
+                  <a:lumMod val="40000"/>
+                  <a:lumOff val="60000"/>
+                </a:schemeClr>
+              </a:gs>
+              <a:gs pos="46000">
+                <a:schemeClr val="accent1">
+                  <a:lumMod val="95000"/>
+                  <a:lumOff val="5000"/>
+                </a:schemeClr>
+              </a:gs>
+              <a:gs pos="100000">
+                <a:schemeClr val="accent1">
+                  <a:lumMod val="60000"/>
+                </a:schemeClr>
+              </a:gs>
+            </a:gsLst>
+            <a:path path="circle">
+              <a:fillToRect l="50000" t="130000" r="50000" b="-30000"/>
+            </a:path>
+            <a:tileRect/>
+          </a:gradFill>
+        </p:spPr>
         <p:txBody>
-          <a:bodyPr/>
+          <a:bodyPr anchor="t">
+            <a:normAutofit/>
+          </a:bodyPr>
           <a:lstStyle/>
           <a:p>
-            <a:endParaRPr lang="el-GR" dirty="0"/>
+            <a:pPr>
+              <a:buClr>
+                <a:srgbClr val="15A6DE"/>
+              </a:buClr>
+              <a:buFont typeface="Courier New" panose="02070309020205020404" pitchFamily="49" charset="0"/>
+              <a:buChar char="o"/>
+            </a:pPr>
+            <a:r>
+              <a:rPr lang="el-GR" sz="2200" dirty="0">
+                <a:solidFill>
+                  <a:srgbClr val="1497CB"/>
+                </a:solidFill>
+              </a:rPr>
+              <a:t>Εισαγωγή </a:t>
+            </a:r>
           </a:p>
         </p:txBody>
       </p:sp>
     </p:spTree>
     <p:extLst>
       <p:ext uri="{BB962C8B-B14F-4D97-AF65-F5344CB8AC3E}">
-        <p14:creationId xmlns:p14="http://schemas.microsoft.com/office/powerpoint/2010/main" val="3582452232"/>
+        <p14:creationId xmlns:p14="http://schemas.microsoft.com/office/powerpoint/2010/main" val="2188704089"/>
       </p:ext>
     </p:extLst>
   </p:cSld>

--- a/ey.pptx
+++ b/ey.pptx
@@ -5,11 +5,15 @@
     <p:sldMasterId id="2147483648" r:id="rId1"/>
   </p:sldMasterIdLst>
   <p:sldIdLst>
-    <p:sldId id="256" r:id="rId2"/>
-    <p:sldId id="257" r:id="rId3"/>
-    <p:sldId id="258" r:id="rId4"/>
-    <p:sldId id="259" r:id="rId5"/>
-    <p:sldId id="260" r:id="rId6"/>
+    <p:sldId id="263" r:id="rId2"/>
+    <p:sldId id="256" r:id="rId3"/>
+    <p:sldId id="257" r:id="rId4"/>
+    <p:sldId id="261" r:id="rId5"/>
+    <p:sldId id="267" r:id="rId6"/>
+    <p:sldId id="265" r:id="rId7"/>
+    <p:sldId id="260" r:id="rId8"/>
+    <p:sldId id="259" r:id="rId9"/>
+    <p:sldId id="262" r:id="rId10"/>
   </p:sldIdLst>
   <p:sldSz cx="12192000" cy="6858000"/>
   <p:notesSz cx="6858000" cy="9144000"/>
@@ -109,11 +113,4245 @@
     </a:lvl9pPr>
   </p:defaultTextStyle>
   <p:extLst>
+    <p:ext uri="{521415D9-36F7-43E2-AB2F-B90AF26B5E84}">
+      <p14:sectionLst xmlns:p14="http://schemas.microsoft.com/office/powerpoint/2010/main">
+        <p14:section name="Προεπιλεγμένη ενότητα" id="{95D5F47C-7C51-45DC-90F0-37CF11F18137}">
+          <p14:sldIdLst>
+            <p14:sldId id="263"/>
+            <p14:sldId id="256"/>
+            <p14:sldId id="257"/>
+            <p14:sldId id="261"/>
+            <p14:sldId id="267"/>
+            <p14:sldId id="265"/>
+            <p14:sldId id="260"/>
+            <p14:sldId id="259"/>
+            <p14:sldId id="262"/>
+          </p14:sldIdLst>
+        </p14:section>
+      </p14:sectionLst>
+    </p:ext>
     <p:ext uri="{EFAFB233-063F-42B5-8137-9DF3F51BA10A}">
       <p15:sldGuideLst xmlns:p15="http://schemas.microsoft.com/office/powerpoint/2012/main"/>
     </p:ext>
   </p:extLst>
 </p:presentation>
+</file>
+
+<file path=ppt/revisionInfo.xml><?xml version="1.0" encoding="utf-8"?>
+<p1510:revInfo xmlns:a="http://schemas.openxmlformats.org/drawingml/2006/main" xmlns:r="http://schemas.openxmlformats.org/officeDocument/2006/relationships" xmlns:p1510="http://schemas.microsoft.com/office/powerpoint/2015/10/main">
+  <p1510:revLst>
+    <p1510:client id="{4DE1247C-D552-4901-9F84-2C1136679DD0}" v="918" dt="2025-05-24T15:39:26.246"/>
+  </p1510:revLst>
+</p1510:revInfo>
+</file>
+
+<file path=ppt/changesInfos/changesInfo1.xml><?xml version="1.0" encoding="utf-8"?>
+<pc:chgInfo xmlns:a="http://schemas.openxmlformats.org/drawingml/2006/main" xmlns:r="http://schemas.openxmlformats.org/officeDocument/2006/relationships" xmlns:ac="http://schemas.microsoft.com/office/drawing/2013/main/command" xmlns:pc="http://schemas.microsoft.com/office/powerpoint/2013/main/command">
+  <pc:docChgLst>
+    <pc:chgData name="Στέφανος Γκαραβέλας" userId="1dfd7f32ed7c415a" providerId="LiveId" clId="{4DE1247C-D552-4901-9F84-2C1136679DD0}"/>
+    <pc:docChg chg="undo redo custSel addSld delSld modSld sldOrd modMainMaster addSection delSection modSection">
+      <pc:chgData name="Στέφανος Γκαραβέλας" userId="1dfd7f32ed7c415a" providerId="LiveId" clId="{4DE1247C-D552-4901-9F84-2C1136679DD0}" dt="2025-05-24T17:23:35.702" v="6370"/>
+      <pc:docMkLst>
+        <pc:docMk/>
+      </pc:docMkLst>
+      <pc:sldChg chg="addSp delSp modSp mod ord modTransition setBg delDesignElem">
+        <pc:chgData name="Στέφανος Γκαραβέλας" userId="1dfd7f32ed7c415a" providerId="LiveId" clId="{4DE1247C-D552-4901-9F84-2C1136679DD0}" dt="2025-05-24T17:14:09.717" v="6323"/>
+        <pc:sldMkLst>
+          <pc:docMk/>
+          <pc:sldMk cId="1083910964" sldId="256"/>
+        </pc:sldMkLst>
+        <pc:spChg chg="mod">
+          <ac:chgData name="Στέφανος Γκαραβέλας" userId="1dfd7f32ed7c415a" providerId="LiveId" clId="{4DE1247C-D552-4901-9F84-2C1136679DD0}" dt="2025-05-24T16:51:52.031" v="5973" actId="2"/>
+          <ac:spMkLst>
+            <pc:docMk/>
+            <pc:sldMk cId="1083910964" sldId="256"/>
+            <ac:spMk id="10" creationId="{3AB9498E-8F26-3E0C-637B-FE3D66A12AD5}"/>
+          </ac:spMkLst>
+        </pc:spChg>
+        <pc:spChg chg="add del">
+          <ac:chgData name="Στέφανος Γκαραβέλας" userId="1dfd7f32ed7c415a" providerId="LiveId" clId="{4DE1247C-D552-4901-9F84-2C1136679DD0}" dt="2025-05-24T13:31:47.433" v="243"/>
+          <ac:spMkLst>
+            <pc:docMk/>
+            <pc:sldMk cId="1083910964" sldId="256"/>
+            <ac:spMk id="14" creationId="{C96C8BAF-68F3-4B78-B238-35DF5D86560D}"/>
+          </ac:spMkLst>
+        </pc:spChg>
+        <pc:grpChg chg="add del">
+          <ac:chgData name="Στέφανος Γκαραβέλας" userId="1dfd7f32ed7c415a" providerId="LiveId" clId="{4DE1247C-D552-4901-9F84-2C1136679DD0}" dt="2025-05-24T13:31:47.433" v="243"/>
+          <ac:grpSpMkLst>
+            <pc:docMk/>
+            <pc:sldMk cId="1083910964" sldId="256"/>
+            <ac:grpSpMk id="16" creationId="{4F4CD6D0-5A87-4BA2-A13A-0E40511C3CFA}"/>
+          </ac:grpSpMkLst>
+        </pc:grpChg>
+        <pc:grpChg chg="add del">
+          <ac:chgData name="Στέφανος Γκαραβέλας" userId="1dfd7f32ed7c415a" providerId="LiveId" clId="{4DE1247C-D552-4901-9F84-2C1136679DD0}" dt="2025-05-24T13:31:47.433" v="243"/>
+          <ac:grpSpMkLst>
+            <pc:docMk/>
+            <pc:sldMk cId="1083910964" sldId="256"/>
+            <ac:grpSpMk id="20" creationId="{E9537076-EF48-4F72-9164-FD8260D550AC}"/>
+          </ac:grpSpMkLst>
+        </pc:grpChg>
+        <pc:grpChg chg="add del">
+          <ac:chgData name="Στέφανος Γκαραβέλας" userId="1dfd7f32ed7c415a" providerId="LiveId" clId="{4DE1247C-D552-4901-9F84-2C1136679DD0}" dt="2025-05-24T13:31:47.433" v="243"/>
+          <ac:grpSpMkLst>
+            <pc:docMk/>
+            <pc:sldMk cId="1083910964" sldId="256"/>
+            <ac:grpSpMk id="24" creationId="{6EFC3492-86BD-4D75-B5B4-C2DBFE0BD106}"/>
+          </ac:grpSpMkLst>
+        </pc:grpChg>
+      </pc:sldChg>
+      <pc:sldChg chg="addSp delSp modSp mod modTransition setBg">
+        <pc:chgData name="Στέφανος Γκαραβέλας" userId="1dfd7f32ed7c415a" providerId="LiveId" clId="{4DE1247C-D552-4901-9F84-2C1136679DD0}" dt="2025-05-24T17:13:10.395" v="6297"/>
+        <pc:sldMkLst>
+          <pc:docMk/>
+          <pc:sldMk cId="777704071" sldId="257"/>
+        </pc:sldMkLst>
+        <pc:spChg chg="mod">
+          <ac:chgData name="Στέφανος Γκαραβέλας" userId="1dfd7f32ed7c415a" providerId="LiveId" clId="{4DE1247C-D552-4901-9F84-2C1136679DD0}" dt="2025-05-24T17:00:20.994" v="5997" actId="14100"/>
+          <ac:spMkLst>
+            <pc:docMk/>
+            <pc:sldMk cId="777704071" sldId="257"/>
+            <ac:spMk id="2" creationId="{6C1EECB6-D2B3-8182-3B6F-243F57B1AE99}"/>
+          </ac:spMkLst>
+        </pc:spChg>
+        <pc:spChg chg="add del mod">
+          <ac:chgData name="Στέφανος Γκαραβέλας" userId="1dfd7f32ed7c415a" providerId="LiveId" clId="{4DE1247C-D552-4901-9F84-2C1136679DD0}" dt="2025-05-24T16:51:54.221" v="5974" actId="2"/>
+          <ac:spMkLst>
+            <pc:docMk/>
+            <pc:sldMk cId="777704071" sldId="257"/>
+            <ac:spMk id="3" creationId="{2FDBFF84-7EA7-3365-49EE-96F11E23D879}"/>
+          </ac:spMkLst>
+        </pc:spChg>
+        <pc:spChg chg="add del">
+          <ac:chgData name="Στέφανος Γκαραβέλας" userId="1dfd7f32ed7c415a" providerId="LiveId" clId="{4DE1247C-D552-4901-9F84-2C1136679DD0}" dt="2025-05-24T13:35:45.707" v="261" actId="26606"/>
+          <ac:spMkLst>
+            <pc:docMk/>
+            <pc:sldMk cId="777704071" sldId="257"/>
+            <ac:spMk id="5" creationId="{787F4F1C-8D3D-4EC1-B72D-A0470A5A08B8}"/>
+          </ac:spMkLst>
+        </pc:spChg>
+        <pc:spChg chg="add del">
+          <ac:chgData name="Στέφανος Γκαραβέλας" userId="1dfd7f32ed7c415a" providerId="LiveId" clId="{4DE1247C-D552-4901-9F84-2C1136679DD0}" dt="2025-05-24T13:36:15.918" v="269" actId="26606"/>
+          <ac:spMkLst>
+            <pc:docMk/>
+            <pc:sldMk cId="777704071" sldId="257"/>
+            <ac:spMk id="7" creationId="{5C8908E2-EE49-44D2-9428-A28D2312A8D5}"/>
+          </ac:spMkLst>
+        </pc:spChg>
+        <pc:spChg chg="add del">
+          <ac:chgData name="Στέφανος Γκαραβέλας" userId="1dfd7f32ed7c415a" providerId="LiveId" clId="{4DE1247C-D552-4901-9F84-2C1136679DD0}" dt="2025-05-24T13:35:31.165" v="259" actId="26606"/>
+          <ac:spMkLst>
+            <pc:docMk/>
+            <pc:sldMk cId="777704071" sldId="257"/>
+            <ac:spMk id="8" creationId="{1A3C89F8-0D2F-47FF-B903-151248265F47}"/>
+          </ac:spMkLst>
+        </pc:spChg>
+        <pc:spChg chg="add del">
+          <ac:chgData name="Στέφανος Γκαραβέλας" userId="1dfd7f32ed7c415a" providerId="LiveId" clId="{4DE1247C-D552-4901-9F84-2C1136679DD0}" dt="2025-05-24T13:35:59.564" v="265" actId="26606"/>
+          <ac:spMkLst>
+            <pc:docMk/>
+            <pc:sldMk cId="777704071" sldId="257"/>
+            <ac:spMk id="9" creationId="{1B15ED52-F352-441B-82BF-E0EA34836D08}"/>
+          </ac:spMkLst>
+        </pc:spChg>
+        <pc:spChg chg="add del">
+          <ac:chgData name="Στέφανος Γκαραβέλας" userId="1dfd7f32ed7c415a" providerId="LiveId" clId="{4DE1247C-D552-4901-9F84-2C1136679DD0}" dt="2025-05-24T13:35:31.165" v="259" actId="26606"/>
+          <ac:spMkLst>
+            <pc:docMk/>
+            <pc:sldMk cId="777704071" sldId="257"/>
+            <ac:spMk id="10" creationId="{C5CB530E-515E-412C-9DF1-5F8FFBD6F383}"/>
+          </ac:spMkLst>
+        </pc:spChg>
+        <pc:spChg chg="add del">
+          <ac:chgData name="Στέφανος Γκαραβέλας" userId="1dfd7f32ed7c415a" providerId="LiveId" clId="{4DE1247C-D552-4901-9F84-2C1136679DD0}" dt="2025-05-24T13:35:59.564" v="265" actId="26606"/>
+          <ac:spMkLst>
+            <pc:docMk/>
+            <pc:sldMk cId="777704071" sldId="257"/>
+            <ac:spMk id="11" creationId="{3B2E3793-BFE6-45A2-9B7B-E18844431C99}"/>
+          </ac:spMkLst>
+        </pc:spChg>
+        <pc:spChg chg="add del">
+          <ac:chgData name="Στέφανος Γκαραβέλας" userId="1dfd7f32ed7c415a" providerId="LiveId" clId="{4DE1247C-D552-4901-9F84-2C1136679DD0}" dt="2025-05-24T13:35:31.165" v="259" actId="26606"/>
+          <ac:spMkLst>
+            <pc:docMk/>
+            <pc:sldMk cId="777704071" sldId="257"/>
+            <ac:spMk id="12" creationId="{712D4376-A578-4FF1-94FC-245E7A6A489F}"/>
+          </ac:spMkLst>
+        </pc:spChg>
+        <pc:spChg chg="add del">
+          <ac:chgData name="Στέφανος Γκαραβέλας" userId="1dfd7f32ed7c415a" providerId="LiveId" clId="{4DE1247C-D552-4901-9F84-2C1136679DD0}" dt="2025-05-24T13:35:31.165" v="259" actId="26606"/>
+          <ac:spMkLst>
+            <pc:docMk/>
+            <pc:sldMk cId="777704071" sldId="257"/>
+            <ac:spMk id="14" creationId="{AEA7509D-F04F-40CB-A0B3-EEF16499CC9F}"/>
+          </ac:spMkLst>
+        </pc:spChg>
+        <pc:spChg chg="add">
+          <ac:chgData name="Στέφανος Γκαραβέλας" userId="1dfd7f32ed7c415a" providerId="LiveId" clId="{4DE1247C-D552-4901-9F84-2C1136679DD0}" dt="2025-05-24T13:36:26.541" v="272" actId="26606"/>
+          <ac:spMkLst>
+            <pc:docMk/>
+            <pc:sldMk cId="777704071" sldId="257"/>
+            <ac:spMk id="15" creationId="{081EA652-8C6A-4E69-BEB9-170809474553}"/>
+          </ac:spMkLst>
+        </pc:spChg>
+        <pc:spChg chg="add">
+          <ac:chgData name="Στέφανος Γκαραβέλας" userId="1dfd7f32ed7c415a" providerId="LiveId" clId="{4DE1247C-D552-4901-9F84-2C1136679DD0}" dt="2025-05-24T13:36:26.541" v="272" actId="26606"/>
+          <ac:spMkLst>
+            <pc:docMk/>
+            <pc:sldMk cId="777704071" sldId="257"/>
+            <ac:spMk id="17" creationId="{5298780A-33B9-4EA2-8F67-DE68AD62841B}"/>
+          </ac:spMkLst>
+        </pc:spChg>
+        <pc:spChg chg="add del">
+          <ac:chgData name="Στέφανος Γκαραβέλας" userId="1dfd7f32ed7c415a" providerId="LiveId" clId="{4DE1247C-D552-4901-9F84-2C1136679DD0}" dt="2025-05-24T13:35:31.165" v="259" actId="26606"/>
+          <ac:spMkLst>
+            <pc:docMk/>
+            <pc:sldMk cId="777704071" sldId="257"/>
+            <ac:spMk id="18" creationId="{508BEF50-7B1E-49A4-BC19-5F4F1D755E64}"/>
+          </ac:spMkLst>
+        </pc:spChg>
+        <pc:spChg chg="add del">
+          <ac:chgData name="Στέφανος Γκαραβέλας" userId="1dfd7f32ed7c415a" providerId="LiveId" clId="{4DE1247C-D552-4901-9F84-2C1136679DD0}" dt="2025-05-24T13:35:59.564" v="265" actId="26606"/>
+          <ac:spMkLst>
+            <pc:docMk/>
+            <pc:sldMk cId="777704071" sldId="257"/>
+            <ac:spMk id="19" creationId="{BC4C4868-CB8F-4AF9-9CDB-8108F2C19B67}"/>
+          </ac:spMkLst>
+        </pc:spChg>
+        <pc:spChg chg="add del">
+          <ac:chgData name="Στέφανος Γκαραβέλας" userId="1dfd7f32ed7c415a" providerId="LiveId" clId="{4DE1247C-D552-4901-9F84-2C1136679DD0}" dt="2025-05-24T13:35:31.165" v="259" actId="26606"/>
+          <ac:spMkLst>
+            <pc:docMk/>
+            <pc:sldMk cId="777704071" sldId="257"/>
+            <ac:spMk id="20" creationId="{3FBAD350-5664-4811-A208-657FB882D350}"/>
+          </ac:spMkLst>
+        </pc:spChg>
+        <pc:spChg chg="add del">
+          <ac:chgData name="Στέφανος Γκαραβέλας" userId="1dfd7f32ed7c415a" providerId="LiveId" clId="{4DE1247C-D552-4901-9F84-2C1136679DD0}" dt="2025-05-24T13:35:59.564" v="265" actId="26606"/>
+          <ac:spMkLst>
+            <pc:docMk/>
+            <pc:sldMk cId="777704071" sldId="257"/>
+            <ac:spMk id="21" creationId="{375E0459-6403-40CD-989D-56A4407CA12E}"/>
+          </ac:spMkLst>
+        </pc:spChg>
+        <pc:spChg chg="add del">
+          <ac:chgData name="Στέφανος Γκαραβέλας" userId="1dfd7f32ed7c415a" providerId="LiveId" clId="{4DE1247C-D552-4901-9F84-2C1136679DD0}" dt="2025-05-24T13:35:31.165" v="259" actId="26606"/>
+          <ac:spMkLst>
+            <pc:docMk/>
+            <pc:sldMk cId="777704071" sldId="257"/>
+            <ac:spMk id="22" creationId="{C39ADB8F-D187-49D7-BDCF-C1B6DC727068}"/>
+          </ac:spMkLst>
+        </pc:spChg>
+        <pc:spChg chg="add del">
+          <ac:chgData name="Στέφανος Γκαραβέλας" userId="1dfd7f32ed7c415a" providerId="LiveId" clId="{4DE1247C-D552-4901-9F84-2C1136679DD0}" dt="2025-05-24T13:35:59.564" v="265" actId="26606"/>
+          <ac:spMkLst>
+            <pc:docMk/>
+            <pc:sldMk cId="777704071" sldId="257"/>
+            <ac:spMk id="23" creationId="{53E5B1A8-3AC9-4BD1-9BBC-78CA94F2D1BA}"/>
+          </ac:spMkLst>
+        </pc:spChg>
+        <pc:spChg chg="add del">
+          <ac:chgData name="Στέφανος Γκαραβέλας" userId="1dfd7f32ed7c415a" providerId="LiveId" clId="{4DE1247C-D552-4901-9F84-2C1136679DD0}" dt="2025-05-24T13:36:15.918" v="269" actId="26606"/>
+          <ac:spMkLst>
+            <pc:docMk/>
+            <pc:sldMk cId="777704071" sldId="257"/>
+            <ac:spMk id="24" creationId="{BD92035A-AA2F-4CD8-A556-1CE8BDEC75BD}"/>
+          </ac:spMkLst>
+        </pc:spChg>
+        <pc:spChg chg="add del">
+          <ac:chgData name="Στέφανος Γκαραβέλας" userId="1dfd7f32ed7c415a" providerId="LiveId" clId="{4DE1247C-D552-4901-9F84-2C1136679DD0}" dt="2025-05-24T13:36:15.918" v="269" actId="26606"/>
+          <ac:spMkLst>
+            <pc:docMk/>
+            <pc:sldMk cId="777704071" sldId="257"/>
+            <ac:spMk id="25" creationId="{ED888B23-07FA-482A-96DF-47E31AF1A603}"/>
+          </ac:spMkLst>
+        </pc:spChg>
+        <pc:spChg chg="add">
+          <ac:chgData name="Στέφανος Γκαραβέλας" userId="1dfd7f32ed7c415a" providerId="LiveId" clId="{4DE1247C-D552-4901-9F84-2C1136679DD0}" dt="2025-05-24T13:36:26.541" v="272" actId="26606"/>
+          <ac:spMkLst>
+            <pc:docMk/>
+            <pc:sldMk cId="777704071" sldId="257"/>
+            <ac:spMk id="26" creationId="{7F488E8B-4E1E-4402-8935-D4E6C02615C7}"/>
+          </ac:spMkLst>
+        </pc:spChg>
+        <pc:grpChg chg="add del">
+          <ac:chgData name="Στέφανος Γκαραβέλας" userId="1dfd7f32ed7c415a" providerId="LiveId" clId="{4DE1247C-D552-4901-9F84-2C1136679DD0}" dt="2025-05-24T13:35:45.707" v="261" actId="26606"/>
+          <ac:grpSpMkLst>
+            <pc:docMk/>
+            <pc:sldMk cId="777704071" sldId="257"/>
+            <ac:grpSpMk id="6" creationId="{D1E3DD61-64DB-46AD-B249-E273CD86B051}"/>
+          </ac:grpSpMkLst>
+        </pc:grpChg>
+        <pc:grpChg chg="add del">
+          <ac:chgData name="Στέφανος Γκαραβέλας" userId="1dfd7f32ed7c415a" providerId="LiveId" clId="{4DE1247C-D552-4901-9F84-2C1136679DD0}" dt="2025-05-24T13:36:15.918" v="269" actId="26606"/>
+          <ac:grpSpMkLst>
+            <pc:docMk/>
+            <pc:sldMk cId="777704071" sldId="257"/>
+            <ac:grpSpMk id="13" creationId="{5D1A9D8B-3117-4D9D-BDA4-DD81895098B0}"/>
+          </ac:grpSpMkLst>
+        </pc:grpChg>
+        <pc:cxnChg chg="add del">
+          <ac:chgData name="Στέφανος Γκαραβέλας" userId="1dfd7f32ed7c415a" providerId="LiveId" clId="{4DE1247C-D552-4901-9F84-2C1136679DD0}" dt="2025-05-24T13:35:31.165" v="259" actId="26606"/>
+          <ac:cxnSpMkLst>
+            <pc:docMk/>
+            <pc:sldMk cId="777704071" sldId="257"/>
+            <ac:cxnSpMk id="16" creationId="{56020367-4FD5-4596-8E10-C5F095CD8DBF}"/>
+          </ac:cxnSpMkLst>
+        </pc:cxnChg>
+        <pc:cxnChg chg="add">
+          <ac:chgData name="Στέφανος Γκαραβέλας" userId="1dfd7f32ed7c415a" providerId="LiveId" clId="{4DE1247C-D552-4901-9F84-2C1136679DD0}" dt="2025-05-24T13:36:26.541" v="272" actId="26606"/>
+          <ac:cxnSpMkLst>
+            <pc:docMk/>
+            <pc:sldMk cId="777704071" sldId="257"/>
+            <ac:cxnSpMk id="27" creationId="{23AAC9B5-8015-485C-ACF9-A750390E9A56}"/>
+          </ac:cxnSpMkLst>
+        </pc:cxnChg>
+      </pc:sldChg>
+      <pc:sldChg chg="addSp delSp modSp del mod setBg">
+        <pc:chgData name="Στέφανος Γκαραβέλας" userId="1dfd7f32ed7c415a" providerId="LiveId" clId="{4DE1247C-D552-4901-9F84-2C1136679DD0}" dt="2025-05-24T14:01:11.383" v="2855" actId="47"/>
+        <pc:sldMkLst>
+          <pc:docMk/>
+          <pc:sldMk cId="867469060" sldId="258"/>
+        </pc:sldMkLst>
+        <pc:spChg chg="mod">
+          <ac:chgData name="Στέφανος Γκαραβέλας" userId="1dfd7f32ed7c415a" providerId="LiveId" clId="{4DE1247C-D552-4901-9F84-2C1136679DD0}" dt="2025-05-24T13:53:28.910" v="2843" actId="21"/>
+          <ac:spMkLst>
+            <pc:docMk/>
+            <pc:sldMk cId="867469060" sldId="258"/>
+            <ac:spMk id="2" creationId="{83E9F910-74CD-AB33-2E1B-4AD8F817FC78}"/>
+          </ac:spMkLst>
+        </pc:spChg>
+        <pc:spChg chg="del mod">
+          <ac:chgData name="Στέφανος Γκαραβέλας" userId="1dfd7f32ed7c415a" providerId="LiveId" clId="{4DE1247C-D552-4901-9F84-2C1136679DD0}" dt="2025-05-24T13:45:23.372" v="2474" actId="26606"/>
+          <ac:spMkLst>
+            <pc:docMk/>
+            <pc:sldMk cId="867469060" sldId="258"/>
+            <ac:spMk id="3" creationId="{B9E22BED-4507-919E-F3D0-E116D114B074}"/>
+          </ac:spMkLst>
+        </pc:spChg>
+        <pc:spChg chg="add">
+          <ac:chgData name="Στέφανος Γκαραβέλας" userId="1dfd7f32ed7c415a" providerId="LiveId" clId="{4DE1247C-D552-4901-9F84-2C1136679DD0}" dt="2025-05-24T13:45:23.372" v="2474" actId="26606"/>
+          <ac:spMkLst>
+            <pc:docMk/>
+            <pc:sldMk cId="867469060" sldId="258"/>
+            <ac:spMk id="8" creationId="{577D6B2E-37A3-429E-A37C-F30ED6487282}"/>
+          </ac:spMkLst>
+        </pc:spChg>
+        <pc:spChg chg="add">
+          <ac:chgData name="Στέφανος Γκαραβέλας" userId="1dfd7f32ed7c415a" providerId="LiveId" clId="{4DE1247C-D552-4901-9F84-2C1136679DD0}" dt="2025-05-24T13:45:23.372" v="2474" actId="26606"/>
+          <ac:spMkLst>
+            <pc:docMk/>
+            <pc:sldMk cId="867469060" sldId="258"/>
+            <ac:spMk id="10" creationId="{5CEAD642-85CF-4750-8432-7C80C901F001}"/>
+          </ac:spMkLst>
+        </pc:spChg>
+        <pc:spChg chg="add">
+          <ac:chgData name="Στέφανος Γκαραβέλας" userId="1dfd7f32ed7c415a" providerId="LiveId" clId="{4DE1247C-D552-4901-9F84-2C1136679DD0}" dt="2025-05-24T13:45:23.372" v="2474" actId="26606"/>
+          <ac:spMkLst>
+            <pc:docMk/>
+            <pc:sldMk cId="867469060" sldId="258"/>
+            <ac:spMk id="12" creationId="{FA33EEAE-15D5-4119-8C1E-89D943F911EF}"/>
+          </ac:spMkLst>
+        </pc:spChg>
+        <pc:spChg chg="add">
+          <ac:chgData name="Στέφανος Γκαραβέλας" userId="1dfd7f32ed7c415a" providerId="LiveId" clId="{4DE1247C-D552-4901-9F84-2C1136679DD0}" dt="2025-05-24T13:45:23.372" v="2474" actId="26606"/>
+          <ac:spMkLst>
+            <pc:docMk/>
+            <pc:sldMk cId="867469060" sldId="258"/>
+            <ac:spMk id="14" creationId="{730D8B3B-9B80-4025-B934-26DC7D7CD231}"/>
+          </ac:spMkLst>
+        </pc:spChg>
+        <pc:spChg chg="add">
+          <ac:chgData name="Στέφανος Γκαραβέλας" userId="1dfd7f32ed7c415a" providerId="LiveId" clId="{4DE1247C-D552-4901-9F84-2C1136679DD0}" dt="2025-05-24T13:45:23.372" v="2474" actId="26606"/>
+          <ac:spMkLst>
+            <pc:docMk/>
+            <pc:sldMk cId="867469060" sldId="258"/>
+            <ac:spMk id="16" creationId="{1064D5D5-227B-4F66-9AEA-46F570E793BD}"/>
+          </ac:spMkLst>
+        </pc:spChg>
+        <pc:spChg chg="add">
+          <ac:chgData name="Στέφανος Γκαραβέλας" userId="1dfd7f32ed7c415a" providerId="LiveId" clId="{4DE1247C-D552-4901-9F84-2C1136679DD0}" dt="2025-05-24T13:45:23.372" v="2474" actId="26606"/>
+          <ac:spMkLst>
+            <pc:docMk/>
+            <pc:sldMk cId="867469060" sldId="258"/>
+            <ac:spMk id="18" creationId="{646B67A4-D328-4747-A82B-65E84FA46368}"/>
+          </ac:spMkLst>
+        </pc:spChg>
+        <pc:spChg chg="add">
+          <ac:chgData name="Στέφανος Γκαραβέλας" userId="1dfd7f32ed7c415a" providerId="LiveId" clId="{4DE1247C-D552-4901-9F84-2C1136679DD0}" dt="2025-05-24T13:45:23.372" v="2474" actId="26606"/>
+          <ac:spMkLst>
+            <pc:docMk/>
+            <pc:sldMk cId="867469060" sldId="258"/>
+            <ac:spMk id="20" creationId="{B5A1B09C-1565-46F8-B70F-621C5EB48A09}"/>
+          </ac:spMkLst>
+        </pc:spChg>
+        <pc:spChg chg="add">
+          <ac:chgData name="Στέφανος Γκαραβέλας" userId="1dfd7f32ed7c415a" providerId="LiveId" clId="{4DE1247C-D552-4901-9F84-2C1136679DD0}" dt="2025-05-24T13:45:23.372" v="2474" actId="26606"/>
+          <ac:spMkLst>
+            <pc:docMk/>
+            <pc:sldMk cId="867469060" sldId="258"/>
+            <ac:spMk id="22" creationId="{8C516CC8-80AC-446C-A56E-9F54B7210402}"/>
+          </ac:spMkLst>
+        </pc:spChg>
+      </pc:sldChg>
+      <pc:sldChg chg="addSp delSp modSp mod modTransition setBg">
+        <pc:chgData name="Στέφανος Γκαραβέλας" userId="1dfd7f32ed7c415a" providerId="LiveId" clId="{4DE1247C-D552-4901-9F84-2C1136679DD0}" dt="2025-05-24T17:23:21.410" v="6368"/>
+        <pc:sldMkLst>
+          <pc:docMk/>
+          <pc:sldMk cId="2188704089" sldId="259"/>
+        </pc:sldMkLst>
+        <pc:spChg chg="mod">
+          <ac:chgData name="Στέφανος Γκαραβέλας" userId="1dfd7f32ed7c415a" providerId="LiveId" clId="{4DE1247C-D552-4901-9F84-2C1136679DD0}" dt="2025-05-24T15:59:53.773" v="5006" actId="255"/>
+          <ac:spMkLst>
+            <pc:docMk/>
+            <pc:sldMk cId="2188704089" sldId="259"/>
+            <ac:spMk id="2" creationId="{53D0D8DC-2B3B-1086-2EC1-692D2FB00393}"/>
+          </ac:spMkLst>
+        </pc:spChg>
+        <pc:spChg chg="add del mod">
+          <ac:chgData name="Στέφανος Γκαραβέλας" userId="1dfd7f32ed7c415a" providerId="LiveId" clId="{4DE1247C-D552-4901-9F84-2C1136679DD0}" dt="2025-05-24T15:58:58.609" v="4998" actId="403"/>
+          <ac:spMkLst>
+            <pc:docMk/>
+            <pc:sldMk cId="2188704089" sldId="259"/>
+            <ac:spMk id="3" creationId="{0E5A61B3-8BBE-F48A-FF5D-9C86E18FD326}"/>
+          </ac:spMkLst>
+        </pc:spChg>
+        <pc:spChg chg="add del mod">
+          <ac:chgData name="Στέφανος Γκαραβέλας" userId="1dfd7f32ed7c415a" providerId="LiveId" clId="{4DE1247C-D552-4901-9F84-2C1136679DD0}" dt="2025-05-24T14:35:34.824" v="4278"/>
+          <ac:spMkLst>
+            <pc:docMk/>
+            <pc:sldMk cId="2188704089" sldId="259"/>
+            <ac:spMk id="4" creationId="{E780FA27-21F3-6073-148D-41D1A7EFB629}"/>
+          </ac:spMkLst>
+        </pc:spChg>
+        <pc:spChg chg="add">
+          <ac:chgData name="Στέφανος Γκαραβέλας" userId="1dfd7f32ed7c415a" providerId="LiveId" clId="{4DE1247C-D552-4901-9F84-2C1136679DD0}" dt="2025-05-24T14:18:24.629" v="3591" actId="26606"/>
+          <ac:spMkLst>
+            <pc:docMk/>
+            <pc:sldMk cId="2188704089" sldId="259"/>
+            <ac:spMk id="8" creationId="{3AD318CC-E2A8-4E27-9548-A047A78999B1}"/>
+          </ac:spMkLst>
+        </pc:spChg>
+        <pc:spChg chg="add">
+          <ac:chgData name="Στέφανος Γκαραβέλας" userId="1dfd7f32ed7c415a" providerId="LiveId" clId="{4DE1247C-D552-4901-9F84-2C1136679DD0}" dt="2025-05-24T14:18:24.629" v="3591" actId="26606"/>
+          <ac:spMkLst>
+            <pc:docMk/>
+            <pc:sldMk cId="2188704089" sldId="259"/>
+            <ac:spMk id="14" creationId="{2C1BBA94-3F40-40AA-8BB9-E69E25E537C1}"/>
+          </ac:spMkLst>
+        </pc:spChg>
+        <pc:grpChg chg="add">
+          <ac:chgData name="Στέφανος Γκαραβέλας" userId="1dfd7f32ed7c415a" providerId="LiveId" clId="{4DE1247C-D552-4901-9F84-2C1136679DD0}" dt="2025-05-24T14:18:24.629" v="3591" actId="26606"/>
+          <ac:grpSpMkLst>
+            <pc:docMk/>
+            <pc:sldMk cId="2188704089" sldId="259"/>
+            <ac:grpSpMk id="10" creationId="{B14B560F-9DD7-4302-A60B-EBD3EF59B073}"/>
+          </ac:grpSpMkLst>
+        </pc:grpChg>
+        <pc:graphicFrameChg chg="add del">
+          <ac:chgData name="Στέφανος Γκαραβέλας" userId="1dfd7f32ed7c415a" providerId="LiveId" clId="{4DE1247C-D552-4901-9F84-2C1136679DD0}" dt="2025-05-24T14:49:26.370" v="4436" actId="478"/>
+          <ac:graphicFrameMkLst>
+            <pc:docMk/>
+            <pc:sldMk cId="2188704089" sldId="259"/>
+            <ac:graphicFrameMk id="7" creationId="{72345377-C4CA-2CD6-375D-3E99725F81BF}"/>
+          </ac:graphicFrameMkLst>
+        </pc:graphicFrameChg>
+        <pc:picChg chg="add mod">
+          <ac:chgData name="Στέφανος Γκαραβέλας" userId="1dfd7f32ed7c415a" providerId="LiveId" clId="{4DE1247C-D552-4901-9F84-2C1136679DD0}" dt="2025-05-24T14:33:14.477" v="4204" actId="931"/>
+          <ac:picMkLst>
+            <pc:docMk/>
+            <pc:sldMk cId="2188704089" sldId="259"/>
+            <ac:picMk id="6" creationId="{D91A7AB2-1EE3-82FF-927B-85331C275B2B}"/>
+          </ac:picMkLst>
+        </pc:picChg>
+      </pc:sldChg>
+      <pc:sldChg chg="addSp delSp modSp mod ord modTransition setBg">
+        <pc:chgData name="Στέφανος Γκαραβέλας" userId="1dfd7f32ed7c415a" providerId="LiveId" clId="{4DE1247C-D552-4901-9F84-2C1136679DD0}" dt="2025-05-24T17:23:11.255" v="6367"/>
+        <pc:sldMkLst>
+          <pc:docMk/>
+          <pc:sldMk cId="3582452232" sldId="260"/>
+        </pc:sldMkLst>
+        <pc:spChg chg="mod ord">
+          <ac:chgData name="Στέφανος Γκαραβέλας" userId="1dfd7f32ed7c415a" providerId="LiveId" clId="{4DE1247C-D552-4901-9F84-2C1136679DD0}" dt="2025-05-24T17:06:21.247" v="6131" actId="20577"/>
+          <ac:spMkLst>
+            <pc:docMk/>
+            <pc:sldMk cId="3582452232" sldId="260"/>
+            <ac:spMk id="2" creationId="{CA204F78-2184-1CC4-EF21-D70233A1343B}"/>
+          </ac:spMkLst>
+        </pc:spChg>
+        <pc:spChg chg="add del mod">
+          <ac:chgData name="Στέφανος Γκαραβέλας" userId="1dfd7f32ed7c415a" providerId="LiveId" clId="{4DE1247C-D552-4901-9F84-2C1136679DD0}" dt="2025-05-24T17:07:51.297" v="6199" actId="20577"/>
+          <ac:spMkLst>
+            <pc:docMk/>
+            <pc:sldMk cId="3582452232" sldId="260"/>
+            <ac:spMk id="3" creationId="{78063056-3CC3-CB34-221E-1580E161E049}"/>
+          </ac:spMkLst>
+        </pc:spChg>
+        <pc:spChg chg="add del mod">
+          <ac:chgData name="Στέφανος Γκαραβέλας" userId="1dfd7f32ed7c415a" providerId="LiveId" clId="{4DE1247C-D552-4901-9F84-2C1136679DD0}" dt="2025-05-24T15:20:16.797" v="4623" actId="12084"/>
+          <ac:spMkLst>
+            <pc:docMk/>
+            <pc:sldMk cId="3582452232" sldId="260"/>
+            <ac:spMk id="5" creationId="{952D702B-4219-E79F-F8A4-FB90DD7BF40E}"/>
+          </ac:spMkLst>
+        </pc:spChg>
+        <pc:spChg chg="add del mod">
+          <ac:chgData name="Στέφανος Γκαραβέλας" userId="1dfd7f32ed7c415a" providerId="LiveId" clId="{4DE1247C-D552-4901-9F84-2C1136679DD0}" dt="2025-05-24T15:21:14.758" v="4630"/>
+          <ac:spMkLst>
+            <pc:docMk/>
+            <pc:sldMk cId="3582452232" sldId="260"/>
+            <ac:spMk id="7" creationId="{4BD07568-F8E3-1A37-0ECE-4CC0F506C286}"/>
+          </ac:spMkLst>
+        </pc:spChg>
+        <pc:spChg chg="add">
+          <ac:chgData name="Στέφανος Γκαραβέλας" userId="1dfd7f32ed7c415a" providerId="LiveId" clId="{4DE1247C-D552-4901-9F84-2C1136679DD0}" dt="2025-05-24T14:51:08.681" v="4443" actId="26606"/>
+          <ac:spMkLst>
+            <pc:docMk/>
+            <pc:sldMk cId="3582452232" sldId="260"/>
+            <ac:spMk id="8" creationId="{8B9AA7C6-5E5A-498E-A6DF-A943376E09BC}"/>
+          </ac:spMkLst>
+        </pc:spChg>
+        <pc:spChg chg="add del mod">
+          <ac:chgData name="Στέφανος Γκαραβέλας" userId="1dfd7f32ed7c415a" providerId="LiveId" clId="{4DE1247C-D552-4901-9F84-2C1136679DD0}" dt="2025-05-24T15:21:45.764" v="4634" actId="12084"/>
+          <ac:spMkLst>
+            <pc:docMk/>
+            <pc:sldMk cId="3582452232" sldId="260"/>
+            <ac:spMk id="9" creationId="{1BD774BA-4E07-5517-5371-7A47024BC898}"/>
+          </ac:spMkLst>
+        </pc:spChg>
+        <pc:spChg chg="add">
+          <ac:chgData name="Στέφανος Γκαραβέλας" userId="1dfd7f32ed7c415a" providerId="LiveId" clId="{4DE1247C-D552-4901-9F84-2C1136679DD0}" dt="2025-05-24T14:51:08.681" v="4443" actId="26606"/>
+          <ac:spMkLst>
+            <pc:docMk/>
+            <pc:sldMk cId="3582452232" sldId="260"/>
+            <ac:spMk id="14" creationId="{81E140AE-0ABF-47C8-BF32-7D2F0CF2BA44}"/>
+          </ac:spMkLst>
+        </pc:spChg>
+        <pc:spChg chg="add">
+          <ac:chgData name="Στέφανος Γκαραβέλας" userId="1dfd7f32ed7c415a" providerId="LiveId" clId="{4DE1247C-D552-4901-9F84-2C1136679DD0}" dt="2025-05-24T14:51:08.681" v="4443" actId="26606"/>
+          <ac:spMkLst>
+            <pc:docMk/>
+            <pc:sldMk cId="3582452232" sldId="260"/>
+            <ac:spMk id="16" creationId="{CBC4F608-B4B8-48C3-9572-C0F061B1CD99}"/>
+          </ac:spMkLst>
+        </pc:spChg>
+        <pc:grpChg chg="add">
+          <ac:chgData name="Στέφανος Γκαραβέλας" userId="1dfd7f32ed7c415a" providerId="LiveId" clId="{4DE1247C-D552-4901-9F84-2C1136679DD0}" dt="2025-05-24T14:51:08.681" v="4443" actId="26606"/>
+          <ac:grpSpMkLst>
+            <pc:docMk/>
+            <pc:sldMk cId="3582452232" sldId="260"/>
+            <ac:grpSpMk id="10" creationId="{83EAB11A-76F7-48F4-9B4F-5BFDF4BF9670}"/>
+          </ac:grpSpMkLst>
+        </pc:grpChg>
+        <pc:graphicFrameChg chg="add mod">
+          <ac:chgData name="Στέφανος Γκαραβέλας" userId="1dfd7f32ed7c415a" providerId="LiveId" clId="{4DE1247C-D552-4901-9F84-2C1136679DD0}" dt="2025-05-24T15:19:26.762" v="4618" actId="12084"/>
+          <ac:graphicFrameMkLst>
+            <pc:docMk/>
+            <pc:sldMk cId="3582452232" sldId="260"/>
+            <ac:graphicFrameMk id="4" creationId="{D9788663-53CC-1E15-7760-1C54052E433B}"/>
+          </ac:graphicFrameMkLst>
+        </pc:graphicFrameChg>
+        <pc:graphicFrameChg chg="add del mod">
+          <ac:chgData name="Στέφανος Γκαραβέλας" userId="1dfd7f32ed7c415a" providerId="LiveId" clId="{4DE1247C-D552-4901-9F84-2C1136679DD0}" dt="2025-05-24T15:20:45.827" v="4627" actId="478"/>
+          <ac:graphicFrameMkLst>
+            <pc:docMk/>
+            <pc:sldMk cId="3582452232" sldId="260"/>
+            <ac:graphicFrameMk id="6" creationId="{7341997A-CE71-5C6C-9215-8D521931D752}"/>
+          </ac:graphicFrameMkLst>
+        </pc:graphicFrameChg>
+        <pc:graphicFrameChg chg="add mod modGraphic">
+          <ac:chgData name="Στέφανος Γκαραβέλας" userId="1dfd7f32ed7c415a" providerId="LiveId" clId="{4DE1247C-D552-4901-9F84-2C1136679DD0}" dt="2025-05-24T15:36:43.220" v="4817" actId="20577"/>
+          <ac:graphicFrameMkLst>
+            <pc:docMk/>
+            <pc:sldMk cId="3582452232" sldId="260"/>
+            <ac:graphicFrameMk id="13" creationId="{D1179051-DA69-025E-ACDF-0B379576FA0D}"/>
+          </ac:graphicFrameMkLst>
+        </pc:graphicFrameChg>
+      </pc:sldChg>
+      <pc:sldChg chg="delSp add del setBg delDesignElem">
+        <pc:chgData name="Στέφανος Γκαραβέλας" userId="1dfd7f32ed7c415a" providerId="LiveId" clId="{4DE1247C-D552-4901-9F84-2C1136679DD0}" dt="2025-05-24T13:36:18.476" v="271" actId="47"/>
+        <pc:sldMkLst>
+          <pc:docMk/>
+          <pc:sldMk cId="1659928434" sldId="261"/>
+        </pc:sldMkLst>
+        <pc:spChg chg="del">
+          <ac:chgData name="Στέφανος Γκαραβέλας" userId="1dfd7f32ed7c415a" providerId="LiveId" clId="{4DE1247C-D552-4901-9F84-2C1136679DD0}" dt="2025-05-24T13:30:09.522" v="21"/>
+          <ac:spMkLst>
+            <pc:docMk/>
+            <pc:sldMk cId="1659928434" sldId="261"/>
+            <ac:spMk id="14" creationId="{F6CB85B8-CA7C-EB73-2F87-FBC0CF326F1E}"/>
+          </ac:spMkLst>
+        </pc:spChg>
+        <pc:grpChg chg="del">
+          <ac:chgData name="Στέφανος Γκαραβέλας" userId="1dfd7f32ed7c415a" providerId="LiveId" clId="{4DE1247C-D552-4901-9F84-2C1136679DD0}" dt="2025-05-24T13:30:09.522" v="21"/>
+          <ac:grpSpMkLst>
+            <pc:docMk/>
+            <pc:sldMk cId="1659928434" sldId="261"/>
+            <ac:grpSpMk id="16" creationId="{4B1419D2-E577-C403-B386-59BC74701549}"/>
+          </ac:grpSpMkLst>
+        </pc:grpChg>
+        <pc:grpChg chg="del">
+          <ac:chgData name="Στέφανος Γκαραβέλας" userId="1dfd7f32ed7c415a" providerId="LiveId" clId="{4DE1247C-D552-4901-9F84-2C1136679DD0}" dt="2025-05-24T13:30:09.522" v="21"/>
+          <ac:grpSpMkLst>
+            <pc:docMk/>
+            <pc:sldMk cId="1659928434" sldId="261"/>
+            <ac:grpSpMk id="20" creationId="{24C6558C-1794-27C6-8E69-7EF0BD46DFE8}"/>
+          </ac:grpSpMkLst>
+        </pc:grpChg>
+        <pc:grpChg chg="del">
+          <ac:chgData name="Στέφανος Γκαραβέλας" userId="1dfd7f32ed7c415a" providerId="LiveId" clId="{4DE1247C-D552-4901-9F84-2C1136679DD0}" dt="2025-05-24T13:30:09.522" v="21"/>
+          <ac:grpSpMkLst>
+            <pc:docMk/>
+            <pc:sldMk cId="1659928434" sldId="261"/>
+            <ac:grpSpMk id="24" creationId="{3A2A2402-F4ED-5CE0-243D-D7EA62178DD1}"/>
+          </ac:grpSpMkLst>
+        </pc:grpChg>
+      </pc:sldChg>
+      <pc:sldChg chg="addSp delSp modSp new mod modTransition setBg">
+        <pc:chgData name="Στέφανος Γκαραβέλας" userId="1dfd7f32ed7c415a" providerId="LiveId" clId="{4DE1247C-D552-4901-9F84-2C1136679DD0}" dt="2025-05-24T17:16:07.591" v="6333" actId="26606"/>
+        <pc:sldMkLst>
+          <pc:docMk/>
+          <pc:sldMk cId="4047474215" sldId="261"/>
+        </pc:sldMkLst>
+        <pc:spChg chg="mod">
+          <ac:chgData name="Στέφανος Γκαραβέλας" userId="1dfd7f32ed7c415a" providerId="LiveId" clId="{4DE1247C-D552-4901-9F84-2C1136679DD0}" dt="2025-05-24T17:16:07.591" v="6333" actId="26606"/>
+          <ac:spMkLst>
+            <pc:docMk/>
+            <pc:sldMk cId="4047474215" sldId="261"/>
+            <ac:spMk id="2" creationId="{88EE41FA-F130-B163-7938-0CB363D0C25D}"/>
+          </ac:spMkLst>
+        </pc:spChg>
+        <pc:spChg chg="del mod">
+          <ac:chgData name="Στέφανος Γκαραβέλας" userId="1dfd7f32ed7c415a" providerId="LiveId" clId="{4DE1247C-D552-4901-9F84-2C1136679DD0}" dt="2025-05-24T13:49:21.777" v="2817" actId="26606"/>
+          <ac:spMkLst>
+            <pc:docMk/>
+            <pc:sldMk cId="4047474215" sldId="261"/>
+            <ac:spMk id="3" creationId="{4373BA45-399E-E3FB-B75D-732322F56C30}"/>
+          </ac:spMkLst>
+        </pc:spChg>
+        <pc:spChg chg="add del mod">
+          <ac:chgData name="Στέφανος Γκαραβέλας" userId="1dfd7f32ed7c415a" providerId="LiveId" clId="{4DE1247C-D552-4901-9F84-2C1136679DD0}" dt="2025-05-24T13:50:08.503" v="2825"/>
+          <ac:spMkLst>
+            <pc:docMk/>
+            <pc:sldMk cId="4047474215" sldId="261"/>
+            <ac:spMk id="4" creationId="{1510AC2E-A5E4-29DF-B545-32C1BDBC2ED7}"/>
+          </ac:spMkLst>
+        </pc:spChg>
+        <pc:spChg chg="add del">
+          <ac:chgData name="Στέφανος Γκαραβέλας" userId="1dfd7f32ed7c415a" providerId="LiveId" clId="{4DE1247C-D552-4901-9F84-2C1136679DD0}" dt="2025-05-24T17:16:07.591" v="6333" actId="26606"/>
+          <ac:spMkLst>
+            <pc:docMk/>
+            <pc:sldMk cId="4047474215" sldId="261"/>
+            <ac:spMk id="5" creationId="{8E2CC403-21CD-41DF-BAC4-329D7FF03C5C}"/>
+          </ac:spMkLst>
+        </pc:spChg>
+        <pc:spChg chg="add del">
+          <ac:chgData name="Στέφανος Γκαραβέλας" userId="1dfd7f32ed7c415a" providerId="LiveId" clId="{4DE1247C-D552-4901-9F84-2C1136679DD0}" dt="2025-05-24T13:48:56.506" v="2816" actId="26606"/>
+          <ac:spMkLst>
+            <pc:docMk/>
+            <pc:sldMk cId="4047474215" sldId="261"/>
+            <ac:spMk id="8" creationId="{C2554CA6-288E-4202-BC52-2E5A8F0C0AED}"/>
+          </ac:spMkLst>
+        </pc:spChg>
+        <pc:spChg chg="add del mod">
+          <ac:chgData name="Στέφανος Γκαραβέλας" userId="1dfd7f32ed7c415a" providerId="LiveId" clId="{4DE1247C-D552-4901-9F84-2C1136679DD0}" dt="2025-05-24T13:50:52.386" v="2832"/>
+          <ac:spMkLst>
+            <pc:docMk/>
+            <pc:sldMk cId="4047474215" sldId="261"/>
+            <ac:spMk id="9" creationId="{63C57A7F-F83F-9473-FF92-78A7AC79510C}"/>
+          </ac:spMkLst>
+        </pc:spChg>
+        <pc:spChg chg="add del">
+          <ac:chgData name="Στέφανος Γκαραβέλας" userId="1dfd7f32ed7c415a" providerId="LiveId" clId="{4DE1247C-D552-4901-9F84-2C1136679DD0}" dt="2025-05-24T13:48:56.506" v="2816" actId="26606"/>
+          <ac:spMkLst>
+            <pc:docMk/>
+            <pc:sldMk cId="4047474215" sldId="261"/>
+            <ac:spMk id="10" creationId="{B10BB131-AC8E-4A8E-A5D1-36260F720C3B}"/>
+          </ac:spMkLst>
+        </pc:spChg>
+        <pc:spChg chg="add del">
+          <ac:chgData name="Στέφανος Γκαραβέλας" userId="1dfd7f32ed7c415a" providerId="LiveId" clId="{4DE1247C-D552-4901-9F84-2C1136679DD0}" dt="2025-05-24T13:48:56.506" v="2816" actId="26606"/>
+          <ac:spMkLst>
+            <pc:docMk/>
+            <pc:sldMk cId="4047474215" sldId="261"/>
+            <ac:spMk id="12" creationId="{5B7778FC-632E-4DCA-A7CB-0D7731CCF970}"/>
+          </ac:spMkLst>
+        </pc:spChg>
+        <pc:spChg chg="add del">
+          <ac:chgData name="Στέφανος Γκαραβέλας" userId="1dfd7f32ed7c415a" providerId="LiveId" clId="{4DE1247C-D552-4901-9F84-2C1136679DD0}" dt="2025-05-24T13:48:56.506" v="2816" actId="26606"/>
+          <ac:spMkLst>
+            <pc:docMk/>
+            <pc:sldMk cId="4047474215" sldId="261"/>
+            <ac:spMk id="14" creationId="{FA23A907-97FB-4A8F-880A-DD77401C4296}"/>
+          </ac:spMkLst>
+        </pc:spChg>
+        <pc:spChg chg="add del">
+          <ac:chgData name="Στέφανος Γκαραβέλας" userId="1dfd7f32ed7c415a" providerId="LiveId" clId="{4DE1247C-D552-4901-9F84-2C1136679DD0}" dt="2025-05-24T17:16:07.591" v="6333" actId="26606"/>
+          <ac:spMkLst>
+            <pc:docMk/>
+            <pc:sldMk cId="4047474215" sldId="261"/>
+            <ac:spMk id="15" creationId="{7653717E-6F8C-43E0-9893-C03AE87D18D6}"/>
+          </ac:spMkLst>
+        </pc:spChg>
+        <pc:spChg chg="add del">
+          <ac:chgData name="Στέφανος Γκαραβέλας" userId="1dfd7f32ed7c415a" providerId="LiveId" clId="{4DE1247C-D552-4901-9F84-2C1136679DD0}" dt="2025-05-24T17:16:07.591" v="6333" actId="26606"/>
+          <ac:spMkLst>
+            <pc:docMk/>
+            <pc:sldMk cId="4047474215" sldId="261"/>
+            <ac:spMk id="17" creationId="{35BB14B4-EC3F-47C7-9AF3-B0E017B75C42}"/>
+          </ac:spMkLst>
+        </pc:spChg>
+        <pc:spChg chg="add del mod">
+          <ac:chgData name="Στέφανος Γκαραβέλας" userId="1dfd7f32ed7c415a" providerId="LiveId" clId="{4DE1247C-D552-4901-9F84-2C1136679DD0}" dt="2025-05-24T13:50:52.384" v="2830" actId="478"/>
+          <ac:spMkLst>
+            <pc:docMk/>
+            <pc:sldMk cId="4047474215" sldId="261"/>
+            <ac:spMk id="18" creationId="{750FA96C-5236-31CF-E935-7417AF7C4B8C}"/>
+          </ac:spMkLst>
+        </pc:spChg>
+        <pc:spChg chg="add del">
+          <ac:chgData name="Στέφανος Γκαραβέλας" userId="1dfd7f32ed7c415a" providerId="LiveId" clId="{4DE1247C-D552-4901-9F84-2C1136679DD0}" dt="2025-05-24T13:48:53.464" v="2814" actId="26606"/>
+          <ac:spMkLst>
+            <pc:docMk/>
+            <pc:sldMk cId="4047474215" sldId="261"/>
+            <ac:spMk id="19" creationId="{87BF42CA-AD55-48B4-8949-C4DCA60A6AEE}"/>
+          </ac:spMkLst>
+        </pc:spChg>
+        <pc:spChg chg="add del mod">
+          <ac:chgData name="Στέφανος Γκαραβέλας" userId="1dfd7f32ed7c415a" providerId="LiveId" clId="{4DE1247C-D552-4901-9F84-2C1136679DD0}" dt="2025-05-24T13:51:26.423" v="2839" actId="478"/>
+          <ac:spMkLst>
+            <pc:docMk/>
+            <pc:sldMk cId="4047474215" sldId="261"/>
+            <ac:spMk id="20" creationId="{05F905EF-708E-3C80-7D5C-F1DBE2899256}"/>
+          </ac:spMkLst>
+        </pc:spChg>
+        <pc:spChg chg="add del">
+          <ac:chgData name="Στέφανος Γκαραβέλας" userId="1dfd7f32ed7c415a" providerId="LiveId" clId="{4DE1247C-D552-4901-9F84-2C1136679DD0}" dt="2025-05-24T13:48:53.464" v="2814" actId="26606"/>
+          <ac:spMkLst>
+            <pc:docMk/>
+            <pc:sldMk cId="4047474215" sldId="261"/>
+            <ac:spMk id="21" creationId="{66AE1D3D-3106-4CB2-AA7C-0C1642AC0F2E}"/>
+          </ac:spMkLst>
+        </pc:spChg>
+        <pc:spChg chg="add del mod">
+          <ac:chgData name="Στέφανος Γκαραβέλας" userId="1dfd7f32ed7c415a" providerId="LiveId" clId="{4DE1247C-D552-4901-9F84-2C1136679DD0}" dt="2025-05-24T13:52:55.899" v="2842"/>
+          <ac:spMkLst>
+            <pc:docMk/>
+            <pc:sldMk cId="4047474215" sldId="261"/>
+            <ac:spMk id="22" creationId="{886FAB0C-E17C-18A4-A5CE-0B64B747081E}"/>
+          </ac:spMkLst>
+        </pc:spChg>
+        <pc:spChg chg="add mod">
+          <ac:chgData name="Στέφανος Γκαραβέλας" userId="1dfd7f32ed7c415a" providerId="LiveId" clId="{4DE1247C-D552-4901-9F84-2C1136679DD0}" dt="2025-05-24T17:16:07.591" v="6333" actId="26606"/>
+          <ac:spMkLst>
+            <pc:docMk/>
+            <pc:sldMk cId="4047474215" sldId="261"/>
+            <ac:spMk id="29" creationId="{55E5EA2A-57BE-0D5F-8FF9-4FA1BAEB10C7}"/>
+          </ac:spMkLst>
+        </pc:spChg>
+        <pc:spChg chg="add del">
+          <ac:chgData name="Στέφανος Γκαραβέλας" userId="1dfd7f32ed7c415a" providerId="LiveId" clId="{4DE1247C-D552-4901-9F84-2C1136679DD0}" dt="2025-05-24T17:16:07.591" v="6333" actId="26606"/>
+          <ac:spMkLst>
+            <pc:docMk/>
+            <pc:sldMk cId="4047474215" sldId="261"/>
+            <ac:spMk id="32" creationId="{8E2CC403-21CD-41DF-BAC4-329D7FF03C5C}"/>
+          </ac:spMkLst>
+        </pc:spChg>
+        <pc:spChg chg="add del">
+          <ac:chgData name="Στέφανος Γκαραβέλας" userId="1dfd7f32ed7c415a" providerId="LiveId" clId="{4DE1247C-D552-4901-9F84-2C1136679DD0}" dt="2025-05-24T13:48:51.960" v="2812" actId="26606"/>
+          <ac:spMkLst>
+            <pc:docMk/>
+            <pc:sldMk cId="4047474215" sldId="261"/>
+            <ac:spMk id="33" creationId="{18873D23-2DCF-4B31-A009-95721C06E8E1}"/>
+          </ac:spMkLst>
+        </pc:spChg>
+        <pc:spChg chg="add del">
+          <ac:chgData name="Στέφανος Γκαραβέλας" userId="1dfd7f32ed7c415a" providerId="LiveId" clId="{4DE1247C-D552-4901-9F84-2C1136679DD0}" dt="2025-05-24T17:16:04.699" v="6331" actId="26606"/>
+          <ac:spMkLst>
+            <pc:docMk/>
+            <pc:sldMk cId="4047474215" sldId="261"/>
+            <ac:spMk id="34" creationId="{8E2CC403-21CD-41DF-BAC4-329D7FF03C5C}"/>
+          </ac:spMkLst>
+        </pc:spChg>
+        <pc:spChg chg="add del">
+          <ac:chgData name="Στέφανος Γκαραβέλας" userId="1dfd7f32ed7c415a" providerId="LiveId" clId="{4DE1247C-D552-4901-9F84-2C1136679DD0}" dt="2025-05-24T13:48:51.960" v="2812" actId="26606"/>
+          <ac:spMkLst>
+            <pc:docMk/>
+            <pc:sldMk cId="4047474215" sldId="261"/>
+            <ac:spMk id="35" creationId="{C13EF075-D4EF-4929-ADBC-91B27DA19955}"/>
+          </ac:spMkLst>
+        </pc:spChg>
+        <pc:spChg chg="add del">
+          <ac:chgData name="Στέφανος Γκαραβέλας" userId="1dfd7f32ed7c415a" providerId="LiveId" clId="{4DE1247C-D552-4901-9F84-2C1136679DD0}" dt="2025-05-24T17:16:04.699" v="6331" actId="26606"/>
+          <ac:spMkLst>
+            <pc:docMk/>
+            <pc:sldMk cId="4047474215" sldId="261"/>
+            <ac:spMk id="41" creationId="{7653717E-6F8C-43E0-9893-C03AE87D18D6}"/>
+          </ac:spMkLst>
+        </pc:spChg>
+        <pc:spChg chg="add del">
+          <ac:chgData name="Στέφανος Γκαραβέλας" userId="1dfd7f32ed7c415a" providerId="LiveId" clId="{4DE1247C-D552-4901-9F84-2C1136679DD0}" dt="2025-05-24T17:16:04.699" v="6331" actId="26606"/>
+          <ac:spMkLst>
+            <pc:docMk/>
+            <pc:sldMk cId="4047474215" sldId="261"/>
+            <ac:spMk id="43" creationId="{35BB14B4-EC3F-47C7-9AF3-B0E017B75C42}"/>
+          </ac:spMkLst>
+        </pc:spChg>
+        <pc:spChg chg="add del">
+          <ac:chgData name="Στέφανος Γκαραβέλας" userId="1dfd7f32ed7c415a" providerId="LiveId" clId="{4DE1247C-D552-4901-9F84-2C1136679DD0}" dt="2025-05-24T17:16:07.591" v="6333" actId="26606"/>
+          <ac:spMkLst>
+            <pc:docMk/>
+            <pc:sldMk cId="4047474215" sldId="261"/>
+            <ac:spMk id="46" creationId="{7653717E-6F8C-43E0-9893-C03AE87D18D6}"/>
+          </ac:spMkLst>
+        </pc:spChg>
+        <pc:spChg chg="add del">
+          <ac:chgData name="Στέφανος Γκαραβέλας" userId="1dfd7f32ed7c415a" providerId="LiveId" clId="{4DE1247C-D552-4901-9F84-2C1136679DD0}" dt="2025-05-24T17:16:07.591" v="6333" actId="26606"/>
+          <ac:spMkLst>
+            <pc:docMk/>
+            <pc:sldMk cId="4047474215" sldId="261"/>
+            <ac:spMk id="47" creationId="{35BB14B4-EC3F-47C7-9AF3-B0E017B75C42}"/>
+          </ac:spMkLst>
+        </pc:spChg>
+        <pc:grpChg chg="add del">
+          <ac:chgData name="Στέφανος Γκαραβέλας" userId="1dfd7f32ed7c415a" providerId="LiveId" clId="{4DE1247C-D552-4901-9F84-2C1136679DD0}" dt="2025-05-24T17:16:07.591" v="6333" actId="26606"/>
+          <ac:grpSpMkLst>
+            <pc:docMk/>
+            <pc:sldMk cId="4047474215" sldId="261"/>
+            <ac:grpSpMk id="6" creationId="{B13AA5FE-3FFC-4725-9ADD-E428544EC61B}"/>
+          </ac:grpSpMkLst>
+        </pc:grpChg>
+        <pc:grpChg chg="add del">
+          <ac:chgData name="Στέφανος Γκαραβέλας" userId="1dfd7f32ed7c415a" providerId="LiveId" clId="{4DE1247C-D552-4901-9F84-2C1136679DD0}" dt="2025-05-24T13:48:53.464" v="2814" actId="26606"/>
+          <ac:grpSpMkLst>
+            <pc:docMk/>
+            <pc:sldMk cId="4047474215" sldId="261"/>
+            <ac:grpSpMk id="23" creationId="{0A31B6AF-B711-4CDB-8C2B-16E963DDC4C5}"/>
+          </ac:grpSpMkLst>
+        </pc:grpChg>
+        <pc:grpChg chg="add del">
+          <ac:chgData name="Στέφανος Γκαραβέλας" userId="1dfd7f32ed7c415a" providerId="LiveId" clId="{4DE1247C-D552-4901-9F84-2C1136679DD0}" dt="2025-05-24T17:16:04.699" v="6331" actId="26606"/>
+          <ac:grpSpMkLst>
+            <pc:docMk/>
+            <pc:sldMk cId="4047474215" sldId="261"/>
+            <ac:grpSpMk id="36" creationId="{B13AA5FE-3FFC-4725-9ADD-E428544EC61B}"/>
+          </ac:grpSpMkLst>
+        </pc:grpChg>
+        <pc:grpChg chg="add del">
+          <ac:chgData name="Στέφανος Γκαραβέλας" userId="1dfd7f32ed7c415a" providerId="LiveId" clId="{4DE1247C-D552-4901-9F84-2C1136679DD0}" dt="2025-05-24T13:48:51.960" v="2812" actId="26606"/>
+          <ac:grpSpMkLst>
+            <pc:docMk/>
+            <pc:sldMk cId="4047474215" sldId="261"/>
+            <ac:grpSpMk id="37" creationId="{DAA26DFA-AAB2-4973-9C17-16D587C7B198}"/>
+          </ac:grpSpMkLst>
+        </pc:grpChg>
+        <pc:grpChg chg="add del">
+          <ac:chgData name="Στέφανος Γκαραβέλας" userId="1dfd7f32ed7c415a" providerId="LiveId" clId="{4DE1247C-D552-4901-9F84-2C1136679DD0}" dt="2025-05-24T17:16:07.591" v="6333" actId="26606"/>
+          <ac:grpSpMkLst>
+            <pc:docMk/>
+            <pc:sldMk cId="4047474215" sldId="261"/>
+            <ac:grpSpMk id="40" creationId="{B13AA5FE-3FFC-4725-9ADD-E428544EC61B}"/>
+          </ac:grpSpMkLst>
+        </pc:grpChg>
+      </pc:sldChg>
+      <pc:sldChg chg="addSp delSp modSp new mod modTransition setBg">
+        <pc:chgData name="Στέφανος Γκαραβέλας" userId="1dfd7f32ed7c415a" providerId="LiveId" clId="{4DE1247C-D552-4901-9F84-2C1136679DD0}" dt="2025-05-24T17:23:35.702" v="6370"/>
+        <pc:sldMkLst>
+          <pc:docMk/>
+          <pc:sldMk cId="2365786142" sldId="262"/>
+        </pc:sldMkLst>
+        <pc:spChg chg="mod">
+          <ac:chgData name="Στέφανος Γκαραβέλας" userId="1dfd7f32ed7c415a" providerId="LiveId" clId="{4DE1247C-D552-4901-9F84-2C1136679DD0}" dt="2025-05-24T17:08:22.873" v="6244" actId="20577"/>
+          <ac:spMkLst>
+            <pc:docMk/>
+            <pc:sldMk cId="2365786142" sldId="262"/>
+            <ac:spMk id="2" creationId="{6714AD72-B417-F90B-E96E-37A3669C7037}"/>
+          </ac:spMkLst>
+        </pc:spChg>
+        <pc:spChg chg="del mod">
+          <ac:chgData name="Στέφανος Γκαραβέλας" userId="1dfd7f32ed7c415a" providerId="LiveId" clId="{4DE1247C-D552-4901-9F84-2C1136679DD0}" dt="2025-05-24T16:03:43.687" v="5021" actId="478"/>
+          <ac:spMkLst>
+            <pc:docMk/>
+            <pc:sldMk cId="2365786142" sldId="262"/>
+            <ac:spMk id="3" creationId="{4D1901EA-F03F-FC57-A755-E63B8C55F931}"/>
+          </ac:spMkLst>
+        </pc:spChg>
+        <pc:spChg chg="add">
+          <ac:chgData name="Στέφανος Γκαραβέλας" userId="1dfd7f32ed7c415a" providerId="LiveId" clId="{4DE1247C-D552-4901-9F84-2C1136679DD0}" dt="2025-05-24T16:49:07.320" v="5063" actId="26606"/>
+          <ac:spMkLst>
+            <pc:docMk/>
+            <pc:sldMk cId="2365786142" sldId="262"/>
+            <ac:spMk id="7" creationId="{6F5A5072-7B47-4D32-B52A-4EBBF590B8A5}"/>
+          </ac:spMkLst>
+        </pc:spChg>
+        <pc:spChg chg="add">
+          <ac:chgData name="Στέφανος Γκαραβέλας" userId="1dfd7f32ed7c415a" providerId="LiveId" clId="{4DE1247C-D552-4901-9F84-2C1136679DD0}" dt="2025-05-24T16:49:07.320" v="5063" actId="26606"/>
+          <ac:spMkLst>
+            <pc:docMk/>
+            <pc:sldMk cId="2365786142" sldId="262"/>
+            <ac:spMk id="9" creationId="{9715DAF0-AE1B-46C9-8A6B-DB2AA05AB91D}"/>
+          </ac:spMkLst>
+        </pc:spChg>
+        <pc:spChg chg="add">
+          <ac:chgData name="Στέφανος Γκαραβέλας" userId="1dfd7f32ed7c415a" providerId="LiveId" clId="{4DE1247C-D552-4901-9F84-2C1136679DD0}" dt="2025-05-24T16:49:07.320" v="5063" actId="26606"/>
+          <ac:spMkLst>
+            <pc:docMk/>
+            <pc:sldMk cId="2365786142" sldId="262"/>
+            <ac:spMk id="11" creationId="{6016219D-510E-4184-9090-6D5578A87BD1}"/>
+          </ac:spMkLst>
+        </pc:spChg>
+        <pc:spChg chg="add">
+          <ac:chgData name="Στέφανος Γκαραβέλας" userId="1dfd7f32ed7c415a" providerId="LiveId" clId="{4DE1247C-D552-4901-9F84-2C1136679DD0}" dt="2025-05-24T16:49:07.320" v="5063" actId="26606"/>
+          <ac:spMkLst>
+            <pc:docMk/>
+            <pc:sldMk cId="2365786142" sldId="262"/>
+            <ac:spMk id="13" creationId="{AFF4A713-7B75-4B21-90D7-5AB19547C728}"/>
+          </ac:spMkLst>
+        </pc:spChg>
+        <pc:spChg chg="add">
+          <ac:chgData name="Στέφανος Γκαραβέλας" userId="1dfd7f32ed7c415a" providerId="LiveId" clId="{4DE1247C-D552-4901-9F84-2C1136679DD0}" dt="2025-05-24T16:49:07.320" v="5063" actId="26606"/>
+          <ac:spMkLst>
+            <pc:docMk/>
+            <pc:sldMk cId="2365786142" sldId="262"/>
+            <ac:spMk id="15" creationId="{DC631C0B-6DA6-4E57-8231-CE32B3434A7E}"/>
+          </ac:spMkLst>
+        </pc:spChg>
+        <pc:spChg chg="add">
+          <ac:chgData name="Στέφανος Γκαραβέλας" userId="1dfd7f32ed7c415a" providerId="LiveId" clId="{4DE1247C-D552-4901-9F84-2C1136679DD0}" dt="2025-05-24T16:49:07.320" v="5063" actId="26606"/>
+          <ac:spMkLst>
+            <pc:docMk/>
+            <pc:sldMk cId="2365786142" sldId="262"/>
+            <ac:spMk id="17" creationId="{C29501E6-A978-4A61-9689-9085AF97A53A}"/>
+          </ac:spMkLst>
+        </pc:spChg>
+      </pc:sldChg>
+      <pc:sldChg chg="addSp delSp modSp new mod ord setBg">
+        <pc:chgData name="Στέφανος Γκαραβέλας" userId="1dfd7f32ed7c415a" providerId="LiveId" clId="{4DE1247C-D552-4901-9F84-2C1136679DD0}" dt="2025-05-24T17:11:48.211" v="6279" actId="207"/>
+        <pc:sldMkLst>
+          <pc:docMk/>
+          <pc:sldMk cId="1943789944" sldId="263"/>
+        </pc:sldMkLst>
+        <pc:spChg chg="mod">
+          <ac:chgData name="Στέφανος Γκαραβέλας" userId="1dfd7f32ed7c415a" providerId="LiveId" clId="{4DE1247C-D552-4901-9F84-2C1136679DD0}" dt="2025-05-24T17:11:48.211" v="6279" actId="207"/>
+          <ac:spMkLst>
+            <pc:docMk/>
+            <pc:sldMk cId="1943789944" sldId="263"/>
+            <ac:spMk id="2" creationId="{3A82BF2A-5072-E08B-4D9A-8EEF1A23F90E}"/>
+          </ac:spMkLst>
+        </pc:spChg>
+        <pc:spChg chg="del mod">
+          <ac:chgData name="Στέφανος Γκαραβέλας" userId="1dfd7f32ed7c415a" providerId="LiveId" clId="{4DE1247C-D552-4901-9F84-2C1136679DD0}" dt="2025-05-24T17:10:17.990" v="6251" actId="478"/>
+          <ac:spMkLst>
+            <pc:docMk/>
+            <pc:sldMk cId="1943789944" sldId="263"/>
+            <ac:spMk id="3" creationId="{9C0B7375-E2A7-77C9-3208-F6B0DC3FF431}"/>
+          </ac:spMkLst>
+        </pc:spChg>
+        <pc:spChg chg="add del">
+          <ac:chgData name="Στέφανος Γκαραβέλας" userId="1dfd7f32ed7c415a" providerId="LiveId" clId="{4DE1247C-D552-4901-9F84-2C1136679DD0}" dt="2025-05-24T17:11:11.533" v="6254" actId="26606"/>
+          <ac:spMkLst>
+            <pc:docMk/>
+            <pc:sldMk cId="1943789944" sldId="263"/>
+            <ac:spMk id="7" creationId="{4522B21E-B2B9-4C72-9A71-C87EFD137480}"/>
+          </ac:spMkLst>
+        </pc:spChg>
+        <pc:spChg chg="add del">
+          <ac:chgData name="Στέφανος Γκαραβέλας" userId="1dfd7f32ed7c415a" providerId="LiveId" clId="{4DE1247C-D552-4901-9F84-2C1136679DD0}" dt="2025-05-24T17:11:11.533" v="6254" actId="26606"/>
+          <ac:spMkLst>
+            <pc:docMk/>
+            <pc:sldMk cId="1943789944" sldId="263"/>
+            <ac:spMk id="9" creationId="{5EB7D2A2-F448-44D4-938C-DC84CBCB3B1E}"/>
+          </ac:spMkLst>
+        </pc:spChg>
+        <pc:spChg chg="add del">
+          <ac:chgData name="Στέφανος Γκαραβέλας" userId="1dfd7f32ed7c415a" providerId="LiveId" clId="{4DE1247C-D552-4901-9F84-2C1136679DD0}" dt="2025-05-24T17:11:11.533" v="6254" actId="26606"/>
+          <ac:spMkLst>
+            <pc:docMk/>
+            <pc:sldMk cId="1943789944" sldId="263"/>
+            <ac:spMk id="11" creationId="{871AEA07-1E14-44B4-8E55-64EF049CD66F}"/>
+          </ac:spMkLst>
+        </pc:spChg>
+        <pc:cxnChg chg="add del">
+          <ac:chgData name="Στέφανος Γκαραβέλας" userId="1dfd7f32ed7c415a" providerId="LiveId" clId="{4DE1247C-D552-4901-9F84-2C1136679DD0}" dt="2025-05-24T17:11:11.533" v="6254" actId="26606"/>
+          <ac:cxnSpMkLst>
+            <pc:docMk/>
+            <pc:sldMk cId="1943789944" sldId="263"/>
+            <ac:cxnSpMk id="13" creationId="{F7C8EA93-3210-4C62-99E9-153C275E3A87}"/>
+          </ac:cxnSpMkLst>
+        </pc:cxnChg>
+      </pc:sldChg>
+      <pc:sldChg chg="delSp modSp add del mod modTransition setBg delDesignElem">
+        <pc:chgData name="Στέφανος Γκαραβέλας" userId="1dfd7f32ed7c415a" providerId="LiveId" clId="{4DE1247C-D552-4901-9F84-2C1136679DD0}" dt="2025-05-24T17:17:24.555" v="6348" actId="47"/>
+        <pc:sldMkLst>
+          <pc:docMk/>
+          <pc:sldMk cId="637763668" sldId="264"/>
+        </pc:sldMkLst>
+        <pc:spChg chg="del">
+          <ac:chgData name="Στέφανος Γκαραβέλας" userId="1dfd7f32ed7c415a" providerId="LiveId" clId="{4DE1247C-D552-4901-9F84-2C1136679DD0}" dt="2025-05-24T17:13:20.878" v="6299"/>
+          <ac:spMkLst>
+            <pc:docMk/>
+            <pc:sldMk cId="637763668" sldId="264"/>
+            <ac:spMk id="5" creationId="{A0D642C5-837E-75D1-F408-7B78E244946B}"/>
+          </ac:spMkLst>
+        </pc:spChg>
+        <pc:spChg chg="del">
+          <ac:chgData name="Στέφανος Γκαραβέλας" userId="1dfd7f32ed7c415a" providerId="LiveId" clId="{4DE1247C-D552-4901-9F84-2C1136679DD0}" dt="2025-05-24T17:13:20.878" v="6299"/>
+          <ac:spMkLst>
+            <pc:docMk/>
+            <pc:sldMk cId="637763668" sldId="264"/>
+            <ac:spMk id="15" creationId="{ABEDA72A-6958-8656-8461-7FC91DFB05DD}"/>
+          </ac:spMkLst>
+        </pc:spChg>
+        <pc:spChg chg="del">
+          <ac:chgData name="Στέφανος Γκαραβέλας" userId="1dfd7f32ed7c415a" providerId="LiveId" clId="{4DE1247C-D552-4901-9F84-2C1136679DD0}" dt="2025-05-24T17:13:20.878" v="6299"/>
+          <ac:spMkLst>
+            <pc:docMk/>
+            <pc:sldMk cId="637763668" sldId="264"/>
+            <ac:spMk id="17" creationId="{5482F9EA-3EC8-C21E-868C-EC4356C86439}"/>
+          </ac:spMkLst>
+        </pc:spChg>
+        <pc:spChg chg="mod">
+          <ac:chgData name="Στέφανος Γκαραβέλας" userId="1dfd7f32ed7c415a" providerId="LiveId" clId="{4DE1247C-D552-4901-9F84-2C1136679DD0}" dt="2025-05-24T17:16:33.955" v="6343" actId="1076"/>
+          <ac:spMkLst>
+            <pc:docMk/>
+            <pc:sldMk cId="637763668" sldId="264"/>
+            <ac:spMk id="29" creationId="{6693E9D4-3FC1-D2FB-C8A7-24420E687AC5}"/>
+          </ac:spMkLst>
+        </pc:spChg>
+        <pc:grpChg chg="del">
+          <ac:chgData name="Στέφανος Γκαραβέλας" userId="1dfd7f32ed7c415a" providerId="LiveId" clId="{4DE1247C-D552-4901-9F84-2C1136679DD0}" dt="2025-05-24T17:13:20.878" v="6299"/>
+          <ac:grpSpMkLst>
+            <pc:docMk/>
+            <pc:sldMk cId="637763668" sldId="264"/>
+            <ac:grpSpMk id="6" creationId="{63A94095-EB02-9ABB-6C6A-DB7E0BB43F94}"/>
+          </ac:grpSpMkLst>
+        </pc:grpChg>
+      </pc:sldChg>
+      <pc:sldChg chg="addSp delSp modSp add mod modTransition setBg delDesignElem">
+        <pc:chgData name="Στέφανος Γκαραβέλας" userId="1dfd7f32ed7c415a" providerId="LiveId" clId="{4DE1247C-D552-4901-9F84-2C1136679DD0}" dt="2025-05-24T17:22:28.605" v="6364" actId="11529"/>
+        <pc:sldMkLst>
+          <pc:docMk/>
+          <pc:sldMk cId="3447580911" sldId="265"/>
+        </pc:sldMkLst>
+        <pc:spChg chg="add del mod">
+          <ac:chgData name="Στέφανος Γκαραβέλας" userId="1dfd7f32ed7c415a" providerId="LiveId" clId="{4DE1247C-D552-4901-9F84-2C1136679DD0}" dt="2025-05-24T17:22:28.605" v="6364" actId="11529"/>
+          <ac:spMkLst>
+            <pc:docMk/>
+            <pc:sldMk cId="3447580911" sldId="265"/>
+            <ac:spMk id="3" creationId="{039D60EC-8F88-BCB8-D324-610926359444}"/>
+          </ac:spMkLst>
+        </pc:spChg>
+        <pc:spChg chg="del">
+          <ac:chgData name="Στέφανος Γκαραβέλας" userId="1dfd7f32ed7c415a" providerId="LiveId" clId="{4DE1247C-D552-4901-9F84-2C1136679DD0}" dt="2025-05-24T17:13:21.580" v="6301"/>
+          <ac:spMkLst>
+            <pc:docMk/>
+            <pc:sldMk cId="3447580911" sldId="265"/>
+            <ac:spMk id="5" creationId="{A06A3003-D2AD-0155-2CD9-E218BEABC3E7}"/>
+          </ac:spMkLst>
+        </pc:spChg>
+        <pc:spChg chg="del">
+          <ac:chgData name="Στέφανος Γκαραβέλας" userId="1dfd7f32ed7c415a" providerId="LiveId" clId="{4DE1247C-D552-4901-9F84-2C1136679DD0}" dt="2025-05-24T17:13:21.580" v="6301"/>
+          <ac:spMkLst>
+            <pc:docMk/>
+            <pc:sldMk cId="3447580911" sldId="265"/>
+            <ac:spMk id="15" creationId="{ADF33889-1237-D52F-32E7-B4978D304ED4}"/>
+          </ac:spMkLst>
+        </pc:spChg>
+        <pc:spChg chg="del">
+          <ac:chgData name="Στέφανος Γκαραβέλας" userId="1dfd7f32ed7c415a" providerId="LiveId" clId="{4DE1247C-D552-4901-9F84-2C1136679DD0}" dt="2025-05-24T17:13:21.580" v="6301"/>
+          <ac:spMkLst>
+            <pc:docMk/>
+            <pc:sldMk cId="3447580911" sldId="265"/>
+            <ac:spMk id="17" creationId="{646708D9-2538-9030-52A2-34180A84E604}"/>
+          </ac:spMkLst>
+        </pc:spChg>
+        <pc:grpChg chg="del">
+          <ac:chgData name="Στέφανος Γκαραβέλας" userId="1dfd7f32ed7c415a" providerId="LiveId" clId="{4DE1247C-D552-4901-9F84-2C1136679DD0}" dt="2025-05-24T17:13:21.580" v="6301"/>
+          <ac:grpSpMkLst>
+            <pc:docMk/>
+            <pc:sldMk cId="3447580911" sldId="265"/>
+            <ac:grpSpMk id="6" creationId="{4DED2623-B8E5-0ACF-ADA5-3ED5B1AD2ABB}"/>
+          </ac:grpSpMkLst>
+        </pc:grpChg>
+      </pc:sldChg>
+      <pc:sldChg chg="delSp add del setBg delDesignElem">
+        <pc:chgData name="Στέφανος Γκαραβέλας" userId="1dfd7f32ed7c415a" providerId="LiveId" clId="{4DE1247C-D552-4901-9F84-2C1136679DD0}" dt="2025-05-24T17:21:58.636" v="6360" actId="47"/>
+        <pc:sldMkLst>
+          <pc:docMk/>
+          <pc:sldMk cId="3846220018" sldId="266"/>
+        </pc:sldMkLst>
+        <pc:spChg chg="del">
+          <ac:chgData name="Στέφανος Γκαραβέλας" userId="1dfd7f32ed7c415a" providerId="LiveId" clId="{4DE1247C-D552-4901-9F84-2C1136679DD0}" dt="2025-05-24T17:13:21.987" v="6303"/>
+          <ac:spMkLst>
+            <pc:docMk/>
+            <pc:sldMk cId="3846220018" sldId="266"/>
+            <ac:spMk id="5" creationId="{549C7BDD-65B1-D66B-D4B7-95E0C2ED3544}"/>
+          </ac:spMkLst>
+        </pc:spChg>
+        <pc:spChg chg="del">
+          <ac:chgData name="Στέφανος Γκαραβέλας" userId="1dfd7f32ed7c415a" providerId="LiveId" clId="{4DE1247C-D552-4901-9F84-2C1136679DD0}" dt="2025-05-24T17:13:21.987" v="6303"/>
+          <ac:spMkLst>
+            <pc:docMk/>
+            <pc:sldMk cId="3846220018" sldId="266"/>
+            <ac:spMk id="15" creationId="{1556DB33-DB55-3FC9-7F20-F9267216539A}"/>
+          </ac:spMkLst>
+        </pc:spChg>
+        <pc:spChg chg="del">
+          <ac:chgData name="Στέφανος Γκαραβέλας" userId="1dfd7f32ed7c415a" providerId="LiveId" clId="{4DE1247C-D552-4901-9F84-2C1136679DD0}" dt="2025-05-24T17:13:21.987" v="6303"/>
+          <ac:spMkLst>
+            <pc:docMk/>
+            <pc:sldMk cId="3846220018" sldId="266"/>
+            <ac:spMk id="17" creationId="{5B4A470D-9511-1216-2AB1-EEA462BE141E}"/>
+          </ac:spMkLst>
+        </pc:spChg>
+        <pc:grpChg chg="del">
+          <ac:chgData name="Στέφανος Γκαραβέλας" userId="1dfd7f32ed7c415a" providerId="LiveId" clId="{4DE1247C-D552-4901-9F84-2C1136679DD0}" dt="2025-05-24T17:13:21.987" v="6303"/>
+          <ac:grpSpMkLst>
+            <pc:docMk/>
+            <pc:sldMk cId="3846220018" sldId="266"/>
+            <ac:grpSpMk id="6" creationId="{D491F8ED-EB93-F2DB-BBFD-0DB5223CB3FC}"/>
+          </ac:grpSpMkLst>
+        </pc:grpChg>
+      </pc:sldChg>
+      <pc:sldChg chg="delSp modSp add mod ord modTransition setBg delDesignElem">
+        <pc:chgData name="Στέφανος Γκαραβέλας" userId="1dfd7f32ed7c415a" providerId="LiveId" clId="{4DE1247C-D552-4901-9F84-2C1136679DD0}" dt="2025-05-24T17:20:14.010" v="6358"/>
+        <pc:sldMkLst>
+          <pc:docMk/>
+          <pc:sldMk cId="797744478" sldId="267"/>
+        </pc:sldMkLst>
+        <pc:spChg chg="del">
+          <ac:chgData name="Στέφανος Γκαραβέλας" userId="1dfd7f32ed7c415a" providerId="LiveId" clId="{4DE1247C-D552-4901-9F84-2C1136679DD0}" dt="2025-05-24T17:17:18.493" v="6345"/>
+          <ac:spMkLst>
+            <pc:docMk/>
+            <pc:sldMk cId="797744478" sldId="267"/>
+            <ac:spMk id="5" creationId="{789F8D95-0E4D-AAB3-2A23-46F9638907D2}"/>
+          </ac:spMkLst>
+        </pc:spChg>
+        <pc:spChg chg="del">
+          <ac:chgData name="Στέφανος Γκαραβέλας" userId="1dfd7f32ed7c415a" providerId="LiveId" clId="{4DE1247C-D552-4901-9F84-2C1136679DD0}" dt="2025-05-24T17:17:18.493" v="6345"/>
+          <ac:spMkLst>
+            <pc:docMk/>
+            <pc:sldMk cId="797744478" sldId="267"/>
+            <ac:spMk id="15" creationId="{52A8B542-434A-FAE4-A82B-8ECC019FF2E1}"/>
+          </ac:spMkLst>
+        </pc:spChg>
+        <pc:spChg chg="del">
+          <ac:chgData name="Στέφανος Γκαραβέλας" userId="1dfd7f32ed7c415a" providerId="LiveId" clId="{4DE1247C-D552-4901-9F84-2C1136679DD0}" dt="2025-05-24T17:17:18.493" v="6345"/>
+          <ac:spMkLst>
+            <pc:docMk/>
+            <pc:sldMk cId="797744478" sldId="267"/>
+            <ac:spMk id="17" creationId="{07D02B9D-DD8E-7EF9-3786-BCF8D6668AC1}"/>
+          </ac:spMkLst>
+        </pc:spChg>
+        <pc:spChg chg="mod">
+          <ac:chgData name="Στέφανος Γκαραβέλας" userId="1dfd7f32ed7c415a" providerId="LiveId" clId="{4DE1247C-D552-4901-9F84-2C1136679DD0}" dt="2025-05-24T17:18:54.739" v="6357" actId="20577"/>
+          <ac:spMkLst>
+            <pc:docMk/>
+            <pc:sldMk cId="797744478" sldId="267"/>
+            <ac:spMk id="29" creationId="{583DB6C8-774A-CF02-0F37-3ADE48CED2D5}"/>
+          </ac:spMkLst>
+        </pc:spChg>
+        <pc:grpChg chg="del">
+          <ac:chgData name="Στέφανος Γκαραβέλας" userId="1dfd7f32ed7c415a" providerId="LiveId" clId="{4DE1247C-D552-4901-9F84-2C1136679DD0}" dt="2025-05-24T17:17:18.493" v="6345"/>
+          <ac:grpSpMkLst>
+            <pc:docMk/>
+            <pc:sldMk cId="797744478" sldId="267"/>
+            <ac:grpSpMk id="6" creationId="{84A40D3F-EEB2-66DA-68F2-9A0E0BCC0186}"/>
+          </ac:grpSpMkLst>
+        </pc:grpChg>
+      </pc:sldChg>
+      <pc:sldMasterChg chg="setBg modSldLayout">
+        <pc:chgData name="Στέφανος Γκαραβέλας" userId="1dfd7f32ed7c415a" providerId="LiveId" clId="{4DE1247C-D552-4901-9F84-2C1136679DD0}" dt="2025-05-24T13:31:59.597" v="256"/>
+        <pc:sldMasterMkLst>
+          <pc:docMk/>
+          <pc:sldMasterMk cId="3427051872" sldId="2147483648"/>
+        </pc:sldMasterMkLst>
+        <pc:sldLayoutChg chg="setBg">
+          <pc:chgData name="Στέφανος Γκαραβέλας" userId="1dfd7f32ed7c415a" providerId="LiveId" clId="{4DE1247C-D552-4901-9F84-2C1136679DD0}" dt="2025-05-24T13:31:59.597" v="256"/>
+          <pc:sldLayoutMkLst>
+            <pc:docMk/>
+            <pc:sldMasterMk cId="3427051872" sldId="2147483648"/>
+            <pc:sldLayoutMk cId="885203641" sldId="2147483649"/>
+          </pc:sldLayoutMkLst>
+        </pc:sldLayoutChg>
+        <pc:sldLayoutChg chg="setBg">
+          <pc:chgData name="Στέφανος Γκαραβέλας" userId="1dfd7f32ed7c415a" providerId="LiveId" clId="{4DE1247C-D552-4901-9F84-2C1136679DD0}" dt="2025-05-24T13:31:59.597" v="256"/>
+          <pc:sldLayoutMkLst>
+            <pc:docMk/>
+            <pc:sldMasterMk cId="3427051872" sldId="2147483648"/>
+            <pc:sldLayoutMk cId="1156787163" sldId="2147483650"/>
+          </pc:sldLayoutMkLst>
+        </pc:sldLayoutChg>
+        <pc:sldLayoutChg chg="setBg">
+          <pc:chgData name="Στέφανος Γκαραβέλας" userId="1dfd7f32ed7c415a" providerId="LiveId" clId="{4DE1247C-D552-4901-9F84-2C1136679DD0}" dt="2025-05-24T13:31:59.597" v="256"/>
+          <pc:sldLayoutMkLst>
+            <pc:docMk/>
+            <pc:sldMasterMk cId="3427051872" sldId="2147483648"/>
+            <pc:sldLayoutMk cId="546553193" sldId="2147483651"/>
+          </pc:sldLayoutMkLst>
+        </pc:sldLayoutChg>
+        <pc:sldLayoutChg chg="setBg">
+          <pc:chgData name="Στέφανος Γκαραβέλας" userId="1dfd7f32ed7c415a" providerId="LiveId" clId="{4DE1247C-D552-4901-9F84-2C1136679DD0}" dt="2025-05-24T13:31:59.597" v="256"/>
+          <pc:sldLayoutMkLst>
+            <pc:docMk/>
+            <pc:sldMasterMk cId="3427051872" sldId="2147483648"/>
+            <pc:sldLayoutMk cId="2607636588" sldId="2147483652"/>
+          </pc:sldLayoutMkLst>
+        </pc:sldLayoutChg>
+        <pc:sldLayoutChg chg="setBg">
+          <pc:chgData name="Στέφανος Γκαραβέλας" userId="1dfd7f32ed7c415a" providerId="LiveId" clId="{4DE1247C-D552-4901-9F84-2C1136679DD0}" dt="2025-05-24T13:31:59.597" v="256"/>
+          <pc:sldLayoutMkLst>
+            <pc:docMk/>
+            <pc:sldMasterMk cId="3427051872" sldId="2147483648"/>
+            <pc:sldLayoutMk cId="3602114738" sldId="2147483653"/>
+          </pc:sldLayoutMkLst>
+        </pc:sldLayoutChg>
+        <pc:sldLayoutChg chg="setBg">
+          <pc:chgData name="Στέφανος Γκαραβέλας" userId="1dfd7f32ed7c415a" providerId="LiveId" clId="{4DE1247C-D552-4901-9F84-2C1136679DD0}" dt="2025-05-24T13:31:59.597" v="256"/>
+          <pc:sldLayoutMkLst>
+            <pc:docMk/>
+            <pc:sldMasterMk cId="3427051872" sldId="2147483648"/>
+            <pc:sldLayoutMk cId="2186520303" sldId="2147483654"/>
+          </pc:sldLayoutMkLst>
+        </pc:sldLayoutChg>
+        <pc:sldLayoutChg chg="setBg">
+          <pc:chgData name="Στέφανος Γκαραβέλας" userId="1dfd7f32ed7c415a" providerId="LiveId" clId="{4DE1247C-D552-4901-9F84-2C1136679DD0}" dt="2025-05-24T13:31:59.597" v="256"/>
+          <pc:sldLayoutMkLst>
+            <pc:docMk/>
+            <pc:sldMasterMk cId="3427051872" sldId="2147483648"/>
+            <pc:sldLayoutMk cId="1309818959" sldId="2147483655"/>
+          </pc:sldLayoutMkLst>
+        </pc:sldLayoutChg>
+        <pc:sldLayoutChg chg="setBg">
+          <pc:chgData name="Στέφανος Γκαραβέλας" userId="1dfd7f32ed7c415a" providerId="LiveId" clId="{4DE1247C-D552-4901-9F84-2C1136679DD0}" dt="2025-05-24T13:31:59.597" v="256"/>
+          <pc:sldLayoutMkLst>
+            <pc:docMk/>
+            <pc:sldMasterMk cId="3427051872" sldId="2147483648"/>
+            <pc:sldLayoutMk cId="4004535728" sldId="2147483656"/>
+          </pc:sldLayoutMkLst>
+        </pc:sldLayoutChg>
+        <pc:sldLayoutChg chg="setBg">
+          <pc:chgData name="Στέφανος Γκαραβέλας" userId="1dfd7f32ed7c415a" providerId="LiveId" clId="{4DE1247C-D552-4901-9F84-2C1136679DD0}" dt="2025-05-24T13:31:59.597" v="256"/>
+          <pc:sldLayoutMkLst>
+            <pc:docMk/>
+            <pc:sldMasterMk cId="3427051872" sldId="2147483648"/>
+            <pc:sldLayoutMk cId="1206103106" sldId="2147483657"/>
+          </pc:sldLayoutMkLst>
+        </pc:sldLayoutChg>
+        <pc:sldLayoutChg chg="setBg">
+          <pc:chgData name="Στέφανος Γκαραβέλας" userId="1dfd7f32ed7c415a" providerId="LiveId" clId="{4DE1247C-D552-4901-9F84-2C1136679DD0}" dt="2025-05-24T13:31:59.597" v="256"/>
+          <pc:sldLayoutMkLst>
+            <pc:docMk/>
+            <pc:sldMasterMk cId="3427051872" sldId="2147483648"/>
+            <pc:sldLayoutMk cId="3081833181" sldId="2147483658"/>
+          </pc:sldLayoutMkLst>
+        </pc:sldLayoutChg>
+        <pc:sldLayoutChg chg="setBg">
+          <pc:chgData name="Στέφανος Γκαραβέλας" userId="1dfd7f32ed7c415a" providerId="LiveId" clId="{4DE1247C-D552-4901-9F84-2C1136679DD0}" dt="2025-05-24T13:31:59.597" v="256"/>
+          <pc:sldLayoutMkLst>
+            <pc:docMk/>
+            <pc:sldMasterMk cId="3427051872" sldId="2147483648"/>
+            <pc:sldLayoutMk cId="1194299638" sldId="2147483659"/>
+          </pc:sldLayoutMkLst>
+        </pc:sldLayoutChg>
+      </pc:sldMasterChg>
+    </pc:docChg>
+  </pc:docChgLst>
+</pc:chgInfo>
+</file>
+
+<file path=ppt/diagrams/colors1.xml><?xml version="1.0" encoding="utf-8"?>
+<dgm:colorsDef xmlns:dgm="http://schemas.openxmlformats.org/drawingml/2006/diagram" xmlns:a="http://schemas.openxmlformats.org/drawingml/2006/main" uniqueId="urn:microsoft.com/office/officeart/2005/8/colors/accent1_2">
+  <dgm:title val=""/>
+  <dgm:desc val=""/>
+  <dgm:catLst>
+    <dgm:cat type="accent1" pri="11200"/>
+  </dgm:catLst>
+  <dgm:styleLbl name="node0">
+    <dgm:fillClrLst meth="repeat">
+      <a:schemeClr val="accent1"/>
+    </dgm:fillClrLst>
+    <dgm:linClrLst meth="repeat">
+      <a:schemeClr val="lt1"/>
+    </dgm:linClrLst>
+    <dgm:effectClrLst/>
+    <dgm:txLinClrLst/>
+    <dgm:txFillClrLst/>
+    <dgm:txEffectClrLst/>
+  </dgm:styleLbl>
+  <dgm:styleLbl name="alignNode1">
+    <dgm:fillClrLst meth="repeat">
+      <a:schemeClr val="accent1"/>
+    </dgm:fillClrLst>
+    <dgm:linClrLst meth="repeat">
+      <a:schemeClr val="accent1"/>
+    </dgm:linClrLst>
+    <dgm:effectClrLst/>
+    <dgm:txLinClrLst/>
+    <dgm:txFillClrLst/>
+    <dgm:txEffectClrLst/>
+  </dgm:styleLbl>
+  <dgm:styleLbl name="node1">
+    <dgm:fillClrLst meth="repeat">
+      <a:schemeClr val="accent1"/>
+    </dgm:fillClrLst>
+    <dgm:linClrLst meth="repeat">
+      <a:schemeClr val="lt1"/>
+    </dgm:linClrLst>
+    <dgm:effectClrLst/>
+    <dgm:txLinClrLst/>
+    <dgm:txFillClrLst/>
+    <dgm:txEffectClrLst/>
+  </dgm:styleLbl>
+  <dgm:styleLbl name="lnNode1">
+    <dgm:fillClrLst meth="repeat">
+      <a:schemeClr val="accent1"/>
+    </dgm:fillClrLst>
+    <dgm:linClrLst meth="repeat">
+      <a:schemeClr val="lt1"/>
+    </dgm:linClrLst>
+    <dgm:effectClrLst/>
+    <dgm:txLinClrLst/>
+    <dgm:txFillClrLst/>
+    <dgm:txEffectClrLst/>
+  </dgm:styleLbl>
+  <dgm:styleLbl name="vennNode1">
+    <dgm:fillClrLst meth="repeat">
+      <a:schemeClr val="accent1">
+        <a:alpha val="50000"/>
+      </a:schemeClr>
+    </dgm:fillClrLst>
+    <dgm:linClrLst meth="repeat">
+      <a:schemeClr val="lt1"/>
+    </dgm:linClrLst>
+    <dgm:effectClrLst/>
+    <dgm:txLinClrLst/>
+    <dgm:txFillClrLst/>
+    <dgm:txEffectClrLst/>
+  </dgm:styleLbl>
+  <dgm:styleLbl name="node2">
+    <dgm:fillClrLst meth="repeat">
+      <a:schemeClr val="accent1"/>
+    </dgm:fillClrLst>
+    <dgm:linClrLst meth="repeat">
+      <a:schemeClr val="lt1"/>
+    </dgm:linClrLst>
+    <dgm:effectClrLst/>
+    <dgm:txLinClrLst/>
+    <dgm:txFillClrLst/>
+    <dgm:txEffectClrLst/>
+  </dgm:styleLbl>
+  <dgm:styleLbl name="node3">
+    <dgm:fillClrLst meth="repeat">
+      <a:schemeClr val="accent1"/>
+    </dgm:fillClrLst>
+    <dgm:linClrLst meth="repeat">
+      <a:schemeClr val="lt1"/>
+    </dgm:linClrLst>
+    <dgm:effectClrLst/>
+    <dgm:txLinClrLst/>
+    <dgm:txFillClrLst/>
+    <dgm:txEffectClrLst/>
+  </dgm:styleLbl>
+  <dgm:styleLbl name="node4">
+    <dgm:fillClrLst meth="repeat">
+      <a:schemeClr val="accent1"/>
+    </dgm:fillClrLst>
+    <dgm:linClrLst meth="repeat">
+      <a:schemeClr val="lt1"/>
+    </dgm:linClrLst>
+    <dgm:effectClrLst/>
+    <dgm:txLinClrLst/>
+    <dgm:txFillClrLst/>
+    <dgm:txEffectClrLst/>
+  </dgm:styleLbl>
+  <dgm:styleLbl name="fgImgPlace1">
+    <dgm:fillClrLst meth="repeat">
+      <a:schemeClr val="accent1">
+        <a:tint val="50000"/>
+      </a:schemeClr>
+    </dgm:fillClrLst>
+    <dgm:linClrLst meth="repeat">
+      <a:schemeClr val="lt1"/>
+    </dgm:linClrLst>
+    <dgm:effectClrLst/>
+    <dgm:txLinClrLst/>
+    <dgm:txFillClrLst meth="repeat">
+      <a:schemeClr val="lt1"/>
+    </dgm:txFillClrLst>
+    <dgm:txEffectClrLst/>
+  </dgm:styleLbl>
+  <dgm:styleLbl name="alignImgPlace1">
+    <dgm:fillClrLst meth="repeat">
+      <a:schemeClr val="accent1">
+        <a:tint val="50000"/>
+      </a:schemeClr>
+    </dgm:fillClrLst>
+    <dgm:linClrLst meth="repeat">
+      <a:schemeClr val="lt1"/>
+    </dgm:linClrLst>
+    <dgm:effectClrLst/>
+    <dgm:txLinClrLst/>
+    <dgm:txFillClrLst meth="repeat">
+      <a:schemeClr val="lt1"/>
+    </dgm:txFillClrLst>
+    <dgm:txEffectClrLst/>
+  </dgm:styleLbl>
+  <dgm:styleLbl name="bgImgPlace1">
+    <dgm:fillClrLst meth="repeat">
+      <a:schemeClr val="accent1">
+        <a:tint val="50000"/>
+      </a:schemeClr>
+    </dgm:fillClrLst>
+    <dgm:linClrLst meth="repeat">
+      <a:schemeClr val="lt1"/>
+    </dgm:linClrLst>
+    <dgm:effectClrLst/>
+    <dgm:txLinClrLst/>
+    <dgm:txFillClrLst meth="repeat">
+      <a:schemeClr val="lt1"/>
+    </dgm:txFillClrLst>
+    <dgm:txEffectClrLst/>
+  </dgm:styleLbl>
+  <dgm:styleLbl name="sibTrans2D1">
+    <dgm:fillClrLst meth="repeat">
+      <a:schemeClr val="accent1">
+        <a:tint val="60000"/>
+      </a:schemeClr>
+    </dgm:fillClrLst>
+    <dgm:linClrLst meth="repeat">
+      <a:schemeClr val="accent1">
+        <a:tint val="60000"/>
+      </a:schemeClr>
+    </dgm:linClrLst>
+    <dgm:effectClrLst/>
+    <dgm:txLinClrLst/>
+    <dgm:txFillClrLst/>
+    <dgm:txEffectClrLst/>
+  </dgm:styleLbl>
+  <dgm:styleLbl name="fgSibTrans2D1">
+    <dgm:fillClrLst meth="repeat">
+      <a:schemeClr val="accent1">
+        <a:tint val="60000"/>
+      </a:schemeClr>
+    </dgm:fillClrLst>
+    <dgm:linClrLst meth="repeat">
+      <a:schemeClr val="accent1">
+        <a:tint val="60000"/>
+      </a:schemeClr>
+    </dgm:linClrLst>
+    <dgm:effectClrLst/>
+    <dgm:txLinClrLst/>
+    <dgm:txFillClrLst/>
+    <dgm:txEffectClrLst/>
+  </dgm:styleLbl>
+  <dgm:styleLbl name="bgSibTrans2D1">
+    <dgm:fillClrLst meth="repeat">
+      <a:schemeClr val="accent1">
+        <a:tint val="60000"/>
+      </a:schemeClr>
+    </dgm:fillClrLst>
+    <dgm:linClrLst meth="repeat">
+      <a:schemeClr val="accent1">
+        <a:tint val="60000"/>
+      </a:schemeClr>
+    </dgm:linClrLst>
+    <dgm:effectClrLst/>
+    <dgm:txLinClrLst/>
+    <dgm:txFillClrLst/>
+    <dgm:txEffectClrLst/>
+  </dgm:styleLbl>
+  <dgm:styleLbl name="sibTrans1D1">
+    <dgm:fillClrLst meth="repeat">
+      <a:schemeClr val="accent1"/>
+    </dgm:fillClrLst>
+    <dgm:linClrLst meth="repeat">
+      <a:schemeClr val="accent1"/>
+    </dgm:linClrLst>
+    <dgm:effectClrLst/>
+    <dgm:txLinClrLst/>
+    <dgm:txFillClrLst meth="repeat">
+      <a:schemeClr val="tx1"/>
+    </dgm:txFillClrLst>
+    <dgm:txEffectClrLst/>
+  </dgm:styleLbl>
+  <dgm:styleLbl name="callout">
+    <dgm:fillClrLst meth="repeat">
+      <a:schemeClr val="accent1"/>
+    </dgm:fillClrLst>
+    <dgm:linClrLst meth="repeat">
+      <a:schemeClr val="accent1">
+        <a:tint val="50000"/>
+      </a:schemeClr>
+    </dgm:linClrLst>
+    <dgm:effectClrLst/>
+    <dgm:txLinClrLst/>
+    <dgm:txFillClrLst meth="repeat">
+      <a:schemeClr val="tx1"/>
+    </dgm:txFillClrLst>
+    <dgm:txEffectClrLst/>
+  </dgm:styleLbl>
+  <dgm:styleLbl name="asst0">
+    <dgm:fillClrLst meth="repeat">
+      <a:schemeClr val="accent1"/>
+    </dgm:fillClrLst>
+    <dgm:linClrLst meth="repeat">
+      <a:schemeClr val="lt1"/>
+    </dgm:linClrLst>
+    <dgm:effectClrLst/>
+    <dgm:txLinClrLst/>
+    <dgm:txFillClrLst/>
+    <dgm:txEffectClrLst/>
+  </dgm:styleLbl>
+  <dgm:styleLbl name="asst1">
+    <dgm:fillClrLst meth="repeat">
+      <a:schemeClr val="accent1"/>
+    </dgm:fillClrLst>
+    <dgm:linClrLst meth="repeat">
+      <a:schemeClr val="lt1"/>
+    </dgm:linClrLst>
+    <dgm:effectClrLst/>
+    <dgm:txLinClrLst/>
+    <dgm:txFillClrLst/>
+    <dgm:txEffectClrLst/>
+  </dgm:styleLbl>
+  <dgm:styleLbl name="asst2">
+    <dgm:fillClrLst meth="repeat">
+      <a:schemeClr val="accent1"/>
+    </dgm:fillClrLst>
+    <dgm:linClrLst meth="repeat">
+      <a:schemeClr val="lt1"/>
+    </dgm:linClrLst>
+    <dgm:effectClrLst/>
+    <dgm:txLinClrLst/>
+    <dgm:txFillClrLst/>
+    <dgm:txEffectClrLst/>
+  </dgm:styleLbl>
+  <dgm:styleLbl name="asst3">
+    <dgm:fillClrLst meth="repeat">
+      <a:schemeClr val="accent1"/>
+    </dgm:fillClrLst>
+    <dgm:linClrLst meth="repeat">
+      <a:schemeClr val="lt1"/>
+    </dgm:linClrLst>
+    <dgm:effectClrLst/>
+    <dgm:txLinClrLst/>
+    <dgm:txFillClrLst/>
+    <dgm:txEffectClrLst/>
+  </dgm:styleLbl>
+  <dgm:styleLbl name="asst4">
+    <dgm:fillClrLst meth="repeat">
+      <a:schemeClr val="accent1"/>
+    </dgm:fillClrLst>
+    <dgm:linClrLst meth="repeat">
+      <a:schemeClr val="lt1"/>
+    </dgm:linClrLst>
+    <dgm:effectClrLst/>
+    <dgm:txLinClrLst/>
+    <dgm:txFillClrLst/>
+    <dgm:txEffectClrLst/>
+  </dgm:styleLbl>
+  <dgm:styleLbl name="parChTrans2D1">
+    <dgm:fillClrLst meth="repeat">
+      <a:schemeClr val="accent1">
+        <a:tint val="60000"/>
+      </a:schemeClr>
+    </dgm:fillClrLst>
+    <dgm:linClrLst meth="repeat">
+      <a:schemeClr val="accent1">
+        <a:tint val="60000"/>
+      </a:schemeClr>
+    </dgm:linClrLst>
+    <dgm:effectClrLst/>
+    <dgm:txLinClrLst/>
+    <dgm:txFillClrLst meth="repeat">
+      <a:schemeClr val="lt1"/>
+    </dgm:txFillClrLst>
+    <dgm:txEffectClrLst/>
+  </dgm:styleLbl>
+  <dgm:styleLbl name="parChTrans2D2">
+    <dgm:fillClrLst meth="repeat">
+      <a:schemeClr val="accent1"/>
+    </dgm:fillClrLst>
+    <dgm:linClrLst meth="repeat">
+      <a:schemeClr val="accent1"/>
+    </dgm:linClrLst>
+    <dgm:effectClrLst/>
+    <dgm:txLinClrLst/>
+    <dgm:txFillClrLst meth="repeat">
+      <a:schemeClr val="lt1"/>
+    </dgm:txFillClrLst>
+    <dgm:txEffectClrLst/>
+  </dgm:styleLbl>
+  <dgm:styleLbl name="parChTrans2D3">
+    <dgm:fillClrLst meth="repeat">
+      <a:schemeClr val="accent1"/>
+    </dgm:fillClrLst>
+    <dgm:linClrLst meth="repeat">
+      <a:schemeClr val="accent1"/>
+    </dgm:linClrLst>
+    <dgm:effectClrLst/>
+    <dgm:txLinClrLst/>
+    <dgm:txFillClrLst meth="repeat">
+      <a:schemeClr val="lt1"/>
+    </dgm:txFillClrLst>
+    <dgm:txEffectClrLst/>
+  </dgm:styleLbl>
+  <dgm:styleLbl name="parChTrans2D4">
+    <dgm:fillClrLst meth="repeat">
+      <a:schemeClr val="accent1"/>
+    </dgm:fillClrLst>
+    <dgm:linClrLst meth="repeat">
+      <a:schemeClr val="accent1"/>
+    </dgm:linClrLst>
+    <dgm:effectClrLst/>
+    <dgm:txLinClrLst/>
+    <dgm:txFillClrLst meth="repeat">
+      <a:schemeClr val="lt1"/>
+    </dgm:txFillClrLst>
+    <dgm:txEffectClrLst/>
+  </dgm:styleLbl>
+  <dgm:styleLbl name="parChTrans1D1">
+    <dgm:fillClrLst meth="repeat">
+      <a:schemeClr val="accent1"/>
+    </dgm:fillClrLst>
+    <dgm:linClrLst meth="repeat">
+      <a:schemeClr val="accent1">
+        <a:shade val="60000"/>
+      </a:schemeClr>
+    </dgm:linClrLst>
+    <dgm:effectClrLst/>
+    <dgm:txLinClrLst/>
+    <dgm:txFillClrLst meth="repeat">
+      <a:schemeClr val="tx1"/>
+    </dgm:txFillClrLst>
+    <dgm:txEffectClrLst/>
+  </dgm:styleLbl>
+  <dgm:styleLbl name="parChTrans1D2">
+    <dgm:fillClrLst meth="repeat">
+      <a:schemeClr val="accent1"/>
+    </dgm:fillClrLst>
+    <dgm:linClrLst meth="repeat">
+      <a:schemeClr val="accent1">
+        <a:shade val="60000"/>
+      </a:schemeClr>
+    </dgm:linClrLst>
+    <dgm:effectClrLst/>
+    <dgm:txLinClrLst/>
+    <dgm:txFillClrLst meth="repeat">
+      <a:schemeClr val="tx1"/>
+    </dgm:txFillClrLst>
+    <dgm:txEffectClrLst/>
+  </dgm:styleLbl>
+  <dgm:styleLbl name="parChTrans1D3">
+    <dgm:fillClrLst meth="repeat">
+      <a:schemeClr val="accent1"/>
+    </dgm:fillClrLst>
+    <dgm:linClrLst meth="repeat">
+      <a:schemeClr val="accent1">
+        <a:shade val="80000"/>
+      </a:schemeClr>
+    </dgm:linClrLst>
+    <dgm:effectClrLst/>
+    <dgm:txLinClrLst/>
+    <dgm:txFillClrLst meth="repeat">
+      <a:schemeClr val="tx1"/>
+    </dgm:txFillClrLst>
+    <dgm:txEffectClrLst/>
+  </dgm:styleLbl>
+  <dgm:styleLbl name="parChTrans1D4">
+    <dgm:fillClrLst meth="repeat">
+      <a:schemeClr val="accent1"/>
+    </dgm:fillClrLst>
+    <dgm:linClrLst meth="repeat">
+      <a:schemeClr val="accent1">
+        <a:shade val="80000"/>
+      </a:schemeClr>
+    </dgm:linClrLst>
+    <dgm:effectClrLst/>
+    <dgm:txLinClrLst/>
+    <dgm:txFillClrLst meth="repeat">
+      <a:schemeClr val="tx1"/>
+    </dgm:txFillClrLst>
+    <dgm:txEffectClrLst/>
+  </dgm:styleLbl>
+  <dgm:styleLbl name="fgAcc1">
+    <dgm:fillClrLst meth="repeat">
+      <a:schemeClr val="lt1">
+        <a:alpha val="90000"/>
+      </a:schemeClr>
+    </dgm:fillClrLst>
+    <dgm:linClrLst meth="repeat">
+      <a:schemeClr val="accent1"/>
+    </dgm:linClrLst>
+    <dgm:effectClrLst/>
+    <dgm:txLinClrLst/>
+    <dgm:txFillClrLst meth="repeat">
+      <a:schemeClr val="dk1"/>
+    </dgm:txFillClrLst>
+    <dgm:txEffectClrLst/>
+  </dgm:styleLbl>
+  <dgm:styleLbl name="conFgAcc1">
+    <dgm:fillClrLst meth="repeat">
+      <a:schemeClr val="lt1">
+        <a:alpha val="90000"/>
+      </a:schemeClr>
+    </dgm:fillClrLst>
+    <dgm:linClrLst meth="repeat">
+      <a:schemeClr val="accent1"/>
+    </dgm:linClrLst>
+    <dgm:effectClrLst/>
+    <dgm:txLinClrLst/>
+    <dgm:txFillClrLst meth="repeat">
+      <a:schemeClr val="dk1"/>
+    </dgm:txFillClrLst>
+    <dgm:txEffectClrLst/>
+  </dgm:styleLbl>
+  <dgm:styleLbl name="alignAcc1">
+    <dgm:fillClrLst meth="repeat">
+      <a:schemeClr val="lt1">
+        <a:alpha val="90000"/>
+      </a:schemeClr>
+    </dgm:fillClrLst>
+    <dgm:linClrLst meth="repeat">
+      <a:schemeClr val="accent1"/>
+    </dgm:linClrLst>
+    <dgm:effectClrLst/>
+    <dgm:txLinClrLst/>
+    <dgm:txFillClrLst meth="repeat">
+      <a:schemeClr val="dk1"/>
+    </dgm:txFillClrLst>
+    <dgm:txEffectClrLst/>
+  </dgm:styleLbl>
+  <dgm:styleLbl name="trAlignAcc1">
+    <dgm:fillClrLst meth="repeat">
+      <a:schemeClr val="lt1">
+        <a:alpha val="40000"/>
+      </a:schemeClr>
+    </dgm:fillClrLst>
+    <dgm:linClrLst meth="repeat">
+      <a:schemeClr val="accent1"/>
+    </dgm:linClrLst>
+    <dgm:effectClrLst/>
+    <dgm:txLinClrLst/>
+    <dgm:txFillClrLst meth="repeat">
+      <a:schemeClr val="dk1"/>
+    </dgm:txFillClrLst>
+    <dgm:txEffectClrLst/>
+  </dgm:styleLbl>
+  <dgm:styleLbl name="bgAcc1">
+    <dgm:fillClrLst meth="repeat">
+      <a:schemeClr val="lt1">
+        <a:alpha val="90000"/>
+      </a:schemeClr>
+    </dgm:fillClrLst>
+    <dgm:linClrLst meth="repeat">
+      <a:schemeClr val="accent1"/>
+    </dgm:linClrLst>
+    <dgm:effectClrLst/>
+    <dgm:txLinClrLst/>
+    <dgm:txFillClrLst meth="repeat">
+      <a:schemeClr val="dk1"/>
+    </dgm:txFillClrLst>
+    <dgm:txEffectClrLst/>
+  </dgm:styleLbl>
+  <dgm:styleLbl name="solidFgAcc1">
+    <dgm:fillClrLst meth="repeat">
+      <a:schemeClr val="lt1"/>
+    </dgm:fillClrLst>
+    <dgm:linClrLst meth="repeat">
+      <a:schemeClr val="accent1"/>
+    </dgm:linClrLst>
+    <dgm:effectClrLst/>
+    <dgm:txLinClrLst/>
+    <dgm:txFillClrLst meth="repeat">
+      <a:schemeClr val="dk1"/>
+    </dgm:txFillClrLst>
+    <dgm:txEffectClrLst/>
+  </dgm:styleLbl>
+  <dgm:styleLbl name="solidAlignAcc1">
+    <dgm:fillClrLst meth="repeat">
+      <a:schemeClr val="lt1"/>
+    </dgm:fillClrLst>
+    <dgm:linClrLst meth="repeat">
+      <a:schemeClr val="accent1"/>
+    </dgm:linClrLst>
+    <dgm:effectClrLst/>
+    <dgm:txLinClrLst/>
+    <dgm:txFillClrLst meth="repeat">
+      <a:schemeClr val="dk1"/>
+    </dgm:txFillClrLst>
+    <dgm:txEffectClrLst/>
+  </dgm:styleLbl>
+  <dgm:styleLbl name="solidBgAcc1">
+    <dgm:fillClrLst meth="repeat">
+      <a:schemeClr val="lt1"/>
+    </dgm:fillClrLst>
+    <dgm:linClrLst meth="repeat">
+      <a:schemeClr val="accent1"/>
+    </dgm:linClrLst>
+    <dgm:effectClrLst/>
+    <dgm:txLinClrLst/>
+    <dgm:txFillClrLst meth="repeat">
+      <a:schemeClr val="dk1"/>
+    </dgm:txFillClrLst>
+    <dgm:txEffectClrLst/>
+  </dgm:styleLbl>
+  <dgm:styleLbl name="fgAccFollowNode1">
+    <dgm:fillClrLst meth="repeat">
+      <a:schemeClr val="accent1">
+        <a:alpha val="90000"/>
+        <a:tint val="40000"/>
+      </a:schemeClr>
+    </dgm:fillClrLst>
+    <dgm:linClrLst meth="repeat">
+      <a:schemeClr val="accent1">
+        <a:alpha val="90000"/>
+        <a:tint val="40000"/>
+      </a:schemeClr>
+    </dgm:linClrLst>
+    <dgm:effectClrLst/>
+    <dgm:txLinClrLst/>
+    <dgm:txFillClrLst meth="repeat">
+      <a:schemeClr val="dk1"/>
+    </dgm:txFillClrLst>
+    <dgm:txEffectClrLst/>
+  </dgm:styleLbl>
+  <dgm:styleLbl name="alignAccFollowNode1">
+    <dgm:fillClrLst meth="repeat">
+      <a:schemeClr val="accent1">
+        <a:alpha val="90000"/>
+        <a:tint val="40000"/>
+      </a:schemeClr>
+    </dgm:fillClrLst>
+    <dgm:linClrLst meth="repeat">
+      <a:schemeClr val="accent1">
+        <a:alpha val="90000"/>
+        <a:tint val="40000"/>
+      </a:schemeClr>
+    </dgm:linClrLst>
+    <dgm:effectClrLst/>
+    <dgm:txLinClrLst/>
+    <dgm:txFillClrLst meth="repeat">
+      <a:schemeClr val="dk1"/>
+    </dgm:txFillClrLst>
+    <dgm:txEffectClrLst/>
+  </dgm:styleLbl>
+  <dgm:styleLbl name="bgAccFollowNode1">
+    <dgm:fillClrLst meth="repeat">
+      <a:schemeClr val="accent1">
+        <a:alpha val="90000"/>
+        <a:tint val="40000"/>
+      </a:schemeClr>
+    </dgm:fillClrLst>
+    <dgm:linClrLst meth="repeat">
+      <a:schemeClr val="accent1">
+        <a:alpha val="90000"/>
+        <a:tint val="40000"/>
+      </a:schemeClr>
+    </dgm:linClrLst>
+    <dgm:effectClrLst/>
+    <dgm:txLinClrLst/>
+    <dgm:txFillClrLst meth="repeat">
+      <a:schemeClr val="dk1"/>
+    </dgm:txFillClrLst>
+    <dgm:txEffectClrLst/>
+  </dgm:styleLbl>
+  <dgm:styleLbl name="fgAcc0">
+    <dgm:fillClrLst meth="repeat">
+      <a:schemeClr val="lt1">
+        <a:alpha val="90000"/>
+      </a:schemeClr>
+    </dgm:fillClrLst>
+    <dgm:linClrLst meth="repeat">
+      <a:schemeClr val="accent1"/>
+    </dgm:linClrLst>
+    <dgm:effectClrLst/>
+    <dgm:txLinClrLst/>
+    <dgm:txFillClrLst meth="repeat">
+      <a:schemeClr val="dk1"/>
+    </dgm:txFillClrLst>
+    <dgm:txEffectClrLst/>
+  </dgm:styleLbl>
+  <dgm:styleLbl name="fgAcc2">
+    <dgm:fillClrLst meth="repeat">
+      <a:schemeClr val="lt1">
+        <a:alpha val="90000"/>
+      </a:schemeClr>
+    </dgm:fillClrLst>
+    <dgm:linClrLst meth="repeat">
+      <a:schemeClr val="accent1"/>
+    </dgm:linClrLst>
+    <dgm:effectClrLst/>
+    <dgm:txLinClrLst/>
+    <dgm:txFillClrLst meth="repeat">
+      <a:schemeClr val="dk1"/>
+    </dgm:txFillClrLst>
+    <dgm:txEffectClrLst/>
+  </dgm:styleLbl>
+  <dgm:styleLbl name="fgAcc3">
+    <dgm:fillClrLst meth="repeat">
+      <a:schemeClr val="lt1">
+        <a:alpha val="90000"/>
+      </a:schemeClr>
+    </dgm:fillClrLst>
+    <dgm:linClrLst meth="repeat">
+      <a:schemeClr val="accent1"/>
+    </dgm:linClrLst>
+    <dgm:effectClrLst/>
+    <dgm:txLinClrLst/>
+    <dgm:txFillClrLst meth="repeat">
+      <a:schemeClr val="dk1"/>
+    </dgm:txFillClrLst>
+    <dgm:txEffectClrLst/>
+  </dgm:styleLbl>
+  <dgm:styleLbl name="fgAcc4">
+    <dgm:fillClrLst meth="repeat">
+      <a:schemeClr val="lt1">
+        <a:alpha val="90000"/>
+      </a:schemeClr>
+    </dgm:fillClrLst>
+    <dgm:linClrLst meth="repeat">
+      <a:schemeClr val="accent1"/>
+    </dgm:linClrLst>
+    <dgm:effectClrLst/>
+    <dgm:txLinClrLst/>
+    <dgm:txFillClrLst meth="repeat">
+      <a:schemeClr val="dk1"/>
+    </dgm:txFillClrLst>
+    <dgm:txEffectClrLst/>
+  </dgm:styleLbl>
+  <dgm:styleLbl name="bgShp">
+    <dgm:fillClrLst meth="repeat">
+      <a:schemeClr val="accent1">
+        <a:tint val="40000"/>
+      </a:schemeClr>
+    </dgm:fillClrLst>
+    <dgm:linClrLst meth="repeat">
+      <a:schemeClr val="accent1"/>
+    </dgm:linClrLst>
+    <dgm:effectClrLst/>
+    <dgm:txLinClrLst/>
+    <dgm:txFillClrLst meth="repeat">
+      <a:schemeClr val="dk1"/>
+    </dgm:txFillClrLst>
+    <dgm:txEffectClrLst/>
+  </dgm:styleLbl>
+  <dgm:styleLbl name="dkBgShp">
+    <dgm:fillClrLst meth="repeat">
+      <a:schemeClr val="accent1">
+        <a:shade val="80000"/>
+      </a:schemeClr>
+    </dgm:fillClrLst>
+    <dgm:linClrLst meth="repeat">
+      <a:schemeClr val="accent1"/>
+    </dgm:linClrLst>
+    <dgm:effectClrLst/>
+    <dgm:txLinClrLst/>
+    <dgm:txFillClrLst meth="repeat">
+      <a:schemeClr val="lt1"/>
+    </dgm:txFillClrLst>
+    <dgm:txEffectClrLst/>
+  </dgm:styleLbl>
+  <dgm:styleLbl name="trBgShp">
+    <dgm:fillClrLst meth="repeat">
+      <a:schemeClr val="accent1">
+        <a:tint val="50000"/>
+        <a:alpha val="40000"/>
+      </a:schemeClr>
+    </dgm:fillClrLst>
+    <dgm:linClrLst meth="repeat">
+      <a:schemeClr val="accent1"/>
+    </dgm:linClrLst>
+    <dgm:effectClrLst/>
+    <dgm:txLinClrLst/>
+    <dgm:txFillClrLst meth="repeat">
+      <a:schemeClr val="lt1"/>
+    </dgm:txFillClrLst>
+    <dgm:txEffectClrLst/>
+  </dgm:styleLbl>
+  <dgm:styleLbl name="fgShp">
+    <dgm:fillClrLst meth="repeat">
+      <a:schemeClr val="accent1">
+        <a:tint val="60000"/>
+      </a:schemeClr>
+    </dgm:fillClrLst>
+    <dgm:linClrLst meth="repeat">
+      <a:schemeClr val="lt1"/>
+    </dgm:linClrLst>
+    <dgm:effectClrLst/>
+    <dgm:txLinClrLst/>
+    <dgm:txFillClrLst meth="repeat">
+      <a:schemeClr val="dk1"/>
+    </dgm:txFillClrLst>
+    <dgm:txEffectClrLst/>
+  </dgm:styleLbl>
+  <dgm:styleLbl name="revTx">
+    <dgm:fillClrLst meth="repeat">
+      <a:schemeClr val="lt1">
+        <a:alpha val="0"/>
+      </a:schemeClr>
+    </dgm:fillClrLst>
+    <dgm:linClrLst meth="repeat">
+      <a:schemeClr val="dk1">
+        <a:alpha val="0"/>
+      </a:schemeClr>
+    </dgm:linClrLst>
+    <dgm:effectClrLst/>
+    <dgm:txLinClrLst/>
+    <dgm:txFillClrLst meth="repeat">
+      <a:schemeClr val="tx1"/>
+    </dgm:txFillClrLst>
+    <dgm:txEffectClrLst/>
+  </dgm:styleLbl>
+</dgm:colorsDef>
+</file>
+
+<file path=ppt/diagrams/data1.xml><?xml version="1.0" encoding="utf-8"?>
+<dgm:dataModel xmlns:dgm="http://schemas.openxmlformats.org/drawingml/2006/diagram" xmlns:a="http://schemas.openxmlformats.org/drawingml/2006/main">
+  <dgm:ptLst>
+    <dgm:pt modelId="{4829A72E-F96F-42D1-8262-8064A21907DA}" type="doc">
+      <dgm:prSet loTypeId="urn:microsoft.com/office/officeart/2005/8/layout/StepDownProcess" loCatId="process" qsTypeId="urn:microsoft.com/office/officeart/2005/8/quickstyle/simple1" qsCatId="simple" csTypeId="urn:microsoft.com/office/officeart/2005/8/colors/accent1_2" csCatId="accent1" phldr="1"/>
+      <dgm:spPr/>
+      <dgm:t>
+        <a:bodyPr/>
+        <a:lstStyle/>
+        <a:p>
+          <a:endParaRPr lang="el-GR"/>
+        </a:p>
+      </dgm:t>
+    </dgm:pt>
+    <dgm:pt modelId="{8B53312A-51E2-4FE7-8680-A5FE9793997C}">
+      <dgm:prSet phldrT="[Κείμενο]" custT="1"/>
+      <dgm:spPr/>
+      <dgm:t>
+        <a:bodyPr/>
+        <a:lstStyle/>
+        <a:p>
+          <a:r>
+            <a:rPr lang="en-US" sz="1200" dirty="0"/>
+            <a:t>Import specified file(s)</a:t>
+          </a:r>
+          <a:endParaRPr lang="el-GR" sz="1200" dirty="0"/>
+        </a:p>
+      </dgm:t>
+    </dgm:pt>
+    <dgm:pt modelId="{468EB905-F13D-4D94-9B4B-75A75872124B}" type="parTrans" cxnId="{15F855A9-0763-41DB-B9E4-A3F74D26484D}">
+      <dgm:prSet/>
+      <dgm:spPr/>
+      <dgm:t>
+        <a:bodyPr/>
+        <a:lstStyle/>
+        <a:p>
+          <a:endParaRPr lang="el-GR"/>
+        </a:p>
+      </dgm:t>
+    </dgm:pt>
+    <dgm:pt modelId="{80AB45F9-79F9-4BEB-9BD8-0E8304A732A9}" type="sibTrans" cxnId="{15F855A9-0763-41DB-B9E4-A3F74D26484D}">
+      <dgm:prSet/>
+      <dgm:spPr/>
+      <dgm:t>
+        <a:bodyPr/>
+        <a:lstStyle/>
+        <a:p>
+          <a:endParaRPr lang="el-GR"/>
+        </a:p>
+      </dgm:t>
+    </dgm:pt>
+    <dgm:pt modelId="{AFA85333-EE05-48B2-A5C3-9F3A1C1FEFFA}">
+      <dgm:prSet phldrT="[Κείμενο]" phldr="1"/>
+      <dgm:spPr/>
+      <dgm:t>
+        <a:bodyPr/>
+        <a:lstStyle/>
+        <a:p>
+          <a:endParaRPr lang="el-GR" dirty="0"/>
+        </a:p>
+      </dgm:t>
+    </dgm:pt>
+    <dgm:pt modelId="{AE57068E-6ACD-4B02-A5BB-EAFE77DBAA92}" type="parTrans" cxnId="{8D72ACF1-993C-4E0E-82EF-68D16716EBCD}">
+      <dgm:prSet/>
+      <dgm:spPr/>
+      <dgm:t>
+        <a:bodyPr/>
+        <a:lstStyle/>
+        <a:p>
+          <a:endParaRPr lang="el-GR"/>
+        </a:p>
+      </dgm:t>
+    </dgm:pt>
+    <dgm:pt modelId="{00D6F3A7-184D-4885-A83E-D30E018B513F}" type="sibTrans" cxnId="{8D72ACF1-993C-4E0E-82EF-68D16716EBCD}">
+      <dgm:prSet/>
+      <dgm:spPr/>
+      <dgm:t>
+        <a:bodyPr/>
+        <a:lstStyle/>
+        <a:p>
+          <a:endParaRPr lang="el-GR"/>
+        </a:p>
+      </dgm:t>
+    </dgm:pt>
+    <dgm:pt modelId="{F93D3219-2052-4F3B-97F2-39649128A791}">
+      <dgm:prSet phldrT="[Κείμενο]" custT="1"/>
+      <dgm:spPr/>
+      <dgm:t>
+        <a:bodyPr/>
+        <a:lstStyle/>
+        <a:p>
+          <a:r>
+            <a:rPr lang="en-US" sz="1200" dirty="0"/>
+            <a:t>Conversion to AI compatible</a:t>
+          </a:r>
+          <a:endParaRPr lang="el-GR" sz="1200" dirty="0"/>
+        </a:p>
+      </dgm:t>
+    </dgm:pt>
+    <dgm:pt modelId="{6E29A046-77A9-4F92-9570-C241F2D13DEE}" type="parTrans" cxnId="{F60B3658-8C9E-4305-8A09-B7908EAE9C22}">
+      <dgm:prSet/>
+      <dgm:spPr/>
+      <dgm:t>
+        <a:bodyPr/>
+        <a:lstStyle/>
+        <a:p>
+          <a:endParaRPr lang="el-GR"/>
+        </a:p>
+      </dgm:t>
+    </dgm:pt>
+    <dgm:pt modelId="{E04A702D-6419-4BA7-A8AA-21431C3E63EF}" type="sibTrans" cxnId="{F60B3658-8C9E-4305-8A09-B7908EAE9C22}">
+      <dgm:prSet/>
+      <dgm:spPr/>
+      <dgm:t>
+        <a:bodyPr/>
+        <a:lstStyle/>
+        <a:p>
+          <a:endParaRPr lang="el-GR"/>
+        </a:p>
+      </dgm:t>
+    </dgm:pt>
+    <dgm:pt modelId="{1AAB341C-1E06-4914-B3AD-2410BD84232C}">
+      <dgm:prSet phldrT="[Κείμενο]" phldr="1"/>
+      <dgm:spPr/>
+      <dgm:t>
+        <a:bodyPr/>
+        <a:lstStyle/>
+        <a:p>
+          <a:endParaRPr lang="el-GR" dirty="0"/>
+        </a:p>
+      </dgm:t>
+    </dgm:pt>
+    <dgm:pt modelId="{251D19BB-9DD4-4D37-A932-AE9C8F675A8B}" type="parTrans" cxnId="{D6A7B708-D8E8-47A7-B1E1-86335D034558}">
+      <dgm:prSet/>
+      <dgm:spPr/>
+      <dgm:t>
+        <a:bodyPr/>
+        <a:lstStyle/>
+        <a:p>
+          <a:endParaRPr lang="el-GR"/>
+        </a:p>
+      </dgm:t>
+    </dgm:pt>
+    <dgm:pt modelId="{28228773-290A-4D0E-B54B-75025962E911}" type="sibTrans" cxnId="{D6A7B708-D8E8-47A7-B1E1-86335D034558}">
+      <dgm:prSet/>
+      <dgm:spPr/>
+      <dgm:t>
+        <a:bodyPr/>
+        <a:lstStyle/>
+        <a:p>
+          <a:endParaRPr lang="el-GR"/>
+        </a:p>
+      </dgm:t>
+    </dgm:pt>
+    <dgm:pt modelId="{0F12A495-8E63-4360-A596-7C825470802A}">
+      <dgm:prSet phldrT="[Κείμενο]" custT="1"/>
+      <dgm:spPr/>
+      <dgm:t>
+        <a:bodyPr/>
+        <a:lstStyle/>
+        <a:p>
+          <a:r>
+            <a:rPr lang="en-US" sz="1200" dirty="0"/>
+            <a:t>Creation of desired task </a:t>
+          </a:r>
+          <a:endParaRPr lang="el-GR" sz="1200" dirty="0"/>
+        </a:p>
+      </dgm:t>
+    </dgm:pt>
+    <dgm:pt modelId="{F1825AB7-0C25-40A9-9A55-C6A270C5774D}" type="parTrans" cxnId="{0B280921-4416-4D75-BC95-473479EC39F1}">
+      <dgm:prSet/>
+      <dgm:spPr/>
+      <dgm:t>
+        <a:bodyPr/>
+        <a:lstStyle/>
+        <a:p>
+          <a:endParaRPr lang="el-GR"/>
+        </a:p>
+      </dgm:t>
+    </dgm:pt>
+    <dgm:pt modelId="{2232102C-0169-4DBF-BF41-240BC6922244}" type="sibTrans" cxnId="{0B280921-4416-4D75-BC95-473479EC39F1}">
+      <dgm:prSet/>
+      <dgm:spPr/>
+      <dgm:t>
+        <a:bodyPr/>
+        <a:lstStyle/>
+        <a:p>
+          <a:endParaRPr lang="el-GR"/>
+        </a:p>
+      </dgm:t>
+    </dgm:pt>
+    <dgm:pt modelId="{F4377B9F-31B8-44AF-B3F0-C7F33F6E5A87}">
+      <dgm:prSet phldrT="[Κείμενο]" phldr="1"/>
+      <dgm:spPr/>
+      <dgm:t>
+        <a:bodyPr/>
+        <a:lstStyle/>
+        <a:p>
+          <a:endParaRPr lang="el-GR" dirty="0"/>
+        </a:p>
+      </dgm:t>
+    </dgm:pt>
+    <dgm:pt modelId="{C1EB82DD-CF6C-4A04-9E3C-5E34CFEF6FA7}" type="parTrans" cxnId="{1C7B4F2E-1E92-438F-93A1-5599781E5FDD}">
+      <dgm:prSet/>
+      <dgm:spPr/>
+      <dgm:t>
+        <a:bodyPr/>
+        <a:lstStyle/>
+        <a:p>
+          <a:endParaRPr lang="el-GR"/>
+        </a:p>
+      </dgm:t>
+    </dgm:pt>
+    <dgm:pt modelId="{9827DF2B-F95E-4656-A6F8-82B9B06F40A0}" type="sibTrans" cxnId="{1C7B4F2E-1E92-438F-93A1-5599781E5FDD}">
+      <dgm:prSet/>
+      <dgm:spPr/>
+      <dgm:t>
+        <a:bodyPr/>
+        <a:lstStyle/>
+        <a:p>
+          <a:endParaRPr lang="el-GR"/>
+        </a:p>
+      </dgm:t>
+    </dgm:pt>
+    <dgm:pt modelId="{4C1E5FE9-81B9-4A15-855E-CF6898D7CD80}" type="pres">
+      <dgm:prSet presAssocID="{4829A72E-F96F-42D1-8262-8064A21907DA}" presName="rootnode" presStyleCnt="0">
+        <dgm:presLayoutVars>
+          <dgm:chMax/>
+          <dgm:chPref/>
+          <dgm:dir/>
+          <dgm:animLvl val="lvl"/>
+        </dgm:presLayoutVars>
+      </dgm:prSet>
+      <dgm:spPr/>
+    </dgm:pt>
+    <dgm:pt modelId="{AA88B815-FEB5-44B8-85C1-D85BC3CA5D1E}" type="pres">
+      <dgm:prSet presAssocID="{8B53312A-51E2-4FE7-8680-A5FE9793997C}" presName="composite" presStyleCnt="0"/>
+      <dgm:spPr/>
+    </dgm:pt>
+    <dgm:pt modelId="{B13FDCC7-B499-4325-AA3C-28CB6A5A2140}" type="pres">
+      <dgm:prSet presAssocID="{8B53312A-51E2-4FE7-8680-A5FE9793997C}" presName="bentUpArrow1" presStyleLbl="alignImgPlace1" presStyleIdx="0" presStyleCnt="2"/>
+      <dgm:spPr/>
+    </dgm:pt>
+    <dgm:pt modelId="{63B9EF16-79E1-41FC-868B-0B7F7662EC23}" type="pres">
+      <dgm:prSet presAssocID="{8B53312A-51E2-4FE7-8680-A5FE9793997C}" presName="ParentText" presStyleLbl="node1" presStyleIdx="0" presStyleCnt="3" custLinFactNeighborX="929" custLinFactNeighborY="-3052">
+        <dgm:presLayoutVars>
+          <dgm:chMax val="1"/>
+          <dgm:chPref val="1"/>
+          <dgm:bulletEnabled val="1"/>
+        </dgm:presLayoutVars>
+      </dgm:prSet>
+      <dgm:spPr/>
+    </dgm:pt>
+    <dgm:pt modelId="{A8BC661C-504B-4528-8E11-03CA5BE80A79}" type="pres">
+      <dgm:prSet presAssocID="{8B53312A-51E2-4FE7-8680-A5FE9793997C}" presName="ChildText" presStyleLbl="revTx" presStyleIdx="0" presStyleCnt="3">
+        <dgm:presLayoutVars>
+          <dgm:chMax val="0"/>
+          <dgm:chPref val="0"/>
+          <dgm:bulletEnabled val="1"/>
+        </dgm:presLayoutVars>
+      </dgm:prSet>
+      <dgm:spPr/>
+    </dgm:pt>
+    <dgm:pt modelId="{AEF244DF-949E-4757-875B-6D0CBC67C2A8}" type="pres">
+      <dgm:prSet presAssocID="{80AB45F9-79F9-4BEB-9BD8-0E8304A732A9}" presName="sibTrans" presStyleCnt="0"/>
+      <dgm:spPr/>
+    </dgm:pt>
+    <dgm:pt modelId="{7B6DFA53-4E86-4111-9930-6C3206A35CD2}" type="pres">
+      <dgm:prSet presAssocID="{F93D3219-2052-4F3B-97F2-39649128A791}" presName="composite" presStyleCnt="0"/>
+      <dgm:spPr/>
+    </dgm:pt>
+    <dgm:pt modelId="{AD4D04AB-619F-4E23-A551-E2C40A0945A2}" type="pres">
+      <dgm:prSet presAssocID="{F93D3219-2052-4F3B-97F2-39649128A791}" presName="bentUpArrow1" presStyleLbl="alignImgPlace1" presStyleIdx="1" presStyleCnt="2"/>
+      <dgm:spPr/>
+    </dgm:pt>
+    <dgm:pt modelId="{0589FEA3-CCB8-45B8-826B-5998E0A4DD4C}" type="pres">
+      <dgm:prSet presAssocID="{F93D3219-2052-4F3B-97F2-39649128A791}" presName="ParentText" presStyleLbl="node1" presStyleIdx="1" presStyleCnt="3" custAng="0">
+        <dgm:presLayoutVars>
+          <dgm:chMax val="1"/>
+          <dgm:chPref val="1"/>
+          <dgm:bulletEnabled val="1"/>
+        </dgm:presLayoutVars>
+      </dgm:prSet>
+      <dgm:spPr/>
+    </dgm:pt>
+    <dgm:pt modelId="{AFAAE860-0DB1-4770-B47F-E35588F7CDC1}" type="pres">
+      <dgm:prSet presAssocID="{F93D3219-2052-4F3B-97F2-39649128A791}" presName="ChildText" presStyleLbl="revTx" presStyleIdx="1" presStyleCnt="3">
+        <dgm:presLayoutVars>
+          <dgm:chMax val="0"/>
+          <dgm:chPref val="0"/>
+          <dgm:bulletEnabled val="1"/>
+        </dgm:presLayoutVars>
+      </dgm:prSet>
+      <dgm:spPr/>
+    </dgm:pt>
+    <dgm:pt modelId="{CA74017F-4A21-424D-80ED-71C43519D240}" type="pres">
+      <dgm:prSet presAssocID="{E04A702D-6419-4BA7-A8AA-21431C3E63EF}" presName="sibTrans" presStyleCnt="0"/>
+      <dgm:spPr/>
+    </dgm:pt>
+    <dgm:pt modelId="{7D59665C-1559-41DE-9FD1-5E0C8FF5D6D5}" type="pres">
+      <dgm:prSet presAssocID="{0F12A495-8E63-4360-A596-7C825470802A}" presName="composite" presStyleCnt="0"/>
+      <dgm:spPr/>
+    </dgm:pt>
+    <dgm:pt modelId="{F21E8E84-8742-4B73-BE15-7E85AE43D72F}" type="pres">
+      <dgm:prSet presAssocID="{0F12A495-8E63-4360-A596-7C825470802A}" presName="ParentText" presStyleLbl="node1" presStyleIdx="2" presStyleCnt="3">
+        <dgm:presLayoutVars>
+          <dgm:chMax val="1"/>
+          <dgm:chPref val="1"/>
+          <dgm:bulletEnabled val="1"/>
+        </dgm:presLayoutVars>
+      </dgm:prSet>
+      <dgm:spPr/>
+    </dgm:pt>
+    <dgm:pt modelId="{5B03200A-4A29-4E30-8963-45A88F7F8CE8}" type="pres">
+      <dgm:prSet presAssocID="{0F12A495-8E63-4360-A596-7C825470802A}" presName="FinalChildText" presStyleLbl="revTx" presStyleIdx="2" presStyleCnt="3">
+        <dgm:presLayoutVars>
+          <dgm:chMax val="0"/>
+          <dgm:chPref val="0"/>
+          <dgm:bulletEnabled val="1"/>
+        </dgm:presLayoutVars>
+      </dgm:prSet>
+      <dgm:spPr/>
+    </dgm:pt>
+  </dgm:ptLst>
+  <dgm:cxnLst>
+    <dgm:cxn modelId="{D6A7B708-D8E8-47A7-B1E1-86335D034558}" srcId="{F93D3219-2052-4F3B-97F2-39649128A791}" destId="{1AAB341C-1E06-4914-B3AD-2410BD84232C}" srcOrd="0" destOrd="0" parTransId="{251D19BB-9DD4-4D37-A932-AE9C8F675A8B}" sibTransId="{28228773-290A-4D0E-B54B-75025962E911}"/>
+    <dgm:cxn modelId="{DB9B5409-90F1-47B5-A4F1-EA512D47B534}" type="presOf" srcId="{F93D3219-2052-4F3B-97F2-39649128A791}" destId="{0589FEA3-CCB8-45B8-826B-5998E0A4DD4C}" srcOrd="0" destOrd="0" presId="urn:microsoft.com/office/officeart/2005/8/layout/StepDownProcess"/>
+    <dgm:cxn modelId="{0B280921-4416-4D75-BC95-473479EC39F1}" srcId="{4829A72E-F96F-42D1-8262-8064A21907DA}" destId="{0F12A495-8E63-4360-A596-7C825470802A}" srcOrd="2" destOrd="0" parTransId="{F1825AB7-0C25-40A9-9A55-C6A270C5774D}" sibTransId="{2232102C-0169-4DBF-BF41-240BC6922244}"/>
+    <dgm:cxn modelId="{1C7B4F2E-1E92-438F-93A1-5599781E5FDD}" srcId="{0F12A495-8E63-4360-A596-7C825470802A}" destId="{F4377B9F-31B8-44AF-B3F0-C7F33F6E5A87}" srcOrd="0" destOrd="0" parTransId="{C1EB82DD-CF6C-4A04-9E3C-5E34CFEF6FA7}" sibTransId="{9827DF2B-F95E-4656-A6F8-82B9B06F40A0}"/>
+    <dgm:cxn modelId="{2178F575-FDA2-40E7-9270-F8CAECEB17A7}" type="presOf" srcId="{0F12A495-8E63-4360-A596-7C825470802A}" destId="{F21E8E84-8742-4B73-BE15-7E85AE43D72F}" srcOrd="0" destOrd="0" presId="urn:microsoft.com/office/officeart/2005/8/layout/StepDownProcess"/>
+    <dgm:cxn modelId="{091B3676-CAE5-4449-8BBC-80AF59D4042C}" type="presOf" srcId="{AFA85333-EE05-48B2-A5C3-9F3A1C1FEFFA}" destId="{A8BC661C-504B-4528-8E11-03CA5BE80A79}" srcOrd="0" destOrd="0" presId="urn:microsoft.com/office/officeart/2005/8/layout/StepDownProcess"/>
+    <dgm:cxn modelId="{F60B3658-8C9E-4305-8A09-B7908EAE9C22}" srcId="{4829A72E-F96F-42D1-8262-8064A21907DA}" destId="{F93D3219-2052-4F3B-97F2-39649128A791}" srcOrd="1" destOrd="0" parTransId="{6E29A046-77A9-4F92-9570-C241F2D13DEE}" sibTransId="{E04A702D-6419-4BA7-A8AA-21431C3E63EF}"/>
+    <dgm:cxn modelId="{B8753086-518F-4768-B7D8-101F20F82A7B}" type="presOf" srcId="{F4377B9F-31B8-44AF-B3F0-C7F33F6E5A87}" destId="{5B03200A-4A29-4E30-8963-45A88F7F8CE8}" srcOrd="0" destOrd="0" presId="urn:microsoft.com/office/officeart/2005/8/layout/StepDownProcess"/>
+    <dgm:cxn modelId="{15F855A9-0763-41DB-B9E4-A3F74D26484D}" srcId="{4829A72E-F96F-42D1-8262-8064A21907DA}" destId="{8B53312A-51E2-4FE7-8680-A5FE9793997C}" srcOrd="0" destOrd="0" parTransId="{468EB905-F13D-4D94-9B4B-75A75872124B}" sibTransId="{80AB45F9-79F9-4BEB-9BD8-0E8304A732A9}"/>
+    <dgm:cxn modelId="{1A79B4B2-468C-4940-8D7D-2EAF41A41352}" type="presOf" srcId="{1AAB341C-1E06-4914-B3AD-2410BD84232C}" destId="{AFAAE860-0DB1-4770-B47F-E35588F7CDC1}" srcOrd="0" destOrd="0" presId="urn:microsoft.com/office/officeart/2005/8/layout/StepDownProcess"/>
+    <dgm:cxn modelId="{EE9037BF-152B-4E56-9380-335185FF38B8}" type="presOf" srcId="{4829A72E-F96F-42D1-8262-8064A21907DA}" destId="{4C1E5FE9-81B9-4A15-855E-CF6898D7CD80}" srcOrd="0" destOrd="0" presId="urn:microsoft.com/office/officeart/2005/8/layout/StepDownProcess"/>
+    <dgm:cxn modelId="{371E35C4-4A8D-4112-95E1-5A0596910D0D}" type="presOf" srcId="{8B53312A-51E2-4FE7-8680-A5FE9793997C}" destId="{63B9EF16-79E1-41FC-868B-0B7F7662EC23}" srcOrd="0" destOrd="0" presId="urn:microsoft.com/office/officeart/2005/8/layout/StepDownProcess"/>
+    <dgm:cxn modelId="{8D72ACF1-993C-4E0E-82EF-68D16716EBCD}" srcId="{8B53312A-51E2-4FE7-8680-A5FE9793997C}" destId="{AFA85333-EE05-48B2-A5C3-9F3A1C1FEFFA}" srcOrd="0" destOrd="0" parTransId="{AE57068E-6ACD-4B02-A5BB-EAFE77DBAA92}" sibTransId="{00D6F3A7-184D-4885-A83E-D30E018B513F}"/>
+    <dgm:cxn modelId="{A75C6007-DE55-429F-AE4C-2D1B0F743370}" type="presParOf" srcId="{4C1E5FE9-81B9-4A15-855E-CF6898D7CD80}" destId="{AA88B815-FEB5-44B8-85C1-D85BC3CA5D1E}" srcOrd="0" destOrd="0" presId="urn:microsoft.com/office/officeart/2005/8/layout/StepDownProcess"/>
+    <dgm:cxn modelId="{7A592327-1DC5-472F-BD82-F0731F617C01}" type="presParOf" srcId="{AA88B815-FEB5-44B8-85C1-D85BC3CA5D1E}" destId="{B13FDCC7-B499-4325-AA3C-28CB6A5A2140}" srcOrd="0" destOrd="0" presId="urn:microsoft.com/office/officeart/2005/8/layout/StepDownProcess"/>
+    <dgm:cxn modelId="{B361E1F0-8A5F-4179-AA07-65CA7479751E}" type="presParOf" srcId="{AA88B815-FEB5-44B8-85C1-D85BC3CA5D1E}" destId="{63B9EF16-79E1-41FC-868B-0B7F7662EC23}" srcOrd="1" destOrd="0" presId="urn:microsoft.com/office/officeart/2005/8/layout/StepDownProcess"/>
+    <dgm:cxn modelId="{4989BCAE-230E-4957-A13E-60978CD648F0}" type="presParOf" srcId="{AA88B815-FEB5-44B8-85C1-D85BC3CA5D1E}" destId="{A8BC661C-504B-4528-8E11-03CA5BE80A79}" srcOrd="2" destOrd="0" presId="urn:microsoft.com/office/officeart/2005/8/layout/StepDownProcess"/>
+    <dgm:cxn modelId="{57A4D8B0-AE02-4C16-8A4B-DA35DE9F58C2}" type="presParOf" srcId="{4C1E5FE9-81B9-4A15-855E-CF6898D7CD80}" destId="{AEF244DF-949E-4757-875B-6D0CBC67C2A8}" srcOrd="1" destOrd="0" presId="urn:microsoft.com/office/officeart/2005/8/layout/StepDownProcess"/>
+    <dgm:cxn modelId="{2F847109-E509-4036-88C7-BAE080E1E16D}" type="presParOf" srcId="{4C1E5FE9-81B9-4A15-855E-CF6898D7CD80}" destId="{7B6DFA53-4E86-4111-9930-6C3206A35CD2}" srcOrd="2" destOrd="0" presId="urn:microsoft.com/office/officeart/2005/8/layout/StepDownProcess"/>
+    <dgm:cxn modelId="{F2896709-2749-4B5C-BF51-425ED6008D33}" type="presParOf" srcId="{7B6DFA53-4E86-4111-9930-6C3206A35CD2}" destId="{AD4D04AB-619F-4E23-A551-E2C40A0945A2}" srcOrd="0" destOrd="0" presId="urn:microsoft.com/office/officeart/2005/8/layout/StepDownProcess"/>
+    <dgm:cxn modelId="{C2A31A09-1D16-4A46-912D-AD28EFB908D5}" type="presParOf" srcId="{7B6DFA53-4E86-4111-9930-6C3206A35CD2}" destId="{0589FEA3-CCB8-45B8-826B-5998E0A4DD4C}" srcOrd="1" destOrd="0" presId="urn:microsoft.com/office/officeart/2005/8/layout/StepDownProcess"/>
+    <dgm:cxn modelId="{C7A83BDD-29EB-4487-A235-D2AA9FCB2F60}" type="presParOf" srcId="{7B6DFA53-4E86-4111-9930-6C3206A35CD2}" destId="{AFAAE860-0DB1-4770-B47F-E35588F7CDC1}" srcOrd="2" destOrd="0" presId="urn:microsoft.com/office/officeart/2005/8/layout/StepDownProcess"/>
+    <dgm:cxn modelId="{AEB69508-C963-4ABD-A981-2AAE76B3E235}" type="presParOf" srcId="{4C1E5FE9-81B9-4A15-855E-CF6898D7CD80}" destId="{CA74017F-4A21-424D-80ED-71C43519D240}" srcOrd="3" destOrd="0" presId="urn:microsoft.com/office/officeart/2005/8/layout/StepDownProcess"/>
+    <dgm:cxn modelId="{58C215E9-DBF0-4CDF-9CBA-03D331F26D89}" type="presParOf" srcId="{4C1E5FE9-81B9-4A15-855E-CF6898D7CD80}" destId="{7D59665C-1559-41DE-9FD1-5E0C8FF5D6D5}" srcOrd="4" destOrd="0" presId="urn:microsoft.com/office/officeart/2005/8/layout/StepDownProcess"/>
+    <dgm:cxn modelId="{3381ACCD-533D-471F-8AFD-78A2FFDB9DB4}" type="presParOf" srcId="{7D59665C-1559-41DE-9FD1-5E0C8FF5D6D5}" destId="{F21E8E84-8742-4B73-BE15-7E85AE43D72F}" srcOrd="0" destOrd="0" presId="urn:microsoft.com/office/officeart/2005/8/layout/StepDownProcess"/>
+    <dgm:cxn modelId="{064C1D46-5E45-49EA-9D9E-AFAD5598DB0E}" type="presParOf" srcId="{7D59665C-1559-41DE-9FD1-5E0C8FF5D6D5}" destId="{5B03200A-4A29-4E30-8963-45A88F7F8CE8}" srcOrd="1" destOrd="0" presId="urn:microsoft.com/office/officeart/2005/8/layout/StepDownProcess"/>
+  </dgm:cxnLst>
+  <dgm:bg/>
+  <dgm:whole/>
+  <dgm:extLst>
+    <a:ext uri="http://schemas.microsoft.com/office/drawing/2008/diagram">
+      <dsp:dataModelExt xmlns:dsp="http://schemas.microsoft.com/office/drawing/2008/diagram" relId="rId6" minVer="http://schemas.openxmlformats.org/drawingml/2006/diagram"/>
+    </a:ext>
+  </dgm:extLst>
+</dgm:dataModel>
+</file>
+
+<file path=ppt/diagrams/drawing1.xml><?xml version="1.0" encoding="utf-8"?>
+<dsp:drawing xmlns:dgm="http://schemas.openxmlformats.org/drawingml/2006/diagram" xmlns:dsp="http://schemas.microsoft.com/office/drawing/2008/diagram" xmlns:a="http://schemas.openxmlformats.org/drawingml/2006/main">
+  <dsp:spTree>
+    <dsp:nvGrpSpPr>
+      <dsp:cNvPr id="0" name=""/>
+      <dsp:cNvGrpSpPr/>
+    </dsp:nvGrpSpPr>
+    <dsp:grpSpPr/>
+    <dsp:sp modelId="{B13FDCC7-B499-4325-AA3C-28CB6A5A2140}">
+      <dsp:nvSpPr>
+        <dsp:cNvPr id="0" name=""/>
+        <dsp:cNvSpPr/>
+      </dsp:nvSpPr>
+      <dsp:spPr>
+        <a:xfrm rot="5400000">
+          <a:off x="2396056" y="884725"/>
+          <a:ext cx="782463" cy="890807"/>
+        </a:xfrm>
+        <a:prstGeom prst="bentUpArrow">
+          <a:avLst>
+            <a:gd name="adj1" fmla="val 32840"/>
+            <a:gd name="adj2" fmla="val 25000"/>
+            <a:gd name="adj3" fmla="val 35780"/>
+          </a:avLst>
+        </a:prstGeom>
+        <a:solidFill>
+          <a:schemeClr val="accent1">
+            <a:tint val="50000"/>
+            <a:hueOff val="0"/>
+            <a:satOff val="0"/>
+            <a:lumOff val="0"/>
+            <a:alphaOff val="0"/>
+          </a:schemeClr>
+        </a:solidFill>
+        <a:ln w="19050" cap="flat" cmpd="sng" algn="ctr">
+          <a:solidFill>
+            <a:schemeClr val="lt1">
+              <a:hueOff val="0"/>
+              <a:satOff val="0"/>
+              <a:lumOff val="0"/>
+              <a:alphaOff val="0"/>
+            </a:schemeClr>
+          </a:solidFill>
+          <a:prstDash val="solid"/>
+          <a:miter lim="800000"/>
+        </a:ln>
+        <a:effectLst/>
+      </dsp:spPr>
+      <dsp:style>
+        <a:lnRef idx="2">
+          <a:scrgbClr r="0" g="0" b="0"/>
+        </a:lnRef>
+        <a:fillRef idx="1">
+          <a:scrgbClr r="0" g="0" b="0"/>
+        </a:fillRef>
+        <a:effectRef idx="0">
+          <a:scrgbClr r="0" g="0" b="0"/>
+        </a:effectRef>
+        <a:fontRef idx="minor"/>
+      </dsp:style>
+    </dsp:sp>
+    <dsp:sp modelId="{63B9EF16-79E1-41FC-868B-0B7F7662EC23}">
+      <dsp:nvSpPr>
+        <dsp:cNvPr id="0" name=""/>
+        <dsp:cNvSpPr/>
+      </dsp:nvSpPr>
+      <dsp:spPr>
+        <a:xfrm>
+          <a:off x="2200987" y="0"/>
+          <a:ext cx="1317207" cy="922002"/>
+        </a:xfrm>
+        <a:prstGeom prst="roundRect">
+          <a:avLst>
+            <a:gd name="adj" fmla="val 16670"/>
+          </a:avLst>
+        </a:prstGeom>
+        <a:solidFill>
+          <a:schemeClr val="accent1">
+            <a:hueOff val="0"/>
+            <a:satOff val="0"/>
+            <a:lumOff val="0"/>
+            <a:alphaOff val="0"/>
+          </a:schemeClr>
+        </a:solidFill>
+        <a:ln w="19050" cap="flat" cmpd="sng" algn="ctr">
+          <a:solidFill>
+            <a:schemeClr val="lt1">
+              <a:hueOff val="0"/>
+              <a:satOff val="0"/>
+              <a:lumOff val="0"/>
+              <a:alphaOff val="0"/>
+            </a:schemeClr>
+          </a:solidFill>
+          <a:prstDash val="solid"/>
+          <a:miter lim="800000"/>
+        </a:ln>
+        <a:effectLst/>
+      </dsp:spPr>
+      <dsp:style>
+        <a:lnRef idx="2">
+          <a:scrgbClr r="0" g="0" b="0"/>
+        </a:lnRef>
+        <a:fillRef idx="1">
+          <a:scrgbClr r="0" g="0" b="0"/>
+        </a:fillRef>
+        <a:effectRef idx="0">
+          <a:scrgbClr r="0" g="0" b="0"/>
+        </a:effectRef>
+        <a:fontRef idx="minor">
+          <a:schemeClr val="lt1"/>
+        </a:fontRef>
+      </dsp:style>
+      <dsp:txBody>
+        <a:bodyPr spcFirstLastPara="0" vert="horz" wrap="square" lIns="45720" tIns="45720" rIns="45720" bIns="45720" numCol="1" spcCol="1270" anchor="ctr" anchorCtr="0">
+          <a:noAutofit/>
+        </a:bodyPr>
+        <a:lstStyle/>
+        <a:p>
+          <a:pPr marL="0" lvl="0" indent="0" algn="ctr" defTabSz="533400">
+            <a:lnSpc>
+              <a:spcPct val="90000"/>
+            </a:lnSpc>
+            <a:spcBef>
+              <a:spcPct val="0"/>
+            </a:spcBef>
+            <a:spcAft>
+              <a:spcPct val="35000"/>
+            </a:spcAft>
+            <a:buNone/>
+          </a:pPr>
+          <a:r>
+            <a:rPr lang="en-US" sz="1200" kern="1200" dirty="0"/>
+            <a:t>Import specified file(s)</a:t>
+          </a:r>
+          <a:endParaRPr lang="el-GR" sz="1200" kern="1200" dirty="0"/>
+        </a:p>
+      </dsp:txBody>
+      <dsp:txXfrm>
+        <a:off x="2246004" y="45017"/>
+        <a:ext cx="1227173" cy="831968"/>
+      </dsp:txXfrm>
+    </dsp:sp>
+    <dsp:sp modelId="{A8BC661C-504B-4528-8E11-03CA5BE80A79}">
+      <dsp:nvSpPr>
+        <dsp:cNvPr id="0" name=""/>
+        <dsp:cNvSpPr/>
+      </dsp:nvSpPr>
+      <dsp:spPr>
+        <a:xfrm>
+          <a:off x="3505958" y="105283"/>
+          <a:ext cx="958011" cy="745203"/>
+        </a:xfrm>
+        <a:prstGeom prst="rect">
+          <a:avLst/>
+        </a:prstGeom>
+        <a:noFill/>
+        <a:ln>
+          <a:noFill/>
+        </a:ln>
+        <a:effectLst/>
+      </dsp:spPr>
+      <dsp:style>
+        <a:lnRef idx="0">
+          <a:scrgbClr r="0" g="0" b="0"/>
+        </a:lnRef>
+        <a:fillRef idx="0">
+          <a:scrgbClr r="0" g="0" b="0"/>
+        </a:fillRef>
+        <a:effectRef idx="0">
+          <a:scrgbClr r="0" g="0" b="0"/>
+        </a:effectRef>
+        <a:fontRef idx="minor"/>
+      </dsp:style>
+      <dsp:txBody>
+        <a:bodyPr spcFirstLastPara="0" vert="horz" wrap="square" lIns="64770" tIns="64770" rIns="64770" bIns="64770" numCol="1" spcCol="1270" anchor="ctr" anchorCtr="0">
+          <a:noAutofit/>
+        </a:bodyPr>
+        <a:lstStyle/>
+        <a:p>
+          <a:pPr marL="114300" lvl="1" indent="-114300" algn="l" defTabSz="577850">
+            <a:lnSpc>
+              <a:spcPct val="90000"/>
+            </a:lnSpc>
+            <a:spcBef>
+              <a:spcPct val="0"/>
+            </a:spcBef>
+            <a:spcAft>
+              <a:spcPct val="15000"/>
+            </a:spcAft>
+            <a:buChar char="•"/>
+          </a:pPr>
+          <a:endParaRPr lang="el-GR" sz="1300" kern="1200" dirty="0"/>
+        </a:p>
+      </dsp:txBody>
+      <dsp:txXfrm>
+        <a:off x="3505958" y="105283"/>
+        <a:ext cx="958011" cy="745203"/>
+      </dsp:txXfrm>
+    </dsp:sp>
+    <dsp:sp modelId="{AD4D04AB-619F-4E23-A551-E2C40A0945A2}">
+      <dsp:nvSpPr>
+        <dsp:cNvPr id="0" name=""/>
+        <dsp:cNvSpPr/>
+      </dsp:nvSpPr>
+      <dsp:spPr>
+        <a:xfrm rot="5400000">
+          <a:off x="3488161" y="1920439"/>
+          <a:ext cx="782463" cy="890807"/>
+        </a:xfrm>
+        <a:prstGeom prst="bentUpArrow">
+          <a:avLst>
+            <a:gd name="adj1" fmla="val 32840"/>
+            <a:gd name="adj2" fmla="val 25000"/>
+            <a:gd name="adj3" fmla="val 35780"/>
+          </a:avLst>
+        </a:prstGeom>
+        <a:solidFill>
+          <a:schemeClr val="accent1">
+            <a:tint val="50000"/>
+            <a:hueOff val="0"/>
+            <a:satOff val="0"/>
+            <a:lumOff val="0"/>
+            <a:alphaOff val="0"/>
+          </a:schemeClr>
+        </a:solidFill>
+        <a:ln w="19050" cap="flat" cmpd="sng" algn="ctr">
+          <a:solidFill>
+            <a:schemeClr val="lt1">
+              <a:hueOff val="0"/>
+              <a:satOff val="0"/>
+              <a:lumOff val="0"/>
+              <a:alphaOff val="0"/>
+            </a:schemeClr>
+          </a:solidFill>
+          <a:prstDash val="solid"/>
+          <a:miter lim="800000"/>
+        </a:ln>
+        <a:effectLst/>
+      </dsp:spPr>
+      <dsp:style>
+        <a:lnRef idx="2">
+          <a:scrgbClr r="0" g="0" b="0"/>
+        </a:lnRef>
+        <a:fillRef idx="1">
+          <a:scrgbClr r="0" g="0" b="0"/>
+        </a:fillRef>
+        <a:effectRef idx="0">
+          <a:scrgbClr r="0" g="0" b="0"/>
+        </a:effectRef>
+        <a:fontRef idx="minor"/>
+      </dsp:style>
+    </dsp:sp>
+    <dsp:sp modelId="{0589FEA3-CCB8-45B8-826B-5998E0A4DD4C}">
+      <dsp:nvSpPr>
+        <dsp:cNvPr id="0" name=""/>
+        <dsp:cNvSpPr/>
+      </dsp:nvSpPr>
+      <dsp:spPr>
+        <a:xfrm>
+          <a:off x="3280856" y="1053062"/>
+          <a:ext cx="1317207" cy="922002"/>
+        </a:xfrm>
+        <a:prstGeom prst="roundRect">
+          <a:avLst>
+            <a:gd name="adj" fmla="val 16670"/>
+          </a:avLst>
+        </a:prstGeom>
+        <a:solidFill>
+          <a:schemeClr val="accent1">
+            <a:hueOff val="0"/>
+            <a:satOff val="0"/>
+            <a:lumOff val="0"/>
+            <a:alphaOff val="0"/>
+          </a:schemeClr>
+        </a:solidFill>
+        <a:ln w="19050" cap="flat" cmpd="sng" algn="ctr">
+          <a:solidFill>
+            <a:schemeClr val="lt1">
+              <a:hueOff val="0"/>
+              <a:satOff val="0"/>
+              <a:lumOff val="0"/>
+              <a:alphaOff val="0"/>
+            </a:schemeClr>
+          </a:solidFill>
+          <a:prstDash val="solid"/>
+          <a:miter lim="800000"/>
+        </a:ln>
+        <a:effectLst/>
+      </dsp:spPr>
+      <dsp:style>
+        <a:lnRef idx="2">
+          <a:scrgbClr r="0" g="0" b="0"/>
+        </a:lnRef>
+        <a:fillRef idx="1">
+          <a:scrgbClr r="0" g="0" b="0"/>
+        </a:fillRef>
+        <a:effectRef idx="0">
+          <a:scrgbClr r="0" g="0" b="0"/>
+        </a:effectRef>
+        <a:fontRef idx="minor">
+          <a:schemeClr val="lt1"/>
+        </a:fontRef>
+      </dsp:style>
+      <dsp:txBody>
+        <a:bodyPr spcFirstLastPara="0" vert="horz" wrap="square" lIns="45720" tIns="45720" rIns="45720" bIns="45720" numCol="1" spcCol="1270" anchor="ctr" anchorCtr="0">
+          <a:noAutofit/>
+        </a:bodyPr>
+        <a:lstStyle/>
+        <a:p>
+          <a:pPr marL="0" lvl="0" indent="0" algn="ctr" defTabSz="533400">
+            <a:lnSpc>
+              <a:spcPct val="90000"/>
+            </a:lnSpc>
+            <a:spcBef>
+              <a:spcPct val="0"/>
+            </a:spcBef>
+            <a:spcAft>
+              <a:spcPct val="35000"/>
+            </a:spcAft>
+            <a:buNone/>
+          </a:pPr>
+          <a:r>
+            <a:rPr lang="en-US" sz="1200" kern="1200" dirty="0"/>
+            <a:t>Conversion to AI compatible</a:t>
+          </a:r>
+          <a:endParaRPr lang="el-GR" sz="1200" kern="1200" dirty="0"/>
+        </a:p>
+      </dsp:txBody>
+      <dsp:txXfrm>
+        <a:off x="3325873" y="1098079"/>
+        <a:ext cx="1227173" cy="831968"/>
+      </dsp:txXfrm>
+    </dsp:sp>
+    <dsp:sp modelId="{AFAAE860-0DB1-4770-B47F-E35588F7CDC1}">
+      <dsp:nvSpPr>
+        <dsp:cNvPr id="0" name=""/>
+        <dsp:cNvSpPr/>
+      </dsp:nvSpPr>
+      <dsp:spPr>
+        <a:xfrm>
+          <a:off x="4598064" y="1140996"/>
+          <a:ext cx="958011" cy="745203"/>
+        </a:xfrm>
+        <a:prstGeom prst="rect">
+          <a:avLst/>
+        </a:prstGeom>
+        <a:noFill/>
+        <a:ln>
+          <a:noFill/>
+        </a:ln>
+        <a:effectLst/>
+      </dsp:spPr>
+      <dsp:style>
+        <a:lnRef idx="0">
+          <a:scrgbClr r="0" g="0" b="0"/>
+        </a:lnRef>
+        <a:fillRef idx="0">
+          <a:scrgbClr r="0" g="0" b="0"/>
+        </a:fillRef>
+        <a:effectRef idx="0">
+          <a:scrgbClr r="0" g="0" b="0"/>
+        </a:effectRef>
+        <a:fontRef idx="minor"/>
+      </dsp:style>
+      <dsp:txBody>
+        <a:bodyPr spcFirstLastPara="0" vert="horz" wrap="square" lIns="64770" tIns="64770" rIns="64770" bIns="64770" numCol="1" spcCol="1270" anchor="ctr" anchorCtr="0">
+          <a:noAutofit/>
+        </a:bodyPr>
+        <a:lstStyle/>
+        <a:p>
+          <a:pPr marL="114300" lvl="1" indent="-114300" algn="l" defTabSz="577850">
+            <a:lnSpc>
+              <a:spcPct val="90000"/>
+            </a:lnSpc>
+            <a:spcBef>
+              <a:spcPct val="0"/>
+            </a:spcBef>
+            <a:spcAft>
+              <a:spcPct val="15000"/>
+            </a:spcAft>
+            <a:buChar char="•"/>
+          </a:pPr>
+          <a:endParaRPr lang="el-GR" sz="1300" kern="1200" dirty="0"/>
+        </a:p>
+      </dsp:txBody>
+      <dsp:txXfrm>
+        <a:off x="4598064" y="1140996"/>
+        <a:ext cx="958011" cy="745203"/>
+      </dsp:txXfrm>
+    </dsp:sp>
+    <dsp:sp modelId="{F21E8E84-8742-4B73-BE15-7E85AE43D72F}">
+      <dsp:nvSpPr>
+        <dsp:cNvPr id="0" name=""/>
+        <dsp:cNvSpPr/>
+      </dsp:nvSpPr>
+      <dsp:spPr>
+        <a:xfrm>
+          <a:off x="4372961" y="2088776"/>
+          <a:ext cx="1317207" cy="922002"/>
+        </a:xfrm>
+        <a:prstGeom prst="roundRect">
+          <a:avLst>
+            <a:gd name="adj" fmla="val 16670"/>
+          </a:avLst>
+        </a:prstGeom>
+        <a:solidFill>
+          <a:schemeClr val="accent1">
+            <a:hueOff val="0"/>
+            <a:satOff val="0"/>
+            <a:lumOff val="0"/>
+            <a:alphaOff val="0"/>
+          </a:schemeClr>
+        </a:solidFill>
+        <a:ln w="19050" cap="flat" cmpd="sng" algn="ctr">
+          <a:solidFill>
+            <a:schemeClr val="lt1">
+              <a:hueOff val="0"/>
+              <a:satOff val="0"/>
+              <a:lumOff val="0"/>
+              <a:alphaOff val="0"/>
+            </a:schemeClr>
+          </a:solidFill>
+          <a:prstDash val="solid"/>
+          <a:miter lim="800000"/>
+        </a:ln>
+        <a:effectLst/>
+      </dsp:spPr>
+      <dsp:style>
+        <a:lnRef idx="2">
+          <a:scrgbClr r="0" g="0" b="0"/>
+        </a:lnRef>
+        <a:fillRef idx="1">
+          <a:scrgbClr r="0" g="0" b="0"/>
+        </a:fillRef>
+        <a:effectRef idx="0">
+          <a:scrgbClr r="0" g="0" b="0"/>
+        </a:effectRef>
+        <a:fontRef idx="minor">
+          <a:schemeClr val="lt1"/>
+        </a:fontRef>
+      </dsp:style>
+      <dsp:txBody>
+        <a:bodyPr spcFirstLastPara="0" vert="horz" wrap="square" lIns="45720" tIns="45720" rIns="45720" bIns="45720" numCol="1" spcCol="1270" anchor="ctr" anchorCtr="0">
+          <a:noAutofit/>
+        </a:bodyPr>
+        <a:lstStyle/>
+        <a:p>
+          <a:pPr marL="0" lvl="0" indent="0" algn="ctr" defTabSz="533400">
+            <a:lnSpc>
+              <a:spcPct val="90000"/>
+            </a:lnSpc>
+            <a:spcBef>
+              <a:spcPct val="0"/>
+            </a:spcBef>
+            <a:spcAft>
+              <a:spcPct val="35000"/>
+            </a:spcAft>
+            <a:buNone/>
+          </a:pPr>
+          <a:r>
+            <a:rPr lang="en-US" sz="1200" kern="1200" dirty="0"/>
+            <a:t>Creation of desired task </a:t>
+          </a:r>
+          <a:endParaRPr lang="el-GR" sz="1200" kern="1200" dirty="0"/>
+        </a:p>
+      </dsp:txBody>
+      <dsp:txXfrm>
+        <a:off x="4417978" y="2133793"/>
+        <a:ext cx="1227173" cy="831968"/>
+      </dsp:txXfrm>
+    </dsp:sp>
+    <dsp:sp modelId="{5B03200A-4A29-4E30-8963-45A88F7F8CE8}">
+      <dsp:nvSpPr>
+        <dsp:cNvPr id="0" name=""/>
+        <dsp:cNvSpPr/>
+      </dsp:nvSpPr>
+      <dsp:spPr>
+        <a:xfrm>
+          <a:off x="5690169" y="2176710"/>
+          <a:ext cx="958011" cy="745203"/>
+        </a:xfrm>
+        <a:prstGeom prst="rect">
+          <a:avLst/>
+        </a:prstGeom>
+        <a:noFill/>
+        <a:ln>
+          <a:noFill/>
+        </a:ln>
+        <a:effectLst/>
+      </dsp:spPr>
+      <dsp:style>
+        <a:lnRef idx="0">
+          <a:scrgbClr r="0" g="0" b="0"/>
+        </a:lnRef>
+        <a:fillRef idx="0">
+          <a:scrgbClr r="0" g="0" b="0"/>
+        </a:fillRef>
+        <a:effectRef idx="0">
+          <a:scrgbClr r="0" g="0" b="0"/>
+        </a:effectRef>
+        <a:fontRef idx="minor"/>
+      </dsp:style>
+      <dsp:txBody>
+        <a:bodyPr spcFirstLastPara="0" vert="horz" wrap="square" lIns="64770" tIns="64770" rIns="64770" bIns="64770" numCol="1" spcCol="1270" anchor="ctr" anchorCtr="0">
+          <a:noAutofit/>
+        </a:bodyPr>
+        <a:lstStyle/>
+        <a:p>
+          <a:pPr marL="114300" lvl="1" indent="-114300" algn="l" defTabSz="577850">
+            <a:lnSpc>
+              <a:spcPct val="90000"/>
+            </a:lnSpc>
+            <a:spcBef>
+              <a:spcPct val="0"/>
+            </a:spcBef>
+            <a:spcAft>
+              <a:spcPct val="15000"/>
+            </a:spcAft>
+            <a:buChar char="•"/>
+          </a:pPr>
+          <a:endParaRPr lang="el-GR" sz="1300" kern="1200" dirty="0"/>
+        </a:p>
+      </dsp:txBody>
+      <dsp:txXfrm>
+        <a:off x="5690169" y="2176710"/>
+        <a:ext cx="958011" cy="745203"/>
+      </dsp:txXfrm>
+    </dsp:sp>
+  </dsp:spTree>
+</dsp:drawing>
+</file>
+
+<file path=ppt/diagrams/layout1.xml><?xml version="1.0" encoding="utf-8"?>
+<dgm:layoutDef xmlns:dgm="http://schemas.openxmlformats.org/drawingml/2006/diagram" xmlns:a="http://schemas.openxmlformats.org/drawingml/2006/main" uniqueId="urn:microsoft.com/office/officeart/2005/8/layout/StepDownProcess">
+  <dgm:title val=""/>
+  <dgm:desc val=""/>
+  <dgm:catLst>
+    <dgm:cat type="process" pri="1600"/>
+  </dgm:catLst>
+  <dgm:sampData>
+    <dgm:dataModel>
+      <dgm:ptLst>
+        <dgm:pt modelId="0" type="doc"/>
+        <dgm:pt modelId="10">
+          <dgm:prSet phldr="1"/>
+        </dgm:pt>
+        <dgm:pt modelId="11">
+          <dgm:prSet phldr="1"/>
+        </dgm:pt>
+        <dgm:pt modelId="20">
+          <dgm:prSet phldr="1"/>
+        </dgm:pt>
+        <dgm:pt modelId="21">
+          <dgm:prSet phldr="1"/>
+        </dgm:pt>
+        <dgm:pt modelId="30">
+          <dgm:prSet phldr="1"/>
+        </dgm:pt>
+        <dgm:pt modelId="31">
+          <dgm:prSet phldr="1"/>
+        </dgm:pt>
+      </dgm:ptLst>
+      <dgm:cxnLst>
+        <dgm:cxn modelId="60" srcId="0" destId="10" srcOrd="0" destOrd="0"/>
+        <dgm:cxn modelId="12" srcId="10" destId="11" srcOrd="0" destOrd="0"/>
+        <dgm:cxn modelId="70" srcId="0" destId="20" srcOrd="1" destOrd="0"/>
+        <dgm:cxn modelId="22" srcId="20" destId="21" srcOrd="0" destOrd="0"/>
+        <dgm:cxn modelId="80" srcId="0" destId="30" srcOrd="2" destOrd="0"/>
+        <dgm:cxn modelId="32" srcId="30" destId="31" srcOrd="0" destOrd="0"/>
+      </dgm:cxnLst>
+      <dgm:bg/>
+      <dgm:whole/>
+    </dgm:dataModel>
+  </dgm:sampData>
+  <dgm:styleData>
+    <dgm:dataModel>
+      <dgm:ptLst>
+        <dgm:pt modelId="0" type="doc"/>
+        <dgm:pt modelId="10">
+          <dgm:prSet phldr="1"/>
+        </dgm:pt>
+        <dgm:pt modelId="20">
+          <dgm:prSet phldr="1"/>
+        </dgm:pt>
+      </dgm:ptLst>
+      <dgm:cxnLst>
+        <dgm:cxn modelId="60" srcId="0" destId="10" srcOrd="0" destOrd="0"/>
+        <dgm:cxn modelId="70" srcId="0" destId="20" srcOrd="1" destOrd="0"/>
+      </dgm:cxnLst>
+      <dgm:bg/>
+      <dgm:whole/>
+    </dgm:dataModel>
+  </dgm:styleData>
+  <dgm:clrData>
+    <dgm:dataModel>
+      <dgm:ptLst>
+        <dgm:pt modelId="0" type="doc"/>
+        <dgm:pt modelId="10">
+          <dgm:prSet phldr="1"/>
+        </dgm:pt>
+        <dgm:pt modelId="20">
+          <dgm:prSet phldr="1"/>
+        </dgm:pt>
+        <dgm:pt modelId="30">
+          <dgm:prSet phldr="1"/>
+        </dgm:pt>
+        <dgm:pt modelId="40">
+          <dgm:prSet phldr="1"/>
+        </dgm:pt>
+      </dgm:ptLst>
+      <dgm:cxnLst>
+        <dgm:cxn modelId="60" srcId="0" destId="10" srcOrd="0" destOrd="0"/>
+        <dgm:cxn modelId="70" srcId="0" destId="20" srcOrd="1" destOrd="0"/>
+        <dgm:cxn modelId="80" srcId="0" destId="30" srcOrd="2" destOrd="0"/>
+        <dgm:cxn modelId="90" srcId="0" destId="40" srcOrd="3" destOrd="0"/>
+      </dgm:cxnLst>
+      <dgm:bg/>
+      <dgm:whole/>
+    </dgm:dataModel>
+  </dgm:clrData>
+  <dgm:layoutNode name="rootnode">
+    <dgm:varLst>
+      <dgm:chMax/>
+      <dgm:chPref/>
+      <dgm:dir/>
+      <dgm:animLvl val="lvl"/>
+    </dgm:varLst>
+    <dgm:choose name="Name0">
+      <dgm:if name="Name1" func="var" arg="dir" op="equ" val="norm">
+        <dgm:alg type="snake">
+          <dgm:param type="grDir" val="tL"/>
+          <dgm:param type="flowDir" val="row"/>
+          <dgm:param type="off" val="off"/>
+          <dgm:param type="bkpt" val="fixed"/>
+          <dgm:param type="bkPtFixedVal" val="1"/>
+        </dgm:alg>
+      </dgm:if>
+      <dgm:else name="Name2">
+        <dgm:alg type="snake">
+          <dgm:param type="grDir" val="tR"/>
+          <dgm:param type="flowDir" val="row"/>
+          <dgm:param type="off" val="off"/>
+          <dgm:param type="bkpt" val="fixed"/>
+          <dgm:param type="bkPtFixedVal" val="1"/>
+        </dgm:alg>
+      </dgm:else>
+    </dgm:choose>
+    <dgm:shape xmlns:r="http://schemas.openxmlformats.org/officeDocument/2006/relationships" r:blip="">
+      <dgm:adjLst/>
+    </dgm:shape>
+    <dgm:choose name="Name3">
+      <dgm:if name="Name4" func="var" arg="dir" op="equ" val="norm">
+        <dgm:constrLst>
+          <dgm:constr type="alignOff" forName="rootnode" val="0.48"/>
+          <dgm:constr type="primFontSz" for="des" forName="ParentText" val="65"/>
+          <dgm:constr type="primFontSz" for="des" forName="ChildText" refType="primFontSz" refFor="des" refForName="ParentText" op="lte"/>
+          <dgm:constr type="w" for="ch" forName="composite" refType="w"/>
+          <dgm:constr type="h" for="ch" forName="composite" refType="h"/>
+          <dgm:constr type="sp" refType="h" refFor="ch" refForName="composite" op="equ" fact="-0.38"/>
+        </dgm:constrLst>
+      </dgm:if>
+      <dgm:else name="Name5">
+        <dgm:constrLst>
+          <dgm:constr type="alignOff" forName="rootnode" val="0.48"/>
+          <dgm:constr type="primFontSz" for="des" forName="ParentText" val="65"/>
+          <dgm:constr type="primFontSz" for="des" forName="ChildText" refType="primFontSz" refFor="des" refForName="ParentText" op="lte"/>
+          <dgm:constr type="w" for="ch" forName="composite" refType="w"/>
+          <dgm:constr type="h" for="ch" forName="composite" refType="h"/>
+          <dgm:constr type="sp" refType="h" refFor="ch" refForName="composite" op="equ" fact="-0.38"/>
+        </dgm:constrLst>
+      </dgm:else>
+    </dgm:choose>
+    <dgm:forEach name="nodesForEach" axis="ch" ptType="node">
+      <dgm:layoutNode name="composite">
+        <dgm:alg type="composite">
+          <dgm:param type="ar" val="1.2439"/>
+        </dgm:alg>
+        <dgm:shape xmlns:r="http://schemas.openxmlformats.org/officeDocument/2006/relationships" r:blip="">
+          <dgm:adjLst/>
+        </dgm:shape>
+        <dgm:choose name="Name6">
+          <dgm:if name="Name7" func="var" arg="dir" op="equ" val="norm">
+            <dgm:constrLst>
+              <dgm:constr type="l" for="ch" forName="bentUpArrow1" refType="w" fact="0.07"/>
+              <dgm:constr type="t" for="ch" forName="bentUpArrow1" refType="h" fact="0.524"/>
+              <dgm:constr type="w" for="ch" forName="bentUpArrow1" refType="w" fact="0.3844"/>
+              <dgm:constr type="h" for="ch" forName="bentUpArrow1" refType="h" fact="0.42"/>
+              <dgm:constr type="l" for="ch" forName="ParentText" refType="w" fact="0"/>
+              <dgm:constr type="t" for="ch" forName="ParentText" refType="h" fact="0"/>
+              <dgm:constr type="w" for="ch" forName="ParentText" refType="w" fact="0.5684"/>
+              <dgm:constr type="h" for="ch" forName="ParentText" refType="h" fact="0.4949"/>
+              <dgm:constr type="l" for="ch" forName="ChildText" refType="w" refFor="ch" refForName="ParentText"/>
+              <dgm:constr type="t" for="ch" forName="ChildText" refType="h" fact="0.05"/>
+              <dgm:constr type="w" for="ch" forName="ChildText" refType="w" fact="0.4134"/>
+              <dgm:constr type="h" for="ch" forName="ChildText" refType="h" fact="0.4"/>
+              <dgm:constr type="l" for="ch" forName="FinalChildText" refType="w" refFor="ch" refForName="ParentText"/>
+              <dgm:constr type="t" for="ch" forName="FinalChildText" refType="h" fact="0.05"/>
+              <dgm:constr type="w" for="ch" forName="FinalChildText" refType="w" fact="0.4134"/>
+              <dgm:constr type="h" for="ch" forName="FinalChildText" refType="h" fact="0.4"/>
+            </dgm:constrLst>
+          </dgm:if>
+          <dgm:else name="Name8">
+            <dgm:constrLst>
+              <dgm:constr type="r" for="ch" forName="bentUpArrow1" refType="w" fact="0.97"/>
+              <dgm:constr type="t" for="ch" forName="bentUpArrow1" refType="h" fact="0.524"/>
+              <dgm:constr type="w" for="ch" forName="bentUpArrow1" refType="w" fact="0.3844"/>
+              <dgm:constr type="h" for="ch" forName="bentUpArrow1" refType="h" fact="0.42"/>
+              <dgm:constr type="l" for="ch" forName="ParentText" refType="w" fact="0.4316"/>
+              <dgm:constr type="t" for="ch" forName="ParentText" refType="h" fact="0"/>
+              <dgm:constr type="w" for="ch" forName="ParentText" refType="w" fact="0.5684"/>
+              <dgm:constr type="h" for="ch" forName="ParentText" refType="h" fact="0.4949"/>
+              <dgm:constr type="l" for="ch" forName="ChildText" refType="w" fact="0"/>
+              <dgm:constr type="t" for="ch" forName="ChildText" refType="h" fact="0.05"/>
+              <dgm:constr type="w" for="ch" forName="ChildText" refType="w" fact="0.4134"/>
+              <dgm:constr type="h" for="ch" forName="ChildText" refType="h" fact="0.4"/>
+              <dgm:constr type="l" for="ch" forName="FinalChildText" refType="w" fact="0"/>
+              <dgm:constr type="t" for="ch" forName="FinalChildText" refType="h" fact="0.05"/>
+              <dgm:constr type="w" for="ch" forName="FinalChildText" refType="w" fact="0.4134"/>
+              <dgm:constr type="h" for="ch" forName="FinalChildText" refType="h" fact="0.4"/>
+            </dgm:constrLst>
+          </dgm:else>
+        </dgm:choose>
+        <dgm:choose name="Name9">
+          <dgm:if name="Name10" axis="followSib" ptType="node" func="cnt" op="gte" val="1">
+            <dgm:layoutNode name="bentUpArrow1" styleLbl="alignImgPlace1">
+              <dgm:alg type="sp"/>
+              <dgm:choose name="Name11">
+                <dgm:if name="Name12" func="var" arg="dir" op="equ" val="norm">
+                  <dgm:shape xmlns:r="http://schemas.openxmlformats.org/officeDocument/2006/relationships" rot="90" type="bentUpArrow" r:blip="">
+                    <dgm:adjLst>
+                      <dgm:adj idx="1" val="0.3284"/>
+                      <dgm:adj idx="2" val="0.25"/>
+                      <dgm:adj idx="3" val="0.3578"/>
+                    </dgm:adjLst>
+                  </dgm:shape>
+                </dgm:if>
+                <dgm:else name="Name13">
+                  <dgm:shape xmlns:r="http://schemas.openxmlformats.org/officeDocument/2006/relationships" rot="180" type="bentArrow" r:blip="">
+                    <dgm:adjLst>
+                      <dgm:adj idx="1" val="0.3284"/>
+                      <dgm:adj idx="2" val="0.25"/>
+                      <dgm:adj idx="3" val="0.3578"/>
+                      <dgm:adj idx="4" val="0"/>
+                    </dgm:adjLst>
+                  </dgm:shape>
+                </dgm:else>
+              </dgm:choose>
+              <dgm:presOf/>
+            </dgm:layoutNode>
+          </dgm:if>
+          <dgm:else name="Name14"/>
+        </dgm:choose>
+        <dgm:layoutNode name="ParentText" styleLbl="node1">
+          <dgm:varLst>
+            <dgm:chMax val="1"/>
+            <dgm:chPref val="1"/>
+            <dgm:bulletEnabled val="1"/>
+          </dgm:varLst>
+          <dgm:alg type="tx"/>
+          <dgm:shape xmlns:r="http://schemas.openxmlformats.org/officeDocument/2006/relationships" type="roundRect" r:blip="">
+            <dgm:adjLst>
+              <dgm:adj idx="1" val="0.1667"/>
+            </dgm:adjLst>
+          </dgm:shape>
+          <dgm:presOf axis="self" ptType="node"/>
+          <dgm:constrLst>
+            <dgm:constr type="lMarg" refType="primFontSz" fact="0.3"/>
+            <dgm:constr type="rMarg" refType="primFontSz" fact="0.3"/>
+            <dgm:constr type="tMarg" refType="primFontSz" fact="0.3"/>
+            <dgm:constr type="bMarg" refType="primFontSz" fact="0.3"/>
+          </dgm:constrLst>
+          <dgm:ruleLst>
+            <dgm:rule type="primFontSz" val="5" fact="NaN" max="NaN"/>
+          </dgm:ruleLst>
+        </dgm:layoutNode>
+        <dgm:choose name="Name15">
+          <dgm:if name="Name16" axis="followSib" ptType="node" func="cnt" op="equ" val="0">
+            <dgm:choose name="Name17">
+              <dgm:if name="Name18" axis="ch" ptType="node" func="cnt" op="gte" val="1">
+                <dgm:layoutNode name="FinalChildText" styleLbl="revTx">
+                  <dgm:varLst>
+                    <dgm:chMax val="0"/>
+                    <dgm:chPref val="0"/>
+                    <dgm:bulletEnabled val="1"/>
+                  </dgm:varLst>
+                  <dgm:alg type="tx">
+                    <dgm:param type="stBulletLvl" val="1"/>
+                    <dgm:param type="txAnchorVertCh" val="mid"/>
+                    <dgm:param type="parTxLTRAlign" val="l"/>
+                  </dgm:alg>
+                  <dgm:shape xmlns:r="http://schemas.openxmlformats.org/officeDocument/2006/relationships" type="rect" r:blip="">
+                    <dgm:adjLst/>
+                  </dgm:shape>
+                  <dgm:presOf axis="des" ptType="node"/>
+                  <dgm:constrLst>
+                    <dgm:constr type="lMarg" refType="primFontSz" fact="0.3"/>
+                    <dgm:constr type="rMarg" refType="primFontSz" fact="0.3"/>
+                    <dgm:constr type="tMarg" refType="primFontSz" fact="0.3"/>
+                    <dgm:constr type="bMarg" refType="primFontSz" fact="0.3"/>
+                  </dgm:constrLst>
+                  <dgm:ruleLst>
+                    <dgm:rule type="primFontSz" val="5" fact="NaN" max="NaN"/>
+                  </dgm:ruleLst>
+                </dgm:layoutNode>
+              </dgm:if>
+              <dgm:else name="Name19"/>
+            </dgm:choose>
+          </dgm:if>
+          <dgm:else name="Name20">
+            <dgm:layoutNode name="ChildText" styleLbl="revTx">
+              <dgm:varLst>
+                <dgm:chMax val="0"/>
+                <dgm:chPref val="0"/>
+                <dgm:bulletEnabled val="1"/>
+              </dgm:varLst>
+              <dgm:alg type="tx">
+                <dgm:param type="stBulletLvl" val="1"/>
+                <dgm:param type="txAnchorVertCh" val="mid"/>
+                <dgm:param type="parTxLTRAlign" val="l"/>
+              </dgm:alg>
+              <dgm:shape xmlns:r="http://schemas.openxmlformats.org/officeDocument/2006/relationships" type="rect" r:blip="">
+                <dgm:adjLst/>
+              </dgm:shape>
+              <dgm:presOf axis="des" ptType="node"/>
+              <dgm:constrLst>
+                <dgm:constr type="lMarg" refType="primFontSz" fact="0.3"/>
+                <dgm:constr type="rMarg" refType="primFontSz" fact="0.3"/>
+                <dgm:constr type="tMarg" refType="primFontSz" fact="0.3"/>
+                <dgm:constr type="bMarg" refType="primFontSz" fact="0.3"/>
+              </dgm:constrLst>
+              <dgm:ruleLst>
+                <dgm:rule type="primFontSz" val="5" fact="NaN" max="NaN"/>
+              </dgm:ruleLst>
+            </dgm:layoutNode>
+          </dgm:else>
+        </dgm:choose>
+      </dgm:layoutNode>
+      <dgm:forEach name="sibTransForEach" axis="followSib" ptType="sibTrans" cnt="1">
+        <dgm:layoutNode name="sibTrans">
+          <dgm:alg type="sp"/>
+          <dgm:shape xmlns:r="http://schemas.openxmlformats.org/officeDocument/2006/relationships" r:blip="">
+            <dgm:adjLst/>
+          </dgm:shape>
+        </dgm:layoutNode>
+      </dgm:forEach>
+    </dgm:forEach>
+  </dgm:layoutNode>
+</dgm:layoutDef>
+</file>
+
+<file path=ppt/diagrams/quickStyle1.xml><?xml version="1.0" encoding="utf-8"?>
+<dgm:styleDef xmlns:dgm="http://schemas.openxmlformats.org/drawingml/2006/diagram" xmlns:a="http://schemas.openxmlformats.org/drawingml/2006/main" uniqueId="urn:microsoft.com/office/officeart/2005/8/quickstyle/simple1">
+  <dgm:title val=""/>
+  <dgm:desc val=""/>
+  <dgm:catLst>
+    <dgm:cat type="simple" pri="10100"/>
+  </dgm:catLst>
+  <dgm:scene3d>
+    <a:camera prst="orthographicFront"/>
+    <a:lightRig rig="threePt" dir="t"/>
+  </dgm:scene3d>
+  <dgm:styleLbl name="node0">
+    <dgm:scene3d>
+      <a:camera prst="orthographicFront"/>
+      <a:lightRig rig="threePt" dir="t"/>
+    </dgm:scene3d>
+    <dgm:sp3d/>
+    <dgm:txPr/>
+    <dgm:style>
+      <a:lnRef idx="2">
+        <a:scrgbClr r="0" g="0" b="0"/>
+      </a:lnRef>
+      <a:fillRef idx="1">
+        <a:scrgbClr r="0" g="0" b="0"/>
+      </a:fillRef>
+      <a:effectRef idx="0">
+        <a:scrgbClr r="0" g="0" b="0"/>
+      </a:effectRef>
+      <a:fontRef idx="minor">
+        <a:schemeClr val="lt1"/>
+      </a:fontRef>
+    </dgm:style>
+  </dgm:styleLbl>
+  <dgm:styleLbl name="lnNode1">
+    <dgm:scene3d>
+      <a:camera prst="orthographicFront"/>
+      <a:lightRig rig="threePt" dir="t"/>
+    </dgm:scene3d>
+    <dgm:sp3d/>
+    <dgm:txPr/>
+    <dgm:style>
+      <a:lnRef idx="2">
+        <a:scrgbClr r="0" g="0" b="0"/>
+      </a:lnRef>
+      <a:fillRef idx="1">
+        <a:scrgbClr r="0" g="0" b="0"/>
+      </a:fillRef>
+      <a:effectRef idx="0">
+        <a:scrgbClr r="0" g="0" b="0"/>
+      </a:effectRef>
+      <a:fontRef idx="minor">
+        <a:schemeClr val="lt1"/>
+      </a:fontRef>
+    </dgm:style>
+  </dgm:styleLbl>
+  <dgm:styleLbl name="vennNode1">
+    <dgm:scene3d>
+      <a:camera prst="orthographicFront"/>
+      <a:lightRig rig="threePt" dir="t"/>
+    </dgm:scene3d>
+    <dgm:sp3d/>
+    <dgm:txPr/>
+    <dgm:style>
+      <a:lnRef idx="2">
+        <a:scrgbClr r="0" g="0" b="0"/>
+      </a:lnRef>
+      <a:fillRef idx="1">
+        <a:scrgbClr r="0" g="0" b="0"/>
+      </a:fillRef>
+      <a:effectRef idx="0">
+        <a:scrgbClr r="0" g="0" b="0"/>
+      </a:effectRef>
+      <a:fontRef idx="minor">
+        <a:schemeClr val="tx1"/>
+      </a:fontRef>
+    </dgm:style>
+  </dgm:styleLbl>
+  <dgm:styleLbl name="alignNode1">
+    <dgm:scene3d>
+      <a:camera prst="orthographicFront"/>
+      <a:lightRig rig="threePt" dir="t"/>
+    </dgm:scene3d>
+    <dgm:sp3d/>
+    <dgm:txPr/>
+    <dgm:style>
+      <a:lnRef idx="2">
+        <a:scrgbClr r="0" g="0" b="0"/>
+      </a:lnRef>
+      <a:fillRef idx="1">
+        <a:scrgbClr r="0" g="0" b="0"/>
+      </a:fillRef>
+      <a:effectRef idx="0">
+        <a:scrgbClr r="0" g="0" b="0"/>
+      </a:effectRef>
+      <a:fontRef idx="minor">
+        <a:schemeClr val="lt1"/>
+      </a:fontRef>
+    </dgm:style>
+  </dgm:styleLbl>
+  <dgm:styleLbl name="node1">
+    <dgm:scene3d>
+      <a:camera prst="orthographicFront"/>
+      <a:lightRig rig="threePt" dir="t"/>
+    </dgm:scene3d>
+    <dgm:sp3d/>
+    <dgm:txPr/>
+    <dgm:style>
+      <a:lnRef idx="2">
+        <a:scrgbClr r="0" g="0" b="0"/>
+      </a:lnRef>
+      <a:fillRef idx="1">
+        <a:scrgbClr r="0" g="0" b="0"/>
+      </a:fillRef>
+      <a:effectRef idx="0">
+        <a:scrgbClr r="0" g="0" b="0"/>
+      </a:effectRef>
+      <a:fontRef idx="minor">
+        <a:schemeClr val="lt1"/>
+      </a:fontRef>
+    </dgm:style>
+  </dgm:styleLbl>
+  <dgm:styleLbl name="node2">
+    <dgm:scene3d>
+      <a:camera prst="orthographicFront"/>
+      <a:lightRig rig="threePt" dir="t"/>
+    </dgm:scene3d>
+    <dgm:sp3d/>
+    <dgm:txPr/>
+    <dgm:style>
+      <a:lnRef idx="2">
+        <a:scrgbClr r="0" g="0" b="0"/>
+      </a:lnRef>
+      <a:fillRef idx="1">
+        <a:scrgbClr r="0" g="0" b="0"/>
+      </a:fillRef>
+      <a:effectRef idx="0">
+        <a:scrgbClr r="0" g="0" b="0"/>
+      </a:effectRef>
+      <a:fontRef idx="minor">
+        <a:schemeClr val="lt1"/>
+      </a:fontRef>
+    </dgm:style>
+  </dgm:styleLbl>
+  <dgm:styleLbl name="node3">
+    <dgm:scene3d>
+      <a:camera prst="orthographicFront"/>
+      <a:lightRig rig="threePt" dir="t"/>
+    </dgm:scene3d>
+    <dgm:sp3d/>
+    <dgm:txPr/>
+    <dgm:style>
+      <a:lnRef idx="2">
+        <a:scrgbClr r="0" g="0" b="0"/>
+      </a:lnRef>
+      <a:fillRef idx="1">
+        <a:scrgbClr r="0" g="0" b="0"/>
+      </a:fillRef>
+      <a:effectRef idx="0">
+        <a:scrgbClr r="0" g="0" b="0"/>
+      </a:effectRef>
+      <a:fontRef idx="minor">
+        <a:schemeClr val="lt1"/>
+      </a:fontRef>
+    </dgm:style>
+  </dgm:styleLbl>
+  <dgm:styleLbl name="node4">
+    <dgm:scene3d>
+      <a:camera prst="orthographicFront"/>
+      <a:lightRig rig="threePt" dir="t"/>
+    </dgm:scene3d>
+    <dgm:sp3d/>
+    <dgm:txPr/>
+    <dgm:style>
+      <a:lnRef idx="2">
+        <a:scrgbClr r="0" g="0" b="0"/>
+      </a:lnRef>
+      <a:fillRef idx="1">
+        <a:scrgbClr r="0" g="0" b="0"/>
+      </a:fillRef>
+      <a:effectRef idx="0">
+        <a:scrgbClr r="0" g="0" b="0"/>
+      </a:effectRef>
+      <a:fontRef idx="minor">
+        <a:schemeClr val="lt1"/>
+      </a:fontRef>
+    </dgm:style>
+  </dgm:styleLbl>
+  <dgm:styleLbl name="fgImgPlace1">
+    <dgm:scene3d>
+      <a:camera prst="orthographicFront"/>
+      <a:lightRig rig="threePt" dir="t"/>
+    </dgm:scene3d>
+    <dgm:sp3d/>
+    <dgm:txPr/>
+    <dgm:style>
+      <a:lnRef idx="2">
+        <a:scrgbClr r="0" g="0" b="0"/>
+      </a:lnRef>
+      <a:fillRef idx="1">
+        <a:scrgbClr r="0" g="0" b="0"/>
+      </a:fillRef>
+      <a:effectRef idx="0">
+        <a:scrgbClr r="0" g="0" b="0"/>
+      </a:effectRef>
+      <a:fontRef idx="minor"/>
+    </dgm:style>
+  </dgm:styleLbl>
+  <dgm:styleLbl name="alignImgPlace1">
+    <dgm:scene3d>
+      <a:camera prst="orthographicFront"/>
+      <a:lightRig rig="threePt" dir="t"/>
+    </dgm:scene3d>
+    <dgm:sp3d/>
+    <dgm:txPr/>
+    <dgm:style>
+      <a:lnRef idx="2">
+        <a:scrgbClr r="0" g="0" b="0"/>
+      </a:lnRef>
+      <a:fillRef idx="1">
+        <a:scrgbClr r="0" g="0" b="0"/>
+      </a:fillRef>
+      <a:effectRef idx="0">
+        <a:scrgbClr r="0" g="0" b="0"/>
+      </a:effectRef>
+      <a:fontRef idx="minor"/>
+    </dgm:style>
+  </dgm:styleLbl>
+  <dgm:styleLbl name="bgImgPlace1">
+    <dgm:scene3d>
+      <a:camera prst="orthographicFront"/>
+      <a:lightRig rig="threePt" dir="t"/>
+    </dgm:scene3d>
+    <dgm:sp3d/>
+    <dgm:txPr/>
+    <dgm:style>
+      <a:lnRef idx="2">
+        <a:scrgbClr r="0" g="0" b="0"/>
+      </a:lnRef>
+      <a:fillRef idx="1">
+        <a:scrgbClr r="0" g="0" b="0"/>
+      </a:fillRef>
+      <a:effectRef idx="0">
+        <a:scrgbClr r="0" g="0" b="0"/>
+      </a:effectRef>
+      <a:fontRef idx="minor"/>
+    </dgm:style>
+  </dgm:styleLbl>
+  <dgm:styleLbl name="sibTrans2D1">
+    <dgm:scene3d>
+      <a:camera prst="orthographicFront"/>
+      <a:lightRig rig="threePt" dir="t"/>
+    </dgm:scene3d>
+    <dgm:sp3d/>
+    <dgm:txPr/>
+    <dgm:style>
+      <a:lnRef idx="0">
+        <a:scrgbClr r="0" g="0" b="0"/>
+      </a:lnRef>
+      <a:fillRef idx="1">
+        <a:scrgbClr r="0" g="0" b="0"/>
+      </a:fillRef>
+      <a:effectRef idx="0">
+        <a:scrgbClr r="0" g="0" b="0"/>
+      </a:effectRef>
+      <a:fontRef idx="minor">
+        <a:schemeClr val="lt1"/>
+      </a:fontRef>
+    </dgm:style>
+  </dgm:styleLbl>
+  <dgm:styleLbl name="fgSibTrans2D1">
+    <dgm:scene3d>
+      <a:camera prst="orthographicFront"/>
+      <a:lightRig rig="threePt" dir="t"/>
+    </dgm:scene3d>
+    <dgm:sp3d/>
+    <dgm:txPr/>
+    <dgm:style>
+      <a:lnRef idx="0">
+        <a:scrgbClr r="0" g="0" b="0"/>
+      </a:lnRef>
+      <a:fillRef idx="1">
+        <a:scrgbClr r="0" g="0" b="0"/>
+      </a:fillRef>
+      <a:effectRef idx="0">
+        <a:scrgbClr r="0" g="0" b="0"/>
+      </a:effectRef>
+      <a:fontRef idx="minor">
+        <a:schemeClr val="lt1"/>
+      </a:fontRef>
+    </dgm:style>
+  </dgm:styleLbl>
+  <dgm:styleLbl name="bgSibTrans2D1">
+    <dgm:scene3d>
+      <a:camera prst="orthographicFront"/>
+      <a:lightRig rig="threePt" dir="t"/>
+    </dgm:scene3d>
+    <dgm:sp3d/>
+    <dgm:txPr/>
+    <dgm:style>
+      <a:lnRef idx="0">
+        <a:scrgbClr r="0" g="0" b="0"/>
+      </a:lnRef>
+      <a:fillRef idx="1">
+        <a:scrgbClr r="0" g="0" b="0"/>
+      </a:fillRef>
+      <a:effectRef idx="0">
+        <a:scrgbClr r="0" g="0" b="0"/>
+      </a:effectRef>
+      <a:fontRef idx="minor">
+        <a:schemeClr val="lt1"/>
+      </a:fontRef>
+    </dgm:style>
+  </dgm:styleLbl>
+  <dgm:styleLbl name="sibTrans1D1">
+    <dgm:scene3d>
+      <a:camera prst="orthographicFront"/>
+      <a:lightRig rig="threePt" dir="t"/>
+    </dgm:scene3d>
+    <dgm:sp3d/>
+    <dgm:txPr/>
+    <dgm:style>
+      <a:lnRef idx="1">
+        <a:scrgbClr r="0" g="0" b="0"/>
+      </a:lnRef>
+      <a:fillRef idx="0">
+        <a:scrgbClr r="0" g="0" b="0"/>
+      </a:fillRef>
+      <a:effectRef idx="0">
+        <a:scrgbClr r="0" g="0" b="0"/>
+      </a:effectRef>
+      <a:fontRef idx="minor"/>
+    </dgm:style>
+  </dgm:styleLbl>
+  <dgm:styleLbl name="callout">
+    <dgm:scene3d>
+      <a:camera prst="orthographicFront"/>
+      <a:lightRig rig="threePt" dir="t"/>
+    </dgm:scene3d>
+    <dgm:sp3d/>
+    <dgm:txPr/>
+    <dgm:style>
+      <a:lnRef idx="2">
+        <a:scrgbClr r="0" g="0" b="0"/>
+      </a:lnRef>
+      <a:fillRef idx="1">
+        <a:scrgbClr r="0" g="0" b="0"/>
+      </a:fillRef>
+      <a:effectRef idx="0">
+        <a:scrgbClr r="0" g="0" b="0"/>
+      </a:effectRef>
+      <a:fontRef idx="minor"/>
+    </dgm:style>
+  </dgm:styleLbl>
+  <dgm:styleLbl name="asst0">
+    <dgm:scene3d>
+      <a:camera prst="orthographicFront"/>
+      <a:lightRig rig="threePt" dir="t"/>
+    </dgm:scene3d>
+    <dgm:sp3d/>
+    <dgm:txPr/>
+    <dgm:style>
+      <a:lnRef idx="2">
+        <a:scrgbClr r="0" g="0" b="0"/>
+      </a:lnRef>
+      <a:fillRef idx="1">
+        <a:scrgbClr r="0" g="0" b="0"/>
+      </a:fillRef>
+      <a:effectRef idx="0">
+        <a:scrgbClr r="0" g="0" b="0"/>
+      </a:effectRef>
+      <a:fontRef idx="minor">
+        <a:schemeClr val="lt1"/>
+      </a:fontRef>
+    </dgm:style>
+  </dgm:styleLbl>
+  <dgm:styleLbl name="asst1">
+    <dgm:scene3d>
+      <a:camera prst="orthographicFront"/>
+      <a:lightRig rig="threePt" dir="t"/>
+    </dgm:scene3d>
+    <dgm:sp3d/>
+    <dgm:txPr/>
+    <dgm:style>
+      <a:lnRef idx="2">
+        <a:scrgbClr r="0" g="0" b="0"/>
+      </a:lnRef>
+      <a:fillRef idx="1">
+        <a:scrgbClr r="0" g="0" b="0"/>
+      </a:fillRef>
+      <a:effectRef idx="0">
+        <a:scrgbClr r="0" g="0" b="0"/>
+      </a:effectRef>
+      <a:fontRef idx="minor">
+        <a:schemeClr val="lt1"/>
+      </a:fontRef>
+    </dgm:style>
+  </dgm:styleLbl>
+  <dgm:styleLbl name="asst2">
+    <dgm:scene3d>
+      <a:camera prst="orthographicFront"/>
+      <a:lightRig rig="threePt" dir="t"/>
+    </dgm:scene3d>
+    <dgm:sp3d/>
+    <dgm:txPr/>
+    <dgm:style>
+      <a:lnRef idx="2">
+        <a:scrgbClr r="0" g="0" b="0"/>
+      </a:lnRef>
+      <a:fillRef idx="1">
+        <a:scrgbClr r="0" g="0" b="0"/>
+      </a:fillRef>
+      <a:effectRef idx="0">
+        <a:scrgbClr r="0" g="0" b="0"/>
+      </a:effectRef>
+      <a:fontRef idx="minor">
+        <a:schemeClr val="lt1"/>
+      </a:fontRef>
+    </dgm:style>
+  </dgm:styleLbl>
+  <dgm:styleLbl name="asst3">
+    <dgm:scene3d>
+      <a:camera prst="orthographicFront"/>
+      <a:lightRig rig="threePt" dir="t"/>
+    </dgm:scene3d>
+    <dgm:sp3d/>
+    <dgm:txPr/>
+    <dgm:style>
+      <a:lnRef idx="2">
+        <a:scrgbClr r="0" g="0" b="0"/>
+      </a:lnRef>
+      <a:fillRef idx="1">
+        <a:scrgbClr r="0" g="0" b="0"/>
+      </a:fillRef>
+      <a:effectRef idx="0">
+        <a:scrgbClr r="0" g="0" b="0"/>
+      </a:effectRef>
+      <a:fontRef idx="minor">
+        <a:schemeClr val="lt1"/>
+      </a:fontRef>
+    </dgm:style>
+  </dgm:styleLbl>
+  <dgm:styleLbl name="asst4">
+    <dgm:scene3d>
+      <a:camera prst="orthographicFront"/>
+      <a:lightRig rig="threePt" dir="t"/>
+    </dgm:scene3d>
+    <dgm:sp3d/>
+    <dgm:txPr/>
+    <dgm:style>
+      <a:lnRef idx="2">
+        <a:scrgbClr r="0" g="0" b="0"/>
+      </a:lnRef>
+      <a:fillRef idx="1">
+        <a:scrgbClr r="0" g="0" b="0"/>
+      </a:fillRef>
+      <a:effectRef idx="0">
+        <a:scrgbClr r="0" g="0" b="0"/>
+      </a:effectRef>
+      <a:fontRef idx="minor">
+        <a:schemeClr val="lt1"/>
+      </a:fontRef>
+    </dgm:style>
+  </dgm:styleLbl>
+  <dgm:styleLbl name="parChTrans2D1">
+    <dgm:scene3d>
+      <a:camera prst="orthographicFront"/>
+      <a:lightRig rig="threePt" dir="t"/>
+    </dgm:scene3d>
+    <dgm:sp3d/>
+    <dgm:txPr/>
+    <dgm:style>
+      <a:lnRef idx="2">
+        <a:scrgbClr r="0" g="0" b="0"/>
+      </a:lnRef>
+      <a:fillRef idx="1">
+        <a:scrgbClr r="0" g="0" b="0"/>
+      </a:fillRef>
+      <a:effectRef idx="0">
+        <a:scrgbClr r="0" g="0" b="0"/>
+      </a:effectRef>
+      <a:fontRef idx="minor">
+        <a:schemeClr val="lt1"/>
+      </a:fontRef>
+    </dgm:style>
+  </dgm:styleLbl>
+  <dgm:styleLbl name="parChTrans2D2">
+    <dgm:scene3d>
+      <a:camera prst="orthographicFront"/>
+      <a:lightRig rig="threePt" dir="t"/>
+    </dgm:scene3d>
+    <dgm:sp3d/>
+    <dgm:txPr/>
+    <dgm:style>
+      <a:lnRef idx="2">
+        <a:scrgbClr r="0" g="0" b="0"/>
+      </a:lnRef>
+      <a:fillRef idx="1">
+        <a:scrgbClr r="0" g="0" b="0"/>
+      </a:fillRef>
+      <a:effectRef idx="0">
+        <a:scrgbClr r="0" g="0" b="0"/>
+      </a:effectRef>
+      <a:fontRef idx="minor">
+        <a:schemeClr val="lt1"/>
+      </a:fontRef>
+    </dgm:style>
+  </dgm:styleLbl>
+  <dgm:styleLbl name="parChTrans2D3">
+    <dgm:scene3d>
+      <a:camera prst="orthographicFront"/>
+      <a:lightRig rig="threePt" dir="t"/>
+    </dgm:scene3d>
+    <dgm:sp3d/>
+    <dgm:txPr/>
+    <dgm:style>
+      <a:lnRef idx="2">
+        <a:scrgbClr r="0" g="0" b="0"/>
+      </a:lnRef>
+      <a:fillRef idx="1">
+        <a:scrgbClr r="0" g="0" b="0"/>
+      </a:fillRef>
+      <a:effectRef idx="0">
+        <a:scrgbClr r="0" g="0" b="0"/>
+      </a:effectRef>
+      <a:fontRef idx="minor">
+        <a:schemeClr val="lt1"/>
+      </a:fontRef>
+    </dgm:style>
+  </dgm:styleLbl>
+  <dgm:styleLbl name="parChTrans2D4">
+    <dgm:scene3d>
+      <a:camera prst="orthographicFront"/>
+      <a:lightRig rig="threePt" dir="t"/>
+    </dgm:scene3d>
+    <dgm:sp3d/>
+    <dgm:txPr/>
+    <dgm:style>
+      <a:lnRef idx="2">
+        <a:scrgbClr r="0" g="0" b="0"/>
+      </a:lnRef>
+      <a:fillRef idx="1">
+        <a:scrgbClr r="0" g="0" b="0"/>
+      </a:fillRef>
+      <a:effectRef idx="0">
+        <a:scrgbClr r="0" g="0" b="0"/>
+      </a:effectRef>
+      <a:fontRef idx="minor">
+        <a:schemeClr val="lt1"/>
+      </a:fontRef>
+    </dgm:style>
+  </dgm:styleLbl>
+  <dgm:styleLbl name="parChTrans1D1">
+    <dgm:scene3d>
+      <a:camera prst="orthographicFront"/>
+      <a:lightRig rig="threePt" dir="t"/>
+    </dgm:scene3d>
+    <dgm:sp3d/>
+    <dgm:txPr/>
+    <dgm:style>
+      <a:lnRef idx="2">
+        <a:scrgbClr r="0" g="0" b="0"/>
+      </a:lnRef>
+      <a:fillRef idx="0">
+        <a:scrgbClr r="0" g="0" b="0"/>
+      </a:fillRef>
+      <a:effectRef idx="0">
+        <a:scrgbClr r="0" g="0" b="0"/>
+      </a:effectRef>
+      <a:fontRef idx="minor"/>
+    </dgm:style>
+  </dgm:styleLbl>
+  <dgm:styleLbl name="parChTrans1D2">
+    <dgm:scene3d>
+      <a:camera prst="orthographicFront"/>
+      <a:lightRig rig="threePt" dir="t"/>
+    </dgm:scene3d>
+    <dgm:sp3d/>
+    <dgm:txPr/>
+    <dgm:style>
+      <a:lnRef idx="2">
+        <a:scrgbClr r="0" g="0" b="0"/>
+      </a:lnRef>
+      <a:fillRef idx="0">
+        <a:scrgbClr r="0" g="0" b="0"/>
+      </a:fillRef>
+      <a:effectRef idx="0">
+        <a:scrgbClr r="0" g="0" b="0"/>
+      </a:effectRef>
+      <a:fontRef idx="minor"/>
+    </dgm:style>
+  </dgm:styleLbl>
+  <dgm:styleLbl name="parChTrans1D3">
+    <dgm:scene3d>
+      <a:camera prst="orthographicFront"/>
+      <a:lightRig rig="threePt" dir="t"/>
+    </dgm:scene3d>
+    <dgm:sp3d/>
+    <dgm:txPr/>
+    <dgm:style>
+      <a:lnRef idx="2">
+        <a:scrgbClr r="0" g="0" b="0"/>
+      </a:lnRef>
+      <a:fillRef idx="0">
+        <a:scrgbClr r="0" g="0" b="0"/>
+      </a:fillRef>
+      <a:effectRef idx="0">
+        <a:scrgbClr r="0" g="0" b="0"/>
+      </a:effectRef>
+      <a:fontRef idx="minor"/>
+    </dgm:style>
+  </dgm:styleLbl>
+  <dgm:styleLbl name="parChTrans1D4">
+    <dgm:scene3d>
+      <a:camera prst="orthographicFront"/>
+      <a:lightRig rig="threePt" dir="t"/>
+    </dgm:scene3d>
+    <dgm:sp3d/>
+    <dgm:txPr/>
+    <dgm:style>
+      <a:lnRef idx="2">
+        <a:scrgbClr r="0" g="0" b="0"/>
+      </a:lnRef>
+      <a:fillRef idx="0">
+        <a:scrgbClr r="0" g="0" b="0"/>
+      </a:fillRef>
+      <a:effectRef idx="0">
+        <a:scrgbClr r="0" g="0" b="0"/>
+      </a:effectRef>
+      <a:fontRef idx="minor"/>
+    </dgm:style>
+  </dgm:styleLbl>
+  <dgm:styleLbl name="fgAcc1">
+    <dgm:scene3d>
+      <a:camera prst="orthographicFront"/>
+      <a:lightRig rig="threePt" dir="t"/>
+    </dgm:scene3d>
+    <dgm:sp3d/>
+    <dgm:txPr/>
+    <dgm:style>
+      <a:lnRef idx="2">
+        <a:scrgbClr r="0" g="0" b="0"/>
+      </a:lnRef>
+      <a:fillRef idx="1">
+        <a:scrgbClr r="0" g="0" b="0"/>
+      </a:fillRef>
+      <a:effectRef idx="0">
+        <a:scrgbClr r="0" g="0" b="0"/>
+      </a:effectRef>
+      <a:fontRef idx="minor"/>
+    </dgm:style>
+  </dgm:styleLbl>
+  <dgm:styleLbl name="conFgAcc1">
+    <dgm:scene3d>
+      <a:camera prst="orthographicFront"/>
+      <a:lightRig rig="threePt" dir="t"/>
+    </dgm:scene3d>
+    <dgm:sp3d/>
+    <dgm:txPr/>
+    <dgm:style>
+      <a:lnRef idx="2">
+        <a:scrgbClr r="0" g="0" b="0"/>
+      </a:lnRef>
+      <a:fillRef idx="1">
+        <a:scrgbClr r="0" g="0" b="0"/>
+      </a:fillRef>
+      <a:effectRef idx="0">
+        <a:scrgbClr r="0" g="0" b="0"/>
+      </a:effectRef>
+      <a:fontRef idx="minor"/>
+    </dgm:style>
+  </dgm:styleLbl>
+  <dgm:styleLbl name="alignAcc1">
+    <dgm:scene3d>
+      <a:camera prst="orthographicFront"/>
+      <a:lightRig rig="threePt" dir="t"/>
+    </dgm:scene3d>
+    <dgm:sp3d/>
+    <dgm:txPr/>
+    <dgm:style>
+      <a:lnRef idx="2">
+        <a:scrgbClr r="0" g="0" b="0"/>
+      </a:lnRef>
+      <a:fillRef idx="1">
+        <a:scrgbClr r="0" g="0" b="0"/>
+      </a:fillRef>
+      <a:effectRef idx="0">
+        <a:scrgbClr r="0" g="0" b="0"/>
+      </a:effectRef>
+      <a:fontRef idx="minor"/>
+    </dgm:style>
+  </dgm:styleLbl>
+  <dgm:styleLbl name="trAlignAcc1">
+    <dgm:scene3d>
+      <a:camera prst="orthographicFront"/>
+      <a:lightRig rig="threePt" dir="t"/>
+    </dgm:scene3d>
+    <dgm:sp3d/>
+    <dgm:txPr/>
+    <dgm:style>
+      <a:lnRef idx="1">
+        <a:scrgbClr r="0" g="0" b="0"/>
+      </a:lnRef>
+      <a:fillRef idx="1">
+        <a:scrgbClr r="0" g="0" b="0"/>
+      </a:fillRef>
+      <a:effectRef idx="0">
+        <a:scrgbClr r="0" g="0" b="0"/>
+      </a:effectRef>
+      <a:fontRef idx="minor"/>
+    </dgm:style>
+  </dgm:styleLbl>
+  <dgm:styleLbl name="bgAcc1">
+    <dgm:scene3d>
+      <a:camera prst="orthographicFront"/>
+      <a:lightRig rig="threePt" dir="t"/>
+    </dgm:scene3d>
+    <dgm:sp3d/>
+    <dgm:txPr/>
+    <dgm:style>
+      <a:lnRef idx="2">
+        <a:scrgbClr r="0" g="0" b="0"/>
+      </a:lnRef>
+      <a:fillRef idx="1">
+        <a:scrgbClr r="0" g="0" b="0"/>
+      </a:fillRef>
+      <a:effectRef idx="0">
+        <a:scrgbClr r="0" g="0" b="0"/>
+      </a:effectRef>
+      <a:fontRef idx="minor"/>
+    </dgm:style>
+  </dgm:styleLbl>
+  <dgm:styleLbl name="solidFgAcc1">
+    <dgm:scene3d>
+      <a:camera prst="orthographicFront"/>
+      <a:lightRig rig="threePt" dir="t"/>
+    </dgm:scene3d>
+    <dgm:sp3d/>
+    <dgm:txPr/>
+    <dgm:style>
+      <a:lnRef idx="2">
+        <a:scrgbClr r="0" g="0" b="0"/>
+      </a:lnRef>
+      <a:fillRef idx="1">
+        <a:scrgbClr r="0" g="0" b="0"/>
+      </a:fillRef>
+      <a:effectRef idx="0">
+        <a:scrgbClr r="0" g="0" b="0"/>
+      </a:effectRef>
+      <a:fontRef idx="minor"/>
+    </dgm:style>
+  </dgm:styleLbl>
+  <dgm:styleLbl name="solidAlignAcc1">
+    <dgm:scene3d>
+      <a:camera prst="orthographicFront"/>
+      <a:lightRig rig="threePt" dir="t"/>
+    </dgm:scene3d>
+    <dgm:sp3d/>
+    <dgm:txPr/>
+    <dgm:style>
+      <a:lnRef idx="2">
+        <a:scrgbClr r="0" g="0" b="0"/>
+      </a:lnRef>
+      <a:fillRef idx="1">
+        <a:scrgbClr r="0" g="0" b="0"/>
+      </a:fillRef>
+      <a:effectRef idx="0">
+        <a:scrgbClr r="0" g="0" b="0"/>
+      </a:effectRef>
+      <a:fontRef idx="minor"/>
+    </dgm:style>
+  </dgm:styleLbl>
+  <dgm:styleLbl name="solidBgAcc1">
+    <dgm:scene3d>
+      <a:camera prst="orthographicFront"/>
+      <a:lightRig rig="threePt" dir="t"/>
+    </dgm:scene3d>
+    <dgm:sp3d/>
+    <dgm:txPr/>
+    <dgm:style>
+      <a:lnRef idx="2">
+        <a:scrgbClr r="0" g="0" b="0"/>
+      </a:lnRef>
+      <a:fillRef idx="1">
+        <a:scrgbClr r="0" g="0" b="0"/>
+      </a:fillRef>
+      <a:effectRef idx="0">
+        <a:scrgbClr r="0" g="0" b="0"/>
+      </a:effectRef>
+      <a:fontRef idx="minor"/>
+    </dgm:style>
+  </dgm:styleLbl>
+  <dgm:styleLbl name="fgAccFollowNode1">
+    <dgm:scene3d>
+      <a:camera prst="orthographicFront"/>
+      <a:lightRig rig="threePt" dir="t"/>
+    </dgm:scene3d>
+    <dgm:sp3d/>
+    <dgm:txPr/>
+    <dgm:style>
+      <a:lnRef idx="2">
+        <a:scrgbClr r="0" g="0" b="0"/>
+      </a:lnRef>
+      <a:fillRef idx="1">
+        <a:scrgbClr r="0" g="0" b="0"/>
+      </a:fillRef>
+      <a:effectRef idx="0">
+        <a:scrgbClr r="0" g="0" b="0"/>
+      </a:effectRef>
+      <a:fontRef idx="minor"/>
+    </dgm:style>
+  </dgm:styleLbl>
+  <dgm:styleLbl name="alignAccFollowNode1">
+    <dgm:scene3d>
+      <a:camera prst="orthographicFront"/>
+      <a:lightRig rig="threePt" dir="t"/>
+    </dgm:scene3d>
+    <dgm:sp3d/>
+    <dgm:txPr/>
+    <dgm:style>
+      <a:lnRef idx="2">
+        <a:scrgbClr r="0" g="0" b="0"/>
+      </a:lnRef>
+      <a:fillRef idx="1">
+        <a:scrgbClr r="0" g="0" b="0"/>
+      </a:fillRef>
+      <a:effectRef idx="0">
+        <a:scrgbClr r="0" g="0" b="0"/>
+      </a:effectRef>
+      <a:fontRef idx="minor"/>
+    </dgm:style>
+  </dgm:styleLbl>
+  <dgm:styleLbl name="bgAccFollowNode1">
+    <dgm:scene3d>
+      <a:camera prst="orthographicFront"/>
+      <a:lightRig rig="threePt" dir="t"/>
+    </dgm:scene3d>
+    <dgm:sp3d/>
+    <dgm:txPr/>
+    <dgm:style>
+      <a:lnRef idx="2">
+        <a:scrgbClr r="0" g="0" b="0"/>
+      </a:lnRef>
+      <a:fillRef idx="1">
+        <a:scrgbClr r="0" g="0" b="0"/>
+      </a:fillRef>
+      <a:effectRef idx="0">
+        <a:scrgbClr r="0" g="0" b="0"/>
+      </a:effectRef>
+      <a:fontRef idx="minor"/>
+    </dgm:style>
+  </dgm:styleLbl>
+  <dgm:styleLbl name="fgAcc0">
+    <dgm:scene3d>
+      <a:camera prst="orthographicFront"/>
+      <a:lightRig rig="threePt" dir="t"/>
+    </dgm:scene3d>
+    <dgm:sp3d/>
+    <dgm:txPr/>
+    <dgm:style>
+      <a:lnRef idx="2">
+        <a:scrgbClr r="0" g="0" b="0"/>
+      </a:lnRef>
+      <a:fillRef idx="1">
+        <a:scrgbClr r="0" g="0" b="0"/>
+      </a:fillRef>
+      <a:effectRef idx="0">
+        <a:scrgbClr r="0" g="0" b="0"/>
+      </a:effectRef>
+      <a:fontRef idx="minor"/>
+    </dgm:style>
+  </dgm:styleLbl>
+  <dgm:styleLbl name="fgAcc2">
+    <dgm:scene3d>
+      <a:camera prst="orthographicFront"/>
+      <a:lightRig rig="threePt" dir="t"/>
+    </dgm:scene3d>
+    <dgm:sp3d/>
+    <dgm:txPr/>
+    <dgm:style>
+      <a:lnRef idx="2">
+        <a:scrgbClr r="0" g="0" b="0"/>
+      </a:lnRef>
+      <a:fillRef idx="1">
+        <a:scrgbClr r="0" g="0" b="0"/>
+      </a:fillRef>
+      <a:effectRef idx="0">
+        <a:scrgbClr r="0" g="0" b="0"/>
+      </a:effectRef>
+      <a:fontRef idx="minor"/>
+    </dgm:style>
+  </dgm:styleLbl>
+  <dgm:styleLbl name="fgAcc3">
+    <dgm:scene3d>
+      <a:camera prst="orthographicFront"/>
+      <a:lightRig rig="threePt" dir="t"/>
+    </dgm:scene3d>
+    <dgm:sp3d/>
+    <dgm:txPr/>
+    <dgm:style>
+      <a:lnRef idx="2">
+        <a:scrgbClr r="0" g="0" b="0"/>
+      </a:lnRef>
+      <a:fillRef idx="1">
+        <a:scrgbClr r="0" g="0" b="0"/>
+      </a:fillRef>
+      <a:effectRef idx="0">
+        <a:scrgbClr r="0" g="0" b="0"/>
+      </a:effectRef>
+      <a:fontRef idx="minor"/>
+    </dgm:style>
+  </dgm:styleLbl>
+  <dgm:styleLbl name="fgAcc4">
+    <dgm:scene3d>
+      <a:camera prst="orthographicFront"/>
+      <a:lightRig rig="threePt" dir="t"/>
+    </dgm:scene3d>
+    <dgm:sp3d/>
+    <dgm:txPr/>
+    <dgm:style>
+      <a:lnRef idx="2">
+        <a:scrgbClr r="0" g="0" b="0"/>
+      </a:lnRef>
+      <a:fillRef idx="1">
+        <a:scrgbClr r="0" g="0" b="0"/>
+      </a:fillRef>
+      <a:effectRef idx="0">
+        <a:scrgbClr r="0" g="0" b="0"/>
+      </a:effectRef>
+      <a:fontRef idx="minor"/>
+    </dgm:style>
+  </dgm:styleLbl>
+  <dgm:styleLbl name="bgShp">
+    <dgm:scene3d>
+      <a:camera prst="orthographicFront"/>
+      <a:lightRig rig="threePt" dir="t"/>
+    </dgm:scene3d>
+    <dgm:sp3d/>
+    <dgm:txPr/>
+    <dgm:style>
+      <a:lnRef idx="0">
+        <a:scrgbClr r="0" g="0" b="0"/>
+      </a:lnRef>
+      <a:fillRef idx="1">
+        <a:scrgbClr r="0" g="0" b="0"/>
+      </a:fillRef>
+      <a:effectRef idx="0">
+        <a:scrgbClr r="0" g="0" b="0"/>
+      </a:effectRef>
+      <a:fontRef idx="minor"/>
+    </dgm:style>
+  </dgm:styleLbl>
+  <dgm:styleLbl name="dkBgShp">
+    <dgm:scene3d>
+      <a:camera prst="orthographicFront"/>
+      <a:lightRig rig="threePt" dir="t"/>
+    </dgm:scene3d>
+    <dgm:sp3d/>
+    <dgm:txPr/>
+    <dgm:style>
+      <a:lnRef idx="0">
+        <a:scrgbClr r="0" g="0" b="0"/>
+      </a:lnRef>
+      <a:fillRef idx="1">
+        <a:scrgbClr r="0" g="0" b="0"/>
+      </a:fillRef>
+      <a:effectRef idx="0">
+        <a:scrgbClr r="0" g="0" b="0"/>
+      </a:effectRef>
+      <a:fontRef idx="minor"/>
+    </dgm:style>
+  </dgm:styleLbl>
+  <dgm:styleLbl name="trBgShp">
+    <dgm:scene3d>
+      <a:camera prst="orthographicFront"/>
+      <a:lightRig rig="threePt" dir="t"/>
+    </dgm:scene3d>
+    <dgm:sp3d/>
+    <dgm:txPr/>
+    <dgm:style>
+      <a:lnRef idx="0">
+        <a:scrgbClr r="0" g="0" b="0"/>
+      </a:lnRef>
+      <a:fillRef idx="1">
+        <a:scrgbClr r="0" g="0" b="0"/>
+      </a:fillRef>
+      <a:effectRef idx="0">
+        <a:scrgbClr r="0" g="0" b="0"/>
+      </a:effectRef>
+      <a:fontRef idx="minor"/>
+    </dgm:style>
+  </dgm:styleLbl>
+  <dgm:styleLbl name="fgShp">
+    <dgm:scene3d>
+      <a:camera prst="orthographicFront"/>
+      <a:lightRig rig="threePt" dir="t"/>
+    </dgm:scene3d>
+    <dgm:sp3d/>
+    <dgm:txPr/>
+    <dgm:style>
+      <a:lnRef idx="2">
+        <a:scrgbClr r="0" g="0" b="0"/>
+      </a:lnRef>
+      <a:fillRef idx="1">
+        <a:scrgbClr r="0" g="0" b="0"/>
+      </a:fillRef>
+      <a:effectRef idx="0">
+        <a:scrgbClr r="0" g="0" b="0"/>
+      </a:effectRef>
+      <a:fontRef idx="minor"/>
+    </dgm:style>
+  </dgm:styleLbl>
+  <dgm:styleLbl name="revTx">
+    <dgm:scene3d>
+      <a:camera prst="orthographicFront"/>
+      <a:lightRig rig="threePt" dir="t"/>
+    </dgm:scene3d>
+    <dgm:sp3d/>
+    <dgm:txPr/>
+    <dgm:style>
+      <a:lnRef idx="0">
+        <a:scrgbClr r="0" g="0" b="0"/>
+      </a:lnRef>
+      <a:fillRef idx="0">
+        <a:scrgbClr r="0" g="0" b="0"/>
+      </a:fillRef>
+      <a:effectRef idx="0">
+        <a:scrgbClr r="0" g="0" b="0"/>
+      </a:effectRef>
+      <a:fontRef idx="minor"/>
+    </dgm:style>
+  </dgm:styleLbl>
+</dgm:styleDef>
 </file>
 
 <file path=ppt/slideLayouts/slideLayout1.xml><?xml version="1.0" encoding="utf-8"?>
@@ -265,7 +4503,7 @@
               <a:rPr lang="el-GR" smtClean="0"/>
               <a:t>24/5/2025</a:t>
             </a:fld>
-            <a:endParaRPr lang="el-GR"/>
+            <a:endParaRPr lang="el-GR" dirty="0"/>
           </a:p>
         </p:txBody>
       </p:sp>
@@ -290,7 +4528,7 @@
           <a:bodyPr/>
           <a:lstStyle/>
           <a:p>
-            <a:endParaRPr lang="el-GR"/>
+            <a:endParaRPr lang="el-GR" dirty="0"/>
           </a:p>
         </p:txBody>
       </p:sp>
@@ -319,7 +4557,7 @@
               <a:rPr lang="el-GR" smtClean="0"/>
               <a:t>‹#›</a:t>
             </a:fld>
-            <a:endParaRPr lang="el-GR"/>
+            <a:endParaRPr lang="el-GR" dirty="0"/>
           </a:p>
         </p:txBody>
       </p:sp>
@@ -463,7 +4701,7 @@
               <a:rPr lang="el-GR" smtClean="0"/>
               <a:t>24/5/2025</a:t>
             </a:fld>
-            <a:endParaRPr lang="el-GR"/>
+            <a:endParaRPr lang="el-GR" dirty="0"/>
           </a:p>
         </p:txBody>
       </p:sp>
@@ -488,7 +4726,7 @@
           <a:bodyPr/>
           <a:lstStyle/>
           <a:p>
-            <a:endParaRPr lang="el-GR"/>
+            <a:endParaRPr lang="el-GR" dirty="0"/>
           </a:p>
         </p:txBody>
       </p:sp>
@@ -517,7 +4755,7 @@
               <a:rPr lang="el-GR" smtClean="0"/>
               <a:t>‹#›</a:t>
             </a:fld>
-            <a:endParaRPr lang="el-GR"/>
+            <a:endParaRPr lang="el-GR" dirty="0"/>
           </a:p>
         </p:txBody>
       </p:sp>
@@ -671,7 +4909,7 @@
               <a:rPr lang="el-GR" smtClean="0"/>
               <a:t>24/5/2025</a:t>
             </a:fld>
-            <a:endParaRPr lang="el-GR"/>
+            <a:endParaRPr lang="el-GR" dirty="0"/>
           </a:p>
         </p:txBody>
       </p:sp>
@@ -696,7 +4934,7 @@
           <a:bodyPr/>
           <a:lstStyle/>
           <a:p>
-            <a:endParaRPr lang="el-GR"/>
+            <a:endParaRPr lang="el-GR" dirty="0"/>
           </a:p>
         </p:txBody>
       </p:sp>
@@ -725,7 +4963,7 @@
               <a:rPr lang="el-GR" smtClean="0"/>
               <a:t>‹#›</a:t>
             </a:fld>
-            <a:endParaRPr lang="el-GR"/>
+            <a:endParaRPr lang="el-GR" dirty="0"/>
           </a:p>
         </p:txBody>
       </p:sp>
@@ -869,7 +5107,7 @@
               <a:rPr lang="el-GR" smtClean="0"/>
               <a:t>24/5/2025</a:t>
             </a:fld>
-            <a:endParaRPr lang="el-GR"/>
+            <a:endParaRPr lang="el-GR" dirty="0"/>
           </a:p>
         </p:txBody>
       </p:sp>
@@ -894,7 +5132,7 @@
           <a:bodyPr/>
           <a:lstStyle/>
           <a:p>
-            <a:endParaRPr lang="el-GR"/>
+            <a:endParaRPr lang="el-GR" dirty="0"/>
           </a:p>
         </p:txBody>
       </p:sp>
@@ -923,7 +5161,7 @@
               <a:rPr lang="el-GR" smtClean="0"/>
               <a:t>‹#›</a:t>
             </a:fld>
-            <a:endParaRPr lang="el-GR"/>
+            <a:endParaRPr lang="el-GR" dirty="0"/>
           </a:p>
         </p:txBody>
       </p:sp>
@@ -1144,7 +5382,7 @@
               <a:rPr lang="el-GR" smtClean="0"/>
               <a:t>24/5/2025</a:t>
             </a:fld>
-            <a:endParaRPr lang="el-GR"/>
+            <a:endParaRPr lang="el-GR" dirty="0"/>
           </a:p>
         </p:txBody>
       </p:sp>
@@ -1169,7 +5407,7 @@
           <a:bodyPr/>
           <a:lstStyle/>
           <a:p>
-            <a:endParaRPr lang="el-GR"/>
+            <a:endParaRPr lang="el-GR" dirty="0"/>
           </a:p>
         </p:txBody>
       </p:sp>
@@ -1198,7 +5436,7 @@
               <a:rPr lang="el-GR" smtClean="0"/>
               <a:t>‹#›</a:t>
             </a:fld>
-            <a:endParaRPr lang="el-GR"/>
+            <a:endParaRPr lang="el-GR" dirty="0"/>
           </a:p>
         </p:txBody>
       </p:sp>
@@ -1409,7 +5647,7 @@
               <a:rPr lang="el-GR" smtClean="0"/>
               <a:t>24/5/2025</a:t>
             </a:fld>
-            <a:endParaRPr lang="el-GR"/>
+            <a:endParaRPr lang="el-GR" dirty="0"/>
           </a:p>
         </p:txBody>
       </p:sp>
@@ -1434,7 +5672,7 @@
           <a:bodyPr/>
           <a:lstStyle/>
           <a:p>
-            <a:endParaRPr lang="el-GR"/>
+            <a:endParaRPr lang="el-GR" dirty="0"/>
           </a:p>
         </p:txBody>
       </p:sp>
@@ -1463,7 +5701,7 @@
               <a:rPr lang="el-GR" smtClean="0"/>
               <a:t>‹#›</a:t>
             </a:fld>
-            <a:endParaRPr lang="el-GR"/>
+            <a:endParaRPr lang="el-GR" dirty="0"/>
           </a:p>
         </p:txBody>
       </p:sp>
@@ -1821,7 +6059,7 @@
               <a:rPr lang="el-GR" smtClean="0"/>
               <a:t>24/5/2025</a:t>
             </a:fld>
-            <a:endParaRPr lang="el-GR"/>
+            <a:endParaRPr lang="el-GR" dirty="0"/>
           </a:p>
         </p:txBody>
       </p:sp>
@@ -1846,7 +6084,7 @@
           <a:bodyPr/>
           <a:lstStyle/>
           <a:p>
-            <a:endParaRPr lang="el-GR"/>
+            <a:endParaRPr lang="el-GR" dirty="0"/>
           </a:p>
         </p:txBody>
       </p:sp>
@@ -1875,7 +6113,7 @@
               <a:rPr lang="el-GR" smtClean="0"/>
               <a:t>‹#›</a:t>
             </a:fld>
-            <a:endParaRPr lang="el-GR"/>
+            <a:endParaRPr lang="el-GR" dirty="0"/>
           </a:p>
         </p:txBody>
       </p:sp>
@@ -1962,7 +6200,7 @@
               <a:rPr lang="el-GR" smtClean="0"/>
               <a:t>24/5/2025</a:t>
             </a:fld>
-            <a:endParaRPr lang="el-GR"/>
+            <a:endParaRPr lang="el-GR" dirty="0"/>
           </a:p>
         </p:txBody>
       </p:sp>
@@ -1987,7 +6225,7 @@
           <a:bodyPr/>
           <a:lstStyle/>
           <a:p>
-            <a:endParaRPr lang="el-GR"/>
+            <a:endParaRPr lang="el-GR" dirty="0"/>
           </a:p>
         </p:txBody>
       </p:sp>
@@ -2016,7 +6254,7 @@
               <a:rPr lang="el-GR" smtClean="0"/>
               <a:t>‹#›</a:t>
             </a:fld>
-            <a:endParaRPr lang="el-GR"/>
+            <a:endParaRPr lang="el-GR" dirty="0"/>
           </a:p>
         </p:txBody>
       </p:sp>
@@ -2075,7 +6313,7 @@
               <a:rPr lang="el-GR" smtClean="0"/>
               <a:t>24/5/2025</a:t>
             </a:fld>
-            <a:endParaRPr lang="el-GR"/>
+            <a:endParaRPr lang="el-GR" dirty="0"/>
           </a:p>
         </p:txBody>
       </p:sp>
@@ -2100,7 +6338,7 @@
           <a:bodyPr/>
           <a:lstStyle/>
           <a:p>
-            <a:endParaRPr lang="el-GR"/>
+            <a:endParaRPr lang="el-GR" dirty="0"/>
           </a:p>
         </p:txBody>
       </p:sp>
@@ -2129,7 +6367,7 @@
               <a:rPr lang="el-GR" smtClean="0"/>
               <a:t>‹#›</a:t>
             </a:fld>
-            <a:endParaRPr lang="el-GR"/>
+            <a:endParaRPr lang="el-GR" dirty="0"/>
           </a:p>
         </p:txBody>
       </p:sp>
@@ -2386,7 +6624,7 @@
               <a:rPr lang="el-GR" smtClean="0"/>
               <a:t>24/5/2025</a:t>
             </a:fld>
-            <a:endParaRPr lang="el-GR"/>
+            <a:endParaRPr lang="el-GR" dirty="0"/>
           </a:p>
         </p:txBody>
       </p:sp>
@@ -2411,7 +6649,7 @@
           <a:bodyPr/>
           <a:lstStyle/>
           <a:p>
-            <a:endParaRPr lang="el-GR"/>
+            <a:endParaRPr lang="el-GR" dirty="0"/>
           </a:p>
         </p:txBody>
       </p:sp>
@@ -2440,7 +6678,7 @@
               <a:rPr lang="el-GR" smtClean="0"/>
               <a:t>‹#›</a:t>
             </a:fld>
-            <a:endParaRPr lang="el-GR"/>
+            <a:endParaRPr lang="el-GR" dirty="0"/>
           </a:p>
         </p:txBody>
       </p:sp>
@@ -2574,7 +6812,7 @@
             </a:lvl9pPr>
           </a:lstStyle>
           <a:p>
-            <a:endParaRPr lang="el-GR"/>
+            <a:endParaRPr lang="el-GR" dirty="0"/>
           </a:p>
         </p:txBody>
       </p:sp>
@@ -2674,7 +6912,7 @@
               <a:rPr lang="el-GR" smtClean="0"/>
               <a:t>24/5/2025</a:t>
             </a:fld>
-            <a:endParaRPr lang="el-GR"/>
+            <a:endParaRPr lang="el-GR" dirty="0"/>
           </a:p>
         </p:txBody>
       </p:sp>
@@ -2699,7 +6937,7 @@
           <a:bodyPr/>
           <a:lstStyle/>
           <a:p>
-            <a:endParaRPr lang="el-GR"/>
+            <a:endParaRPr lang="el-GR" dirty="0"/>
           </a:p>
         </p:txBody>
       </p:sp>
@@ -2728,7 +6966,7 @@
               <a:rPr lang="el-GR" smtClean="0"/>
               <a:t>‹#›</a:t>
             </a:fld>
-            <a:endParaRPr lang="el-GR"/>
+            <a:endParaRPr lang="el-GR" dirty="0"/>
           </a:p>
         </p:txBody>
       </p:sp>
@@ -2749,9 +6987,39 @@
 <p:sldMaster xmlns:a="http://schemas.openxmlformats.org/drawingml/2006/main" xmlns:r="http://schemas.openxmlformats.org/officeDocument/2006/relationships" xmlns:p="http://schemas.openxmlformats.org/presentationml/2006/main">
   <p:cSld>
     <p:bg>
-      <p:bgRef idx="1001">
-        <a:schemeClr val="bg1"/>
-      </p:bgRef>
+      <p:bgPr>
+        <a:gradFill flip="none" rotWithShape="1">
+          <a:gsLst>
+            <a:gs pos="0">
+              <a:schemeClr val="accent1">
+                <a:lumMod val="5000"/>
+                <a:lumOff val="95000"/>
+              </a:schemeClr>
+            </a:gs>
+            <a:gs pos="63000">
+              <a:schemeClr val="accent1">
+                <a:lumMod val="45000"/>
+                <a:lumOff val="55000"/>
+              </a:schemeClr>
+            </a:gs>
+            <a:gs pos="83000">
+              <a:schemeClr val="accent1">
+                <a:lumMod val="45000"/>
+                <a:lumOff val="55000"/>
+              </a:schemeClr>
+            </a:gs>
+            <a:gs pos="100000">
+              <a:schemeClr val="accent1">
+                <a:lumMod val="30000"/>
+                <a:lumOff val="70000"/>
+              </a:schemeClr>
+            </a:gs>
+          </a:gsLst>
+          <a:lin ang="5400000" scaled="1"/>
+          <a:tileRect/>
+        </a:gradFill>
+        <a:effectLst/>
+      </p:bgPr>
     </p:bg>
     <p:spTree>
       <p:nvGrpSpPr>
@@ -2915,7 +7183,7 @@
               <a:rPr lang="el-GR" smtClean="0"/>
               <a:t>24/5/2025</a:t>
             </a:fld>
-            <a:endParaRPr lang="el-GR"/>
+            <a:endParaRPr lang="el-GR" dirty="0"/>
           </a:p>
         </p:txBody>
       </p:sp>
@@ -2958,7 +7226,7 @@
             </a:lvl1pPr>
           </a:lstStyle>
           <a:p>
-            <a:endParaRPr lang="el-GR"/>
+            <a:endParaRPr lang="el-GR" dirty="0"/>
           </a:p>
         </p:txBody>
       </p:sp>
@@ -3005,7 +7273,7 @@
               <a:rPr lang="el-GR" smtClean="0"/>
               <a:t>‹#›</a:t>
             </a:fld>
-            <a:endParaRPr lang="el-GR"/>
+            <a:endParaRPr lang="el-GR" dirty="0"/>
           </a:p>
         </p:txBody>
       </p:sp>
@@ -3316,40 +7584,87 @@
 <file path=ppt/slides/slide1.xml><?xml version="1.0" encoding="utf-8"?>
 <p:sld xmlns:a="http://schemas.openxmlformats.org/drawingml/2006/main" xmlns:r="http://schemas.openxmlformats.org/officeDocument/2006/relationships" xmlns:p="http://schemas.openxmlformats.org/presentationml/2006/main">
   <p:cSld>
-    <p:bg>
-      <p:bgPr>
-        <a:gradFill>
-          <a:gsLst>
-            <a:gs pos="0">
-              <a:schemeClr val="accent1">
-                <a:lumMod val="5000"/>
-                <a:lumOff val="95000"/>
-              </a:schemeClr>
-            </a:gs>
-            <a:gs pos="74000">
-              <a:schemeClr val="accent1">
-                <a:lumMod val="45000"/>
-                <a:lumOff val="55000"/>
-              </a:schemeClr>
-            </a:gs>
-            <a:gs pos="83000">
-              <a:schemeClr val="accent1">
-                <a:lumMod val="45000"/>
-                <a:lumOff val="55000"/>
-              </a:schemeClr>
-            </a:gs>
-            <a:gs pos="100000">
-              <a:schemeClr val="accent1">
-                <a:lumMod val="30000"/>
-                <a:lumOff val="70000"/>
-              </a:schemeClr>
-            </a:gs>
-          </a:gsLst>
-          <a:lin ang="5400000" scaled="1"/>
-        </a:gradFill>
-        <a:effectLst/>
-      </p:bgPr>
-    </p:bg>
+    <p:spTree>
+      <p:nvGrpSpPr>
+        <p:cNvPr id="1" name=""/>
+        <p:cNvGrpSpPr/>
+        <p:nvPr/>
+      </p:nvGrpSpPr>
+      <p:grpSpPr>
+        <a:xfrm>
+          <a:off x="0" y="0"/>
+          <a:ext cx="0" cy="0"/>
+          <a:chOff x="0" y="0"/>
+          <a:chExt cx="0" cy="0"/>
+        </a:xfrm>
+      </p:grpSpPr>
+      <p:sp>
+        <p:nvSpPr>
+          <p:cNvPr id="2" name="Τίτλος 1">
+            <a:extLst>
+              <a:ext uri="{FF2B5EF4-FFF2-40B4-BE49-F238E27FC236}">
+                <a16:creationId xmlns:a16="http://schemas.microsoft.com/office/drawing/2014/main" id="{3A82BF2A-5072-E08B-4D9A-8EEF1A23F90E}"/>
+              </a:ext>
+            </a:extLst>
+          </p:cNvPr>
+          <p:cNvSpPr>
+            <a:spLocks noGrp="1"/>
+          </p:cNvSpPr>
+          <p:nvPr>
+            <p:ph type="title"/>
+          </p:nvPr>
+        </p:nvSpPr>
+        <p:spPr>
+          <a:xfrm>
+            <a:off x="838200" y="2766218"/>
+            <a:ext cx="10515600" cy="1325563"/>
+          </a:xfrm>
+        </p:spPr>
+        <p:txBody>
+          <a:bodyPr>
+            <a:normAutofit/>
+          </a:bodyPr>
+          <a:lstStyle/>
+          <a:p>
+            <a:pPr algn="ctr"/>
+            <a:r>
+              <a:rPr lang="en-US" sz="8800" dirty="0">
+                <a:solidFill>
+                  <a:schemeClr val="tx2">
+                    <a:lumMod val="75000"/>
+                    <a:lumOff val="25000"/>
+                  </a:schemeClr>
+                </a:solidFill>
+              </a:rPr>
+              <a:t>CRÈME BRULEE </a:t>
+            </a:r>
+            <a:endParaRPr lang="el-GR" sz="8800" dirty="0">
+              <a:solidFill>
+                <a:schemeClr val="tx2">
+                  <a:lumMod val="75000"/>
+                  <a:lumOff val="25000"/>
+                </a:schemeClr>
+              </a:solidFill>
+            </a:endParaRPr>
+          </a:p>
+        </p:txBody>
+      </p:sp>
+    </p:spTree>
+    <p:extLst>
+      <p:ext uri="{BB962C8B-B14F-4D97-AF65-F5344CB8AC3E}">
+        <p14:creationId xmlns:p14="http://schemas.microsoft.com/office/powerpoint/2010/main" val="1943789944"/>
+      </p:ext>
+    </p:extLst>
+  </p:cSld>
+  <p:clrMapOvr>
+    <a:masterClrMapping/>
+  </p:clrMapOvr>
+</p:sld>
+</file>
+
+<file path=ppt/slides/slide2.xml><?xml version="1.0" encoding="utf-8"?>
+<p:sld xmlns:a="http://schemas.openxmlformats.org/drawingml/2006/main" xmlns:r="http://schemas.openxmlformats.org/officeDocument/2006/relationships" xmlns:p="http://schemas.openxmlformats.org/presentationml/2006/main">
+  <p:cSld>
     <p:spTree>
       <p:nvGrpSpPr>
         <p:cNvPr id="1" name=""/>
@@ -3420,7 +7735,7 @@
           <a:lstStyle/>
           <a:p>
             <a:pPr algn="ctr"/>
-            <a:endParaRPr lang="en-US"/>
+            <a:endParaRPr lang="en-US" dirty="0"/>
           </a:p>
         </p:txBody>
       </p:sp>
@@ -3532,7 +7847,7 @@
             <a:lstStyle/>
             <a:p>
               <a:pPr algn="ctr"/>
-              <a:endParaRPr lang="en-US"/>
+              <a:endParaRPr lang="en-US" dirty="0"/>
             </a:p>
           </p:txBody>
         </p:sp>
@@ -3616,7 +7931,7 @@
             <a:lstStyle/>
             <a:p>
               <a:pPr algn="ctr"/>
-              <a:endParaRPr lang="en-US"/>
+              <a:endParaRPr lang="en-US" dirty="0"/>
             </a:p>
           </p:txBody>
         </p:sp>
@@ -3765,7 +8080,7 @@
             <a:lstStyle/>
             <a:p>
               <a:pPr algn="ctr"/>
-              <a:endParaRPr lang="en-US"/>
+              <a:endParaRPr lang="en-US" dirty="0"/>
             </a:p>
           </p:txBody>
         </p:sp>
@@ -3849,7 +8164,7 @@
             <a:lstStyle/>
             <a:p>
               <a:pPr algn="ctr"/>
-              <a:endParaRPr lang="en-US"/>
+              <a:endParaRPr lang="en-US" dirty="0"/>
             </a:p>
           </p:txBody>
         </p:sp>
@@ -3998,7 +8313,7 @@
             <a:lstStyle/>
             <a:p>
               <a:pPr algn="ctr"/>
-              <a:endParaRPr lang="en-US"/>
+              <a:endParaRPr lang="en-US" dirty="0"/>
             </a:p>
           </p:txBody>
         </p:sp>
@@ -4082,7 +8397,7 @@
             <a:lstStyle/>
             <a:p>
               <a:pPr algn="ctr"/>
-              <a:endParaRPr lang="en-US"/>
+              <a:endParaRPr lang="en-US" dirty="0"/>
             </a:p>
           </p:txBody>
         </p:sp>
@@ -4135,13 +8450,20 @@
         </p:nvSpPr>
         <p:spPr>
           <a:xfrm>
-            <a:off x="0" y="6030070"/>
+            <a:off x="-3895" y="6032110"/>
             <a:ext cx="12192000" cy="523220"/>
           </a:xfrm>
           <a:prstGeom prst="rect">
             <a:avLst/>
           </a:prstGeom>
           <a:noFill/>
+          <a:effectLst>
+            <a:outerShdw blurRad="38100" dist="50800" dir="5400000" sx="1000" sy="1000" algn="ctr" rotWithShape="0">
+              <a:srgbClr val="000000">
+                <a:alpha val="43137"/>
+              </a:srgbClr>
+            </a:outerShdw>
+          </a:effectLst>
         </p:spPr>
         <p:txBody>
           <a:bodyPr wrap="square" rtlCol="0">
@@ -4152,22 +8474,49 @@
             <a:pPr algn="ctr"/>
             <a:r>
               <a:rPr lang="en-US" sz="2800" dirty="0">
+                <a:solidFill>
+                  <a:schemeClr val="tx2">
+                    <a:lumMod val="90000"/>
+                    <a:lumOff val="10000"/>
+                  </a:schemeClr>
+                </a:solidFill>
+                <a:effectLst>
+                  <a:glow>
+                    <a:schemeClr val="accent1">
+                      <a:alpha val="50000"/>
+                    </a:schemeClr>
+                  </a:glow>
+                </a:effectLst>
                 <a:latin typeface="Californian FB" panose="0207040306080B030204" pitchFamily="18" charset="0"/>
                 <a:cs typeface="David" panose="020F0502020204030204" pitchFamily="34" charset="-79"/>
               </a:rPr>
               <a:t>OUR PRODUCT : </a:t>
             </a:r>
             <a:r>
-              <a:rPr lang="en-US" sz="2800" dirty="0" err="1">
+              <a:rPr lang="en-US" sz="2800" b="1" u="sng" dirty="0">
+                <a:solidFill>
+                  <a:schemeClr val="tx2">
+                    <a:lumMod val="90000"/>
+                    <a:lumOff val="10000"/>
+                  </a:schemeClr>
+                </a:solidFill>
+                <a:effectLst>
+                  <a:glow>
+                    <a:schemeClr val="accent1">
+                      <a:alpha val="50000"/>
+                    </a:schemeClr>
+                  </a:glow>
+                  <a:outerShdw blurRad="38100" dist="38100" dir="2700000" algn="tl">
+                    <a:srgbClr val="000000">
+                      <a:alpha val="43137"/>
+                    </a:srgbClr>
+                  </a:outerShdw>
+                </a:effectLst>
                 <a:latin typeface="Californian FB" panose="0207040306080B030204" pitchFamily="18" charset="0"/>
                 <a:cs typeface="David" panose="020F0502020204030204" pitchFamily="34" charset="-79"/>
               </a:rPr>
               <a:t>SummarEase</a:t>
             </a:r>
-            <a:endParaRPr lang="en-US" sz="2800" dirty="0">
-              <a:latin typeface="Californian FB" panose="0207040306080B030204" pitchFamily="18" charset="0"/>
-              <a:cs typeface="David" panose="020F0502020204030204" pitchFamily="34" charset="-79"/>
-            </a:endParaRPr>
           </a:p>
         </p:txBody>
       </p:sp>
@@ -4181,15 +8530,1198 @@
   <p:clrMapOvr>
     <a:masterClrMapping/>
   </p:clrMapOvr>
+  <mc:AlternateContent xmlns:mc="http://schemas.openxmlformats.org/markup-compatibility/2006">
+    <mc:Choice xmlns:p14="http://schemas.microsoft.com/office/powerpoint/2010/main" Requires="p14">
+      <p:transition spd="slow" p14:dur="1500">
+        <p:split orient="vert"/>
+      </p:transition>
+    </mc:Choice>
+    <mc:Fallback>
+      <p:transition spd="slow">
+        <p:split orient="vert"/>
+      </p:transition>
+    </mc:Fallback>
+  </mc:AlternateContent>
 </p:sld>
 </file>
 
-<file path=ppt/slides/slide2.xml><?xml version="1.0" encoding="utf-8"?>
+<file path=ppt/slides/slide3.xml><?xml version="1.0" encoding="utf-8"?>
+<p:sld xmlns:a="http://schemas.openxmlformats.org/drawingml/2006/main" xmlns:r="http://schemas.openxmlformats.org/officeDocument/2006/relationships" xmlns:p="http://schemas.openxmlformats.org/presentationml/2006/main">
+  <p:cSld>
+    <p:bg>
+      <p:bgPr>
+        <a:gradFill>
+          <a:gsLst>
+            <a:gs pos="0">
+              <a:schemeClr val="accent1">
+                <a:lumMod val="5000"/>
+                <a:lumOff val="95000"/>
+              </a:schemeClr>
+            </a:gs>
+            <a:gs pos="63000">
+              <a:schemeClr val="accent1">
+                <a:lumMod val="45000"/>
+                <a:lumOff val="55000"/>
+              </a:schemeClr>
+            </a:gs>
+            <a:gs pos="83000">
+              <a:schemeClr val="accent1">
+                <a:lumMod val="45000"/>
+                <a:lumOff val="55000"/>
+              </a:schemeClr>
+            </a:gs>
+            <a:gs pos="100000">
+              <a:schemeClr val="accent1">
+                <a:lumMod val="30000"/>
+                <a:lumOff val="70000"/>
+              </a:schemeClr>
+            </a:gs>
+          </a:gsLst>
+          <a:lin ang="5400000" scaled="1"/>
+        </a:gradFill>
+        <a:effectLst/>
+      </p:bgPr>
+    </p:bg>
+    <p:spTree>
+      <p:nvGrpSpPr>
+        <p:cNvPr id="1" name=""/>
+        <p:cNvGrpSpPr/>
+        <p:nvPr/>
+      </p:nvGrpSpPr>
+      <p:grpSpPr>
+        <a:xfrm>
+          <a:off x="0" y="0"/>
+          <a:ext cx="0" cy="0"/>
+          <a:chOff x="0" y="0"/>
+          <a:chExt cx="0" cy="0"/>
+        </a:xfrm>
+      </p:grpSpPr>
+      <p:sp useBgFill="1">
+        <p:nvSpPr>
+          <p:cNvPr id="15" name="Rectangle 7">
+            <a:extLst>
+              <a:ext uri="{FF2B5EF4-FFF2-40B4-BE49-F238E27FC236}">
+                <a16:creationId xmlns:a16="http://schemas.microsoft.com/office/drawing/2014/main" id="{081EA652-8C6A-4E69-BEB9-170809474553}"/>
+              </a:ext>
+              <a:ext uri="{C183D7F6-B498-43B3-948B-1728B52AA6E4}">
+                <adec:decorative xmlns:adec="http://schemas.microsoft.com/office/drawing/2017/decorative" val="1"/>
+              </a:ext>
+            </a:extLst>
+          </p:cNvPr>
+          <p:cNvSpPr>
+            <a:spLocks noGrp="1" noRot="1" noChangeAspect="1" noMove="1" noResize="1" noEditPoints="1" noAdjustHandles="1" noChangeArrowheads="1" noChangeShapeType="1" noTextEdit="1"/>
+          </p:cNvSpPr>
+          <p:nvPr>
+            <p:extLst>
+              <p:ext uri="{386F3935-93C4-4BCD-93E2-E3B085C9AB24}">
+                <p16:designElem xmlns:p16="http://schemas.microsoft.com/office/powerpoint/2015/main" val="1"/>
+              </p:ext>
+            </p:extLst>
+          </p:nvPr>
+        </p:nvSpPr>
+        <p:spPr>
+          <a:xfrm>
+            <a:off x="0" y="0"/>
+            <a:ext cx="12192000" cy="6858000"/>
+          </a:xfrm>
+          <a:prstGeom prst="rect">
+            <a:avLst/>
+          </a:prstGeom>
+          <a:ln>
+            <a:noFill/>
+          </a:ln>
+        </p:spPr>
+        <p:style>
+          <a:lnRef idx="2">
+            <a:schemeClr val="accent1">
+              <a:shade val="50000"/>
+            </a:schemeClr>
+          </a:lnRef>
+          <a:fillRef idx="1">
+            <a:schemeClr val="accent1"/>
+          </a:fillRef>
+          <a:effectRef idx="0">
+            <a:schemeClr val="accent1"/>
+          </a:effectRef>
+          <a:fontRef idx="minor">
+            <a:schemeClr val="lt1"/>
+          </a:fontRef>
+        </p:style>
+        <p:txBody>
+          <a:bodyPr rtlCol="0" anchor="ctr"/>
+          <a:lstStyle/>
+          <a:p>
+            <a:pPr algn="ctr"/>
+            <a:endParaRPr lang="en-US" dirty="0"/>
+          </a:p>
+        </p:txBody>
+      </p:sp>
+      <p:sp>
+        <p:nvSpPr>
+          <p:cNvPr id="17" name="Right Triangle 9">
+            <a:extLst>
+              <a:ext uri="{FF2B5EF4-FFF2-40B4-BE49-F238E27FC236}">
+                <a16:creationId xmlns:a16="http://schemas.microsoft.com/office/drawing/2014/main" id="{5298780A-33B9-4EA2-8F67-DE68AD62841B}"/>
+              </a:ext>
+              <a:ext uri="{C183D7F6-B498-43B3-948B-1728B52AA6E4}">
+                <adec:decorative xmlns:adec="http://schemas.microsoft.com/office/drawing/2017/decorative" val="1"/>
+              </a:ext>
+            </a:extLst>
+          </p:cNvPr>
+          <p:cNvSpPr>
+            <a:spLocks noGrp="1" noRot="1" noChangeAspect="1" noMove="1" noResize="1" noEditPoints="1" noAdjustHandles="1" noChangeArrowheads="1" noChangeShapeType="1" noTextEdit="1"/>
+          </p:cNvSpPr>
+          <p:nvPr>
+            <p:extLst>
+              <p:ext uri="{386F3935-93C4-4BCD-93E2-E3B085C9AB24}">
+                <p16:designElem xmlns:p16="http://schemas.microsoft.com/office/powerpoint/2015/main" val="1"/>
+              </p:ext>
+            </p:extLst>
+          </p:nvPr>
+        </p:nvSpPr>
+        <p:spPr>
+          <a:xfrm flipH="1">
+            <a:off x="8576720" y="3335867"/>
+            <a:ext cx="3291840" cy="3200400"/>
+          </a:xfrm>
+          <a:prstGeom prst="rtTriangle">
+            <a:avLst/>
+          </a:prstGeom>
+          <a:solidFill>
+            <a:schemeClr val="accent4"/>
+          </a:solidFill>
+          <a:ln>
+            <a:noFill/>
+          </a:ln>
+        </p:spPr>
+        <p:style>
+          <a:lnRef idx="2">
+            <a:schemeClr val="accent1">
+              <a:shade val="50000"/>
+            </a:schemeClr>
+          </a:lnRef>
+          <a:fillRef idx="1">
+            <a:schemeClr val="accent1"/>
+          </a:fillRef>
+          <a:effectRef idx="0">
+            <a:schemeClr val="accent1"/>
+          </a:effectRef>
+          <a:fontRef idx="minor">
+            <a:schemeClr val="lt1"/>
+          </a:fontRef>
+        </p:style>
+        <p:txBody>
+          <a:bodyPr rtlCol="0" anchor="ctr"/>
+          <a:lstStyle/>
+          <a:p>
+            <a:pPr algn="ctr"/>
+            <a:endParaRPr lang="en-US" dirty="0"/>
+          </a:p>
+        </p:txBody>
+      </p:sp>
+      <p:sp>
+        <p:nvSpPr>
+          <p:cNvPr id="26" name="Rectangle 11">
+            <a:extLst>
+              <a:ext uri="{FF2B5EF4-FFF2-40B4-BE49-F238E27FC236}">
+                <a16:creationId xmlns:a16="http://schemas.microsoft.com/office/drawing/2014/main" id="{7F488E8B-4E1E-4402-8935-D4E6C02615C7}"/>
+              </a:ext>
+              <a:ext uri="{C183D7F6-B498-43B3-948B-1728B52AA6E4}">
+                <adec:decorative xmlns:adec="http://schemas.microsoft.com/office/drawing/2017/decorative" val="1"/>
+              </a:ext>
+            </a:extLst>
+          </p:cNvPr>
+          <p:cNvSpPr>
+            <a:spLocks noGrp="1" noRot="1" noChangeAspect="1" noMove="1" noResize="1" noEditPoints="1" noAdjustHandles="1" noChangeArrowheads="1" noChangeShapeType="1" noTextEdit="1"/>
+          </p:cNvSpPr>
+          <p:nvPr>
+            <p:extLst>
+              <p:ext uri="{386F3935-93C4-4BCD-93E2-E3B085C9AB24}">
+                <p16:designElem xmlns:p16="http://schemas.microsoft.com/office/powerpoint/2015/main" val="1"/>
+              </p:ext>
+            </p:extLst>
+          </p:nvPr>
+        </p:nvSpPr>
+        <p:spPr>
+          <a:xfrm>
+            <a:off x="641774" y="623275"/>
+            <a:ext cx="10905053" cy="5607882"/>
+          </a:xfrm>
+          <a:prstGeom prst="rect">
+            <a:avLst/>
+          </a:prstGeom>
+          <a:noFill/>
+          <a:ln w="19050">
+            <a:solidFill>
+              <a:schemeClr val="tx1">
+                <a:lumMod val="75000"/>
+                <a:lumOff val="25000"/>
+              </a:schemeClr>
+            </a:solidFill>
+          </a:ln>
+        </p:spPr>
+        <p:style>
+          <a:lnRef idx="2">
+            <a:schemeClr val="accent1">
+              <a:shade val="50000"/>
+            </a:schemeClr>
+          </a:lnRef>
+          <a:fillRef idx="1">
+            <a:schemeClr val="accent1"/>
+          </a:fillRef>
+          <a:effectRef idx="0">
+            <a:schemeClr val="accent1"/>
+          </a:effectRef>
+          <a:fontRef idx="minor">
+            <a:schemeClr val="lt1"/>
+          </a:fontRef>
+        </p:style>
+        <p:txBody>
+          <a:bodyPr rtlCol="0" anchor="ctr"/>
+          <a:lstStyle/>
+          <a:p>
+            <a:pPr algn="ctr"/>
+            <a:endParaRPr lang="en-US" dirty="0"/>
+          </a:p>
+        </p:txBody>
+      </p:sp>
+      <p:sp>
+        <p:nvSpPr>
+          <p:cNvPr id="2" name="Τίτλος 1">
+            <a:extLst>
+              <a:ext uri="{FF2B5EF4-FFF2-40B4-BE49-F238E27FC236}">
+                <a16:creationId xmlns:a16="http://schemas.microsoft.com/office/drawing/2014/main" id="{6C1EECB6-D2B3-8182-3B6F-243F57B1AE99}"/>
+              </a:ext>
+            </a:extLst>
+          </p:cNvPr>
+          <p:cNvSpPr>
+            <a:spLocks noGrp="1"/>
+          </p:cNvSpPr>
+          <p:nvPr>
+            <p:ph type="title"/>
+          </p:nvPr>
+        </p:nvSpPr>
+        <p:spPr>
+          <a:xfrm>
+            <a:off x="856034" y="1188637"/>
+            <a:ext cx="3540753" cy="4480726"/>
+          </a:xfrm>
+        </p:spPr>
+        <p:txBody>
+          <a:bodyPr wrap="square">
+            <a:normAutofit/>
+          </a:bodyPr>
+          <a:lstStyle/>
+          <a:p>
+            <a:pPr algn="r"/>
+            <a:r>
+              <a:rPr lang="en-US" sz="6000" dirty="0">
+                <a:solidFill>
+                  <a:srgbClr val="084158"/>
+                </a:solidFill>
+                <a:effectLst>
+                  <a:glow>
+                    <a:schemeClr val="accent1">
+                      <a:alpha val="40000"/>
+                    </a:schemeClr>
+                  </a:glow>
+                </a:effectLst>
+              </a:rPr>
+              <a:t>TEAM</a:t>
+            </a:r>
+            <a:br>
+              <a:rPr lang="en-US" sz="6000" dirty="0">
+                <a:solidFill>
+                  <a:srgbClr val="084158"/>
+                </a:solidFill>
+                <a:effectLst>
+                  <a:glow>
+                    <a:schemeClr val="accent1">
+                      <a:alpha val="40000"/>
+                    </a:schemeClr>
+                  </a:glow>
+                </a:effectLst>
+              </a:rPr>
+            </a:br>
+            <a:r>
+              <a:rPr lang="en-US" sz="6000" dirty="0">
+                <a:solidFill>
+                  <a:srgbClr val="084158"/>
+                </a:solidFill>
+                <a:effectLst>
+                  <a:glow>
+                    <a:schemeClr val="accent1">
+                      <a:alpha val="40000"/>
+                    </a:schemeClr>
+                  </a:glow>
+                </a:effectLst>
+              </a:rPr>
+              <a:t>MEMBERS</a:t>
+            </a:r>
+            <a:endParaRPr lang="el-GR" sz="6000" dirty="0">
+              <a:solidFill>
+                <a:srgbClr val="084158"/>
+              </a:solidFill>
+              <a:effectLst>
+                <a:glow>
+                  <a:schemeClr val="accent1">
+                    <a:alpha val="40000"/>
+                  </a:schemeClr>
+                </a:glow>
+              </a:effectLst>
+            </a:endParaRPr>
+          </a:p>
+        </p:txBody>
+      </p:sp>
+      <p:cxnSp>
+        <p:nvCxnSpPr>
+          <p:cNvPr id="27" name="Straight Connector 13">
+            <a:extLst>
+              <a:ext uri="{FF2B5EF4-FFF2-40B4-BE49-F238E27FC236}">
+                <a16:creationId xmlns:a16="http://schemas.microsoft.com/office/drawing/2014/main" id="{23AAC9B5-8015-485C-ACF9-A750390E9A56}"/>
+              </a:ext>
+              <a:ext uri="{C183D7F6-B498-43B3-948B-1728B52AA6E4}">
+                <adec:decorative xmlns:adec="http://schemas.microsoft.com/office/drawing/2017/decorative" val="1"/>
+              </a:ext>
+            </a:extLst>
+          </p:cNvPr>
+          <p:cNvCxnSpPr>
+            <a:cxnSpLocks noGrp="1" noRot="1" noChangeAspect="1" noMove="1" noResize="1" noEditPoints="1" noAdjustHandles="1" noChangeArrowheads="1" noChangeShapeType="1"/>
+          </p:cNvCxnSpPr>
+          <p:nvPr>
+            <p:extLst>
+              <p:ext uri="{386F3935-93C4-4BCD-93E2-E3B085C9AB24}">
+                <p16:designElem xmlns:p16="http://schemas.microsoft.com/office/powerpoint/2015/main" val="1"/>
+              </p:ext>
+            </p:extLst>
+          </p:nvPr>
+        </p:nvCxnSpPr>
+        <p:spPr>
+          <a:xfrm>
+            <a:off x="4654296" y="1852863"/>
+            <a:ext cx="0" cy="3236495"/>
+          </a:xfrm>
+          <a:prstGeom prst="line">
+            <a:avLst/>
+          </a:prstGeom>
+          <a:ln w="19050" cap="sq">
+            <a:solidFill>
+              <a:schemeClr val="tx1">
+                <a:lumMod val="75000"/>
+                <a:lumOff val="25000"/>
+              </a:schemeClr>
+            </a:solidFill>
+          </a:ln>
+        </p:spPr>
+        <p:style>
+          <a:lnRef idx="1">
+            <a:schemeClr val="accent1"/>
+          </a:lnRef>
+          <a:fillRef idx="0">
+            <a:schemeClr val="accent1"/>
+          </a:fillRef>
+          <a:effectRef idx="0">
+            <a:schemeClr val="accent1"/>
+          </a:effectRef>
+          <a:fontRef idx="minor">
+            <a:schemeClr val="tx1"/>
+          </a:fontRef>
+        </p:style>
+      </p:cxnSp>
+      <p:sp>
+        <p:nvSpPr>
+          <p:cNvPr id="3" name="Θέση περιεχομένου 2">
+            <a:extLst>
+              <a:ext uri="{FF2B5EF4-FFF2-40B4-BE49-F238E27FC236}">
+                <a16:creationId xmlns:a16="http://schemas.microsoft.com/office/drawing/2014/main" id="{2FDBFF84-7EA7-3365-49EE-96F11E23D879}"/>
+              </a:ext>
+            </a:extLst>
+          </p:cNvPr>
+          <p:cNvSpPr>
+            <a:spLocks noGrp="1"/>
+          </p:cNvSpPr>
+          <p:nvPr>
+            <p:ph idx="1"/>
+          </p:nvPr>
+        </p:nvSpPr>
+        <p:spPr>
+          <a:xfrm>
+            <a:off x="5255260" y="1648870"/>
+            <a:ext cx="4702848" cy="3560260"/>
+          </a:xfrm>
+        </p:spPr>
+        <p:txBody>
+          <a:bodyPr anchor="ctr">
+            <a:normAutofit/>
+          </a:bodyPr>
+          <a:lstStyle/>
+          <a:p>
+            <a:r>
+              <a:rPr lang="el-GR" dirty="0">
+                <a:solidFill>
+                  <a:schemeClr val="tx2">
+                    <a:lumMod val="75000"/>
+                    <a:lumOff val="25000"/>
+                  </a:schemeClr>
+                </a:solidFill>
+              </a:rPr>
+              <a:t>Μανδαλάκης Χρήστος</a:t>
+            </a:r>
+          </a:p>
+          <a:p>
+            <a:r>
+              <a:rPr lang="el-GR" dirty="0">
+                <a:solidFill>
+                  <a:schemeClr val="tx2">
+                    <a:lumMod val="75000"/>
+                    <a:lumOff val="25000"/>
+                  </a:schemeClr>
+                </a:solidFill>
+              </a:rPr>
+              <a:t>Δενδρινός Άγγελος Γιώργος</a:t>
+            </a:r>
+          </a:p>
+          <a:p>
+            <a:r>
+              <a:rPr lang="el-GR" dirty="0">
+                <a:solidFill>
+                  <a:schemeClr val="tx2">
+                    <a:lumMod val="75000"/>
+                    <a:lumOff val="25000"/>
+                  </a:schemeClr>
+                </a:solidFill>
+              </a:rPr>
+              <a:t>Γκαραβέλας Στέφανος</a:t>
+            </a:r>
+          </a:p>
+        </p:txBody>
+      </p:sp>
+    </p:spTree>
+    <p:extLst>
+      <p:ext uri="{BB962C8B-B14F-4D97-AF65-F5344CB8AC3E}">
+        <p14:creationId xmlns:p14="http://schemas.microsoft.com/office/powerpoint/2010/main" val="777704071"/>
+      </p:ext>
+    </p:extLst>
+  </p:cSld>
+  <p:clrMapOvr>
+    <a:masterClrMapping/>
+  </p:clrMapOvr>
+  <mc:AlternateContent xmlns:mc="http://schemas.openxmlformats.org/markup-compatibility/2006">
+    <mc:Choice xmlns:p14="http://schemas.microsoft.com/office/powerpoint/2010/main" Requires="p14">
+      <p:transition spd="med" p14:dur="700">
+        <p:fade/>
+      </p:transition>
+    </mc:Choice>
+    <mc:Fallback>
+      <p:transition spd="med">
+        <p:fade/>
+      </p:transition>
+    </mc:Fallback>
+  </mc:AlternateContent>
+</p:sld>
+</file>
+
+<file path=ppt/slides/slide4.xml><?xml version="1.0" encoding="utf-8"?>
+<p:sld xmlns:a="http://schemas.openxmlformats.org/drawingml/2006/main" xmlns:r="http://schemas.openxmlformats.org/officeDocument/2006/relationships" xmlns:p="http://schemas.openxmlformats.org/presentationml/2006/main">
+  <p:cSld>
+    <p:bg>
+      <p:bgPr>
+        <a:gradFill>
+          <a:gsLst>
+            <a:gs pos="0">
+              <a:schemeClr val="accent1">
+                <a:lumMod val="5000"/>
+                <a:lumOff val="95000"/>
+              </a:schemeClr>
+            </a:gs>
+            <a:gs pos="63000">
+              <a:schemeClr val="accent1">
+                <a:lumMod val="45000"/>
+                <a:lumOff val="55000"/>
+              </a:schemeClr>
+            </a:gs>
+            <a:gs pos="83000">
+              <a:schemeClr val="accent1">
+                <a:lumMod val="45000"/>
+                <a:lumOff val="55000"/>
+              </a:schemeClr>
+            </a:gs>
+            <a:gs pos="100000">
+              <a:schemeClr val="accent1">
+                <a:lumMod val="30000"/>
+                <a:lumOff val="70000"/>
+              </a:schemeClr>
+            </a:gs>
+          </a:gsLst>
+          <a:lin ang="5400000" scaled="1"/>
+        </a:gradFill>
+        <a:effectLst/>
+      </p:bgPr>
+    </p:bg>
+    <p:spTree>
+      <p:nvGrpSpPr>
+        <p:cNvPr id="1" name=""/>
+        <p:cNvGrpSpPr/>
+        <p:nvPr/>
+      </p:nvGrpSpPr>
+      <p:grpSpPr>
+        <a:xfrm>
+          <a:off x="0" y="0"/>
+          <a:ext cx="0" cy="0"/>
+          <a:chOff x="0" y="0"/>
+          <a:chExt cx="0" cy="0"/>
+        </a:xfrm>
+      </p:grpSpPr>
+      <p:sp useBgFill="1">
+        <p:nvSpPr>
+          <p:cNvPr id="5" name="Rectangle 7">
+            <a:extLst>
+              <a:ext uri="{FF2B5EF4-FFF2-40B4-BE49-F238E27FC236}">
+                <a16:creationId xmlns:a16="http://schemas.microsoft.com/office/drawing/2014/main" id="{8E2CC403-21CD-41DF-BAC4-329D7FF03C5C}"/>
+              </a:ext>
+              <a:ext uri="{C183D7F6-B498-43B3-948B-1728B52AA6E4}">
+                <adec:decorative xmlns:adec="http://schemas.microsoft.com/office/drawing/2017/decorative" val="1"/>
+              </a:ext>
+            </a:extLst>
+          </p:cNvPr>
+          <p:cNvSpPr>
+            <a:spLocks noGrp="1" noRot="1" noChangeAspect="1" noMove="1" noResize="1" noEditPoints="1" noAdjustHandles="1" noChangeArrowheads="1" noChangeShapeType="1" noTextEdit="1"/>
+          </p:cNvSpPr>
+          <p:nvPr>
+            <p:extLst>
+              <p:ext uri="{386F3935-93C4-4BCD-93E2-E3B085C9AB24}">
+                <p16:designElem xmlns:p16="http://schemas.microsoft.com/office/powerpoint/2015/main" val="1"/>
+              </p:ext>
+            </p:extLst>
+          </p:nvPr>
+        </p:nvSpPr>
+        <p:spPr>
+          <a:xfrm>
+            <a:off x="0" y="0"/>
+            <a:ext cx="12191999" cy="6857365"/>
+          </a:xfrm>
+          <a:prstGeom prst="rect">
+            <a:avLst/>
+          </a:prstGeom>
+          <a:ln>
+            <a:noFill/>
+          </a:ln>
+        </p:spPr>
+        <p:style>
+          <a:lnRef idx="2">
+            <a:schemeClr val="accent1">
+              <a:shade val="50000"/>
+            </a:schemeClr>
+          </a:lnRef>
+          <a:fillRef idx="1">
+            <a:schemeClr val="accent1"/>
+          </a:fillRef>
+          <a:effectRef idx="0">
+            <a:schemeClr val="accent1"/>
+          </a:effectRef>
+          <a:fontRef idx="minor">
+            <a:schemeClr val="lt1"/>
+          </a:fontRef>
+        </p:style>
+        <p:txBody>
+          <a:bodyPr rtlCol="0" anchor="ctr"/>
+          <a:lstStyle/>
+          <a:p>
+            <a:pPr algn="ctr"/>
+            <a:endParaRPr lang="en-US" dirty="0"/>
+          </a:p>
+        </p:txBody>
+      </p:sp>
+      <p:sp>
+        <p:nvSpPr>
+          <p:cNvPr id="2" name="Τίτλος 1">
+            <a:extLst>
+              <a:ext uri="{FF2B5EF4-FFF2-40B4-BE49-F238E27FC236}">
+                <a16:creationId xmlns:a16="http://schemas.microsoft.com/office/drawing/2014/main" id="{88EE41FA-F130-B163-7938-0CB363D0C25D}"/>
+              </a:ext>
+            </a:extLst>
+          </p:cNvPr>
+          <p:cNvSpPr>
+            <a:spLocks noGrp="1"/>
+          </p:cNvSpPr>
+          <p:nvPr>
+            <p:ph type="title"/>
+          </p:nvPr>
+        </p:nvSpPr>
+        <p:spPr>
+          <a:xfrm>
+            <a:off x="1078828" y="1147158"/>
+            <a:ext cx="6038470" cy="4713316"/>
+          </a:xfrm>
+        </p:spPr>
+        <p:txBody>
+          <a:bodyPr vert="horz" lIns="91440" tIns="45720" rIns="91440" bIns="45720" rtlCol="0" anchor="ctr">
+            <a:normAutofit/>
+          </a:bodyPr>
+          <a:lstStyle/>
+          <a:p>
+            <a:r>
+              <a:rPr lang="en-US" sz="6000" kern="1200">
+                <a:solidFill>
+                  <a:schemeClr val="accent1">
+                    <a:lumMod val="75000"/>
+                  </a:schemeClr>
+                </a:solidFill>
+                <a:latin typeface="+mj-lt"/>
+                <a:ea typeface="+mj-ea"/>
+                <a:cs typeface="+mj-cs"/>
+              </a:rPr>
+              <a:t>WHAT PROBLEM DOES OUR APP SOLVES</a:t>
+            </a:r>
+            <a:endParaRPr lang="en-US" sz="6000" kern="1200" dirty="0">
+              <a:solidFill>
+                <a:schemeClr val="accent1">
+                  <a:lumMod val="75000"/>
+                </a:schemeClr>
+              </a:solidFill>
+              <a:latin typeface="+mj-lt"/>
+              <a:ea typeface="+mj-ea"/>
+              <a:cs typeface="+mj-cs"/>
+            </a:endParaRPr>
+          </a:p>
+        </p:txBody>
+      </p:sp>
+      <p:grpSp>
+        <p:nvGrpSpPr>
+          <p:cNvPr id="6" name="Group 9">
+            <a:extLst>
+              <a:ext uri="{FF2B5EF4-FFF2-40B4-BE49-F238E27FC236}">
+                <a16:creationId xmlns:a16="http://schemas.microsoft.com/office/drawing/2014/main" id="{B13AA5FE-3FFC-4725-9ADD-E428544EC61B}"/>
+              </a:ext>
+              <a:ext uri="{C183D7F6-B498-43B3-948B-1728B52AA6E4}">
+                <adec:decorative xmlns:adec="http://schemas.microsoft.com/office/drawing/2017/decorative" val="1"/>
+              </a:ext>
+            </a:extLst>
+          </p:cNvPr>
+          <p:cNvGrpSpPr>
+            <a:grpSpLocks noGrp="1" noUngrp="1" noRot="1" noChangeAspect="1" noMove="1" noResize="1"/>
+          </p:cNvGrpSpPr>
+          <p:nvPr>
+            <p:extLst>
+              <p:ext uri="{386F3935-93C4-4BCD-93E2-E3B085C9AB24}">
+                <p16:designElem xmlns:p16="http://schemas.microsoft.com/office/powerpoint/2015/main" val="1"/>
+              </p:ext>
+            </p:extLst>
+          </p:nvPr>
+        </p:nvGrpSpPr>
+        <p:grpSpPr>
+          <a:xfrm>
+            <a:off x="0" y="3154317"/>
+            <a:ext cx="731521" cy="673460"/>
+            <a:chOff x="3940602" y="308034"/>
+            <a:chExt cx="2116791" cy="3428999"/>
+          </a:xfrm>
+          <a:solidFill>
+            <a:schemeClr val="accent4"/>
+          </a:solidFill>
+        </p:grpSpPr>
+        <p:sp>
+          <p:nvSpPr>
+            <p:cNvPr id="11" name="Rectangle 10">
+              <a:extLst>
+                <a:ext uri="{FF2B5EF4-FFF2-40B4-BE49-F238E27FC236}">
+                  <a16:creationId xmlns:a16="http://schemas.microsoft.com/office/drawing/2014/main" id="{4FA70700-3F72-44D4-8175-FEB2B9B2332B}"/>
+                </a:ext>
+                <a:ext uri="{C183D7F6-B498-43B3-948B-1728B52AA6E4}">
+                  <adec:decorative xmlns:adec="http://schemas.microsoft.com/office/drawing/2017/decorative" val="1"/>
+                </a:ext>
+              </a:extLst>
+            </p:cNvPr>
+            <p:cNvSpPr/>
+            <p:nvPr>
+              <p:extLst>
+                <p:ext uri="{386F3935-93C4-4BCD-93E2-E3B085C9AB24}">
+                  <p16:designElem xmlns:p16="http://schemas.microsoft.com/office/powerpoint/2015/main" val="1"/>
+                </p:ext>
+              </p:extLst>
+            </p:nvPr>
+          </p:nvSpPr>
+          <p:spPr>
+            <a:xfrm>
+              <a:off x="3940602" y="308034"/>
+              <a:ext cx="566743" cy="3428999"/>
+            </a:xfrm>
+            <a:prstGeom prst="rect">
+              <a:avLst/>
+            </a:prstGeom>
+            <a:grpFill/>
+            <a:ln>
+              <a:noFill/>
+            </a:ln>
+          </p:spPr>
+          <p:style>
+            <a:lnRef idx="2">
+              <a:schemeClr val="accent1">
+                <a:shade val="50000"/>
+              </a:schemeClr>
+            </a:lnRef>
+            <a:fillRef idx="1">
+              <a:schemeClr val="accent1"/>
+            </a:fillRef>
+            <a:effectRef idx="0">
+              <a:schemeClr val="accent1"/>
+            </a:effectRef>
+            <a:fontRef idx="minor">
+              <a:schemeClr val="lt1"/>
+            </a:fontRef>
+          </p:style>
+          <p:txBody>
+            <a:bodyPr rtlCol="0" anchor="ctr"/>
+            <a:lstStyle/>
+            <a:p>
+              <a:pPr algn="ctr"/>
+              <a:endParaRPr lang="en-US" dirty="0"/>
+            </a:p>
+          </p:txBody>
+        </p:sp>
+        <p:sp>
+          <p:nvSpPr>
+            <p:cNvPr id="7" name="Rectangle 11">
+              <a:extLst>
+                <a:ext uri="{FF2B5EF4-FFF2-40B4-BE49-F238E27FC236}">
+                  <a16:creationId xmlns:a16="http://schemas.microsoft.com/office/drawing/2014/main" id="{7093C0F6-5741-4C9D-90FF-A25824BFC579}"/>
+                </a:ext>
+                <a:ext uri="{C183D7F6-B498-43B3-948B-1728B52AA6E4}">
+                  <adec:decorative xmlns:adec="http://schemas.microsoft.com/office/drawing/2017/decorative" val="1"/>
+                </a:ext>
+              </a:extLst>
+            </p:cNvPr>
+            <p:cNvSpPr/>
+            <p:nvPr>
+              <p:extLst>
+                <p:ext uri="{386F3935-93C4-4BCD-93E2-E3B085C9AB24}">
+                  <p16:designElem xmlns:p16="http://schemas.microsoft.com/office/powerpoint/2015/main" val="1"/>
+                </p:ext>
+              </p:extLst>
+            </p:nvPr>
+          </p:nvSpPr>
+          <p:spPr>
+            <a:xfrm>
+              <a:off x="4715626" y="308034"/>
+              <a:ext cx="566743" cy="3428999"/>
+            </a:xfrm>
+            <a:prstGeom prst="rect">
+              <a:avLst/>
+            </a:prstGeom>
+            <a:grpFill/>
+            <a:ln>
+              <a:noFill/>
+            </a:ln>
+          </p:spPr>
+          <p:style>
+            <a:lnRef idx="2">
+              <a:schemeClr val="accent1">
+                <a:shade val="50000"/>
+              </a:schemeClr>
+            </a:lnRef>
+            <a:fillRef idx="1">
+              <a:schemeClr val="accent1"/>
+            </a:fillRef>
+            <a:effectRef idx="0">
+              <a:schemeClr val="accent1"/>
+            </a:effectRef>
+            <a:fontRef idx="minor">
+              <a:schemeClr val="lt1"/>
+            </a:fontRef>
+          </p:style>
+          <p:txBody>
+            <a:bodyPr rtlCol="0" anchor="ctr"/>
+            <a:lstStyle/>
+            <a:p>
+              <a:pPr algn="ctr"/>
+              <a:endParaRPr lang="en-US" dirty="0"/>
+            </a:p>
+          </p:txBody>
+        </p:sp>
+        <p:sp>
+          <p:nvSpPr>
+            <p:cNvPr id="13" name="Rectangle 12">
+              <a:extLst>
+                <a:ext uri="{FF2B5EF4-FFF2-40B4-BE49-F238E27FC236}">
+                  <a16:creationId xmlns:a16="http://schemas.microsoft.com/office/drawing/2014/main" id="{921B2E1B-E962-432C-ADA1-2934CE3C5498}"/>
+                </a:ext>
+                <a:ext uri="{C183D7F6-B498-43B3-948B-1728B52AA6E4}">
+                  <adec:decorative xmlns:adec="http://schemas.microsoft.com/office/drawing/2017/decorative" val="1"/>
+                </a:ext>
+              </a:extLst>
+            </p:cNvPr>
+            <p:cNvSpPr/>
+            <p:nvPr>
+              <p:extLst>
+                <p:ext uri="{386F3935-93C4-4BCD-93E2-E3B085C9AB24}">
+                  <p16:designElem xmlns:p16="http://schemas.microsoft.com/office/powerpoint/2015/main" val="1"/>
+                </p:ext>
+              </p:extLst>
+            </p:nvPr>
+          </p:nvSpPr>
+          <p:spPr>
+            <a:xfrm>
+              <a:off x="5490650" y="308034"/>
+              <a:ext cx="566743" cy="3428999"/>
+            </a:xfrm>
+            <a:prstGeom prst="rect">
+              <a:avLst/>
+            </a:prstGeom>
+            <a:grpFill/>
+            <a:ln>
+              <a:noFill/>
+            </a:ln>
+          </p:spPr>
+          <p:style>
+            <a:lnRef idx="2">
+              <a:schemeClr val="accent1">
+                <a:shade val="50000"/>
+              </a:schemeClr>
+            </a:lnRef>
+            <a:fillRef idx="1">
+              <a:schemeClr val="accent1"/>
+            </a:fillRef>
+            <a:effectRef idx="0">
+              <a:schemeClr val="accent1"/>
+            </a:effectRef>
+            <a:fontRef idx="minor">
+              <a:schemeClr val="lt1"/>
+            </a:fontRef>
+          </p:style>
+          <p:txBody>
+            <a:bodyPr rtlCol="0" anchor="ctr"/>
+            <a:lstStyle/>
+            <a:p>
+              <a:pPr algn="ctr"/>
+              <a:endParaRPr lang="en-US" dirty="0"/>
+            </a:p>
+          </p:txBody>
+        </p:sp>
+      </p:grpSp>
+      <p:sp>
+        <p:nvSpPr>
+          <p:cNvPr id="15" name="Rectangle 14">
+            <a:extLst>
+              <a:ext uri="{FF2B5EF4-FFF2-40B4-BE49-F238E27FC236}">
+                <a16:creationId xmlns:a16="http://schemas.microsoft.com/office/drawing/2014/main" id="{7653717E-6F8C-43E0-9893-C03AE87D18D6}"/>
+              </a:ext>
+              <a:ext uri="{C183D7F6-B498-43B3-948B-1728B52AA6E4}">
+                <adec:decorative xmlns:adec="http://schemas.microsoft.com/office/drawing/2017/decorative" val="1"/>
+              </a:ext>
+            </a:extLst>
+          </p:cNvPr>
+          <p:cNvSpPr>
+            <a:spLocks noGrp="1" noRot="1" noChangeAspect="1" noMove="1" noResize="1" noEditPoints="1" noAdjustHandles="1" noChangeArrowheads="1" noChangeShapeType="1" noTextEdit="1"/>
+          </p:cNvSpPr>
+          <p:nvPr>
+            <p:extLst>
+              <p:ext uri="{386F3935-93C4-4BCD-93E2-E3B085C9AB24}">
+                <p16:designElem xmlns:p16="http://schemas.microsoft.com/office/powerpoint/2015/main" val="1"/>
+              </p:ext>
+            </p:extLst>
+          </p:nvPr>
+        </p:nvSpPr>
+        <p:spPr>
+          <a:xfrm flipH="1">
+            <a:off x="10697670" y="0"/>
+            <a:ext cx="1494330" cy="6858000"/>
+          </a:xfrm>
+          <a:prstGeom prst="rect">
+            <a:avLst/>
+          </a:prstGeom>
+          <a:solidFill>
+            <a:schemeClr val="accent4"/>
+          </a:solidFill>
+          <a:ln>
+            <a:noFill/>
+          </a:ln>
+        </p:spPr>
+        <p:style>
+          <a:lnRef idx="2">
+            <a:schemeClr val="accent1">
+              <a:shade val="50000"/>
+            </a:schemeClr>
+          </a:lnRef>
+          <a:fillRef idx="1">
+            <a:schemeClr val="accent1"/>
+          </a:fillRef>
+          <a:effectRef idx="0">
+            <a:schemeClr val="accent1"/>
+          </a:effectRef>
+          <a:fontRef idx="minor">
+            <a:schemeClr val="lt1"/>
+          </a:fontRef>
+        </p:style>
+        <p:txBody>
+          <a:bodyPr rtlCol="0" anchor="ctr"/>
+          <a:lstStyle/>
+          <a:p>
+            <a:pPr algn="ctr"/>
+            <a:endParaRPr lang="en-US" dirty="0"/>
+          </a:p>
+        </p:txBody>
+      </p:sp>
+      <p:sp>
+        <p:nvSpPr>
+          <p:cNvPr id="17" name="Rectangle 16">
+            <a:extLst>
+              <a:ext uri="{FF2B5EF4-FFF2-40B4-BE49-F238E27FC236}">
+                <a16:creationId xmlns:a16="http://schemas.microsoft.com/office/drawing/2014/main" id="{35BB14B4-EC3F-47C7-9AF3-B0E017B75C42}"/>
+              </a:ext>
+              <a:ext uri="{C183D7F6-B498-43B3-948B-1728B52AA6E4}">
+                <adec:decorative xmlns:adec="http://schemas.microsoft.com/office/drawing/2017/decorative" val="1"/>
+              </a:ext>
+            </a:extLst>
+          </p:cNvPr>
+          <p:cNvSpPr>
+            <a:spLocks noGrp="1" noRot="1" noChangeAspect="1" noMove="1" noResize="1" noEditPoints="1" noAdjustHandles="1" noChangeArrowheads="1" noChangeShapeType="1" noTextEdit="1"/>
+          </p:cNvSpPr>
+          <p:nvPr>
+            <p:extLst>
+              <p:ext uri="{386F3935-93C4-4BCD-93E2-E3B085C9AB24}">
+                <p16:designElem xmlns:p16="http://schemas.microsoft.com/office/powerpoint/2015/main" val="1"/>
+              </p:ext>
+            </p:extLst>
+          </p:nvPr>
+        </p:nvSpPr>
+        <p:spPr>
+          <a:xfrm>
+            <a:off x="7666160" y="391886"/>
+            <a:ext cx="4029016" cy="6017078"/>
+          </a:xfrm>
+          <a:prstGeom prst="rect">
+            <a:avLst/>
+          </a:prstGeom>
+          <a:solidFill>
+            <a:schemeClr val="bg1"/>
+          </a:solidFill>
+          <a:ln>
+            <a:noFill/>
+          </a:ln>
+          <a:effectLst>
+            <a:outerShdw blurRad="139700" dist="127000" dir="5400000" algn="t" rotWithShape="0">
+              <a:prstClr val="black">
+                <a:alpha val="15000"/>
+              </a:prstClr>
+            </a:outerShdw>
+          </a:effectLst>
+        </p:spPr>
+        <p:style>
+          <a:lnRef idx="2">
+            <a:schemeClr val="accent1">
+              <a:shade val="50000"/>
+            </a:schemeClr>
+          </a:lnRef>
+          <a:fillRef idx="1">
+            <a:schemeClr val="accent1"/>
+          </a:fillRef>
+          <a:effectRef idx="0">
+            <a:schemeClr val="accent1"/>
+          </a:effectRef>
+          <a:fontRef idx="minor">
+            <a:schemeClr val="lt1"/>
+          </a:fontRef>
+        </p:style>
+        <p:txBody>
+          <a:bodyPr rtlCol="0" anchor="ctr"/>
+          <a:lstStyle/>
+          <a:p>
+            <a:pPr algn="ctr"/>
+            <a:endParaRPr lang="en-US" dirty="0"/>
+          </a:p>
+        </p:txBody>
+      </p:sp>
+      <p:sp>
+        <p:nvSpPr>
+          <p:cNvPr id="29" name="TextBox 28">
+            <a:extLst>
+              <a:ext uri="{FF2B5EF4-FFF2-40B4-BE49-F238E27FC236}">
+                <a16:creationId xmlns:a16="http://schemas.microsoft.com/office/drawing/2014/main" id="{55E5EA2A-57BE-0D5F-8FF9-4FA1BAEB10C7}"/>
+              </a:ext>
+            </a:extLst>
+          </p:cNvPr>
+          <p:cNvSpPr txBox="1"/>
+          <p:nvPr/>
+        </p:nvSpPr>
+        <p:spPr>
+          <a:xfrm>
+            <a:off x="7666160" y="243194"/>
+            <a:ext cx="4029016" cy="6370975"/>
+          </a:xfrm>
+          <a:prstGeom prst="rect">
+            <a:avLst/>
+          </a:prstGeom>
+          <a:gradFill flip="none" rotWithShape="1">
+            <a:gsLst>
+              <a:gs pos="26000">
+                <a:srgbClr val="15A6DE"/>
+              </a:gs>
+              <a:gs pos="0">
+                <a:srgbClr val="19B2EF">
+                  <a:lumMod val="100000"/>
+                </a:srgbClr>
+              </a:gs>
+              <a:gs pos="46000">
+                <a:schemeClr val="accent4">
+                  <a:lumMod val="89000"/>
+                </a:schemeClr>
+              </a:gs>
+              <a:gs pos="69000">
+                <a:schemeClr val="accent4">
+                  <a:lumMod val="75000"/>
+                </a:schemeClr>
+              </a:gs>
+              <a:gs pos="97000">
+                <a:schemeClr val="accent4">
+                  <a:lumMod val="70000"/>
+                </a:schemeClr>
+              </a:gs>
+            </a:gsLst>
+            <a:path path="circle">
+              <a:fillToRect l="50000" t="50000" r="50000" b="50000"/>
+            </a:path>
+            <a:tileRect/>
+          </a:gradFill>
+        </p:spPr>
+        <p:txBody>
+          <a:bodyPr wrap="square" rtlCol="0">
+            <a:spAutoFit/>
+          </a:bodyPr>
+          <a:lstStyle/>
+          <a:p>
+            <a:pPr lvl="1">
+              <a:buSzPct val="100000"/>
+            </a:pPr>
+            <a:endParaRPr lang="el-GR" sz="2400"/>
+          </a:p>
+          <a:p>
+            <a:pPr lvl="1">
+              <a:buSzPct val="100000"/>
+            </a:pPr>
+            <a:endParaRPr lang="en-US" sz="2400"/>
+          </a:p>
+          <a:p>
+            <a:pPr lvl="1">
+              <a:buSzPct val="100000"/>
+            </a:pPr>
+            <a:endParaRPr lang="en-US" sz="2400"/>
+          </a:p>
+          <a:p>
+            <a:pPr lvl="1">
+              <a:buSzPct val="100000"/>
+            </a:pPr>
+            <a:endParaRPr lang="en-US" sz="2400"/>
+          </a:p>
+          <a:p>
+            <a:pPr lvl="1">
+              <a:buSzPct val="100000"/>
+            </a:pPr>
+            <a:endParaRPr lang="en-US" sz="2400"/>
+          </a:p>
+          <a:p>
+            <a:pPr lvl="1">
+              <a:buSzPct val="100000"/>
+            </a:pPr>
+            <a:endParaRPr lang="en-US" sz="2400"/>
+          </a:p>
+          <a:p>
+            <a:pPr lvl="1">
+              <a:buSzPct val="100000"/>
+            </a:pPr>
+            <a:endParaRPr lang="en-US" sz="2400"/>
+          </a:p>
+          <a:p>
+            <a:pPr lvl="1">
+              <a:buSzPct val="100000"/>
+            </a:pPr>
+            <a:endParaRPr lang="en-US" sz="2400"/>
+          </a:p>
+          <a:p>
+            <a:pPr lvl="1">
+              <a:buSzPct val="100000"/>
+            </a:pPr>
+            <a:endParaRPr lang="en-US" sz="2400"/>
+          </a:p>
+          <a:p>
+            <a:pPr lvl="1">
+              <a:buSzPct val="100000"/>
+            </a:pPr>
+            <a:endParaRPr lang="en-US" sz="2400"/>
+          </a:p>
+          <a:p>
+            <a:pPr lvl="1">
+              <a:buSzPct val="100000"/>
+            </a:pPr>
+            <a:endParaRPr lang="en-US" sz="2400"/>
+          </a:p>
+          <a:p>
+            <a:pPr lvl="1">
+              <a:buSzPct val="100000"/>
+            </a:pPr>
+            <a:endParaRPr lang="en-US" sz="2400"/>
+          </a:p>
+          <a:p>
+            <a:pPr lvl="1">
+              <a:buSzPct val="100000"/>
+            </a:pPr>
+            <a:endParaRPr lang="en-US" sz="2400"/>
+          </a:p>
+          <a:p>
+            <a:pPr lvl="1">
+              <a:buSzPct val="100000"/>
+            </a:pPr>
+            <a:endParaRPr lang="en-US" sz="2400"/>
+          </a:p>
+          <a:p>
+            <a:pPr lvl="1">
+              <a:buSzPct val="100000"/>
+            </a:pPr>
+            <a:endParaRPr lang="en-US" sz="2400"/>
+          </a:p>
+          <a:p>
+            <a:pPr lvl="1">
+              <a:buSzPct val="100000"/>
+            </a:pPr>
+            <a:endParaRPr lang="el-GR" sz="2400"/>
+          </a:p>
+          <a:p>
+            <a:pPr marL="914400" lvl="1" indent="-457200">
+              <a:buSzPct val="100000"/>
+              <a:buFont typeface="Wingdings" panose="05000000000000000000" pitchFamily="2" charset="2"/>
+              <a:buChar char="Ø"/>
+            </a:pPr>
+            <a:endParaRPr lang="el-GR" sz="2400" dirty="0"/>
+          </a:p>
+        </p:txBody>
+      </p:sp>
+    </p:spTree>
+    <p:extLst>
+      <p:ext uri="{BB962C8B-B14F-4D97-AF65-F5344CB8AC3E}">
+        <p14:creationId xmlns:p14="http://schemas.microsoft.com/office/powerpoint/2010/main" val="4047474215"/>
+      </p:ext>
+    </p:extLst>
+  </p:cSld>
+  <p:clrMapOvr>
+    <a:masterClrMapping/>
+  </p:clrMapOvr>
+  <p:transition spd="slow">
+    <p:wipe/>
+  </p:transition>
+</p:sld>
+</file>
+
+<file path=ppt/slides/slide5.xml><?xml version="1.0" encoding="utf-8"?>
 <p:sld xmlns:a="http://schemas.openxmlformats.org/drawingml/2006/main" xmlns:r="http://schemas.openxmlformats.org/officeDocument/2006/relationships" xmlns:p="http://schemas.openxmlformats.org/presentationml/2006/main">
   <p:cSld>
     <p:spTree>
       <p:nvGrpSpPr>
-        <p:cNvPr id="1" name=""/>
+        <p:cNvPr id="1" name="">
+          <a:extLst>
+            <a:ext uri="{FF2B5EF4-FFF2-40B4-BE49-F238E27FC236}">
+              <a16:creationId xmlns:a16="http://schemas.microsoft.com/office/drawing/2014/main" id="{B977C56E-D33B-3E8B-5D7F-76621CBE3D04}"/>
+            </a:ext>
+          </a:extLst>
+        </p:cNvPr>
         <p:cNvGrpSpPr/>
         <p:nvPr/>
       </p:nvGrpSpPr>
@@ -4206,7 +9738,7 @@
           <p:cNvPr id="2" name="Τίτλος 1">
             <a:extLst>
               <a:ext uri="{FF2B5EF4-FFF2-40B4-BE49-F238E27FC236}">
-                <a16:creationId xmlns:a16="http://schemas.microsoft.com/office/drawing/2014/main" id="{6C1EECB6-D2B3-8182-3B6F-243F57B1AE99}"/>
+                <a16:creationId xmlns:a16="http://schemas.microsoft.com/office/drawing/2014/main" id="{C496EDA1-EC39-7F5C-F5D0-B18055F3A7B5}"/>
               </a:ext>
             </a:extLst>
           </p:cNvPr>
@@ -4217,62 +9749,285 @@
             <p:ph type="title"/>
           </p:nvPr>
         </p:nvSpPr>
-        <p:spPr/>
+        <p:spPr>
+          <a:xfrm>
+            <a:off x="1078828" y="1147158"/>
+            <a:ext cx="6038470" cy="4713316"/>
+          </a:xfrm>
+        </p:spPr>
         <p:txBody>
-          <a:bodyPr/>
+          <a:bodyPr vert="horz" lIns="91440" tIns="45720" rIns="91440" bIns="45720" rtlCol="0" anchor="ctr">
+            <a:normAutofit/>
+          </a:bodyPr>
           <a:lstStyle/>
           <a:p>
             <a:r>
-              <a:rPr lang="el-GR" dirty="0"/>
-              <a:t>ΜΕΛΗ ΤΗΣ ΟΜΑΔΑΣ</a:t>
+              <a:rPr lang="en-US" sz="6000" kern="1200" dirty="0">
+                <a:solidFill>
+                  <a:schemeClr val="accent1">
+                    <a:lumMod val="75000"/>
+                  </a:schemeClr>
+                </a:solidFill>
+                <a:latin typeface="+mj-lt"/>
+                <a:ea typeface="+mj-ea"/>
+                <a:cs typeface="+mj-cs"/>
+              </a:rPr>
+              <a:t>WHAT PROBLEM DOES OUR APP SOLVES</a:t>
             </a:r>
           </a:p>
         </p:txBody>
       </p:sp>
       <p:sp>
         <p:nvSpPr>
-          <p:cNvPr id="3" name="Θέση περιεχομένου 2">
+          <p:cNvPr id="29" name="TextBox 28">
             <a:extLst>
               <a:ext uri="{FF2B5EF4-FFF2-40B4-BE49-F238E27FC236}">
-                <a16:creationId xmlns:a16="http://schemas.microsoft.com/office/drawing/2014/main" id="{2FDBFF84-7EA7-3365-49EE-96F11E23D879}"/>
+                <a16:creationId xmlns:a16="http://schemas.microsoft.com/office/drawing/2014/main" id="{583DB6C8-774A-CF02-0F37-3ADE48CED2D5}"/>
               </a:ext>
             </a:extLst>
           </p:cNvPr>
-          <p:cNvSpPr>
-            <a:spLocks noGrp="1"/>
-          </p:cNvSpPr>
-          <p:nvPr>
-            <p:ph idx="1"/>
-          </p:nvPr>
+          <p:cNvSpPr txBox="1"/>
+          <p:nvPr/>
         </p:nvSpPr>
-        <p:spPr/>
+        <p:spPr>
+          <a:xfrm>
+            <a:off x="7646705" y="120402"/>
+            <a:ext cx="4029016" cy="6678751"/>
+          </a:xfrm>
+          <a:prstGeom prst="rect">
+            <a:avLst/>
+          </a:prstGeom>
+          <a:gradFill flip="none" rotWithShape="1">
+            <a:gsLst>
+              <a:gs pos="26000">
+                <a:srgbClr val="15A6DE"/>
+              </a:gs>
+              <a:gs pos="0">
+                <a:srgbClr val="19B2EF">
+                  <a:lumMod val="100000"/>
+                </a:srgbClr>
+              </a:gs>
+              <a:gs pos="46000">
+                <a:schemeClr val="accent4">
+                  <a:lumMod val="89000"/>
+                </a:schemeClr>
+              </a:gs>
+              <a:gs pos="69000">
+                <a:schemeClr val="accent4">
+                  <a:lumMod val="75000"/>
+                </a:schemeClr>
+              </a:gs>
+              <a:gs pos="97000">
+                <a:schemeClr val="accent4">
+                  <a:lumMod val="70000"/>
+                </a:schemeClr>
+              </a:gs>
+            </a:gsLst>
+            <a:path path="circle">
+              <a:fillToRect l="50000" t="50000" r="50000" b="50000"/>
+            </a:path>
+            <a:tileRect/>
+          </a:gradFill>
+        </p:spPr>
         <p:txBody>
-          <a:bodyPr/>
+          <a:bodyPr wrap="square" rtlCol="0">
+            <a:spAutoFit/>
+          </a:bodyPr>
           <a:lstStyle/>
           <a:p>
-            <a:endParaRPr lang="el-GR"/>
+            <a:endParaRPr lang="el-GR" sz="2400" dirty="0">
+              <a:solidFill>
+                <a:srgbClr val="E6F4FB"/>
+              </a:solidFill>
+            </a:endParaRPr>
+          </a:p>
+          <a:p>
+            <a:r>
+              <a:rPr lang="en-US" sz="3200" dirty="0">
+                <a:solidFill>
+                  <a:srgbClr val="E6F4FB"/>
+                </a:solidFill>
+              </a:rPr>
+              <a:t>It produces</a:t>
+            </a:r>
+            <a:r>
+              <a:rPr lang="el-GR" sz="3200" dirty="0">
+                <a:solidFill>
+                  <a:srgbClr val="E6F4FB"/>
+                </a:solidFill>
+              </a:rPr>
+              <a:t>:</a:t>
+            </a:r>
+          </a:p>
+          <a:p>
+            <a:pPr marL="971550" lvl="1" indent="-514350">
+              <a:buFont typeface="+mj-lt"/>
+              <a:buAutoNum type="romanLcPeriod"/>
+            </a:pPr>
+            <a:r>
+              <a:rPr lang="en-US" sz="2800" dirty="0">
+                <a:solidFill>
+                  <a:srgbClr val="E6F4FB"/>
+                </a:solidFill>
+              </a:rPr>
+              <a:t>Summaries</a:t>
+            </a:r>
+            <a:endParaRPr lang="el-GR" sz="2800" dirty="0">
+              <a:solidFill>
+                <a:srgbClr val="E6F4FB"/>
+              </a:solidFill>
+            </a:endParaRPr>
+          </a:p>
+          <a:p>
+            <a:pPr marL="971550" lvl="1" indent="-514350">
+              <a:buFont typeface="+mj-lt"/>
+              <a:buAutoNum type="romanLcPeriod"/>
+            </a:pPr>
+            <a:r>
+              <a:rPr lang="en-US" sz="2800" dirty="0">
+                <a:solidFill>
+                  <a:srgbClr val="E6F4FB"/>
+                </a:solidFill>
+              </a:rPr>
+              <a:t>Quiz</a:t>
+            </a:r>
+          </a:p>
+          <a:p>
+            <a:pPr marL="971550" lvl="1" indent="-514350">
+              <a:buFont typeface="+mj-lt"/>
+              <a:buAutoNum type="romanLcPeriod"/>
+            </a:pPr>
+            <a:r>
+              <a:rPr lang="en-US" sz="2800" dirty="0">
+                <a:solidFill>
+                  <a:srgbClr val="E6F4FB"/>
+                </a:solidFill>
+              </a:rPr>
+              <a:t>Q&amp;A</a:t>
+            </a:r>
+            <a:endParaRPr lang="el-GR" sz="2800" dirty="0">
+              <a:solidFill>
+                <a:srgbClr val="E6F4FB"/>
+              </a:solidFill>
+            </a:endParaRPr>
+          </a:p>
+          <a:p>
+            <a:endParaRPr lang="el-GR" sz="2400" dirty="0">
+              <a:solidFill>
+                <a:srgbClr val="E6F4FB"/>
+              </a:solidFill>
+            </a:endParaRPr>
+          </a:p>
+          <a:p>
+            <a:endParaRPr lang="en-US" sz="2400" dirty="0">
+              <a:solidFill>
+                <a:srgbClr val="E6F4FB"/>
+              </a:solidFill>
+            </a:endParaRPr>
+          </a:p>
+          <a:p>
+            <a:endParaRPr lang="en-US" sz="2400" dirty="0">
+              <a:solidFill>
+                <a:srgbClr val="E6F4FB"/>
+              </a:solidFill>
+            </a:endParaRPr>
+          </a:p>
+          <a:p>
+            <a:endParaRPr lang="en-US" sz="2400" dirty="0">
+              <a:solidFill>
+                <a:srgbClr val="E6F4FB"/>
+              </a:solidFill>
+            </a:endParaRPr>
+          </a:p>
+          <a:p>
+            <a:pPr lvl="1">
+              <a:buSzPct val="100000"/>
+            </a:pPr>
+            <a:endParaRPr lang="en-US" sz="2400" dirty="0"/>
+          </a:p>
+          <a:p>
+            <a:pPr lvl="1">
+              <a:buSzPct val="100000"/>
+            </a:pPr>
+            <a:endParaRPr lang="en-US" sz="2400" dirty="0"/>
+          </a:p>
+          <a:p>
+            <a:pPr lvl="1">
+              <a:buSzPct val="100000"/>
+            </a:pPr>
+            <a:endParaRPr lang="en-US" sz="2400" dirty="0"/>
+          </a:p>
+          <a:p>
+            <a:pPr lvl="1">
+              <a:buSzPct val="100000"/>
+            </a:pPr>
+            <a:endParaRPr lang="en-US" sz="2400" dirty="0"/>
+          </a:p>
+          <a:p>
+            <a:pPr lvl="1">
+              <a:buSzPct val="100000"/>
+            </a:pPr>
+            <a:endParaRPr lang="en-US" sz="2400" dirty="0"/>
+          </a:p>
+          <a:p>
+            <a:pPr lvl="1">
+              <a:buSzPct val="100000"/>
+            </a:pPr>
+            <a:endParaRPr lang="el-GR" sz="2400" dirty="0"/>
+          </a:p>
+          <a:p>
+            <a:pPr lvl="1">
+              <a:buSzPct val="100000"/>
+            </a:pPr>
+            <a:endParaRPr lang="el-GR" sz="2400" dirty="0"/>
+          </a:p>
+          <a:p>
+            <a:pPr marL="914400" lvl="1" indent="-457200">
+              <a:buSzPct val="100000"/>
+              <a:buFont typeface="Wingdings" panose="05000000000000000000" pitchFamily="2" charset="2"/>
+              <a:buChar char="Ø"/>
+            </a:pPr>
+            <a:endParaRPr lang="el-GR" sz="2400" dirty="0"/>
           </a:p>
         </p:txBody>
       </p:sp>
     </p:spTree>
     <p:extLst>
       <p:ext uri="{BB962C8B-B14F-4D97-AF65-F5344CB8AC3E}">
-        <p14:creationId xmlns:p14="http://schemas.microsoft.com/office/powerpoint/2010/main" val="777704071"/>
+        <p14:creationId xmlns:p14="http://schemas.microsoft.com/office/powerpoint/2010/main" val="797744478"/>
       </p:ext>
     </p:extLst>
   </p:cSld>
   <p:clrMapOvr>
     <a:masterClrMapping/>
   </p:clrMapOvr>
+  <mc:AlternateContent xmlns:mc="http://schemas.openxmlformats.org/markup-compatibility/2006">
+    <mc:Choice xmlns:p159="http://schemas.microsoft.com/office/powerpoint/2015/09/main" Requires="p159">
+      <p:transition xmlns:p14="http://schemas.microsoft.com/office/powerpoint/2010/main" spd="slow" p14:dur="2000">
+        <p159:morph option="byObject"/>
+      </p:transition>
+    </mc:Choice>
+    <mc:Fallback>
+      <p:transition spd="slow">
+        <p:fade/>
+      </p:transition>
+    </mc:Fallback>
+  </mc:AlternateContent>
 </p:sld>
 </file>
 
-<file path=ppt/slides/slide3.xml><?xml version="1.0" encoding="utf-8"?>
+<file path=ppt/slides/slide6.xml><?xml version="1.0" encoding="utf-8"?>
 <p:sld xmlns:a="http://schemas.openxmlformats.org/drawingml/2006/main" xmlns:r="http://schemas.openxmlformats.org/officeDocument/2006/relationships" xmlns:p="http://schemas.openxmlformats.org/presentationml/2006/main">
   <p:cSld>
     <p:spTree>
       <p:nvGrpSpPr>
-        <p:cNvPr id="1" name=""/>
+        <p:cNvPr id="1" name="">
+          <a:extLst>
+            <a:ext uri="{FF2B5EF4-FFF2-40B4-BE49-F238E27FC236}">
+              <a16:creationId xmlns:a16="http://schemas.microsoft.com/office/drawing/2014/main" id="{8E39A052-0A1C-FDD7-C090-EB334F166539}"/>
+            </a:ext>
+          </a:extLst>
+        </p:cNvPr>
         <p:cNvGrpSpPr/>
         <p:nvPr/>
       </p:nvGrpSpPr>
@@ -4289,7 +10044,7 @@
           <p:cNvPr id="2" name="Τίτλος 1">
             <a:extLst>
               <a:ext uri="{FF2B5EF4-FFF2-40B4-BE49-F238E27FC236}">
-                <a16:creationId xmlns:a16="http://schemas.microsoft.com/office/drawing/2014/main" id="{83E9F910-74CD-AB33-2E1B-4AD8F817FC78}"/>
+                <a16:creationId xmlns:a16="http://schemas.microsoft.com/office/drawing/2014/main" id="{6840F4A4-95B9-D637-A745-49AAE0BE70B9}"/>
               </a:ext>
             </a:extLst>
           </p:cNvPr>
@@ -4300,59 +10055,369 @@
             <p:ph type="title"/>
           </p:nvPr>
         </p:nvSpPr>
-        <p:spPr/>
+        <p:spPr>
+          <a:xfrm>
+            <a:off x="1078828" y="1147158"/>
+            <a:ext cx="6038470" cy="4713316"/>
+          </a:xfrm>
+        </p:spPr>
         <p:txBody>
-          <a:bodyPr/>
+          <a:bodyPr vert="horz" lIns="91440" tIns="45720" rIns="91440" bIns="45720" rtlCol="0" anchor="ctr">
+            <a:normAutofit/>
+          </a:bodyPr>
           <a:lstStyle/>
           <a:p>
             <a:r>
-              <a:rPr lang="el-GR" dirty="0"/>
-              <a:t>ΠΟΙΟ ΠΡΟΒΛΗΜΑ ΛΥΝΕΙ Η ΕΦΑΡΜΟΓΗ ΜΑΣ</a:t>
+              <a:rPr lang="en-US" sz="6000" kern="1200" dirty="0">
+                <a:solidFill>
+                  <a:schemeClr val="accent1">
+                    <a:lumMod val="75000"/>
+                  </a:schemeClr>
+                </a:solidFill>
+                <a:latin typeface="+mj-lt"/>
+                <a:ea typeface="+mj-ea"/>
+                <a:cs typeface="+mj-cs"/>
+              </a:rPr>
+              <a:t>WHAT PROBLEM DOES OUR APP SOLVES</a:t>
             </a:r>
           </a:p>
         </p:txBody>
       </p:sp>
       <p:sp>
         <p:nvSpPr>
-          <p:cNvPr id="3" name="Θέση περιεχομένου 2">
+          <p:cNvPr id="29" name="TextBox 28">
             <a:extLst>
               <a:ext uri="{FF2B5EF4-FFF2-40B4-BE49-F238E27FC236}">
-                <a16:creationId xmlns:a16="http://schemas.microsoft.com/office/drawing/2014/main" id="{B9E22BED-4507-919E-F3D0-E116D114B074}"/>
+                <a16:creationId xmlns:a16="http://schemas.microsoft.com/office/drawing/2014/main" id="{51E8BD9E-5A2B-55D6-505A-37235C9FDB26}"/>
               </a:ext>
             </a:extLst>
           </p:cNvPr>
-          <p:cNvSpPr>
-            <a:spLocks noGrp="1"/>
-          </p:cNvSpPr>
-          <p:nvPr>
-            <p:ph idx="1"/>
-          </p:nvPr>
+          <p:cNvSpPr txBox="1"/>
+          <p:nvPr/>
         </p:nvSpPr>
-        <p:spPr/>
+        <p:spPr>
+          <a:xfrm>
+            <a:off x="7666160" y="120084"/>
+            <a:ext cx="4029016" cy="6617196"/>
+          </a:xfrm>
+          <a:prstGeom prst="rect">
+            <a:avLst/>
+          </a:prstGeom>
+          <a:gradFill flip="none" rotWithShape="1">
+            <a:gsLst>
+              <a:gs pos="26000">
+                <a:srgbClr val="15A6DE"/>
+              </a:gs>
+              <a:gs pos="0">
+                <a:srgbClr val="19B2EF">
+                  <a:lumMod val="100000"/>
+                </a:srgbClr>
+              </a:gs>
+              <a:gs pos="46000">
+                <a:schemeClr val="accent4">
+                  <a:lumMod val="89000"/>
+                </a:schemeClr>
+              </a:gs>
+              <a:gs pos="69000">
+                <a:schemeClr val="accent4">
+                  <a:lumMod val="75000"/>
+                </a:schemeClr>
+              </a:gs>
+              <a:gs pos="97000">
+                <a:schemeClr val="accent4">
+                  <a:lumMod val="70000"/>
+                </a:schemeClr>
+              </a:gs>
+            </a:gsLst>
+            <a:path path="circle">
+              <a:fillToRect l="50000" t="50000" r="50000" b="50000"/>
+            </a:path>
+            <a:tileRect/>
+          </a:gradFill>
+        </p:spPr>
         <p:txBody>
-          <a:bodyPr/>
+          <a:bodyPr wrap="square" rtlCol="0">
+            <a:spAutoFit/>
+          </a:bodyPr>
           <a:lstStyle/>
           <a:p>
-            <a:endParaRPr lang="el-GR"/>
+            <a:endParaRPr lang="el-GR" sz="2400" dirty="0">
+              <a:solidFill>
+                <a:srgbClr val="E6F4FB"/>
+              </a:solidFill>
+            </a:endParaRPr>
+          </a:p>
+          <a:p>
+            <a:r>
+              <a:rPr lang="en-US" sz="3200" dirty="0">
+                <a:solidFill>
+                  <a:srgbClr val="E6F4FB"/>
+                </a:solidFill>
+              </a:rPr>
+              <a:t>It produces</a:t>
+            </a:r>
+            <a:r>
+              <a:rPr lang="el-GR" sz="3200" dirty="0">
+                <a:solidFill>
+                  <a:srgbClr val="E6F4FB"/>
+                </a:solidFill>
+              </a:rPr>
+              <a:t>:</a:t>
+            </a:r>
+          </a:p>
+          <a:p>
+            <a:pPr marL="971550" lvl="1" indent="-514350">
+              <a:buFont typeface="+mj-lt"/>
+              <a:buAutoNum type="romanLcPeriod"/>
+            </a:pPr>
+            <a:r>
+              <a:rPr lang="en-US" sz="2800" dirty="0">
+                <a:solidFill>
+                  <a:srgbClr val="E6F4FB"/>
+                </a:solidFill>
+              </a:rPr>
+              <a:t>Summaries</a:t>
+            </a:r>
+            <a:endParaRPr lang="el-GR" sz="2800" dirty="0">
+              <a:solidFill>
+                <a:srgbClr val="E6F4FB"/>
+              </a:solidFill>
+            </a:endParaRPr>
+          </a:p>
+          <a:p>
+            <a:pPr marL="971550" lvl="1" indent="-514350">
+              <a:buFont typeface="+mj-lt"/>
+              <a:buAutoNum type="romanLcPeriod"/>
+            </a:pPr>
+            <a:r>
+              <a:rPr lang="en-US" sz="2800" dirty="0">
+                <a:solidFill>
+                  <a:srgbClr val="E6F4FB"/>
+                </a:solidFill>
+              </a:rPr>
+              <a:t>Quiz</a:t>
+            </a:r>
+          </a:p>
+          <a:p>
+            <a:pPr marL="971550" lvl="1" indent="-514350">
+              <a:buFont typeface="+mj-lt"/>
+              <a:buAutoNum type="romanLcPeriod"/>
+            </a:pPr>
+            <a:r>
+              <a:rPr lang="en-US" sz="2800" dirty="0">
+                <a:solidFill>
+                  <a:srgbClr val="E6F4FB"/>
+                </a:solidFill>
+              </a:rPr>
+              <a:t>Q&amp;A</a:t>
+            </a:r>
+            <a:endParaRPr lang="el-GR" sz="2800" dirty="0">
+              <a:solidFill>
+                <a:srgbClr val="E6F4FB"/>
+              </a:solidFill>
+            </a:endParaRPr>
+          </a:p>
+          <a:p>
+            <a:endParaRPr lang="el-GR" sz="2400" dirty="0">
+              <a:solidFill>
+                <a:srgbClr val="E6F4FB"/>
+              </a:solidFill>
+            </a:endParaRPr>
+          </a:p>
+          <a:p>
+            <a:endParaRPr lang="en-US" sz="2400" dirty="0">
+              <a:solidFill>
+                <a:srgbClr val="E6F4FB"/>
+              </a:solidFill>
+            </a:endParaRPr>
+          </a:p>
+          <a:p>
+            <a:endParaRPr lang="en-US" sz="2400" dirty="0">
+              <a:solidFill>
+                <a:srgbClr val="E6F4FB"/>
+              </a:solidFill>
+            </a:endParaRPr>
+          </a:p>
+          <a:p>
+            <a:endParaRPr lang="en-US" sz="2400" dirty="0">
+              <a:solidFill>
+                <a:srgbClr val="E6F4FB"/>
+              </a:solidFill>
+            </a:endParaRPr>
+          </a:p>
+          <a:p>
+            <a:r>
+              <a:rPr lang="en-US" sz="3200" dirty="0">
+                <a:solidFill>
+                  <a:srgbClr val="E6F4FB"/>
+                </a:solidFill>
+              </a:rPr>
+              <a:t>From</a:t>
+            </a:r>
+            <a:r>
+              <a:rPr lang="el-GR" sz="3200" dirty="0">
+                <a:solidFill>
+                  <a:srgbClr val="E6F4FB"/>
+                </a:solidFill>
+              </a:rPr>
+              <a:t>:</a:t>
+            </a:r>
+          </a:p>
+          <a:p>
+            <a:pPr marL="914400" lvl="1" indent="-457200">
+              <a:buSzPct val="100000"/>
+              <a:buFont typeface="Wingdings" panose="05000000000000000000" pitchFamily="2" charset="2"/>
+              <a:buChar char="Ø"/>
+            </a:pPr>
+            <a:r>
+              <a:rPr lang="en-US" sz="2800" dirty="0">
+                <a:solidFill>
+                  <a:srgbClr val="E6F4FB"/>
+                </a:solidFill>
+              </a:rPr>
+              <a:t>PDF Files</a:t>
+            </a:r>
+          </a:p>
+          <a:p>
+            <a:pPr marL="914400" lvl="1" indent="-457200">
+              <a:buSzPct val="100000"/>
+              <a:buFont typeface="Wingdings" panose="05000000000000000000" pitchFamily="2" charset="2"/>
+              <a:buChar char="Ø"/>
+            </a:pPr>
+            <a:r>
+              <a:rPr lang="en-US" sz="2800" dirty="0">
+                <a:solidFill>
+                  <a:srgbClr val="E6F4FB"/>
+                </a:solidFill>
+              </a:rPr>
+              <a:t>Video</a:t>
+            </a:r>
+            <a:r>
+              <a:rPr lang="el-GR" sz="2800" dirty="0">
+                <a:solidFill>
+                  <a:srgbClr val="E6F4FB"/>
+                </a:solidFill>
+              </a:rPr>
+              <a:t> </a:t>
+            </a:r>
+            <a:r>
+              <a:rPr lang="en-US" sz="2800" dirty="0">
+                <a:solidFill>
+                  <a:srgbClr val="E6F4FB"/>
+                </a:solidFill>
+              </a:rPr>
+              <a:t>and </a:t>
+            </a:r>
+            <a:endParaRPr lang="el-GR" sz="2800" dirty="0">
+              <a:solidFill>
+                <a:srgbClr val="E6F4FB"/>
+              </a:solidFill>
+            </a:endParaRPr>
+          </a:p>
+          <a:p>
+            <a:pPr marL="914400" lvl="1" indent="-457200">
+              <a:buSzPct val="100000"/>
+              <a:buFont typeface="Wingdings" panose="05000000000000000000" pitchFamily="2" charset="2"/>
+              <a:buChar char="Ø"/>
+            </a:pPr>
+            <a:r>
+              <a:rPr lang="en-US" sz="2800" dirty="0">
+                <a:solidFill>
+                  <a:srgbClr val="E6F4FB"/>
+                </a:solidFill>
+              </a:rPr>
+              <a:t>Lesson Slides</a:t>
+            </a:r>
+            <a:endParaRPr lang="el-GR" sz="2800" dirty="0">
+              <a:solidFill>
+                <a:srgbClr val="E6F4FB"/>
+              </a:solidFill>
+            </a:endParaRPr>
+          </a:p>
+          <a:p>
+            <a:pPr lvl="1">
+              <a:buSzPct val="100000"/>
+            </a:pPr>
+            <a:endParaRPr lang="el-GR" sz="2400" dirty="0"/>
+          </a:p>
+          <a:p>
+            <a:pPr lvl="1">
+              <a:buSzPct val="100000"/>
+            </a:pPr>
+            <a:endParaRPr lang="el-GR" sz="2400" dirty="0"/>
+          </a:p>
+          <a:p>
+            <a:pPr marL="914400" lvl="1" indent="-457200">
+              <a:buSzPct val="100000"/>
+              <a:buFont typeface="Wingdings" panose="05000000000000000000" pitchFamily="2" charset="2"/>
+              <a:buChar char="Ø"/>
+            </a:pPr>
+            <a:endParaRPr lang="el-GR" sz="2400" dirty="0"/>
           </a:p>
         </p:txBody>
       </p:sp>
     </p:spTree>
     <p:extLst>
       <p:ext uri="{BB962C8B-B14F-4D97-AF65-F5344CB8AC3E}">
-        <p14:creationId xmlns:p14="http://schemas.microsoft.com/office/powerpoint/2010/main" val="867469060"/>
+        <p14:creationId xmlns:p14="http://schemas.microsoft.com/office/powerpoint/2010/main" val="3447580911"/>
       </p:ext>
     </p:extLst>
   </p:cSld>
   <p:clrMapOvr>
     <a:masterClrMapping/>
   </p:clrMapOvr>
+  <mc:AlternateContent xmlns:mc="http://schemas.openxmlformats.org/markup-compatibility/2006">
+    <mc:Choice xmlns:p159="http://schemas.microsoft.com/office/powerpoint/2015/09/main" Requires="p159">
+      <p:transition xmlns:p14="http://schemas.microsoft.com/office/powerpoint/2010/main" spd="slow" p14:dur="2000">
+        <p159:morph option="byObject"/>
+      </p:transition>
+    </mc:Choice>
+    <mc:Fallback>
+      <p:transition spd="slow">
+        <p:fade/>
+      </p:transition>
+    </mc:Fallback>
+  </mc:AlternateContent>
 </p:sld>
 </file>
 
-<file path=ppt/slides/slide4.xml><?xml version="1.0" encoding="utf-8"?>
+<file path=ppt/slides/slide7.xml><?xml version="1.0" encoding="utf-8"?>
 <p:sld xmlns:a="http://schemas.openxmlformats.org/drawingml/2006/main" xmlns:r="http://schemas.openxmlformats.org/officeDocument/2006/relationships" xmlns:p="http://schemas.openxmlformats.org/presentationml/2006/main">
   <p:cSld>
+    <p:bg>
+      <p:bgPr>
+        <a:gradFill flip="none" rotWithShape="1">
+          <a:gsLst>
+            <a:gs pos="0">
+              <a:schemeClr val="accent1">
+                <a:lumMod val="89000"/>
+              </a:schemeClr>
+            </a:gs>
+            <a:gs pos="74000">
+              <a:schemeClr val="accent1">
+                <a:lumMod val="45000"/>
+                <a:lumOff val="55000"/>
+              </a:schemeClr>
+            </a:gs>
+            <a:gs pos="83000">
+              <a:schemeClr val="accent1">
+                <a:lumMod val="45000"/>
+                <a:lumOff val="55000"/>
+              </a:schemeClr>
+            </a:gs>
+            <a:gs pos="100000">
+              <a:schemeClr val="accent1">
+                <a:lumMod val="30000"/>
+                <a:lumOff val="70000"/>
+              </a:schemeClr>
+            </a:gs>
+          </a:gsLst>
+          <a:lin ang="5400000" scaled="1"/>
+          <a:tileRect/>
+        </a:gradFill>
+        <a:effectLst/>
+      </p:bgPr>
+    </p:bg>
     <p:spTree>
       <p:nvGrpSpPr>
         <p:cNvPr id="1" name=""/>
@@ -4367,12 +10432,513 @@
           <a:chExt cx="0" cy="0"/>
         </a:xfrm>
       </p:grpSpPr>
+      <p:sp useBgFill="1">
+        <p:nvSpPr>
+          <p:cNvPr id="8" name="Rectangle 7">
+            <a:extLst>
+              <a:ext uri="{FF2B5EF4-FFF2-40B4-BE49-F238E27FC236}">
+                <a16:creationId xmlns:a16="http://schemas.microsoft.com/office/drawing/2014/main" id="{8B9AA7C6-5E5A-498E-A6DF-A943376E09BC}"/>
+              </a:ext>
+              <a:ext uri="{C183D7F6-B498-43B3-948B-1728B52AA6E4}">
+                <adec:decorative xmlns:adec="http://schemas.microsoft.com/office/drawing/2017/decorative" val="1"/>
+              </a:ext>
+            </a:extLst>
+          </p:cNvPr>
+          <p:cNvSpPr>
+            <a:spLocks noGrp="1" noRot="1" noChangeAspect="1" noMove="1" noResize="1" noEditPoints="1" noAdjustHandles="1" noChangeArrowheads="1" noChangeShapeType="1" noTextEdit="1"/>
+          </p:cNvSpPr>
+          <p:nvPr>
+            <p:extLst>
+              <p:ext uri="{386F3935-93C4-4BCD-93E2-E3B085C9AB24}">
+                <p16:designElem xmlns:p16="http://schemas.microsoft.com/office/powerpoint/2015/main" val="1"/>
+              </p:ext>
+            </p:extLst>
+          </p:nvPr>
+        </p:nvSpPr>
+        <p:spPr>
+          <a:xfrm>
+            <a:off x="0" y="0"/>
+            <a:ext cx="12191999" cy="6857365"/>
+          </a:xfrm>
+          <a:prstGeom prst="rect">
+            <a:avLst/>
+          </a:prstGeom>
+          <a:ln>
+            <a:noFill/>
+          </a:ln>
+        </p:spPr>
+        <p:style>
+          <a:lnRef idx="2">
+            <a:schemeClr val="accent1">
+              <a:shade val="50000"/>
+            </a:schemeClr>
+          </a:lnRef>
+          <a:fillRef idx="1">
+            <a:schemeClr val="accent1"/>
+          </a:fillRef>
+          <a:effectRef idx="0">
+            <a:schemeClr val="accent1"/>
+          </a:effectRef>
+          <a:fontRef idx="minor">
+            <a:schemeClr val="lt1"/>
+          </a:fontRef>
+        </p:style>
+        <p:txBody>
+          <a:bodyPr rtlCol="0" anchor="ctr"/>
+          <a:lstStyle/>
+          <a:p>
+            <a:pPr algn="ctr"/>
+            <a:endParaRPr lang="en-US" dirty="0"/>
+          </a:p>
+        </p:txBody>
+      </p:sp>
+      <p:grpSp>
+        <p:nvGrpSpPr>
+          <p:cNvPr id="10" name="Group 9">
+            <a:extLst>
+              <a:ext uri="{FF2B5EF4-FFF2-40B4-BE49-F238E27FC236}">
+                <a16:creationId xmlns:a16="http://schemas.microsoft.com/office/drawing/2014/main" id="{83EAB11A-76F7-48F4-9B4F-5BFDF4BF9670}"/>
+              </a:ext>
+              <a:ext uri="{C183D7F6-B498-43B3-948B-1728B52AA6E4}">
+                <adec:decorative xmlns:adec="http://schemas.microsoft.com/office/drawing/2017/decorative" val="1"/>
+              </a:ext>
+            </a:extLst>
+          </p:cNvPr>
+          <p:cNvGrpSpPr>
+            <a:grpSpLocks noGrp="1" noUngrp="1" noRot="1" noChangeAspect="1" noMove="1" noResize="1"/>
+          </p:cNvGrpSpPr>
+          <p:nvPr>
+            <p:extLst>
+              <p:ext uri="{386F3935-93C4-4BCD-93E2-E3B085C9AB24}">
+                <p16:designElem xmlns:p16="http://schemas.microsoft.com/office/powerpoint/2015/main" val="1"/>
+              </p:ext>
+            </p:extLst>
+          </p:nvPr>
+        </p:nvGrpSpPr>
+        <p:grpSpPr>
+          <a:xfrm>
+            <a:off x="74300" y="2385102"/>
+            <a:ext cx="574091" cy="2087796"/>
+            <a:chOff x="209668" y="2857422"/>
+            <a:chExt cx="463662" cy="2087796"/>
+          </a:xfrm>
+        </p:grpSpPr>
+        <p:sp>
+          <p:nvSpPr>
+            <p:cNvPr id="11" name="Rectangle 10">
+              <a:extLst>
+                <a:ext uri="{FF2B5EF4-FFF2-40B4-BE49-F238E27FC236}">
+                  <a16:creationId xmlns:a16="http://schemas.microsoft.com/office/drawing/2014/main" id="{74D4C416-D5F4-4F6F-A6F1-87A21CD4FCAF}"/>
+                </a:ext>
+                <a:ext uri="{C183D7F6-B498-43B3-948B-1728B52AA6E4}">
+                  <adec:decorative xmlns:adec="http://schemas.microsoft.com/office/drawing/2017/decorative" val="1"/>
+                </a:ext>
+              </a:extLst>
+            </p:cNvPr>
+            <p:cNvSpPr/>
+            <p:nvPr>
+              <p:extLst>
+                <p:ext uri="{386F3935-93C4-4BCD-93E2-E3B085C9AB24}">
+                  <p16:designElem xmlns:p16="http://schemas.microsoft.com/office/powerpoint/2015/main" val="1"/>
+                </p:ext>
+              </p:extLst>
+            </p:nvPr>
+          </p:nvSpPr>
+          <p:spPr>
+            <a:xfrm flipH="1" flipV="1">
+              <a:off x="423947" y="2857422"/>
+              <a:ext cx="249383" cy="2087795"/>
+            </a:xfrm>
+            <a:prstGeom prst="rect">
+              <a:avLst/>
+            </a:prstGeom>
+            <a:solidFill>
+              <a:schemeClr val="accent4"/>
+            </a:solidFill>
+            <a:ln>
+              <a:noFill/>
+            </a:ln>
+          </p:spPr>
+          <p:style>
+            <a:lnRef idx="2">
+              <a:schemeClr val="accent1">
+                <a:shade val="50000"/>
+              </a:schemeClr>
+            </a:lnRef>
+            <a:fillRef idx="1">
+              <a:schemeClr val="accent1"/>
+            </a:fillRef>
+            <a:effectRef idx="0">
+              <a:schemeClr val="accent1"/>
+            </a:effectRef>
+            <a:fontRef idx="minor">
+              <a:schemeClr val="lt1"/>
+            </a:fontRef>
+          </p:style>
+          <p:txBody>
+            <a:bodyPr rtlCol="0" anchor="ctr"/>
+            <a:lstStyle/>
+            <a:p>
+              <a:pPr algn="ctr"/>
+              <a:endParaRPr lang="en-US" dirty="0"/>
+            </a:p>
+          </p:txBody>
+        </p:sp>
+        <p:cxnSp>
+          <p:nvCxnSpPr>
+            <p:cNvPr id="12" name="Straight Connector 11">
+              <a:extLst>
+                <a:ext uri="{FF2B5EF4-FFF2-40B4-BE49-F238E27FC236}">
+                  <a16:creationId xmlns:a16="http://schemas.microsoft.com/office/drawing/2014/main" id="{C6AC1C30-21C6-4BF6-93EE-B211D7A85011}"/>
+                </a:ext>
+                <a:ext uri="{C183D7F6-B498-43B3-948B-1728B52AA6E4}">
+                  <adec:decorative xmlns:adec="http://schemas.microsoft.com/office/drawing/2017/decorative" val="1"/>
+                </a:ext>
+              </a:extLst>
+            </p:cNvPr>
+            <p:cNvCxnSpPr>
+              <a:cxnSpLocks/>
+            </p:cNvCxnSpPr>
+            <p:nvPr>
+              <p:extLst>
+                <p:ext uri="{386F3935-93C4-4BCD-93E2-E3B085C9AB24}">
+                  <p16:designElem xmlns:p16="http://schemas.microsoft.com/office/powerpoint/2015/main" val="1"/>
+                </p:ext>
+              </p:extLst>
+            </p:nvPr>
+          </p:nvCxnSpPr>
+          <p:spPr>
+            <a:xfrm flipH="1">
+              <a:off x="209668" y="2857423"/>
+              <a:ext cx="1" cy="2087795"/>
+            </a:xfrm>
+            <a:prstGeom prst="line">
+              <a:avLst/>
+            </a:prstGeom>
+            <a:ln w="177800">
+              <a:solidFill>
+                <a:schemeClr val="accent4"/>
+              </a:solidFill>
+            </a:ln>
+          </p:spPr>
+          <p:style>
+            <a:lnRef idx="1">
+              <a:schemeClr val="accent1"/>
+            </a:lnRef>
+            <a:fillRef idx="0">
+              <a:schemeClr val="accent1"/>
+            </a:fillRef>
+            <a:effectRef idx="0">
+              <a:schemeClr val="accent1"/>
+            </a:effectRef>
+            <a:fontRef idx="minor">
+              <a:schemeClr val="tx1"/>
+            </a:fontRef>
+          </p:style>
+        </p:cxnSp>
+      </p:grpSp>
+      <p:sp>
+        <p:nvSpPr>
+          <p:cNvPr id="14" name="Rectangle 13">
+            <a:extLst>
+              <a:ext uri="{FF2B5EF4-FFF2-40B4-BE49-F238E27FC236}">
+                <a16:creationId xmlns:a16="http://schemas.microsoft.com/office/drawing/2014/main" id="{81E140AE-0ABF-47C8-BF32-7D2F0CF2BA44}"/>
+              </a:ext>
+              <a:ext uri="{C183D7F6-B498-43B3-948B-1728B52AA6E4}">
+                <adec:decorative xmlns:adec="http://schemas.microsoft.com/office/drawing/2017/decorative" val="1"/>
+              </a:ext>
+            </a:extLst>
+          </p:cNvPr>
+          <p:cNvSpPr>
+            <a:spLocks noGrp="1" noRot="1" noChangeAspect="1" noMove="1" noResize="1" noEditPoints="1" noAdjustHandles="1" noChangeArrowheads="1" noChangeShapeType="1" noTextEdit="1"/>
+          </p:cNvSpPr>
+          <p:nvPr>
+            <p:extLst>
+              <p:ext uri="{386F3935-93C4-4BCD-93E2-E3B085C9AB24}">
+                <p16:designElem xmlns:p16="http://schemas.microsoft.com/office/powerpoint/2015/main" val="1"/>
+              </p:ext>
+            </p:extLst>
+          </p:nvPr>
+        </p:nvSpPr>
+        <p:spPr>
+          <a:xfrm flipH="1">
+            <a:off x="10697670" y="0"/>
+            <a:ext cx="1494330" cy="6858000"/>
+          </a:xfrm>
+          <a:prstGeom prst="rect">
+            <a:avLst/>
+          </a:prstGeom>
+          <a:solidFill>
+            <a:schemeClr val="accent4"/>
+          </a:solidFill>
+          <a:ln>
+            <a:noFill/>
+          </a:ln>
+        </p:spPr>
+        <p:style>
+          <a:lnRef idx="2">
+            <a:schemeClr val="accent1">
+              <a:shade val="50000"/>
+            </a:schemeClr>
+          </a:lnRef>
+          <a:fillRef idx="1">
+            <a:schemeClr val="accent1"/>
+          </a:fillRef>
+          <a:effectRef idx="0">
+            <a:schemeClr val="accent1"/>
+          </a:effectRef>
+          <a:fontRef idx="minor">
+            <a:schemeClr val="lt1"/>
+          </a:fontRef>
+        </p:style>
+        <p:txBody>
+          <a:bodyPr rtlCol="0" anchor="ctr"/>
+          <a:lstStyle/>
+          <a:p>
+            <a:pPr algn="ctr"/>
+            <a:endParaRPr lang="en-US" dirty="0"/>
+          </a:p>
+        </p:txBody>
+      </p:sp>
+      <p:sp>
+        <p:nvSpPr>
+          <p:cNvPr id="16" name="Rectangle 15">
+            <a:extLst>
+              <a:ext uri="{FF2B5EF4-FFF2-40B4-BE49-F238E27FC236}">
+                <a16:creationId xmlns:a16="http://schemas.microsoft.com/office/drawing/2014/main" id="{CBC4F608-B4B8-48C3-9572-C0F061B1CD99}"/>
+              </a:ext>
+              <a:ext uri="{C183D7F6-B498-43B3-948B-1728B52AA6E4}">
+                <adec:decorative xmlns:adec="http://schemas.microsoft.com/office/drawing/2017/decorative" val="1"/>
+              </a:ext>
+            </a:extLst>
+          </p:cNvPr>
+          <p:cNvSpPr>
+            <a:spLocks noGrp="1" noRot="1" noChangeAspect="1" noMove="1" noResize="1" noEditPoints="1" noAdjustHandles="1" noChangeArrowheads="1" noChangeShapeType="1" noTextEdit="1"/>
+          </p:cNvSpPr>
+          <p:nvPr>
+            <p:extLst>
+              <p:ext uri="{386F3935-93C4-4BCD-93E2-E3B085C9AB24}">
+                <p16:designElem xmlns:p16="http://schemas.microsoft.com/office/powerpoint/2015/main" val="1"/>
+              </p:ext>
+            </p:extLst>
+          </p:nvPr>
+        </p:nvSpPr>
+        <p:spPr>
+          <a:xfrm>
+            <a:off x="579528" y="631767"/>
+            <a:ext cx="11111729" cy="5752404"/>
+          </a:xfrm>
+          <a:prstGeom prst="rect">
+            <a:avLst/>
+          </a:prstGeom>
+          <a:solidFill>
+            <a:schemeClr val="bg1"/>
+          </a:solidFill>
+          <a:ln>
+            <a:noFill/>
+          </a:ln>
+          <a:effectLst>
+            <a:outerShdw blurRad="139700" dist="127000" dir="5400000" algn="t" rotWithShape="0">
+              <a:prstClr val="black">
+                <a:alpha val="15000"/>
+              </a:prstClr>
+            </a:outerShdw>
+          </a:effectLst>
+        </p:spPr>
+        <p:style>
+          <a:lnRef idx="2">
+            <a:schemeClr val="accent1">
+              <a:shade val="50000"/>
+            </a:schemeClr>
+          </a:lnRef>
+          <a:fillRef idx="1">
+            <a:schemeClr val="accent1"/>
+          </a:fillRef>
+          <a:effectRef idx="0">
+            <a:schemeClr val="accent1"/>
+          </a:effectRef>
+          <a:fontRef idx="minor">
+            <a:schemeClr val="lt1"/>
+          </a:fontRef>
+        </p:style>
+        <p:txBody>
+          <a:bodyPr rtlCol="0" anchor="ctr"/>
+          <a:lstStyle/>
+          <a:p>
+            <a:pPr algn="ctr"/>
+            <a:endParaRPr lang="en-US" dirty="0"/>
+          </a:p>
+        </p:txBody>
+      </p:sp>
+      <p:sp>
+        <p:nvSpPr>
+          <p:cNvPr id="3" name="Θέση περιεχομένου 2">
+            <a:extLst>
+              <a:ext uri="{FF2B5EF4-FFF2-40B4-BE49-F238E27FC236}">
+                <a16:creationId xmlns:a16="http://schemas.microsoft.com/office/drawing/2014/main" id="{78063056-3CC3-CB34-221E-1580E161E049}"/>
+              </a:ext>
+            </a:extLst>
+          </p:cNvPr>
+          <p:cNvSpPr>
+            <a:spLocks noGrp="1"/>
+          </p:cNvSpPr>
+          <p:nvPr>
+            <p:ph idx="1"/>
+          </p:nvPr>
+        </p:nvSpPr>
+        <p:spPr>
+          <a:xfrm>
+            <a:off x="579529" y="631768"/>
+            <a:ext cx="11111728" cy="5752403"/>
+          </a:xfrm>
+          <a:gradFill>
+            <a:gsLst>
+              <a:gs pos="0">
+                <a:schemeClr val="accent1">
+                  <a:lumMod val="5000"/>
+                  <a:lumOff val="95000"/>
+                </a:schemeClr>
+              </a:gs>
+              <a:gs pos="74000">
+                <a:schemeClr val="accent1">
+                  <a:lumMod val="45000"/>
+                  <a:lumOff val="55000"/>
+                </a:schemeClr>
+              </a:gs>
+              <a:gs pos="83000">
+                <a:schemeClr val="accent1">
+                  <a:lumMod val="45000"/>
+                  <a:lumOff val="55000"/>
+                </a:schemeClr>
+              </a:gs>
+              <a:gs pos="100000">
+                <a:schemeClr val="accent1">
+                  <a:lumMod val="30000"/>
+                  <a:lumOff val="70000"/>
+                </a:schemeClr>
+              </a:gs>
+            </a:gsLst>
+            <a:lin ang="5400000" scaled="1"/>
+          </a:gradFill>
+        </p:spPr>
+        <p:txBody>
+          <a:bodyPr anchor="ctr">
+            <a:normAutofit/>
+          </a:bodyPr>
+          <a:lstStyle/>
+          <a:p>
+            <a:pPr>
+              <a:buClr>
+                <a:srgbClr val="15A6DE"/>
+              </a:buClr>
+              <a:buFont typeface="Courier New" panose="02070309020205020404" pitchFamily="49" charset="0"/>
+              <a:buChar char="o"/>
+            </a:pPr>
+            <a:r>
+              <a:rPr lang="en-US" dirty="0">
+                <a:solidFill>
+                  <a:srgbClr val="084158"/>
+                </a:solidFill>
+              </a:rPr>
+              <a:t>Use of Python coding language</a:t>
+            </a:r>
+            <a:endParaRPr lang="el-GR" dirty="0">
+              <a:solidFill>
+                <a:srgbClr val="084158"/>
+              </a:solidFill>
+            </a:endParaRPr>
+          </a:p>
+          <a:p>
+            <a:pPr>
+              <a:buClr>
+                <a:srgbClr val="15A6DE"/>
+              </a:buClr>
+              <a:buFont typeface="Courier New" panose="02070309020205020404" pitchFamily="49" charset="0"/>
+              <a:buChar char="o"/>
+            </a:pPr>
+            <a:r>
+              <a:rPr lang="en-US" dirty="0">
+                <a:solidFill>
+                  <a:srgbClr val="084158"/>
+                </a:solidFill>
+              </a:rPr>
+              <a:t>LLMs</a:t>
+            </a:r>
+            <a:r>
+              <a:rPr lang="el-GR" dirty="0">
+                <a:solidFill>
+                  <a:srgbClr val="084158"/>
+                </a:solidFill>
+              </a:rPr>
+              <a:t> </a:t>
+            </a:r>
+            <a:r>
+              <a:rPr lang="en-US" dirty="0">
+                <a:solidFill>
+                  <a:srgbClr val="084158"/>
+                </a:solidFill>
+              </a:rPr>
+              <a:t>Utilization</a:t>
+            </a:r>
+            <a:r>
+              <a:rPr lang="el-GR" dirty="0">
+                <a:solidFill>
+                  <a:srgbClr val="084158"/>
+                </a:solidFill>
+              </a:rPr>
+              <a:t>: </a:t>
+            </a:r>
+            <a:r>
+              <a:rPr lang="en-US" dirty="0">
+                <a:solidFill>
+                  <a:srgbClr val="084158"/>
+                </a:solidFill>
+              </a:rPr>
+              <a:t>IBM-WATSON, Google-Gemini</a:t>
+            </a:r>
+          </a:p>
+          <a:p>
+            <a:pPr>
+              <a:buClr>
+                <a:srgbClr val="15A6DE"/>
+              </a:buClr>
+              <a:buFont typeface="Courier New" panose="02070309020205020404" pitchFamily="49" charset="0"/>
+              <a:buChar char="o"/>
+            </a:pPr>
+            <a:endParaRPr lang="en-US" sz="2000" dirty="0">
+              <a:solidFill>
+                <a:srgbClr val="084158"/>
+              </a:solidFill>
+            </a:endParaRPr>
+          </a:p>
+          <a:p>
+            <a:pPr>
+              <a:buClr>
+                <a:srgbClr val="15A6DE"/>
+              </a:buClr>
+              <a:buFont typeface="Courier New" panose="02070309020205020404" pitchFamily="49" charset="0"/>
+              <a:buChar char="o"/>
+            </a:pPr>
+            <a:endParaRPr lang="en-US" sz="2000" dirty="0">
+              <a:solidFill>
+                <a:srgbClr val="084158"/>
+              </a:solidFill>
+            </a:endParaRPr>
+          </a:p>
+          <a:p>
+            <a:pPr marL="0" indent="0">
+              <a:buNone/>
+            </a:pPr>
+            <a:endParaRPr lang="el-GR" sz="2000" dirty="0"/>
+          </a:p>
+        </p:txBody>
+      </p:sp>
       <p:sp>
         <p:nvSpPr>
           <p:cNvPr id="2" name="Τίτλος 1">
             <a:extLst>
               <a:ext uri="{FF2B5EF4-FFF2-40B4-BE49-F238E27FC236}">
-                <a16:creationId xmlns:a16="http://schemas.microsoft.com/office/drawing/2014/main" id="{53D0D8DC-2B3B-1086-2EC1-692D2FB00393}"/>
+                <a16:creationId xmlns:a16="http://schemas.microsoft.com/office/drawing/2014/main" id="{CA204F78-2184-1CC4-EF21-D70233A1343B}"/>
               </a:ext>
             </a:extLst>
           </p:cNvPr>
@@ -4383,59 +10949,133 @@
             <p:ph type="title"/>
           </p:nvPr>
         </p:nvSpPr>
-        <p:spPr/>
+        <p:spPr>
+          <a:xfrm>
+            <a:off x="3433864" y="631132"/>
+            <a:ext cx="5719864" cy="746837"/>
+          </a:xfrm>
+          <a:ln>
+            <a:noFill/>
+          </a:ln>
+        </p:spPr>
         <p:txBody>
-          <a:bodyPr/>
+          <a:bodyPr anchor="ctr">
+            <a:noAutofit/>
+          </a:bodyPr>
           <a:lstStyle/>
           <a:p>
             <a:r>
-              <a:rPr lang="el-GR" dirty="0"/>
-              <a:t>ΠΩΣ ΛΕΙΤΟΥΡΓΕΙ </a:t>
+              <a:rPr lang="en-US" sz="6000" dirty="0">
+                <a:solidFill>
+                  <a:schemeClr val="tx2">
+                    <a:lumMod val="75000"/>
+                    <a:lumOff val="25000"/>
+                  </a:schemeClr>
+                </a:solidFill>
+              </a:rPr>
+              <a:t>HOW IT WORKS</a:t>
             </a:r>
+            <a:endParaRPr lang="el-GR" sz="6000" dirty="0">
+              <a:solidFill>
+                <a:schemeClr val="tx2">
+                  <a:lumMod val="75000"/>
+                  <a:lumOff val="25000"/>
+                </a:schemeClr>
+              </a:solidFill>
+            </a:endParaRPr>
           </a:p>
         </p:txBody>
       </p:sp>
-      <p:sp>
-        <p:nvSpPr>
-          <p:cNvPr id="3" name="Θέση περιεχομένου 2">
+      <p:graphicFrame>
+        <p:nvGraphicFramePr>
+          <p:cNvPr id="13" name="Διάγραμμα 12">
             <a:extLst>
               <a:ext uri="{FF2B5EF4-FFF2-40B4-BE49-F238E27FC236}">
-                <a16:creationId xmlns:a16="http://schemas.microsoft.com/office/drawing/2014/main" id="{0E5A61B3-8BBE-F48A-FF5D-9C86E18FD326}"/>
+                <a16:creationId xmlns:a16="http://schemas.microsoft.com/office/drawing/2014/main" id="{D1179051-DA69-025E-ACDF-0B379576FA0D}"/>
               </a:ext>
             </a:extLst>
           </p:cNvPr>
-          <p:cNvSpPr>
-            <a:spLocks noGrp="1"/>
-          </p:cNvSpPr>
+          <p:cNvGraphicFramePr/>
           <p:nvPr>
-            <p:ph idx="1"/>
+            <p:extLst>
+              <p:ext uri="{D42A27DB-BD31-4B8C-83A1-F6EECF244321}">
+                <p14:modId xmlns:p14="http://schemas.microsoft.com/office/powerpoint/2010/main" val="2113343040"/>
+              </p:ext>
+            </p:extLst>
           </p:nvPr>
-        </p:nvSpPr>
-        <p:spPr/>
-        <p:txBody>
-          <a:bodyPr/>
-          <a:lstStyle/>
-          <a:p>
-            <a:endParaRPr lang="el-GR"/>
-          </a:p>
-        </p:txBody>
-      </p:sp>
+        </p:nvGraphicFramePr>
+        <p:xfrm>
+          <a:off x="1677533" y="3356043"/>
+          <a:ext cx="8836932" cy="3028128"/>
+        </p:xfrm>
+        <a:graphic>
+          <a:graphicData uri="http://schemas.openxmlformats.org/drawingml/2006/diagram">
+            <dgm:relIds xmlns:dgm="http://schemas.openxmlformats.org/drawingml/2006/diagram" xmlns:r="http://schemas.openxmlformats.org/officeDocument/2006/relationships" r:dm="rId2" r:lo="rId3" r:qs="rId4" r:cs="rId5"/>
+          </a:graphicData>
+        </a:graphic>
+      </p:graphicFrame>
     </p:spTree>
     <p:extLst>
       <p:ext uri="{BB962C8B-B14F-4D97-AF65-F5344CB8AC3E}">
-        <p14:creationId xmlns:p14="http://schemas.microsoft.com/office/powerpoint/2010/main" val="2188704089"/>
+        <p14:creationId xmlns:p14="http://schemas.microsoft.com/office/powerpoint/2010/main" val="3582452232"/>
       </p:ext>
     </p:extLst>
   </p:cSld>
   <p:clrMapOvr>
     <a:masterClrMapping/>
   </p:clrMapOvr>
+  <mc:AlternateContent xmlns:mc="http://schemas.openxmlformats.org/markup-compatibility/2006">
+    <mc:Choice xmlns:p14="http://schemas.microsoft.com/office/powerpoint/2010/main" Requires="p14">
+      <p:transition spd="slow" p14:dur="3400" advTm="2000">
+        <p14:reveal/>
+      </p:transition>
+    </mc:Choice>
+    <mc:Fallback>
+      <p:transition spd="slow" advTm="2000">
+        <p:fade/>
+      </p:transition>
+    </mc:Fallback>
+  </mc:AlternateContent>
 </p:sld>
 </file>
 
-<file path=ppt/slides/slide5.xml><?xml version="1.0" encoding="utf-8"?>
+<file path=ppt/slides/slide8.xml><?xml version="1.0" encoding="utf-8"?>
 <p:sld xmlns:a="http://schemas.openxmlformats.org/drawingml/2006/main" xmlns:r="http://schemas.openxmlformats.org/officeDocument/2006/relationships" xmlns:p="http://schemas.openxmlformats.org/presentationml/2006/main">
   <p:cSld>
+    <p:bg>
+      <p:bgPr>
+        <a:gradFill>
+          <a:gsLst>
+            <a:gs pos="0">
+              <a:schemeClr val="accent1">
+                <a:lumMod val="5000"/>
+                <a:lumOff val="95000"/>
+              </a:schemeClr>
+            </a:gs>
+            <a:gs pos="63000">
+              <a:schemeClr val="accent1">
+                <a:lumMod val="45000"/>
+                <a:lumOff val="55000"/>
+              </a:schemeClr>
+            </a:gs>
+            <a:gs pos="83000">
+              <a:schemeClr val="accent1">
+                <a:lumMod val="45000"/>
+                <a:lumOff val="55000"/>
+              </a:schemeClr>
+            </a:gs>
+            <a:gs pos="100000">
+              <a:schemeClr val="accent1">
+                <a:lumMod val="30000"/>
+                <a:lumOff val="70000"/>
+              </a:schemeClr>
+            </a:gs>
+          </a:gsLst>
+          <a:lin ang="5400000" scaled="1"/>
+        </a:gradFill>
+        <a:effectLst/>
+      </p:bgPr>
+    </p:bg>
     <p:spTree>
       <p:nvGrpSpPr>
         <p:cNvPr id="1" name=""/>
@@ -4450,12 +11090,72 @@
           <a:chExt cx="0" cy="0"/>
         </a:xfrm>
       </p:grpSpPr>
+      <p:sp useBgFill="1">
+        <p:nvSpPr>
+          <p:cNvPr id="8" name="Rectangle 7">
+            <a:extLst>
+              <a:ext uri="{FF2B5EF4-FFF2-40B4-BE49-F238E27FC236}">
+                <a16:creationId xmlns:a16="http://schemas.microsoft.com/office/drawing/2014/main" id="{3AD318CC-E2A8-4E27-9548-A047A78999B1}"/>
+              </a:ext>
+              <a:ext uri="{C183D7F6-B498-43B3-948B-1728B52AA6E4}">
+                <adec:decorative xmlns:adec="http://schemas.microsoft.com/office/drawing/2017/decorative" val="1"/>
+              </a:ext>
+            </a:extLst>
+          </p:cNvPr>
+          <p:cNvSpPr>
+            <a:spLocks noGrp="1" noRot="1" noChangeAspect="1" noMove="1" noResize="1" noEditPoints="1" noAdjustHandles="1" noChangeArrowheads="1" noChangeShapeType="1" noTextEdit="1"/>
+          </p:cNvSpPr>
+          <p:nvPr>
+            <p:extLst>
+              <p:ext uri="{386F3935-93C4-4BCD-93E2-E3B085C9AB24}">
+                <p16:designElem xmlns:p16="http://schemas.microsoft.com/office/powerpoint/2015/main" val="1"/>
+              </p:ext>
+            </p:extLst>
+          </p:nvPr>
+        </p:nvSpPr>
+        <p:spPr>
+          <a:xfrm>
+            <a:off x="0" y="0"/>
+            <a:ext cx="12191999" cy="6857365"/>
+          </a:xfrm>
+          <a:prstGeom prst="rect">
+            <a:avLst/>
+          </a:prstGeom>
+          <a:ln>
+            <a:noFill/>
+          </a:ln>
+        </p:spPr>
+        <p:style>
+          <a:lnRef idx="2">
+            <a:schemeClr val="accent1">
+              <a:shade val="50000"/>
+            </a:schemeClr>
+          </a:lnRef>
+          <a:fillRef idx="1">
+            <a:schemeClr val="accent1"/>
+          </a:fillRef>
+          <a:effectRef idx="0">
+            <a:schemeClr val="accent1"/>
+          </a:effectRef>
+          <a:fontRef idx="minor">
+            <a:schemeClr val="lt1"/>
+          </a:fontRef>
+        </p:style>
+        <p:txBody>
+          <a:bodyPr rtlCol="0" anchor="ctr"/>
+          <a:lstStyle/>
+          <a:p>
+            <a:pPr algn="ctr"/>
+            <a:endParaRPr lang="en-US" dirty="0"/>
+          </a:p>
+        </p:txBody>
+      </p:sp>
       <p:sp>
         <p:nvSpPr>
           <p:cNvPr id="2" name="Τίτλος 1">
             <a:extLst>
               <a:ext uri="{FF2B5EF4-FFF2-40B4-BE49-F238E27FC236}">
-                <a16:creationId xmlns:a16="http://schemas.microsoft.com/office/drawing/2014/main" id="{CA204F78-2184-1CC4-EF21-D70233A1343B}"/>
+                <a16:creationId xmlns:a16="http://schemas.microsoft.com/office/drawing/2014/main" id="{53D0D8DC-2B3B-1086-2EC1-692D2FB00393}"/>
               </a:ext>
             </a:extLst>
           </p:cNvPr>
@@ -4466,16 +11166,246 @@
             <p:ph type="title"/>
           </p:nvPr>
         </p:nvSpPr>
-        <p:spPr/>
+        <p:spPr>
+          <a:xfrm>
+            <a:off x="645065" y="1463040"/>
+            <a:ext cx="3796306" cy="2690949"/>
+          </a:xfrm>
+        </p:spPr>
         <p:txBody>
-          <a:bodyPr/>
+          <a:bodyPr anchor="t">
+            <a:normAutofit/>
+          </a:bodyPr>
           <a:lstStyle/>
           <a:p>
             <a:r>
-              <a:rPr lang="en-US" dirty="0"/>
+              <a:rPr lang="en-US" sz="6000" dirty="0">
+                <a:solidFill>
+                  <a:srgbClr val="084158"/>
+                </a:solidFill>
+              </a:rPr>
               <a:t>WHAT TO EXPECT NEXT?</a:t>
             </a:r>
-            <a:endParaRPr lang="el-GR" dirty="0"/>
+            <a:endParaRPr lang="el-GR" sz="6000" dirty="0">
+              <a:solidFill>
+                <a:srgbClr val="084158"/>
+              </a:solidFill>
+            </a:endParaRPr>
+          </a:p>
+        </p:txBody>
+      </p:sp>
+      <p:grpSp>
+        <p:nvGrpSpPr>
+          <p:cNvPr id="10" name="Group 9">
+            <a:extLst>
+              <a:ext uri="{FF2B5EF4-FFF2-40B4-BE49-F238E27FC236}">
+                <a16:creationId xmlns:a16="http://schemas.microsoft.com/office/drawing/2014/main" id="{B14B560F-9DD7-4302-A60B-EBD3EF59B073}"/>
+              </a:ext>
+              <a:ext uri="{C183D7F6-B498-43B3-948B-1728B52AA6E4}">
+                <adec:decorative xmlns:adec="http://schemas.microsoft.com/office/drawing/2017/decorative" val="1"/>
+              </a:ext>
+            </a:extLst>
+          </p:cNvPr>
+          <p:cNvGrpSpPr>
+            <a:grpSpLocks noGrp="1" noUngrp="1" noRot="1" noChangeAspect="1" noMove="1" noResize="1"/>
+          </p:cNvGrpSpPr>
+          <p:nvPr>
+            <p:extLst>
+              <p:ext uri="{386F3935-93C4-4BCD-93E2-E3B085C9AB24}">
+                <p16:designElem xmlns:p16="http://schemas.microsoft.com/office/powerpoint/2015/main" val="1"/>
+              </p:ext>
+            </p:extLst>
+          </p:nvPr>
+        </p:nvGrpSpPr>
+        <p:grpSpPr>
+          <a:xfrm>
+            <a:off x="209667" y="4415246"/>
+            <a:ext cx="11982332" cy="2087795"/>
+            <a:chOff x="143163" y="5763486"/>
+            <a:chExt cx="11982332" cy="739555"/>
+          </a:xfrm>
+        </p:grpSpPr>
+        <p:sp>
+          <p:nvSpPr>
+            <p:cNvPr id="11" name="Rectangle 10">
+              <a:extLst>
+                <a:ext uri="{FF2B5EF4-FFF2-40B4-BE49-F238E27FC236}">
+                  <a16:creationId xmlns:a16="http://schemas.microsoft.com/office/drawing/2014/main" id="{3A9A4357-BD1D-4622-A4FE-766E6AB8DE84}"/>
+                </a:ext>
+                <a:ext uri="{C183D7F6-B498-43B3-948B-1728B52AA6E4}">
+                  <adec:decorative xmlns:adec="http://schemas.microsoft.com/office/drawing/2017/decorative" val="1"/>
+                </a:ext>
+              </a:extLst>
+            </p:cNvPr>
+            <p:cNvSpPr/>
+            <p:nvPr>
+              <p:extLst>
+                <p:ext uri="{386F3935-93C4-4BCD-93E2-E3B085C9AB24}">
+                  <p16:designElem xmlns:p16="http://schemas.microsoft.com/office/powerpoint/2015/main" val="1"/>
+                </p:ext>
+              </p:extLst>
+            </p:nvPr>
+          </p:nvSpPr>
+          <p:spPr>
+            <a:xfrm flipH="1" flipV="1">
+              <a:off x="357444" y="5763486"/>
+              <a:ext cx="11768051" cy="739555"/>
+            </a:xfrm>
+            <a:prstGeom prst="rect">
+              <a:avLst/>
+            </a:prstGeom>
+            <a:solidFill>
+              <a:schemeClr val="accent4"/>
+            </a:solidFill>
+            <a:ln>
+              <a:noFill/>
+            </a:ln>
+          </p:spPr>
+          <p:style>
+            <a:lnRef idx="2">
+              <a:schemeClr val="accent1">
+                <a:shade val="50000"/>
+              </a:schemeClr>
+            </a:lnRef>
+            <a:fillRef idx="1">
+              <a:schemeClr val="accent1"/>
+            </a:fillRef>
+            <a:effectRef idx="0">
+              <a:schemeClr val="accent1"/>
+            </a:effectRef>
+            <a:fontRef idx="minor">
+              <a:schemeClr val="lt1"/>
+            </a:fontRef>
+          </p:style>
+          <p:txBody>
+            <a:bodyPr rtlCol="0" anchor="ctr"/>
+            <a:lstStyle/>
+            <a:p>
+              <a:pPr algn="ctr"/>
+              <a:endParaRPr lang="en-US" dirty="0"/>
+            </a:p>
+          </p:txBody>
+        </p:sp>
+        <p:cxnSp>
+          <p:nvCxnSpPr>
+            <p:cNvPr id="12" name="Straight Connector 11">
+              <a:extLst>
+                <a:ext uri="{FF2B5EF4-FFF2-40B4-BE49-F238E27FC236}">
+                  <a16:creationId xmlns:a16="http://schemas.microsoft.com/office/drawing/2014/main" id="{C21D6966-343E-49AC-A026-D2497E0C3CA1}"/>
+                </a:ext>
+                <a:ext uri="{C183D7F6-B498-43B3-948B-1728B52AA6E4}">
+                  <adec:decorative xmlns:adec="http://schemas.microsoft.com/office/drawing/2017/decorative" val="1"/>
+                </a:ext>
+              </a:extLst>
+            </p:cNvPr>
+            <p:cNvCxnSpPr>
+              <a:cxnSpLocks/>
+            </p:cNvCxnSpPr>
+            <p:nvPr>
+              <p:extLst>
+                <p:ext uri="{386F3935-93C4-4BCD-93E2-E3B085C9AB24}">
+                  <p16:designElem xmlns:p16="http://schemas.microsoft.com/office/powerpoint/2015/main" val="1"/>
+                </p:ext>
+              </p:extLst>
+            </p:nvPr>
+          </p:nvCxnSpPr>
+          <p:spPr>
+            <a:xfrm flipH="1">
+              <a:off x="143163" y="5763486"/>
+              <a:ext cx="1" cy="739555"/>
+            </a:xfrm>
+            <a:prstGeom prst="line">
+              <a:avLst/>
+            </a:prstGeom>
+            <a:ln w="177800">
+              <a:solidFill>
+                <a:schemeClr val="accent4"/>
+              </a:solidFill>
+            </a:ln>
+          </p:spPr>
+          <p:style>
+            <a:lnRef idx="1">
+              <a:schemeClr val="accent1"/>
+            </a:lnRef>
+            <a:fillRef idx="0">
+              <a:schemeClr val="accent1"/>
+            </a:fillRef>
+            <a:effectRef idx="0">
+              <a:schemeClr val="accent1"/>
+            </a:effectRef>
+            <a:fontRef idx="minor">
+              <a:schemeClr val="tx1"/>
+            </a:fontRef>
+          </p:style>
+        </p:cxnSp>
+      </p:grpSp>
+      <p:sp>
+        <p:nvSpPr>
+          <p:cNvPr id="14" name="Rectangle 13">
+            <a:extLst>
+              <a:ext uri="{FF2B5EF4-FFF2-40B4-BE49-F238E27FC236}">
+                <a16:creationId xmlns:a16="http://schemas.microsoft.com/office/drawing/2014/main" id="{2C1BBA94-3F40-40AA-8BB9-E69E25E537C1}"/>
+              </a:ext>
+              <a:ext uri="{C183D7F6-B498-43B3-948B-1728B52AA6E4}">
+                <adec:decorative xmlns:adec="http://schemas.microsoft.com/office/drawing/2017/decorative" val="1"/>
+              </a:ext>
+            </a:extLst>
+          </p:cNvPr>
+          <p:cNvSpPr>
+            <a:spLocks noGrp="1" noRot="1" noChangeAspect="1" noMove="1" noResize="1" noEditPoints="1" noAdjustHandles="1" noChangeArrowheads="1" noChangeShapeType="1" noTextEdit="1"/>
+          </p:cNvSpPr>
+          <p:nvPr>
+            <p:extLst>
+              <p:ext uri="{386F3935-93C4-4BCD-93E2-E3B085C9AB24}">
+                <p16:designElem xmlns:p16="http://schemas.microsoft.com/office/powerpoint/2015/main" val="1"/>
+              </p:ext>
+            </p:extLst>
+          </p:nvPr>
+        </p:nvSpPr>
+        <p:spPr>
+          <a:xfrm>
+            <a:off x="5133706" y="587829"/>
+            <a:ext cx="6505300" cy="5682342"/>
+          </a:xfrm>
+          <a:prstGeom prst="rect">
+            <a:avLst/>
+          </a:prstGeom>
+          <a:solidFill>
+            <a:schemeClr val="bg1"/>
+          </a:solidFill>
+          <a:ln>
+            <a:noFill/>
+          </a:ln>
+          <a:effectLst>
+            <a:outerShdw blurRad="139700" dist="127000" dir="5400000" algn="t" rotWithShape="0">
+              <a:prstClr val="black">
+                <a:alpha val="15000"/>
+              </a:prstClr>
+            </a:outerShdw>
+          </a:effectLst>
+        </p:spPr>
+        <p:style>
+          <a:lnRef idx="2">
+            <a:schemeClr val="accent1">
+              <a:shade val="50000"/>
+            </a:schemeClr>
+          </a:lnRef>
+          <a:fillRef idx="1">
+            <a:schemeClr val="accent1"/>
+          </a:fillRef>
+          <a:effectRef idx="0">
+            <a:schemeClr val="accent1"/>
+          </a:effectRef>
+          <a:fontRef idx="minor">
+            <a:schemeClr val="lt1"/>
+          </a:fontRef>
+        </p:style>
+        <p:txBody>
+          <a:bodyPr rtlCol="0" anchor="ctr"/>
+          <a:lstStyle/>
+          <a:p>
+            <a:pPr algn="ctr"/>
+            <a:endParaRPr lang="en-US" dirty="0"/>
           </a:p>
         </p:txBody>
       </p:sp>
@@ -4484,7 +11414,7 @@
           <p:cNvPr id="3" name="Θέση περιεχομένου 2">
             <a:extLst>
               <a:ext uri="{FF2B5EF4-FFF2-40B4-BE49-F238E27FC236}">
-                <a16:creationId xmlns:a16="http://schemas.microsoft.com/office/drawing/2014/main" id="{78063056-3CC3-CB34-221E-1580E161E049}"/>
+                <a16:creationId xmlns:a16="http://schemas.microsoft.com/office/drawing/2014/main" id="{0E5A61B3-8BBE-F48A-FF5D-9C86E18FD326}"/>
               </a:ext>
             </a:extLst>
           </p:cNvPr>
@@ -4495,25 +11425,792 @@
             <p:ph idx="1"/>
           </p:nvPr>
         </p:nvSpPr>
-        <p:spPr/>
+        <p:spPr>
+          <a:xfrm>
+            <a:off x="5133706" y="587829"/>
+            <a:ext cx="6505298" cy="5682342"/>
+          </a:xfrm>
+          <a:gradFill flip="none" rotWithShape="1">
+            <a:gsLst>
+              <a:gs pos="46000">
+                <a:schemeClr val="accent1">
+                  <a:lumMod val="40000"/>
+                  <a:lumOff val="60000"/>
+                </a:schemeClr>
+              </a:gs>
+              <a:gs pos="46000">
+                <a:schemeClr val="accent1">
+                  <a:lumMod val="95000"/>
+                  <a:lumOff val="5000"/>
+                </a:schemeClr>
+              </a:gs>
+              <a:gs pos="100000">
+                <a:schemeClr val="accent1">
+                  <a:lumMod val="60000"/>
+                </a:schemeClr>
+              </a:gs>
+            </a:gsLst>
+            <a:path path="circle">
+              <a:fillToRect l="50000" t="130000" r="50000" b="-30000"/>
+            </a:path>
+            <a:tileRect/>
+          </a:gradFill>
+        </p:spPr>
         <p:txBody>
-          <a:bodyPr/>
+          <a:bodyPr anchor="t">
+            <a:normAutofit/>
+          </a:bodyPr>
           <a:lstStyle/>
           <a:p>
-            <a:endParaRPr lang="el-GR" dirty="0"/>
+            <a:pPr>
+              <a:buClr>
+                <a:srgbClr val="19B2EF"/>
+              </a:buClr>
+              <a:buFont typeface="Wingdings" panose="05000000000000000000" pitchFamily="2" charset="2"/>
+              <a:buChar char="q"/>
+            </a:pPr>
+            <a:r>
+              <a:rPr lang="en-US" dirty="0">
+                <a:solidFill>
+                  <a:srgbClr val="19B2EF"/>
+                </a:solidFill>
+              </a:rPr>
+              <a:t>Search Engine with Keywords</a:t>
+            </a:r>
+          </a:p>
+          <a:p>
+            <a:pPr>
+              <a:buClr>
+                <a:srgbClr val="19B2EF"/>
+              </a:buClr>
+              <a:buFont typeface="Wingdings" panose="05000000000000000000" pitchFamily="2" charset="2"/>
+              <a:buChar char="q"/>
+            </a:pPr>
+            <a:r>
+              <a:rPr lang="en-US" dirty="0">
+                <a:solidFill>
+                  <a:srgbClr val="19B2EF"/>
+                </a:solidFill>
+              </a:rPr>
+              <a:t>User History</a:t>
+            </a:r>
+          </a:p>
+          <a:p>
+            <a:pPr>
+              <a:buClr>
+                <a:srgbClr val="19B2EF"/>
+              </a:buClr>
+              <a:buFont typeface="Wingdings" panose="05000000000000000000" pitchFamily="2" charset="2"/>
+              <a:buChar char="q"/>
+            </a:pPr>
+            <a:r>
+              <a:rPr lang="en-US" dirty="0">
+                <a:solidFill>
+                  <a:srgbClr val="19B2EF"/>
+                </a:solidFill>
+              </a:rPr>
+              <a:t>Interactive Chatbot </a:t>
+            </a:r>
+          </a:p>
+          <a:p>
+            <a:pPr>
+              <a:buClr>
+                <a:srgbClr val="19B2EF"/>
+              </a:buClr>
+              <a:buFont typeface="Wingdings" panose="05000000000000000000" pitchFamily="2" charset="2"/>
+              <a:buChar char="q"/>
+            </a:pPr>
+            <a:r>
+              <a:rPr lang="en-US" dirty="0">
+                <a:solidFill>
+                  <a:srgbClr val="19B2EF"/>
+                </a:solidFill>
+              </a:rPr>
+              <a:t>Image Support (Input/Output)</a:t>
+            </a:r>
+          </a:p>
+          <a:p>
+            <a:pPr>
+              <a:buClr>
+                <a:srgbClr val="19B2EF"/>
+              </a:buClr>
+              <a:buFont typeface="Wingdings" panose="05000000000000000000" pitchFamily="2" charset="2"/>
+              <a:buChar char="q"/>
+            </a:pPr>
+            <a:r>
+              <a:rPr lang="en-US" dirty="0">
+                <a:solidFill>
+                  <a:srgbClr val="19B2EF"/>
+                </a:solidFill>
+              </a:rPr>
+              <a:t>Evaluation System</a:t>
+            </a:r>
           </a:p>
         </p:txBody>
       </p:sp>
     </p:spTree>
     <p:extLst>
       <p:ext uri="{BB962C8B-B14F-4D97-AF65-F5344CB8AC3E}">
-        <p14:creationId xmlns:p14="http://schemas.microsoft.com/office/powerpoint/2010/main" val="3582452232"/>
+        <p14:creationId xmlns:p14="http://schemas.microsoft.com/office/powerpoint/2010/main" val="2188704089"/>
       </p:ext>
     </p:extLst>
   </p:cSld>
   <p:clrMapOvr>
     <a:masterClrMapping/>
   </p:clrMapOvr>
+  <mc:AlternateContent xmlns:mc="http://schemas.openxmlformats.org/markup-compatibility/2006">
+    <mc:Choice xmlns:p14="http://schemas.microsoft.com/office/powerpoint/2010/main" Requires="p14">
+      <p:transition spd="med" p14:dur="700">
+        <p:fade/>
+      </p:transition>
+    </mc:Choice>
+    <mc:Fallback>
+      <p:transition spd="med">
+        <p:fade/>
+      </p:transition>
+    </mc:Fallback>
+  </mc:AlternateContent>
+</p:sld>
+</file>
+
+<file path=ppt/slides/slide9.xml><?xml version="1.0" encoding="utf-8"?>
+<p:sld xmlns:a="http://schemas.openxmlformats.org/drawingml/2006/main" xmlns:r="http://schemas.openxmlformats.org/officeDocument/2006/relationships" xmlns:p="http://schemas.openxmlformats.org/presentationml/2006/main">
+  <p:cSld>
+    <p:bg>
+      <p:bgPr>
+        <a:gradFill flip="none" rotWithShape="1">
+          <a:gsLst>
+            <a:gs pos="56000">
+              <a:schemeClr val="accent1">
+                <a:lumMod val="73000"/>
+              </a:schemeClr>
+            </a:gs>
+            <a:gs pos="80000">
+              <a:schemeClr val="accent1">
+                <a:lumMod val="46000"/>
+                <a:lumOff val="54000"/>
+              </a:schemeClr>
+            </a:gs>
+            <a:gs pos="89000">
+              <a:schemeClr val="accent1">
+                <a:lumMod val="45000"/>
+                <a:lumOff val="55000"/>
+              </a:schemeClr>
+            </a:gs>
+            <a:gs pos="100000">
+              <a:schemeClr val="accent1">
+                <a:lumMod val="30000"/>
+                <a:lumOff val="70000"/>
+              </a:schemeClr>
+            </a:gs>
+          </a:gsLst>
+          <a:lin ang="5400000" scaled="1"/>
+          <a:tileRect/>
+        </a:gradFill>
+        <a:effectLst/>
+      </p:bgPr>
+    </p:bg>
+    <p:spTree>
+      <p:nvGrpSpPr>
+        <p:cNvPr id="1" name=""/>
+        <p:cNvGrpSpPr/>
+        <p:nvPr/>
+      </p:nvGrpSpPr>
+      <p:grpSpPr>
+        <a:xfrm>
+          <a:off x="0" y="0"/>
+          <a:ext cx="0" cy="0"/>
+          <a:chOff x="0" y="0"/>
+          <a:chExt cx="0" cy="0"/>
+        </a:xfrm>
+      </p:grpSpPr>
+      <p:sp useBgFill="1">
+        <p:nvSpPr>
+          <p:cNvPr id="7" name="Rectangle 6">
+            <a:extLst>
+              <a:ext uri="{FF2B5EF4-FFF2-40B4-BE49-F238E27FC236}">
+                <a16:creationId xmlns:a16="http://schemas.microsoft.com/office/drawing/2014/main" id="{6F5A5072-7B47-4D32-B52A-4EBBF590B8A5}"/>
+              </a:ext>
+              <a:ext uri="{C183D7F6-B498-43B3-948B-1728B52AA6E4}">
+                <adec:decorative xmlns:adec="http://schemas.microsoft.com/office/drawing/2017/decorative" val="1"/>
+              </a:ext>
+            </a:extLst>
+          </p:cNvPr>
+          <p:cNvSpPr>
+            <a:spLocks noGrp="1" noRot="1" noChangeAspect="1" noMove="1" noResize="1" noEditPoints="1" noAdjustHandles="1" noChangeArrowheads="1" noChangeShapeType="1" noTextEdit="1"/>
+          </p:cNvSpPr>
+          <p:nvPr>
+            <p:extLst>
+              <p:ext uri="{386F3935-93C4-4BCD-93E2-E3B085C9AB24}">
+                <p16:designElem xmlns:p16="http://schemas.microsoft.com/office/powerpoint/2015/main" val="1"/>
+              </p:ext>
+            </p:extLst>
+          </p:nvPr>
+        </p:nvSpPr>
+        <p:spPr>
+          <a:xfrm>
+            <a:off x="0" y="0"/>
+            <a:ext cx="12192000" cy="6858000"/>
+          </a:xfrm>
+          <a:prstGeom prst="rect">
+            <a:avLst/>
+          </a:prstGeom>
+          <a:ln w="12700" cap="flat" cmpd="sng" algn="ctr">
+            <a:noFill/>
+            <a:prstDash val="solid"/>
+            <a:miter lim="800000"/>
+          </a:ln>
+          <a:effectLst/>
+          <a:extLst>
+            <a:ext uri="{91240B29-F687-4F45-9708-019B960494DF}">
+              <a14:hiddenLine xmlns:a14="http://schemas.microsoft.com/office/drawing/2010/main" w="12700" cap="flat" cmpd="sng" algn="ctr">
+                <a:solidFill>
+                  <a:schemeClr val="accent1">
+                    <a:shade val="50000"/>
+                  </a:schemeClr>
+                </a:solidFill>
+                <a:prstDash val="solid"/>
+                <a:miter lim="800000"/>
+              </a14:hiddenLine>
+            </a:ext>
+          </a:extLst>
+        </p:spPr>
+        <p:style>
+          <a:lnRef idx="2">
+            <a:schemeClr val="accent1">
+              <a:shade val="50000"/>
+            </a:schemeClr>
+          </a:lnRef>
+          <a:fillRef idx="1">
+            <a:schemeClr val="accent1"/>
+          </a:fillRef>
+          <a:effectRef idx="0">
+            <a:schemeClr val="accent1"/>
+          </a:effectRef>
+          <a:fontRef idx="minor">
+            <a:schemeClr val="lt1"/>
+          </a:fontRef>
+        </p:style>
+        <p:txBody>
+          <a:bodyPr rtlCol="0" anchor="ctr"/>
+          <a:lstStyle/>
+          <a:p>
+            <a:pPr algn="ctr"/>
+            <a:endParaRPr lang="en-US" dirty="0"/>
+          </a:p>
+        </p:txBody>
+      </p:sp>
+      <p:sp>
+        <p:nvSpPr>
+          <p:cNvPr id="9" name="Rectangle 8">
+            <a:extLst>
+              <a:ext uri="{FF2B5EF4-FFF2-40B4-BE49-F238E27FC236}">
+                <a16:creationId xmlns:a16="http://schemas.microsoft.com/office/drawing/2014/main" id="{9715DAF0-AE1B-46C9-8A6B-DB2AA05AB91D}"/>
+              </a:ext>
+              <a:ext uri="{C183D7F6-B498-43B3-948B-1728B52AA6E4}">
+                <adec:decorative xmlns:adec="http://schemas.microsoft.com/office/drawing/2017/decorative" val="1"/>
+              </a:ext>
+            </a:extLst>
+          </p:cNvPr>
+          <p:cNvSpPr>
+            <a:spLocks noGrp="1" noRot="1" noChangeAspect="1" noMove="1" noResize="1" noEditPoints="1" noAdjustHandles="1" noChangeArrowheads="1" noChangeShapeType="1" noTextEdit="1"/>
+          </p:cNvSpPr>
+          <p:nvPr>
+            <p:extLst>
+              <p:ext uri="{386F3935-93C4-4BCD-93E2-E3B085C9AB24}">
+                <p16:designElem xmlns:p16="http://schemas.microsoft.com/office/powerpoint/2015/main" val="1"/>
+              </p:ext>
+            </p:extLst>
+          </p:nvPr>
+        </p:nvSpPr>
+        <p:spPr>
+          <a:xfrm rot="10800000">
+            <a:off x="-2" y="-22693"/>
+            <a:ext cx="12191999" cy="4374129"/>
+          </a:xfrm>
+          <a:prstGeom prst="rect">
+            <a:avLst/>
+          </a:prstGeom>
+          <a:gradFill>
+            <a:gsLst>
+              <a:gs pos="0">
+                <a:schemeClr val="accent1">
+                  <a:lumMod val="75000"/>
+                </a:schemeClr>
+              </a:gs>
+              <a:gs pos="100000">
+                <a:srgbClr val="000000"/>
+              </a:gs>
+            </a:gsLst>
+            <a:lin ang="15000000" scaled="0"/>
+          </a:gradFill>
+          <a:ln>
+            <a:noFill/>
+          </a:ln>
+        </p:spPr>
+        <p:style>
+          <a:lnRef idx="2">
+            <a:schemeClr val="accent1">
+              <a:shade val="50000"/>
+            </a:schemeClr>
+          </a:lnRef>
+          <a:fillRef idx="1">
+            <a:schemeClr val="accent1"/>
+          </a:fillRef>
+          <a:effectRef idx="0">
+            <a:schemeClr val="accent1"/>
+          </a:effectRef>
+          <a:fontRef idx="minor">
+            <a:schemeClr val="lt1"/>
+          </a:fontRef>
+        </p:style>
+        <p:txBody>
+          <a:bodyPr rtlCol="0" anchor="ctr"/>
+          <a:lstStyle/>
+          <a:p>
+            <a:pPr algn="ctr"/>
+            <a:endParaRPr lang="en-US" dirty="0"/>
+          </a:p>
+        </p:txBody>
+      </p:sp>
+      <p:sp>
+        <p:nvSpPr>
+          <p:cNvPr id="11" name="Rectangle 10">
+            <a:extLst>
+              <a:ext uri="{FF2B5EF4-FFF2-40B4-BE49-F238E27FC236}">
+                <a16:creationId xmlns:a16="http://schemas.microsoft.com/office/drawing/2014/main" id="{6016219D-510E-4184-9090-6D5578A87BD1}"/>
+              </a:ext>
+              <a:ext uri="{C183D7F6-B498-43B3-948B-1728B52AA6E4}">
+                <adec:decorative xmlns:adec="http://schemas.microsoft.com/office/drawing/2017/decorative" val="1"/>
+              </a:ext>
+            </a:extLst>
+          </p:cNvPr>
+          <p:cNvSpPr>
+            <a:spLocks noGrp="1" noRot="1" noChangeAspect="1" noMove="1" noResize="1" noEditPoints="1" noAdjustHandles="1" noChangeArrowheads="1" noChangeShapeType="1" noTextEdit="1"/>
+          </p:cNvSpPr>
+          <p:nvPr>
+            <p:extLst>
+              <p:ext uri="{386F3935-93C4-4BCD-93E2-E3B085C9AB24}">
+                <p16:designElem xmlns:p16="http://schemas.microsoft.com/office/powerpoint/2015/main" val="1"/>
+              </p:ext>
+            </p:extLst>
+          </p:nvPr>
+        </p:nvSpPr>
+        <p:spPr>
+          <a:xfrm rot="5400000">
+            <a:off x="3908719" y="-3931841"/>
+            <a:ext cx="4374557" cy="12192000"/>
+          </a:xfrm>
+          <a:prstGeom prst="rect">
+            <a:avLst/>
+          </a:prstGeom>
+          <a:gradFill>
+            <a:gsLst>
+              <a:gs pos="40000">
+                <a:schemeClr val="accent1">
+                  <a:alpha val="0"/>
+                </a:schemeClr>
+              </a:gs>
+              <a:gs pos="100000">
+                <a:schemeClr val="accent1">
+                  <a:lumMod val="75000"/>
+                  <a:alpha val="52000"/>
+                </a:schemeClr>
+              </a:gs>
+            </a:gsLst>
+            <a:lin ang="2400000" scaled="0"/>
+          </a:gradFill>
+          <a:ln>
+            <a:noFill/>
+          </a:ln>
+        </p:spPr>
+        <p:style>
+          <a:lnRef idx="2">
+            <a:schemeClr val="accent1">
+              <a:shade val="50000"/>
+            </a:schemeClr>
+          </a:lnRef>
+          <a:fillRef idx="1">
+            <a:schemeClr val="accent1"/>
+          </a:fillRef>
+          <a:effectRef idx="0">
+            <a:schemeClr val="accent1"/>
+          </a:effectRef>
+          <a:fontRef idx="minor">
+            <a:schemeClr val="lt1"/>
+          </a:fontRef>
+        </p:style>
+        <p:txBody>
+          <a:bodyPr rtlCol="0" anchor="ctr"/>
+          <a:lstStyle/>
+          <a:p>
+            <a:pPr algn="ctr"/>
+            <a:endParaRPr lang="en-US" dirty="0"/>
+          </a:p>
+        </p:txBody>
+      </p:sp>
+      <p:sp>
+        <p:nvSpPr>
+          <p:cNvPr id="13" name="Rectangle 12">
+            <a:extLst>
+              <a:ext uri="{FF2B5EF4-FFF2-40B4-BE49-F238E27FC236}">
+                <a16:creationId xmlns:a16="http://schemas.microsoft.com/office/drawing/2014/main" id="{AFF4A713-7B75-4B21-90D7-5AB19547C728}"/>
+              </a:ext>
+              <a:ext uri="{C183D7F6-B498-43B3-948B-1728B52AA6E4}">
+                <adec:decorative xmlns:adec="http://schemas.microsoft.com/office/drawing/2017/decorative" val="1"/>
+              </a:ext>
+            </a:extLst>
+          </p:cNvPr>
+          <p:cNvSpPr>
+            <a:spLocks noGrp="1" noRot="1" noChangeAspect="1" noMove="1" noResize="1" noEditPoints="1" noAdjustHandles="1" noChangeArrowheads="1" noChangeShapeType="1" noTextEdit="1"/>
+          </p:cNvSpPr>
+          <p:nvPr>
+            <p:extLst>
+              <p:ext uri="{386F3935-93C4-4BCD-93E2-E3B085C9AB24}">
+                <p16:designElem xmlns:p16="http://schemas.microsoft.com/office/powerpoint/2015/main" val="1"/>
+              </p:ext>
+            </p:extLst>
+          </p:nvPr>
+        </p:nvSpPr>
+        <p:spPr>
+          <a:xfrm rot="5400000">
+            <a:off x="4136696" y="-3703868"/>
+            <a:ext cx="4374128" cy="11736479"/>
+          </a:xfrm>
+          <a:prstGeom prst="rect">
+            <a:avLst/>
+          </a:prstGeom>
+          <a:gradFill>
+            <a:gsLst>
+              <a:gs pos="17000">
+                <a:schemeClr val="accent1">
+                  <a:alpha val="0"/>
+                </a:schemeClr>
+              </a:gs>
+              <a:gs pos="100000">
+                <a:srgbClr val="000000">
+                  <a:alpha val="37000"/>
+                </a:srgbClr>
+              </a:gs>
+            </a:gsLst>
+            <a:lin ang="7800000" scaled="0"/>
+          </a:gradFill>
+          <a:ln>
+            <a:noFill/>
+          </a:ln>
+        </p:spPr>
+        <p:style>
+          <a:lnRef idx="2">
+            <a:schemeClr val="accent1">
+              <a:shade val="50000"/>
+            </a:schemeClr>
+          </a:lnRef>
+          <a:fillRef idx="1">
+            <a:schemeClr val="accent1"/>
+          </a:fillRef>
+          <a:effectRef idx="0">
+            <a:schemeClr val="accent1"/>
+          </a:effectRef>
+          <a:fontRef idx="minor">
+            <a:schemeClr val="lt1"/>
+          </a:fontRef>
+        </p:style>
+        <p:txBody>
+          <a:bodyPr rtlCol="0" anchor="ctr"/>
+          <a:lstStyle/>
+          <a:p>
+            <a:pPr algn="ctr"/>
+            <a:endParaRPr lang="en-US" dirty="0"/>
+          </a:p>
+        </p:txBody>
+      </p:sp>
+      <p:sp>
+        <p:nvSpPr>
+          <p:cNvPr id="15" name="Rectangle 14">
+            <a:extLst>
+              <a:ext uri="{FF2B5EF4-FFF2-40B4-BE49-F238E27FC236}">
+                <a16:creationId xmlns:a16="http://schemas.microsoft.com/office/drawing/2014/main" id="{DC631C0B-6DA6-4E57-8231-CE32B3434A7E}"/>
+              </a:ext>
+              <a:ext uri="{C183D7F6-B498-43B3-948B-1728B52AA6E4}">
+                <adec:decorative xmlns:adec="http://schemas.microsoft.com/office/drawing/2017/decorative" val="1"/>
+              </a:ext>
+            </a:extLst>
+          </p:cNvPr>
+          <p:cNvSpPr>
+            <a:spLocks noGrp="1" noRot="1" noChangeAspect="1" noMove="1" noResize="1" noEditPoints="1" noAdjustHandles="1" noChangeArrowheads="1" noChangeShapeType="1" noTextEdit="1"/>
+          </p:cNvSpPr>
+          <p:nvPr>
+            <p:extLst>
+              <p:ext uri="{386F3935-93C4-4BCD-93E2-E3B085C9AB24}">
+                <p16:designElem xmlns:p16="http://schemas.microsoft.com/office/powerpoint/2015/main" val="1"/>
+              </p:ext>
+            </p:extLst>
+          </p:nvPr>
+        </p:nvSpPr>
+        <p:spPr>
+          <a:xfrm>
+            <a:off x="-5" y="-22690"/>
+            <a:ext cx="8542485" cy="4374126"/>
+          </a:xfrm>
+          <a:prstGeom prst="rect">
+            <a:avLst/>
+          </a:prstGeom>
+          <a:gradFill>
+            <a:gsLst>
+              <a:gs pos="0">
+                <a:schemeClr val="accent1">
+                  <a:lumMod val="50000"/>
+                  <a:alpha val="0"/>
+                </a:schemeClr>
+              </a:gs>
+              <a:gs pos="100000">
+                <a:srgbClr val="000000">
+                  <a:alpha val="25000"/>
+                </a:srgbClr>
+              </a:gs>
+            </a:gsLst>
+            <a:lin ang="18600000" scaled="0"/>
+          </a:gradFill>
+          <a:ln>
+            <a:noFill/>
+          </a:ln>
+        </p:spPr>
+        <p:style>
+          <a:lnRef idx="2">
+            <a:schemeClr val="accent1">
+              <a:shade val="50000"/>
+            </a:schemeClr>
+          </a:lnRef>
+          <a:fillRef idx="1">
+            <a:schemeClr val="accent1"/>
+          </a:fillRef>
+          <a:effectRef idx="0">
+            <a:schemeClr val="accent1"/>
+          </a:effectRef>
+          <a:fontRef idx="minor">
+            <a:schemeClr val="lt1"/>
+          </a:fontRef>
+        </p:style>
+        <p:txBody>
+          <a:bodyPr rtlCol="0" anchor="ctr"/>
+          <a:lstStyle/>
+          <a:p>
+            <a:pPr algn="ctr"/>
+            <a:endParaRPr lang="en-US" dirty="0"/>
+          </a:p>
+        </p:txBody>
+      </p:sp>
+      <p:sp>
+        <p:nvSpPr>
+          <p:cNvPr id="17" name="Freeform: Shape 16">
+            <a:extLst>
+              <a:ext uri="{FF2B5EF4-FFF2-40B4-BE49-F238E27FC236}">
+                <a16:creationId xmlns:a16="http://schemas.microsoft.com/office/drawing/2014/main" id="{C29501E6-A978-4A61-9689-9085AF97A53A}"/>
+              </a:ext>
+              <a:ext uri="{C183D7F6-B498-43B3-948B-1728B52AA6E4}">
+                <adec:decorative xmlns:adec="http://schemas.microsoft.com/office/drawing/2017/decorative" val="1"/>
+              </a:ext>
+            </a:extLst>
+          </p:cNvPr>
+          <p:cNvSpPr>
+            <a:spLocks noGrp="1" noRot="1" noChangeAspect="1" noMove="1" noResize="1" noEditPoints="1" noAdjustHandles="1" noChangeArrowheads="1" noChangeShapeType="1" noTextEdit="1"/>
+          </p:cNvSpPr>
+          <p:nvPr>
+            <p:extLst>
+              <p:ext uri="{386F3935-93C4-4BCD-93E2-E3B085C9AB24}">
+                <p16:designElem xmlns:p16="http://schemas.microsoft.com/office/powerpoint/2015/main" val="1"/>
+              </p:ext>
+            </p:extLst>
+          </p:nvPr>
+        </p:nvSpPr>
+        <p:spPr>
+          <a:xfrm rot="12508972">
+            <a:off x="5945431" y="-1032053"/>
+            <a:ext cx="4990147" cy="4439131"/>
+          </a:xfrm>
+          <a:custGeom>
+            <a:avLst/>
+            <a:gdLst>
+              <a:gd name="connsiteX0" fmla="*/ 4990147 w 4990147"/>
+              <a:gd name="connsiteY0" fmla="*/ 2229378 h 4439131"/>
+              <a:gd name="connsiteX1" fmla="*/ 917384 w 4990147"/>
+              <a:gd name="connsiteY1" fmla="*/ 4439131 h 4439131"/>
+              <a:gd name="connsiteX2" fmla="*/ 910814 w 4990147"/>
+              <a:gd name="connsiteY2" fmla="*/ 4434219 h 4439131"/>
+              <a:gd name="connsiteX3" fmla="*/ 0 w 4990147"/>
+              <a:gd name="connsiteY3" fmla="*/ 2502877 h 4439131"/>
+              <a:gd name="connsiteX4" fmla="*/ 2502877 w 4990147"/>
+              <a:gd name="connsiteY4" fmla="*/ 0 h 4439131"/>
+              <a:gd name="connsiteX5" fmla="*/ 4954904 w 4990147"/>
+              <a:gd name="connsiteY5" fmla="*/ 1998460 h 4439131"/>
+            </a:gdLst>
+            <a:ahLst/>
+            <a:cxnLst>
+              <a:cxn ang="0">
+                <a:pos x="connsiteX0" y="connsiteY0"/>
+              </a:cxn>
+              <a:cxn ang="0">
+                <a:pos x="connsiteX1" y="connsiteY1"/>
+              </a:cxn>
+              <a:cxn ang="0">
+                <a:pos x="connsiteX2" y="connsiteY2"/>
+              </a:cxn>
+              <a:cxn ang="0">
+                <a:pos x="connsiteX3" y="connsiteY3"/>
+              </a:cxn>
+              <a:cxn ang="0">
+                <a:pos x="connsiteX4" y="connsiteY4"/>
+              </a:cxn>
+              <a:cxn ang="0">
+                <a:pos x="connsiteX5" y="connsiteY5"/>
+              </a:cxn>
+            </a:cxnLst>
+            <a:rect l="l" t="t" r="r" b="b"/>
+            <a:pathLst>
+              <a:path w="4990147" h="4439131">
+                <a:moveTo>
+                  <a:pt x="4990147" y="2229378"/>
+                </a:moveTo>
+                <a:lnTo>
+                  <a:pt x="917384" y="4439131"/>
+                </a:lnTo>
+                <a:lnTo>
+                  <a:pt x="910814" y="4434219"/>
+                </a:lnTo>
+                <a:cubicBezTo>
+                  <a:pt x="354557" y="3975154"/>
+                  <a:pt x="0" y="3280421"/>
+                  <a:pt x="0" y="2502877"/>
+                </a:cubicBezTo>
+                <a:cubicBezTo>
+                  <a:pt x="0" y="1120576"/>
+                  <a:pt x="1120576" y="0"/>
+                  <a:pt x="2502877" y="0"/>
+                </a:cubicBezTo>
+                <a:cubicBezTo>
+                  <a:pt x="3712390" y="0"/>
+                  <a:pt x="4721520" y="857941"/>
+                  <a:pt x="4954904" y="1998460"/>
+                </a:cubicBezTo>
+                <a:close/>
+              </a:path>
+            </a:pathLst>
+          </a:custGeom>
+          <a:gradFill>
+            <a:gsLst>
+              <a:gs pos="0">
+                <a:schemeClr val="accent1">
+                  <a:alpha val="22000"/>
+                </a:schemeClr>
+              </a:gs>
+              <a:gs pos="87000">
+                <a:schemeClr val="accent1">
+                  <a:lumMod val="60000"/>
+                  <a:lumOff val="40000"/>
+                  <a:alpha val="2000"/>
+                </a:schemeClr>
+              </a:gs>
+            </a:gsLst>
+            <a:lin ang="8400000" scaled="0"/>
+          </a:gradFill>
+          <a:ln>
+            <a:noFill/>
+          </a:ln>
+        </p:spPr>
+        <p:style>
+          <a:lnRef idx="2">
+            <a:schemeClr val="accent1">
+              <a:shade val="50000"/>
+            </a:schemeClr>
+          </a:lnRef>
+          <a:fillRef idx="1">
+            <a:schemeClr val="accent1"/>
+          </a:fillRef>
+          <a:effectRef idx="0">
+            <a:schemeClr val="accent1"/>
+          </a:effectRef>
+          <a:fontRef idx="minor">
+            <a:schemeClr val="lt1"/>
+          </a:fontRef>
+        </p:style>
+        <p:txBody>
+          <a:bodyPr wrap="square" rtlCol="0" anchor="ctr">
+            <a:noAutofit/>
+          </a:bodyPr>
+          <a:lstStyle/>
+          <a:p>
+            <a:pPr algn="ctr"/>
+            <a:endParaRPr lang="en-US" dirty="0"/>
+          </a:p>
+        </p:txBody>
+      </p:sp>
+      <p:sp>
+        <p:nvSpPr>
+          <p:cNvPr id="2" name="Τίτλος 1">
+            <a:extLst>
+              <a:ext uri="{FF2B5EF4-FFF2-40B4-BE49-F238E27FC236}">
+                <a16:creationId xmlns:a16="http://schemas.microsoft.com/office/drawing/2014/main" id="{6714AD72-B417-F90B-E96E-37A3669C7037}"/>
+              </a:ext>
+            </a:extLst>
+          </p:cNvPr>
+          <p:cNvSpPr>
+            <a:spLocks noGrp="1"/>
+          </p:cNvSpPr>
+          <p:nvPr>
+            <p:ph type="title"/>
+          </p:nvPr>
+        </p:nvSpPr>
+        <p:spPr>
+          <a:xfrm>
+            <a:off x="1314824" y="735106"/>
+            <a:ext cx="10053763" cy="2928470"/>
+          </a:xfrm>
+        </p:spPr>
+        <p:txBody>
+          <a:bodyPr vert="horz" lIns="91440" tIns="45720" rIns="91440" bIns="45720" rtlCol="0" anchor="b">
+            <a:normAutofit/>
+          </a:bodyPr>
+          <a:lstStyle/>
+          <a:p>
+            <a:pPr algn="ctr"/>
+            <a:r>
+              <a:rPr lang="en-US" sz="4800" dirty="0">
+                <a:solidFill>
+                  <a:schemeClr val="tx2">
+                    <a:lumMod val="25000"/>
+                    <a:lumOff val="75000"/>
+                  </a:schemeClr>
+                </a:solidFill>
+              </a:rPr>
+              <a:t>THANK YOU FOR YOUR TIME</a:t>
+            </a:r>
+            <a:endParaRPr lang="en-US" sz="4800" kern="1200" dirty="0">
+              <a:solidFill>
+                <a:schemeClr val="tx2">
+                  <a:lumMod val="25000"/>
+                  <a:lumOff val="75000"/>
+                </a:schemeClr>
+              </a:solidFill>
+              <a:latin typeface="+mj-lt"/>
+              <a:ea typeface="+mj-ea"/>
+              <a:cs typeface="+mj-cs"/>
+            </a:endParaRPr>
+          </a:p>
+        </p:txBody>
+      </p:sp>
+    </p:spTree>
+    <p:extLst>
+      <p:ext uri="{BB962C8B-B14F-4D97-AF65-F5344CB8AC3E}">
+        <p14:creationId xmlns:p14="http://schemas.microsoft.com/office/powerpoint/2010/main" val="2365786142"/>
+      </p:ext>
+    </p:extLst>
+  </p:cSld>
+  <p:clrMapOvr>
+    <a:masterClrMapping/>
+  </p:clrMapOvr>
+  <p:transition spd="slow">
+    <p:wipe dir="u"/>
+  </p:transition>
 </p:sld>
 </file>
 

--- a/ey.pptx
+++ b/ey.pptx
@@ -8530,13 +8530,13 @@
   <p:clrMapOvr>
     <a:masterClrMapping/>
   </p:clrMapOvr>
-  <mc:AlternateContent xmlns:mc="http://schemas.openxmlformats.org/markup-compatibility/2006">
-    <mc:Choice xmlns:p14="http://schemas.microsoft.com/office/powerpoint/2010/main" Requires="p14">
+  <mc:AlternateContent xmlns:mc="http://schemas.openxmlformats.org/markup-compatibility/2006" xmlns:p14="http://schemas.microsoft.com/office/powerpoint/2010/main">
+    <mc:Choice Requires="p14">
       <p:transition spd="slow" p14:dur="1500">
         <p:split orient="vert"/>
       </p:transition>
     </mc:Choice>
-    <mc:Fallback>
+    <mc:Fallback xmlns="">
       <p:transition spd="slow">
         <p:split orient="vert"/>
       </p:transition>
@@ -9006,13 +9006,13 @@
   <p:clrMapOvr>
     <a:masterClrMapping/>
   </p:clrMapOvr>
-  <mc:AlternateContent xmlns:mc="http://schemas.openxmlformats.org/markup-compatibility/2006">
-    <mc:Choice xmlns:p14="http://schemas.microsoft.com/office/powerpoint/2010/main" Requires="p14">
+  <mc:AlternateContent xmlns:mc="http://schemas.openxmlformats.org/markup-compatibility/2006" xmlns:p14="http://schemas.microsoft.com/office/powerpoint/2010/main">
+    <mc:Choice Requires="p14">
       <p:transition spd="med" p14:dur="700">
         <p:fade/>
       </p:transition>
     </mc:Choice>
-    <mc:Fallback>
+    <mc:Fallback xmlns="">
       <p:transition spd="med">
         <p:fade/>
       </p:transition>
@@ -9161,7 +9161,7 @@
           <a:lstStyle/>
           <a:p>
             <a:r>
-              <a:rPr lang="en-US" sz="6000" kern="1200">
+              <a:rPr lang="en-US" sz="6000" kern="1200" dirty="0">
                 <a:solidFill>
                   <a:schemeClr val="accent1">
                     <a:lumMod val="75000"/>
@@ -9171,18 +9171,8 @@
                 <a:ea typeface="+mj-ea"/>
                 <a:cs typeface="+mj-cs"/>
               </a:rPr>
-              <a:t>WHAT PROBLEM DOES OUR APP SOLVES</a:t>
+              <a:t>WHAT PROBLEM DOES OUR APP SOLVE?</a:t>
             </a:r>
-            <a:endParaRPr lang="en-US" sz="6000" kern="1200" dirty="0">
-              <a:solidFill>
-                <a:schemeClr val="accent1">
-                  <a:lumMod val="75000"/>
-                </a:schemeClr>
-              </a:solidFill>
-              <a:latin typeface="+mj-lt"/>
-              <a:ea typeface="+mj-ea"/>
-              <a:cs typeface="+mj-cs"/>
-            </a:endParaRPr>
           </a:p>
         </p:txBody>
       </p:sp>
@@ -9772,7 +9762,7 @@
                 <a:ea typeface="+mj-ea"/>
                 <a:cs typeface="+mj-cs"/>
               </a:rPr>
-              <a:t>WHAT PROBLEM DOES OUR APP SOLVES</a:t>
+              <a:t>WHAT PROBLEM DOES OUR APP SOLVE?</a:t>
             </a:r>
           </a:p>
         </p:txBody>
@@ -9792,7 +9782,7 @@
         <p:spPr>
           <a:xfrm>
             <a:off x="7646705" y="120402"/>
-            <a:ext cx="4029016" cy="6678751"/>
+            <a:ext cx="4029016" cy="6309420"/>
           </a:xfrm>
           <a:prstGeom prst="rect">
             <a:avLst/>
@@ -9912,13 +9902,6 @@
             </a:endParaRPr>
           </a:p>
           <a:p>
-            <a:endParaRPr lang="el-GR" sz="2400" dirty="0">
-              <a:solidFill>
-                <a:srgbClr val="E6F4FB"/>
-              </a:solidFill>
-            </a:endParaRPr>
-          </a:p>
-          <a:p>
             <a:endParaRPr lang="en-US" sz="2400" dirty="0">
               <a:solidFill>
                 <a:srgbClr val="E6F4FB"/>
@@ -10001,13 +9984,13 @@
   <p:clrMapOvr>
     <a:masterClrMapping/>
   </p:clrMapOvr>
-  <mc:AlternateContent xmlns:mc="http://schemas.openxmlformats.org/markup-compatibility/2006">
-    <mc:Choice xmlns:p159="http://schemas.microsoft.com/office/powerpoint/2015/09/main" Requires="p159">
+  <mc:AlternateContent xmlns:mc="http://schemas.openxmlformats.org/markup-compatibility/2006" xmlns:p159="http://schemas.microsoft.com/office/powerpoint/2015/09/main">
+    <mc:Choice Requires="p159">
       <p:transition xmlns:p14="http://schemas.microsoft.com/office/powerpoint/2010/main" spd="slow" p14:dur="2000">
         <p159:morph option="byObject"/>
       </p:transition>
     </mc:Choice>
-    <mc:Fallback>
+    <mc:Fallback xmlns="">
       <p:transition spd="slow">
         <p:fade/>
       </p:transition>
@@ -10078,7 +10061,7 @@
                 <a:ea typeface="+mj-ea"/>
                 <a:cs typeface="+mj-cs"/>
               </a:rPr>
-              <a:t>WHAT PROBLEM DOES OUR APP SOLVES</a:t>
+              <a:t>WHAT PROBLEM DOES OUR APP SOLVE?</a:t>
             </a:r>
           </a:p>
         </p:txBody>
@@ -10366,13 +10349,13 @@
   <p:clrMapOvr>
     <a:masterClrMapping/>
   </p:clrMapOvr>
-  <mc:AlternateContent xmlns:mc="http://schemas.openxmlformats.org/markup-compatibility/2006">
-    <mc:Choice xmlns:p159="http://schemas.microsoft.com/office/powerpoint/2015/09/main" Requires="p159">
+  <mc:AlternateContent xmlns:mc="http://schemas.openxmlformats.org/markup-compatibility/2006" xmlns:p159="http://schemas.microsoft.com/office/powerpoint/2015/09/main">
+    <mc:Choice Requires="p159">
       <p:transition xmlns:p14="http://schemas.microsoft.com/office/powerpoint/2010/main" spd="slow" p14:dur="2000">
         <p159:morph option="byObject"/>
       </p:transition>
     </mc:Choice>
-    <mc:Fallback>
+    <mc:Fallback xmlns="">
       <p:transition spd="slow">
         <p:fade/>
       </p:transition>
@@ -11024,13 +11007,13 @@
   <p:clrMapOvr>
     <a:masterClrMapping/>
   </p:clrMapOvr>
-  <mc:AlternateContent xmlns:mc="http://schemas.openxmlformats.org/markup-compatibility/2006">
-    <mc:Choice xmlns:p14="http://schemas.microsoft.com/office/powerpoint/2010/main" Requires="p14">
+  <mc:AlternateContent xmlns:mc="http://schemas.openxmlformats.org/markup-compatibility/2006" xmlns:p14="http://schemas.microsoft.com/office/powerpoint/2010/main">
+    <mc:Choice Requires="p14">
       <p:transition spd="slow" p14:dur="3400" advTm="2000">
         <p14:reveal/>
       </p:transition>
     </mc:Choice>
-    <mc:Fallback>
+    <mc:Fallback xmlns="">
       <p:transition spd="slow" advTm="2000">
         <p:fade/>
       </p:transition>
@@ -11558,13 +11541,13 @@
   <p:clrMapOvr>
     <a:masterClrMapping/>
   </p:clrMapOvr>
-  <mc:AlternateContent xmlns:mc="http://schemas.openxmlformats.org/markup-compatibility/2006">
-    <mc:Choice xmlns:p14="http://schemas.microsoft.com/office/powerpoint/2010/main" Requires="p14">
+  <mc:AlternateContent xmlns:mc="http://schemas.openxmlformats.org/markup-compatibility/2006" xmlns:p14="http://schemas.microsoft.com/office/powerpoint/2010/main">
+    <mc:Choice Requires="p14">
       <p:transition spd="med" p14:dur="700">
         <p:fade/>
       </p:transition>
     </mc:Choice>
-    <mc:Fallback>
+    <mc:Fallback xmlns="">
       <p:transition spd="med">
         <p:fade/>
       </p:transition>

--- a/ey.pptx
+++ b/ey.pptx
@@ -2131,7 +2131,7 @@
         <a:p>
           <a:r>
             <a:rPr lang="en-US" sz="1200" dirty="0"/>
-            <a:t>Import specified file(s)</a:t>
+            <a:t>User Uploads File</a:t>
           </a:r>
           <a:endParaRPr lang="el-GR" sz="1200" dirty="0"/>
         </a:p>
@@ -2201,7 +2201,7 @@
         <a:p>
           <a:r>
             <a:rPr lang="en-US" sz="1200" dirty="0"/>
-            <a:t>Conversion to AI compatible</a:t>
+            <a:t>Conversion and Parsing  with AI Tools</a:t>
           </a:r>
           <a:endParaRPr lang="el-GR" sz="1200" dirty="0"/>
         </a:p>
@@ -2271,7 +2271,7 @@
         <a:p>
           <a:r>
             <a:rPr lang="en-US" sz="1200" dirty="0"/>
-            <a:t>Creation of desired task </a:t>
+            <a:t>Creation of Desired Task Using LLM’s </a:t>
           </a:r>
           <a:endParaRPr lang="el-GR" sz="1200" dirty="0"/>
         </a:p>
@@ -2602,7 +2602,7 @@
           </a:pPr>
           <a:r>
             <a:rPr lang="en-US" sz="1200" kern="1200" dirty="0"/>
-            <a:t>Import specified file(s)</a:t>
+            <a:t>User Uploads File</a:t>
           </a:r>
           <a:endParaRPr lang="el-GR" sz="1200" kern="1200" dirty="0"/>
         </a:p>
@@ -2793,7 +2793,7 @@
           </a:pPr>
           <a:r>
             <a:rPr lang="en-US" sz="1200" kern="1200" dirty="0"/>
-            <a:t>Conversion to AI compatible</a:t>
+            <a:t>Conversion and Parsing  with AI Tools</a:t>
           </a:r>
           <a:endParaRPr lang="el-GR" sz="1200" kern="1200" dirty="0"/>
         </a:p>
@@ -2931,7 +2931,7 @@
           </a:pPr>
           <a:r>
             <a:rPr lang="en-US" sz="1200" kern="1200" dirty="0"/>
-            <a:t>Creation of desired task </a:t>
+            <a:t>Creation of Desired Task Using LLM’s </a:t>
           </a:r>
           <a:endParaRPr lang="el-GR" sz="1200" kern="1200" dirty="0"/>
         </a:p>
@@ -10823,13 +10823,8 @@
                   <a:srgbClr val="084158"/>
                 </a:solidFill>
               </a:rPr>
-              <a:t>Use of Python coding language</a:t>
+              <a:t>Developed in Python </a:t>
             </a:r>
-            <a:endParaRPr lang="el-GR" dirty="0">
-              <a:solidFill>
-                <a:srgbClr val="084158"/>
-              </a:solidFill>
-            </a:endParaRPr>
           </a:p>
           <a:p>
             <a:pPr>
@@ -10888,6 +10883,45 @@
               <a:buFont typeface="Courier New" panose="02070309020205020404" pitchFamily="49" charset="0"/>
               <a:buChar char="o"/>
             </a:pPr>
+            <a:r>
+              <a:rPr lang="en-US" dirty="0">
+                <a:solidFill>
+                  <a:srgbClr val="084158"/>
+                </a:solidFill>
+              </a:rPr>
+              <a:t>Frontend: React </a:t>
+            </a:r>
+          </a:p>
+          <a:p>
+            <a:pPr>
+              <a:buClr>
+                <a:srgbClr val="15A6DE"/>
+              </a:buClr>
+              <a:buFont typeface="Courier New" panose="02070309020205020404" pitchFamily="49" charset="0"/>
+              <a:buChar char="o"/>
+            </a:pPr>
+            <a:r>
+              <a:rPr lang="en-US" dirty="0" err="1">
+                <a:solidFill>
+                  <a:srgbClr val="084158"/>
+                </a:solidFill>
+              </a:rPr>
+              <a:t>Backend:Flask</a:t>
+            </a:r>
+            <a:endParaRPr lang="en-US" dirty="0">
+              <a:solidFill>
+                <a:srgbClr val="084158"/>
+              </a:solidFill>
+            </a:endParaRPr>
+          </a:p>
+          <a:p>
+            <a:pPr>
+              <a:buClr>
+                <a:srgbClr val="15A6DE"/>
+              </a:buClr>
+              <a:buFont typeface="Courier New" panose="02070309020205020404" pitchFamily="49" charset="0"/>
+              <a:buChar char="o"/>
+            </a:pPr>
             <a:endParaRPr lang="en-US" sz="2000" dirty="0">
               <a:solidFill>
                 <a:srgbClr val="084158"/>
@@ -10982,7 +11016,7 @@
           <p:nvPr>
             <p:extLst>
               <p:ext uri="{D42A27DB-BD31-4B8C-83A1-F6EECF244321}">
-                <p14:modId xmlns:p14="http://schemas.microsoft.com/office/powerpoint/2010/main" val="2113343040"/>
+                <p14:modId xmlns:p14="http://schemas.microsoft.com/office/powerpoint/2010/main" val="370653839"/>
               </p:ext>
             </p:extLst>
           </p:nvPr>

--- a/ey.pptx
+++ b/ey.pptx
@@ -4501,7 +4501,7 @@
           <a:p>
             <a:fld id="{1924752B-3BA1-43D9-88D7-8237D630FDEB}" type="datetimeFigureOut">
               <a:rPr lang="el-GR" smtClean="0"/>
-              <a:t>24/5/2025</a:t>
+              <a:t>25/5/2025</a:t>
             </a:fld>
             <a:endParaRPr lang="el-GR" dirty="0"/>
           </a:p>
@@ -4699,7 +4699,7 @@
           <a:p>
             <a:fld id="{1924752B-3BA1-43D9-88D7-8237D630FDEB}" type="datetimeFigureOut">
               <a:rPr lang="el-GR" smtClean="0"/>
-              <a:t>24/5/2025</a:t>
+              <a:t>25/5/2025</a:t>
             </a:fld>
             <a:endParaRPr lang="el-GR" dirty="0"/>
           </a:p>
@@ -4907,7 +4907,7 @@
           <a:p>
             <a:fld id="{1924752B-3BA1-43D9-88D7-8237D630FDEB}" type="datetimeFigureOut">
               <a:rPr lang="el-GR" smtClean="0"/>
-              <a:t>24/5/2025</a:t>
+              <a:t>25/5/2025</a:t>
             </a:fld>
             <a:endParaRPr lang="el-GR" dirty="0"/>
           </a:p>
@@ -5105,7 +5105,7 @@
           <a:p>
             <a:fld id="{1924752B-3BA1-43D9-88D7-8237D630FDEB}" type="datetimeFigureOut">
               <a:rPr lang="el-GR" smtClean="0"/>
-              <a:t>24/5/2025</a:t>
+              <a:t>25/5/2025</a:t>
             </a:fld>
             <a:endParaRPr lang="el-GR" dirty="0"/>
           </a:p>
@@ -5380,7 +5380,7 @@
           <a:p>
             <a:fld id="{1924752B-3BA1-43D9-88D7-8237D630FDEB}" type="datetimeFigureOut">
               <a:rPr lang="el-GR" smtClean="0"/>
-              <a:t>24/5/2025</a:t>
+              <a:t>25/5/2025</a:t>
             </a:fld>
             <a:endParaRPr lang="el-GR" dirty="0"/>
           </a:p>
@@ -5645,7 +5645,7 @@
           <a:p>
             <a:fld id="{1924752B-3BA1-43D9-88D7-8237D630FDEB}" type="datetimeFigureOut">
               <a:rPr lang="el-GR" smtClean="0"/>
-              <a:t>24/5/2025</a:t>
+              <a:t>25/5/2025</a:t>
             </a:fld>
             <a:endParaRPr lang="el-GR" dirty="0"/>
           </a:p>
@@ -6057,7 +6057,7 @@
           <a:p>
             <a:fld id="{1924752B-3BA1-43D9-88D7-8237D630FDEB}" type="datetimeFigureOut">
               <a:rPr lang="el-GR" smtClean="0"/>
-              <a:t>24/5/2025</a:t>
+              <a:t>25/5/2025</a:t>
             </a:fld>
             <a:endParaRPr lang="el-GR" dirty="0"/>
           </a:p>
@@ -6198,7 +6198,7 @@
           <a:p>
             <a:fld id="{1924752B-3BA1-43D9-88D7-8237D630FDEB}" type="datetimeFigureOut">
               <a:rPr lang="el-GR" smtClean="0"/>
-              <a:t>24/5/2025</a:t>
+              <a:t>25/5/2025</a:t>
             </a:fld>
             <a:endParaRPr lang="el-GR" dirty="0"/>
           </a:p>
@@ -6311,7 +6311,7 @@
           <a:p>
             <a:fld id="{1924752B-3BA1-43D9-88D7-8237D630FDEB}" type="datetimeFigureOut">
               <a:rPr lang="el-GR" smtClean="0"/>
-              <a:t>24/5/2025</a:t>
+              <a:t>25/5/2025</a:t>
             </a:fld>
             <a:endParaRPr lang="el-GR" dirty="0"/>
           </a:p>
@@ -6622,7 +6622,7 @@
           <a:p>
             <a:fld id="{1924752B-3BA1-43D9-88D7-8237D630FDEB}" type="datetimeFigureOut">
               <a:rPr lang="el-GR" smtClean="0"/>
-              <a:t>24/5/2025</a:t>
+              <a:t>25/5/2025</a:t>
             </a:fld>
             <a:endParaRPr lang="el-GR" dirty="0"/>
           </a:p>
@@ -6910,7 +6910,7 @@
           <a:p>
             <a:fld id="{1924752B-3BA1-43D9-88D7-8237D630FDEB}" type="datetimeFigureOut">
               <a:rPr lang="el-GR" smtClean="0"/>
-              <a:t>24/5/2025</a:t>
+              <a:t>25/5/2025</a:t>
             </a:fld>
             <a:endParaRPr lang="el-GR" dirty="0"/>
           </a:p>
@@ -7181,7 +7181,7 @@
           <a:p>
             <a:fld id="{1924752B-3BA1-43D9-88D7-8237D630FDEB}" type="datetimeFigureOut">
               <a:rPr lang="el-GR" smtClean="0"/>
-              <a:t>24/5/2025</a:t>
+              <a:t>25/5/2025</a:t>
             </a:fld>
             <a:endParaRPr lang="el-GR" dirty="0"/>
           </a:p>
@@ -10901,18 +10901,13 @@
               <a:buChar char="o"/>
             </a:pPr>
             <a:r>
-              <a:rPr lang="en-US" dirty="0" err="1">
+              <a:rPr lang="en-US" dirty="0">
                 <a:solidFill>
                   <a:srgbClr val="084158"/>
                 </a:solidFill>
               </a:rPr>
-              <a:t>Backend:Flask</a:t>
+              <a:t>Backend: Flask</a:t>
             </a:r>
-            <a:endParaRPr lang="en-US" dirty="0">
-              <a:solidFill>
-                <a:srgbClr val="084158"/>
-              </a:solidFill>
-            </a:endParaRPr>
           </a:p>
           <a:p>
             <a:pPr>

--- a/ey.pptx
+++ b/ey.pptx
@@ -150,7 +150,7 @@
   <pc:docChgLst>
     <pc:chgData name="Στέφανος Γκαραβέλας" userId="1dfd7f32ed7c415a" providerId="LiveId" clId="{4DE1247C-D552-4901-9F84-2C1136679DD0}"/>
     <pc:docChg chg="undo redo custSel addSld delSld modSld sldOrd modMainMaster addSection delSection modSection">
-      <pc:chgData name="Στέφανος Γκαραβέλας" userId="1dfd7f32ed7c415a" providerId="LiveId" clId="{4DE1247C-D552-4901-9F84-2C1136679DD0}" dt="2025-05-24T17:23:35.702" v="6370"/>
+      <pc:chgData name="Στέφανος Γκαραβέλας" userId="1dfd7f32ed7c415a" providerId="LiveId" clId="{4DE1247C-D552-4901-9F84-2C1136679DD0}" dt="2025-05-25T08:25:17.265" v="6439" actId="20577"/>
       <pc:docMkLst>
         <pc:docMk/>
       </pc:docMkLst>
@@ -496,7 +496,7 @@
         </pc:spChg>
       </pc:sldChg>
       <pc:sldChg chg="addSp delSp modSp mod modTransition setBg">
-        <pc:chgData name="Στέφανος Γκαραβέλας" userId="1dfd7f32ed7c415a" providerId="LiveId" clId="{4DE1247C-D552-4901-9F84-2C1136679DD0}" dt="2025-05-24T17:23:21.410" v="6368"/>
+        <pc:chgData name="Στέφανος Γκαραβέλας" userId="1dfd7f32ed7c415a" providerId="LiveId" clId="{4DE1247C-D552-4901-9F84-2C1136679DD0}" dt="2025-05-25T08:25:17.265" v="6439" actId="20577"/>
         <pc:sldMkLst>
           <pc:docMk/>
           <pc:sldMk cId="2188704089" sldId="259"/>
@@ -510,7 +510,7 @@
           </ac:spMkLst>
         </pc:spChg>
         <pc:spChg chg="add del mod">
-          <ac:chgData name="Στέφανος Γκαραβέλας" userId="1dfd7f32ed7c415a" providerId="LiveId" clId="{4DE1247C-D552-4901-9F84-2C1136679DD0}" dt="2025-05-24T15:58:58.609" v="4998" actId="403"/>
+          <ac:chgData name="Στέφανος Γκαραβέλας" userId="1dfd7f32ed7c415a" providerId="LiveId" clId="{4DE1247C-D552-4901-9F84-2C1136679DD0}" dt="2025-05-25T08:25:17.265" v="6439" actId="20577"/>
           <ac:spMkLst>
             <pc:docMk/>
             <pc:sldMk cId="2188704089" sldId="259"/>
@@ -567,7 +567,7 @@
         </pc:picChg>
       </pc:sldChg>
       <pc:sldChg chg="addSp delSp modSp mod ord modTransition setBg">
-        <pc:chgData name="Στέφανος Γκαραβέλας" userId="1dfd7f32ed7c415a" providerId="LiveId" clId="{4DE1247C-D552-4901-9F84-2C1136679DD0}" dt="2025-05-24T17:23:11.255" v="6367"/>
+        <pc:chgData name="Στέφανος Γκαραβέλας" userId="1dfd7f32ed7c415a" providerId="LiveId" clId="{4DE1247C-D552-4901-9F84-2C1136679DD0}" dt="2025-05-25T08:23:56.156" v="6409" actId="20577"/>
         <pc:sldMkLst>
           <pc:docMk/>
           <pc:sldMk cId="3582452232" sldId="260"/>
@@ -581,7 +581,7 @@
           </ac:spMkLst>
         </pc:spChg>
         <pc:spChg chg="add del mod">
-          <ac:chgData name="Στέφανος Γκαραβέλας" userId="1dfd7f32ed7c415a" providerId="LiveId" clId="{4DE1247C-D552-4901-9F84-2C1136679DD0}" dt="2025-05-24T17:07:51.297" v="6199" actId="20577"/>
+          <ac:chgData name="Στέφανος Γκαραβέλας" userId="1dfd7f32ed7c415a" providerId="LiveId" clId="{4DE1247C-D552-4901-9F84-2C1136679DD0}" dt="2025-05-25T08:23:56.156" v="6409" actId="20577"/>
           <ac:spMkLst>
             <pc:docMk/>
             <pc:sldMk cId="3582452232" sldId="260"/>
@@ -4501,7 +4501,7 @@
           <a:p>
             <a:fld id="{1924752B-3BA1-43D9-88D7-8237D630FDEB}" type="datetimeFigureOut">
               <a:rPr lang="el-GR" smtClean="0"/>
-              <a:t>24/5/2025</a:t>
+              <a:t>25/5/2025</a:t>
             </a:fld>
             <a:endParaRPr lang="el-GR" dirty="0"/>
           </a:p>
@@ -4699,7 +4699,7 @@
           <a:p>
             <a:fld id="{1924752B-3BA1-43D9-88D7-8237D630FDEB}" type="datetimeFigureOut">
               <a:rPr lang="el-GR" smtClean="0"/>
-              <a:t>24/5/2025</a:t>
+              <a:t>25/5/2025</a:t>
             </a:fld>
             <a:endParaRPr lang="el-GR" dirty="0"/>
           </a:p>
@@ -4907,7 +4907,7 @@
           <a:p>
             <a:fld id="{1924752B-3BA1-43D9-88D7-8237D630FDEB}" type="datetimeFigureOut">
               <a:rPr lang="el-GR" smtClean="0"/>
-              <a:t>24/5/2025</a:t>
+              <a:t>25/5/2025</a:t>
             </a:fld>
             <a:endParaRPr lang="el-GR" dirty="0"/>
           </a:p>
@@ -5105,7 +5105,7 @@
           <a:p>
             <a:fld id="{1924752B-3BA1-43D9-88D7-8237D630FDEB}" type="datetimeFigureOut">
               <a:rPr lang="el-GR" smtClean="0"/>
-              <a:t>24/5/2025</a:t>
+              <a:t>25/5/2025</a:t>
             </a:fld>
             <a:endParaRPr lang="el-GR" dirty="0"/>
           </a:p>
@@ -5380,7 +5380,7 @@
           <a:p>
             <a:fld id="{1924752B-3BA1-43D9-88D7-8237D630FDEB}" type="datetimeFigureOut">
               <a:rPr lang="el-GR" smtClean="0"/>
-              <a:t>24/5/2025</a:t>
+              <a:t>25/5/2025</a:t>
             </a:fld>
             <a:endParaRPr lang="el-GR" dirty="0"/>
           </a:p>
@@ -5645,7 +5645,7 @@
           <a:p>
             <a:fld id="{1924752B-3BA1-43D9-88D7-8237D630FDEB}" type="datetimeFigureOut">
               <a:rPr lang="el-GR" smtClean="0"/>
-              <a:t>24/5/2025</a:t>
+              <a:t>25/5/2025</a:t>
             </a:fld>
             <a:endParaRPr lang="el-GR" dirty="0"/>
           </a:p>
@@ -6057,7 +6057,7 @@
           <a:p>
             <a:fld id="{1924752B-3BA1-43D9-88D7-8237D630FDEB}" type="datetimeFigureOut">
               <a:rPr lang="el-GR" smtClean="0"/>
-              <a:t>24/5/2025</a:t>
+              <a:t>25/5/2025</a:t>
             </a:fld>
             <a:endParaRPr lang="el-GR" dirty="0"/>
           </a:p>
@@ -6198,7 +6198,7 @@
           <a:p>
             <a:fld id="{1924752B-3BA1-43D9-88D7-8237D630FDEB}" type="datetimeFigureOut">
               <a:rPr lang="el-GR" smtClean="0"/>
-              <a:t>24/5/2025</a:t>
+              <a:t>25/5/2025</a:t>
             </a:fld>
             <a:endParaRPr lang="el-GR" dirty="0"/>
           </a:p>
@@ -6311,7 +6311,7 @@
           <a:p>
             <a:fld id="{1924752B-3BA1-43D9-88D7-8237D630FDEB}" type="datetimeFigureOut">
               <a:rPr lang="el-GR" smtClean="0"/>
-              <a:t>24/5/2025</a:t>
+              <a:t>25/5/2025</a:t>
             </a:fld>
             <a:endParaRPr lang="el-GR" dirty="0"/>
           </a:p>
@@ -6622,7 +6622,7 @@
           <a:p>
             <a:fld id="{1924752B-3BA1-43D9-88D7-8237D630FDEB}" type="datetimeFigureOut">
               <a:rPr lang="el-GR" smtClean="0"/>
-              <a:t>24/5/2025</a:t>
+              <a:t>25/5/2025</a:t>
             </a:fld>
             <a:endParaRPr lang="el-GR" dirty="0"/>
           </a:p>
@@ -6910,7 +6910,7 @@
           <a:p>
             <a:fld id="{1924752B-3BA1-43D9-88D7-8237D630FDEB}" type="datetimeFigureOut">
               <a:rPr lang="el-GR" smtClean="0"/>
-              <a:t>24/5/2025</a:t>
+              <a:t>25/5/2025</a:t>
             </a:fld>
             <a:endParaRPr lang="el-GR" dirty="0"/>
           </a:p>
@@ -7181,7 +7181,7 @@
           <a:p>
             <a:fld id="{1924752B-3BA1-43D9-88D7-8237D630FDEB}" type="datetimeFigureOut">
               <a:rPr lang="el-GR" smtClean="0"/>
-              <a:t>24/5/2025</a:t>
+              <a:t>25/5/2025</a:t>
             </a:fld>
             <a:endParaRPr lang="el-GR" dirty="0"/>
           </a:p>
@@ -10901,18 +10901,13 @@
               <a:buChar char="o"/>
             </a:pPr>
             <a:r>
-              <a:rPr lang="en-US" dirty="0" err="1">
+              <a:rPr lang="en-US" dirty="0">
                 <a:solidFill>
                   <a:srgbClr val="084158"/>
                 </a:solidFill>
               </a:rPr>
-              <a:t>Backend:Flask</a:t>
+              <a:t>Backend: Flask</a:t>
             </a:r>
-            <a:endParaRPr lang="en-US" dirty="0">
-              <a:solidFill>
-                <a:srgbClr val="084158"/>
-              </a:solidFill>
-            </a:endParaRPr>
           </a:p>
           <a:p>
             <a:pPr>
@@ -11487,7 +11482,7 @@
               <a:buChar char="q"/>
             </a:pPr>
             <a:r>
-              <a:rPr lang="en-US" dirty="0">
+              <a:rPr lang="en-US" sz="2400" dirty="0">
                 <a:solidFill>
                   <a:srgbClr val="19B2EF"/>
                 </a:solidFill>
@@ -11504,7 +11499,7 @@
               <a:buChar char="q"/>
             </a:pPr>
             <a:r>
-              <a:rPr lang="en-US" dirty="0">
+              <a:rPr lang="en-US" sz="2400" dirty="0">
                 <a:solidFill>
                   <a:srgbClr val="19B2EF"/>
                 </a:solidFill>
@@ -11521,7 +11516,7 @@
               <a:buChar char="q"/>
             </a:pPr>
             <a:r>
-              <a:rPr lang="en-US" dirty="0">
+              <a:rPr lang="en-US" sz="2400" dirty="0">
                 <a:solidFill>
                   <a:srgbClr val="19B2EF"/>
                 </a:solidFill>
@@ -11538,7 +11533,7 @@
               <a:buChar char="q"/>
             </a:pPr>
             <a:r>
-              <a:rPr lang="en-US" dirty="0">
+              <a:rPr lang="en-US" sz="2400" dirty="0">
                 <a:solidFill>
                   <a:srgbClr val="19B2EF"/>
                 </a:solidFill>
@@ -11555,13 +11550,52 @@
               <a:buChar char="q"/>
             </a:pPr>
             <a:r>
-              <a:rPr lang="en-US" dirty="0">
+              <a:rPr lang="en-US" sz="2400" dirty="0">
                 <a:solidFill>
                   <a:srgbClr val="19B2EF"/>
                 </a:solidFill>
               </a:rPr>
               <a:t>Evaluation System</a:t>
             </a:r>
+          </a:p>
+          <a:p>
+            <a:pPr>
+              <a:buClr>
+                <a:srgbClr val="19B2EF"/>
+              </a:buClr>
+              <a:buFont typeface="Wingdings" panose="05000000000000000000" pitchFamily="2" charset="2"/>
+              <a:buChar char="q"/>
+            </a:pPr>
+            <a:r>
+              <a:rPr lang="en-US" sz="2400" dirty="0">
+                <a:solidFill>
+                  <a:srgbClr val="19B2EF"/>
+                </a:solidFill>
+              </a:rPr>
+              <a:t>More Quiz Types</a:t>
+            </a:r>
+          </a:p>
+          <a:p>
+            <a:pPr>
+              <a:buClr>
+                <a:srgbClr val="19B2EF"/>
+              </a:buClr>
+              <a:buFont typeface="Wingdings" panose="05000000000000000000" pitchFamily="2" charset="2"/>
+              <a:buChar char="q"/>
+            </a:pPr>
+            <a:r>
+              <a:rPr lang="en-US" sz="2400">
+                <a:solidFill>
+                  <a:srgbClr val="19B2EF"/>
+                </a:solidFill>
+              </a:rPr>
+              <a:t>Accessibility Settings</a:t>
+            </a:r>
+            <a:endParaRPr lang="en-US" sz="2400" dirty="0">
+              <a:solidFill>
+                <a:srgbClr val="19B2EF"/>
+              </a:solidFill>
+            </a:endParaRPr>
           </a:p>
         </p:txBody>
       </p:sp>

--- a/ey.pptx
+++ b/ey.pptx
@@ -12,8 +12,9 @@
     <p:sldId id="267" r:id="rId6"/>
     <p:sldId id="265" r:id="rId7"/>
     <p:sldId id="260" r:id="rId8"/>
-    <p:sldId id="259" r:id="rId9"/>
-    <p:sldId id="262" r:id="rId10"/>
+    <p:sldId id="268" r:id="rId9"/>
+    <p:sldId id="259" r:id="rId10"/>
+    <p:sldId id="262" r:id="rId11"/>
   </p:sldIdLst>
   <p:sldSz cx="12192000" cy="6858000"/>
   <p:notesSz cx="6858000" cy="9144000"/>
@@ -124,6 +125,7 @@
             <p14:sldId id="267"/>
             <p14:sldId id="265"/>
             <p14:sldId id="260"/>
+            <p14:sldId id="268"/>
             <p14:sldId id="259"/>
             <p14:sldId id="262"/>
           </p14:sldIdLst>
@@ -7662,6 +7664,647 @@
 </p:sld>
 </file>
 
+<file path=ppt/slides/slide10.xml><?xml version="1.0" encoding="utf-8"?>
+<p:sld xmlns:a="http://schemas.openxmlformats.org/drawingml/2006/main" xmlns:r="http://schemas.openxmlformats.org/officeDocument/2006/relationships" xmlns:p="http://schemas.openxmlformats.org/presentationml/2006/main">
+  <p:cSld>
+    <p:bg>
+      <p:bgPr>
+        <a:gradFill flip="none" rotWithShape="1">
+          <a:gsLst>
+            <a:gs pos="56000">
+              <a:schemeClr val="accent1">
+                <a:lumMod val="73000"/>
+              </a:schemeClr>
+            </a:gs>
+            <a:gs pos="80000">
+              <a:schemeClr val="accent1">
+                <a:lumMod val="46000"/>
+                <a:lumOff val="54000"/>
+              </a:schemeClr>
+            </a:gs>
+            <a:gs pos="89000">
+              <a:schemeClr val="accent1">
+                <a:lumMod val="45000"/>
+                <a:lumOff val="55000"/>
+              </a:schemeClr>
+            </a:gs>
+            <a:gs pos="100000">
+              <a:schemeClr val="accent1">
+                <a:lumMod val="30000"/>
+                <a:lumOff val="70000"/>
+              </a:schemeClr>
+            </a:gs>
+          </a:gsLst>
+          <a:lin ang="5400000" scaled="1"/>
+          <a:tileRect/>
+        </a:gradFill>
+        <a:effectLst/>
+      </p:bgPr>
+    </p:bg>
+    <p:spTree>
+      <p:nvGrpSpPr>
+        <p:cNvPr id="1" name=""/>
+        <p:cNvGrpSpPr/>
+        <p:nvPr/>
+      </p:nvGrpSpPr>
+      <p:grpSpPr>
+        <a:xfrm>
+          <a:off x="0" y="0"/>
+          <a:ext cx="0" cy="0"/>
+          <a:chOff x="0" y="0"/>
+          <a:chExt cx="0" cy="0"/>
+        </a:xfrm>
+      </p:grpSpPr>
+      <p:sp useBgFill="1">
+        <p:nvSpPr>
+          <p:cNvPr id="7" name="Rectangle 6">
+            <a:extLst>
+              <a:ext uri="{FF2B5EF4-FFF2-40B4-BE49-F238E27FC236}">
+                <a16:creationId xmlns:a16="http://schemas.microsoft.com/office/drawing/2014/main" id="{6F5A5072-7B47-4D32-B52A-4EBBF590B8A5}"/>
+              </a:ext>
+              <a:ext uri="{C183D7F6-B498-43B3-948B-1728B52AA6E4}">
+                <adec:decorative xmlns:adec="http://schemas.microsoft.com/office/drawing/2017/decorative" val="1"/>
+              </a:ext>
+            </a:extLst>
+          </p:cNvPr>
+          <p:cNvSpPr>
+            <a:spLocks noGrp="1" noRot="1" noChangeAspect="1" noMove="1" noResize="1" noEditPoints="1" noAdjustHandles="1" noChangeArrowheads="1" noChangeShapeType="1" noTextEdit="1"/>
+          </p:cNvSpPr>
+          <p:nvPr>
+            <p:extLst>
+              <p:ext uri="{386F3935-93C4-4BCD-93E2-E3B085C9AB24}">
+                <p16:designElem xmlns:p16="http://schemas.microsoft.com/office/powerpoint/2015/main" val="1"/>
+              </p:ext>
+            </p:extLst>
+          </p:nvPr>
+        </p:nvSpPr>
+        <p:spPr>
+          <a:xfrm>
+            <a:off x="0" y="0"/>
+            <a:ext cx="12192000" cy="6858000"/>
+          </a:xfrm>
+          <a:prstGeom prst="rect">
+            <a:avLst/>
+          </a:prstGeom>
+          <a:ln w="12700" cap="flat" cmpd="sng" algn="ctr">
+            <a:noFill/>
+            <a:prstDash val="solid"/>
+            <a:miter lim="800000"/>
+          </a:ln>
+          <a:effectLst/>
+          <a:extLst>
+            <a:ext uri="{91240B29-F687-4F45-9708-019B960494DF}">
+              <a14:hiddenLine xmlns:a14="http://schemas.microsoft.com/office/drawing/2010/main" w="12700" cap="flat" cmpd="sng" algn="ctr">
+                <a:solidFill>
+                  <a:schemeClr val="accent1">
+                    <a:shade val="50000"/>
+                  </a:schemeClr>
+                </a:solidFill>
+                <a:prstDash val="solid"/>
+                <a:miter lim="800000"/>
+              </a14:hiddenLine>
+            </a:ext>
+          </a:extLst>
+        </p:spPr>
+        <p:style>
+          <a:lnRef idx="2">
+            <a:schemeClr val="accent1">
+              <a:shade val="50000"/>
+            </a:schemeClr>
+          </a:lnRef>
+          <a:fillRef idx="1">
+            <a:schemeClr val="accent1"/>
+          </a:fillRef>
+          <a:effectRef idx="0">
+            <a:schemeClr val="accent1"/>
+          </a:effectRef>
+          <a:fontRef idx="minor">
+            <a:schemeClr val="lt1"/>
+          </a:fontRef>
+        </p:style>
+        <p:txBody>
+          <a:bodyPr rtlCol="0" anchor="ctr"/>
+          <a:lstStyle/>
+          <a:p>
+            <a:pPr algn="ctr"/>
+            <a:endParaRPr lang="en-US" dirty="0"/>
+          </a:p>
+        </p:txBody>
+      </p:sp>
+      <p:sp>
+        <p:nvSpPr>
+          <p:cNvPr id="9" name="Rectangle 8">
+            <a:extLst>
+              <a:ext uri="{FF2B5EF4-FFF2-40B4-BE49-F238E27FC236}">
+                <a16:creationId xmlns:a16="http://schemas.microsoft.com/office/drawing/2014/main" id="{9715DAF0-AE1B-46C9-8A6B-DB2AA05AB91D}"/>
+              </a:ext>
+              <a:ext uri="{C183D7F6-B498-43B3-948B-1728B52AA6E4}">
+                <adec:decorative xmlns:adec="http://schemas.microsoft.com/office/drawing/2017/decorative" val="1"/>
+              </a:ext>
+            </a:extLst>
+          </p:cNvPr>
+          <p:cNvSpPr>
+            <a:spLocks noGrp="1" noRot="1" noChangeAspect="1" noMove="1" noResize="1" noEditPoints="1" noAdjustHandles="1" noChangeArrowheads="1" noChangeShapeType="1" noTextEdit="1"/>
+          </p:cNvSpPr>
+          <p:nvPr>
+            <p:extLst>
+              <p:ext uri="{386F3935-93C4-4BCD-93E2-E3B085C9AB24}">
+                <p16:designElem xmlns:p16="http://schemas.microsoft.com/office/powerpoint/2015/main" val="1"/>
+              </p:ext>
+            </p:extLst>
+          </p:nvPr>
+        </p:nvSpPr>
+        <p:spPr>
+          <a:xfrm rot="10800000">
+            <a:off x="-2" y="-22693"/>
+            <a:ext cx="12191999" cy="4374129"/>
+          </a:xfrm>
+          <a:prstGeom prst="rect">
+            <a:avLst/>
+          </a:prstGeom>
+          <a:gradFill>
+            <a:gsLst>
+              <a:gs pos="0">
+                <a:schemeClr val="accent1">
+                  <a:lumMod val="75000"/>
+                </a:schemeClr>
+              </a:gs>
+              <a:gs pos="100000">
+                <a:srgbClr val="000000"/>
+              </a:gs>
+            </a:gsLst>
+            <a:lin ang="15000000" scaled="0"/>
+          </a:gradFill>
+          <a:ln>
+            <a:noFill/>
+          </a:ln>
+        </p:spPr>
+        <p:style>
+          <a:lnRef idx="2">
+            <a:schemeClr val="accent1">
+              <a:shade val="50000"/>
+            </a:schemeClr>
+          </a:lnRef>
+          <a:fillRef idx="1">
+            <a:schemeClr val="accent1"/>
+          </a:fillRef>
+          <a:effectRef idx="0">
+            <a:schemeClr val="accent1"/>
+          </a:effectRef>
+          <a:fontRef idx="minor">
+            <a:schemeClr val="lt1"/>
+          </a:fontRef>
+        </p:style>
+        <p:txBody>
+          <a:bodyPr rtlCol="0" anchor="ctr"/>
+          <a:lstStyle/>
+          <a:p>
+            <a:pPr algn="ctr"/>
+            <a:endParaRPr lang="en-US" dirty="0"/>
+          </a:p>
+        </p:txBody>
+      </p:sp>
+      <p:sp>
+        <p:nvSpPr>
+          <p:cNvPr id="11" name="Rectangle 10">
+            <a:extLst>
+              <a:ext uri="{FF2B5EF4-FFF2-40B4-BE49-F238E27FC236}">
+                <a16:creationId xmlns:a16="http://schemas.microsoft.com/office/drawing/2014/main" id="{6016219D-510E-4184-9090-6D5578A87BD1}"/>
+              </a:ext>
+              <a:ext uri="{C183D7F6-B498-43B3-948B-1728B52AA6E4}">
+                <adec:decorative xmlns:adec="http://schemas.microsoft.com/office/drawing/2017/decorative" val="1"/>
+              </a:ext>
+            </a:extLst>
+          </p:cNvPr>
+          <p:cNvSpPr>
+            <a:spLocks noGrp="1" noRot="1" noChangeAspect="1" noMove="1" noResize="1" noEditPoints="1" noAdjustHandles="1" noChangeArrowheads="1" noChangeShapeType="1" noTextEdit="1"/>
+          </p:cNvSpPr>
+          <p:nvPr>
+            <p:extLst>
+              <p:ext uri="{386F3935-93C4-4BCD-93E2-E3B085C9AB24}">
+                <p16:designElem xmlns:p16="http://schemas.microsoft.com/office/powerpoint/2015/main" val="1"/>
+              </p:ext>
+            </p:extLst>
+          </p:nvPr>
+        </p:nvSpPr>
+        <p:spPr>
+          <a:xfrm rot="5400000">
+            <a:off x="3908719" y="-3931841"/>
+            <a:ext cx="4374557" cy="12192000"/>
+          </a:xfrm>
+          <a:prstGeom prst="rect">
+            <a:avLst/>
+          </a:prstGeom>
+          <a:gradFill>
+            <a:gsLst>
+              <a:gs pos="40000">
+                <a:schemeClr val="accent1">
+                  <a:alpha val="0"/>
+                </a:schemeClr>
+              </a:gs>
+              <a:gs pos="100000">
+                <a:schemeClr val="accent1">
+                  <a:lumMod val="75000"/>
+                  <a:alpha val="52000"/>
+                </a:schemeClr>
+              </a:gs>
+            </a:gsLst>
+            <a:lin ang="2400000" scaled="0"/>
+          </a:gradFill>
+          <a:ln>
+            <a:noFill/>
+          </a:ln>
+        </p:spPr>
+        <p:style>
+          <a:lnRef idx="2">
+            <a:schemeClr val="accent1">
+              <a:shade val="50000"/>
+            </a:schemeClr>
+          </a:lnRef>
+          <a:fillRef idx="1">
+            <a:schemeClr val="accent1"/>
+          </a:fillRef>
+          <a:effectRef idx="0">
+            <a:schemeClr val="accent1"/>
+          </a:effectRef>
+          <a:fontRef idx="minor">
+            <a:schemeClr val="lt1"/>
+          </a:fontRef>
+        </p:style>
+        <p:txBody>
+          <a:bodyPr rtlCol="0" anchor="ctr"/>
+          <a:lstStyle/>
+          <a:p>
+            <a:pPr algn="ctr"/>
+            <a:endParaRPr lang="en-US" dirty="0"/>
+          </a:p>
+        </p:txBody>
+      </p:sp>
+      <p:sp>
+        <p:nvSpPr>
+          <p:cNvPr id="13" name="Rectangle 12">
+            <a:extLst>
+              <a:ext uri="{FF2B5EF4-FFF2-40B4-BE49-F238E27FC236}">
+                <a16:creationId xmlns:a16="http://schemas.microsoft.com/office/drawing/2014/main" id="{AFF4A713-7B75-4B21-90D7-5AB19547C728}"/>
+              </a:ext>
+              <a:ext uri="{C183D7F6-B498-43B3-948B-1728B52AA6E4}">
+                <adec:decorative xmlns:adec="http://schemas.microsoft.com/office/drawing/2017/decorative" val="1"/>
+              </a:ext>
+            </a:extLst>
+          </p:cNvPr>
+          <p:cNvSpPr>
+            <a:spLocks noGrp="1" noRot="1" noChangeAspect="1" noMove="1" noResize="1" noEditPoints="1" noAdjustHandles="1" noChangeArrowheads="1" noChangeShapeType="1" noTextEdit="1"/>
+          </p:cNvSpPr>
+          <p:nvPr>
+            <p:extLst>
+              <p:ext uri="{386F3935-93C4-4BCD-93E2-E3B085C9AB24}">
+                <p16:designElem xmlns:p16="http://schemas.microsoft.com/office/powerpoint/2015/main" val="1"/>
+              </p:ext>
+            </p:extLst>
+          </p:nvPr>
+        </p:nvSpPr>
+        <p:spPr>
+          <a:xfrm rot="5400000">
+            <a:off x="4136696" y="-3703868"/>
+            <a:ext cx="4374128" cy="11736479"/>
+          </a:xfrm>
+          <a:prstGeom prst="rect">
+            <a:avLst/>
+          </a:prstGeom>
+          <a:gradFill>
+            <a:gsLst>
+              <a:gs pos="17000">
+                <a:schemeClr val="accent1">
+                  <a:alpha val="0"/>
+                </a:schemeClr>
+              </a:gs>
+              <a:gs pos="100000">
+                <a:srgbClr val="000000">
+                  <a:alpha val="37000"/>
+                </a:srgbClr>
+              </a:gs>
+            </a:gsLst>
+            <a:lin ang="7800000" scaled="0"/>
+          </a:gradFill>
+          <a:ln>
+            <a:noFill/>
+          </a:ln>
+        </p:spPr>
+        <p:style>
+          <a:lnRef idx="2">
+            <a:schemeClr val="accent1">
+              <a:shade val="50000"/>
+            </a:schemeClr>
+          </a:lnRef>
+          <a:fillRef idx="1">
+            <a:schemeClr val="accent1"/>
+          </a:fillRef>
+          <a:effectRef idx="0">
+            <a:schemeClr val="accent1"/>
+          </a:effectRef>
+          <a:fontRef idx="minor">
+            <a:schemeClr val="lt1"/>
+          </a:fontRef>
+        </p:style>
+        <p:txBody>
+          <a:bodyPr rtlCol="0" anchor="ctr"/>
+          <a:lstStyle/>
+          <a:p>
+            <a:pPr algn="ctr"/>
+            <a:endParaRPr lang="en-US" dirty="0"/>
+          </a:p>
+        </p:txBody>
+      </p:sp>
+      <p:sp>
+        <p:nvSpPr>
+          <p:cNvPr id="15" name="Rectangle 14">
+            <a:extLst>
+              <a:ext uri="{FF2B5EF4-FFF2-40B4-BE49-F238E27FC236}">
+                <a16:creationId xmlns:a16="http://schemas.microsoft.com/office/drawing/2014/main" id="{DC631C0B-6DA6-4E57-8231-CE32B3434A7E}"/>
+              </a:ext>
+              <a:ext uri="{C183D7F6-B498-43B3-948B-1728B52AA6E4}">
+                <adec:decorative xmlns:adec="http://schemas.microsoft.com/office/drawing/2017/decorative" val="1"/>
+              </a:ext>
+            </a:extLst>
+          </p:cNvPr>
+          <p:cNvSpPr>
+            <a:spLocks noGrp="1" noRot="1" noChangeAspect="1" noMove="1" noResize="1" noEditPoints="1" noAdjustHandles="1" noChangeArrowheads="1" noChangeShapeType="1" noTextEdit="1"/>
+          </p:cNvSpPr>
+          <p:nvPr>
+            <p:extLst>
+              <p:ext uri="{386F3935-93C4-4BCD-93E2-E3B085C9AB24}">
+                <p16:designElem xmlns:p16="http://schemas.microsoft.com/office/powerpoint/2015/main" val="1"/>
+              </p:ext>
+            </p:extLst>
+          </p:nvPr>
+        </p:nvSpPr>
+        <p:spPr>
+          <a:xfrm>
+            <a:off x="-5" y="-22690"/>
+            <a:ext cx="8542485" cy="4374126"/>
+          </a:xfrm>
+          <a:prstGeom prst="rect">
+            <a:avLst/>
+          </a:prstGeom>
+          <a:gradFill>
+            <a:gsLst>
+              <a:gs pos="0">
+                <a:schemeClr val="accent1">
+                  <a:lumMod val="50000"/>
+                  <a:alpha val="0"/>
+                </a:schemeClr>
+              </a:gs>
+              <a:gs pos="100000">
+                <a:srgbClr val="000000">
+                  <a:alpha val="25000"/>
+                </a:srgbClr>
+              </a:gs>
+            </a:gsLst>
+            <a:lin ang="18600000" scaled="0"/>
+          </a:gradFill>
+          <a:ln>
+            <a:noFill/>
+          </a:ln>
+        </p:spPr>
+        <p:style>
+          <a:lnRef idx="2">
+            <a:schemeClr val="accent1">
+              <a:shade val="50000"/>
+            </a:schemeClr>
+          </a:lnRef>
+          <a:fillRef idx="1">
+            <a:schemeClr val="accent1"/>
+          </a:fillRef>
+          <a:effectRef idx="0">
+            <a:schemeClr val="accent1"/>
+          </a:effectRef>
+          <a:fontRef idx="minor">
+            <a:schemeClr val="lt1"/>
+          </a:fontRef>
+        </p:style>
+        <p:txBody>
+          <a:bodyPr rtlCol="0" anchor="ctr"/>
+          <a:lstStyle/>
+          <a:p>
+            <a:pPr algn="ctr"/>
+            <a:endParaRPr lang="en-US" dirty="0"/>
+          </a:p>
+        </p:txBody>
+      </p:sp>
+      <p:sp>
+        <p:nvSpPr>
+          <p:cNvPr id="17" name="Freeform: Shape 16">
+            <a:extLst>
+              <a:ext uri="{FF2B5EF4-FFF2-40B4-BE49-F238E27FC236}">
+                <a16:creationId xmlns:a16="http://schemas.microsoft.com/office/drawing/2014/main" id="{C29501E6-A978-4A61-9689-9085AF97A53A}"/>
+              </a:ext>
+              <a:ext uri="{C183D7F6-B498-43B3-948B-1728B52AA6E4}">
+                <adec:decorative xmlns:adec="http://schemas.microsoft.com/office/drawing/2017/decorative" val="1"/>
+              </a:ext>
+            </a:extLst>
+          </p:cNvPr>
+          <p:cNvSpPr>
+            <a:spLocks noGrp="1" noRot="1" noChangeAspect="1" noMove="1" noResize="1" noEditPoints="1" noAdjustHandles="1" noChangeArrowheads="1" noChangeShapeType="1" noTextEdit="1"/>
+          </p:cNvSpPr>
+          <p:nvPr>
+            <p:extLst>
+              <p:ext uri="{386F3935-93C4-4BCD-93E2-E3B085C9AB24}">
+                <p16:designElem xmlns:p16="http://schemas.microsoft.com/office/powerpoint/2015/main" val="1"/>
+              </p:ext>
+            </p:extLst>
+          </p:nvPr>
+        </p:nvSpPr>
+        <p:spPr>
+          <a:xfrm rot="12508972">
+            <a:off x="5945431" y="-1032053"/>
+            <a:ext cx="4990147" cy="4439131"/>
+          </a:xfrm>
+          <a:custGeom>
+            <a:avLst/>
+            <a:gdLst>
+              <a:gd name="connsiteX0" fmla="*/ 4990147 w 4990147"/>
+              <a:gd name="connsiteY0" fmla="*/ 2229378 h 4439131"/>
+              <a:gd name="connsiteX1" fmla="*/ 917384 w 4990147"/>
+              <a:gd name="connsiteY1" fmla="*/ 4439131 h 4439131"/>
+              <a:gd name="connsiteX2" fmla="*/ 910814 w 4990147"/>
+              <a:gd name="connsiteY2" fmla="*/ 4434219 h 4439131"/>
+              <a:gd name="connsiteX3" fmla="*/ 0 w 4990147"/>
+              <a:gd name="connsiteY3" fmla="*/ 2502877 h 4439131"/>
+              <a:gd name="connsiteX4" fmla="*/ 2502877 w 4990147"/>
+              <a:gd name="connsiteY4" fmla="*/ 0 h 4439131"/>
+              <a:gd name="connsiteX5" fmla="*/ 4954904 w 4990147"/>
+              <a:gd name="connsiteY5" fmla="*/ 1998460 h 4439131"/>
+            </a:gdLst>
+            <a:ahLst/>
+            <a:cxnLst>
+              <a:cxn ang="0">
+                <a:pos x="connsiteX0" y="connsiteY0"/>
+              </a:cxn>
+              <a:cxn ang="0">
+                <a:pos x="connsiteX1" y="connsiteY1"/>
+              </a:cxn>
+              <a:cxn ang="0">
+                <a:pos x="connsiteX2" y="connsiteY2"/>
+              </a:cxn>
+              <a:cxn ang="0">
+                <a:pos x="connsiteX3" y="connsiteY3"/>
+              </a:cxn>
+              <a:cxn ang="0">
+                <a:pos x="connsiteX4" y="connsiteY4"/>
+              </a:cxn>
+              <a:cxn ang="0">
+                <a:pos x="connsiteX5" y="connsiteY5"/>
+              </a:cxn>
+            </a:cxnLst>
+            <a:rect l="l" t="t" r="r" b="b"/>
+            <a:pathLst>
+              <a:path w="4990147" h="4439131">
+                <a:moveTo>
+                  <a:pt x="4990147" y="2229378"/>
+                </a:moveTo>
+                <a:lnTo>
+                  <a:pt x="917384" y="4439131"/>
+                </a:lnTo>
+                <a:lnTo>
+                  <a:pt x="910814" y="4434219"/>
+                </a:lnTo>
+                <a:cubicBezTo>
+                  <a:pt x="354557" y="3975154"/>
+                  <a:pt x="0" y="3280421"/>
+                  <a:pt x="0" y="2502877"/>
+                </a:cubicBezTo>
+                <a:cubicBezTo>
+                  <a:pt x="0" y="1120576"/>
+                  <a:pt x="1120576" y="0"/>
+                  <a:pt x="2502877" y="0"/>
+                </a:cubicBezTo>
+                <a:cubicBezTo>
+                  <a:pt x="3712390" y="0"/>
+                  <a:pt x="4721520" y="857941"/>
+                  <a:pt x="4954904" y="1998460"/>
+                </a:cubicBezTo>
+                <a:close/>
+              </a:path>
+            </a:pathLst>
+          </a:custGeom>
+          <a:gradFill>
+            <a:gsLst>
+              <a:gs pos="0">
+                <a:schemeClr val="accent1">
+                  <a:alpha val="22000"/>
+                </a:schemeClr>
+              </a:gs>
+              <a:gs pos="87000">
+                <a:schemeClr val="accent1">
+                  <a:lumMod val="60000"/>
+                  <a:lumOff val="40000"/>
+                  <a:alpha val="2000"/>
+                </a:schemeClr>
+              </a:gs>
+            </a:gsLst>
+            <a:lin ang="8400000" scaled="0"/>
+          </a:gradFill>
+          <a:ln>
+            <a:noFill/>
+          </a:ln>
+        </p:spPr>
+        <p:style>
+          <a:lnRef idx="2">
+            <a:schemeClr val="accent1">
+              <a:shade val="50000"/>
+            </a:schemeClr>
+          </a:lnRef>
+          <a:fillRef idx="1">
+            <a:schemeClr val="accent1"/>
+          </a:fillRef>
+          <a:effectRef idx="0">
+            <a:schemeClr val="accent1"/>
+          </a:effectRef>
+          <a:fontRef idx="minor">
+            <a:schemeClr val="lt1"/>
+          </a:fontRef>
+        </p:style>
+        <p:txBody>
+          <a:bodyPr wrap="square" rtlCol="0" anchor="ctr">
+            <a:noAutofit/>
+          </a:bodyPr>
+          <a:lstStyle/>
+          <a:p>
+            <a:pPr algn="ctr"/>
+            <a:endParaRPr lang="en-US" dirty="0"/>
+          </a:p>
+        </p:txBody>
+      </p:sp>
+      <p:sp>
+        <p:nvSpPr>
+          <p:cNvPr id="2" name="Τίτλος 1">
+            <a:extLst>
+              <a:ext uri="{FF2B5EF4-FFF2-40B4-BE49-F238E27FC236}">
+                <a16:creationId xmlns:a16="http://schemas.microsoft.com/office/drawing/2014/main" id="{6714AD72-B417-F90B-E96E-37A3669C7037}"/>
+              </a:ext>
+            </a:extLst>
+          </p:cNvPr>
+          <p:cNvSpPr>
+            <a:spLocks noGrp="1"/>
+          </p:cNvSpPr>
+          <p:nvPr>
+            <p:ph type="title"/>
+          </p:nvPr>
+        </p:nvSpPr>
+        <p:spPr>
+          <a:xfrm>
+            <a:off x="1314824" y="735106"/>
+            <a:ext cx="10053763" cy="2928470"/>
+          </a:xfrm>
+        </p:spPr>
+        <p:txBody>
+          <a:bodyPr vert="horz" lIns="91440" tIns="45720" rIns="91440" bIns="45720" rtlCol="0" anchor="b">
+            <a:normAutofit/>
+          </a:bodyPr>
+          <a:lstStyle/>
+          <a:p>
+            <a:pPr algn="ctr"/>
+            <a:r>
+              <a:rPr lang="en-US" sz="4800" dirty="0">
+                <a:solidFill>
+                  <a:schemeClr val="tx2">
+                    <a:lumMod val="25000"/>
+                    <a:lumOff val="75000"/>
+                  </a:schemeClr>
+                </a:solidFill>
+              </a:rPr>
+              <a:t>THANK YOU FOR YOUR TIME</a:t>
+            </a:r>
+            <a:endParaRPr lang="en-US" sz="4800" kern="1200" dirty="0">
+              <a:solidFill>
+                <a:schemeClr val="tx2">
+                  <a:lumMod val="25000"/>
+                  <a:lumOff val="75000"/>
+                </a:schemeClr>
+              </a:solidFill>
+              <a:latin typeface="+mj-lt"/>
+              <a:ea typeface="+mj-ea"/>
+              <a:cs typeface="+mj-cs"/>
+            </a:endParaRPr>
+          </a:p>
+        </p:txBody>
+      </p:sp>
+    </p:spTree>
+    <p:extLst>
+      <p:ext uri="{BB962C8B-B14F-4D97-AF65-F5344CB8AC3E}">
+        <p14:creationId xmlns:p14="http://schemas.microsoft.com/office/powerpoint/2010/main" val="2365786142"/>
+      </p:ext>
+    </p:extLst>
+  </p:cSld>
+  <p:clrMapOvr>
+    <a:masterClrMapping/>
+  </p:clrMapOvr>
+  <p:transition spd="slow">
+    <p:wipe dir="u"/>
+  </p:transition>
+</p:sld>
+</file>
+
 <file path=ppt/slides/slide2.xml><?xml version="1.0" encoding="utf-8"?>
 <p:sld xmlns:a="http://schemas.openxmlformats.org/drawingml/2006/main" xmlns:r="http://schemas.openxmlformats.org/officeDocument/2006/relationships" xmlns:p="http://schemas.openxmlformats.org/presentationml/2006/main">
   <p:cSld>
@@ -11036,14 +11679,14 @@
   <p:clrMapOvr>
     <a:masterClrMapping/>
   </p:clrMapOvr>
-  <mc:AlternateContent xmlns:mc="http://schemas.openxmlformats.org/markup-compatibility/2006" xmlns:p14="http://schemas.microsoft.com/office/powerpoint/2010/main">
-    <mc:Choice Requires="p14">
-      <p:transition spd="slow" p14:dur="3400" advTm="2000">
+  <mc:AlternateContent xmlns:mc="http://schemas.openxmlformats.org/markup-compatibility/2006">
+    <mc:Choice xmlns:p14="http://schemas.microsoft.com/office/powerpoint/2010/main" Requires="p14">
+      <p:transition p14:dur="10">
         <p14:reveal/>
       </p:transition>
     </mc:Choice>
-    <mc:Fallback xmlns="">
-      <p:transition spd="slow" advTm="2000">
+    <mc:Fallback>
+      <p:transition>
         <p:fade/>
       </p:transition>
     </mc:Fallback>
@@ -11052,6 +11695,207 @@
 </file>
 
 <file path=ppt/slides/slide8.xml><?xml version="1.0" encoding="utf-8"?>
+<p:sld xmlns:a="http://schemas.openxmlformats.org/drawingml/2006/main" xmlns:r="http://schemas.openxmlformats.org/officeDocument/2006/relationships" xmlns:p="http://schemas.openxmlformats.org/presentationml/2006/main">
+  <p:cSld>
+    <p:spTree>
+      <p:nvGrpSpPr>
+        <p:cNvPr id="1" name=""/>
+        <p:cNvGrpSpPr/>
+        <p:nvPr/>
+      </p:nvGrpSpPr>
+      <p:grpSpPr>
+        <a:xfrm>
+          <a:off x="0" y="0"/>
+          <a:ext cx="0" cy="0"/>
+          <a:chOff x="0" y="0"/>
+          <a:chExt cx="0" cy="0"/>
+        </a:xfrm>
+      </p:grpSpPr>
+      <p:pic>
+        <p:nvPicPr>
+          <p:cNvPr id="4" name="demo">
+            <a:hlinkClick r:id="" action="ppaction://media"/>
+            <a:extLst>
+              <a:ext uri="{FF2B5EF4-FFF2-40B4-BE49-F238E27FC236}">
+                <a16:creationId xmlns:a16="http://schemas.microsoft.com/office/drawing/2014/main" id="{E1241245-C4EE-77C7-8CA6-F32517FAB0A5}"/>
+              </a:ext>
+            </a:extLst>
+          </p:cNvPr>
+          <p:cNvPicPr>
+            <a:picLocks noGrp="1" noChangeAspect="1"/>
+          </p:cNvPicPr>
+          <p:nvPr>
+            <p:ph idx="1"/>
+            <a:videoFile r:link="rId2"/>
+            <p:extLst>
+              <p:ext uri="{DAA4B4D4-6D71-4841-9C94-3DE7FCFB9230}">
+                <p14:media xmlns:p14="http://schemas.microsoft.com/office/powerpoint/2010/main" r:embed="rId1"/>
+              </p:ext>
+            </p:extLst>
+          </p:nvPr>
+        </p:nvPicPr>
+        <p:blipFill>
+          <a:blip r:embed="rId4"/>
+          <a:stretch>
+            <a:fillRect/>
+          </a:stretch>
+        </p:blipFill>
+        <p:spPr>
+          <a:xfrm>
+            <a:off x="0" y="78"/>
+            <a:ext cx="12192000" cy="6857844"/>
+          </a:xfrm>
+        </p:spPr>
+      </p:pic>
+    </p:spTree>
+    <p:extLst>
+      <p:ext uri="{BB962C8B-B14F-4D97-AF65-F5344CB8AC3E}">
+        <p14:creationId xmlns:p14="http://schemas.microsoft.com/office/powerpoint/2010/main" val="1655268415"/>
+      </p:ext>
+    </p:extLst>
+  </p:cSld>
+  <p:clrMapOvr>
+    <a:masterClrMapping/>
+  </p:clrMapOvr>
+  <p:timing>
+    <p:tnLst>
+      <p:par>
+        <p:cTn id="1" dur="indefinite" restart="never" nodeType="tmRoot">
+          <p:childTnLst>
+            <p:seq concurrent="1" nextAc="seek">
+              <p:cTn id="2" dur="indefinite" nodeType="mainSeq">
+                <p:childTnLst>
+                  <p:par>
+                    <p:cTn id="3" fill="hold">
+                      <p:stCondLst>
+                        <p:cond delay="indefinite"/>
+                      </p:stCondLst>
+                      <p:childTnLst>
+                        <p:par>
+                          <p:cTn id="4" fill="hold">
+                            <p:stCondLst>
+                              <p:cond delay="0"/>
+                            </p:stCondLst>
+                            <p:childTnLst>
+                              <p:par>
+                                <p:cTn id="5" presetID="1" presetClass="mediacall" presetSubtype="0" fill="hold" nodeType="clickEffect">
+                                  <p:stCondLst>
+                                    <p:cond delay="0"/>
+                                  </p:stCondLst>
+                                  <p:childTnLst>
+                                    <p:cmd type="call" cmd="playFrom(0.0)">
+                                      <p:cBhvr>
+                                        <p:cTn id="6" dur="59267" fill="hold"/>
+                                        <p:tgtEl>
+                                          <p:spTgt spid="4"/>
+                                        </p:tgtEl>
+                                      </p:cBhvr>
+                                    </p:cmd>
+                                  </p:childTnLst>
+                                </p:cTn>
+                              </p:par>
+                            </p:childTnLst>
+                          </p:cTn>
+                        </p:par>
+                      </p:childTnLst>
+                    </p:cTn>
+                  </p:par>
+                </p:childTnLst>
+              </p:cTn>
+              <p:prevCondLst>
+                <p:cond evt="onPrev" delay="0">
+                  <p:tgtEl>
+                    <p:sldTgt/>
+                  </p:tgtEl>
+                </p:cond>
+              </p:prevCondLst>
+              <p:nextCondLst>
+                <p:cond evt="onNext" delay="0">
+                  <p:tgtEl>
+                    <p:sldTgt/>
+                  </p:tgtEl>
+                </p:cond>
+              </p:nextCondLst>
+            </p:seq>
+            <p:video>
+              <p:cMediaNode vol="80000">
+                <p:cTn id="7" fill="hold" display="0">
+                  <p:stCondLst>
+                    <p:cond delay="indefinite"/>
+                  </p:stCondLst>
+                </p:cTn>
+                <p:tgtEl>
+                  <p:spTgt spid="4"/>
+                </p:tgtEl>
+              </p:cMediaNode>
+            </p:video>
+            <p:seq concurrent="1" nextAc="seek">
+              <p:cTn id="8" restart="whenNotActive" fill="hold" evtFilter="cancelBubble" nodeType="interactiveSeq">
+                <p:stCondLst>
+                  <p:cond evt="onClick" delay="0">
+                    <p:tgtEl>
+                      <p:spTgt spid="4"/>
+                    </p:tgtEl>
+                  </p:cond>
+                </p:stCondLst>
+                <p:endSync evt="end" delay="0">
+                  <p:rtn val="all"/>
+                </p:endSync>
+                <p:childTnLst>
+                  <p:par>
+                    <p:cTn id="9" fill="hold">
+                      <p:stCondLst>
+                        <p:cond delay="0"/>
+                      </p:stCondLst>
+                      <p:childTnLst>
+                        <p:par>
+                          <p:cTn id="10" fill="hold">
+                            <p:stCondLst>
+                              <p:cond delay="0"/>
+                            </p:stCondLst>
+                            <p:childTnLst>
+                              <p:par>
+                                <p:cTn id="11" presetID="2" presetClass="mediacall" presetSubtype="0" fill="hold" nodeType="clickEffect">
+                                  <p:stCondLst>
+                                    <p:cond delay="0"/>
+                                  </p:stCondLst>
+                                  <p:childTnLst>
+                                    <p:cmd type="call" cmd="togglePause">
+                                      <p:cBhvr>
+                                        <p:cTn id="12" dur="1" fill="hold"/>
+                                        <p:tgtEl>
+                                          <p:spTgt spid="4"/>
+                                        </p:tgtEl>
+                                      </p:cBhvr>
+                                    </p:cmd>
+                                  </p:childTnLst>
+                                </p:cTn>
+                              </p:par>
+                            </p:childTnLst>
+                          </p:cTn>
+                        </p:par>
+                      </p:childTnLst>
+                    </p:cTn>
+                  </p:par>
+                </p:childTnLst>
+              </p:cTn>
+              <p:nextCondLst>
+                <p:cond evt="onClick" delay="0">
+                  <p:tgtEl>
+                    <p:spTgt spid="4"/>
+                  </p:tgtEl>
+                </p:cond>
+              </p:nextCondLst>
+            </p:seq>
+          </p:childTnLst>
+        </p:cTn>
+      </p:par>
+    </p:tnLst>
+  </p:timing>
+</p:sld>
+</file>
+
+<file path=ppt/slides/slide9.xml><?xml version="1.0" encoding="utf-8"?>
 <p:sld xmlns:a="http://schemas.openxmlformats.org/drawingml/2006/main" xmlns:r="http://schemas.openxmlformats.org/officeDocument/2006/relationships" xmlns:p="http://schemas.openxmlformats.org/presentationml/2006/main">
   <p:cSld>
     <p:bg>
@@ -11476,126 +12320,162 @@
           <a:p>
             <a:pPr>
               <a:buClr>
-                <a:srgbClr val="19B2EF"/>
+                <a:srgbClr val="15A6DE"/>
               </a:buClr>
               <a:buFont typeface="Wingdings" panose="05000000000000000000" pitchFamily="2" charset="2"/>
               <a:buChar char="q"/>
             </a:pPr>
             <a:r>
-              <a:rPr lang="en-US" sz="2400" dirty="0">
+              <a:rPr lang="en-US" sz="2200" dirty="0">
                 <a:solidFill>
-                  <a:srgbClr val="19B2EF"/>
+                  <a:schemeClr val="accent1">
+                    <a:lumMod val="40000"/>
+                    <a:lumOff val="60000"/>
+                  </a:schemeClr>
                 </a:solidFill>
               </a:rPr>
-              <a:t>Search Engine with Keywords</a:t>
+              <a:t> Search Engine with Keywords</a:t>
             </a:r>
           </a:p>
           <a:p>
             <a:pPr>
               <a:buClr>
-                <a:srgbClr val="19B2EF"/>
+                <a:srgbClr val="15A6DE"/>
               </a:buClr>
               <a:buFont typeface="Wingdings" panose="05000000000000000000" pitchFamily="2" charset="2"/>
               <a:buChar char="q"/>
             </a:pPr>
             <a:r>
-              <a:rPr lang="en-US" sz="2400" dirty="0">
+              <a:rPr lang="en-US" sz="2200" dirty="0">
                 <a:solidFill>
-                  <a:srgbClr val="19B2EF"/>
+                  <a:schemeClr val="accent1">
+                    <a:lumMod val="40000"/>
+                    <a:lumOff val="60000"/>
+                  </a:schemeClr>
                 </a:solidFill>
               </a:rPr>
-              <a:t>User History</a:t>
+              <a:t> User History</a:t>
             </a:r>
           </a:p>
           <a:p>
             <a:pPr>
               <a:buClr>
-                <a:srgbClr val="19B2EF"/>
+                <a:srgbClr val="15A6DE"/>
               </a:buClr>
               <a:buFont typeface="Wingdings" panose="05000000000000000000" pitchFamily="2" charset="2"/>
               <a:buChar char="q"/>
             </a:pPr>
             <a:r>
-              <a:rPr lang="en-US" sz="2400" dirty="0">
+              <a:rPr lang="en-US" sz="2200" dirty="0">
                 <a:solidFill>
-                  <a:srgbClr val="19B2EF"/>
+                  <a:schemeClr val="accent1">
+                    <a:lumMod val="40000"/>
+                    <a:lumOff val="60000"/>
+                  </a:schemeClr>
                 </a:solidFill>
               </a:rPr>
-              <a:t>Interactive Chatbot </a:t>
+              <a:t> Interactive Chatbot </a:t>
             </a:r>
           </a:p>
           <a:p>
             <a:pPr>
               <a:buClr>
-                <a:srgbClr val="19B2EF"/>
+                <a:srgbClr val="15A6DE"/>
               </a:buClr>
               <a:buFont typeface="Wingdings" panose="05000000000000000000" pitchFamily="2" charset="2"/>
               <a:buChar char="q"/>
             </a:pPr>
             <a:r>
-              <a:rPr lang="en-US" sz="2400" dirty="0">
+              <a:rPr lang="en-US" sz="2200" dirty="0">
                 <a:solidFill>
-                  <a:srgbClr val="19B2EF"/>
+                  <a:schemeClr val="accent1">
+                    <a:lumMod val="40000"/>
+                    <a:lumOff val="60000"/>
+                  </a:schemeClr>
                 </a:solidFill>
               </a:rPr>
-              <a:t>Image Support (Input/Output)</a:t>
+              <a:t> Image Support (Input/Output)</a:t>
             </a:r>
           </a:p>
           <a:p>
             <a:pPr>
               <a:buClr>
-                <a:srgbClr val="19B2EF"/>
+                <a:srgbClr val="15A6DE"/>
               </a:buClr>
               <a:buFont typeface="Wingdings" panose="05000000000000000000" pitchFamily="2" charset="2"/>
               <a:buChar char="q"/>
             </a:pPr>
             <a:r>
-              <a:rPr lang="en-US" sz="2400" dirty="0">
+              <a:rPr lang="en-US" sz="2200" dirty="0">
                 <a:solidFill>
-                  <a:srgbClr val="19B2EF"/>
+                  <a:schemeClr val="accent1">
+                    <a:lumMod val="40000"/>
+                    <a:lumOff val="60000"/>
+                  </a:schemeClr>
                 </a:solidFill>
               </a:rPr>
-              <a:t>Evaluation System</a:t>
+              <a:t> Rating System</a:t>
             </a:r>
           </a:p>
           <a:p>
             <a:pPr>
               <a:buClr>
-                <a:srgbClr val="19B2EF"/>
+                <a:srgbClr val="15A6DE"/>
               </a:buClr>
               <a:buFont typeface="Wingdings" panose="05000000000000000000" pitchFamily="2" charset="2"/>
               <a:buChar char="q"/>
             </a:pPr>
             <a:r>
-              <a:rPr lang="en-US" sz="2400" dirty="0">
+              <a:rPr lang="en-US" sz="2200" dirty="0">
                 <a:solidFill>
-                  <a:srgbClr val="19B2EF"/>
+                  <a:schemeClr val="accent1">
+                    <a:lumMod val="40000"/>
+                    <a:lumOff val="60000"/>
+                  </a:schemeClr>
                 </a:solidFill>
               </a:rPr>
-              <a:t>More Quiz Types</a:t>
+              <a:t> Progress Tracking</a:t>
             </a:r>
           </a:p>
           <a:p>
             <a:pPr>
               <a:buClr>
-                <a:srgbClr val="19B2EF"/>
+                <a:srgbClr val="15A6DE"/>
               </a:buClr>
               <a:buFont typeface="Wingdings" panose="05000000000000000000" pitchFamily="2" charset="2"/>
               <a:buChar char="q"/>
             </a:pPr>
             <a:r>
-              <a:rPr lang="en-US" sz="2400">
+              <a:rPr lang="en-US" sz="2200" dirty="0">
                 <a:solidFill>
-                  <a:srgbClr val="19B2EF"/>
+                  <a:schemeClr val="accent1">
+                    <a:lumMod val="40000"/>
+                    <a:lumOff val="60000"/>
+                  </a:schemeClr>
                 </a:solidFill>
               </a:rPr>
-              <a:t>Accessibility Settings</a:t>
+              <a:t> More Quiz Types</a:t>
             </a:r>
-            <a:endParaRPr lang="en-US" sz="2400" dirty="0">
-              <a:solidFill>
-                <a:srgbClr val="19B2EF"/>
-              </a:solidFill>
-            </a:endParaRPr>
+          </a:p>
+          <a:p>
+            <a:pPr>
+              <a:buClr>
+                <a:srgbClr val="15A6DE"/>
+              </a:buClr>
+              <a:buFont typeface="Wingdings" panose="05000000000000000000" pitchFamily="2" charset="2"/>
+              <a:buChar char="q"/>
+            </a:pPr>
+            <a:r>
+              <a:rPr lang="en-US" sz="2200" dirty="0">
+                <a:solidFill>
+                  <a:schemeClr val="accent1">
+                    <a:lumMod val="40000"/>
+                    <a:lumOff val="60000"/>
+                  </a:schemeClr>
+                </a:solidFill>
+              </a:rPr>
+              <a:t> Accessibility Settings</a:t>
+            </a:r>
           </a:p>
         </p:txBody>
       </p:sp>
@@ -11621,647 +12501,6 @@
       </p:transition>
     </mc:Fallback>
   </mc:AlternateContent>
-</p:sld>
-</file>
-
-<file path=ppt/slides/slide9.xml><?xml version="1.0" encoding="utf-8"?>
-<p:sld xmlns:a="http://schemas.openxmlformats.org/drawingml/2006/main" xmlns:r="http://schemas.openxmlformats.org/officeDocument/2006/relationships" xmlns:p="http://schemas.openxmlformats.org/presentationml/2006/main">
-  <p:cSld>
-    <p:bg>
-      <p:bgPr>
-        <a:gradFill flip="none" rotWithShape="1">
-          <a:gsLst>
-            <a:gs pos="56000">
-              <a:schemeClr val="accent1">
-                <a:lumMod val="73000"/>
-              </a:schemeClr>
-            </a:gs>
-            <a:gs pos="80000">
-              <a:schemeClr val="accent1">
-                <a:lumMod val="46000"/>
-                <a:lumOff val="54000"/>
-              </a:schemeClr>
-            </a:gs>
-            <a:gs pos="89000">
-              <a:schemeClr val="accent1">
-                <a:lumMod val="45000"/>
-                <a:lumOff val="55000"/>
-              </a:schemeClr>
-            </a:gs>
-            <a:gs pos="100000">
-              <a:schemeClr val="accent1">
-                <a:lumMod val="30000"/>
-                <a:lumOff val="70000"/>
-              </a:schemeClr>
-            </a:gs>
-          </a:gsLst>
-          <a:lin ang="5400000" scaled="1"/>
-          <a:tileRect/>
-        </a:gradFill>
-        <a:effectLst/>
-      </p:bgPr>
-    </p:bg>
-    <p:spTree>
-      <p:nvGrpSpPr>
-        <p:cNvPr id="1" name=""/>
-        <p:cNvGrpSpPr/>
-        <p:nvPr/>
-      </p:nvGrpSpPr>
-      <p:grpSpPr>
-        <a:xfrm>
-          <a:off x="0" y="0"/>
-          <a:ext cx="0" cy="0"/>
-          <a:chOff x="0" y="0"/>
-          <a:chExt cx="0" cy="0"/>
-        </a:xfrm>
-      </p:grpSpPr>
-      <p:sp useBgFill="1">
-        <p:nvSpPr>
-          <p:cNvPr id="7" name="Rectangle 6">
-            <a:extLst>
-              <a:ext uri="{FF2B5EF4-FFF2-40B4-BE49-F238E27FC236}">
-                <a16:creationId xmlns:a16="http://schemas.microsoft.com/office/drawing/2014/main" id="{6F5A5072-7B47-4D32-B52A-4EBBF590B8A5}"/>
-              </a:ext>
-              <a:ext uri="{C183D7F6-B498-43B3-948B-1728B52AA6E4}">
-                <adec:decorative xmlns:adec="http://schemas.microsoft.com/office/drawing/2017/decorative" val="1"/>
-              </a:ext>
-            </a:extLst>
-          </p:cNvPr>
-          <p:cNvSpPr>
-            <a:spLocks noGrp="1" noRot="1" noChangeAspect="1" noMove="1" noResize="1" noEditPoints="1" noAdjustHandles="1" noChangeArrowheads="1" noChangeShapeType="1" noTextEdit="1"/>
-          </p:cNvSpPr>
-          <p:nvPr>
-            <p:extLst>
-              <p:ext uri="{386F3935-93C4-4BCD-93E2-E3B085C9AB24}">
-                <p16:designElem xmlns:p16="http://schemas.microsoft.com/office/powerpoint/2015/main" val="1"/>
-              </p:ext>
-            </p:extLst>
-          </p:nvPr>
-        </p:nvSpPr>
-        <p:spPr>
-          <a:xfrm>
-            <a:off x="0" y="0"/>
-            <a:ext cx="12192000" cy="6858000"/>
-          </a:xfrm>
-          <a:prstGeom prst="rect">
-            <a:avLst/>
-          </a:prstGeom>
-          <a:ln w="12700" cap="flat" cmpd="sng" algn="ctr">
-            <a:noFill/>
-            <a:prstDash val="solid"/>
-            <a:miter lim="800000"/>
-          </a:ln>
-          <a:effectLst/>
-          <a:extLst>
-            <a:ext uri="{91240B29-F687-4F45-9708-019B960494DF}">
-              <a14:hiddenLine xmlns:a14="http://schemas.microsoft.com/office/drawing/2010/main" w="12700" cap="flat" cmpd="sng" algn="ctr">
-                <a:solidFill>
-                  <a:schemeClr val="accent1">
-                    <a:shade val="50000"/>
-                  </a:schemeClr>
-                </a:solidFill>
-                <a:prstDash val="solid"/>
-                <a:miter lim="800000"/>
-              </a14:hiddenLine>
-            </a:ext>
-          </a:extLst>
-        </p:spPr>
-        <p:style>
-          <a:lnRef idx="2">
-            <a:schemeClr val="accent1">
-              <a:shade val="50000"/>
-            </a:schemeClr>
-          </a:lnRef>
-          <a:fillRef idx="1">
-            <a:schemeClr val="accent1"/>
-          </a:fillRef>
-          <a:effectRef idx="0">
-            <a:schemeClr val="accent1"/>
-          </a:effectRef>
-          <a:fontRef idx="minor">
-            <a:schemeClr val="lt1"/>
-          </a:fontRef>
-        </p:style>
-        <p:txBody>
-          <a:bodyPr rtlCol="0" anchor="ctr"/>
-          <a:lstStyle/>
-          <a:p>
-            <a:pPr algn="ctr"/>
-            <a:endParaRPr lang="en-US" dirty="0"/>
-          </a:p>
-        </p:txBody>
-      </p:sp>
-      <p:sp>
-        <p:nvSpPr>
-          <p:cNvPr id="9" name="Rectangle 8">
-            <a:extLst>
-              <a:ext uri="{FF2B5EF4-FFF2-40B4-BE49-F238E27FC236}">
-                <a16:creationId xmlns:a16="http://schemas.microsoft.com/office/drawing/2014/main" id="{9715DAF0-AE1B-46C9-8A6B-DB2AA05AB91D}"/>
-              </a:ext>
-              <a:ext uri="{C183D7F6-B498-43B3-948B-1728B52AA6E4}">
-                <adec:decorative xmlns:adec="http://schemas.microsoft.com/office/drawing/2017/decorative" val="1"/>
-              </a:ext>
-            </a:extLst>
-          </p:cNvPr>
-          <p:cNvSpPr>
-            <a:spLocks noGrp="1" noRot="1" noChangeAspect="1" noMove="1" noResize="1" noEditPoints="1" noAdjustHandles="1" noChangeArrowheads="1" noChangeShapeType="1" noTextEdit="1"/>
-          </p:cNvSpPr>
-          <p:nvPr>
-            <p:extLst>
-              <p:ext uri="{386F3935-93C4-4BCD-93E2-E3B085C9AB24}">
-                <p16:designElem xmlns:p16="http://schemas.microsoft.com/office/powerpoint/2015/main" val="1"/>
-              </p:ext>
-            </p:extLst>
-          </p:nvPr>
-        </p:nvSpPr>
-        <p:spPr>
-          <a:xfrm rot="10800000">
-            <a:off x="-2" y="-22693"/>
-            <a:ext cx="12191999" cy="4374129"/>
-          </a:xfrm>
-          <a:prstGeom prst="rect">
-            <a:avLst/>
-          </a:prstGeom>
-          <a:gradFill>
-            <a:gsLst>
-              <a:gs pos="0">
-                <a:schemeClr val="accent1">
-                  <a:lumMod val="75000"/>
-                </a:schemeClr>
-              </a:gs>
-              <a:gs pos="100000">
-                <a:srgbClr val="000000"/>
-              </a:gs>
-            </a:gsLst>
-            <a:lin ang="15000000" scaled="0"/>
-          </a:gradFill>
-          <a:ln>
-            <a:noFill/>
-          </a:ln>
-        </p:spPr>
-        <p:style>
-          <a:lnRef idx="2">
-            <a:schemeClr val="accent1">
-              <a:shade val="50000"/>
-            </a:schemeClr>
-          </a:lnRef>
-          <a:fillRef idx="1">
-            <a:schemeClr val="accent1"/>
-          </a:fillRef>
-          <a:effectRef idx="0">
-            <a:schemeClr val="accent1"/>
-          </a:effectRef>
-          <a:fontRef idx="minor">
-            <a:schemeClr val="lt1"/>
-          </a:fontRef>
-        </p:style>
-        <p:txBody>
-          <a:bodyPr rtlCol="0" anchor="ctr"/>
-          <a:lstStyle/>
-          <a:p>
-            <a:pPr algn="ctr"/>
-            <a:endParaRPr lang="en-US" dirty="0"/>
-          </a:p>
-        </p:txBody>
-      </p:sp>
-      <p:sp>
-        <p:nvSpPr>
-          <p:cNvPr id="11" name="Rectangle 10">
-            <a:extLst>
-              <a:ext uri="{FF2B5EF4-FFF2-40B4-BE49-F238E27FC236}">
-                <a16:creationId xmlns:a16="http://schemas.microsoft.com/office/drawing/2014/main" id="{6016219D-510E-4184-9090-6D5578A87BD1}"/>
-              </a:ext>
-              <a:ext uri="{C183D7F6-B498-43B3-948B-1728B52AA6E4}">
-                <adec:decorative xmlns:adec="http://schemas.microsoft.com/office/drawing/2017/decorative" val="1"/>
-              </a:ext>
-            </a:extLst>
-          </p:cNvPr>
-          <p:cNvSpPr>
-            <a:spLocks noGrp="1" noRot="1" noChangeAspect="1" noMove="1" noResize="1" noEditPoints="1" noAdjustHandles="1" noChangeArrowheads="1" noChangeShapeType="1" noTextEdit="1"/>
-          </p:cNvSpPr>
-          <p:nvPr>
-            <p:extLst>
-              <p:ext uri="{386F3935-93C4-4BCD-93E2-E3B085C9AB24}">
-                <p16:designElem xmlns:p16="http://schemas.microsoft.com/office/powerpoint/2015/main" val="1"/>
-              </p:ext>
-            </p:extLst>
-          </p:nvPr>
-        </p:nvSpPr>
-        <p:spPr>
-          <a:xfrm rot="5400000">
-            <a:off x="3908719" y="-3931841"/>
-            <a:ext cx="4374557" cy="12192000"/>
-          </a:xfrm>
-          <a:prstGeom prst="rect">
-            <a:avLst/>
-          </a:prstGeom>
-          <a:gradFill>
-            <a:gsLst>
-              <a:gs pos="40000">
-                <a:schemeClr val="accent1">
-                  <a:alpha val="0"/>
-                </a:schemeClr>
-              </a:gs>
-              <a:gs pos="100000">
-                <a:schemeClr val="accent1">
-                  <a:lumMod val="75000"/>
-                  <a:alpha val="52000"/>
-                </a:schemeClr>
-              </a:gs>
-            </a:gsLst>
-            <a:lin ang="2400000" scaled="0"/>
-          </a:gradFill>
-          <a:ln>
-            <a:noFill/>
-          </a:ln>
-        </p:spPr>
-        <p:style>
-          <a:lnRef idx="2">
-            <a:schemeClr val="accent1">
-              <a:shade val="50000"/>
-            </a:schemeClr>
-          </a:lnRef>
-          <a:fillRef idx="1">
-            <a:schemeClr val="accent1"/>
-          </a:fillRef>
-          <a:effectRef idx="0">
-            <a:schemeClr val="accent1"/>
-          </a:effectRef>
-          <a:fontRef idx="minor">
-            <a:schemeClr val="lt1"/>
-          </a:fontRef>
-        </p:style>
-        <p:txBody>
-          <a:bodyPr rtlCol="0" anchor="ctr"/>
-          <a:lstStyle/>
-          <a:p>
-            <a:pPr algn="ctr"/>
-            <a:endParaRPr lang="en-US" dirty="0"/>
-          </a:p>
-        </p:txBody>
-      </p:sp>
-      <p:sp>
-        <p:nvSpPr>
-          <p:cNvPr id="13" name="Rectangle 12">
-            <a:extLst>
-              <a:ext uri="{FF2B5EF4-FFF2-40B4-BE49-F238E27FC236}">
-                <a16:creationId xmlns:a16="http://schemas.microsoft.com/office/drawing/2014/main" id="{AFF4A713-7B75-4B21-90D7-5AB19547C728}"/>
-              </a:ext>
-              <a:ext uri="{C183D7F6-B498-43B3-948B-1728B52AA6E4}">
-                <adec:decorative xmlns:adec="http://schemas.microsoft.com/office/drawing/2017/decorative" val="1"/>
-              </a:ext>
-            </a:extLst>
-          </p:cNvPr>
-          <p:cNvSpPr>
-            <a:spLocks noGrp="1" noRot="1" noChangeAspect="1" noMove="1" noResize="1" noEditPoints="1" noAdjustHandles="1" noChangeArrowheads="1" noChangeShapeType="1" noTextEdit="1"/>
-          </p:cNvSpPr>
-          <p:nvPr>
-            <p:extLst>
-              <p:ext uri="{386F3935-93C4-4BCD-93E2-E3B085C9AB24}">
-                <p16:designElem xmlns:p16="http://schemas.microsoft.com/office/powerpoint/2015/main" val="1"/>
-              </p:ext>
-            </p:extLst>
-          </p:nvPr>
-        </p:nvSpPr>
-        <p:spPr>
-          <a:xfrm rot="5400000">
-            <a:off x="4136696" y="-3703868"/>
-            <a:ext cx="4374128" cy="11736479"/>
-          </a:xfrm>
-          <a:prstGeom prst="rect">
-            <a:avLst/>
-          </a:prstGeom>
-          <a:gradFill>
-            <a:gsLst>
-              <a:gs pos="17000">
-                <a:schemeClr val="accent1">
-                  <a:alpha val="0"/>
-                </a:schemeClr>
-              </a:gs>
-              <a:gs pos="100000">
-                <a:srgbClr val="000000">
-                  <a:alpha val="37000"/>
-                </a:srgbClr>
-              </a:gs>
-            </a:gsLst>
-            <a:lin ang="7800000" scaled="0"/>
-          </a:gradFill>
-          <a:ln>
-            <a:noFill/>
-          </a:ln>
-        </p:spPr>
-        <p:style>
-          <a:lnRef idx="2">
-            <a:schemeClr val="accent1">
-              <a:shade val="50000"/>
-            </a:schemeClr>
-          </a:lnRef>
-          <a:fillRef idx="1">
-            <a:schemeClr val="accent1"/>
-          </a:fillRef>
-          <a:effectRef idx="0">
-            <a:schemeClr val="accent1"/>
-          </a:effectRef>
-          <a:fontRef idx="minor">
-            <a:schemeClr val="lt1"/>
-          </a:fontRef>
-        </p:style>
-        <p:txBody>
-          <a:bodyPr rtlCol="0" anchor="ctr"/>
-          <a:lstStyle/>
-          <a:p>
-            <a:pPr algn="ctr"/>
-            <a:endParaRPr lang="en-US" dirty="0"/>
-          </a:p>
-        </p:txBody>
-      </p:sp>
-      <p:sp>
-        <p:nvSpPr>
-          <p:cNvPr id="15" name="Rectangle 14">
-            <a:extLst>
-              <a:ext uri="{FF2B5EF4-FFF2-40B4-BE49-F238E27FC236}">
-                <a16:creationId xmlns:a16="http://schemas.microsoft.com/office/drawing/2014/main" id="{DC631C0B-6DA6-4E57-8231-CE32B3434A7E}"/>
-              </a:ext>
-              <a:ext uri="{C183D7F6-B498-43B3-948B-1728B52AA6E4}">
-                <adec:decorative xmlns:adec="http://schemas.microsoft.com/office/drawing/2017/decorative" val="1"/>
-              </a:ext>
-            </a:extLst>
-          </p:cNvPr>
-          <p:cNvSpPr>
-            <a:spLocks noGrp="1" noRot="1" noChangeAspect="1" noMove="1" noResize="1" noEditPoints="1" noAdjustHandles="1" noChangeArrowheads="1" noChangeShapeType="1" noTextEdit="1"/>
-          </p:cNvSpPr>
-          <p:nvPr>
-            <p:extLst>
-              <p:ext uri="{386F3935-93C4-4BCD-93E2-E3B085C9AB24}">
-                <p16:designElem xmlns:p16="http://schemas.microsoft.com/office/powerpoint/2015/main" val="1"/>
-              </p:ext>
-            </p:extLst>
-          </p:nvPr>
-        </p:nvSpPr>
-        <p:spPr>
-          <a:xfrm>
-            <a:off x="-5" y="-22690"/>
-            <a:ext cx="8542485" cy="4374126"/>
-          </a:xfrm>
-          <a:prstGeom prst="rect">
-            <a:avLst/>
-          </a:prstGeom>
-          <a:gradFill>
-            <a:gsLst>
-              <a:gs pos="0">
-                <a:schemeClr val="accent1">
-                  <a:lumMod val="50000"/>
-                  <a:alpha val="0"/>
-                </a:schemeClr>
-              </a:gs>
-              <a:gs pos="100000">
-                <a:srgbClr val="000000">
-                  <a:alpha val="25000"/>
-                </a:srgbClr>
-              </a:gs>
-            </a:gsLst>
-            <a:lin ang="18600000" scaled="0"/>
-          </a:gradFill>
-          <a:ln>
-            <a:noFill/>
-          </a:ln>
-        </p:spPr>
-        <p:style>
-          <a:lnRef idx="2">
-            <a:schemeClr val="accent1">
-              <a:shade val="50000"/>
-            </a:schemeClr>
-          </a:lnRef>
-          <a:fillRef idx="1">
-            <a:schemeClr val="accent1"/>
-          </a:fillRef>
-          <a:effectRef idx="0">
-            <a:schemeClr val="accent1"/>
-          </a:effectRef>
-          <a:fontRef idx="minor">
-            <a:schemeClr val="lt1"/>
-          </a:fontRef>
-        </p:style>
-        <p:txBody>
-          <a:bodyPr rtlCol="0" anchor="ctr"/>
-          <a:lstStyle/>
-          <a:p>
-            <a:pPr algn="ctr"/>
-            <a:endParaRPr lang="en-US" dirty="0"/>
-          </a:p>
-        </p:txBody>
-      </p:sp>
-      <p:sp>
-        <p:nvSpPr>
-          <p:cNvPr id="17" name="Freeform: Shape 16">
-            <a:extLst>
-              <a:ext uri="{FF2B5EF4-FFF2-40B4-BE49-F238E27FC236}">
-                <a16:creationId xmlns:a16="http://schemas.microsoft.com/office/drawing/2014/main" id="{C29501E6-A978-4A61-9689-9085AF97A53A}"/>
-              </a:ext>
-              <a:ext uri="{C183D7F6-B498-43B3-948B-1728B52AA6E4}">
-                <adec:decorative xmlns:adec="http://schemas.microsoft.com/office/drawing/2017/decorative" val="1"/>
-              </a:ext>
-            </a:extLst>
-          </p:cNvPr>
-          <p:cNvSpPr>
-            <a:spLocks noGrp="1" noRot="1" noChangeAspect="1" noMove="1" noResize="1" noEditPoints="1" noAdjustHandles="1" noChangeArrowheads="1" noChangeShapeType="1" noTextEdit="1"/>
-          </p:cNvSpPr>
-          <p:nvPr>
-            <p:extLst>
-              <p:ext uri="{386F3935-93C4-4BCD-93E2-E3B085C9AB24}">
-                <p16:designElem xmlns:p16="http://schemas.microsoft.com/office/powerpoint/2015/main" val="1"/>
-              </p:ext>
-            </p:extLst>
-          </p:nvPr>
-        </p:nvSpPr>
-        <p:spPr>
-          <a:xfrm rot="12508972">
-            <a:off x="5945431" y="-1032053"/>
-            <a:ext cx="4990147" cy="4439131"/>
-          </a:xfrm>
-          <a:custGeom>
-            <a:avLst/>
-            <a:gdLst>
-              <a:gd name="connsiteX0" fmla="*/ 4990147 w 4990147"/>
-              <a:gd name="connsiteY0" fmla="*/ 2229378 h 4439131"/>
-              <a:gd name="connsiteX1" fmla="*/ 917384 w 4990147"/>
-              <a:gd name="connsiteY1" fmla="*/ 4439131 h 4439131"/>
-              <a:gd name="connsiteX2" fmla="*/ 910814 w 4990147"/>
-              <a:gd name="connsiteY2" fmla="*/ 4434219 h 4439131"/>
-              <a:gd name="connsiteX3" fmla="*/ 0 w 4990147"/>
-              <a:gd name="connsiteY3" fmla="*/ 2502877 h 4439131"/>
-              <a:gd name="connsiteX4" fmla="*/ 2502877 w 4990147"/>
-              <a:gd name="connsiteY4" fmla="*/ 0 h 4439131"/>
-              <a:gd name="connsiteX5" fmla="*/ 4954904 w 4990147"/>
-              <a:gd name="connsiteY5" fmla="*/ 1998460 h 4439131"/>
-            </a:gdLst>
-            <a:ahLst/>
-            <a:cxnLst>
-              <a:cxn ang="0">
-                <a:pos x="connsiteX0" y="connsiteY0"/>
-              </a:cxn>
-              <a:cxn ang="0">
-                <a:pos x="connsiteX1" y="connsiteY1"/>
-              </a:cxn>
-              <a:cxn ang="0">
-                <a:pos x="connsiteX2" y="connsiteY2"/>
-              </a:cxn>
-              <a:cxn ang="0">
-                <a:pos x="connsiteX3" y="connsiteY3"/>
-              </a:cxn>
-              <a:cxn ang="0">
-                <a:pos x="connsiteX4" y="connsiteY4"/>
-              </a:cxn>
-              <a:cxn ang="0">
-                <a:pos x="connsiteX5" y="connsiteY5"/>
-              </a:cxn>
-            </a:cxnLst>
-            <a:rect l="l" t="t" r="r" b="b"/>
-            <a:pathLst>
-              <a:path w="4990147" h="4439131">
-                <a:moveTo>
-                  <a:pt x="4990147" y="2229378"/>
-                </a:moveTo>
-                <a:lnTo>
-                  <a:pt x="917384" y="4439131"/>
-                </a:lnTo>
-                <a:lnTo>
-                  <a:pt x="910814" y="4434219"/>
-                </a:lnTo>
-                <a:cubicBezTo>
-                  <a:pt x="354557" y="3975154"/>
-                  <a:pt x="0" y="3280421"/>
-                  <a:pt x="0" y="2502877"/>
-                </a:cubicBezTo>
-                <a:cubicBezTo>
-                  <a:pt x="0" y="1120576"/>
-                  <a:pt x="1120576" y="0"/>
-                  <a:pt x="2502877" y="0"/>
-                </a:cubicBezTo>
-                <a:cubicBezTo>
-                  <a:pt x="3712390" y="0"/>
-                  <a:pt x="4721520" y="857941"/>
-                  <a:pt x="4954904" y="1998460"/>
-                </a:cubicBezTo>
-                <a:close/>
-              </a:path>
-            </a:pathLst>
-          </a:custGeom>
-          <a:gradFill>
-            <a:gsLst>
-              <a:gs pos="0">
-                <a:schemeClr val="accent1">
-                  <a:alpha val="22000"/>
-                </a:schemeClr>
-              </a:gs>
-              <a:gs pos="87000">
-                <a:schemeClr val="accent1">
-                  <a:lumMod val="60000"/>
-                  <a:lumOff val="40000"/>
-                  <a:alpha val="2000"/>
-                </a:schemeClr>
-              </a:gs>
-            </a:gsLst>
-            <a:lin ang="8400000" scaled="0"/>
-          </a:gradFill>
-          <a:ln>
-            <a:noFill/>
-          </a:ln>
-        </p:spPr>
-        <p:style>
-          <a:lnRef idx="2">
-            <a:schemeClr val="accent1">
-              <a:shade val="50000"/>
-            </a:schemeClr>
-          </a:lnRef>
-          <a:fillRef idx="1">
-            <a:schemeClr val="accent1"/>
-          </a:fillRef>
-          <a:effectRef idx="0">
-            <a:schemeClr val="accent1"/>
-          </a:effectRef>
-          <a:fontRef idx="minor">
-            <a:schemeClr val="lt1"/>
-          </a:fontRef>
-        </p:style>
-        <p:txBody>
-          <a:bodyPr wrap="square" rtlCol="0" anchor="ctr">
-            <a:noAutofit/>
-          </a:bodyPr>
-          <a:lstStyle/>
-          <a:p>
-            <a:pPr algn="ctr"/>
-            <a:endParaRPr lang="en-US" dirty="0"/>
-          </a:p>
-        </p:txBody>
-      </p:sp>
-      <p:sp>
-        <p:nvSpPr>
-          <p:cNvPr id="2" name="Τίτλος 1">
-            <a:extLst>
-              <a:ext uri="{FF2B5EF4-FFF2-40B4-BE49-F238E27FC236}">
-                <a16:creationId xmlns:a16="http://schemas.microsoft.com/office/drawing/2014/main" id="{6714AD72-B417-F90B-E96E-37A3669C7037}"/>
-              </a:ext>
-            </a:extLst>
-          </p:cNvPr>
-          <p:cNvSpPr>
-            <a:spLocks noGrp="1"/>
-          </p:cNvSpPr>
-          <p:nvPr>
-            <p:ph type="title"/>
-          </p:nvPr>
-        </p:nvSpPr>
-        <p:spPr>
-          <a:xfrm>
-            <a:off x="1314824" y="735106"/>
-            <a:ext cx="10053763" cy="2928470"/>
-          </a:xfrm>
-        </p:spPr>
-        <p:txBody>
-          <a:bodyPr vert="horz" lIns="91440" tIns="45720" rIns="91440" bIns="45720" rtlCol="0" anchor="b">
-            <a:normAutofit/>
-          </a:bodyPr>
-          <a:lstStyle/>
-          <a:p>
-            <a:pPr algn="ctr"/>
-            <a:r>
-              <a:rPr lang="en-US" sz="4800" dirty="0">
-                <a:solidFill>
-                  <a:schemeClr val="tx2">
-                    <a:lumMod val="25000"/>
-                    <a:lumOff val="75000"/>
-                  </a:schemeClr>
-                </a:solidFill>
-              </a:rPr>
-              <a:t>THANK YOU FOR YOUR TIME</a:t>
-            </a:r>
-            <a:endParaRPr lang="en-US" sz="4800" kern="1200" dirty="0">
-              <a:solidFill>
-                <a:schemeClr val="tx2">
-                  <a:lumMod val="25000"/>
-                  <a:lumOff val="75000"/>
-                </a:schemeClr>
-              </a:solidFill>
-              <a:latin typeface="+mj-lt"/>
-              <a:ea typeface="+mj-ea"/>
-              <a:cs typeface="+mj-cs"/>
-            </a:endParaRPr>
-          </a:p>
-        </p:txBody>
-      </p:sp>
-    </p:spTree>
-    <p:extLst>
-      <p:ext uri="{BB962C8B-B14F-4D97-AF65-F5344CB8AC3E}">
-        <p14:creationId xmlns:p14="http://schemas.microsoft.com/office/powerpoint/2010/main" val="2365786142"/>
-      </p:ext>
-    </p:extLst>
-  </p:cSld>
-  <p:clrMapOvr>
-    <a:masterClrMapping/>
-  </p:clrMapOvr>
-  <p:transition spd="slow">
-    <p:wipe dir="u"/>
-  </p:transition>
 </p:sld>
 </file>
 
